--- a/Praesentationen/Abschlussvortrag.pptx
+++ b/Praesentationen/Abschlussvortrag.pptx
@@ -10776,7 +10776,12 @@
             <a:fillRect/>
           </a:stretch>
         </p:blipFill>
-        <p:spPr/>
+        <p:spPr>
+          <a:xfrm>
+            <a:off x="0" y="1407600"/>
+            <a:ext cx="9144000" cy="3681925"/>
+          </a:xfrm>
+        </p:spPr>
       </p:pic>
       <p:sp>
         <p:nvSpPr>
@@ -10828,67 +10833,58 @@
         </p:nvSpPr>
         <p:spPr/>
         <p:txBody>
-          <a:bodyPr/>
+          <a:bodyPr anchor="t"/>
           <a:lstStyle/>
           <a:p>
+            <a:r>
+              <a:rPr lang="en-US" sz="2400" dirty="0" err="1"/>
+              <a:t>Untersuchung</a:t>
+            </a:r>
+            <a:r>
+              <a:rPr lang="en-US" sz="2400" dirty="0"/>
+              <a:t> und </a:t>
+            </a:r>
             <a:br>
               <a:rPr lang="en-US" sz="2400" dirty="0"/>
             </a:br>
+            <a:r>
+              <a:rPr lang="en-US" sz="2400" dirty="0" err="1"/>
+              <a:t>prototypische</a:t>
+            </a:r>
+            <a:r>
+              <a:rPr lang="en-US" sz="2400" dirty="0"/>
+              <a:t> </a:t>
+            </a:r>
             <a:br>
               <a:rPr lang="en-US" sz="2400" dirty="0"/>
             </a:br>
+            <a:r>
+              <a:rPr lang="de-DE" sz="2400" dirty="0"/>
+              <a:t>Umsetzung</a:t>
+            </a:r>
+            <a:r>
+              <a:rPr lang="en-US" sz="2400" dirty="0"/>
+              <a:t> </a:t>
+            </a:r>
+            <a:r>
+              <a:rPr lang="en-US" sz="2400" dirty="0" err="1"/>
+              <a:t>eines</a:t>
+            </a:r>
+            <a:r>
+              <a:rPr lang="en-US" sz="2400" dirty="0"/>
+              <a:t> </a:t>
+            </a:r>
             <a:br>
               <a:rPr lang="en-US" sz="2400" dirty="0"/>
             </a:br>
             <a:r>
-              <a:rPr lang="en-US" sz="2400" dirty="0" err="1"/>
-              <a:t>Untersuchung</a:t>
-            </a:r>
-            <a:r>
               <a:rPr lang="en-US" sz="2400" dirty="0"/>
-              <a:t> und </a:t>
+              <a:t>Lifelong DNN</a:t>
             </a:r>
             <a:br>
               <a:rPr lang="en-US" sz="2400" dirty="0"/>
             </a:br>
             <a:r>
-              <a:rPr lang="en-US" sz="2400" dirty="0" err="1"/>
-              <a:t>prototypische</a:t>
-            </a:r>
-            <a:r>
-              <a:rPr lang="en-US" sz="2400" dirty="0"/>
-              <a:t> </a:t>
-            </a:r>
-            <a:br>
-              <a:rPr lang="en-US" sz="2400" dirty="0"/>
-            </a:br>
-            <a:r>
-              <a:rPr lang="de-DE" sz="2400" dirty="0"/>
-              <a:t>Umsetzung</a:t>
-            </a:r>
-            <a:r>
-              <a:rPr lang="en-US" sz="2400" dirty="0"/>
-              <a:t> </a:t>
-            </a:r>
-            <a:r>
-              <a:rPr lang="en-US" sz="2400" dirty="0" err="1"/>
-              <a:t>eines</a:t>
-            </a:r>
-            <a:r>
-              <a:rPr lang="en-US" sz="2400" dirty="0"/>
-              <a:t> </a:t>
-            </a:r>
-            <a:br>
-              <a:rPr lang="en-US" sz="2400" dirty="0"/>
-            </a:br>
-            <a:r>
-              <a:rPr lang="en-US" sz="2400" dirty="0"/>
-              <a:t>Lifelong DNN</a:t>
-            </a:r>
-            <a:br>
-              <a:rPr lang="en-US" sz="2400" dirty="0"/>
-            </a:br>
-            <a:r>
               <a:rPr lang="de-DE" sz="2400" dirty="0"/>
               <a:t>Algorithmus</a:t>
             </a:r>
@@ -10908,7 +10904,7 @@
         </p:nvSpPr>
         <p:spPr/>
         <p:txBody>
-          <a:bodyPr/>
+          <a:bodyPr anchor="ctr"/>
           <a:lstStyle/>
           <a:p>
             <a:r>

--- a/Praesentationen/Abschlussvortrag.pptx
+++ b/Praesentationen/Abschlussvortrag.pptx
@@ -5,15 +5,21 @@
     <p:sldMasterId id="2147483660" r:id="rId1"/>
   </p:sldMasterIdLst>
   <p:notesMasterIdLst>
-    <p:notesMasterId r:id="rId5"/>
+    <p:notesMasterId r:id="rId11"/>
   </p:notesMasterIdLst>
   <p:handoutMasterIdLst>
-    <p:handoutMasterId r:id="rId6"/>
+    <p:handoutMasterId r:id="rId12"/>
   </p:handoutMasterIdLst>
   <p:sldIdLst>
     <p:sldId id="258" r:id="rId2"/>
-    <p:sldId id="261" r:id="rId3"/>
-    <p:sldId id="293" r:id="rId4"/>
+    <p:sldId id="294" r:id="rId3"/>
+    <p:sldId id="295" r:id="rId4"/>
+    <p:sldId id="297" r:id="rId5"/>
+    <p:sldId id="298" r:id="rId6"/>
+    <p:sldId id="299" r:id="rId7"/>
+    <p:sldId id="300" r:id="rId8"/>
+    <p:sldId id="261" r:id="rId9"/>
+    <p:sldId id="293" r:id="rId10"/>
   </p:sldIdLst>
   <p:sldSz cx="9144000" cy="5715000" type="screen16x10"/>
   <p:notesSz cx="6858000" cy="9144000"/>
@@ -123,6 +129,4407 @@
 </p:presentation>
 </file>
 
+<file path=ppt/diagrams/colors1.xml><?xml version="1.0" encoding="utf-8"?>
+<dgm:colorsDef xmlns:dgm="http://schemas.openxmlformats.org/drawingml/2006/diagram" xmlns:a="http://schemas.openxmlformats.org/drawingml/2006/main" uniqueId="urn:microsoft.com/office/officeart/2005/8/colors/accent1_2">
+  <dgm:title val=""/>
+  <dgm:desc val=""/>
+  <dgm:catLst>
+    <dgm:cat type="accent1" pri="11200"/>
+  </dgm:catLst>
+  <dgm:styleLbl name="node0">
+    <dgm:fillClrLst meth="repeat">
+      <a:schemeClr val="accent1"/>
+    </dgm:fillClrLst>
+    <dgm:linClrLst meth="repeat">
+      <a:schemeClr val="lt1"/>
+    </dgm:linClrLst>
+    <dgm:effectClrLst/>
+    <dgm:txLinClrLst/>
+    <dgm:txFillClrLst/>
+    <dgm:txEffectClrLst/>
+  </dgm:styleLbl>
+  <dgm:styleLbl name="alignNode1">
+    <dgm:fillClrLst meth="repeat">
+      <a:schemeClr val="accent1"/>
+    </dgm:fillClrLst>
+    <dgm:linClrLst meth="repeat">
+      <a:schemeClr val="accent1"/>
+    </dgm:linClrLst>
+    <dgm:effectClrLst/>
+    <dgm:txLinClrLst/>
+    <dgm:txFillClrLst/>
+    <dgm:txEffectClrLst/>
+  </dgm:styleLbl>
+  <dgm:styleLbl name="node1">
+    <dgm:fillClrLst meth="repeat">
+      <a:schemeClr val="accent1"/>
+    </dgm:fillClrLst>
+    <dgm:linClrLst meth="repeat">
+      <a:schemeClr val="lt1"/>
+    </dgm:linClrLst>
+    <dgm:effectClrLst/>
+    <dgm:txLinClrLst/>
+    <dgm:txFillClrLst/>
+    <dgm:txEffectClrLst/>
+  </dgm:styleLbl>
+  <dgm:styleLbl name="lnNode1">
+    <dgm:fillClrLst meth="repeat">
+      <a:schemeClr val="accent1"/>
+    </dgm:fillClrLst>
+    <dgm:linClrLst meth="repeat">
+      <a:schemeClr val="lt1"/>
+    </dgm:linClrLst>
+    <dgm:effectClrLst/>
+    <dgm:txLinClrLst/>
+    <dgm:txFillClrLst/>
+    <dgm:txEffectClrLst/>
+  </dgm:styleLbl>
+  <dgm:styleLbl name="vennNode1">
+    <dgm:fillClrLst meth="repeat">
+      <a:schemeClr val="accent1">
+        <a:alpha val="50000"/>
+      </a:schemeClr>
+    </dgm:fillClrLst>
+    <dgm:linClrLst meth="repeat">
+      <a:schemeClr val="lt1"/>
+    </dgm:linClrLst>
+    <dgm:effectClrLst/>
+    <dgm:txLinClrLst/>
+    <dgm:txFillClrLst/>
+    <dgm:txEffectClrLst/>
+  </dgm:styleLbl>
+  <dgm:styleLbl name="node2">
+    <dgm:fillClrLst meth="repeat">
+      <a:schemeClr val="accent1"/>
+    </dgm:fillClrLst>
+    <dgm:linClrLst meth="repeat">
+      <a:schemeClr val="lt1"/>
+    </dgm:linClrLst>
+    <dgm:effectClrLst/>
+    <dgm:txLinClrLst/>
+    <dgm:txFillClrLst/>
+    <dgm:txEffectClrLst/>
+  </dgm:styleLbl>
+  <dgm:styleLbl name="node3">
+    <dgm:fillClrLst meth="repeat">
+      <a:schemeClr val="accent1"/>
+    </dgm:fillClrLst>
+    <dgm:linClrLst meth="repeat">
+      <a:schemeClr val="lt1"/>
+    </dgm:linClrLst>
+    <dgm:effectClrLst/>
+    <dgm:txLinClrLst/>
+    <dgm:txFillClrLst/>
+    <dgm:txEffectClrLst/>
+  </dgm:styleLbl>
+  <dgm:styleLbl name="node4">
+    <dgm:fillClrLst meth="repeat">
+      <a:schemeClr val="accent1"/>
+    </dgm:fillClrLst>
+    <dgm:linClrLst meth="repeat">
+      <a:schemeClr val="lt1"/>
+    </dgm:linClrLst>
+    <dgm:effectClrLst/>
+    <dgm:txLinClrLst/>
+    <dgm:txFillClrLst/>
+    <dgm:txEffectClrLst/>
+  </dgm:styleLbl>
+  <dgm:styleLbl name="fgImgPlace1">
+    <dgm:fillClrLst meth="repeat">
+      <a:schemeClr val="accent1">
+        <a:tint val="50000"/>
+      </a:schemeClr>
+    </dgm:fillClrLst>
+    <dgm:linClrLst meth="repeat">
+      <a:schemeClr val="lt1"/>
+    </dgm:linClrLst>
+    <dgm:effectClrLst/>
+    <dgm:txLinClrLst/>
+    <dgm:txFillClrLst meth="repeat">
+      <a:schemeClr val="lt1"/>
+    </dgm:txFillClrLst>
+    <dgm:txEffectClrLst/>
+  </dgm:styleLbl>
+  <dgm:styleLbl name="alignImgPlace1">
+    <dgm:fillClrLst meth="repeat">
+      <a:schemeClr val="accent1">
+        <a:tint val="50000"/>
+      </a:schemeClr>
+    </dgm:fillClrLst>
+    <dgm:linClrLst meth="repeat">
+      <a:schemeClr val="lt1"/>
+    </dgm:linClrLst>
+    <dgm:effectClrLst/>
+    <dgm:txLinClrLst/>
+    <dgm:txFillClrLst meth="repeat">
+      <a:schemeClr val="lt1"/>
+    </dgm:txFillClrLst>
+    <dgm:txEffectClrLst/>
+  </dgm:styleLbl>
+  <dgm:styleLbl name="bgImgPlace1">
+    <dgm:fillClrLst meth="repeat">
+      <a:schemeClr val="accent1">
+        <a:tint val="50000"/>
+      </a:schemeClr>
+    </dgm:fillClrLst>
+    <dgm:linClrLst meth="repeat">
+      <a:schemeClr val="lt1"/>
+    </dgm:linClrLst>
+    <dgm:effectClrLst/>
+    <dgm:txLinClrLst/>
+    <dgm:txFillClrLst meth="repeat">
+      <a:schemeClr val="lt1"/>
+    </dgm:txFillClrLst>
+    <dgm:txEffectClrLst/>
+  </dgm:styleLbl>
+  <dgm:styleLbl name="sibTrans2D1">
+    <dgm:fillClrLst meth="repeat">
+      <a:schemeClr val="accent1">
+        <a:tint val="60000"/>
+      </a:schemeClr>
+    </dgm:fillClrLst>
+    <dgm:linClrLst meth="repeat">
+      <a:schemeClr val="accent1">
+        <a:tint val="60000"/>
+      </a:schemeClr>
+    </dgm:linClrLst>
+    <dgm:effectClrLst/>
+    <dgm:txLinClrLst/>
+    <dgm:txFillClrLst/>
+    <dgm:txEffectClrLst/>
+  </dgm:styleLbl>
+  <dgm:styleLbl name="fgSibTrans2D1">
+    <dgm:fillClrLst meth="repeat">
+      <a:schemeClr val="accent1">
+        <a:tint val="60000"/>
+      </a:schemeClr>
+    </dgm:fillClrLst>
+    <dgm:linClrLst meth="repeat">
+      <a:schemeClr val="accent1">
+        <a:tint val="60000"/>
+      </a:schemeClr>
+    </dgm:linClrLst>
+    <dgm:effectClrLst/>
+    <dgm:txLinClrLst/>
+    <dgm:txFillClrLst/>
+    <dgm:txEffectClrLst/>
+  </dgm:styleLbl>
+  <dgm:styleLbl name="bgSibTrans2D1">
+    <dgm:fillClrLst meth="repeat">
+      <a:schemeClr val="accent1">
+        <a:tint val="60000"/>
+      </a:schemeClr>
+    </dgm:fillClrLst>
+    <dgm:linClrLst meth="repeat">
+      <a:schemeClr val="accent1">
+        <a:tint val="60000"/>
+      </a:schemeClr>
+    </dgm:linClrLst>
+    <dgm:effectClrLst/>
+    <dgm:txLinClrLst/>
+    <dgm:txFillClrLst/>
+    <dgm:txEffectClrLst/>
+  </dgm:styleLbl>
+  <dgm:styleLbl name="sibTrans1D1">
+    <dgm:fillClrLst meth="repeat">
+      <a:schemeClr val="accent1"/>
+    </dgm:fillClrLst>
+    <dgm:linClrLst meth="repeat">
+      <a:schemeClr val="accent1"/>
+    </dgm:linClrLst>
+    <dgm:effectClrLst/>
+    <dgm:txLinClrLst/>
+    <dgm:txFillClrLst meth="repeat">
+      <a:schemeClr val="tx1"/>
+    </dgm:txFillClrLst>
+    <dgm:txEffectClrLst/>
+  </dgm:styleLbl>
+  <dgm:styleLbl name="callout">
+    <dgm:fillClrLst meth="repeat">
+      <a:schemeClr val="accent1"/>
+    </dgm:fillClrLst>
+    <dgm:linClrLst meth="repeat">
+      <a:schemeClr val="accent1">
+        <a:tint val="50000"/>
+      </a:schemeClr>
+    </dgm:linClrLst>
+    <dgm:effectClrLst/>
+    <dgm:txLinClrLst/>
+    <dgm:txFillClrLst meth="repeat">
+      <a:schemeClr val="tx1"/>
+    </dgm:txFillClrLst>
+    <dgm:txEffectClrLst/>
+  </dgm:styleLbl>
+  <dgm:styleLbl name="asst0">
+    <dgm:fillClrLst meth="repeat">
+      <a:schemeClr val="accent1"/>
+    </dgm:fillClrLst>
+    <dgm:linClrLst meth="repeat">
+      <a:schemeClr val="lt1"/>
+    </dgm:linClrLst>
+    <dgm:effectClrLst/>
+    <dgm:txLinClrLst/>
+    <dgm:txFillClrLst/>
+    <dgm:txEffectClrLst/>
+  </dgm:styleLbl>
+  <dgm:styleLbl name="asst1">
+    <dgm:fillClrLst meth="repeat">
+      <a:schemeClr val="accent1"/>
+    </dgm:fillClrLst>
+    <dgm:linClrLst meth="repeat">
+      <a:schemeClr val="lt1"/>
+    </dgm:linClrLst>
+    <dgm:effectClrLst/>
+    <dgm:txLinClrLst/>
+    <dgm:txFillClrLst/>
+    <dgm:txEffectClrLst/>
+  </dgm:styleLbl>
+  <dgm:styleLbl name="asst2">
+    <dgm:fillClrLst meth="repeat">
+      <a:schemeClr val="accent1"/>
+    </dgm:fillClrLst>
+    <dgm:linClrLst meth="repeat">
+      <a:schemeClr val="lt1"/>
+    </dgm:linClrLst>
+    <dgm:effectClrLst/>
+    <dgm:txLinClrLst/>
+    <dgm:txFillClrLst/>
+    <dgm:txEffectClrLst/>
+  </dgm:styleLbl>
+  <dgm:styleLbl name="asst3">
+    <dgm:fillClrLst meth="repeat">
+      <a:schemeClr val="accent1"/>
+    </dgm:fillClrLst>
+    <dgm:linClrLst meth="repeat">
+      <a:schemeClr val="lt1"/>
+    </dgm:linClrLst>
+    <dgm:effectClrLst/>
+    <dgm:txLinClrLst/>
+    <dgm:txFillClrLst/>
+    <dgm:txEffectClrLst/>
+  </dgm:styleLbl>
+  <dgm:styleLbl name="asst4">
+    <dgm:fillClrLst meth="repeat">
+      <a:schemeClr val="accent1"/>
+    </dgm:fillClrLst>
+    <dgm:linClrLst meth="repeat">
+      <a:schemeClr val="lt1"/>
+    </dgm:linClrLst>
+    <dgm:effectClrLst/>
+    <dgm:txLinClrLst/>
+    <dgm:txFillClrLst/>
+    <dgm:txEffectClrLst/>
+  </dgm:styleLbl>
+  <dgm:styleLbl name="parChTrans2D1">
+    <dgm:fillClrLst meth="repeat">
+      <a:schemeClr val="accent1">
+        <a:tint val="60000"/>
+      </a:schemeClr>
+    </dgm:fillClrLst>
+    <dgm:linClrLst meth="repeat">
+      <a:schemeClr val="accent1">
+        <a:tint val="60000"/>
+      </a:schemeClr>
+    </dgm:linClrLst>
+    <dgm:effectClrLst/>
+    <dgm:txLinClrLst/>
+    <dgm:txFillClrLst meth="repeat">
+      <a:schemeClr val="lt1"/>
+    </dgm:txFillClrLst>
+    <dgm:txEffectClrLst/>
+  </dgm:styleLbl>
+  <dgm:styleLbl name="parChTrans2D2">
+    <dgm:fillClrLst meth="repeat">
+      <a:schemeClr val="accent1"/>
+    </dgm:fillClrLst>
+    <dgm:linClrLst meth="repeat">
+      <a:schemeClr val="accent1"/>
+    </dgm:linClrLst>
+    <dgm:effectClrLst/>
+    <dgm:txLinClrLst/>
+    <dgm:txFillClrLst meth="repeat">
+      <a:schemeClr val="lt1"/>
+    </dgm:txFillClrLst>
+    <dgm:txEffectClrLst/>
+  </dgm:styleLbl>
+  <dgm:styleLbl name="parChTrans2D3">
+    <dgm:fillClrLst meth="repeat">
+      <a:schemeClr val="accent1"/>
+    </dgm:fillClrLst>
+    <dgm:linClrLst meth="repeat">
+      <a:schemeClr val="accent1"/>
+    </dgm:linClrLst>
+    <dgm:effectClrLst/>
+    <dgm:txLinClrLst/>
+    <dgm:txFillClrLst meth="repeat">
+      <a:schemeClr val="lt1"/>
+    </dgm:txFillClrLst>
+    <dgm:txEffectClrLst/>
+  </dgm:styleLbl>
+  <dgm:styleLbl name="parChTrans2D4">
+    <dgm:fillClrLst meth="repeat">
+      <a:schemeClr val="accent1"/>
+    </dgm:fillClrLst>
+    <dgm:linClrLst meth="repeat">
+      <a:schemeClr val="accent1"/>
+    </dgm:linClrLst>
+    <dgm:effectClrLst/>
+    <dgm:txLinClrLst/>
+    <dgm:txFillClrLst meth="repeat">
+      <a:schemeClr val="lt1"/>
+    </dgm:txFillClrLst>
+    <dgm:txEffectClrLst/>
+  </dgm:styleLbl>
+  <dgm:styleLbl name="parChTrans1D1">
+    <dgm:fillClrLst meth="repeat">
+      <a:schemeClr val="accent1"/>
+    </dgm:fillClrLst>
+    <dgm:linClrLst meth="repeat">
+      <a:schemeClr val="accent1">
+        <a:shade val="60000"/>
+      </a:schemeClr>
+    </dgm:linClrLst>
+    <dgm:effectClrLst/>
+    <dgm:txLinClrLst/>
+    <dgm:txFillClrLst meth="repeat">
+      <a:schemeClr val="tx1"/>
+    </dgm:txFillClrLst>
+    <dgm:txEffectClrLst/>
+  </dgm:styleLbl>
+  <dgm:styleLbl name="parChTrans1D2">
+    <dgm:fillClrLst meth="repeat">
+      <a:schemeClr val="accent1"/>
+    </dgm:fillClrLst>
+    <dgm:linClrLst meth="repeat">
+      <a:schemeClr val="accent1">
+        <a:shade val="60000"/>
+      </a:schemeClr>
+    </dgm:linClrLst>
+    <dgm:effectClrLst/>
+    <dgm:txLinClrLst/>
+    <dgm:txFillClrLst meth="repeat">
+      <a:schemeClr val="tx1"/>
+    </dgm:txFillClrLst>
+    <dgm:txEffectClrLst/>
+  </dgm:styleLbl>
+  <dgm:styleLbl name="parChTrans1D3">
+    <dgm:fillClrLst meth="repeat">
+      <a:schemeClr val="accent1"/>
+    </dgm:fillClrLst>
+    <dgm:linClrLst meth="repeat">
+      <a:schemeClr val="accent1">
+        <a:shade val="80000"/>
+      </a:schemeClr>
+    </dgm:linClrLst>
+    <dgm:effectClrLst/>
+    <dgm:txLinClrLst/>
+    <dgm:txFillClrLst meth="repeat">
+      <a:schemeClr val="tx1"/>
+    </dgm:txFillClrLst>
+    <dgm:txEffectClrLst/>
+  </dgm:styleLbl>
+  <dgm:styleLbl name="parChTrans1D4">
+    <dgm:fillClrLst meth="repeat">
+      <a:schemeClr val="accent1"/>
+    </dgm:fillClrLst>
+    <dgm:linClrLst meth="repeat">
+      <a:schemeClr val="accent1">
+        <a:shade val="80000"/>
+      </a:schemeClr>
+    </dgm:linClrLst>
+    <dgm:effectClrLst/>
+    <dgm:txLinClrLst/>
+    <dgm:txFillClrLst meth="repeat">
+      <a:schemeClr val="tx1"/>
+    </dgm:txFillClrLst>
+    <dgm:txEffectClrLst/>
+  </dgm:styleLbl>
+  <dgm:styleLbl name="fgAcc1">
+    <dgm:fillClrLst meth="repeat">
+      <a:schemeClr val="lt1">
+        <a:alpha val="90000"/>
+      </a:schemeClr>
+    </dgm:fillClrLst>
+    <dgm:linClrLst meth="repeat">
+      <a:schemeClr val="accent1"/>
+    </dgm:linClrLst>
+    <dgm:effectClrLst/>
+    <dgm:txLinClrLst/>
+    <dgm:txFillClrLst meth="repeat">
+      <a:schemeClr val="dk1"/>
+    </dgm:txFillClrLst>
+    <dgm:txEffectClrLst/>
+  </dgm:styleLbl>
+  <dgm:styleLbl name="conFgAcc1">
+    <dgm:fillClrLst meth="repeat">
+      <a:schemeClr val="lt1">
+        <a:alpha val="90000"/>
+      </a:schemeClr>
+    </dgm:fillClrLst>
+    <dgm:linClrLst meth="repeat">
+      <a:schemeClr val="accent1"/>
+    </dgm:linClrLst>
+    <dgm:effectClrLst/>
+    <dgm:txLinClrLst/>
+    <dgm:txFillClrLst meth="repeat">
+      <a:schemeClr val="dk1"/>
+    </dgm:txFillClrLst>
+    <dgm:txEffectClrLst/>
+  </dgm:styleLbl>
+  <dgm:styleLbl name="alignAcc1">
+    <dgm:fillClrLst meth="repeat">
+      <a:schemeClr val="lt1">
+        <a:alpha val="90000"/>
+      </a:schemeClr>
+    </dgm:fillClrLst>
+    <dgm:linClrLst meth="repeat">
+      <a:schemeClr val="accent1"/>
+    </dgm:linClrLst>
+    <dgm:effectClrLst/>
+    <dgm:txLinClrLst/>
+    <dgm:txFillClrLst meth="repeat">
+      <a:schemeClr val="dk1"/>
+    </dgm:txFillClrLst>
+    <dgm:txEffectClrLst/>
+  </dgm:styleLbl>
+  <dgm:styleLbl name="trAlignAcc1">
+    <dgm:fillClrLst meth="repeat">
+      <a:schemeClr val="lt1">
+        <a:alpha val="40000"/>
+      </a:schemeClr>
+    </dgm:fillClrLst>
+    <dgm:linClrLst meth="repeat">
+      <a:schemeClr val="accent1"/>
+    </dgm:linClrLst>
+    <dgm:effectClrLst/>
+    <dgm:txLinClrLst/>
+    <dgm:txFillClrLst meth="repeat">
+      <a:schemeClr val="dk1"/>
+    </dgm:txFillClrLst>
+    <dgm:txEffectClrLst/>
+  </dgm:styleLbl>
+  <dgm:styleLbl name="bgAcc1">
+    <dgm:fillClrLst meth="repeat">
+      <a:schemeClr val="lt1">
+        <a:alpha val="90000"/>
+      </a:schemeClr>
+    </dgm:fillClrLst>
+    <dgm:linClrLst meth="repeat">
+      <a:schemeClr val="accent1"/>
+    </dgm:linClrLst>
+    <dgm:effectClrLst/>
+    <dgm:txLinClrLst/>
+    <dgm:txFillClrLst meth="repeat">
+      <a:schemeClr val="dk1"/>
+    </dgm:txFillClrLst>
+    <dgm:txEffectClrLst/>
+  </dgm:styleLbl>
+  <dgm:styleLbl name="solidFgAcc1">
+    <dgm:fillClrLst meth="repeat">
+      <a:schemeClr val="lt1"/>
+    </dgm:fillClrLst>
+    <dgm:linClrLst meth="repeat">
+      <a:schemeClr val="accent1"/>
+    </dgm:linClrLst>
+    <dgm:effectClrLst/>
+    <dgm:txLinClrLst/>
+    <dgm:txFillClrLst meth="repeat">
+      <a:schemeClr val="dk1"/>
+    </dgm:txFillClrLst>
+    <dgm:txEffectClrLst/>
+  </dgm:styleLbl>
+  <dgm:styleLbl name="solidAlignAcc1">
+    <dgm:fillClrLst meth="repeat">
+      <a:schemeClr val="lt1"/>
+    </dgm:fillClrLst>
+    <dgm:linClrLst meth="repeat">
+      <a:schemeClr val="accent1"/>
+    </dgm:linClrLst>
+    <dgm:effectClrLst/>
+    <dgm:txLinClrLst/>
+    <dgm:txFillClrLst meth="repeat">
+      <a:schemeClr val="dk1"/>
+    </dgm:txFillClrLst>
+    <dgm:txEffectClrLst/>
+  </dgm:styleLbl>
+  <dgm:styleLbl name="solidBgAcc1">
+    <dgm:fillClrLst meth="repeat">
+      <a:schemeClr val="lt1"/>
+    </dgm:fillClrLst>
+    <dgm:linClrLst meth="repeat">
+      <a:schemeClr val="accent1"/>
+    </dgm:linClrLst>
+    <dgm:effectClrLst/>
+    <dgm:txLinClrLst/>
+    <dgm:txFillClrLst meth="repeat">
+      <a:schemeClr val="dk1"/>
+    </dgm:txFillClrLst>
+    <dgm:txEffectClrLst/>
+  </dgm:styleLbl>
+  <dgm:styleLbl name="fgAccFollowNode1">
+    <dgm:fillClrLst meth="repeat">
+      <a:schemeClr val="accent1">
+        <a:alpha val="90000"/>
+        <a:tint val="40000"/>
+      </a:schemeClr>
+    </dgm:fillClrLst>
+    <dgm:linClrLst meth="repeat">
+      <a:schemeClr val="accent1">
+        <a:alpha val="90000"/>
+        <a:tint val="40000"/>
+      </a:schemeClr>
+    </dgm:linClrLst>
+    <dgm:effectClrLst/>
+    <dgm:txLinClrLst/>
+    <dgm:txFillClrLst meth="repeat">
+      <a:schemeClr val="dk1"/>
+    </dgm:txFillClrLst>
+    <dgm:txEffectClrLst/>
+  </dgm:styleLbl>
+  <dgm:styleLbl name="alignAccFollowNode1">
+    <dgm:fillClrLst meth="repeat">
+      <a:schemeClr val="accent1">
+        <a:alpha val="90000"/>
+        <a:tint val="40000"/>
+      </a:schemeClr>
+    </dgm:fillClrLst>
+    <dgm:linClrLst meth="repeat">
+      <a:schemeClr val="accent1">
+        <a:alpha val="90000"/>
+        <a:tint val="40000"/>
+      </a:schemeClr>
+    </dgm:linClrLst>
+    <dgm:effectClrLst/>
+    <dgm:txLinClrLst/>
+    <dgm:txFillClrLst meth="repeat">
+      <a:schemeClr val="dk1"/>
+    </dgm:txFillClrLst>
+    <dgm:txEffectClrLst/>
+  </dgm:styleLbl>
+  <dgm:styleLbl name="bgAccFollowNode1">
+    <dgm:fillClrLst meth="repeat">
+      <a:schemeClr val="accent1">
+        <a:alpha val="90000"/>
+        <a:tint val="40000"/>
+      </a:schemeClr>
+    </dgm:fillClrLst>
+    <dgm:linClrLst meth="repeat">
+      <a:schemeClr val="accent1">
+        <a:alpha val="90000"/>
+        <a:tint val="40000"/>
+      </a:schemeClr>
+    </dgm:linClrLst>
+    <dgm:effectClrLst/>
+    <dgm:txLinClrLst/>
+    <dgm:txFillClrLst meth="repeat">
+      <a:schemeClr val="dk1"/>
+    </dgm:txFillClrLst>
+    <dgm:txEffectClrLst/>
+  </dgm:styleLbl>
+  <dgm:styleLbl name="fgAcc0">
+    <dgm:fillClrLst meth="repeat">
+      <a:schemeClr val="lt1">
+        <a:alpha val="90000"/>
+      </a:schemeClr>
+    </dgm:fillClrLst>
+    <dgm:linClrLst meth="repeat">
+      <a:schemeClr val="accent1"/>
+    </dgm:linClrLst>
+    <dgm:effectClrLst/>
+    <dgm:txLinClrLst/>
+    <dgm:txFillClrLst meth="repeat">
+      <a:schemeClr val="dk1"/>
+    </dgm:txFillClrLst>
+    <dgm:txEffectClrLst/>
+  </dgm:styleLbl>
+  <dgm:styleLbl name="fgAcc2">
+    <dgm:fillClrLst meth="repeat">
+      <a:schemeClr val="lt1">
+        <a:alpha val="90000"/>
+      </a:schemeClr>
+    </dgm:fillClrLst>
+    <dgm:linClrLst meth="repeat">
+      <a:schemeClr val="accent1"/>
+    </dgm:linClrLst>
+    <dgm:effectClrLst/>
+    <dgm:txLinClrLst/>
+    <dgm:txFillClrLst meth="repeat">
+      <a:schemeClr val="dk1"/>
+    </dgm:txFillClrLst>
+    <dgm:txEffectClrLst/>
+  </dgm:styleLbl>
+  <dgm:styleLbl name="fgAcc3">
+    <dgm:fillClrLst meth="repeat">
+      <a:schemeClr val="lt1">
+        <a:alpha val="90000"/>
+      </a:schemeClr>
+    </dgm:fillClrLst>
+    <dgm:linClrLst meth="repeat">
+      <a:schemeClr val="accent1"/>
+    </dgm:linClrLst>
+    <dgm:effectClrLst/>
+    <dgm:txLinClrLst/>
+    <dgm:txFillClrLst meth="repeat">
+      <a:schemeClr val="dk1"/>
+    </dgm:txFillClrLst>
+    <dgm:txEffectClrLst/>
+  </dgm:styleLbl>
+  <dgm:styleLbl name="fgAcc4">
+    <dgm:fillClrLst meth="repeat">
+      <a:schemeClr val="lt1">
+        <a:alpha val="90000"/>
+      </a:schemeClr>
+    </dgm:fillClrLst>
+    <dgm:linClrLst meth="repeat">
+      <a:schemeClr val="accent1"/>
+    </dgm:linClrLst>
+    <dgm:effectClrLst/>
+    <dgm:txLinClrLst/>
+    <dgm:txFillClrLst meth="repeat">
+      <a:schemeClr val="dk1"/>
+    </dgm:txFillClrLst>
+    <dgm:txEffectClrLst/>
+  </dgm:styleLbl>
+  <dgm:styleLbl name="bgShp">
+    <dgm:fillClrLst meth="repeat">
+      <a:schemeClr val="accent1">
+        <a:tint val="40000"/>
+      </a:schemeClr>
+    </dgm:fillClrLst>
+    <dgm:linClrLst meth="repeat">
+      <a:schemeClr val="accent1"/>
+    </dgm:linClrLst>
+    <dgm:effectClrLst/>
+    <dgm:txLinClrLst/>
+    <dgm:txFillClrLst meth="repeat">
+      <a:schemeClr val="dk1"/>
+    </dgm:txFillClrLst>
+    <dgm:txEffectClrLst/>
+  </dgm:styleLbl>
+  <dgm:styleLbl name="dkBgShp">
+    <dgm:fillClrLst meth="repeat">
+      <a:schemeClr val="accent1">
+        <a:shade val="80000"/>
+      </a:schemeClr>
+    </dgm:fillClrLst>
+    <dgm:linClrLst meth="repeat">
+      <a:schemeClr val="accent1"/>
+    </dgm:linClrLst>
+    <dgm:effectClrLst/>
+    <dgm:txLinClrLst/>
+    <dgm:txFillClrLst meth="repeat">
+      <a:schemeClr val="lt1"/>
+    </dgm:txFillClrLst>
+    <dgm:txEffectClrLst/>
+  </dgm:styleLbl>
+  <dgm:styleLbl name="trBgShp">
+    <dgm:fillClrLst meth="repeat">
+      <a:schemeClr val="accent1">
+        <a:tint val="50000"/>
+        <a:alpha val="40000"/>
+      </a:schemeClr>
+    </dgm:fillClrLst>
+    <dgm:linClrLst meth="repeat">
+      <a:schemeClr val="accent1"/>
+    </dgm:linClrLst>
+    <dgm:effectClrLst/>
+    <dgm:txLinClrLst/>
+    <dgm:txFillClrLst meth="repeat">
+      <a:schemeClr val="lt1"/>
+    </dgm:txFillClrLst>
+    <dgm:txEffectClrLst/>
+  </dgm:styleLbl>
+  <dgm:styleLbl name="fgShp">
+    <dgm:fillClrLst meth="repeat">
+      <a:schemeClr val="accent1">
+        <a:tint val="60000"/>
+      </a:schemeClr>
+    </dgm:fillClrLst>
+    <dgm:linClrLst meth="repeat">
+      <a:schemeClr val="lt1"/>
+    </dgm:linClrLst>
+    <dgm:effectClrLst/>
+    <dgm:txLinClrLst/>
+    <dgm:txFillClrLst meth="repeat">
+      <a:schemeClr val="dk1"/>
+    </dgm:txFillClrLst>
+    <dgm:txEffectClrLst/>
+  </dgm:styleLbl>
+  <dgm:styleLbl name="revTx">
+    <dgm:fillClrLst meth="repeat">
+      <a:schemeClr val="lt1">
+        <a:alpha val="0"/>
+      </a:schemeClr>
+    </dgm:fillClrLst>
+    <dgm:linClrLst meth="repeat">
+      <a:schemeClr val="dk1">
+        <a:alpha val="0"/>
+      </a:schemeClr>
+    </dgm:linClrLst>
+    <dgm:effectClrLst/>
+    <dgm:txLinClrLst/>
+    <dgm:txFillClrLst meth="repeat">
+      <a:schemeClr val="tx1"/>
+    </dgm:txFillClrLst>
+    <dgm:txEffectClrLst/>
+  </dgm:styleLbl>
+</dgm:colorsDef>
+</file>
+
+<file path=ppt/diagrams/data1.xml><?xml version="1.0" encoding="utf-8"?>
+<dgm:dataModel xmlns:dgm="http://schemas.openxmlformats.org/drawingml/2006/diagram" xmlns:a="http://schemas.openxmlformats.org/drawingml/2006/main">
+  <dgm:ptLst>
+    <dgm:pt modelId="{9DF29312-D27D-475E-8DFA-9E5E43FADCBC}" type="doc">
+      <dgm:prSet loTypeId="urn:microsoft.com/office/officeart/2008/layout/VerticalCurvedList" loCatId="list" qsTypeId="urn:microsoft.com/office/officeart/2005/8/quickstyle/simple1" qsCatId="simple" csTypeId="urn:microsoft.com/office/officeart/2005/8/colors/accent1_2" csCatId="accent1" phldr="1"/>
+      <dgm:spPr/>
+      <dgm:t>
+        <a:bodyPr/>
+        <a:lstStyle/>
+        <a:p>
+          <a:endParaRPr lang="en-US"/>
+        </a:p>
+      </dgm:t>
+    </dgm:pt>
+    <dgm:pt modelId="{91D3B272-70FD-4EC3-BC92-4A3A4E1A92DF}">
+      <dgm:prSet phldrT="[Text]"/>
+      <dgm:spPr/>
+      <dgm:t>
+        <a:bodyPr/>
+        <a:lstStyle/>
+        <a:p>
+          <a:r>
+            <a:rPr lang="en-US" dirty="0" smtClean="0"/>
+            <a:t>Motivation und </a:t>
+          </a:r>
+          <a:r>
+            <a:rPr lang="en-US" dirty="0" err="1" smtClean="0"/>
+            <a:t>Aufgabenstellung</a:t>
+          </a:r>
+          <a:endParaRPr lang="en-US" dirty="0"/>
+        </a:p>
+      </dgm:t>
+    </dgm:pt>
+    <dgm:pt modelId="{500838D3-4879-4431-8527-3194627C31CC}" type="parTrans" cxnId="{32051BE3-AE1B-446A-9ED2-9D6BBDDABC6F}">
+      <dgm:prSet/>
+      <dgm:spPr/>
+      <dgm:t>
+        <a:bodyPr/>
+        <a:lstStyle/>
+        <a:p>
+          <a:endParaRPr lang="en-US"/>
+        </a:p>
+      </dgm:t>
+    </dgm:pt>
+    <dgm:pt modelId="{511DE5EB-608A-484E-8C4F-3B54B730C4FF}" type="sibTrans" cxnId="{32051BE3-AE1B-446A-9ED2-9D6BBDDABC6F}">
+      <dgm:prSet/>
+      <dgm:spPr/>
+      <dgm:t>
+        <a:bodyPr/>
+        <a:lstStyle/>
+        <a:p>
+          <a:endParaRPr lang="en-US"/>
+        </a:p>
+      </dgm:t>
+    </dgm:pt>
+    <dgm:pt modelId="{CE7B4CFF-1D42-4D8D-BAB8-B8862FE3539C}">
+      <dgm:prSet phldrT="[Text]"/>
+      <dgm:spPr/>
+      <dgm:t>
+        <a:bodyPr/>
+        <a:lstStyle/>
+        <a:p>
+          <a:r>
+            <a:rPr lang="en-US" dirty="0" err="1" smtClean="0"/>
+            <a:t>Grundlagen</a:t>
+          </a:r>
+          <a:r>
+            <a:rPr lang="en-US" dirty="0" smtClean="0"/>
+            <a:t> </a:t>
+          </a:r>
+          <a:r>
+            <a:rPr lang="en-US" dirty="0" err="1" smtClean="0"/>
+            <a:t>kontinuierliches</a:t>
+          </a:r>
+          <a:r>
+            <a:rPr lang="en-US" dirty="0" smtClean="0"/>
+            <a:t>/</a:t>
+          </a:r>
+          <a:r>
+            <a:rPr lang="en-US" dirty="0" err="1" smtClean="0"/>
+            <a:t>verteiltes</a:t>
+          </a:r>
+          <a:r>
+            <a:rPr lang="en-US" dirty="0" smtClean="0"/>
+            <a:t> </a:t>
+          </a:r>
+          <a:r>
+            <a:rPr lang="en-US" dirty="0" err="1" smtClean="0"/>
+            <a:t>Lernen</a:t>
+          </a:r>
+          <a:endParaRPr lang="en-US" dirty="0"/>
+        </a:p>
+      </dgm:t>
+    </dgm:pt>
+    <dgm:pt modelId="{011CE999-E8CF-4D01-91F1-1888BAB92CAA}" type="parTrans" cxnId="{A686EC51-3969-4012-B169-06AC0DD4CD29}">
+      <dgm:prSet/>
+      <dgm:spPr/>
+      <dgm:t>
+        <a:bodyPr/>
+        <a:lstStyle/>
+        <a:p>
+          <a:endParaRPr lang="en-US"/>
+        </a:p>
+      </dgm:t>
+    </dgm:pt>
+    <dgm:pt modelId="{B4C1DF4D-EE9B-4923-AEC1-BE70DA325D1B}" type="sibTrans" cxnId="{A686EC51-3969-4012-B169-06AC0DD4CD29}">
+      <dgm:prSet/>
+      <dgm:spPr/>
+      <dgm:t>
+        <a:bodyPr/>
+        <a:lstStyle/>
+        <a:p>
+          <a:endParaRPr lang="en-US"/>
+        </a:p>
+      </dgm:t>
+    </dgm:pt>
+    <dgm:pt modelId="{85478C1D-C049-4CFE-8DC9-B9A30F3A7ED4}">
+      <dgm:prSet phldrT="[Text]"/>
+      <dgm:spPr/>
+      <dgm:t>
+        <a:bodyPr/>
+        <a:lstStyle/>
+        <a:p>
+          <a:r>
+            <a:rPr lang="en-US" dirty="0" err="1" smtClean="0"/>
+            <a:t>Konzeption</a:t>
+          </a:r>
+          <a:r>
+            <a:rPr lang="en-US" dirty="0" smtClean="0"/>
+            <a:t> L DNN und </a:t>
+          </a:r>
+          <a:r>
+            <a:rPr lang="en-US" dirty="0" err="1" smtClean="0"/>
+            <a:t>prototypische</a:t>
+          </a:r>
+          <a:r>
+            <a:rPr lang="en-US" dirty="0" smtClean="0"/>
+            <a:t> </a:t>
+          </a:r>
+          <a:r>
+            <a:rPr lang="en-US" dirty="0" err="1" smtClean="0"/>
+            <a:t>Umsetzung</a:t>
+          </a:r>
+          <a:endParaRPr lang="en-US" dirty="0"/>
+        </a:p>
+      </dgm:t>
+    </dgm:pt>
+    <dgm:pt modelId="{F14C44C6-58BE-4348-B55C-E89FD625BB6F}" type="parTrans" cxnId="{C1FCF59E-7FDA-4B97-837F-3EEF40C730AC}">
+      <dgm:prSet/>
+      <dgm:spPr/>
+      <dgm:t>
+        <a:bodyPr/>
+        <a:lstStyle/>
+        <a:p>
+          <a:endParaRPr lang="en-US"/>
+        </a:p>
+      </dgm:t>
+    </dgm:pt>
+    <dgm:pt modelId="{E7ED69F2-F6F2-4DE0-A9F6-39D4B177F23B}" type="sibTrans" cxnId="{C1FCF59E-7FDA-4B97-837F-3EEF40C730AC}">
+      <dgm:prSet/>
+      <dgm:spPr/>
+      <dgm:t>
+        <a:bodyPr/>
+        <a:lstStyle/>
+        <a:p>
+          <a:endParaRPr lang="en-US"/>
+        </a:p>
+      </dgm:t>
+    </dgm:pt>
+    <dgm:pt modelId="{5DB25E82-94B4-4218-BB75-9F18CF863891}">
+      <dgm:prSet phldrT="[Text]"/>
+      <dgm:spPr/>
+      <dgm:t>
+        <a:bodyPr/>
+        <a:lstStyle/>
+        <a:p>
+          <a:r>
+            <a:rPr lang="en-US" dirty="0" err="1" smtClean="0"/>
+            <a:t>Evaluierung</a:t>
+          </a:r>
+          <a:endParaRPr lang="en-US" dirty="0"/>
+        </a:p>
+      </dgm:t>
+    </dgm:pt>
+    <dgm:pt modelId="{DE919934-B51E-4340-A612-D8210C3BE3C4}" type="parTrans" cxnId="{58556245-C913-4E51-9AC4-5C78403D8EBD}">
+      <dgm:prSet/>
+      <dgm:spPr/>
+      <dgm:t>
+        <a:bodyPr/>
+        <a:lstStyle/>
+        <a:p>
+          <a:endParaRPr lang="en-US"/>
+        </a:p>
+      </dgm:t>
+    </dgm:pt>
+    <dgm:pt modelId="{EFE52ADB-BC84-4114-9380-4C9C43AAAD09}" type="sibTrans" cxnId="{58556245-C913-4E51-9AC4-5C78403D8EBD}">
+      <dgm:prSet/>
+      <dgm:spPr/>
+      <dgm:t>
+        <a:bodyPr/>
+        <a:lstStyle/>
+        <a:p>
+          <a:endParaRPr lang="en-US"/>
+        </a:p>
+      </dgm:t>
+    </dgm:pt>
+    <dgm:pt modelId="{C5B3FA43-DB75-4968-BFBB-04E2E43A74D3}">
+      <dgm:prSet phldrT="[Text]"/>
+      <dgm:spPr/>
+      <dgm:t>
+        <a:bodyPr/>
+        <a:lstStyle/>
+        <a:p>
+          <a:r>
+            <a:rPr lang="en-US" dirty="0" smtClean="0"/>
+            <a:t>Demonstrator</a:t>
+          </a:r>
+          <a:endParaRPr lang="en-US" dirty="0"/>
+        </a:p>
+      </dgm:t>
+    </dgm:pt>
+    <dgm:pt modelId="{3D2CC500-4D81-47EB-B0F2-741BB322E6B7}" type="parTrans" cxnId="{6485B61F-72AC-4CAB-821D-5E990BB6F07C}">
+      <dgm:prSet/>
+      <dgm:spPr/>
+      <dgm:t>
+        <a:bodyPr/>
+        <a:lstStyle/>
+        <a:p>
+          <a:endParaRPr lang="en-US"/>
+        </a:p>
+      </dgm:t>
+    </dgm:pt>
+    <dgm:pt modelId="{AF721675-7C6A-4882-A422-5D0772184E40}" type="sibTrans" cxnId="{6485B61F-72AC-4CAB-821D-5E990BB6F07C}">
+      <dgm:prSet/>
+      <dgm:spPr/>
+      <dgm:t>
+        <a:bodyPr/>
+        <a:lstStyle/>
+        <a:p>
+          <a:endParaRPr lang="en-US"/>
+        </a:p>
+      </dgm:t>
+    </dgm:pt>
+    <dgm:pt modelId="{15711590-AEEB-4BD9-83A8-5092369CE7BA}">
+      <dgm:prSet phldrT="[Text]"/>
+      <dgm:spPr/>
+      <dgm:t>
+        <a:bodyPr/>
+        <a:lstStyle/>
+        <a:p>
+          <a:r>
+            <a:rPr lang="en-US" dirty="0" err="1" smtClean="0"/>
+            <a:t>Zusammenfassung</a:t>
+          </a:r>
+          <a:r>
+            <a:rPr lang="en-US" dirty="0" smtClean="0"/>
+            <a:t> und </a:t>
+          </a:r>
+          <a:r>
+            <a:rPr lang="en-US" dirty="0" err="1" smtClean="0"/>
+            <a:t>Ausblick</a:t>
+          </a:r>
+          <a:endParaRPr lang="en-US" dirty="0"/>
+        </a:p>
+      </dgm:t>
+    </dgm:pt>
+    <dgm:pt modelId="{B66AC2E2-72E2-48DC-9BC3-28BB9B041F71}" type="parTrans" cxnId="{010BDC5F-A2FC-4CF7-A316-9B351C366CE6}">
+      <dgm:prSet/>
+      <dgm:spPr/>
+      <dgm:t>
+        <a:bodyPr/>
+        <a:lstStyle/>
+        <a:p>
+          <a:endParaRPr lang="en-US"/>
+        </a:p>
+      </dgm:t>
+    </dgm:pt>
+    <dgm:pt modelId="{47E27426-BFDC-47CA-9683-250FAA828F16}" type="sibTrans" cxnId="{010BDC5F-A2FC-4CF7-A316-9B351C366CE6}">
+      <dgm:prSet/>
+      <dgm:spPr/>
+      <dgm:t>
+        <a:bodyPr/>
+        <a:lstStyle/>
+        <a:p>
+          <a:endParaRPr lang="en-US"/>
+        </a:p>
+      </dgm:t>
+    </dgm:pt>
+    <dgm:pt modelId="{703D11E7-4190-4AE8-A79D-8298483D7D69}" type="pres">
+      <dgm:prSet presAssocID="{9DF29312-D27D-475E-8DFA-9E5E43FADCBC}" presName="Name0" presStyleCnt="0">
+        <dgm:presLayoutVars>
+          <dgm:chMax val="7"/>
+          <dgm:chPref val="7"/>
+          <dgm:dir/>
+        </dgm:presLayoutVars>
+      </dgm:prSet>
+      <dgm:spPr/>
+    </dgm:pt>
+    <dgm:pt modelId="{3DD28FF0-3F4D-481C-98EC-1026B24F9CAE}" type="pres">
+      <dgm:prSet presAssocID="{9DF29312-D27D-475E-8DFA-9E5E43FADCBC}" presName="Name1" presStyleCnt="0"/>
+      <dgm:spPr/>
+    </dgm:pt>
+    <dgm:pt modelId="{88C6A2AF-5135-46EF-BF1B-054BD598C8D9}" type="pres">
+      <dgm:prSet presAssocID="{9DF29312-D27D-475E-8DFA-9E5E43FADCBC}" presName="cycle" presStyleCnt="0"/>
+      <dgm:spPr/>
+    </dgm:pt>
+    <dgm:pt modelId="{0D0A17C7-086B-4A5F-867B-2540E918100C}" type="pres">
+      <dgm:prSet presAssocID="{9DF29312-D27D-475E-8DFA-9E5E43FADCBC}" presName="srcNode" presStyleLbl="node1" presStyleIdx="0" presStyleCnt="6"/>
+      <dgm:spPr/>
+    </dgm:pt>
+    <dgm:pt modelId="{929B4C6B-8D9C-43CF-B00E-D1429ECE0EA1}" type="pres">
+      <dgm:prSet presAssocID="{9DF29312-D27D-475E-8DFA-9E5E43FADCBC}" presName="conn" presStyleLbl="parChTrans1D2" presStyleIdx="0" presStyleCnt="1"/>
+      <dgm:spPr/>
+    </dgm:pt>
+    <dgm:pt modelId="{86130A34-3561-4167-A915-DB20B36A840A}" type="pres">
+      <dgm:prSet presAssocID="{9DF29312-D27D-475E-8DFA-9E5E43FADCBC}" presName="extraNode" presStyleLbl="node1" presStyleIdx="0" presStyleCnt="6"/>
+      <dgm:spPr/>
+    </dgm:pt>
+    <dgm:pt modelId="{ECF69AC7-7871-40FB-871A-F1E69DB83078}" type="pres">
+      <dgm:prSet presAssocID="{9DF29312-D27D-475E-8DFA-9E5E43FADCBC}" presName="dstNode" presStyleLbl="node1" presStyleIdx="0" presStyleCnt="6"/>
+      <dgm:spPr/>
+    </dgm:pt>
+    <dgm:pt modelId="{7F4EA0ED-FB33-4B32-A14F-FA87040F38AC}" type="pres">
+      <dgm:prSet presAssocID="{91D3B272-70FD-4EC3-BC92-4A3A4E1A92DF}" presName="text_1" presStyleLbl="node1" presStyleIdx="0" presStyleCnt="6">
+        <dgm:presLayoutVars>
+          <dgm:bulletEnabled val="1"/>
+        </dgm:presLayoutVars>
+      </dgm:prSet>
+      <dgm:spPr/>
+    </dgm:pt>
+    <dgm:pt modelId="{2FF4B11C-F0D8-4F09-BF7F-3AE7713CF310}" type="pres">
+      <dgm:prSet presAssocID="{91D3B272-70FD-4EC3-BC92-4A3A4E1A92DF}" presName="accent_1" presStyleCnt="0"/>
+      <dgm:spPr/>
+    </dgm:pt>
+    <dgm:pt modelId="{EBDB473C-9F19-4882-9A53-8F4770D10DC9}" type="pres">
+      <dgm:prSet presAssocID="{91D3B272-70FD-4EC3-BC92-4A3A4E1A92DF}" presName="accentRepeatNode" presStyleLbl="solidFgAcc1" presStyleIdx="0" presStyleCnt="6"/>
+      <dgm:spPr/>
+    </dgm:pt>
+    <dgm:pt modelId="{4224B6A1-41B5-4E17-9D30-AE1C1956DDAB}" type="pres">
+      <dgm:prSet presAssocID="{CE7B4CFF-1D42-4D8D-BAB8-B8862FE3539C}" presName="text_2" presStyleLbl="node1" presStyleIdx="1" presStyleCnt="6">
+        <dgm:presLayoutVars>
+          <dgm:bulletEnabled val="1"/>
+        </dgm:presLayoutVars>
+      </dgm:prSet>
+      <dgm:spPr/>
+    </dgm:pt>
+    <dgm:pt modelId="{D6A70355-6588-43DD-ADE0-765851CF7430}" type="pres">
+      <dgm:prSet presAssocID="{CE7B4CFF-1D42-4D8D-BAB8-B8862FE3539C}" presName="accent_2" presStyleCnt="0"/>
+      <dgm:spPr/>
+    </dgm:pt>
+    <dgm:pt modelId="{46FB27E8-E920-40DE-9828-5DEF2D32C34C}" type="pres">
+      <dgm:prSet presAssocID="{CE7B4CFF-1D42-4D8D-BAB8-B8862FE3539C}" presName="accentRepeatNode" presStyleLbl="solidFgAcc1" presStyleIdx="1" presStyleCnt="6"/>
+      <dgm:spPr/>
+    </dgm:pt>
+    <dgm:pt modelId="{6F83770D-E0BB-481F-9048-CBDF30AB9C0F}" type="pres">
+      <dgm:prSet presAssocID="{85478C1D-C049-4CFE-8DC9-B9A30F3A7ED4}" presName="text_3" presStyleLbl="node1" presStyleIdx="2" presStyleCnt="6">
+        <dgm:presLayoutVars>
+          <dgm:bulletEnabled val="1"/>
+        </dgm:presLayoutVars>
+      </dgm:prSet>
+      <dgm:spPr/>
+    </dgm:pt>
+    <dgm:pt modelId="{AE034E92-4442-46AC-AA7D-65B2F729E1E3}" type="pres">
+      <dgm:prSet presAssocID="{85478C1D-C049-4CFE-8DC9-B9A30F3A7ED4}" presName="accent_3" presStyleCnt="0"/>
+      <dgm:spPr/>
+    </dgm:pt>
+    <dgm:pt modelId="{D16F6C97-5E29-4ABA-B0AC-04BE375C2E3E}" type="pres">
+      <dgm:prSet presAssocID="{85478C1D-C049-4CFE-8DC9-B9A30F3A7ED4}" presName="accentRepeatNode" presStyleLbl="solidFgAcc1" presStyleIdx="2" presStyleCnt="6"/>
+      <dgm:spPr/>
+    </dgm:pt>
+    <dgm:pt modelId="{A29685B3-AA43-4F7F-AA2E-C21F70C4F5B6}" type="pres">
+      <dgm:prSet presAssocID="{5DB25E82-94B4-4218-BB75-9F18CF863891}" presName="text_4" presStyleLbl="node1" presStyleIdx="3" presStyleCnt="6">
+        <dgm:presLayoutVars>
+          <dgm:bulletEnabled val="1"/>
+        </dgm:presLayoutVars>
+      </dgm:prSet>
+      <dgm:spPr/>
+    </dgm:pt>
+    <dgm:pt modelId="{A7393CED-2247-4634-ACFE-B1ADF30C903B}" type="pres">
+      <dgm:prSet presAssocID="{5DB25E82-94B4-4218-BB75-9F18CF863891}" presName="accent_4" presStyleCnt="0"/>
+      <dgm:spPr/>
+    </dgm:pt>
+    <dgm:pt modelId="{5471A4C8-8B0D-47A5-B890-71FE2396C902}" type="pres">
+      <dgm:prSet presAssocID="{5DB25E82-94B4-4218-BB75-9F18CF863891}" presName="accentRepeatNode" presStyleLbl="solidFgAcc1" presStyleIdx="3" presStyleCnt="6"/>
+      <dgm:spPr/>
+    </dgm:pt>
+    <dgm:pt modelId="{6A5F191F-24D1-4D59-BD25-7527BCC2D4CB}" type="pres">
+      <dgm:prSet presAssocID="{C5B3FA43-DB75-4968-BFBB-04E2E43A74D3}" presName="text_5" presStyleLbl="node1" presStyleIdx="4" presStyleCnt="6">
+        <dgm:presLayoutVars>
+          <dgm:bulletEnabled val="1"/>
+        </dgm:presLayoutVars>
+      </dgm:prSet>
+      <dgm:spPr/>
+    </dgm:pt>
+    <dgm:pt modelId="{437601D4-8E01-4CED-819C-883D35A46535}" type="pres">
+      <dgm:prSet presAssocID="{C5B3FA43-DB75-4968-BFBB-04E2E43A74D3}" presName="accent_5" presStyleCnt="0"/>
+      <dgm:spPr/>
+    </dgm:pt>
+    <dgm:pt modelId="{807962F3-578B-48DB-BC82-308CDCCF2074}" type="pres">
+      <dgm:prSet presAssocID="{C5B3FA43-DB75-4968-BFBB-04E2E43A74D3}" presName="accentRepeatNode" presStyleLbl="solidFgAcc1" presStyleIdx="4" presStyleCnt="6"/>
+      <dgm:spPr/>
+    </dgm:pt>
+    <dgm:pt modelId="{CE7D15C3-47E9-43F9-A517-86250945D4DF}" type="pres">
+      <dgm:prSet presAssocID="{15711590-AEEB-4BD9-83A8-5092369CE7BA}" presName="text_6" presStyleLbl="node1" presStyleIdx="5" presStyleCnt="6">
+        <dgm:presLayoutVars>
+          <dgm:bulletEnabled val="1"/>
+        </dgm:presLayoutVars>
+      </dgm:prSet>
+      <dgm:spPr/>
+      <dgm:t>
+        <a:bodyPr/>
+        <a:lstStyle/>
+        <a:p>
+          <a:endParaRPr lang="en-US"/>
+        </a:p>
+      </dgm:t>
+    </dgm:pt>
+    <dgm:pt modelId="{DB0D30BA-3DB8-4A37-A021-4D2228F6EE47}" type="pres">
+      <dgm:prSet presAssocID="{15711590-AEEB-4BD9-83A8-5092369CE7BA}" presName="accent_6" presStyleCnt="0"/>
+      <dgm:spPr/>
+    </dgm:pt>
+    <dgm:pt modelId="{0C1511AF-3B09-455B-A2FC-07F3AFC7CB78}" type="pres">
+      <dgm:prSet presAssocID="{15711590-AEEB-4BD9-83A8-5092369CE7BA}" presName="accentRepeatNode" presStyleLbl="solidFgAcc1" presStyleIdx="5" presStyleCnt="6"/>
+      <dgm:spPr/>
+    </dgm:pt>
+  </dgm:ptLst>
+  <dgm:cxnLst>
+    <dgm:cxn modelId="{6485B61F-72AC-4CAB-821D-5E990BB6F07C}" srcId="{9DF29312-D27D-475E-8DFA-9E5E43FADCBC}" destId="{C5B3FA43-DB75-4968-BFBB-04E2E43A74D3}" srcOrd="4" destOrd="0" parTransId="{3D2CC500-4D81-47EB-B0F2-741BB322E6B7}" sibTransId="{AF721675-7C6A-4882-A422-5D0772184E40}"/>
+    <dgm:cxn modelId="{0023F3DF-F1A2-4201-A442-84E498B65AEC}" type="presOf" srcId="{C5B3FA43-DB75-4968-BFBB-04E2E43A74D3}" destId="{6A5F191F-24D1-4D59-BD25-7527BCC2D4CB}" srcOrd="0" destOrd="0" presId="urn:microsoft.com/office/officeart/2008/layout/VerticalCurvedList"/>
+    <dgm:cxn modelId="{32051BE3-AE1B-446A-9ED2-9D6BBDDABC6F}" srcId="{9DF29312-D27D-475E-8DFA-9E5E43FADCBC}" destId="{91D3B272-70FD-4EC3-BC92-4A3A4E1A92DF}" srcOrd="0" destOrd="0" parTransId="{500838D3-4879-4431-8527-3194627C31CC}" sibTransId="{511DE5EB-608A-484E-8C4F-3B54B730C4FF}"/>
+    <dgm:cxn modelId="{E3BA583A-BEF4-4CB1-88E9-6ABA22E8A141}" type="presOf" srcId="{91D3B272-70FD-4EC3-BC92-4A3A4E1A92DF}" destId="{7F4EA0ED-FB33-4B32-A14F-FA87040F38AC}" srcOrd="0" destOrd="0" presId="urn:microsoft.com/office/officeart/2008/layout/VerticalCurvedList"/>
+    <dgm:cxn modelId="{1DC30CE1-651F-4E7A-A8E9-B54EF689F90C}" type="presOf" srcId="{85478C1D-C049-4CFE-8DC9-B9A30F3A7ED4}" destId="{6F83770D-E0BB-481F-9048-CBDF30AB9C0F}" srcOrd="0" destOrd="0" presId="urn:microsoft.com/office/officeart/2008/layout/VerticalCurvedList"/>
+    <dgm:cxn modelId="{A686EC51-3969-4012-B169-06AC0DD4CD29}" srcId="{9DF29312-D27D-475E-8DFA-9E5E43FADCBC}" destId="{CE7B4CFF-1D42-4D8D-BAB8-B8862FE3539C}" srcOrd="1" destOrd="0" parTransId="{011CE999-E8CF-4D01-91F1-1888BAB92CAA}" sibTransId="{B4C1DF4D-EE9B-4923-AEC1-BE70DA325D1B}"/>
+    <dgm:cxn modelId="{58556245-C913-4E51-9AC4-5C78403D8EBD}" srcId="{9DF29312-D27D-475E-8DFA-9E5E43FADCBC}" destId="{5DB25E82-94B4-4218-BB75-9F18CF863891}" srcOrd="3" destOrd="0" parTransId="{DE919934-B51E-4340-A612-D8210C3BE3C4}" sibTransId="{EFE52ADB-BC84-4114-9380-4C9C43AAAD09}"/>
+    <dgm:cxn modelId="{6B83F042-5E12-4863-AF82-9D374B73F274}" type="presOf" srcId="{9DF29312-D27D-475E-8DFA-9E5E43FADCBC}" destId="{703D11E7-4190-4AE8-A79D-8298483D7D69}" srcOrd="0" destOrd="0" presId="urn:microsoft.com/office/officeart/2008/layout/VerticalCurvedList"/>
+    <dgm:cxn modelId="{CD984882-C97E-4CA9-8E9E-45D5CEE6B42C}" type="presOf" srcId="{CE7B4CFF-1D42-4D8D-BAB8-B8862FE3539C}" destId="{4224B6A1-41B5-4E17-9D30-AE1C1956DDAB}" srcOrd="0" destOrd="0" presId="urn:microsoft.com/office/officeart/2008/layout/VerticalCurvedList"/>
+    <dgm:cxn modelId="{018F8F61-44FE-4C93-865C-DDD70A160A3B}" type="presOf" srcId="{5DB25E82-94B4-4218-BB75-9F18CF863891}" destId="{A29685B3-AA43-4F7F-AA2E-C21F70C4F5B6}" srcOrd="0" destOrd="0" presId="urn:microsoft.com/office/officeart/2008/layout/VerticalCurvedList"/>
+    <dgm:cxn modelId="{C1FCF59E-7FDA-4B97-837F-3EEF40C730AC}" srcId="{9DF29312-D27D-475E-8DFA-9E5E43FADCBC}" destId="{85478C1D-C049-4CFE-8DC9-B9A30F3A7ED4}" srcOrd="2" destOrd="0" parTransId="{F14C44C6-58BE-4348-B55C-E89FD625BB6F}" sibTransId="{E7ED69F2-F6F2-4DE0-A9F6-39D4B177F23B}"/>
+    <dgm:cxn modelId="{010BDC5F-A2FC-4CF7-A316-9B351C366CE6}" srcId="{9DF29312-D27D-475E-8DFA-9E5E43FADCBC}" destId="{15711590-AEEB-4BD9-83A8-5092369CE7BA}" srcOrd="5" destOrd="0" parTransId="{B66AC2E2-72E2-48DC-9BC3-28BB9B041F71}" sibTransId="{47E27426-BFDC-47CA-9683-250FAA828F16}"/>
+    <dgm:cxn modelId="{7780848C-E694-461C-ACA9-BE3C12A1D3B3}" type="presOf" srcId="{511DE5EB-608A-484E-8C4F-3B54B730C4FF}" destId="{929B4C6B-8D9C-43CF-B00E-D1429ECE0EA1}" srcOrd="0" destOrd="0" presId="urn:microsoft.com/office/officeart/2008/layout/VerticalCurvedList"/>
+    <dgm:cxn modelId="{6A0F5055-5F8E-4F22-AC88-67051799C687}" type="presOf" srcId="{15711590-AEEB-4BD9-83A8-5092369CE7BA}" destId="{CE7D15C3-47E9-43F9-A517-86250945D4DF}" srcOrd="0" destOrd="0" presId="urn:microsoft.com/office/officeart/2008/layout/VerticalCurvedList"/>
+    <dgm:cxn modelId="{131E8C22-EE27-4118-B87C-84DC9109E950}" type="presParOf" srcId="{703D11E7-4190-4AE8-A79D-8298483D7D69}" destId="{3DD28FF0-3F4D-481C-98EC-1026B24F9CAE}" srcOrd="0" destOrd="0" presId="urn:microsoft.com/office/officeart/2008/layout/VerticalCurvedList"/>
+    <dgm:cxn modelId="{5496A2AA-D841-48FB-A27A-E97203B94F6E}" type="presParOf" srcId="{3DD28FF0-3F4D-481C-98EC-1026B24F9CAE}" destId="{88C6A2AF-5135-46EF-BF1B-054BD598C8D9}" srcOrd="0" destOrd="0" presId="urn:microsoft.com/office/officeart/2008/layout/VerticalCurvedList"/>
+    <dgm:cxn modelId="{6774CEF9-9DD5-4F0E-8B43-B3D0EC39EBD6}" type="presParOf" srcId="{88C6A2AF-5135-46EF-BF1B-054BD598C8D9}" destId="{0D0A17C7-086B-4A5F-867B-2540E918100C}" srcOrd="0" destOrd="0" presId="urn:microsoft.com/office/officeart/2008/layout/VerticalCurvedList"/>
+    <dgm:cxn modelId="{4A7A5093-A54E-403D-BDD7-5DA528B8867D}" type="presParOf" srcId="{88C6A2AF-5135-46EF-BF1B-054BD598C8D9}" destId="{929B4C6B-8D9C-43CF-B00E-D1429ECE0EA1}" srcOrd="1" destOrd="0" presId="urn:microsoft.com/office/officeart/2008/layout/VerticalCurvedList"/>
+    <dgm:cxn modelId="{F6DE73ED-69FF-4930-BACE-82AE3A808348}" type="presParOf" srcId="{88C6A2AF-5135-46EF-BF1B-054BD598C8D9}" destId="{86130A34-3561-4167-A915-DB20B36A840A}" srcOrd="2" destOrd="0" presId="urn:microsoft.com/office/officeart/2008/layout/VerticalCurvedList"/>
+    <dgm:cxn modelId="{897E70DC-FE6C-446E-8061-827F18C3178D}" type="presParOf" srcId="{88C6A2AF-5135-46EF-BF1B-054BD598C8D9}" destId="{ECF69AC7-7871-40FB-871A-F1E69DB83078}" srcOrd="3" destOrd="0" presId="urn:microsoft.com/office/officeart/2008/layout/VerticalCurvedList"/>
+    <dgm:cxn modelId="{5985CBE0-F709-40A5-B42A-C85C7EBAEDF7}" type="presParOf" srcId="{3DD28FF0-3F4D-481C-98EC-1026B24F9CAE}" destId="{7F4EA0ED-FB33-4B32-A14F-FA87040F38AC}" srcOrd="1" destOrd="0" presId="urn:microsoft.com/office/officeart/2008/layout/VerticalCurvedList"/>
+    <dgm:cxn modelId="{CD03FFFF-232E-4EBD-B420-9F660335BF60}" type="presParOf" srcId="{3DD28FF0-3F4D-481C-98EC-1026B24F9CAE}" destId="{2FF4B11C-F0D8-4F09-BF7F-3AE7713CF310}" srcOrd="2" destOrd="0" presId="urn:microsoft.com/office/officeart/2008/layout/VerticalCurvedList"/>
+    <dgm:cxn modelId="{8D401CB4-8450-4750-B92E-BB2E3158E329}" type="presParOf" srcId="{2FF4B11C-F0D8-4F09-BF7F-3AE7713CF310}" destId="{EBDB473C-9F19-4882-9A53-8F4770D10DC9}" srcOrd="0" destOrd="0" presId="urn:microsoft.com/office/officeart/2008/layout/VerticalCurvedList"/>
+    <dgm:cxn modelId="{5C27F231-2B48-4AED-9DF7-6CF637BD6174}" type="presParOf" srcId="{3DD28FF0-3F4D-481C-98EC-1026B24F9CAE}" destId="{4224B6A1-41B5-4E17-9D30-AE1C1956DDAB}" srcOrd="3" destOrd="0" presId="urn:microsoft.com/office/officeart/2008/layout/VerticalCurvedList"/>
+    <dgm:cxn modelId="{73589470-FEFC-4D12-B6CB-FAD453C1A2DF}" type="presParOf" srcId="{3DD28FF0-3F4D-481C-98EC-1026B24F9CAE}" destId="{D6A70355-6588-43DD-ADE0-765851CF7430}" srcOrd="4" destOrd="0" presId="urn:microsoft.com/office/officeart/2008/layout/VerticalCurvedList"/>
+    <dgm:cxn modelId="{61EF2655-54B3-46A6-A4CE-76E393A3EA14}" type="presParOf" srcId="{D6A70355-6588-43DD-ADE0-765851CF7430}" destId="{46FB27E8-E920-40DE-9828-5DEF2D32C34C}" srcOrd="0" destOrd="0" presId="urn:microsoft.com/office/officeart/2008/layout/VerticalCurvedList"/>
+    <dgm:cxn modelId="{9F027424-6508-4E6C-9A91-982700FF46D6}" type="presParOf" srcId="{3DD28FF0-3F4D-481C-98EC-1026B24F9CAE}" destId="{6F83770D-E0BB-481F-9048-CBDF30AB9C0F}" srcOrd="5" destOrd="0" presId="urn:microsoft.com/office/officeart/2008/layout/VerticalCurvedList"/>
+    <dgm:cxn modelId="{A1293D5F-0993-45EB-AB89-148A70D19669}" type="presParOf" srcId="{3DD28FF0-3F4D-481C-98EC-1026B24F9CAE}" destId="{AE034E92-4442-46AC-AA7D-65B2F729E1E3}" srcOrd="6" destOrd="0" presId="urn:microsoft.com/office/officeart/2008/layout/VerticalCurvedList"/>
+    <dgm:cxn modelId="{685E720C-7DD2-4195-A0E6-A9523EB02671}" type="presParOf" srcId="{AE034E92-4442-46AC-AA7D-65B2F729E1E3}" destId="{D16F6C97-5E29-4ABA-B0AC-04BE375C2E3E}" srcOrd="0" destOrd="0" presId="urn:microsoft.com/office/officeart/2008/layout/VerticalCurvedList"/>
+    <dgm:cxn modelId="{6ED1EF10-C4ED-415F-A1F2-55C3107B2933}" type="presParOf" srcId="{3DD28FF0-3F4D-481C-98EC-1026B24F9CAE}" destId="{A29685B3-AA43-4F7F-AA2E-C21F70C4F5B6}" srcOrd="7" destOrd="0" presId="urn:microsoft.com/office/officeart/2008/layout/VerticalCurvedList"/>
+    <dgm:cxn modelId="{5D306154-3DDF-4105-8BF9-84E0F088844B}" type="presParOf" srcId="{3DD28FF0-3F4D-481C-98EC-1026B24F9CAE}" destId="{A7393CED-2247-4634-ACFE-B1ADF30C903B}" srcOrd="8" destOrd="0" presId="urn:microsoft.com/office/officeart/2008/layout/VerticalCurvedList"/>
+    <dgm:cxn modelId="{6C8DDC69-3633-484C-A4A6-D43F010E4CC4}" type="presParOf" srcId="{A7393CED-2247-4634-ACFE-B1ADF30C903B}" destId="{5471A4C8-8B0D-47A5-B890-71FE2396C902}" srcOrd="0" destOrd="0" presId="urn:microsoft.com/office/officeart/2008/layout/VerticalCurvedList"/>
+    <dgm:cxn modelId="{56A9AF3F-107C-44FA-87ED-0AFE74D23B28}" type="presParOf" srcId="{3DD28FF0-3F4D-481C-98EC-1026B24F9CAE}" destId="{6A5F191F-24D1-4D59-BD25-7527BCC2D4CB}" srcOrd="9" destOrd="0" presId="urn:microsoft.com/office/officeart/2008/layout/VerticalCurvedList"/>
+    <dgm:cxn modelId="{065D80E7-B0CB-43D0-A9CB-A0BDE38CF747}" type="presParOf" srcId="{3DD28FF0-3F4D-481C-98EC-1026B24F9CAE}" destId="{437601D4-8E01-4CED-819C-883D35A46535}" srcOrd="10" destOrd="0" presId="urn:microsoft.com/office/officeart/2008/layout/VerticalCurvedList"/>
+    <dgm:cxn modelId="{863ADF3C-50A0-4EA1-A78E-167A181D788E}" type="presParOf" srcId="{437601D4-8E01-4CED-819C-883D35A46535}" destId="{807962F3-578B-48DB-BC82-308CDCCF2074}" srcOrd="0" destOrd="0" presId="urn:microsoft.com/office/officeart/2008/layout/VerticalCurvedList"/>
+    <dgm:cxn modelId="{FA2807B3-7CEF-496C-B647-15BF92C43A98}" type="presParOf" srcId="{3DD28FF0-3F4D-481C-98EC-1026B24F9CAE}" destId="{CE7D15C3-47E9-43F9-A517-86250945D4DF}" srcOrd="11" destOrd="0" presId="urn:microsoft.com/office/officeart/2008/layout/VerticalCurvedList"/>
+    <dgm:cxn modelId="{0A0B1424-6491-44DF-9089-8547D9BA80FF}" type="presParOf" srcId="{3DD28FF0-3F4D-481C-98EC-1026B24F9CAE}" destId="{DB0D30BA-3DB8-4A37-A021-4D2228F6EE47}" srcOrd="12" destOrd="0" presId="urn:microsoft.com/office/officeart/2008/layout/VerticalCurvedList"/>
+    <dgm:cxn modelId="{402ED07D-35C6-44D5-BE60-7553D34A9D6E}" type="presParOf" srcId="{DB0D30BA-3DB8-4A37-A021-4D2228F6EE47}" destId="{0C1511AF-3B09-455B-A2FC-07F3AFC7CB78}" srcOrd="0" destOrd="0" presId="urn:microsoft.com/office/officeart/2008/layout/VerticalCurvedList"/>
+  </dgm:cxnLst>
+  <dgm:bg/>
+  <dgm:whole/>
+  <dgm:extLst>
+    <a:ext uri="http://schemas.microsoft.com/office/drawing/2008/diagram">
+      <dsp:dataModelExt xmlns:dsp="http://schemas.microsoft.com/office/drawing/2008/diagram" relId="rId6" minVer="http://schemas.openxmlformats.org/drawingml/2006/diagram"/>
+    </a:ext>
+  </dgm:extLst>
+</dgm:dataModel>
+</file>
+
+<file path=ppt/diagrams/drawing1.xml><?xml version="1.0" encoding="utf-8"?>
+<dsp:drawing xmlns:dgm="http://schemas.openxmlformats.org/drawingml/2006/diagram" xmlns:dsp="http://schemas.microsoft.com/office/drawing/2008/diagram" xmlns:a="http://schemas.openxmlformats.org/drawingml/2006/main">
+  <dsp:spTree>
+    <dsp:nvGrpSpPr>
+      <dsp:cNvPr id="0" name=""/>
+      <dsp:cNvGrpSpPr/>
+    </dsp:nvGrpSpPr>
+    <dsp:grpSpPr/>
+    <dsp:sp modelId="{929B4C6B-8D9C-43CF-B00E-D1429ECE0EA1}">
+      <dsp:nvSpPr>
+        <dsp:cNvPr id="0" name=""/>
+        <dsp:cNvSpPr/>
+      </dsp:nvSpPr>
+      <dsp:spPr>
+        <a:xfrm>
+          <a:off x="-3947750" y="-606110"/>
+          <a:ext cx="4704720" cy="4704720"/>
+        </a:xfrm>
+        <a:prstGeom prst="blockArc">
+          <a:avLst>
+            <a:gd name="adj1" fmla="val 18900000"/>
+            <a:gd name="adj2" fmla="val 2700000"/>
+            <a:gd name="adj3" fmla="val 459"/>
+          </a:avLst>
+        </a:prstGeom>
+        <a:noFill/>
+        <a:ln w="12700" cap="flat" cmpd="sng" algn="ctr">
+          <a:solidFill>
+            <a:schemeClr val="accent1">
+              <a:shade val="60000"/>
+              <a:hueOff val="0"/>
+              <a:satOff val="0"/>
+              <a:lumOff val="0"/>
+              <a:alphaOff val="0"/>
+            </a:schemeClr>
+          </a:solidFill>
+          <a:prstDash val="solid"/>
+          <a:miter lim="800000"/>
+        </a:ln>
+        <a:effectLst/>
+      </dsp:spPr>
+      <dsp:style>
+        <a:lnRef idx="2">
+          <a:scrgbClr r="0" g="0" b="0"/>
+        </a:lnRef>
+        <a:fillRef idx="0">
+          <a:scrgbClr r="0" g="0" b="0"/>
+        </a:fillRef>
+        <a:effectRef idx="0">
+          <a:scrgbClr r="0" g="0" b="0"/>
+        </a:effectRef>
+        <a:fontRef idx="minor"/>
+      </dsp:style>
+    </dsp:sp>
+    <dsp:sp modelId="{7F4EA0ED-FB33-4B32-A14F-FA87040F38AC}">
+      <dsp:nvSpPr>
+        <dsp:cNvPr id="0" name=""/>
+        <dsp:cNvSpPr/>
+      </dsp:nvSpPr>
+      <dsp:spPr>
+        <a:xfrm>
+          <a:off x="283182" y="183915"/>
+          <a:ext cx="7878032" cy="367690"/>
+        </a:xfrm>
+        <a:prstGeom prst="rect">
+          <a:avLst/>
+        </a:prstGeom>
+        <a:solidFill>
+          <a:schemeClr val="accent1">
+            <a:hueOff val="0"/>
+            <a:satOff val="0"/>
+            <a:lumOff val="0"/>
+            <a:alphaOff val="0"/>
+          </a:schemeClr>
+        </a:solidFill>
+        <a:ln w="12700" cap="flat" cmpd="sng" algn="ctr">
+          <a:solidFill>
+            <a:schemeClr val="lt1">
+              <a:hueOff val="0"/>
+              <a:satOff val="0"/>
+              <a:lumOff val="0"/>
+              <a:alphaOff val="0"/>
+            </a:schemeClr>
+          </a:solidFill>
+          <a:prstDash val="solid"/>
+          <a:miter lim="800000"/>
+        </a:ln>
+        <a:effectLst/>
+      </dsp:spPr>
+      <dsp:style>
+        <a:lnRef idx="2">
+          <a:scrgbClr r="0" g="0" b="0"/>
+        </a:lnRef>
+        <a:fillRef idx="1">
+          <a:scrgbClr r="0" g="0" b="0"/>
+        </a:fillRef>
+        <a:effectRef idx="0">
+          <a:scrgbClr r="0" g="0" b="0"/>
+        </a:effectRef>
+        <a:fontRef idx="minor">
+          <a:schemeClr val="lt1"/>
+        </a:fontRef>
+      </dsp:style>
+      <dsp:txBody>
+        <a:bodyPr spcFirstLastPara="0" vert="horz" wrap="square" lIns="291854" tIns="50800" rIns="50800" bIns="50800" numCol="1" spcCol="1270" anchor="ctr" anchorCtr="0">
+          <a:noAutofit/>
+        </a:bodyPr>
+        <a:lstStyle/>
+        <a:p>
+          <a:pPr lvl="0" algn="l" defTabSz="889000">
+            <a:lnSpc>
+              <a:spcPct val="90000"/>
+            </a:lnSpc>
+            <a:spcBef>
+              <a:spcPct val="0"/>
+            </a:spcBef>
+            <a:spcAft>
+              <a:spcPct val="35000"/>
+            </a:spcAft>
+          </a:pPr>
+          <a:r>
+            <a:rPr lang="en-US" sz="2000" kern="1200" dirty="0" smtClean="0"/>
+            <a:t>Motivation und </a:t>
+          </a:r>
+          <a:r>
+            <a:rPr lang="en-US" sz="2000" kern="1200" dirty="0" err="1" smtClean="0"/>
+            <a:t>Aufgabenstellung</a:t>
+          </a:r>
+          <a:endParaRPr lang="en-US" sz="2000" kern="1200" dirty="0"/>
+        </a:p>
+      </dsp:txBody>
+      <dsp:txXfrm>
+        <a:off x="283182" y="183915"/>
+        <a:ext cx="7878032" cy="367690"/>
+      </dsp:txXfrm>
+    </dsp:sp>
+    <dsp:sp modelId="{EBDB473C-9F19-4882-9A53-8F4770D10DC9}">
+      <dsp:nvSpPr>
+        <dsp:cNvPr id="0" name=""/>
+        <dsp:cNvSpPr/>
+      </dsp:nvSpPr>
+      <dsp:spPr>
+        <a:xfrm>
+          <a:off x="53375" y="137953"/>
+          <a:ext cx="459613" cy="459613"/>
+        </a:xfrm>
+        <a:prstGeom prst="ellipse">
+          <a:avLst/>
+        </a:prstGeom>
+        <a:solidFill>
+          <a:schemeClr val="lt1">
+            <a:hueOff val="0"/>
+            <a:satOff val="0"/>
+            <a:lumOff val="0"/>
+            <a:alphaOff val="0"/>
+          </a:schemeClr>
+        </a:solidFill>
+        <a:ln w="12700" cap="flat" cmpd="sng" algn="ctr">
+          <a:solidFill>
+            <a:schemeClr val="accent1">
+              <a:hueOff val="0"/>
+              <a:satOff val="0"/>
+              <a:lumOff val="0"/>
+              <a:alphaOff val="0"/>
+            </a:schemeClr>
+          </a:solidFill>
+          <a:prstDash val="solid"/>
+          <a:miter lim="800000"/>
+        </a:ln>
+        <a:effectLst/>
+      </dsp:spPr>
+      <dsp:style>
+        <a:lnRef idx="2">
+          <a:scrgbClr r="0" g="0" b="0"/>
+        </a:lnRef>
+        <a:fillRef idx="1">
+          <a:scrgbClr r="0" g="0" b="0"/>
+        </a:fillRef>
+        <a:effectRef idx="0">
+          <a:scrgbClr r="0" g="0" b="0"/>
+        </a:effectRef>
+        <a:fontRef idx="minor"/>
+      </dsp:style>
+    </dsp:sp>
+    <dsp:sp modelId="{4224B6A1-41B5-4E17-9D30-AE1C1956DDAB}">
+      <dsp:nvSpPr>
+        <dsp:cNvPr id="0" name=""/>
+        <dsp:cNvSpPr/>
+      </dsp:nvSpPr>
+      <dsp:spPr>
+        <a:xfrm>
+          <a:off x="585632" y="735380"/>
+          <a:ext cx="7575581" cy="367690"/>
+        </a:xfrm>
+        <a:prstGeom prst="rect">
+          <a:avLst/>
+        </a:prstGeom>
+        <a:solidFill>
+          <a:schemeClr val="accent1">
+            <a:hueOff val="0"/>
+            <a:satOff val="0"/>
+            <a:lumOff val="0"/>
+            <a:alphaOff val="0"/>
+          </a:schemeClr>
+        </a:solidFill>
+        <a:ln w="12700" cap="flat" cmpd="sng" algn="ctr">
+          <a:solidFill>
+            <a:schemeClr val="lt1">
+              <a:hueOff val="0"/>
+              <a:satOff val="0"/>
+              <a:lumOff val="0"/>
+              <a:alphaOff val="0"/>
+            </a:schemeClr>
+          </a:solidFill>
+          <a:prstDash val="solid"/>
+          <a:miter lim="800000"/>
+        </a:ln>
+        <a:effectLst/>
+      </dsp:spPr>
+      <dsp:style>
+        <a:lnRef idx="2">
+          <a:scrgbClr r="0" g="0" b="0"/>
+        </a:lnRef>
+        <a:fillRef idx="1">
+          <a:scrgbClr r="0" g="0" b="0"/>
+        </a:fillRef>
+        <a:effectRef idx="0">
+          <a:scrgbClr r="0" g="0" b="0"/>
+        </a:effectRef>
+        <a:fontRef idx="minor">
+          <a:schemeClr val="lt1"/>
+        </a:fontRef>
+      </dsp:style>
+      <dsp:txBody>
+        <a:bodyPr spcFirstLastPara="0" vert="horz" wrap="square" lIns="291854" tIns="50800" rIns="50800" bIns="50800" numCol="1" spcCol="1270" anchor="ctr" anchorCtr="0">
+          <a:noAutofit/>
+        </a:bodyPr>
+        <a:lstStyle/>
+        <a:p>
+          <a:pPr lvl="0" algn="l" defTabSz="889000">
+            <a:lnSpc>
+              <a:spcPct val="90000"/>
+            </a:lnSpc>
+            <a:spcBef>
+              <a:spcPct val="0"/>
+            </a:spcBef>
+            <a:spcAft>
+              <a:spcPct val="35000"/>
+            </a:spcAft>
+          </a:pPr>
+          <a:r>
+            <a:rPr lang="en-US" sz="2000" kern="1200" dirty="0" err="1" smtClean="0"/>
+            <a:t>Grundlagen</a:t>
+          </a:r>
+          <a:r>
+            <a:rPr lang="en-US" sz="2000" kern="1200" dirty="0" smtClean="0"/>
+            <a:t> </a:t>
+          </a:r>
+          <a:r>
+            <a:rPr lang="en-US" sz="2000" kern="1200" dirty="0" err="1" smtClean="0"/>
+            <a:t>kontinuierliches</a:t>
+          </a:r>
+          <a:r>
+            <a:rPr lang="en-US" sz="2000" kern="1200" dirty="0" smtClean="0"/>
+            <a:t>/</a:t>
+          </a:r>
+          <a:r>
+            <a:rPr lang="en-US" sz="2000" kern="1200" dirty="0" err="1" smtClean="0"/>
+            <a:t>verteiltes</a:t>
+          </a:r>
+          <a:r>
+            <a:rPr lang="en-US" sz="2000" kern="1200" dirty="0" smtClean="0"/>
+            <a:t> </a:t>
+          </a:r>
+          <a:r>
+            <a:rPr lang="en-US" sz="2000" kern="1200" dirty="0" err="1" smtClean="0"/>
+            <a:t>Lernen</a:t>
+          </a:r>
+          <a:endParaRPr lang="en-US" sz="2000" kern="1200" dirty="0"/>
+        </a:p>
+      </dsp:txBody>
+      <dsp:txXfrm>
+        <a:off x="585632" y="735380"/>
+        <a:ext cx="7575581" cy="367690"/>
+      </dsp:txXfrm>
+    </dsp:sp>
+    <dsp:sp modelId="{46FB27E8-E920-40DE-9828-5DEF2D32C34C}">
+      <dsp:nvSpPr>
+        <dsp:cNvPr id="0" name=""/>
+        <dsp:cNvSpPr/>
+      </dsp:nvSpPr>
+      <dsp:spPr>
+        <a:xfrm>
+          <a:off x="355826" y="689419"/>
+          <a:ext cx="459613" cy="459613"/>
+        </a:xfrm>
+        <a:prstGeom prst="ellipse">
+          <a:avLst/>
+        </a:prstGeom>
+        <a:solidFill>
+          <a:schemeClr val="lt1">
+            <a:hueOff val="0"/>
+            <a:satOff val="0"/>
+            <a:lumOff val="0"/>
+            <a:alphaOff val="0"/>
+          </a:schemeClr>
+        </a:solidFill>
+        <a:ln w="12700" cap="flat" cmpd="sng" algn="ctr">
+          <a:solidFill>
+            <a:schemeClr val="accent1">
+              <a:hueOff val="0"/>
+              <a:satOff val="0"/>
+              <a:lumOff val="0"/>
+              <a:alphaOff val="0"/>
+            </a:schemeClr>
+          </a:solidFill>
+          <a:prstDash val="solid"/>
+          <a:miter lim="800000"/>
+        </a:ln>
+        <a:effectLst/>
+      </dsp:spPr>
+      <dsp:style>
+        <a:lnRef idx="2">
+          <a:scrgbClr r="0" g="0" b="0"/>
+        </a:lnRef>
+        <a:fillRef idx="1">
+          <a:scrgbClr r="0" g="0" b="0"/>
+        </a:fillRef>
+        <a:effectRef idx="0">
+          <a:scrgbClr r="0" g="0" b="0"/>
+        </a:effectRef>
+        <a:fontRef idx="minor"/>
+      </dsp:style>
+    </dsp:sp>
+    <dsp:sp modelId="{6F83770D-E0BB-481F-9048-CBDF30AB9C0F}">
+      <dsp:nvSpPr>
+        <dsp:cNvPr id="0" name=""/>
+        <dsp:cNvSpPr/>
+      </dsp:nvSpPr>
+      <dsp:spPr>
+        <a:xfrm>
+          <a:off x="723935" y="1286846"/>
+          <a:ext cx="7437278" cy="367690"/>
+        </a:xfrm>
+        <a:prstGeom prst="rect">
+          <a:avLst/>
+        </a:prstGeom>
+        <a:solidFill>
+          <a:schemeClr val="accent1">
+            <a:hueOff val="0"/>
+            <a:satOff val="0"/>
+            <a:lumOff val="0"/>
+            <a:alphaOff val="0"/>
+          </a:schemeClr>
+        </a:solidFill>
+        <a:ln w="12700" cap="flat" cmpd="sng" algn="ctr">
+          <a:solidFill>
+            <a:schemeClr val="lt1">
+              <a:hueOff val="0"/>
+              <a:satOff val="0"/>
+              <a:lumOff val="0"/>
+              <a:alphaOff val="0"/>
+            </a:schemeClr>
+          </a:solidFill>
+          <a:prstDash val="solid"/>
+          <a:miter lim="800000"/>
+        </a:ln>
+        <a:effectLst/>
+      </dsp:spPr>
+      <dsp:style>
+        <a:lnRef idx="2">
+          <a:scrgbClr r="0" g="0" b="0"/>
+        </a:lnRef>
+        <a:fillRef idx="1">
+          <a:scrgbClr r="0" g="0" b="0"/>
+        </a:fillRef>
+        <a:effectRef idx="0">
+          <a:scrgbClr r="0" g="0" b="0"/>
+        </a:effectRef>
+        <a:fontRef idx="minor">
+          <a:schemeClr val="lt1"/>
+        </a:fontRef>
+      </dsp:style>
+      <dsp:txBody>
+        <a:bodyPr spcFirstLastPara="0" vert="horz" wrap="square" lIns="291854" tIns="50800" rIns="50800" bIns="50800" numCol="1" spcCol="1270" anchor="ctr" anchorCtr="0">
+          <a:noAutofit/>
+        </a:bodyPr>
+        <a:lstStyle/>
+        <a:p>
+          <a:pPr lvl="0" algn="l" defTabSz="889000">
+            <a:lnSpc>
+              <a:spcPct val="90000"/>
+            </a:lnSpc>
+            <a:spcBef>
+              <a:spcPct val="0"/>
+            </a:spcBef>
+            <a:spcAft>
+              <a:spcPct val="35000"/>
+            </a:spcAft>
+          </a:pPr>
+          <a:r>
+            <a:rPr lang="en-US" sz="2000" kern="1200" dirty="0" err="1" smtClean="0"/>
+            <a:t>Konzeption</a:t>
+          </a:r>
+          <a:r>
+            <a:rPr lang="en-US" sz="2000" kern="1200" dirty="0" smtClean="0"/>
+            <a:t> L DNN und </a:t>
+          </a:r>
+          <a:r>
+            <a:rPr lang="en-US" sz="2000" kern="1200" dirty="0" err="1" smtClean="0"/>
+            <a:t>prototypische</a:t>
+          </a:r>
+          <a:r>
+            <a:rPr lang="en-US" sz="2000" kern="1200" dirty="0" smtClean="0"/>
+            <a:t> </a:t>
+          </a:r>
+          <a:r>
+            <a:rPr lang="en-US" sz="2000" kern="1200" dirty="0" err="1" smtClean="0"/>
+            <a:t>Umsetzung</a:t>
+          </a:r>
+          <a:endParaRPr lang="en-US" sz="2000" kern="1200" dirty="0"/>
+        </a:p>
+      </dsp:txBody>
+      <dsp:txXfrm>
+        <a:off x="723935" y="1286846"/>
+        <a:ext cx="7437278" cy="367690"/>
+      </dsp:txXfrm>
+    </dsp:sp>
+    <dsp:sp modelId="{D16F6C97-5E29-4ABA-B0AC-04BE375C2E3E}">
+      <dsp:nvSpPr>
+        <dsp:cNvPr id="0" name=""/>
+        <dsp:cNvSpPr/>
+      </dsp:nvSpPr>
+      <dsp:spPr>
+        <a:xfrm>
+          <a:off x="494129" y="1240885"/>
+          <a:ext cx="459613" cy="459613"/>
+        </a:xfrm>
+        <a:prstGeom prst="ellipse">
+          <a:avLst/>
+        </a:prstGeom>
+        <a:solidFill>
+          <a:schemeClr val="lt1">
+            <a:hueOff val="0"/>
+            <a:satOff val="0"/>
+            <a:lumOff val="0"/>
+            <a:alphaOff val="0"/>
+          </a:schemeClr>
+        </a:solidFill>
+        <a:ln w="12700" cap="flat" cmpd="sng" algn="ctr">
+          <a:solidFill>
+            <a:schemeClr val="accent1">
+              <a:hueOff val="0"/>
+              <a:satOff val="0"/>
+              <a:lumOff val="0"/>
+              <a:alphaOff val="0"/>
+            </a:schemeClr>
+          </a:solidFill>
+          <a:prstDash val="solid"/>
+          <a:miter lim="800000"/>
+        </a:ln>
+        <a:effectLst/>
+      </dsp:spPr>
+      <dsp:style>
+        <a:lnRef idx="2">
+          <a:scrgbClr r="0" g="0" b="0"/>
+        </a:lnRef>
+        <a:fillRef idx="1">
+          <a:scrgbClr r="0" g="0" b="0"/>
+        </a:fillRef>
+        <a:effectRef idx="0">
+          <a:scrgbClr r="0" g="0" b="0"/>
+        </a:effectRef>
+        <a:fontRef idx="minor"/>
+      </dsp:style>
+    </dsp:sp>
+    <dsp:sp modelId="{A29685B3-AA43-4F7F-AA2E-C21F70C4F5B6}">
+      <dsp:nvSpPr>
+        <dsp:cNvPr id="0" name=""/>
+        <dsp:cNvSpPr/>
+      </dsp:nvSpPr>
+      <dsp:spPr>
+        <a:xfrm>
+          <a:off x="723935" y="1837963"/>
+          <a:ext cx="7437278" cy="367690"/>
+        </a:xfrm>
+        <a:prstGeom prst="rect">
+          <a:avLst/>
+        </a:prstGeom>
+        <a:solidFill>
+          <a:schemeClr val="accent1">
+            <a:hueOff val="0"/>
+            <a:satOff val="0"/>
+            <a:lumOff val="0"/>
+            <a:alphaOff val="0"/>
+          </a:schemeClr>
+        </a:solidFill>
+        <a:ln w="12700" cap="flat" cmpd="sng" algn="ctr">
+          <a:solidFill>
+            <a:schemeClr val="lt1">
+              <a:hueOff val="0"/>
+              <a:satOff val="0"/>
+              <a:lumOff val="0"/>
+              <a:alphaOff val="0"/>
+            </a:schemeClr>
+          </a:solidFill>
+          <a:prstDash val="solid"/>
+          <a:miter lim="800000"/>
+        </a:ln>
+        <a:effectLst/>
+      </dsp:spPr>
+      <dsp:style>
+        <a:lnRef idx="2">
+          <a:scrgbClr r="0" g="0" b="0"/>
+        </a:lnRef>
+        <a:fillRef idx="1">
+          <a:scrgbClr r="0" g="0" b="0"/>
+        </a:fillRef>
+        <a:effectRef idx="0">
+          <a:scrgbClr r="0" g="0" b="0"/>
+        </a:effectRef>
+        <a:fontRef idx="minor">
+          <a:schemeClr val="lt1"/>
+        </a:fontRef>
+      </dsp:style>
+      <dsp:txBody>
+        <a:bodyPr spcFirstLastPara="0" vert="horz" wrap="square" lIns="291854" tIns="50800" rIns="50800" bIns="50800" numCol="1" spcCol="1270" anchor="ctr" anchorCtr="0">
+          <a:noAutofit/>
+        </a:bodyPr>
+        <a:lstStyle/>
+        <a:p>
+          <a:pPr lvl="0" algn="l" defTabSz="889000">
+            <a:lnSpc>
+              <a:spcPct val="90000"/>
+            </a:lnSpc>
+            <a:spcBef>
+              <a:spcPct val="0"/>
+            </a:spcBef>
+            <a:spcAft>
+              <a:spcPct val="35000"/>
+            </a:spcAft>
+          </a:pPr>
+          <a:r>
+            <a:rPr lang="en-US" sz="2000" kern="1200" dirty="0" err="1" smtClean="0"/>
+            <a:t>Evaluierung</a:t>
+          </a:r>
+          <a:endParaRPr lang="en-US" sz="2000" kern="1200" dirty="0"/>
+        </a:p>
+      </dsp:txBody>
+      <dsp:txXfrm>
+        <a:off x="723935" y="1837963"/>
+        <a:ext cx="7437278" cy="367690"/>
+      </dsp:txXfrm>
+    </dsp:sp>
+    <dsp:sp modelId="{5471A4C8-8B0D-47A5-B890-71FE2396C902}">
+      <dsp:nvSpPr>
+        <dsp:cNvPr id="0" name=""/>
+        <dsp:cNvSpPr/>
+      </dsp:nvSpPr>
+      <dsp:spPr>
+        <a:xfrm>
+          <a:off x="494129" y="1792001"/>
+          <a:ext cx="459613" cy="459613"/>
+        </a:xfrm>
+        <a:prstGeom prst="ellipse">
+          <a:avLst/>
+        </a:prstGeom>
+        <a:solidFill>
+          <a:schemeClr val="lt1">
+            <a:hueOff val="0"/>
+            <a:satOff val="0"/>
+            <a:lumOff val="0"/>
+            <a:alphaOff val="0"/>
+          </a:schemeClr>
+        </a:solidFill>
+        <a:ln w="12700" cap="flat" cmpd="sng" algn="ctr">
+          <a:solidFill>
+            <a:schemeClr val="accent1">
+              <a:hueOff val="0"/>
+              <a:satOff val="0"/>
+              <a:lumOff val="0"/>
+              <a:alphaOff val="0"/>
+            </a:schemeClr>
+          </a:solidFill>
+          <a:prstDash val="solid"/>
+          <a:miter lim="800000"/>
+        </a:ln>
+        <a:effectLst/>
+      </dsp:spPr>
+      <dsp:style>
+        <a:lnRef idx="2">
+          <a:scrgbClr r="0" g="0" b="0"/>
+        </a:lnRef>
+        <a:fillRef idx="1">
+          <a:scrgbClr r="0" g="0" b="0"/>
+        </a:fillRef>
+        <a:effectRef idx="0">
+          <a:scrgbClr r="0" g="0" b="0"/>
+        </a:effectRef>
+        <a:fontRef idx="minor"/>
+      </dsp:style>
+    </dsp:sp>
+    <dsp:sp modelId="{6A5F191F-24D1-4D59-BD25-7527BCC2D4CB}">
+      <dsp:nvSpPr>
+        <dsp:cNvPr id="0" name=""/>
+        <dsp:cNvSpPr/>
+      </dsp:nvSpPr>
+      <dsp:spPr>
+        <a:xfrm>
+          <a:off x="585632" y="2389428"/>
+          <a:ext cx="7575581" cy="367690"/>
+        </a:xfrm>
+        <a:prstGeom prst="rect">
+          <a:avLst/>
+        </a:prstGeom>
+        <a:solidFill>
+          <a:schemeClr val="accent1">
+            <a:hueOff val="0"/>
+            <a:satOff val="0"/>
+            <a:lumOff val="0"/>
+            <a:alphaOff val="0"/>
+          </a:schemeClr>
+        </a:solidFill>
+        <a:ln w="12700" cap="flat" cmpd="sng" algn="ctr">
+          <a:solidFill>
+            <a:schemeClr val="lt1">
+              <a:hueOff val="0"/>
+              <a:satOff val="0"/>
+              <a:lumOff val="0"/>
+              <a:alphaOff val="0"/>
+            </a:schemeClr>
+          </a:solidFill>
+          <a:prstDash val="solid"/>
+          <a:miter lim="800000"/>
+        </a:ln>
+        <a:effectLst/>
+      </dsp:spPr>
+      <dsp:style>
+        <a:lnRef idx="2">
+          <a:scrgbClr r="0" g="0" b="0"/>
+        </a:lnRef>
+        <a:fillRef idx="1">
+          <a:scrgbClr r="0" g="0" b="0"/>
+        </a:fillRef>
+        <a:effectRef idx="0">
+          <a:scrgbClr r="0" g="0" b="0"/>
+        </a:effectRef>
+        <a:fontRef idx="minor">
+          <a:schemeClr val="lt1"/>
+        </a:fontRef>
+      </dsp:style>
+      <dsp:txBody>
+        <a:bodyPr spcFirstLastPara="0" vert="horz" wrap="square" lIns="291854" tIns="50800" rIns="50800" bIns="50800" numCol="1" spcCol="1270" anchor="ctr" anchorCtr="0">
+          <a:noAutofit/>
+        </a:bodyPr>
+        <a:lstStyle/>
+        <a:p>
+          <a:pPr lvl="0" algn="l" defTabSz="889000">
+            <a:lnSpc>
+              <a:spcPct val="90000"/>
+            </a:lnSpc>
+            <a:spcBef>
+              <a:spcPct val="0"/>
+            </a:spcBef>
+            <a:spcAft>
+              <a:spcPct val="35000"/>
+            </a:spcAft>
+          </a:pPr>
+          <a:r>
+            <a:rPr lang="en-US" sz="2000" kern="1200" dirty="0" smtClean="0"/>
+            <a:t>Demonstrator</a:t>
+          </a:r>
+          <a:endParaRPr lang="en-US" sz="2000" kern="1200" dirty="0"/>
+        </a:p>
+      </dsp:txBody>
+      <dsp:txXfrm>
+        <a:off x="585632" y="2389428"/>
+        <a:ext cx="7575581" cy="367690"/>
+      </dsp:txXfrm>
+    </dsp:sp>
+    <dsp:sp modelId="{807962F3-578B-48DB-BC82-308CDCCF2074}">
+      <dsp:nvSpPr>
+        <dsp:cNvPr id="0" name=""/>
+        <dsp:cNvSpPr/>
+      </dsp:nvSpPr>
+      <dsp:spPr>
+        <a:xfrm>
+          <a:off x="355826" y="2343467"/>
+          <a:ext cx="459613" cy="459613"/>
+        </a:xfrm>
+        <a:prstGeom prst="ellipse">
+          <a:avLst/>
+        </a:prstGeom>
+        <a:solidFill>
+          <a:schemeClr val="lt1">
+            <a:hueOff val="0"/>
+            <a:satOff val="0"/>
+            <a:lumOff val="0"/>
+            <a:alphaOff val="0"/>
+          </a:schemeClr>
+        </a:solidFill>
+        <a:ln w="12700" cap="flat" cmpd="sng" algn="ctr">
+          <a:solidFill>
+            <a:schemeClr val="accent1">
+              <a:hueOff val="0"/>
+              <a:satOff val="0"/>
+              <a:lumOff val="0"/>
+              <a:alphaOff val="0"/>
+            </a:schemeClr>
+          </a:solidFill>
+          <a:prstDash val="solid"/>
+          <a:miter lim="800000"/>
+        </a:ln>
+        <a:effectLst/>
+      </dsp:spPr>
+      <dsp:style>
+        <a:lnRef idx="2">
+          <a:scrgbClr r="0" g="0" b="0"/>
+        </a:lnRef>
+        <a:fillRef idx="1">
+          <a:scrgbClr r="0" g="0" b="0"/>
+        </a:fillRef>
+        <a:effectRef idx="0">
+          <a:scrgbClr r="0" g="0" b="0"/>
+        </a:effectRef>
+        <a:fontRef idx="minor"/>
+      </dsp:style>
+    </dsp:sp>
+    <dsp:sp modelId="{CE7D15C3-47E9-43F9-A517-86250945D4DF}">
+      <dsp:nvSpPr>
+        <dsp:cNvPr id="0" name=""/>
+        <dsp:cNvSpPr/>
+      </dsp:nvSpPr>
+      <dsp:spPr>
+        <a:xfrm>
+          <a:off x="283182" y="2940894"/>
+          <a:ext cx="7878032" cy="367690"/>
+        </a:xfrm>
+        <a:prstGeom prst="rect">
+          <a:avLst/>
+        </a:prstGeom>
+        <a:solidFill>
+          <a:schemeClr val="accent1">
+            <a:hueOff val="0"/>
+            <a:satOff val="0"/>
+            <a:lumOff val="0"/>
+            <a:alphaOff val="0"/>
+          </a:schemeClr>
+        </a:solidFill>
+        <a:ln w="12700" cap="flat" cmpd="sng" algn="ctr">
+          <a:solidFill>
+            <a:schemeClr val="lt1">
+              <a:hueOff val="0"/>
+              <a:satOff val="0"/>
+              <a:lumOff val="0"/>
+              <a:alphaOff val="0"/>
+            </a:schemeClr>
+          </a:solidFill>
+          <a:prstDash val="solid"/>
+          <a:miter lim="800000"/>
+        </a:ln>
+        <a:effectLst/>
+      </dsp:spPr>
+      <dsp:style>
+        <a:lnRef idx="2">
+          <a:scrgbClr r="0" g="0" b="0"/>
+        </a:lnRef>
+        <a:fillRef idx="1">
+          <a:scrgbClr r="0" g="0" b="0"/>
+        </a:fillRef>
+        <a:effectRef idx="0">
+          <a:scrgbClr r="0" g="0" b="0"/>
+        </a:effectRef>
+        <a:fontRef idx="minor">
+          <a:schemeClr val="lt1"/>
+        </a:fontRef>
+      </dsp:style>
+      <dsp:txBody>
+        <a:bodyPr spcFirstLastPara="0" vert="horz" wrap="square" lIns="291854" tIns="50800" rIns="50800" bIns="50800" numCol="1" spcCol="1270" anchor="ctr" anchorCtr="0">
+          <a:noAutofit/>
+        </a:bodyPr>
+        <a:lstStyle/>
+        <a:p>
+          <a:pPr lvl="0" algn="l" defTabSz="889000">
+            <a:lnSpc>
+              <a:spcPct val="90000"/>
+            </a:lnSpc>
+            <a:spcBef>
+              <a:spcPct val="0"/>
+            </a:spcBef>
+            <a:spcAft>
+              <a:spcPct val="35000"/>
+            </a:spcAft>
+          </a:pPr>
+          <a:r>
+            <a:rPr lang="en-US" sz="2000" kern="1200" dirty="0" err="1" smtClean="0"/>
+            <a:t>Zusammenfassung</a:t>
+          </a:r>
+          <a:r>
+            <a:rPr lang="en-US" sz="2000" kern="1200" dirty="0" smtClean="0"/>
+            <a:t> und </a:t>
+          </a:r>
+          <a:r>
+            <a:rPr lang="en-US" sz="2000" kern="1200" dirty="0" err="1" smtClean="0"/>
+            <a:t>Ausblick</a:t>
+          </a:r>
+          <a:endParaRPr lang="en-US" sz="2000" kern="1200" dirty="0"/>
+        </a:p>
+      </dsp:txBody>
+      <dsp:txXfrm>
+        <a:off x="283182" y="2940894"/>
+        <a:ext cx="7878032" cy="367690"/>
+      </dsp:txXfrm>
+    </dsp:sp>
+    <dsp:sp modelId="{0C1511AF-3B09-455B-A2FC-07F3AFC7CB78}">
+      <dsp:nvSpPr>
+        <dsp:cNvPr id="0" name=""/>
+        <dsp:cNvSpPr/>
+      </dsp:nvSpPr>
+      <dsp:spPr>
+        <a:xfrm>
+          <a:off x="53375" y="2894933"/>
+          <a:ext cx="459613" cy="459613"/>
+        </a:xfrm>
+        <a:prstGeom prst="ellipse">
+          <a:avLst/>
+        </a:prstGeom>
+        <a:solidFill>
+          <a:schemeClr val="lt1">
+            <a:hueOff val="0"/>
+            <a:satOff val="0"/>
+            <a:lumOff val="0"/>
+            <a:alphaOff val="0"/>
+          </a:schemeClr>
+        </a:solidFill>
+        <a:ln w="12700" cap="flat" cmpd="sng" algn="ctr">
+          <a:solidFill>
+            <a:schemeClr val="accent1">
+              <a:hueOff val="0"/>
+              <a:satOff val="0"/>
+              <a:lumOff val="0"/>
+              <a:alphaOff val="0"/>
+            </a:schemeClr>
+          </a:solidFill>
+          <a:prstDash val="solid"/>
+          <a:miter lim="800000"/>
+        </a:ln>
+        <a:effectLst/>
+      </dsp:spPr>
+      <dsp:style>
+        <a:lnRef idx="2">
+          <a:scrgbClr r="0" g="0" b="0"/>
+        </a:lnRef>
+        <a:fillRef idx="1">
+          <a:scrgbClr r="0" g="0" b="0"/>
+        </a:fillRef>
+        <a:effectRef idx="0">
+          <a:scrgbClr r="0" g="0" b="0"/>
+        </a:effectRef>
+        <a:fontRef idx="minor"/>
+      </dsp:style>
+    </dsp:sp>
+  </dsp:spTree>
+</dsp:drawing>
+</file>
+
+<file path=ppt/diagrams/layout1.xml><?xml version="1.0" encoding="utf-8"?>
+<dgm:layoutDef xmlns:dgm="http://schemas.openxmlformats.org/drawingml/2006/diagram" xmlns:a="http://schemas.openxmlformats.org/drawingml/2006/main" uniqueId="urn:microsoft.com/office/officeart/2008/layout/VerticalCurvedList">
+  <dgm:title val=""/>
+  <dgm:desc val=""/>
+  <dgm:catLst>
+    <dgm:cat type="list" pri="20000"/>
+  </dgm:catLst>
+  <dgm:sampData>
+    <dgm:dataModel>
+      <dgm:ptLst>
+        <dgm:pt modelId="0" type="doc"/>
+        <dgm:pt modelId="1">
+          <dgm:prSet phldr="1"/>
+        </dgm:pt>
+        <dgm:pt modelId="2">
+          <dgm:prSet phldr="1"/>
+        </dgm:pt>
+        <dgm:pt modelId="3">
+          <dgm:prSet phldr="1"/>
+        </dgm:pt>
+      </dgm:ptLst>
+      <dgm:cxnLst>
+        <dgm:cxn modelId="4" srcId="0" destId="1" srcOrd="0" destOrd="0"/>
+        <dgm:cxn modelId="5" srcId="0" destId="2" srcOrd="1" destOrd="0"/>
+        <dgm:cxn modelId="6" srcId="0" destId="3" srcOrd="2" destOrd="0"/>
+      </dgm:cxnLst>
+      <dgm:bg/>
+      <dgm:whole/>
+    </dgm:dataModel>
+  </dgm:sampData>
+  <dgm:styleData>
+    <dgm:dataModel>
+      <dgm:ptLst>
+        <dgm:pt modelId="0" type="doc"/>
+        <dgm:pt modelId="1">
+          <dgm:prSet phldr="1"/>
+        </dgm:pt>
+        <dgm:pt modelId="2">
+          <dgm:prSet phldr="1"/>
+        </dgm:pt>
+      </dgm:ptLst>
+      <dgm:cxnLst>
+        <dgm:cxn modelId="3" srcId="0" destId="1" srcOrd="0" destOrd="0"/>
+        <dgm:cxn modelId="4" srcId="0" destId="2" srcOrd="1" destOrd="0"/>
+      </dgm:cxnLst>
+      <dgm:bg/>
+      <dgm:whole/>
+    </dgm:dataModel>
+  </dgm:styleData>
+  <dgm:clrData>
+    <dgm:dataModel>
+      <dgm:ptLst>
+        <dgm:pt modelId="0" type="doc"/>
+        <dgm:pt modelId="1">
+          <dgm:prSet phldr="1"/>
+        </dgm:pt>
+        <dgm:pt modelId="2">
+          <dgm:prSet phldr="1"/>
+        </dgm:pt>
+        <dgm:pt modelId="3">
+          <dgm:prSet phldr="1"/>
+        </dgm:pt>
+        <dgm:pt modelId="4">
+          <dgm:prSet phldr="1"/>
+        </dgm:pt>
+      </dgm:ptLst>
+      <dgm:cxnLst>
+        <dgm:cxn modelId="5" srcId="0" destId="1" srcOrd="0" destOrd="0"/>
+        <dgm:cxn modelId="6" srcId="0" destId="2" srcOrd="1" destOrd="0"/>
+        <dgm:cxn modelId="7" srcId="0" destId="3" srcOrd="2" destOrd="0"/>
+        <dgm:cxn modelId="8" srcId="0" destId="4" srcOrd="3" destOrd="0"/>
+      </dgm:cxnLst>
+      <dgm:bg/>
+      <dgm:whole/>
+    </dgm:dataModel>
+  </dgm:clrData>
+  <dgm:layoutNode name="Name0">
+    <dgm:varLst>
+      <dgm:chMax val="7"/>
+      <dgm:chPref val="7"/>
+      <dgm:dir/>
+    </dgm:varLst>
+    <dgm:alg type="composite"/>
+    <dgm:shape xmlns:r="http://schemas.openxmlformats.org/officeDocument/2006/relationships" r:blip="">
+      <dgm:adjLst/>
+    </dgm:shape>
+    <dgm:constrLst>
+      <dgm:constr type="w" for="ch" refType="h" refFor="ch" op="gte" fact="0.8"/>
+    </dgm:constrLst>
+    <dgm:layoutNode name="Name1">
+      <dgm:alg type="composite"/>
+      <dgm:shape xmlns:r="http://schemas.openxmlformats.org/officeDocument/2006/relationships" r:blip="">
+        <dgm:adjLst/>
+      </dgm:shape>
+      <dgm:choose name="Name2">
+        <dgm:if name="Name3" func="var" arg="dir" op="equ" val="norm">
+          <dgm:choose name="Name4">
+            <dgm:if name="Name5" axis="ch" ptType="node" func="cnt" op="equ" val="1">
+              <dgm:constrLst>
+                <dgm:constr type="h" for="ch" forName="cycle" refType="h"/>
+                <dgm:constr type="w" for="ch" forName="cycle" refType="h" refFor="ch" refForName="cycle" fact="0.26"/>
+                <dgm:constr type="l" for="ch" forName="cycle"/>
+                <dgm:constr type="ctrY" for="ch" forName="cycle" refType="h" fact="0.5"/>
+                <dgm:constr type="diam" for="ch" forName="cycle" refType="h" fact="1.344"/>
+                <dgm:constr type="h" for="ch" forName="accent_1" refType="h" fact="0.625"/>
+                <dgm:constr type="w" for="ch" forName="accent_1" refType="h" refFor="ch" refForName="accent_1" op="equ"/>
+                <dgm:constr type="ctrY" for="ch" forName="accent_1" refType="h" fact="0.5"/>
+                <dgm:constr type="ctrX" for="ch" forName="accent_1" refType="h" fact="0.2253"/>
+                <dgm:constr type="l" for="ch" forName="text_1" refType="ctrX" refFor="ch" refForName="accent_1"/>
+                <dgm:constr type="r" for="ch" forName="text_1" refType="w"/>
+                <dgm:constr type="w" for="ch" forName="text_1" refType="h" refFor="ch" refForName="text_1" op="gte"/>
+                <dgm:constr type="h" for="ch" forName="text_1" refType="h" refFor="ch" refForName="accent_1" fact="0.8"/>
+                <dgm:constr type="ctrY" for="ch" forName="text_1" refType="ctrY" refFor="ch" refForName="accent_1"/>
+                <dgm:constr type="lMarg" for="ch" forName="text_1" refType="w" refFor="ch" refForName="accent_1" fact="1.8"/>
+                <dgm:constr type="primFontSz" for="ch" ptType="node" op="equ" val="65"/>
+              </dgm:constrLst>
+            </dgm:if>
+            <dgm:if name="Name6" axis="ch" ptType="node" func="cnt" op="equ" val="2">
+              <dgm:constrLst>
+                <dgm:constr type="h" for="ch" forName="cycle" refType="h"/>
+                <dgm:constr type="w" for="ch" forName="cycle" refType="h" refFor="ch" refForName="cycle" fact="0.26"/>
+                <dgm:constr type="l" for="ch" forName="cycle"/>
+                <dgm:constr type="ctrY" for="ch" forName="cycle" refType="h" fact="0.5"/>
+                <dgm:constr type="diam" for="ch" forName="cycle" refType="h" fact="1.344"/>
+                <dgm:constr type="h" for="ch" forName="accent_1" refType="h" fact="0.3571"/>
+                <dgm:constr type="w" for="ch" forName="accent_1" refType="h" refFor="ch" refForName="accent_1" op="equ"/>
+                <dgm:constr type="ctrY" for="ch" forName="accent_1" refType="h" fact="0.2857"/>
+                <dgm:constr type="ctrX" for="ch" forName="accent_1" refType="h" fact="0.1891"/>
+                <dgm:constr type="l" for="ch" forName="text_1" refType="ctrX" refFor="ch" refForName="accent_1"/>
+                <dgm:constr type="r" for="ch" forName="text_1" refType="w"/>
+                <dgm:constr type="w" for="ch" forName="text_1" refType="h" refFor="ch" refForName="text_1" op="gte"/>
+                <dgm:constr type="h" for="ch" forName="text_1" refType="h" refFor="ch" refForName="accent_1" fact="0.8"/>
+                <dgm:constr type="ctrY" for="ch" forName="text_1" refType="ctrY" refFor="ch" refForName="accent_1"/>
+                <dgm:constr type="lMarg" for="ch" forName="text_1" refType="w" refFor="ch" refForName="accent_1" fact="1.8"/>
+                <dgm:constr type="h" for="ch" forName="accent_2" refType="h" fact="0.3571"/>
+                <dgm:constr type="w" for="ch" forName="accent_2" refType="h" refFor="ch" refForName="accent_2" op="equ"/>
+                <dgm:constr type="ctrY" for="ch" forName="accent_2" refType="h" fact="0.7143"/>
+                <dgm:constr type="ctrX" for="ch" forName="accent_2" refType="h" fact="0.1891"/>
+                <dgm:constr type="l" for="ch" forName="text_2" refType="ctrX" refFor="ch" refForName="accent_2"/>
+                <dgm:constr type="r" for="ch" forName="text_2" refType="w"/>
+                <dgm:constr type="w" for="ch" forName="text_2" refType="h" refFor="ch" refForName="text_2" op="gte"/>
+                <dgm:constr type="h" for="ch" forName="text_2" refType="h" refFor="ch" refForName="accent_2" fact="0.8"/>
+                <dgm:constr type="ctrY" for="ch" forName="text_2" refType="ctrY" refFor="ch" refForName="accent_2"/>
+                <dgm:constr type="lMarg" for="ch" forName="text_2" refType="w" refFor="ch" refForName="accent_2" fact="1.8"/>
+                <dgm:constr type="primFontSz" for="ch" ptType="node" op="equ" val="65"/>
+              </dgm:constrLst>
+            </dgm:if>
+            <dgm:if name="Name7" axis="ch" ptType="node" func="cnt" op="equ" val="3">
+              <dgm:constrLst>
+                <dgm:constr type="h" for="ch" forName="cycle" refType="h"/>
+                <dgm:constr type="w" for="ch" forName="cycle" refType="h" refFor="ch" refForName="cycle" fact="0.26"/>
+                <dgm:constr type="l" for="ch" forName="cycle"/>
+                <dgm:constr type="ctrY" for="ch" forName="cycle" refType="h" fact="0.5"/>
+                <dgm:constr type="diam" for="ch" forName="cycle" refType="h" fact="1.344"/>
+                <dgm:constr type="h" for="ch" forName="accent_1" refType="h" fact="0.25"/>
+                <dgm:constr type="w" for="ch" forName="accent_1" refType="h" refFor="ch" refForName="accent_1" op="equ"/>
+                <dgm:constr type="ctrY" for="ch" forName="accent_1" refType="h" fact="0.2"/>
+                <dgm:constr type="ctrX" for="ch" forName="accent_1" refType="h" fact="0.1526"/>
+                <dgm:constr type="l" for="ch" forName="text_1" refType="ctrX" refFor="ch" refForName="accent_1"/>
+                <dgm:constr type="r" for="ch" forName="text_1" refType="w"/>
+                <dgm:constr type="w" for="ch" forName="text_1" refType="h" refFor="ch" refForName="text_1" op="gte"/>
+                <dgm:constr type="h" for="ch" forName="text_1" refType="h" refFor="ch" refForName="accent_1" fact="0.8"/>
+                <dgm:constr type="ctrY" for="ch" forName="text_1" refType="ctrY" refFor="ch" refForName="accent_1"/>
+                <dgm:constr type="lMarg" for="ch" forName="text_1" refType="w" refFor="ch" refForName="accent_1" fact="1.8"/>
+                <dgm:constr type="h" for="ch" forName="accent_2" refType="h" fact="0.25"/>
+                <dgm:constr type="w" for="ch" forName="accent_2" refType="h" refFor="ch" refForName="accent_2" op="equ"/>
+                <dgm:constr type="ctrY" for="ch" forName="accent_2" refType="h" fact="0.5"/>
+                <dgm:constr type="ctrX" for="ch" forName="accent_2" refType="h" fact="0.2253"/>
+                <dgm:constr type="l" for="ch" forName="text_2" refType="ctrX" refFor="ch" refForName="accent_2"/>
+                <dgm:constr type="r" for="ch" forName="text_2" refType="w"/>
+                <dgm:constr type="w" for="ch" forName="text_2" refType="h" refFor="ch" refForName="text_2" op="gte"/>
+                <dgm:constr type="h" for="ch" forName="text_2" refType="h" refFor="ch" refForName="accent_2" fact="0.8"/>
+                <dgm:constr type="ctrY" for="ch" forName="text_2" refType="ctrY" refFor="ch" refForName="accent_2"/>
+                <dgm:constr type="lMarg" for="ch" forName="text_2" refType="w" refFor="ch" refForName="accent_2" fact="1.8"/>
+                <dgm:constr type="h" for="ch" forName="accent_3" refType="h" fact="0.25"/>
+                <dgm:constr type="w" for="ch" forName="accent_3" refType="h" refFor="ch" refForName="accent_3" op="equ"/>
+                <dgm:constr type="ctrY" for="ch" forName="accent_3" refType="h" fact="0.8"/>
+                <dgm:constr type="ctrX" for="ch" forName="accent_3" refType="h" fact="0.1526"/>
+                <dgm:constr type="l" for="ch" forName="text_3" refType="ctrX" refFor="ch" refForName="accent_3"/>
+                <dgm:constr type="r" for="ch" forName="text_3" refType="w"/>
+                <dgm:constr type="w" for="ch" forName="text_3" refType="h" refFor="ch" refForName="text_3" op="gte"/>
+                <dgm:constr type="h" for="ch" forName="text_3" refType="h" refFor="ch" refForName="accent_3" fact="0.8"/>
+                <dgm:constr type="ctrY" for="ch" forName="text_3" refType="ctrY" refFor="ch" refForName="accent_3"/>
+                <dgm:constr type="lMarg" for="ch" forName="text_3" refType="w" refFor="ch" refForName="accent_3" fact="1.8"/>
+                <dgm:constr type="primFontSz" for="ch" ptType="node" op="equ" val="65"/>
+              </dgm:constrLst>
+            </dgm:if>
+            <dgm:if name="Name8" axis="ch" ptType="node" func="cnt" op="equ" val="4">
+              <dgm:constrLst>
+                <dgm:constr type="h" for="ch" forName="cycle" refType="h"/>
+                <dgm:constr type="w" for="ch" forName="cycle" refType="h" refFor="ch" refForName="cycle" fact="0.26"/>
+                <dgm:constr type="l" for="ch" forName="cycle"/>
+                <dgm:constr type="ctrY" for="ch" forName="cycle" refType="h" fact="0.5"/>
+                <dgm:constr type="diam" for="ch" forName="cycle" refType="h" fact="1.344"/>
+                <dgm:constr type="h" for="ch" forName="accent_1" refType="h" fact="0.1923"/>
+                <dgm:constr type="w" for="ch" forName="accent_1" refType="h" refFor="ch" refForName="accent_1" op="equ"/>
+                <dgm:constr type="ctrY" for="ch" forName="accent_1" refType="h" fact="0.1538"/>
+                <dgm:constr type="ctrX" for="ch" forName="accent_1" refType="h" fact="0.1268"/>
+                <dgm:constr type="l" for="ch" forName="text_1" refType="ctrX" refFor="ch" refForName="accent_1"/>
+                <dgm:constr type="r" for="ch" forName="text_1" refType="w"/>
+                <dgm:constr type="w" for="ch" forName="text_1" refType="h" refFor="ch" refForName="text_1" op="gte"/>
+                <dgm:constr type="h" for="ch" forName="text_1" refType="h" refFor="ch" refForName="accent_1" fact="0.8"/>
+                <dgm:constr type="ctrY" for="ch" forName="text_1" refType="ctrY" refFor="ch" refForName="accent_1"/>
+                <dgm:constr type="lMarg" for="ch" forName="text_1" refType="w" refFor="ch" refForName="accent_1" fact="1.8"/>
+                <dgm:constr type="h" for="ch" forName="accent_2" refType="h" fact="0.1923"/>
+                <dgm:constr type="w" for="ch" forName="accent_2" refType="h" refFor="ch" refForName="accent_2" op="equ"/>
+                <dgm:constr type="ctrY" for="ch" forName="accent_2" refType="h" fact="0.3846"/>
+                <dgm:constr type="ctrX" for="ch" forName="accent_2" refType="h" fact="0.215"/>
+                <dgm:constr type="l" for="ch" forName="text_2" refType="ctrX" refFor="ch" refForName="accent_2"/>
+                <dgm:constr type="r" for="ch" forName="text_2" refType="w"/>
+                <dgm:constr type="w" for="ch" forName="text_2" refType="h" refFor="ch" refForName="text_2" op="gte"/>
+                <dgm:constr type="h" for="ch" forName="text_2" refType="h" refFor="ch" refForName="accent_2" fact="0.8"/>
+                <dgm:constr type="ctrY" for="ch" forName="text_2" refType="ctrY" refFor="ch" refForName="accent_2"/>
+                <dgm:constr type="lMarg" for="ch" forName="text_2" refType="w" refFor="ch" refForName="accent_2" fact="1.8"/>
+                <dgm:constr type="h" for="ch" forName="accent_3" refType="h" fact="0.1923"/>
+                <dgm:constr type="w" for="ch" forName="accent_3" refType="h" refFor="ch" refForName="accent_3" op="equ"/>
+                <dgm:constr type="ctrY" for="ch" forName="accent_3" refType="h" fact="0.6154"/>
+                <dgm:constr type="ctrX" for="ch" forName="accent_3" refType="h" fact="0.215"/>
+                <dgm:constr type="l" for="ch" forName="text_3" refType="ctrX" refFor="ch" refForName="accent_3"/>
+                <dgm:constr type="r" for="ch" forName="text_3" refType="w"/>
+                <dgm:constr type="w" for="ch" forName="text_3" refType="h" refFor="ch" refForName="text_3" op="gte"/>
+                <dgm:constr type="h" for="ch" forName="text_3" refType="h" refFor="ch" refForName="accent_3" fact="0.8"/>
+                <dgm:constr type="ctrY" for="ch" forName="text_3" refType="ctrY" refFor="ch" refForName="accent_3"/>
+                <dgm:constr type="lMarg" for="ch" forName="text_3" refType="w" refFor="ch" refForName="accent_3" fact="1.8"/>
+                <dgm:constr type="h" for="ch" forName="accent_4" refType="h" fact="0.1923"/>
+                <dgm:constr type="w" for="ch" forName="accent_4" refType="h" refFor="ch" refForName="accent_4" op="equ"/>
+                <dgm:constr type="ctrY" for="ch" forName="accent_4" refType="h" fact="0.8462"/>
+                <dgm:constr type="ctrX" for="ch" forName="accent_4" refType="h" fact="0.1268"/>
+                <dgm:constr type="l" for="ch" forName="text_4" refType="ctrX" refFor="ch" refForName="accent_4"/>
+                <dgm:constr type="r" for="ch" forName="text_4" refType="w"/>
+                <dgm:constr type="w" for="ch" forName="text_4" refType="h" refFor="ch" refForName="text_4" op="gte"/>
+                <dgm:constr type="h" for="ch" forName="text_4" refType="h" refFor="ch" refForName="accent_4" fact="0.8"/>
+                <dgm:constr type="ctrY" for="ch" forName="text_4" refType="ctrY" refFor="ch" refForName="accent_4"/>
+                <dgm:constr type="lMarg" for="ch" forName="text_4" refType="w" refFor="ch" refForName="accent_4" fact="1.8"/>
+                <dgm:constr type="primFontSz" for="ch" ptType="node" op="equ" val="65"/>
+              </dgm:constrLst>
+            </dgm:if>
+            <dgm:if name="Name9" axis="ch" ptType="node" func="cnt" op="equ" val="5">
+              <dgm:constrLst>
+                <dgm:constr type="h" for="ch" forName="cycle" refType="h"/>
+                <dgm:constr type="w" for="ch" forName="cycle" refType="h" refFor="ch" refForName="cycle" fact="0.26"/>
+                <dgm:constr type="l" for="ch" forName="cycle"/>
+                <dgm:constr type="ctrY" for="ch" forName="cycle" refType="h" fact="0.5"/>
+                <dgm:constr type="diam" for="ch" forName="cycle" refType="h" fact="1.344"/>
+                <dgm:constr type="h" for="ch" forName="accent_1" refType="h" fact="0.1563"/>
+                <dgm:constr type="w" for="ch" forName="accent_1" refType="h" refFor="ch" refForName="accent_1" op="equ"/>
+                <dgm:constr type="ctrY" for="ch" forName="accent_1" refType="h" fact="0.125"/>
+                <dgm:constr type="ctrX" for="ch" forName="accent_1" refType="h" fact="0.1082"/>
+                <dgm:constr type="l" for="ch" forName="text_1" refType="ctrX" refFor="ch" refForName="accent_1"/>
+                <dgm:constr type="r" for="ch" forName="text_1" refType="w"/>
+                <dgm:constr type="w" for="ch" forName="text_1" refType="h" refFor="ch" refForName="text_1" op="gte"/>
+                <dgm:constr type="h" for="ch" forName="text_1" refType="h" refFor="ch" refForName="accent_1" fact="0.8"/>
+                <dgm:constr type="ctrY" for="ch" forName="text_1" refType="ctrY" refFor="ch" refForName="accent_1"/>
+                <dgm:constr type="lMarg" for="ch" forName="text_1" refType="w" refFor="ch" refForName="accent_1" fact="1.8"/>
+                <dgm:constr type="h" for="ch" forName="accent_2" refType="h" fact="0.1563"/>
+                <dgm:constr type="w" for="ch" forName="accent_2" refType="h" refFor="ch" refForName="accent_2" op="equ"/>
+                <dgm:constr type="ctrY" for="ch" forName="accent_2" refType="h" fact="0.3125"/>
+                <dgm:constr type="ctrX" for="ch" forName="accent_2" refType="h" fact="0.1978"/>
+                <dgm:constr type="l" for="ch" forName="text_2" refType="ctrX" refFor="ch" refForName="accent_2"/>
+                <dgm:constr type="r" for="ch" forName="text_2" refType="w"/>
+                <dgm:constr type="w" for="ch" forName="text_2" refType="h" refFor="ch" refForName="text_2" op="gte"/>
+                <dgm:constr type="h" for="ch" forName="text_2" refType="h" refFor="ch" refForName="accent_2" fact="0.8"/>
+                <dgm:constr type="ctrY" for="ch" forName="text_2" refType="ctrY" refFor="ch" refForName="accent_2"/>
+                <dgm:constr type="lMarg" for="ch" forName="text_2" refType="w" refFor="ch" refForName="accent_2" fact="1.8"/>
+                <dgm:constr type="h" for="ch" forName="accent_3" refType="h" fact="0.1563"/>
+                <dgm:constr type="w" for="ch" forName="accent_3" refType="h" refFor="ch" refForName="accent_3" op="equ"/>
+                <dgm:constr type="ctrY" for="ch" forName="accent_3" refType="h" fact="0.5"/>
+                <dgm:constr type="ctrX" for="ch" forName="accent_3" refType="h" fact="0.2253"/>
+                <dgm:constr type="l" for="ch" forName="text_3" refType="ctrX" refFor="ch" refForName="accent_3"/>
+                <dgm:constr type="r" for="ch" forName="text_3" refType="w"/>
+                <dgm:constr type="w" for="ch" forName="text_3" refType="h" refFor="ch" refForName="text_3" op="gte"/>
+                <dgm:constr type="h" for="ch" forName="text_3" refType="h" refFor="ch" refForName="accent_3" fact="0.8"/>
+                <dgm:constr type="ctrY" for="ch" forName="text_3" refType="ctrY" refFor="ch" refForName="accent_3"/>
+                <dgm:constr type="lMarg" for="ch" forName="text_3" refType="w" refFor="ch" refForName="accent_3" fact="1.8"/>
+                <dgm:constr type="h" for="ch" forName="accent_4" refType="h" fact="0.1563"/>
+                <dgm:constr type="w" for="ch" forName="accent_4" refType="h" refFor="ch" refForName="accent_4" op="equ"/>
+                <dgm:constr type="ctrY" for="ch" forName="accent_4" refType="h" fact="0.6875"/>
+                <dgm:constr type="ctrX" for="ch" forName="accent_4" refType="h" fact="0.1978"/>
+                <dgm:constr type="l" for="ch" forName="text_4" refType="ctrX" refFor="ch" refForName="accent_4"/>
+                <dgm:constr type="r" for="ch" forName="text_4" refType="w"/>
+                <dgm:constr type="w" for="ch" forName="text_4" refType="h" refFor="ch" refForName="text_4" op="gte"/>
+                <dgm:constr type="h" for="ch" forName="text_4" refType="h" refFor="ch" refForName="accent_4" fact="0.8"/>
+                <dgm:constr type="ctrY" for="ch" forName="text_4" refType="ctrY" refFor="ch" refForName="accent_4"/>
+                <dgm:constr type="lMarg" for="ch" forName="text_4" refType="w" refFor="ch" refForName="accent_4" fact="1.8"/>
+                <dgm:constr type="h" for="ch" forName="accent_5" refType="h" fact="0.1563"/>
+                <dgm:constr type="w" for="ch" forName="accent_5" refType="h" refFor="ch" refForName="accent_5" op="equ"/>
+                <dgm:constr type="ctrY" for="ch" forName="accent_5" refType="h" fact="0.875"/>
+                <dgm:constr type="ctrX" for="ch" forName="accent_5" refType="h" fact="0.1082"/>
+                <dgm:constr type="l" for="ch" forName="text_5" refType="ctrX" refFor="ch" refForName="accent_5"/>
+                <dgm:constr type="r" for="ch" forName="text_5" refType="w"/>
+                <dgm:constr type="w" for="ch" forName="text_5" refType="h" refFor="ch" refForName="text_5" op="gte"/>
+                <dgm:constr type="h" for="ch" forName="text_5" refType="h" refFor="ch" refForName="accent_5" fact="0.8"/>
+                <dgm:constr type="ctrY" for="ch" forName="text_5" refType="ctrY" refFor="ch" refForName="accent_5"/>
+                <dgm:constr type="lMarg" for="ch" forName="text_5" refType="w" refFor="ch" refForName="accent_5" fact="1.8"/>
+                <dgm:constr type="primFontSz" for="ch" ptType="node" op="equ" val="65"/>
+              </dgm:constrLst>
+            </dgm:if>
+            <dgm:if name="Name10" axis="ch" ptType="node" func="cnt" op="equ" val="6">
+              <dgm:constrLst>
+                <dgm:constr type="h" for="ch" forName="cycle" refType="h"/>
+                <dgm:constr type="w" for="ch" forName="cycle" refType="h" refFor="ch" refForName="cycle" fact="0.26"/>
+                <dgm:constr type="l" for="ch" forName="cycle"/>
+                <dgm:constr type="ctrY" for="ch" forName="cycle" refType="h" fact="0.5"/>
+                <dgm:constr type="diam" for="ch" forName="cycle" refType="h" fact="1.344"/>
+                <dgm:constr type="h" for="ch" forName="accent_1" refType="h" fact="0.1316"/>
+                <dgm:constr type="w" for="ch" forName="accent_1" refType="h" refFor="ch" refForName="accent_1" op="equ"/>
+                <dgm:constr type="ctrY" for="ch" forName="accent_1" refType="h" fact="0.1053"/>
+                <dgm:constr type="ctrX" for="ch" forName="accent_1" refType="h" fact="0.0943"/>
+                <dgm:constr type="l" for="ch" forName="text_1" refType="ctrX" refFor="ch" refForName="accent_1"/>
+                <dgm:constr type="r" for="ch" forName="text_1" refType="w"/>
+                <dgm:constr type="w" for="ch" forName="text_1" refType="h" refFor="ch" refForName="text_1" op="gte"/>
+                <dgm:constr type="h" for="ch" forName="text_1" refType="h" refFor="ch" refForName="accent_1" fact="0.8"/>
+                <dgm:constr type="ctrY" for="ch" forName="text_1" refType="ctrY" refFor="ch" refForName="accent_1"/>
+                <dgm:constr type="lMarg" for="ch" forName="text_1" refType="w" refFor="ch" refForName="accent_1" fact="1.8"/>
+                <dgm:constr type="h" for="ch" forName="accent_2" refType="h" fact="0.1316"/>
+                <dgm:constr type="w" for="ch" forName="accent_2" refType="h" refFor="ch" refForName="accent_2" op="equ"/>
+                <dgm:constr type="ctrY" for="ch" forName="accent_2" refType="h" fact="0.2632"/>
+                <dgm:constr type="ctrX" for="ch" forName="accent_2" refType="h" fact="0.1809"/>
+                <dgm:constr type="l" for="ch" forName="text_2" refType="ctrX" refFor="ch" refForName="accent_2"/>
+                <dgm:constr type="r" for="ch" forName="text_2" refType="w"/>
+                <dgm:constr type="w" for="ch" forName="text_2" refType="h" refFor="ch" refForName="text_2" op="gte"/>
+                <dgm:constr type="h" for="ch" forName="text_2" refType="h" refFor="ch" refForName="accent_2" fact="0.8"/>
+                <dgm:constr type="ctrY" for="ch" forName="text_2" refType="ctrY" refFor="ch" refForName="accent_2"/>
+                <dgm:constr type="lMarg" for="ch" forName="text_2" refType="w" refFor="ch" refForName="accent_2" fact="1.8"/>
+                <dgm:constr type="h" for="ch" forName="accent_3" refType="h" fact="0.1316"/>
+                <dgm:constr type="w" for="ch" forName="accent_3" refType="h" refFor="ch" refForName="accent_3" op="equ"/>
+                <dgm:constr type="ctrY" for="ch" forName="accent_3" refType="h" fact="0.4211"/>
+                <dgm:constr type="ctrX" for="ch" forName="accent_3" refType="h" fact="0.2205"/>
+                <dgm:constr type="l" for="ch" forName="text_3" refType="ctrX" refFor="ch" refForName="accent_3"/>
+                <dgm:constr type="r" for="ch" forName="text_3" refType="w"/>
+                <dgm:constr type="w" for="ch" forName="text_3" refType="h" refFor="ch" refForName="text_3" op="gte"/>
+                <dgm:constr type="h" for="ch" forName="text_3" refType="h" refFor="ch" refForName="accent_3" fact="0.8"/>
+                <dgm:constr type="ctrY" for="ch" forName="text_3" refType="ctrY" refFor="ch" refForName="accent_3"/>
+                <dgm:constr type="lMarg" for="ch" forName="text_3" refType="w" refFor="ch" refForName="accent_3" fact="1.8"/>
+                <dgm:constr type="h" for="ch" forName="accent_4" refType="h" fact="0.1316"/>
+                <dgm:constr type="w" for="ch" forName="accent_4" refType="h" refFor="ch" refForName="accent_4" op="equ"/>
+                <dgm:constr type="ctrY" for="ch" forName="accent_4" refType="h" fact="0.5789"/>
+                <dgm:constr type="ctrX" for="ch" forName="accent_4" refType="h" fact="0.2205"/>
+                <dgm:constr type="l" for="ch" forName="text_4" refType="ctrX" refFor="ch" refForName="accent_4"/>
+                <dgm:constr type="r" for="ch" forName="text_4" refType="w"/>
+                <dgm:constr type="w" for="ch" forName="text_4" refType="h" refFor="ch" refForName="text_4" op="gte"/>
+                <dgm:constr type="h" for="ch" forName="text_4" refType="h" refFor="ch" refForName="accent_4" fact="0.8"/>
+                <dgm:constr type="ctrY" for="ch" forName="text_4" refType="ctrY" refFor="ch" refForName="accent_4"/>
+                <dgm:constr type="lMarg" for="ch" forName="text_4" refType="w" refFor="ch" refForName="accent_4" fact="1.8"/>
+                <dgm:constr type="h" for="ch" forName="accent_5" refType="h" fact="0.1316"/>
+                <dgm:constr type="w" for="ch" forName="accent_5" refType="h" refFor="ch" refForName="accent_5" op="equ"/>
+                <dgm:constr type="ctrY" for="ch" forName="accent_5" refType="h" fact="0.7368"/>
+                <dgm:constr type="ctrX" for="ch" forName="accent_5" refType="h" fact="0.1809"/>
+                <dgm:constr type="l" for="ch" forName="text_5" refType="ctrX" refFor="ch" refForName="accent_5"/>
+                <dgm:constr type="r" for="ch" forName="text_5" refType="w"/>
+                <dgm:constr type="w" for="ch" forName="text_5" refType="h" refFor="ch" refForName="text_5" op="gte"/>
+                <dgm:constr type="h" for="ch" forName="text_5" refType="h" refFor="ch" refForName="accent_5" fact="0.8"/>
+                <dgm:constr type="ctrY" for="ch" forName="text_5" refType="ctrY" refFor="ch" refForName="accent_5"/>
+                <dgm:constr type="lMarg" for="ch" forName="text_5" refType="w" refFor="ch" refForName="accent_5" fact="1.8"/>
+                <dgm:constr type="h" for="ch" forName="accent_6" refType="h" fact="0.1316"/>
+                <dgm:constr type="w" for="ch" forName="accent_6" refType="h" refFor="ch" refForName="accent_6" op="equ"/>
+                <dgm:constr type="ctrY" for="ch" forName="accent_6" refType="h" fact="0.8947"/>
+                <dgm:constr type="ctrX" for="ch" forName="accent_6" refType="h" fact="0.0943"/>
+                <dgm:constr type="l" for="ch" forName="text_6" refType="ctrX" refFor="ch" refForName="accent_6"/>
+                <dgm:constr type="r" for="ch" forName="text_6" refType="w"/>
+                <dgm:constr type="w" for="ch" forName="text_6" refType="h" refFor="ch" refForName="text_6" op="gte"/>
+                <dgm:constr type="h" for="ch" forName="text_6" refType="h" refFor="ch" refForName="accent_6" fact="0.8"/>
+                <dgm:constr type="ctrY" for="ch" forName="text_6" refType="ctrY" refFor="ch" refForName="accent_6"/>
+                <dgm:constr type="lMarg" for="ch" forName="text_6" refType="w" refFor="ch" refForName="accent_6" fact="1.8"/>
+                <dgm:constr type="primFontSz" for="ch" ptType="node" op="equ" val="65"/>
+              </dgm:constrLst>
+            </dgm:if>
+            <dgm:else name="Name11">
+              <dgm:constrLst>
+                <dgm:constr type="h" for="ch" forName="cycle" refType="h"/>
+                <dgm:constr type="w" for="ch" forName="cycle" refType="h" refFor="ch" refForName="cycle" fact="0.26"/>
+                <dgm:constr type="l" for="ch" forName="cycle"/>
+                <dgm:constr type="ctrY" for="ch" forName="cycle" refType="h" fact="0.5"/>
+                <dgm:constr type="diam" for="ch" forName="cycle" refType="h" fact="1.344"/>
+                <dgm:constr type="h" for="ch" forName="accent_1" refType="h" fact="0.1136"/>
+                <dgm:constr type="w" for="ch" forName="accent_1" refType="h" refFor="ch" refForName="accent_1" op="equ"/>
+                <dgm:constr type="ctrY" for="ch" forName="accent_1" refType="h" fact="0.0909"/>
+                <dgm:constr type="ctrX" for="ch" forName="accent_1" refType="h" fact="0.0835"/>
+                <dgm:constr type="l" for="ch" forName="text_1" refType="ctrX" refFor="ch" refForName="accent_1"/>
+                <dgm:constr type="r" for="ch" forName="text_1" refType="w"/>
+                <dgm:constr type="w" for="ch" forName="text_1" refType="h" refFor="ch" refForName="text_1" op="gte"/>
+                <dgm:constr type="h" for="ch" forName="text_1" refType="h" refFor="ch" refForName="accent_1" fact="0.8"/>
+                <dgm:constr type="ctrY" for="ch" forName="text_1" refType="ctrY" refFor="ch" refForName="accent_1"/>
+                <dgm:constr type="lMarg" for="ch" forName="text_1" refType="w" refFor="ch" refForName="accent_1" fact="1.8"/>
+                <dgm:constr type="h" for="ch" forName="accent_2" refType="h" fact="0.1136"/>
+                <dgm:constr type="w" for="ch" forName="accent_2" refType="h" refFor="ch" refForName="accent_2" op="equ"/>
+                <dgm:constr type="ctrY" for="ch" forName="accent_2" refType="h" fact="0.2273"/>
+                <dgm:constr type="ctrX" for="ch" forName="accent_2" refType="h" fact="0.1658"/>
+                <dgm:constr type="l" for="ch" forName="text_2" refType="ctrX" refFor="ch" refForName="accent_2"/>
+                <dgm:constr type="r" for="ch" forName="text_2" refType="w"/>
+                <dgm:constr type="w" for="ch" forName="text_2" refType="h" refFor="ch" refForName="text_2" op="gte"/>
+                <dgm:constr type="h" for="ch" forName="text_2" refType="h" refFor="ch" refForName="accent_2" fact="0.8"/>
+                <dgm:constr type="ctrY" for="ch" forName="text_2" refType="ctrY" refFor="ch" refForName="accent_2"/>
+                <dgm:constr type="lMarg" for="ch" forName="text_2" refType="w" refFor="ch" refForName="accent_2" fact="1.8"/>
+                <dgm:constr type="h" for="ch" forName="accent_3" refType="h" fact="0.1136"/>
+                <dgm:constr type="w" for="ch" forName="accent_3" refType="h" refFor="ch" refForName="accent_3" op="equ"/>
+                <dgm:constr type="ctrY" for="ch" forName="accent_3" refType="h" fact="0.3636"/>
+                <dgm:constr type="ctrX" for="ch" forName="accent_3" refType="h" fact="0.2109"/>
+                <dgm:constr type="l" for="ch" forName="text_3" refType="ctrX" refFor="ch" refForName="accent_3"/>
+                <dgm:constr type="r" for="ch" forName="text_3" refType="w"/>
+                <dgm:constr type="w" for="ch" forName="text_3" refType="h" refFor="ch" refForName="text_3" op="gte"/>
+                <dgm:constr type="h" for="ch" forName="text_3" refType="h" refFor="ch" refForName="accent_3" fact="0.8"/>
+                <dgm:constr type="ctrY" for="ch" forName="text_3" refType="ctrY" refFor="ch" refForName="accent_3"/>
+                <dgm:constr type="lMarg" for="ch" forName="text_3" refType="w" refFor="ch" refForName="accent_3" fact="1.8"/>
+                <dgm:constr type="h" for="ch" forName="accent_4" refType="h" fact="0.1136"/>
+                <dgm:constr type="w" for="ch" forName="accent_4" refType="h" refFor="ch" refForName="accent_4" op="equ"/>
+                <dgm:constr type="ctrY" for="ch" forName="accent_4" refType="h" fact="0.5"/>
+                <dgm:constr type="ctrX" for="ch" forName="accent_4" refType="h" fact="0.2253"/>
+                <dgm:constr type="l" for="ch" forName="text_4" refType="ctrX" refFor="ch" refForName="accent_4"/>
+                <dgm:constr type="r" for="ch" forName="text_4" refType="w"/>
+                <dgm:constr type="w" for="ch" forName="text_4" refType="h" refFor="ch" refForName="text_4" op="gte"/>
+                <dgm:constr type="h" for="ch" forName="text_4" refType="h" refFor="ch" refForName="accent_4" fact="0.8"/>
+                <dgm:constr type="ctrY" for="ch" forName="text_4" refType="ctrY" refFor="ch" refForName="accent_4"/>
+                <dgm:constr type="lMarg" for="ch" forName="text_4" refType="w" refFor="ch" refForName="accent_4" fact="1.8"/>
+                <dgm:constr type="h" for="ch" forName="accent_5" refType="h" fact="0.1136"/>
+                <dgm:constr type="w" for="ch" forName="accent_5" refType="h" refFor="ch" refForName="accent_5" op="equ"/>
+                <dgm:constr type="ctrY" for="ch" forName="accent_5" refType="h" fact="0.6364"/>
+                <dgm:constr type="ctrX" for="ch" forName="accent_5" refType="h" fact="0.2109"/>
+                <dgm:constr type="l" for="ch" forName="text_5" refType="ctrX" refFor="ch" refForName="accent_5"/>
+                <dgm:constr type="r" for="ch" forName="text_5" refType="w"/>
+                <dgm:constr type="w" for="ch" forName="text_5" refType="h" refFor="ch" refForName="text_5" op="gte"/>
+                <dgm:constr type="h" for="ch" forName="text_5" refType="h" refFor="ch" refForName="accent_5" fact="0.8"/>
+                <dgm:constr type="ctrY" for="ch" forName="text_5" refType="ctrY" refFor="ch" refForName="accent_5"/>
+                <dgm:constr type="lMarg" for="ch" forName="text_5" refType="w" refFor="ch" refForName="accent_5" fact="1.8"/>
+                <dgm:constr type="h" for="ch" forName="accent_6" refType="h" fact="0.1136"/>
+                <dgm:constr type="w" for="ch" forName="accent_6" refType="h" refFor="ch" refForName="accent_6" op="equ"/>
+                <dgm:constr type="ctrY" for="ch" forName="accent_6" refType="h" fact="0.7727"/>
+                <dgm:constr type="ctrX" for="ch" forName="accent_6" refType="h" fact="0.1658"/>
+                <dgm:constr type="l" for="ch" forName="text_6" refType="ctrX" refFor="ch" refForName="accent_6"/>
+                <dgm:constr type="r" for="ch" forName="text_6" refType="w"/>
+                <dgm:constr type="w" for="ch" forName="text_6" refType="h" refFor="ch" refForName="text_6" op="gte"/>
+                <dgm:constr type="h" for="ch" forName="text_6" refType="h" refFor="ch" refForName="accent_6" fact="0.8"/>
+                <dgm:constr type="ctrY" for="ch" forName="text_6" refType="ctrY" refFor="ch" refForName="accent_6"/>
+                <dgm:constr type="lMarg" for="ch" forName="text_6" refType="w" refFor="ch" refForName="accent_6" fact="1.8"/>
+                <dgm:constr type="h" for="ch" forName="accent_7" refType="h" fact="0.1136"/>
+                <dgm:constr type="w" for="ch" forName="accent_7" refType="h" refFor="ch" refForName="accent_7" op="equ"/>
+                <dgm:constr type="ctrY" for="ch" forName="accent_7" refType="h" fact="0.9091"/>
+                <dgm:constr type="ctrX" for="ch" forName="accent_7" refType="h" fact="0.0835"/>
+                <dgm:constr type="l" for="ch" forName="text_7" refType="ctrX" refFor="ch" refForName="accent_7"/>
+                <dgm:constr type="r" for="ch" forName="text_7" refType="w"/>
+                <dgm:constr type="w" for="ch" forName="text_7" refType="h" refFor="ch" refForName="text_7" op="gte"/>
+                <dgm:constr type="h" for="ch" forName="text_7" refType="h" refFor="ch" refForName="accent_7" fact="0.8"/>
+                <dgm:constr type="ctrY" for="ch" forName="text_7" refType="ctrY" refFor="ch" refForName="accent_7"/>
+                <dgm:constr type="lMarg" for="ch" forName="text_7" refType="w" refFor="ch" refForName="accent_7" fact="1.8"/>
+                <dgm:constr type="primFontSz" for="ch" ptType="node" op="equ" val="65"/>
+              </dgm:constrLst>
+            </dgm:else>
+          </dgm:choose>
+        </dgm:if>
+        <dgm:else name="Name12">
+          <dgm:choose name="Name13">
+            <dgm:if name="Name14" axis="ch" ptType="node" func="cnt" op="equ" val="1">
+              <dgm:constrLst>
+                <dgm:constr type="h" for="ch" forName="cycle" refType="h"/>
+                <dgm:constr type="w" for="ch" forName="cycle" refType="h" refFor="ch" refForName="cycle" fact="0.26"/>
+                <dgm:constr type="r" for="ch" forName="cycle" refType="w"/>
+                <dgm:constr type="ctrY" for="ch" forName="cycle" refType="h" fact="0.5"/>
+                <dgm:constr type="diam" for="ch" forName="cycle" refType="h" fact="1.344"/>
+                <dgm:constr type="h" for="ch" forName="accent_1" refType="h" fact="0.625"/>
+                <dgm:constr type="w" for="ch" forName="accent_1" refType="h" refFor="ch" refForName="accent_1" op="equ"/>
+                <dgm:constr type="ctrY" for="ch" forName="accent_1" refType="h" fact="0.5"/>
+                <dgm:constr type="ctrX" for="ch" forName="accent_1" refType="w"/>
+                <dgm:constr type="ctrXOff" for="ch" forName="accent_1" refType="h" fact="-0.2253"/>
+                <dgm:constr type="r" for="ch" forName="text_1" refType="ctrX" refFor="ch" refForName="accent_1"/>
+                <dgm:constr type="rOff" for="ch" forName="text_1" refType="ctrXOff" refFor="ch" refForName="accent_1"/>
+                <dgm:constr type="l" for="ch" forName="text_1"/>
+                <dgm:constr type="w" for="ch" forName="text_1" refType="h" refFor="ch" refForName="text_1" op="gte"/>
+                <dgm:constr type="h" for="ch" forName="text_1" refType="h" refFor="ch" refForName="accent_1" fact="0.8"/>
+                <dgm:constr type="ctrY" for="ch" forName="text_1" refType="ctrY" refFor="ch" refForName="accent_1"/>
+                <dgm:constr type="rMarg" for="ch" forName="text_1" refType="w" refFor="ch" refForName="accent_1" fact="1.8"/>
+                <dgm:constr type="primFontSz" for="ch" ptType="node" op="equ" val="65"/>
+              </dgm:constrLst>
+            </dgm:if>
+            <dgm:if name="Name15" axis="ch" ptType="node" func="cnt" op="equ" val="2">
+              <dgm:constrLst>
+                <dgm:constr type="h" for="ch" forName="cycle" refType="h"/>
+                <dgm:constr type="w" for="ch" forName="cycle" refType="h" refFor="ch" refForName="cycle" fact="0.26"/>
+                <dgm:constr type="r" for="ch" forName="cycle" refType="w"/>
+                <dgm:constr type="ctrY" for="ch" forName="cycle" refType="h" fact="0.5"/>
+                <dgm:constr type="diam" for="ch" forName="cycle" refType="h" fact="1.344"/>
+                <dgm:constr type="h" for="ch" forName="accent_1" refType="h" fact="0.3571"/>
+                <dgm:constr type="w" for="ch" forName="accent_1" refType="h" refFor="ch" refForName="accent_1" op="equ"/>
+                <dgm:constr type="ctrY" for="ch" forName="accent_1" refType="h" fact="0.2857"/>
+                <dgm:constr type="ctrX" for="ch" forName="accent_1" refType="w"/>
+                <dgm:constr type="ctrXOff" for="ch" forName="accent_1" refType="h" fact="-0.1891"/>
+                <dgm:constr type="r" for="ch" forName="text_1" refType="ctrX" refFor="ch" refForName="accent_1"/>
+                <dgm:constr type="rOff" for="ch" forName="text_1" refType="ctrXOff" refFor="ch" refForName="accent_1"/>
+                <dgm:constr type="l" for="ch" forName="text_1"/>
+                <dgm:constr type="w" for="ch" forName="text_1" refType="h" refFor="ch" refForName="text_1" op="gte"/>
+                <dgm:constr type="h" for="ch" forName="text_1" refType="h" refFor="ch" refForName="accent_1" fact="0.8"/>
+                <dgm:constr type="ctrY" for="ch" forName="text_1" refType="ctrY" refFor="ch" refForName="accent_1"/>
+                <dgm:constr type="rMarg" for="ch" forName="text_1" refType="w" refFor="ch" refForName="accent_1" fact="1.8"/>
+                <dgm:constr type="h" for="ch" forName="accent_2" refType="h" fact="0.3571"/>
+                <dgm:constr type="w" for="ch" forName="accent_2" refType="h" refFor="ch" refForName="accent_2" op="equ"/>
+                <dgm:constr type="ctrY" for="ch" forName="accent_2" refType="h" fact="0.7143"/>
+                <dgm:constr type="ctrX" for="ch" forName="accent_2" refType="w"/>
+                <dgm:constr type="ctrXOff" for="ch" forName="accent_2" refType="h" fact="-0.1891"/>
+                <dgm:constr type="r" for="ch" forName="text_2" refType="ctrX" refFor="ch" refForName="accent_2"/>
+                <dgm:constr type="rOff" for="ch" forName="text_2" refType="ctrXOff" refFor="ch" refForName="accent_2"/>
+                <dgm:constr type="l" for="ch" forName="text_2"/>
+                <dgm:constr type="w" for="ch" forName="text_2" refType="h" refFor="ch" refForName="text_2" op="gte"/>
+                <dgm:constr type="h" for="ch" forName="text_2" refType="h" refFor="ch" refForName="accent_2" fact="0.8"/>
+                <dgm:constr type="ctrY" for="ch" forName="text_2" refType="ctrY" refFor="ch" refForName="accent_2"/>
+                <dgm:constr type="rMarg" for="ch" forName="text_2" refType="w" refFor="ch" refForName="accent_2" fact="1.8"/>
+                <dgm:constr type="primFontSz" for="ch" ptType="node" op="equ" val="65"/>
+              </dgm:constrLst>
+            </dgm:if>
+            <dgm:if name="Name16" axis="ch" ptType="node" func="cnt" op="equ" val="3">
+              <dgm:constrLst>
+                <dgm:constr type="h" for="ch" forName="cycle" refType="h"/>
+                <dgm:constr type="w" for="ch" forName="cycle" refType="h" refFor="ch" refForName="cycle" fact="0.26"/>
+                <dgm:constr type="r" for="ch" forName="cycle" refType="w"/>
+                <dgm:constr type="ctrY" for="ch" forName="cycle" refType="h" fact="0.5"/>
+                <dgm:constr type="diam" for="ch" forName="cycle" refType="h" fact="1.344"/>
+                <dgm:constr type="h" for="ch" forName="accent_1" refType="h" fact="0.25"/>
+                <dgm:constr type="w" for="ch" forName="accent_1" refType="h" refFor="ch" refForName="accent_1" op="equ"/>
+                <dgm:constr type="ctrY" for="ch" forName="accent_1" refType="h" fact="0.2"/>
+                <dgm:constr type="ctrX" for="ch" forName="accent_1" refType="w"/>
+                <dgm:constr type="ctrXOff" for="ch" forName="accent_1" refType="h" fact="-0.1526"/>
+                <dgm:constr type="r" for="ch" forName="text_1" refType="ctrX" refFor="ch" refForName="accent_1"/>
+                <dgm:constr type="rOff" for="ch" forName="text_1" refType="ctrXOff" refFor="ch" refForName="accent_1"/>
+                <dgm:constr type="l" for="ch" forName="text_1"/>
+                <dgm:constr type="w" for="ch" forName="text_1" refType="h" refFor="ch" refForName="text_1" op="gte"/>
+                <dgm:constr type="h" for="ch" forName="text_1" refType="h" refFor="ch" refForName="accent_1" fact="0.8"/>
+                <dgm:constr type="ctrY" for="ch" forName="text_1" refType="ctrY" refFor="ch" refForName="accent_1"/>
+                <dgm:constr type="rMarg" for="ch" forName="text_1" refType="w" refFor="ch" refForName="accent_1" fact="1.8"/>
+                <dgm:constr type="h" for="ch" forName="accent_2" refType="h" fact="0.25"/>
+                <dgm:constr type="w" for="ch" forName="accent_2" refType="h" refFor="ch" refForName="accent_2" op="equ"/>
+                <dgm:constr type="ctrY" for="ch" forName="accent_2" refType="h" fact="0.5"/>
+                <dgm:constr type="ctrX" for="ch" forName="accent_2" refType="w"/>
+                <dgm:constr type="ctrXOff" for="ch" forName="accent_2" refType="h" fact="-0.2253"/>
+                <dgm:constr type="r" for="ch" forName="text_2" refType="ctrX" refFor="ch" refForName="accent_2"/>
+                <dgm:constr type="rOff" for="ch" forName="text_2" refType="ctrXOff" refFor="ch" refForName="accent_2"/>
+                <dgm:constr type="l" for="ch" forName="text_2"/>
+                <dgm:constr type="w" for="ch" forName="text_2" refType="h" refFor="ch" refForName="text_2" op="gte"/>
+                <dgm:constr type="h" for="ch" forName="text_2" refType="h" refFor="ch" refForName="accent_2" fact="0.8"/>
+                <dgm:constr type="ctrY" for="ch" forName="text_2" refType="ctrY" refFor="ch" refForName="accent_2"/>
+                <dgm:constr type="rMarg" for="ch" forName="text_2" refType="w" refFor="ch" refForName="accent_2" fact="1.8"/>
+                <dgm:constr type="h" for="ch" forName="accent_3" refType="h" fact="0.25"/>
+                <dgm:constr type="w" for="ch" forName="accent_3" refType="h" refFor="ch" refForName="accent_3" op="equ"/>
+                <dgm:constr type="ctrY" for="ch" forName="accent_3" refType="h" fact="0.8"/>
+                <dgm:constr type="ctrX" for="ch" forName="accent_3" refType="w"/>
+                <dgm:constr type="ctrXOff" for="ch" forName="accent_3" refType="h" fact="-0.1526"/>
+                <dgm:constr type="r" for="ch" forName="text_3" refType="ctrX" refFor="ch" refForName="accent_3"/>
+                <dgm:constr type="rOff" for="ch" forName="text_3" refType="ctrXOff" refFor="ch" refForName="accent_3"/>
+                <dgm:constr type="l" for="ch" forName="text_3"/>
+                <dgm:constr type="w" for="ch" forName="text_3" refType="h" refFor="ch" refForName="text_3" op="gte"/>
+                <dgm:constr type="h" for="ch" forName="text_3" refType="h" refFor="ch" refForName="accent_3" fact="0.8"/>
+                <dgm:constr type="ctrY" for="ch" forName="text_3" refType="ctrY" refFor="ch" refForName="accent_3"/>
+                <dgm:constr type="rMarg" for="ch" forName="text_3" refType="w" refFor="ch" refForName="accent_3" fact="1.8"/>
+                <dgm:constr type="primFontSz" for="ch" ptType="node" op="equ" val="65"/>
+              </dgm:constrLst>
+            </dgm:if>
+            <dgm:if name="Name17" axis="ch" ptType="node" func="cnt" op="equ" val="4">
+              <dgm:constrLst>
+                <dgm:constr type="h" for="ch" forName="cycle" refType="h"/>
+                <dgm:constr type="w" for="ch" forName="cycle" refType="h" refFor="ch" refForName="cycle" fact="0.26"/>
+                <dgm:constr type="r" for="ch" forName="cycle" refType="w"/>
+                <dgm:constr type="ctrY" for="ch" forName="cycle" refType="h" fact="0.5"/>
+                <dgm:constr type="diam" for="ch" forName="cycle" refType="h" fact="1.344"/>
+                <dgm:constr type="h" for="ch" forName="accent_1" refType="h" fact="0.1923"/>
+                <dgm:constr type="w" for="ch" forName="accent_1" refType="h" refFor="ch" refForName="accent_1" op="equ"/>
+                <dgm:constr type="ctrY" for="ch" forName="accent_1" refType="h" fact="0.1538"/>
+                <dgm:constr type="ctrX" for="ch" forName="accent_1" refType="w"/>
+                <dgm:constr type="ctrXOff" for="ch" forName="accent_1" refType="h" fact="-0.1268"/>
+                <dgm:constr type="r" for="ch" forName="text_1" refType="ctrX" refFor="ch" refForName="accent_1"/>
+                <dgm:constr type="rOff" for="ch" forName="text_1" refType="ctrXOff" refFor="ch" refForName="accent_1"/>
+                <dgm:constr type="l" for="ch" forName="text_1"/>
+                <dgm:constr type="w" for="ch" forName="text_1" refType="h" refFor="ch" refForName="text_1" op="gte"/>
+                <dgm:constr type="h" for="ch" forName="text_1" refType="h" refFor="ch" refForName="accent_1" fact="0.8"/>
+                <dgm:constr type="ctrY" for="ch" forName="text_1" refType="ctrY" refFor="ch" refForName="accent_1"/>
+                <dgm:constr type="rMarg" for="ch" forName="text_1" refType="w" refFor="ch" refForName="accent_1" fact="1.8"/>
+                <dgm:constr type="h" for="ch" forName="accent_2" refType="h" fact="0.1923"/>
+                <dgm:constr type="w" for="ch" forName="accent_2" refType="h" refFor="ch" refForName="accent_2" op="equ"/>
+                <dgm:constr type="ctrY" for="ch" forName="accent_2" refType="h" fact="0.3846"/>
+                <dgm:constr type="ctrX" for="ch" forName="accent_2" refType="w"/>
+                <dgm:constr type="ctrXOff" for="ch" forName="accent_2" refType="h" fact="-0.215"/>
+                <dgm:constr type="r" for="ch" forName="text_2" refType="ctrX" refFor="ch" refForName="accent_2"/>
+                <dgm:constr type="rOff" for="ch" forName="text_2" refType="ctrXOff" refFor="ch" refForName="accent_2"/>
+                <dgm:constr type="l" for="ch" forName="text_2"/>
+                <dgm:constr type="w" for="ch" forName="text_2" refType="h" refFor="ch" refForName="text_2" op="gte"/>
+                <dgm:constr type="h" for="ch" forName="text_2" refType="h" refFor="ch" refForName="accent_2" fact="0.8"/>
+                <dgm:constr type="ctrY" for="ch" forName="text_2" refType="ctrY" refFor="ch" refForName="accent_2"/>
+                <dgm:constr type="rMarg" for="ch" forName="text_2" refType="w" refFor="ch" refForName="accent_2" fact="1.8"/>
+                <dgm:constr type="h" for="ch" forName="accent_3" refType="h" fact="0.1923"/>
+                <dgm:constr type="w" for="ch" forName="accent_3" refType="h" refFor="ch" refForName="accent_3" op="equ"/>
+                <dgm:constr type="ctrY" for="ch" forName="accent_3" refType="h" fact="0.6154"/>
+                <dgm:constr type="ctrX" for="ch" forName="accent_3" refType="w"/>
+                <dgm:constr type="ctrXOff" for="ch" forName="accent_3" refType="h" fact="-0.215"/>
+                <dgm:constr type="r" for="ch" forName="text_3" refType="ctrX" refFor="ch" refForName="accent_3"/>
+                <dgm:constr type="rOff" for="ch" forName="text_3" refType="ctrXOff" refFor="ch" refForName="accent_3"/>
+                <dgm:constr type="l" for="ch" forName="text_3"/>
+                <dgm:constr type="w" for="ch" forName="text_3" refType="h" refFor="ch" refForName="text_3" op="gte"/>
+                <dgm:constr type="h" for="ch" forName="text_3" refType="h" refFor="ch" refForName="accent_3" fact="0.8"/>
+                <dgm:constr type="ctrY" for="ch" forName="text_3" refType="ctrY" refFor="ch" refForName="accent_3"/>
+                <dgm:constr type="rMarg" for="ch" forName="text_3" refType="w" refFor="ch" refForName="accent_3" fact="1.8"/>
+                <dgm:constr type="h" for="ch" forName="accent_4" refType="h" fact="0.1923"/>
+                <dgm:constr type="w" for="ch" forName="accent_4" refType="h" refFor="ch" refForName="accent_4" op="equ"/>
+                <dgm:constr type="ctrY" for="ch" forName="accent_4" refType="h" fact="0.8462"/>
+                <dgm:constr type="ctrX" for="ch" forName="accent_4" refType="w"/>
+                <dgm:constr type="ctrXOff" for="ch" forName="accent_4" refType="h" fact="-0.1268"/>
+                <dgm:constr type="r" for="ch" forName="text_4" refType="ctrX" refFor="ch" refForName="accent_4"/>
+                <dgm:constr type="rOff" for="ch" forName="text_4" refType="ctrXOff" refFor="ch" refForName="accent_4"/>
+                <dgm:constr type="l" for="ch" forName="text_4"/>
+                <dgm:constr type="w" for="ch" forName="text_4" refType="h" refFor="ch" refForName="text_4" op="gte"/>
+                <dgm:constr type="h" for="ch" forName="text_4" refType="h" refFor="ch" refForName="accent_4" fact="0.8"/>
+                <dgm:constr type="ctrY" for="ch" forName="text_4" refType="ctrY" refFor="ch" refForName="accent_4"/>
+                <dgm:constr type="rMarg" for="ch" forName="text_4" refType="w" refFor="ch" refForName="accent_4" fact="1.8"/>
+                <dgm:constr type="primFontSz" for="ch" ptType="node" op="equ" val="65"/>
+              </dgm:constrLst>
+            </dgm:if>
+            <dgm:if name="Name18" axis="ch" ptType="node" func="cnt" op="equ" val="5">
+              <dgm:constrLst>
+                <dgm:constr type="h" for="ch" forName="cycle" refType="h"/>
+                <dgm:constr type="w" for="ch" forName="cycle" refType="h" refFor="ch" refForName="cycle" fact="0.26"/>
+                <dgm:constr type="r" for="ch" forName="cycle" refType="w"/>
+                <dgm:constr type="ctrY" for="ch" forName="cycle" refType="h" fact="0.5"/>
+                <dgm:constr type="diam" for="ch" forName="cycle" refType="h" fact="1.344"/>
+                <dgm:constr type="h" for="ch" forName="accent_1" refType="h" fact="0.1563"/>
+                <dgm:constr type="w" for="ch" forName="accent_1" refType="h" refFor="ch" refForName="accent_1" op="equ"/>
+                <dgm:constr type="ctrY" for="ch" forName="accent_1" refType="h" fact="0.125"/>
+                <dgm:constr type="ctrX" for="ch" forName="accent_1" refType="w"/>
+                <dgm:constr type="ctrXOff" for="ch" forName="accent_1" refType="h" fact="-0.1082"/>
+                <dgm:constr type="r" for="ch" forName="text_1" refType="ctrX" refFor="ch" refForName="accent_1"/>
+                <dgm:constr type="rOff" for="ch" forName="text_1" refType="ctrXOff" refFor="ch" refForName="accent_1"/>
+                <dgm:constr type="l" for="ch" forName="text_1"/>
+                <dgm:constr type="w" for="ch" forName="text_1" refType="h" refFor="ch" refForName="text_1" op="gte"/>
+                <dgm:constr type="h" for="ch" forName="text_1" refType="h" refFor="ch" refForName="accent_1" fact="0.8"/>
+                <dgm:constr type="ctrY" for="ch" forName="text_1" refType="ctrY" refFor="ch" refForName="accent_1"/>
+                <dgm:constr type="rMarg" for="ch" forName="text_1" refType="w" refFor="ch" refForName="accent_1" fact="1.8"/>
+                <dgm:constr type="h" for="ch" forName="accent_2" refType="h" fact="0.1563"/>
+                <dgm:constr type="w" for="ch" forName="accent_2" refType="h" refFor="ch" refForName="accent_2" op="equ"/>
+                <dgm:constr type="ctrY" for="ch" forName="accent_2" refType="h" fact="0.3125"/>
+                <dgm:constr type="ctrX" for="ch" forName="accent_2" refType="w"/>
+                <dgm:constr type="ctrXOff" for="ch" forName="accent_2" refType="h" fact="-0.1978"/>
+                <dgm:constr type="r" for="ch" forName="text_2" refType="ctrX" refFor="ch" refForName="accent_2"/>
+                <dgm:constr type="rOff" for="ch" forName="text_2" refType="ctrXOff" refFor="ch" refForName="accent_2"/>
+                <dgm:constr type="l" for="ch" forName="text_2"/>
+                <dgm:constr type="w" for="ch" forName="text_2" refType="h" refFor="ch" refForName="text_2" op="gte"/>
+                <dgm:constr type="h" for="ch" forName="text_2" refType="h" refFor="ch" refForName="accent_2" fact="0.8"/>
+                <dgm:constr type="ctrY" for="ch" forName="text_2" refType="ctrY" refFor="ch" refForName="accent_2"/>
+                <dgm:constr type="rMarg" for="ch" forName="text_2" refType="w" refFor="ch" refForName="accent_2" fact="1.8"/>
+                <dgm:constr type="h" for="ch" forName="accent_3" refType="h" fact="0.1563"/>
+                <dgm:constr type="w" for="ch" forName="accent_3" refType="h" refFor="ch" refForName="accent_3" op="equ"/>
+                <dgm:constr type="ctrY" for="ch" forName="accent_3" refType="h" fact="0.5"/>
+                <dgm:constr type="ctrX" for="ch" forName="accent_3" refType="w"/>
+                <dgm:constr type="ctrXOff" for="ch" forName="accent_3" refType="h" fact="-0.2253"/>
+                <dgm:constr type="r" for="ch" forName="text_3" refType="ctrX" refFor="ch" refForName="accent_3"/>
+                <dgm:constr type="rOff" for="ch" forName="text_3" refType="ctrXOff" refFor="ch" refForName="accent_3"/>
+                <dgm:constr type="l" for="ch" forName="text_3"/>
+                <dgm:constr type="w" for="ch" forName="text_3" refType="h" refFor="ch" refForName="text_3" op="gte"/>
+                <dgm:constr type="h" for="ch" forName="text_3" refType="h" refFor="ch" refForName="accent_3" fact="0.8"/>
+                <dgm:constr type="ctrY" for="ch" forName="text_3" refType="ctrY" refFor="ch" refForName="accent_3"/>
+                <dgm:constr type="rMarg" for="ch" forName="text_3" refType="w" refFor="ch" refForName="accent_3" fact="1.8"/>
+                <dgm:constr type="h" for="ch" forName="accent_4" refType="h" fact="0.1563"/>
+                <dgm:constr type="w" for="ch" forName="accent_4" refType="h" refFor="ch" refForName="accent_4" op="equ"/>
+                <dgm:constr type="ctrY" for="ch" forName="accent_4" refType="h" fact="0.6875"/>
+                <dgm:constr type="ctrX" for="ch" forName="accent_4" refType="w"/>
+                <dgm:constr type="ctrXOff" for="ch" forName="accent_4" refType="h" fact="-0.1978"/>
+                <dgm:constr type="r" for="ch" forName="text_4" refType="ctrX" refFor="ch" refForName="accent_4"/>
+                <dgm:constr type="rOff" for="ch" forName="text_4" refType="ctrXOff" refFor="ch" refForName="accent_4"/>
+                <dgm:constr type="l" for="ch" forName="text_4"/>
+                <dgm:constr type="w" for="ch" forName="text_4" refType="h" refFor="ch" refForName="text_4" op="gte"/>
+                <dgm:constr type="h" for="ch" forName="text_4" refType="h" refFor="ch" refForName="accent_4" fact="0.8"/>
+                <dgm:constr type="ctrY" for="ch" forName="text_4" refType="ctrY" refFor="ch" refForName="accent_4"/>
+                <dgm:constr type="rMarg" for="ch" forName="text_4" refType="w" refFor="ch" refForName="accent_4" fact="1.8"/>
+                <dgm:constr type="h" for="ch" forName="accent_5" refType="h" fact="0.1563"/>
+                <dgm:constr type="w" for="ch" forName="accent_5" refType="h" refFor="ch" refForName="accent_5" op="equ"/>
+                <dgm:constr type="ctrY" for="ch" forName="accent_5" refType="h" fact="0.875"/>
+                <dgm:constr type="ctrX" for="ch" forName="accent_5" refType="w"/>
+                <dgm:constr type="ctrXOff" for="ch" forName="accent_5" refType="h" fact="-0.1082"/>
+                <dgm:constr type="r" for="ch" forName="text_5" refType="ctrX" refFor="ch" refForName="accent_5"/>
+                <dgm:constr type="rOff" for="ch" forName="text_5" refType="ctrXOff" refFor="ch" refForName="accent_5"/>
+                <dgm:constr type="l" for="ch" forName="text_5"/>
+                <dgm:constr type="w" for="ch" forName="text_5" refType="h" refFor="ch" refForName="text_5" op="gte"/>
+                <dgm:constr type="h" for="ch" forName="text_5" refType="h" refFor="ch" refForName="accent_5" fact="0.8"/>
+                <dgm:constr type="ctrY" for="ch" forName="text_5" refType="ctrY" refFor="ch" refForName="accent_5"/>
+                <dgm:constr type="rMarg" for="ch" forName="text_5" refType="w" refFor="ch" refForName="accent_5" fact="1.8"/>
+                <dgm:constr type="primFontSz" for="ch" ptType="node" op="equ" val="65"/>
+              </dgm:constrLst>
+            </dgm:if>
+            <dgm:if name="Name19" axis="ch" ptType="node" func="cnt" op="equ" val="6">
+              <dgm:constrLst>
+                <dgm:constr type="h" for="ch" forName="cycle" refType="h"/>
+                <dgm:constr type="w" for="ch" forName="cycle" refType="h" refFor="ch" refForName="cycle" fact="0.26"/>
+                <dgm:constr type="r" for="ch" forName="cycle" refType="w"/>
+                <dgm:constr type="ctrY" for="ch" forName="cycle" refType="h" fact="0.5"/>
+                <dgm:constr type="diam" for="ch" forName="cycle" refType="h" fact="1.344"/>
+                <dgm:constr type="h" for="ch" forName="accent_1" refType="h" fact="0.1316"/>
+                <dgm:constr type="w" for="ch" forName="accent_1" refType="h" refFor="ch" refForName="accent_1" op="equ"/>
+                <dgm:constr type="ctrY" for="ch" forName="accent_1" refType="h" fact="0.1053"/>
+                <dgm:constr type="ctrX" for="ch" forName="accent_1" refType="w"/>
+                <dgm:constr type="ctrXOff" for="ch" forName="accent_1" refType="h" fact="-0.0943"/>
+                <dgm:constr type="r" for="ch" forName="text_1" refType="ctrX" refFor="ch" refForName="accent_1"/>
+                <dgm:constr type="rOff" for="ch" forName="text_1" refType="ctrXOff" refFor="ch" refForName="accent_1"/>
+                <dgm:constr type="l" for="ch" forName="text_1"/>
+                <dgm:constr type="w" for="ch" forName="text_1" refType="h" refFor="ch" refForName="text_1" op="gte"/>
+                <dgm:constr type="h" for="ch" forName="text_1" refType="h" refFor="ch" refForName="accent_1" fact="0.8"/>
+                <dgm:constr type="ctrY" for="ch" forName="text_1" refType="ctrY" refFor="ch" refForName="accent_1"/>
+                <dgm:constr type="rMarg" for="ch" forName="text_1" refType="w" refFor="ch" refForName="accent_1" fact="1.8"/>
+                <dgm:constr type="h" for="ch" forName="accent_2" refType="h" fact="0.1316"/>
+                <dgm:constr type="w" for="ch" forName="accent_2" refType="h" refFor="ch" refForName="accent_2" op="equ"/>
+                <dgm:constr type="ctrY" for="ch" forName="accent_2" refType="h" fact="0.2632"/>
+                <dgm:constr type="ctrX" for="ch" forName="accent_2" refType="w"/>
+                <dgm:constr type="ctrXOff" for="ch" forName="accent_2" refType="h" fact="-0.1809"/>
+                <dgm:constr type="r" for="ch" forName="text_2" refType="ctrX" refFor="ch" refForName="accent_2"/>
+                <dgm:constr type="rOff" for="ch" forName="text_2" refType="ctrXOff" refFor="ch" refForName="accent_2"/>
+                <dgm:constr type="l" for="ch" forName="text_2"/>
+                <dgm:constr type="w" for="ch" forName="text_2" refType="h" refFor="ch" refForName="text_2" op="gte"/>
+                <dgm:constr type="h" for="ch" forName="text_2" refType="h" refFor="ch" refForName="accent_2" fact="0.8"/>
+                <dgm:constr type="ctrY" for="ch" forName="text_2" refType="ctrY" refFor="ch" refForName="accent_2"/>
+                <dgm:constr type="rMarg" for="ch" forName="text_2" refType="w" refFor="ch" refForName="accent_2" fact="1.8"/>
+                <dgm:constr type="h" for="ch" forName="accent_3" refType="h" fact="0.1316"/>
+                <dgm:constr type="w" for="ch" forName="accent_3" refType="h" refFor="ch" refForName="accent_3" op="equ"/>
+                <dgm:constr type="ctrY" for="ch" forName="accent_3" refType="h" fact="0.4211"/>
+                <dgm:constr type="ctrX" for="ch" forName="accent_3" refType="w"/>
+                <dgm:constr type="ctrXOff" for="ch" forName="accent_3" refType="h" fact="-0.2205"/>
+                <dgm:constr type="r" for="ch" forName="text_3" refType="ctrX" refFor="ch" refForName="accent_3"/>
+                <dgm:constr type="rOff" for="ch" forName="text_3" refType="ctrXOff" refFor="ch" refForName="accent_3"/>
+                <dgm:constr type="l" for="ch" forName="text_3"/>
+                <dgm:constr type="w" for="ch" forName="text_3" refType="h" refFor="ch" refForName="text_3" op="gte"/>
+                <dgm:constr type="h" for="ch" forName="text_3" refType="h" refFor="ch" refForName="accent_3" fact="0.8"/>
+                <dgm:constr type="ctrY" for="ch" forName="text_3" refType="ctrY" refFor="ch" refForName="accent_3"/>
+                <dgm:constr type="rMarg" for="ch" forName="text_3" refType="w" refFor="ch" refForName="accent_3" fact="1.8"/>
+                <dgm:constr type="h" for="ch" forName="accent_4" refType="h" fact="0.1316"/>
+                <dgm:constr type="w" for="ch" forName="accent_4" refType="h" refFor="ch" refForName="accent_4" op="equ"/>
+                <dgm:constr type="ctrY" for="ch" forName="accent_4" refType="h" fact="0.5789"/>
+                <dgm:constr type="ctrX" for="ch" forName="accent_4" refType="w"/>
+                <dgm:constr type="ctrXOff" for="ch" forName="accent_4" refType="h" fact="-0.2205"/>
+                <dgm:constr type="r" for="ch" forName="text_4" refType="ctrX" refFor="ch" refForName="accent_4"/>
+                <dgm:constr type="rOff" for="ch" forName="text_4" refType="ctrXOff" refFor="ch" refForName="accent_4"/>
+                <dgm:constr type="l" for="ch" forName="text_4"/>
+                <dgm:constr type="w" for="ch" forName="text_4" refType="h" refFor="ch" refForName="text_4" op="gte"/>
+                <dgm:constr type="h" for="ch" forName="text_4" refType="h" refFor="ch" refForName="accent_4" fact="0.8"/>
+                <dgm:constr type="ctrY" for="ch" forName="text_4" refType="ctrY" refFor="ch" refForName="accent_4"/>
+                <dgm:constr type="rMarg" for="ch" forName="text_4" refType="w" refFor="ch" refForName="accent_4" fact="1.8"/>
+                <dgm:constr type="h" for="ch" forName="accent_5" refType="h" fact="0.1316"/>
+                <dgm:constr type="w" for="ch" forName="accent_5" refType="h" refFor="ch" refForName="accent_5" op="equ"/>
+                <dgm:constr type="ctrY" for="ch" forName="accent_5" refType="h" fact="0.7368"/>
+                <dgm:constr type="ctrX" for="ch" forName="accent_5" refType="w"/>
+                <dgm:constr type="ctrXOff" for="ch" forName="accent_5" refType="h" fact="-0.1809"/>
+                <dgm:constr type="r" for="ch" forName="text_5" refType="ctrX" refFor="ch" refForName="accent_5"/>
+                <dgm:constr type="rOff" for="ch" forName="text_5" refType="ctrXOff" refFor="ch" refForName="accent_5"/>
+                <dgm:constr type="l" for="ch" forName="text_5"/>
+                <dgm:constr type="w" for="ch" forName="text_5" refType="h" refFor="ch" refForName="text_5" op="gte"/>
+                <dgm:constr type="h" for="ch" forName="text_5" refType="h" refFor="ch" refForName="accent_5" fact="0.8"/>
+                <dgm:constr type="ctrY" for="ch" forName="text_5" refType="ctrY" refFor="ch" refForName="accent_5"/>
+                <dgm:constr type="rMarg" for="ch" forName="text_5" refType="w" refFor="ch" refForName="accent_5" fact="1.8"/>
+                <dgm:constr type="h" for="ch" forName="accent_6" refType="h" fact="0.1316"/>
+                <dgm:constr type="w" for="ch" forName="accent_6" refType="h" refFor="ch" refForName="accent_6" op="equ"/>
+                <dgm:constr type="ctrY" for="ch" forName="accent_6" refType="h" fact="0.8947"/>
+                <dgm:constr type="ctrX" for="ch" forName="accent_6" refType="w"/>
+                <dgm:constr type="ctrXOff" for="ch" forName="accent_6" refType="h" fact="-0.0943"/>
+                <dgm:constr type="r" for="ch" forName="text_6" refType="ctrX" refFor="ch" refForName="accent_6"/>
+                <dgm:constr type="rOff" for="ch" forName="text_6" refType="ctrXOff" refFor="ch" refForName="accent_6"/>
+                <dgm:constr type="l" for="ch" forName="text_6"/>
+                <dgm:constr type="w" for="ch" forName="text_6" refType="h" refFor="ch" refForName="text_6" op="gte"/>
+                <dgm:constr type="h" for="ch" forName="text_6" refType="h" refFor="ch" refForName="accent_6" fact="0.8"/>
+                <dgm:constr type="ctrY" for="ch" forName="text_6" refType="ctrY" refFor="ch" refForName="accent_6"/>
+                <dgm:constr type="rMarg" for="ch" forName="text_6" refType="w" refFor="ch" refForName="accent_6" fact="1.8"/>
+                <dgm:constr type="primFontSz" for="ch" ptType="node" op="equ" val="65"/>
+              </dgm:constrLst>
+            </dgm:if>
+            <dgm:else name="Name20">
+              <dgm:constrLst>
+                <dgm:constr type="h" for="ch" forName="cycle" refType="h"/>
+                <dgm:constr type="w" for="ch" forName="cycle" refType="h" refFor="ch" refForName="cycle" fact="0.26"/>
+                <dgm:constr type="r" for="ch" forName="cycle" refType="w"/>
+                <dgm:constr type="ctrY" for="ch" forName="cycle" refType="h" fact="0.5"/>
+                <dgm:constr type="diam" for="ch" forName="cycle" refType="h" fact="1.344"/>
+                <dgm:constr type="h" for="ch" forName="accent_1" refType="h" fact="0.1136"/>
+                <dgm:constr type="w" for="ch" forName="accent_1" refType="h" refFor="ch" refForName="accent_1" op="equ"/>
+                <dgm:constr type="ctrY" for="ch" forName="accent_1" refType="h" fact="0.0909"/>
+                <dgm:constr type="ctrX" for="ch" forName="accent_1" refType="w"/>
+                <dgm:constr type="ctrXOff" for="ch" forName="accent_1" refType="h" fact="-0.0835"/>
+                <dgm:constr type="r" for="ch" forName="text_1" refType="ctrX" refFor="ch" refForName="accent_1"/>
+                <dgm:constr type="rOff" for="ch" forName="text_1" refType="ctrXOff" refFor="ch" refForName="accent_1"/>
+                <dgm:constr type="l" for="ch" forName="text_1"/>
+                <dgm:constr type="w" for="ch" forName="text_1" refType="h" refFor="ch" refForName="text_1" op="gte"/>
+                <dgm:constr type="h" for="ch" forName="text_1" refType="h" refFor="ch" refForName="accent_1" fact="0.8"/>
+                <dgm:constr type="ctrY" for="ch" forName="text_1" refType="ctrY" refFor="ch" refForName="accent_1"/>
+                <dgm:constr type="rMarg" for="ch" forName="text_1" refType="w" refFor="ch" refForName="accent_1" fact="1.8"/>
+                <dgm:constr type="h" for="ch" forName="accent_2" refType="h" fact="0.1136"/>
+                <dgm:constr type="w" for="ch" forName="accent_2" refType="h" refFor="ch" refForName="accent_2" op="equ"/>
+                <dgm:constr type="ctrY" for="ch" forName="accent_2" refType="h" fact="0.2273"/>
+                <dgm:constr type="ctrX" for="ch" forName="accent_2" refType="w"/>
+                <dgm:constr type="ctrXOff" for="ch" forName="accent_2" refType="h" fact="-0.1658"/>
+                <dgm:constr type="r" for="ch" forName="text_2" refType="ctrX" refFor="ch" refForName="accent_2"/>
+                <dgm:constr type="rOff" for="ch" forName="text_2" refType="ctrXOff" refFor="ch" refForName="accent_2"/>
+                <dgm:constr type="l" for="ch" forName="text_2"/>
+                <dgm:constr type="w" for="ch" forName="text_2" refType="h" refFor="ch" refForName="text_2" op="gte"/>
+                <dgm:constr type="h" for="ch" forName="text_2" refType="h" refFor="ch" refForName="accent_2" fact="0.8"/>
+                <dgm:constr type="ctrY" for="ch" forName="text_2" refType="ctrY" refFor="ch" refForName="accent_2"/>
+                <dgm:constr type="rMarg" for="ch" forName="text_2" refType="w" refFor="ch" refForName="accent_2" fact="1.8"/>
+                <dgm:constr type="h" for="ch" forName="accent_3" refType="h" fact="0.1136"/>
+                <dgm:constr type="w" for="ch" forName="accent_3" refType="h" refFor="ch" refForName="accent_3" op="equ"/>
+                <dgm:constr type="ctrY" for="ch" forName="accent_3" refType="h" fact="0.3636"/>
+                <dgm:constr type="ctrX" for="ch" forName="accent_3" refType="w"/>
+                <dgm:constr type="ctrXOff" for="ch" forName="accent_3" refType="h" fact="-0.2109"/>
+                <dgm:constr type="r" for="ch" forName="text_3" refType="ctrX" refFor="ch" refForName="accent_3"/>
+                <dgm:constr type="rOff" for="ch" forName="text_3" refType="ctrXOff" refFor="ch" refForName="accent_3"/>
+                <dgm:constr type="l" for="ch" forName="text_3"/>
+                <dgm:constr type="w" for="ch" forName="text_3" refType="h" refFor="ch" refForName="text_3" op="gte"/>
+                <dgm:constr type="h" for="ch" forName="text_3" refType="h" refFor="ch" refForName="accent_3" fact="0.8"/>
+                <dgm:constr type="ctrY" for="ch" forName="text_3" refType="ctrY" refFor="ch" refForName="accent_3"/>
+                <dgm:constr type="rMarg" for="ch" forName="text_3" refType="w" refFor="ch" refForName="accent_3" fact="1.8"/>
+                <dgm:constr type="h" for="ch" forName="accent_4" refType="h" fact="0.1136"/>
+                <dgm:constr type="w" for="ch" forName="accent_4" refType="h" refFor="ch" refForName="accent_4" op="equ"/>
+                <dgm:constr type="ctrY" for="ch" forName="accent_4" refType="h" fact="0.5"/>
+                <dgm:constr type="ctrX" for="ch" forName="accent_4" refType="w"/>
+                <dgm:constr type="ctrXOff" for="ch" forName="accent_4" refType="h" fact="-0.2253"/>
+                <dgm:constr type="r" for="ch" forName="text_4" refType="ctrX" refFor="ch" refForName="accent_4"/>
+                <dgm:constr type="rOff" for="ch" forName="text_4" refType="ctrXOff" refFor="ch" refForName="accent_4"/>
+                <dgm:constr type="l" for="ch" forName="text_4"/>
+                <dgm:constr type="w" for="ch" forName="text_4" refType="h" refFor="ch" refForName="text_4" op="gte"/>
+                <dgm:constr type="h" for="ch" forName="text_4" refType="h" refFor="ch" refForName="accent_4" fact="0.8"/>
+                <dgm:constr type="ctrY" for="ch" forName="text_4" refType="ctrY" refFor="ch" refForName="accent_4"/>
+                <dgm:constr type="rMarg" for="ch" forName="text_4" refType="w" refFor="ch" refForName="accent_4" fact="1.8"/>
+                <dgm:constr type="h" for="ch" forName="accent_5" refType="h" fact="0.1136"/>
+                <dgm:constr type="w" for="ch" forName="accent_5" refType="h" refFor="ch" refForName="accent_5" op="equ"/>
+                <dgm:constr type="ctrY" for="ch" forName="accent_5" refType="h" fact="0.6364"/>
+                <dgm:constr type="ctrX" for="ch" forName="accent_5" refType="w"/>
+                <dgm:constr type="ctrXOff" for="ch" forName="accent_5" refType="h" fact="-0.2109"/>
+                <dgm:constr type="r" for="ch" forName="text_5" refType="ctrX" refFor="ch" refForName="accent_5"/>
+                <dgm:constr type="rOff" for="ch" forName="text_5" refType="ctrXOff" refFor="ch" refForName="accent_5"/>
+                <dgm:constr type="l" for="ch" forName="text_5"/>
+                <dgm:constr type="w" for="ch" forName="text_5" refType="h" refFor="ch" refForName="text_5" op="gte"/>
+                <dgm:constr type="h" for="ch" forName="text_5" refType="h" refFor="ch" refForName="accent_5" fact="0.8"/>
+                <dgm:constr type="ctrY" for="ch" forName="text_5" refType="ctrY" refFor="ch" refForName="accent_5"/>
+                <dgm:constr type="rMarg" for="ch" forName="text_5" refType="w" refFor="ch" refForName="accent_5" fact="1.8"/>
+                <dgm:constr type="h" for="ch" forName="accent_6" refType="h" fact="0.1136"/>
+                <dgm:constr type="w" for="ch" forName="accent_6" refType="h" refFor="ch" refForName="accent_6" op="equ"/>
+                <dgm:constr type="ctrY" for="ch" forName="accent_6" refType="h" fact="0.7727"/>
+                <dgm:constr type="ctrX" for="ch" forName="accent_6" refType="w"/>
+                <dgm:constr type="ctrXOff" for="ch" forName="accent_6" refType="h" fact="-0.1658"/>
+                <dgm:constr type="r" for="ch" forName="text_6" refType="ctrX" refFor="ch" refForName="accent_6"/>
+                <dgm:constr type="rOff" for="ch" forName="text_6" refType="ctrXOff" refFor="ch" refForName="accent_6"/>
+                <dgm:constr type="l" for="ch" forName="text_6"/>
+                <dgm:constr type="w" for="ch" forName="text_6" refType="h" refFor="ch" refForName="text_6" op="gte"/>
+                <dgm:constr type="h" for="ch" forName="text_6" refType="h" refFor="ch" refForName="accent_6" fact="0.8"/>
+                <dgm:constr type="ctrY" for="ch" forName="text_6" refType="ctrY" refFor="ch" refForName="accent_6"/>
+                <dgm:constr type="rMarg" for="ch" forName="text_6" refType="w" refFor="ch" refForName="accent_6" fact="1.8"/>
+                <dgm:constr type="h" for="ch" forName="accent_7" refType="h" fact="0.1136"/>
+                <dgm:constr type="w" for="ch" forName="accent_7" refType="h" refFor="ch" refForName="accent_7" op="equ"/>
+                <dgm:constr type="ctrY" for="ch" forName="accent_7" refType="h" fact="0.9091"/>
+                <dgm:constr type="ctrX" for="ch" forName="accent_7" refType="w"/>
+                <dgm:constr type="ctrXOff" for="ch" forName="accent_7" refType="h" fact="-0.0835"/>
+                <dgm:constr type="r" for="ch" forName="text_7" refType="ctrX" refFor="ch" refForName="accent_7"/>
+                <dgm:constr type="rOff" for="ch" forName="text_7" refType="ctrXOff" refFor="ch" refForName="accent_7"/>
+                <dgm:constr type="l" for="ch" forName="text_7"/>
+                <dgm:constr type="w" for="ch" forName="text_7" refType="h" refFor="ch" refForName="text_7" op="gte"/>
+                <dgm:constr type="h" for="ch" forName="text_7" refType="h" refFor="ch" refForName="accent_7" fact="0.8"/>
+                <dgm:constr type="ctrY" for="ch" forName="text_7" refType="ctrY" refFor="ch" refForName="accent_7"/>
+                <dgm:constr type="rMarg" for="ch" forName="text_7" refType="w" refFor="ch" refForName="accent_7" fact="1.8"/>
+                <dgm:constr type="primFontSz" for="ch" ptType="node" op="equ" val="65"/>
+              </dgm:constrLst>
+            </dgm:else>
+          </dgm:choose>
+        </dgm:else>
+      </dgm:choose>
+      <dgm:layoutNode name="cycle">
+        <dgm:choose name="Name21">
+          <dgm:if name="Name22" func="var" arg="dir" op="equ" val="norm">
+            <dgm:alg type="cycle">
+              <dgm:param type="stAng" val="45"/>
+              <dgm:param type="spanAng" val="90"/>
+            </dgm:alg>
+          </dgm:if>
+          <dgm:else name="Name23">
+            <dgm:alg type="cycle">
+              <dgm:param type="stAng" val="225"/>
+              <dgm:param type="spanAng" val="90"/>
+            </dgm:alg>
+          </dgm:else>
+        </dgm:choose>
+        <dgm:shape xmlns:r="http://schemas.openxmlformats.org/officeDocument/2006/relationships" r:blip="">
+          <dgm:adjLst/>
+        </dgm:shape>
+        <dgm:presOf/>
+        <dgm:constrLst>
+          <dgm:constr type="w" for="ch" val="1"/>
+          <dgm:constr type="h" for="ch" val="1"/>
+          <dgm:constr type="diam" for="ch" forName="conn" refType="diam"/>
+        </dgm:constrLst>
+        <dgm:layoutNode name="srcNode">
+          <dgm:alg type="sp"/>
+          <dgm:shape xmlns:r="http://schemas.openxmlformats.org/officeDocument/2006/relationships" type="rect" r:blip="" hideGeom="1">
+            <dgm:adjLst/>
+          </dgm:shape>
+          <dgm:presOf/>
+        </dgm:layoutNode>
+        <dgm:layoutNode name="conn" styleLbl="parChTrans1D2">
+          <dgm:alg type="conn">
+            <dgm:param type="connRout" val="curve"/>
+            <dgm:param type="srcNode" val="srcNode"/>
+            <dgm:param type="dstNode" val="dstNode"/>
+            <dgm:param type="begPts" val="ctr"/>
+            <dgm:param type="endPts" val="ctr"/>
+            <dgm:param type="endSty" val="noArr"/>
+          </dgm:alg>
+          <dgm:shape xmlns:r="http://schemas.openxmlformats.org/officeDocument/2006/relationships" type="conn" r:blip="">
+            <dgm:adjLst/>
+          </dgm:shape>
+          <dgm:presOf axis="desOrSelf" ptType="sibTrans" hideLastTrans="0" st="0" cnt="1"/>
+          <dgm:constrLst>
+            <dgm:constr type="begPad"/>
+            <dgm:constr type="endPad"/>
+          </dgm:constrLst>
+        </dgm:layoutNode>
+        <dgm:layoutNode name="extraNode">
+          <dgm:alg type="sp"/>
+          <dgm:shape xmlns:r="http://schemas.openxmlformats.org/officeDocument/2006/relationships" type="rect" r:blip="" hideGeom="1">
+            <dgm:adjLst/>
+          </dgm:shape>
+          <dgm:presOf/>
+        </dgm:layoutNode>
+        <dgm:layoutNode name="dstNode">
+          <dgm:alg type="sp"/>
+          <dgm:shape xmlns:r="http://schemas.openxmlformats.org/officeDocument/2006/relationships" type="rect" r:blip="" hideGeom="1">
+            <dgm:adjLst/>
+          </dgm:shape>
+          <dgm:presOf/>
+        </dgm:layoutNode>
+      </dgm:layoutNode>
+      <dgm:forEach name="wrapper" axis="self" ptType="parTrans">
+        <dgm:forEach name="wrapper2" axis="self" ptType="sibTrans" st="2">
+          <dgm:forEach name="accentRepeat" axis="self">
+            <dgm:layoutNode name="accentRepeatNode" styleLbl="solidFgAcc1">
+              <dgm:alg type="sp"/>
+              <dgm:shape xmlns:r="http://schemas.openxmlformats.org/officeDocument/2006/relationships" type="ellipse" r:blip="">
+                <dgm:adjLst/>
+              </dgm:shape>
+              <dgm:presOf/>
+            </dgm:layoutNode>
+          </dgm:forEach>
+        </dgm:forEach>
+      </dgm:forEach>
+      <dgm:forEach name="Name24" axis="ch" ptType="node" cnt="1">
+        <dgm:layoutNode name="text_1" styleLbl="node1">
+          <dgm:varLst>
+            <dgm:bulletEnabled val="1"/>
+          </dgm:varLst>
+          <dgm:choose name="Name25">
+            <dgm:if name="Name26" func="var" arg="dir" op="equ" val="norm">
+              <dgm:alg type="tx">
+                <dgm:param type="parTxLTRAlign" val="l"/>
+                <dgm:param type="shpTxLTRAlignCh" val="l"/>
+                <dgm:param type="parTxRTLAlign" val="l"/>
+                <dgm:param type="shpTxRTLAlignCh" val="l"/>
+              </dgm:alg>
+            </dgm:if>
+            <dgm:else name="Name27">
+              <dgm:alg type="tx">
+                <dgm:param type="parTxLTRAlign" val="r"/>
+                <dgm:param type="shpTxLTRAlignCh" val="r"/>
+                <dgm:param type="parTxRTLAlign" val="r"/>
+                <dgm:param type="shpTxRTLAlignCh" val="r"/>
+              </dgm:alg>
+            </dgm:else>
+          </dgm:choose>
+          <dgm:shape xmlns:r="http://schemas.openxmlformats.org/officeDocument/2006/relationships" type="rect" r:blip="">
+            <dgm:adjLst/>
+          </dgm:shape>
+          <dgm:presOf axis="desOrSelf" ptType="node"/>
+          <dgm:constrLst>
+            <dgm:constr type="primFontSz" val="65"/>
+            <dgm:constr type="lMarg" refType="primFontSz" fact="0.2"/>
+            <dgm:constr type="rMarg" refType="primFontSz" fact="0.2"/>
+            <dgm:constr type="tMarg" refType="primFontSz" fact="0.2"/>
+            <dgm:constr type="bMarg" refType="primFontSz" fact="0.2"/>
+          </dgm:constrLst>
+          <dgm:ruleLst>
+            <dgm:rule type="primFontSz" val="5" fact="NaN" max="NaN"/>
+          </dgm:ruleLst>
+        </dgm:layoutNode>
+        <dgm:layoutNode name="accent_1">
+          <dgm:alg type="sp"/>
+          <dgm:shape xmlns:r="http://schemas.openxmlformats.org/officeDocument/2006/relationships" r:blip="">
+            <dgm:adjLst/>
+          </dgm:shape>
+          <dgm:presOf/>
+          <dgm:constrLst/>
+          <dgm:forEach name="Name28" ref="accentRepeat"/>
+        </dgm:layoutNode>
+      </dgm:forEach>
+      <dgm:forEach name="Name29" axis="ch" ptType="node" st="2" cnt="1">
+        <dgm:layoutNode name="text_2" styleLbl="node1">
+          <dgm:varLst>
+            <dgm:bulletEnabled val="1"/>
+          </dgm:varLst>
+          <dgm:choose name="Name30">
+            <dgm:if name="Name31" func="var" arg="dir" op="equ" val="norm">
+              <dgm:alg type="tx">
+                <dgm:param type="parTxLTRAlign" val="l"/>
+                <dgm:param type="shpTxLTRAlignCh" val="l"/>
+                <dgm:param type="parTxRTLAlign" val="l"/>
+                <dgm:param type="shpTxRTLAlignCh" val="l"/>
+              </dgm:alg>
+            </dgm:if>
+            <dgm:else name="Name32">
+              <dgm:alg type="tx">
+                <dgm:param type="parTxLTRAlign" val="r"/>
+                <dgm:param type="shpTxLTRAlignCh" val="r"/>
+                <dgm:param type="parTxRTLAlign" val="r"/>
+                <dgm:param type="shpTxRTLAlignCh" val="r"/>
+              </dgm:alg>
+            </dgm:else>
+          </dgm:choose>
+          <dgm:shape xmlns:r="http://schemas.openxmlformats.org/officeDocument/2006/relationships" type="rect" r:blip="">
+            <dgm:adjLst/>
+          </dgm:shape>
+          <dgm:presOf axis="desOrSelf" ptType="node"/>
+          <dgm:constrLst>
+            <dgm:constr type="primFontSz" val="65"/>
+            <dgm:constr type="lMarg" refType="primFontSz" fact="0.2"/>
+            <dgm:constr type="rMarg" refType="primFontSz" fact="0.2"/>
+            <dgm:constr type="tMarg" refType="primFontSz" fact="0.2"/>
+            <dgm:constr type="bMarg" refType="primFontSz" fact="0.2"/>
+          </dgm:constrLst>
+          <dgm:ruleLst>
+            <dgm:rule type="primFontSz" val="5" fact="NaN" max="NaN"/>
+          </dgm:ruleLst>
+        </dgm:layoutNode>
+        <dgm:layoutNode name="accent_2">
+          <dgm:alg type="sp"/>
+          <dgm:shape xmlns:r="http://schemas.openxmlformats.org/officeDocument/2006/relationships" r:blip="">
+            <dgm:adjLst/>
+          </dgm:shape>
+          <dgm:presOf/>
+          <dgm:constrLst/>
+          <dgm:forEach name="Name33" ref="accentRepeat"/>
+        </dgm:layoutNode>
+      </dgm:forEach>
+      <dgm:forEach name="Name34" axis="ch" ptType="node" st="3" cnt="1">
+        <dgm:layoutNode name="text_3" styleLbl="node1">
+          <dgm:varLst>
+            <dgm:bulletEnabled val="1"/>
+          </dgm:varLst>
+          <dgm:choose name="Name35">
+            <dgm:if name="Name36" func="var" arg="dir" op="equ" val="norm">
+              <dgm:alg type="tx">
+                <dgm:param type="parTxLTRAlign" val="l"/>
+                <dgm:param type="shpTxLTRAlignCh" val="l"/>
+                <dgm:param type="parTxRTLAlign" val="l"/>
+                <dgm:param type="shpTxRTLAlignCh" val="l"/>
+              </dgm:alg>
+            </dgm:if>
+            <dgm:else name="Name37">
+              <dgm:alg type="tx">
+                <dgm:param type="parTxLTRAlign" val="r"/>
+                <dgm:param type="shpTxLTRAlignCh" val="r"/>
+                <dgm:param type="parTxRTLAlign" val="r"/>
+                <dgm:param type="shpTxRTLAlignCh" val="r"/>
+              </dgm:alg>
+            </dgm:else>
+          </dgm:choose>
+          <dgm:shape xmlns:r="http://schemas.openxmlformats.org/officeDocument/2006/relationships" type="rect" r:blip="">
+            <dgm:adjLst/>
+          </dgm:shape>
+          <dgm:presOf axis="desOrSelf" ptType="node"/>
+          <dgm:constrLst>
+            <dgm:constr type="primFontSz" val="65"/>
+            <dgm:constr type="lMarg" refType="primFontSz" fact="0.2"/>
+            <dgm:constr type="rMarg" refType="primFontSz" fact="0.2"/>
+            <dgm:constr type="tMarg" refType="primFontSz" fact="0.2"/>
+            <dgm:constr type="bMarg" refType="primFontSz" fact="0.2"/>
+          </dgm:constrLst>
+          <dgm:ruleLst>
+            <dgm:rule type="primFontSz" val="5" fact="NaN" max="NaN"/>
+          </dgm:ruleLst>
+        </dgm:layoutNode>
+        <dgm:layoutNode name="accent_3">
+          <dgm:alg type="sp"/>
+          <dgm:shape xmlns:r="http://schemas.openxmlformats.org/officeDocument/2006/relationships" r:blip="">
+            <dgm:adjLst/>
+          </dgm:shape>
+          <dgm:presOf/>
+          <dgm:constrLst/>
+          <dgm:forEach name="Name38" ref="accentRepeat"/>
+        </dgm:layoutNode>
+      </dgm:forEach>
+      <dgm:forEach name="Name39" axis="ch" ptType="node" st="4" cnt="1">
+        <dgm:layoutNode name="text_4" styleLbl="node1">
+          <dgm:varLst>
+            <dgm:bulletEnabled val="1"/>
+          </dgm:varLst>
+          <dgm:choose name="Name40">
+            <dgm:if name="Name41" func="var" arg="dir" op="equ" val="norm">
+              <dgm:alg type="tx">
+                <dgm:param type="parTxLTRAlign" val="l"/>
+                <dgm:param type="shpTxLTRAlignCh" val="l"/>
+                <dgm:param type="parTxRTLAlign" val="l"/>
+                <dgm:param type="shpTxRTLAlignCh" val="l"/>
+              </dgm:alg>
+            </dgm:if>
+            <dgm:else name="Name42">
+              <dgm:alg type="tx">
+                <dgm:param type="parTxLTRAlign" val="r"/>
+                <dgm:param type="shpTxLTRAlignCh" val="r"/>
+                <dgm:param type="parTxRTLAlign" val="r"/>
+                <dgm:param type="shpTxRTLAlignCh" val="r"/>
+              </dgm:alg>
+            </dgm:else>
+          </dgm:choose>
+          <dgm:shape xmlns:r="http://schemas.openxmlformats.org/officeDocument/2006/relationships" type="rect" r:blip="">
+            <dgm:adjLst/>
+          </dgm:shape>
+          <dgm:presOf axis="desOrSelf" ptType="node"/>
+          <dgm:constrLst>
+            <dgm:constr type="primFontSz" val="65"/>
+            <dgm:constr type="lMarg" refType="primFontSz" fact="0.2"/>
+            <dgm:constr type="rMarg" refType="primFontSz" fact="0.2"/>
+            <dgm:constr type="tMarg" refType="primFontSz" fact="0.2"/>
+            <dgm:constr type="bMarg" refType="primFontSz" fact="0.2"/>
+          </dgm:constrLst>
+          <dgm:ruleLst>
+            <dgm:rule type="primFontSz" val="5" fact="NaN" max="NaN"/>
+          </dgm:ruleLst>
+        </dgm:layoutNode>
+        <dgm:layoutNode name="accent_4">
+          <dgm:alg type="sp"/>
+          <dgm:shape xmlns:r="http://schemas.openxmlformats.org/officeDocument/2006/relationships" r:blip="">
+            <dgm:adjLst/>
+          </dgm:shape>
+          <dgm:presOf/>
+          <dgm:constrLst/>
+          <dgm:forEach name="Name43" ref="accentRepeat"/>
+        </dgm:layoutNode>
+      </dgm:forEach>
+      <dgm:forEach name="Name44" axis="ch" ptType="node" st="5" cnt="1">
+        <dgm:layoutNode name="text_5" styleLbl="node1">
+          <dgm:varLst>
+            <dgm:bulletEnabled val="1"/>
+          </dgm:varLst>
+          <dgm:choose name="Name45">
+            <dgm:if name="Name46" func="var" arg="dir" op="equ" val="norm">
+              <dgm:alg type="tx">
+                <dgm:param type="parTxLTRAlign" val="l"/>
+                <dgm:param type="shpTxLTRAlignCh" val="l"/>
+                <dgm:param type="parTxRTLAlign" val="l"/>
+                <dgm:param type="shpTxRTLAlignCh" val="l"/>
+              </dgm:alg>
+            </dgm:if>
+            <dgm:else name="Name47">
+              <dgm:alg type="tx">
+                <dgm:param type="parTxLTRAlign" val="r"/>
+                <dgm:param type="shpTxLTRAlignCh" val="r"/>
+                <dgm:param type="parTxRTLAlign" val="r"/>
+                <dgm:param type="shpTxRTLAlignCh" val="r"/>
+              </dgm:alg>
+            </dgm:else>
+          </dgm:choose>
+          <dgm:shape xmlns:r="http://schemas.openxmlformats.org/officeDocument/2006/relationships" type="rect" r:blip="">
+            <dgm:adjLst/>
+          </dgm:shape>
+          <dgm:presOf axis="desOrSelf" ptType="node"/>
+          <dgm:constrLst>
+            <dgm:constr type="primFontSz" val="65"/>
+            <dgm:constr type="lMarg" refType="primFontSz" fact="0.2"/>
+            <dgm:constr type="rMarg" refType="primFontSz" fact="0.2"/>
+            <dgm:constr type="tMarg" refType="primFontSz" fact="0.2"/>
+            <dgm:constr type="bMarg" refType="primFontSz" fact="0.2"/>
+          </dgm:constrLst>
+          <dgm:ruleLst>
+            <dgm:rule type="primFontSz" val="5" fact="NaN" max="NaN"/>
+          </dgm:ruleLst>
+        </dgm:layoutNode>
+        <dgm:layoutNode name="accent_5">
+          <dgm:alg type="sp"/>
+          <dgm:shape xmlns:r="http://schemas.openxmlformats.org/officeDocument/2006/relationships" r:blip="">
+            <dgm:adjLst/>
+          </dgm:shape>
+          <dgm:presOf/>
+          <dgm:constrLst/>
+          <dgm:forEach name="Name48" ref="accentRepeat"/>
+        </dgm:layoutNode>
+      </dgm:forEach>
+      <dgm:forEach name="Name49" axis="ch" ptType="node" st="6" cnt="1">
+        <dgm:layoutNode name="text_6" styleLbl="node1">
+          <dgm:varLst>
+            <dgm:bulletEnabled val="1"/>
+          </dgm:varLst>
+          <dgm:choose name="Name50">
+            <dgm:if name="Name51" func="var" arg="dir" op="equ" val="norm">
+              <dgm:alg type="tx">
+                <dgm:param type="parTxLTRAlign" val="l"/>
+                <dgm:param type="shpTxLTRAlignCh" val="l"/>
+                <dgm:param type="parTxRTLAlign" val="l"/>
+                <dgm:param type="shpTxRTLAlignCh" val="l"/>
+              </dgm:alg>
+            </dgm:if>
+            <dgm:else name="Name52">
+              <dgm:alg type="tx">
+                <dgm:param type="parTxLTRAlign" val="r"/>
+                <dgm:param type="shpTxLTRAlignCh" val="r"/>
+                <dgm:param type="parTxRTLAlign" val="r"/>
+                <dgm:param type="shpTxRTLAlignCh" val="r"/>
+              </dgm:alg>
+            </dgm:else>
+          </dgm:choose>
+          <dgm:shape xmlns:r="http://schemas.openxmlformats.org/officeDocument/2006/relationships" type="rect" r:blip="">
+            <dgm:adjLst/>
+          </dgm:shape>
+          <dgm:presOf axis="desOrSelf" ptType="node"/>
+          <dgm:constrLst>
+            <dgm:constr type="primFontSz" val="65"/>
+            <dgm:constr type="lMarg" refType="primFontSz" fact="0.2"/>
+            <dgm:constr type="rMarg" refType="primFontSz" fact="0.2"/>
+            <dgm:constr type="tMarg" refType="primFontSz" fact="0.2"/>
+            <dgm:constr type="bMarg" refType="primFontSz" fact="0.2"/>
+          </dgm:constrLst>
+          <dgm:ruleLst>
+            <dgm:rule type="primFontSz" val="5" fact="NaN" max="NaN"/>
+          </dgm:ruleLst>
+        </dgm:layoutNode>
+        <dgm:layoutNode name="accent_6">
+          <dgm:alg type="sp"/>
+          <dgm:shape xmlns:r="http://schemas.openxmlformats.org/officeDocument/2006/relationships" r:blip="">
+            <dgm:adjLst/>
+          </dgm:shape>
+          <dgm:presOf/>
+          <dgm:constrLst/>
+          <dgm:forEach name="Name53" ref="accentRepeat"/>
+        </dgm:layoutNode>
+      </dgm:forEach>
+      <dgm:forEach name="Name54" axis="ch" ptType="node" st="7" cnt="1">
+        <dgm:layoutNode name="text_7" styleLbl="node1">
+          <dgm:varLst>
+            <dgm:bulletEnabled val="1"/>
+          </dgm:varLst>
+          <dgm:choose name="Name55">
+            <dgm:if name="Name56" func="var" arg="dir" op="equ" val="norm">
+              <dgm:alg type="tx">
+                <dgm:param type="parTxLTRAlign" val="l"/>
+                <dgm:param type="shpTxLTRAlignCh" val="l"/>
+                <dgm:param type="parTxRTLAlign" val="l"/>
+                <dgm:param type="shpTxRTLAlignCh" val="l"/>
+              </dgm:alg>
+            </dgm:if>
+            <dgm:else name="Name57">
+              <dgm:alg type="tx">
+                <dgm:param type="parTxLTRAlign" val="r"/>
+                <dgm:param type="shpTxLTRAlignCh" val="r"/>
+                <dgm:param type="parTxRTLAlign" val="r"/>
+                <dgm:param type="shpTxRTLAlignCh" val="r"/>
+              </dgm:alg>
+            </dgm:else>
+          </dgm:choose>
+          <dgm:shape xmlns:r="http://schemas.openxmlformats.org/officeDocument/2006/relationships" type="rect" r:blip="">
+            <dgm:adjLst/>
+          </dgm:shape>
+          <dgm:presOf axis="desOrSelf" ptType="node"/>
+          <dgm:constrLst>
+            <dgm:constr type="primFontSz" val="65"/>
+            <dgm:constr type="lMarg" refType="primFontSz" fact="0.2"/>
+            <dgm:constr type="rMarg" refType="primFontSz" fact="0.2"/>
+            <dgm:constr type="tMarg" refType="primFontSz" fact="0.2"/>
+            <dgm:constr type="bMarg" refType="primFontSz" fact="0.2"/>
+          </dgm:constrLst>
+          <dgm:ruleLst>
+            <dgm:rule type="primFontSz" val="5" fact="NaN" max="NaN"/>
+          </dgm:ruleLst>
+        </dgm:layoutNode>
+        <dgm:layoutNode name="accent_7">
+          <dgm:alg type="sp"/>
+          <dgm:shape xmlns:r="http://schemas.openxmlformats.org/officeDocument/2006/relationships" r:blip="">
+            <dgm:adjLst/>
+          </dgm:shape>
+          <dgm:presOf/>
+          <dgm:constrLst/>
+          <dgm:forEach name="Name58" ref="accentRepeat"/>
+        </dgm:layoutNode>
+      </dgm:forEach>
+    </dgm:layoutNode>
+  </dgm:layoutNode>
+</dgm:layoutDef>
+</file>
+
+<file path=ppt/diagrams/quickStyle1.xml><?xml version="1.0" encoding="utf-8"?>
+<dgm:styleDef xmlns:dgm="http://schemas.openxmlformats.org/drawingml/2006/diagram" xmlns:a="http://schemas.openxmlformats.org/drawingml/2006/main" uniqueId="urn:microsoft.com/office/officeart/2005/8/quickstyle/simple1">
+  <dgm:title val=""/>
+  <dgm:desc val=""/>
+  <dgm:catLst>
+    <dgm:cat type="simple" pri="10100"/>
+  </dgm:catLst>
+  <dgm:scene3d>
+    <a:camera prst="orthographicFront"/>
+    <a:lightRig rig="threePt" dir="t"/>
+  </dgm:scene3d>
+  <dgm:styleLbl name="node0">
+    <dgm:scene3d>
+      <a:camera prst="orthographicFront"/>
+      <a:lightRig rig="threePt" dir="t"/>
+    </dgm:scene3d>
+    <dgm:sp3d/>
+    <dgm:txPr/>
+    <dgm:style>
+      <a:lnRef idx="2">
+        <a:scrgbClr r="0" g="0" b="0"/>
+      </a:lnRef>
+      <a:fillRef idx="1">
+        <a:scrgbClr r="0" g="0" b="0"/>
+      </a:fillRef>
+      <a:effectRef idx="0">
+        <a:scrgbClr r="0" g="0" b="0"/>
+      </a:effectRef>
+      <a:fontRef idx="minor">
+        <a:schemeClr val="lt1"/>
+      </a:fontRef>
+    </dgm:style>
+  </dgm:styleLbl>
+  <dgm:styleLbl name="lnNode1">
+    <dgm:scene3d>
+      <a:camera prst="orthographicFront"/>
+      <a:lightRig rig="threePt" dir="t"/>
+    </dgm:scene3d>
+    <dgm:sp3d/>
+    <dgm:txPr/>
+    <dgm:style>
+      <a:lnRef idx="2">
+        <a:scrgbClr r="0" g="0" b="0"/>
+      </a:lnRef>
+      <a:fillRef idx="1">
+        <a:scrgbClr r="0" g="0" b="0"/>
+      </a:fillRef>
+      <a:effectRef idx="0">
+        <a:scrgbClr r="0" g="0" b="0"/>
+      </a:effectRef>
+      <a:fontRef idx="minor">
+        <a:schemeClr val="lt1"/>
+      </a:fontRef>
+    </dgm:style>
+  </dgm:styleLbl>
+  <dgm:styleLbl name="vennNode1">
+    <dgm:scene3d>
+      <a:camera prst="orthographicFront"/>
+      <a:lightRig rig="threePt" dir="t"/>
+    </dgm:scene3d>
+    <dgm:sp3d/>
+    <dgm:txPr/>
+    <dgm:style>
+      <a:lnRef idx="2">
+        <a:scrgbClr r="0" g="0" b="0"/>
+      </a:lnRef>
+      <a:fillRef idx="1">
+        <a:scrgbClr r="0" g="0" b="0"/>
+      </a:fillRef>
+      <a:effectRef idx="0">
+        <a:scrgbClr r="0" g="0" b="0"/>
+      </a:effectRef>
+      <a:fontRef idx="minor">
+        <a:schemeClr val="tx1"/>
+      </a:fontRef>
+    </dgm:style>
+  </dgm:styleLbl>
+  <dgm:styleLbl name="alignNode1">
+    <dgm:scene3d>
+      <a:camera prst="orthographicFront"/>
+      <a:lightRig rig="threePt" dir="t"/>
+    </dgm:scene3d>
+    <dgm:sp3d/>
+    <dgm:txPr/>
+    <dgm:style>
+      <a:lnRef idx="2">
+        <a:scrgbClr r="0" g="0" b="0"/>
+      </a:lnRef>
+      <a:fillRef idx="1">
+        <a:scrgbClr r="0" g="0" b="0"/>
+      </a:fillRef>
+      <a:effectRef idx="0">
+        <a:scrgbClr r="0" g="0" b="0"/>
+      </a:effectRef>
+      <a:fontRef idx="minor">
+        <a:schemeClr val="lt1"/>
+      </a:fontRef>
+    </dgm:style>
+  </dgm:styleLbl>
+  <dgm:styleLbl name="node1">
+    <dgm:scene3d>
+      <a:camera prst="orthographicFront"/>
+      <a:lightRig rig="threePt" dir="t"/>
+    </dgm:scene3d>
+    <dgm:sp3d/>
+    <dgm:txPr/>
+    <dgm:style>
+      <a:lnRef idx="2">
+        <a:scrgbClr r="0" g="0" b="0"/>
+      </a:lnRef>
+      <a:fillRef idx="1">
+        <a:scrgbClr r="0" g="0" b="0"/>
+      </a:fillRef>
+      <a:effectRef idx="0">
+        <a:scrgbClr r="0" g="0" b="0"/>
+      </a:effectRef>
+      <a:fontRef idx="minor">
+        <a:schemeClr val="lt1"/>
+      </a:fontRef>
+    </dgm:style>
+  </dgm:styleLbl>
+  <dgm:styleLbl name="node2">
+    <dgm:scene3d>
+      <a:camera prst="orthographicFront"/>
+      <a:lightRig rig="threePt" dir="t"/>
+    </dgm:scene3d>
+    <dgm:sp3d/>
+    <dgm:txPr/>
+    <dgm:style>
+      <a:lnRef idx="2">
+        <a:scrgbClr r="0" g="0" b="0"/>
+      </a:lnRef>
+      <a:fillRef idx="1">
+        <a:scrgbClr r="0" g="0" b="0"/>
+      </a:fillRef>
+      <a:effectRef idx="0">
+        <a:scrgbClr r="0" g="0" b="0"/>
+      </a:effectRef>
+      <a:fontRef idx="minor">
+        <a:schemeClr val="lt1"/>
+      </a:fontRef>
+    </dgm:style>
+  </dgm:styleLbl>
+  <dgm:styleLbl name="node3">
+    <dgm:scene3d>
+      <a:camera prst="orthographicFront"/>
+      <a:lightRig rig="threePt" dir="t"/>
+    </dgm:scene3d>
+    <dgm:sp3d/>
+    <dgm:txPr/>
+    <dgm:style>
+      <a:lnRef idx="2">
+        <a:scrgbClr r="0" g="0" b="0"/>
+      </a:lnRef>
+      <a:fillRef idx="1">
+        <a:scrgbClr r="0" g="0" b="0"/>
+      </a:fillRef>
+      <a:effectRef idx="0">
+        <a:scrgbClr r="0" g="0" b="0"/>
+      </a:effectRef>
+      <a:fontRef idx="minor">
+        <a:schemeClr val="lt1"/>
+      </a:fontRef>
+    </dgm:style>
+  </dgm:styleLbl>
+  <dgm:styleLbl name="node4">
+    <dgm:scene3d>
+      <a:camera prst="orthographicFront"/>
+      <a:lightRig rig="threePt" dir="t"/>
+    </dgm:scene3d>
+    <dgm:sp3d/>
+    <dgm:txPr/>
+    <dgm:style>
+      <a:lnRef idx="2">
+        <a:scrgbClr r="0" g="0" b="0"/>
+      </a:lnRef>
+      <a:fillRef idx="1">
+        <a:scrgbClr r="0" g="0" b="0"/>
+      </a:fillRef>
+      <a:effectRef idx="0">
+        <a:scrgbClr r="0" g="0" b="0"/>
+      </a:effectRef>
+      <a:fontRef idx="minor">
+        <a:schemeClr val="lt1"/>
+      </a:fontRef>
+    </dgm:style>
+  </dgm:styleLbl>
+  <dgm:styleLbl name="fgImgPlace1">
+    <dgm:scene3d>
+      <a:camera prst="orthographicFront"/>
+      <a:lightRig rig="threePt" dir="t"/>
+    </dgm:scene3d>
+    <dgm:sp3d/>
+    <dgm:txPr/>
+    <dgm:style>
+      <a:lnRef idx="2">
+        <a:scrgbClr r="0" g="0" b="0"/>
+      </a:lnRef>
+      <a:fillRef idx="1">
+        <a:scrgbClr r="0" g="0" b="0"/>
+      </a:fillRef>
+      <a:effectRef idx="0">
+        <a:scrgbClr r="0" g="0" b="0"/>
+      </a:effectRef>
+      <a:fontRef idx="minor"/>
+    </dgm:style>
+  </dgm:styleLbl>
+  <dgm:styleLbl name="alignImgPlace1">
+    <dgm:scene3d>
+      <a:camera prst="orthographicFront"/>
+      <a:lightRig rig="threePt" dir="t"/>
+    </dgm:scene3d>
+    <dgm:sp3d/>
+    <dgm:txPr/>
+    <dgm:style>
+      <a:lnRef idx="2">
+        <a:scrgbClr r="0" g="0" b="0"/>
+      </a:lnRef>
+      <a:fillRef idx="1">
+        <a:scrgbClr r="0" g="0" b="0"/>
+      </a:fillRef>
+      <a:effectRef idx="0">
+        <a:scrgbClr r="0" g="0" b="0"/>
+      </a:effectRef>
+      <a:fontRef idx="minor"/>
+    </dgm:style>
+  </dgm:styleLbl>
+  <dgm:styleLbl name="bgImgPlace1">
+    <dgm:scene3d>
+      <a:camera prst="orthographicFront"/>
+      <a:lightRig rig="threePt" dir="t"/>
+    </dgm:scene3d>
+    <dgm:sp3d/>
+    <dgm:txPr/>
+    <dgm:style>
+      <a:lnRef idx="2">
+        <a:scrgbClr r="0" g="0" b="0"/>
+      </a:lnRef>
+      <a:fillRef idx="1">
+        <a:scrgbClr r="0" g="0" b="0"/>
+      </a:fillRef>
+      <a:effectRef idx="0">
+        <a:scrgbClr r="0" g="0" b="0"/>
+      </a:effectRef>
+      <a:fontRef idx="minor"/>
+    </dgm:style>
+  </dgm:styleLbl>
+  <dgm:styleLbl name="sibTrans2D1">
+    <dgm:scene3d>
+      <a:camera prst="orthographicFront"/>
+      <a:lightRig rig="threePt" dir="t"/>
+    </dgm:scene3d>
+    <dgm:sp3d/>
+    <dgm:txPr/>
+    <dgm:style>
+      <a:lnRef idx="0">
+        <a:scrgbClr r="0" g="0" b="0"/>
+      </a:lnRef>
+      <a:fillRef idx="1">
+        <a:scrgbClr r="0" g="0" b="0"/>
+      </a:fillRef>
+      <a:effectRef idx="0">
+        <a:scrgbClr r="0" g="0" b="0"/>
+      </a:effectRef>
+      <a:fontRef idx="minor">
+        <a:schemeClr val="lt1"/>
+      </a:fontRef>
+    </dgm:style>
+  </dgm:styleLbl>
+  <dgm:styleLbl name="fgSibTrans2D1">
+    <dgm:scene3d>
+      <a:camera prst="orthographicFront"/>
+      <a:lightRig rig="threePt" dir="t"/>
+    </dgm:scene3d>
+    <dgm:sp3d/>
+    <dgm:txPr/>
+    <dgm:style>
+      <a:lnRef idx="0">
+        <a:scrgbClr r="0" g="0" b="0"/>
+      </a:lnRef>
+      <a:fillRef idx="1">
+        <a:scrgbClr r="0" g="0" b="0"/>
+      </a:fillRef>
+      <a:effectRef idx="0">
+        <a:scrgbClr r="0" g="0" b="0"/>
+      </a:effectRef>
+      <a:fontRef idx="minor">
+        <a:schemeClr val="lt1"/>
+      </a:fontRef>
+    </dgm:style>
+  </dgm:styleLbl>
+  <dgm:styleLbl name="bgSibTrans2D1">
+    <dgm:scene3d>
+      <a:camera prst="orthographicFront"/>
+      <a:lightRig rig="threePt" dir="t"/>
+    </dgm:scene3d>
+    <dgm:sp3d/>
+    <dgm:txPr/>
+    <dgm:style>
+      <a:lnRef idx="0">
+        <a:scrgbClr r="0" g="0" b="0"/>
+      </a:lnRef>
+      <a:fillRef idx="1">
+        <a:scrgbClr r="0" g="0" b="0"/>
+      </a:fillRef>
+      <a:effectRef idx="0">
+        <a:scrgbClr r="0" g="0" b="0"/>
+      </a:effectRef>
+      <a:fontRef idx="minor">
+        <a:schemeClr val="lt1"/>
+      </a:fontRef>
+    </dgm:style>
+  </dgm:styleLbl>
+  <dgm:styleLbl name="sibTrans1D1">
+    <dgm:scene3d>
+      <a:camera prst="orthographicFront"/>
+      <a:lightRig rig="threePt" dir="t"/>
+    </dgm:scene3d>
+    <dgm:sp3d/>
+    <dgm:txPr/>
+    <dgm:style>
+      <a:lnRef idx="1">
+        <a:scrgbClr r="0" g="0" b="0"/>
+      </a:lnRef>
+      <a:fillRef idx="0">
+        <a:scrgbClr r="0" g="0" b="0"/>
+      </a:fillRef>
+      <a:effectRef idx="0">
+        <a:scrgbClr r="0" g="0" b="0"/>
+      </a:effectRef>
+      <a:fontRef idx="minor"/>
+    </dgm:style>
+  </dgm:styleLbl>
+  <dgm:styleLbl name="callout">
+    <dgm:scene3d>
+      <a:camera prst="orthographicFront"/>
+      <a:lightRig rig="threePt" dir="t"/>
+    </dgm:scene3d>
+    <dgm:sp3d/>
+    <dgm:txPr/>
+    <dgm:style>
+      <a:lnRef idx="2">
+        <a:scrgbClr r="0" g="0" b="0"/>
+      </a:lnRef>
+      <a:fillRef idx="1">
+        <a:scrgbClr r="0" g="0" b="0"/>
+      </a:fillRef>
+      <a:effectRef idx="0">
+        <a:scrgbClr r="0" g="0" b="0"/>
+      </a:effectRef>
+      <a:fontRef idx="minor"/>
+    </dgm:style>
+  </dgm:styleLbl>
+  <dgm:styleLbl name="asst0">
+    <dgm:scene3d>
+      <a:camera prst="orthographicFront"/>
+      <a:lightRig rig="threePt" dir="t"/>
+    </dgm:scene3d>
+    <dgm:sp3d/>
+    <dgm:txPr/>
+    <dgm:style>
+      <a:lnRef idx="2">
+        <a:scrgbClr r="0" g="0" b="0"/>
+      </a:lnRef>
+      <a:fillRef idx="1">
+        <a:scrgbClr r="0" g="0" b="0"/>
+      </a:fillRef>
+      <a:effectRef idx="0">
+        <a:scrgbClr r="0" g="0" b="0"/>
+      </a:effectRef>
+      <a:fontRef idx="minor">
+        <a:schemeClr val="lt1"/>
+      </a:fontRef>
+    </dgm:style>
+  </dgm:styleLbl>
+  <dgm:styleLbl name="asst1">
+    <dgm:scene3d>
+      <a:camera prst="orthographicFront"/>
+      <a:lightRig rig="threePt" dir="t"/>
+    </dgm:scene3d>
+    <dgm:sp3d/>
+    <dgm:txPr/>
+    <dgm:style>
+      <a:lnRef idx="2">
+        <a:scrgbClr r="0" g="0" b="0"/>
+      </a:lnRef>
+      <a:fillRef idx="1">
+        <a:scrgbClr r="0" g="0" b="0"/>
+      </a:fillRef>
+      <a:effectRef idx="0">
+        <a:scrgbClr r="0" g="0" b="0"/>
+      </a:effectRef>
+      <a:fontRef idx="minor">
+        <a:schemeClr val="lt1"/>
+      </a:fontRef>
+    </dgm:style>
+  </dgm:styleLbl>
+  <dgm:styleLbl name="asst2">
+    <dgm:scene3d>
+      <a:camera prst="orthographicFront"/>
+      <a:lightRig rig="threePt" dir="t"/>
+    </dgm:scene3d>
+    <dgm:sp3d/>
+    <dgm:txPr/>
+    <dgm:style>
+      <a:lnRef idx="2">
+        <a:scrgbClr r="0" g="0" b="0"/>
+      </a:lnRef>
+      <a:fillRef idx="1">
+        <a:scrgbClr r="0" g="0" b="0"/>
+      </a:fillRef>
+      <a:effectRef idx="0">
+        <a:scrgbClr r="0" g="0" b="0"/>
+      </a:effectRef>
+      <a:fontRef idx="minor">
+        <a:schemeClr val="lt1"/>
+      </a:fontRef>
+    </dgm:style>
+  </dgm:styleLbl>
+  <dgm:styleLbl name="asst3">
+    <dgm:scene3d>
+      <a:camera prst="orthographicFront"/>
+      <a:lightRig rig="threePt" dir="t"/>
+    </dgm:scene3d>
+    <dgm:sp3d/>
+    <dgm:txPr/>
+    <dgm:style>
+      <a:lnRef idx="2">
+        <a:scrgbClr r="0" g="0" b="0"/>
+      </a:lnRef>
+      <a:fillRef idx="1">
+        <a:scrgbClr r="0" g="0" b="0"/>
+      </a:fillRef>
+      <a:effectRef idx="0">
+        <a:scrgbClr r="0" g="0" b="0"/>
+      </a:effectRef>
+      <a:fontRef idx="minor">
+        <a:schemeClr val="lt1"/>
+      </a:fontRef>
+    </dgm:style>
+  </dgm:styleLbl>
+  <dgm:styleLbl name="asst4">
+    <dgm:scene3d>
+      <a:camera prst="orthographicFront"/>
+      <a:lightRig rig="threePt" dir="t"/>
+    </dgm:scene3d>
+    <dgm:sp3d/>
+    <dgm:txPr/>
+    <dgm:style>
+      <a:lnRef idx="2">
+        <a:scrgbClr r="0" g="0" b="0"/>
+      </a:lnRef>
+      <a:fillRef idx="1">
+        <a:scrgbClr r="0" g="0" b="0"/>
+      </a:fillRef>
+      <a:effectRef idx="0">
+        <a:scrgbClr r="0" g="0" b="0"/>
+      </a:effectRef>
+      <a:fontRef idx="minor">
+        <a:schemeClr val="lt1"/>
+      </a:fontRef>
+    </dgm:style>
+  </dgm:styleLbl>
+  <dgm:styleLbl name="parChTrans2D1">
+    <dgm:scene3d>
+      <a:camera prst="orthographicFront"/>
+      <a:lightRig rig="threePt" dir="t"/>
+    </dgm:scene3d>
+    <dgm:sp3d/>
+    <dgm:txPr/>
+    <dgm:style>
+      <a:lnRef idx="2">
+        <a:scrgbClr r="0" g="0" b="0"/>
+      </a:lnRef>
+      <a:fillRef idx="1">
+        <a:scrgbClr r="0" g="0" b="0"/>
+      </a:fillRef>
+      <a:effectRef idx="0">
+        <a:scrgbClr r="0" g="0" b="0"/>
+      </a:effectRef>
+      <a:fontRef idx="minor">
+        <a:schemeClr val="lt1"/>
+      </a:fontRef>
+    </dgm:style>
+  </dgm:styleLbl>
+  <dgm:styleLbl name="parChTrans2D2">
+    <dgm:scene3d>
+      <a:camera prst="orthographicFront"/>
+      <a:lightRig rig="threePt" dir="t"/>
+    </dgm:scene3d>
+    <dgm:sp3d/>
+    <dgm:txPr/>
+    <dgm:style>
+      <a:lnRef idx="2">
+        <a:scrgbClr r="0" g="0" b="0"/>
+      </a:lnRef>
+      <a:fillRef idx="1">
+        <a:scrgbClr r="0" g="0" b="0"/>
+      </a:fillRef>
+      <a:effectRef idx="0">
+        <a:scrgbClr r="0" g="0" b="0"/>
+      </a:effectRef>
+      <a:fontRef idx="minor">
+        <a:schemeClr val="lt1"/>
+      </a:fontRef>
+    </dgm:style>
+  </dgm:styleLbl>
+  <dgm:styleLbl name="parChTrans2D3">
+    <dgm:scene3d>
+      <a:camera prst="orthographicFront"/>
+      <a:lightRig rig="threePt" dir="t"/>
+    </dgm:scene3d>
+    <dgm:sp3d/>
+    <dgm:txPr/>
+    <dgm:style>
+      <a:lnRef idx="2">
+        <a:scrgbClr r="0" g="0" b="0"/>
+      </a:lnRef>
+      <a:fillRef idx="1">
+        <a:scrgbClr r="0" g="0" b="0"/>
+      </a:fillRef>
+      <a:effectRef idx="0">
+        <a:scrgbClr r="0" g="0" b="0"/>
+      </a:effectRef>
+      <a:fontRef idx="minor">
+        <a:schemeClr val="lt1"/>
+      </a:fontRef>
+    </dgm:style>
+  </dgm:styleLbl>
+  <dgm:styleLbl name="parChTrans2D4">
+    <dgm:scene3d>
+      <a:camera prst="orthographicFront"/>
+      <a:lightRig rig="threePt" dir="t"/>
+    </dgm:scene3d>
+    <dgm:sp3d/>
+    <dgm:txPr/>
+    <dgm:style>
+      <a:lnRef idx="2">
+        <a:scrgbClr r="0" g="0" b="0"/>
+      </a:lnRef>
+      <a:fillRef idx="1">
+        <a:scrgbClr r="0" g="0" b="0"/>
+      </a:fillRef>
+      <a:effectRef idx="0">
+        <a:scrgbClr r="0" g="0" b="0"/>
+      </a:effectRef>
+      <a:fontRef idx="minor">
+        <a:schemeClr val="lt1"/>
+      </a:fontRef>
+    </dgm:style>
+  </dgm:styleLbl>
+  <dgm:styleLbl name="parChTrans1D1">
+    <dgm:scene3d>
+      <a:camera prst="orthographicFront"/>
+      <a:lightRig rig="threePt" dir="t"/>
+    </dgm:scene3d>
+    <dgm:sp3d/>
+    <dgm:txPr/>
+    <dgm:style>
+      <a:lnRef idx="2">
+        <a:scrgbClr r="0" g="0" b="0"/>
+      </a:lnRef>
+      <a:fillRef idx="0">
+        <a:scrgbClr r="0" g="0" b="0"/>
+      </a:fillRef>
+      <a:effectRef idx="0">
+        <a:scrgbClr r="0" g="0" b="0"/>
+      </a:effectRef>
+      <a:fontRef idx="minor"/>
+    </dgm:style>
+  </dgm:styleLbl>
+  <dgm:styleLbl name="parChTrans1D2">
+    <dgm:scene3d>
+      <a:camera prst="orthographicFront"/>
+      <a:lightRig rig="threePt" dir="t"/>
+    </dgm:scene3d>
+    <dgm:sp3d/>
+    <dgm:txPr/>
+    <dgm:style>
+      <a:lnRef idx="2">
+        <a:scrgbClr r="0" g="0" b="0"/>
+      </a:lnRef>
+      <a:fillRef idx="0">
+        <a:scrgbClr r="0" g="0" b="0"/>
+      </a:fillRef>
+      <a:effectRef idx="0">
+        <a:scrgbClr r="0" g="0" b="0"/>
+      </a:effectRef>
+      <a:fontRef idx="minor"/>
+    </dgm:style>
+  </dgm:styleLbl>
+  <dgm:styleLbl name="parChTrans1D3">
+    <dgm:scene3d>
+      <a:camera prst="orthographicFront"/>
+      <a:lightRig rig="threePt" dir="t"/>
+    </dgm:scene3d>
+    <dgm:sp3d/>
+    <dgm:txPr/>
+    <dgm:style>
+      <a:lnRef idx="2">
+        <a:scrgbClr r="0" g="0" b="0"/>
+      </a:lnRef>
+      <a:fillRef idx="0">
+        <a:scrgbClr r="0" g="0" b="0"/>
+      </a:fillRef>
+      <a:effectRef idx="0">
+        <a:scrgbClr r="0" g="0" b="0"/>
+      </a:effectRef>
+      <a:fontRef idx="minor"/>
+    </dgm:style>
+  </dgm:styleLbl>
+  <dgm:styleLbl name="parChTrans1D4">
+    <dgm:scene3d>
+      <a:camera prst="orthographicFront"/>
+      <a:lightRig rig="threePt" dir="t"/>
+    </dgm:scene3d>
+    <dgm:sp3d/>
+    <dgm:txPr/>
+    <dgm:style>
+      <a:lnRef idx="2">
+        <a:scrgbClr r="0" g="0" b="0"/>
+      </a:lnRef>
+      <a:fillRef idx="0">
+        <a:scrgbClr r="0" g="0" b="0"/>
+      </a:fillRef>
+      <a:effectRef idx="0">
+        <a:scrgbClr r="0" g="0" b="0"/>
+      </a:effectRef>
+      <a:fontRef idx="minor"/>
+    </dgm:style>
+  </dgm:styleLbl>
+  <dgm:styleLbl name="fgAcc1">
+    <dgm:scene3d>
+      <a:camera prst="orthographicFront"/>
+      <a:lightRig rig="threePt" dir="t"/>
+    </dgm:scene3d>
+    <dgm:sp3d/>
+    <dgm:txPr/>
+    <dgm:style>
+      <a:lnRef idx="2">
+        <a:scrgbClr r="0" g="0" b="0"/>
+      </a:lnRef>
+      <a:fillRef idx="1">
+        <a:scrgbClr r="0" g="0" b="0"/>
+      </a:fillRef>
+      <a:effectRef idx="0">
+        <a:scrgbClr r="0" g="0" b="0"/>
+      </a:effectRef>
+      <a:fontRef idx="minor"/>
+    </dgm:style>
+  </dgm:styleLbl>
+  <dgm:styleLbl name="conFgAcc1">
+    <dgm:scene3d>
+      <a:camera prst="orthographicFront"/>
+      <a:lightRig rig="threePt" dir="t"/>
+    </dgm:scene3d>
+    <dgm:sp3d/>
+    <dgm:txPr/>
+    <dgm:style>
+      <a:lnRef idx="2">
+        <a:scrgbClr r="0" g="0" b="0"/>
+      </a:lnRef>
+      <a:fillRef idx="1">
+        <a:scrgbClr r="0" g="0" b="0"/>
+      </a:fillRef>
+      <a:effectRef idx="0">
+        <a:scrgbClr r="0" g="0" b="0"/>
+      </a:effectRef>
+      <a:fontRef idx="minor"/>
+    </dgm:style>
+  </dgm:styleLbl>
+  <dgm:styleLbl name="alignAcc1">
+    <dgm:scene3d>
+      <a:camera prst="orthographicFront"/>
+      <a:lightRig rig="threePt" dir="t"/>
+    </dgm:scene3d>
+    <dgm:sp3d/>
+    <dgm:txPr/>
+    <dgm:style>
+      <a:lnRef idx="2">
+        <a:scrgbClr r="0" g="0" b="0"/>
+      </a:lnRef>
+      <a:fillRef idx="1">
+        <a:scrgbClr r="0" g="0" b="0"/>
+      </a:fillRef>
+      <a:effectRef idx="0">
+        <a:scrgbClr r="0" g="0" b="0"/>
+      </a:effectRef>
+      <a:fontRef idx="minor"/>
+    </dgm:style>
+  </dgm:styleLbl>
+  <dgm:styleLbl name="trAlignAcc1">
+    <dgm:scene3d>
+      <a:camera prst="orthographicFront"/>
+      <a:lightRig rig="threePt" dir="t"/>
+    </dgm:scene3d>
+    <dgm:sp3d/>
+    <dgm:txPr/>
+    <dgm:style>
+      <a:lnRef idx="1">
+        <a:scrgbClr r="0" g="0" b="0"/>
+      </a:lnRef>
+      <a:fillRef idx="1">
+        <a:scrgbClr r="0" g="0" b="0"/>
+      </a:fillRef>
+      <a:effectRef idx="0">
+        <a:scrgbClr r="0" g="0" b="0"/>
+      </a:effectRef>
+      <a:fontRef idx="minor"/>
+    </dgm:style>
+  </dgm:styleLbl>
+  <dgm:styleLbl name="bgAcc1">
+    <dgm:scene3d>
+      <a:camera prst="orthographicFront"/>
+      <a:lightRig rig="threePt" dir="t"/>
+    </dgm:scene3d>
+    <dgm:sp3d/>
+    <dgm:txPr/>
+    <dgm:style>
+      <a:lnRef idx="2">
+        <a:scrgbClr r="0" g="0" b="0"/>
+      </a:lnRef>
+      <a:fillRef idx="1">
+        <a:scrgbClr r="0" g="0" b="0"/>
+      </a:fillRef>
+      <a:effectRef idx="0">
+        <a:scrgbClr r="0" g="0" b="0"/>
+      </a:effectRef>
+      <a:fontRef idx="minor"/>
+    </dgm:style>
+  </dgm:styleLbl>
+  <dgm:styleLbl name="solidFgAcc1">
+    <dgm:scene3d>
+      <a:camera prst="orthographicFront"/>
+      <a:lightRig rig="threePt" dir="t"/>
+    </dgm:scene3d>
+    <dgm:sp3d/>
+    <dgm:txPr/>
+    <dgm:style>
+      <a:lnRef idx="2">
+        <a:scrgbClr r="0" g="0" b="0"/>
+      </a:lnRef>
+      <a:fillRef idx="1">
+        <a:scrgbClr r="0" g="0" b="0"/>
+      </a:fillRef>
+      <a:effectRef idx="0">
+        <a:scrgbClr r="0" g="0" b="0"/>
+      </a:effectRef>
+      <a:fontRef idx="minor"/>
+    </dgm:style>
+  </dgm:styleLbl>
+  <dgm:styleLbl name="solidAlignAcc1">
+    <dgm:scene3d>
+      <a:camera prst="orthographicFront"/>
+      <a:lightRig rig="threePt" dir="t"/>
+    </dgm:scene3d>
+    <dgm:sp3d/>
+    <dgm:txPr/>
+    <dgm:style>
+      <a:lnRef idx="2">
+        <a:scrgbClr r="0" g="0" b="0"/>
+      </a:lnRef>
+      <a:fillRef idx="1">
+        <a:scrgbClr r="0" g="0" b="0"/>
+      </a:fillRef>
+      <a:effectRef idx="0">
+        <a:scrgbClr r="0" g="0" b="0"/>
+      </a:effectRef>
+      <a:fontRef idx="minor"/>
+    </dgm:style>
+  </dgm:styleLbl>
+  <dgm:styleLbl name="solidBgAcc1">
+    <dgm:scene3d>
+      <a:camera prst="orthographicFront"/>
+      <a:lightRig rig="threePt" dir="t"/>
+    </dgm:scene3d>
+    <dgm:sp3d/>
+    <dgm:txPr/>
+    <dgm:style>
+      <a:lnRef idx="2">
+        <a:scrgbClr r="0" g="0" b="0"/>
+      </a:lnRef>
+      <a:fillRef idx="1">
+        <a:scrgbClr r="0" g="0" b="0"/>
+      </a:fillRef>
+      <a:effectRef idx="0">
+        <a:scrgbClr r="0" g="0" b="0"/>
+      </a:effectRef>
+      <a:fontRef idx="minor"/>
+    </dgm:style>
+  </dgm:styleLbl>
+  <dgm:styleLbl name="fgAccFollowNode1">
+    <dgm:scene3d>
+      <a:camera prst="orthographicFront"/>
+      <a:lightRig rig="threePt" dir="t"/>
+    </dgm:scene3d>
+    <dgm:sp3d/>
+    <dgm:txPr/>
+    <dgm:style>
+      <a:lnRef idx="2">
+        <a:scrgbClr r="0" g="0" b="0"/>
+      </a:lnRef>
+      <a:fillRef idx="1">
+        <a:scrgbClr r="0" g="0" b="0"/>
+      </a:fillRef>
+      <a:effectRef idx="0">
+        <a:scrgbClr r="0" g="0" b="0"/>
+      </a:effectRef>
+      <a:fontRef idx="minor"/>
+    </dgm:style>
+  </dgm:styleLbl>
+  <dgm:styleLbl name="alignAccFollowNode1">
+    <dgm:scene3d>
+      <a:camera prst="orthographicFront"/>
+      <a:lightRig rig="threePt" dir="t"/>
+    </dgm:scene3d>
+    <dgm:sp3d/>
+    <dgm:txPr/>
+    <dgm:style>
+      <a:lnRef idx="2">
+        <a:scrgbClr r="0" g="0" b="0"/>
+      </a:lnRef>
+      <a:fillRef idx="1">
+        <a:scrgbClr r="0" g="0" b="0"/>
+      </a:fillRef>
+      <a:effectRef idx="0">
+        <a:scrgbClr r="0" g="0" b="0"/>
+      </a:effectRef>
+      <a:fontRef idx="minor"/>
+    </dgm:style>
+  </dgm:styleLbl>
+  <dgm:styleLbl name="bgAccFollowNode1">
+    <dgm:scene3d>
+      <a:camera prst="orthographicFront"/>
+      <a:lightRig rig="threePt" dir="t"/>
+    </dgm:scene3d>
+    <dgm:sp3d/>
+    <dgm:txPr/>
+    <dgm:style>
+      <a:lnRef idx="2">
+        <a:scrgbClr r="0" g="0" b="0"/>
+      </a:lnRef>
+      <a:fillRef idx="1">
+        <a:scrgbClr r="0" g="0" b="0"/>
+      </a:fillRef>
+      <a:effectRef idx="0">
+        <a:scrgbClr r="0" g="0" b="0"/>
+      </a:effectRef>
+      <a:fontRef idx="minor"/>
+    </dgm:style>
+  </dgm:styleLbl>
+  <dgm:styleLbl name="fgAcc0">
+    <dgm:scene3d>
+      <a:camera prst="orthographicFront"/>
+      <a:lightRig rig="threePt" dir="t"/>
+    </dgm:scene3d>
+    <dgm:sp3d/>
+    <dgm:txPr/>
+    <dgm:style>
+      <a:lnRef idx="2">
+        <a:scrgbClr r="0" g="0" b="0"/>
+      </a:lnRef>
+      <a:fillRef idx="1">
+        <a:scrgbClr r="0" g="0" b="0"/>
+      </a:fillRef>
+      <a:effectRef idx="0">
+        <a:scrgbClr r="0" g="0" b="0"/>
+      </a:effectRef>
+      <a:fontRef idx="minor"/>
+    </dgm:style>
+  </dgm:styleLbl>
+  <dgm:styleLbl name="fgAcc2">
+    <dgm:scene3d>
+      <a:camera prst="orthographicFront"/>
+      <a:lightRig rig="threePt" dir="t"/>
+    </dgm:scene3d>
+    <dgm:sp3d/>
+    <dgm:txPr/>
+    <dgm:style>
+      <a:lnRef idx="2">
+        <a:scrgbClr r="0" g="0" b="0"/>
+      </a:lnRef>
+      <a:fillRef idx="1">
+        <a:scrgbClr r="0" g="0" b="0"/>
+      </a:fillRef>
+      <a:effectRef idx="0">
+        <a:scrgbClr r="0" g="0" b="0"/>
+      </a:effectRef>
+      <a:fontRef idx="minor"/>
+    </dgm:style>
+  </dgm:styleLbl>
+  <dgm:styleLbl name="fgAcc3">
+    <dgm:scene3d>
+      <a:camera prst="orthographicFront"/>
+      <a:lightRig rig="threePt" dir="t"/>
+    </dgm:scene3d>
+    <dgm:sp3d/>
+    <dgm:txPr/>
+    <dgm:style>
+      <a:lnRef idx="2">
+        <a:scrgbClr r="0" g="0" b="0"/>
+      </a:lnRef>
+      <a:fillRef idx="1">
+        <a:scrgbClr r="0" g="0" b="0"/>
+      </a:fillRef>
+      <a:effectRef idx="0">
+        <a:scrgbClr r="0" g="0" b="0"/>
+      </a:effectRef>
+      <a:fontRef idx="minor"/>
+    </dgm:style>
+  </dgm:styleLbl>
+  <dgm:styleLbl name="fgAcc4">
+    <dgm:scene3d>
+      <a:camera prst="orthographicFront"/>
+      <a:lightRig rig="threePt" dir="t"/>
+    </dgm:scene3d>
+    <dgm:sp3d/>
+    <dgm:txPr/>
+    <dgm:style>
+      <a:lnRef idx="2">
+        <a:scrgbClr r="0" g="0" b="0"/>
+      </a:lnRef>
+      <a:fillRef idx="1">
+        <a:scrgbClr r="0" g="0" b="0"/>
+      </a:fillRef>
+      <a:effectRef idx="0">
+        <a:scrgbClr r="0" g="0" b="0"/>
+      </a:effectRef>
+      <a:fontRef idx="minor"/>
+    </dgm:style>
+  </dgm:styleLbl>
+  <dgm:styleLbl name="bgShp">
+    <dgm:scene3d>
+      <a:camera prst="orthographicFront"/>
+      <a:lightRig rig="threePt" dir="t"/>
+    </dgm:scene3d>
+    <dgm:sp3d/>
+    <dgm:txPr/>
+    <dgm:style>
+      <a:lnRef idx="0">
+        <a:scrgbClr r="0" g="0" b="0"/>
+      </a:lnRef>
+      <a:fillRef idx="1">
+        <a:scrgbClr r="0" g="0" b="0"/>
+      </a:fillRef>
+      <a:effectRef idx="0">
+        <a:scrgbClr r="0" g="0" b="0"/>
+      </a:effectRef>
+      <a:fontRef idx="minor"/>
+    </dgm:style>
+  </dgm:styleLbl>
+  <dgm:styleLbl name="dkBgShp">
+    <dgm:scene3d>
+      <a:camera prst="orthographicFront"/>
+      <a:lightRig rig="threePt" dir="t"/>
+    </dgm:scene3d>
+    <dgm:sp3d/>
+    <dgm:txPr/>
+    <dgm:style>
+      <a:lnRef idx="0">
+        <a:scrgbClr r="0" g="0" b="0"/>
+      </a:lnRef>
+      <a:fillRef idx="1">
+        <a:scrgbClr r="0" g="0" b="0"/>
+      </a:fillRef>
+      <a:effectRef idx="0">
+        <a:scrgbClr r="0" g="0" b="0"/>
+      </a:effectRef>
+      <a:fontRef idx="minor"/>
+    </dgm:style>
+  </dgm:styleLbl>
+  <dgm:styleLbl name="trBgShp">
+    <dgm:scene3d>
+      <a:camera prst="orthographicFront"/>
+      <a:lightRig rig="threePt" dir="t"/>
+    </dgm:scene3d>
+    <dgm:sp3d/>
+    <dgm:txPr/>
+    <dgm:style>
+      <a:lnRef idx="0">
+        <a:scrgbClr r="0" g="0" b="0"/>
+      </a:lnRef>
+      <a:fillRef idx="1">
+        <a:scrgbClr r="0" g="0" b="0"/>
+      </a:fillRef>
+      <a:effectRef idx="0">
+        <a:scrgbClr r="0" g="0" b="0"/>
+      </a:effectRef>
+      <a:fontRef idx="minor"/>
+    </dgm:style>
+  </dgm:styleLbl>
+  <dgm:styleLbl name="fgShp">
+    <dgm:scene3d>
+      <a:camera prst="orthographicFront"/>
+      <a:lightRig rig="threePt" dir="t"/>
+    </dgm:scene3d>
+    <dgm:sp3d/>
+    <dgm:txPr/>
+    <dgm:style>
+      <a:lnRef idx="2">
+        <a:scrgbClr r="0" g="0" b="0"/>
+      </a:lnRef>
+      <a:fillRef idx="1">
+        <a:scrgbClr r="0" g="0" b="0"/>
+      </a:fillRef>
+      <a:effectRef idx="0">
+        <a:scrgbClr r="0" g="0" b="0"/>
+      </a:effectRef>
+      <a:fontRef idx="minor"/>
+    </dgm:style>
+  </dgm:styleLbl>
+  <dgm:styleLbl name="revTx">
+    <dgm:scene3d>
+      <a:camera prst="orthographicFront"/>
+      <a:lightRig rig="threePt" dir="t"/>
+    </dgm:scene3d>
+    <dgm:sp3d/>
+    <dgm:txPr/>
+    <dgm:style>
+      <a:lnRef idx="0">
+        <a:scrgbClr r="0" g="0" b="0"/>
+      </a:lnRef>
+      <a:fillRef idx="0">
+        <a:scrgbClr r="0" g="0" b="0"/>
+      </a:fillRef>
+      <a:effectRef idx="0">
+        <a:scrgbClr r="0" g="0" b="0"/>
+      </a:effectRef>
+      <a:fontRef idx="minor"/>
+    </dgm:style>
+  </dgm:styleLbl>
+</dgm:styleDef>
+</file>
+
 <file path=ppt/handoutMasters/handoutMaster1.xml><?xml version="1.0" encoding="utf-8"?>
 <p:handoutMaster xmlns:a="http://schemas.openxmlformats.org/drawingml/2006/main" xmlns:r="http://schemas.openxmlformats.org/officeDocument/2006/relationships" xmlns:p="http://schemas.openxmlformats.org/presentationml/2006/main">
   <p:cSld>
@@ -280,7 +4687,7 @@
             <a:fld id="{EE9A79A6-2547-4C8F-B0ED-316280A1A122}" type="slidenum">
               <a:rPr lang="en-US" sz="800" smtClean="0"/>
               <a:pPr algn="l"/>
-              <a:t>‹Nr.›</a:t>
+              <a:t>‹#›</a:t>
             </a:fld>
             <a:endParaRPr lang="en-US" sz="800"/>
           </a:p>
@@ -568,7 +4975,7 @@
             <a:fld id="{05DD1DF0-DD4E-4B0C-B0FD-D16D9D2A9750}" type="slidenum">
               <a:rPr lang="en-US" smtClean="0"/>
               <a:pPr/>
-              <a:t>‹Nr.›</a:t>
+              <a:t>‹#›</a:t>
             </a:fld>
             <a:endParaRPr lang="en-US"/>
           </a:p>
@@ -866,7 +5273,7 @@
             <a:fld id="{05DD1DF0-DD4E-4B0C-B0FD-D16D9D2A9750}" type="slidenum">
               <a:rPr lang="en-US" smtClean="0"/>
               <a:pPr/>
-              <a:t>2</a:t>
+              <a:t>8</a:t>
             </a:fld>
             <a:endParaRPr lang="en-US"/>
           </a:p>
@@ -1305,7 +5712,7 @@
           <a:p>
             <a:fld id="{9E82CC3C-1DC0-4FDA-9590-6CC506AB67F8}" type="slidenum">
               <a:rPr lang="de-DE" smtClean="0"/>
-              <a:t>‹Nr.›</a:t>
+              <a:t>‹#›</a:t>
             </a:fld>
             <a:endParaRPr lang="de-DE" dirty="0"/>
           </a:p>
@@ -1744,7 +6151,7 @@
             <a:fld id="{9E82CC3C-1DC0-4FDA-9590-6CC506AB67F8}" type="slidenum">
               <a:rPr lang="de-DE" smtClean="0"/>
               <a:pPr/>
-              <a:t>‹Nr.›</a:t>
+              <a:t>‹#›</a:t>
             </a:fld>
             <a:endParaRPr lang="de-DE" dirty="0"/>
           </a:p>
@@ -2307,7 +6714,7 @@
             <a:fld id="{9E82CC3C-1DC0-4FDA-9590-6CC506AB67F8}" type="slidenum">
               <a:rPr lang="de-DE" smtClean="0"/>
               <a:pPr/>
-              <a:t>‹Nr.›</a:t>
+              <a:t>‹#›</a:t>
             </a:fld>
             <a:endParaRPr lang="de-DE" dirty="0"/>
           </a:p>
@@ -2670,7 +7077,7 @@
             <a:fld id="{9E82CC3C-1DC0-4FDA-9590-6CC506AB67F8}" type="slidenum">
               <a:rPr lang="de-DE" smtClean="0"/>
               <a:pPr/>
-              <a:t>‹Nr.›</a:t>
+              <a:t>‹#›</a:t>
             </a:fld>
             <a:endParaRPr lang="de-DE" dirty="0"/>
           </a:p>
@@ -3265,7 +7672,7 @@
             <a:fld id="{9E82CC3C-1DC0-4FDA-9590-6CC506AB67F8}" type="slidenum">
               <a:rPr lang="de-DE" smtClean="0"/>
               <a:pPr/>
-              <a:t>‹Nr.›</a:t>
+              <a:t>‹#›</a:t>
             </a:fld>
             <a:endParaRPr lang="de-DE" dirty="0"/>
           </a:p>
@@ -4080,7 +8487,7 @@
             <a:fld id="{9E82CC3C-1DC0-4FDA-9590-6CC506AB67F8}" type="slidenum">
               <a:rPr lang="de-DE" smtClean="0"/>
               <a:pPr/>
-              <a:t>‹Nr.›</a:t>
+              <a:t>‹#›</a:t>
             </a:fld>
             <a:endParaRPr lang="de-DE" dirty="0"/>
           </a:p>
@@ -5069,7 +9476,7 @@
           <a:p>
             <a:fld id="{9E82CC3C-1DC0-4FDA-9590-6CC506AB67F8}" type="slidenum">
               <a:rPr lang="de-DE" smtClean="0"/>
-              <a:t>‹Nr.›</a:t>
+              <a:t>‹#›</a:t>
             </a:fld>
             <a:endParaRPr lang="de-DE" dirty="0"/>
           </a:p>
@@ -5224,7 +9631,7 @@
           <a:p>
             <a:fld id="{9E82CC3C-1DC0-4FDA-9590-6CC506AB67F8}" type="slidenum">
               <a:rPr lang="de-DE" smtClean="0"/>
-              <a:t>‹Nr.›</a:t>
+              <a:t>‹#›</a:t>
             </a:fld>
             <a:endParaRPr lang="de-DE" dirty="0"/>
           </a:p>
@@ -7810,7 +12217,7 @@
           <a:p>
             <a:fld id="{9E82CC3C-1DC0-4FDA-9590-6CC506AB67F8}" type="slidenum">
               <a:rPr lang="de-DE" smtClean="0"/>
-              <a:t>‹Nr.›</a:t>
+              <a:t>‹#›</a:t>
             </a:fld>
             <a:endParaRPr lang="de-DE" dirty="0"/>
           </a:p>
@@ -8546,7 +12953,7 @@
           <a:p>
             <a:fld id="{9E82CC3C-1DC0-4FDA-9590-6CC506AB67F8}" type="slidenum">
               <a:rPr lang="de-DE" smtClean="0"/>
-              <a:t>‹Nr.›</a:t>
+              <a:t>‹#›</a:t>
             </a:fld>
             <a:endParaRPr lang="de-DE" dirty="0"/>
           </a:p>
@@ -9387,7 +13794,7 @@
           <a:p>
             <a:fld id="{9E82CC3C-1DC0-4FDA-9590-6CC506AB67F8}" type="slidenum">
               <a:rPr lang="de-DE" smtClean="0"/>
-              <a:t>‹Nr.›</a:t>
+              <a:t>‹#›</a:t>
             </a:fld>
             <a:endParaRPr lang="de-DE" dirty="0"/>
           </a:p>
@@ -9667,7 +14074,7 @@
           <a:p>
             <a:fld id="{9E82CC3C-1DC0-4FDA-9590-6CC506AB67F8}" type="slidenum">
               <a:rPr lang="de-DE" smtClean="0"/>
-              <a:t>‹Nr.›</a:t>
+              <a:t>‹#›</a:t>
             </a:fld>
             <a:endParaRPr lang="de-DE" dirty="0"/>
           </a:p>
@@ -10004,7 +14411,7 @@
           <a:p>
             <a:fld id="{9E82CC3C-1DC0-4FDA-9590-6CC506AB67F8}" type="slidenum">
               <a:rPr lang="de-DE" smtClean="0"/>
-              <a:t>‹Nr.›</a:t>
+              <a:t>‹#›</a:t>
             </a:fld>
             <a:endParaRPr lang="de-DE" dirty="0"/>
           </a:p>
@@ -10375,7 +14782,7 @@
             <a:fld id="{9E82CC3C-1DC0-4FDA-9590-6CC506AB67F8}" type="slidenum">
               <a:rPr lang="en-US" smtClean="0"/>
               <a:pPr/>
-              <a:t>‹Nr.›</a:t>
+              <a:t>‹#›</a:t>
             </a:fld>
             <a:endParaRPr lang="en-US" dirty="0"/>
           </a:p>
@@ -10779,7 +15186,7 @@
         <p:spPr>
           <a:xfrm>
             <a:off x="0" y="1407600"/>
-            <a:ext cx="9144000" cy="3681925"/>
+            <a:ext cx="5361039" cy="3681925"/>
           </a:xfrm>
         </p:spPr>
       </p:pic>
@@ -10940,6 +15347,53 @@
           <a:noFill/>
         </p:spPr>
       </p:pic>
+      <p:sp>
+        <p:nvSpPr>
+          <p:cNvPr id="4" name="TextBox 3"/>
+          <p:cNvSpPr txBox="1"/>
+          <p:nvPr/>
+        </p:nvSpPr>
+        <p:spPr>
+          <a:xfrm>
+            <a:off x="560438" y="5134491"/>
+            <a:ext cx="4240161" cy="115276"/>
+          </a:xfrm>
+          <a:prstGeom prst="rect">
+            <a:avLst/>
+          </a:prstGeom>
+          <a:noFill/>
+        </p:spPr>
+        <p:txBody>
+          <a:bodyPr wrap="square" lIns="0" tIns="0" rIns="0" bIns="0" rtlCol="0">
+            <a:noAutofit/>
+          </a:bodyPr>
+          <a:lstStyle/>
+          <a:p>
+            <a:pPr>
+              <a:buClr>
+                <a:schemeClr val="accent1"/>
+              </a:buClr>
+            </a:pPr>
+            <a:r>
+              <a:rPr lang="de-DE" sz="800" dirty="0" smtClean="0"/>
+              <a:t>[1] </a:t>
+            </a:r>
+            <a:r>
+              <a:rPr lang="de-DE" sz="800" dirty="0">
+                <a:hlinkClick r:id="rId4"/>
+              </a:rPr>
+              <a:t>https://www.mentorpath.com/project/8-ways-to-continue-learning-after-education-is-over</a:t>
+            </a:r>
+            <a:r>
+              <a:rPr lang="de-DE" sz="800" dirty="0" smtClean="0">
+                <a:hlinkClick r:id="rId4"/>
+              </a:rPr>
+              <a:t>/</a:t>
+            </a:r>
+            <a:endParaRPr lang="de-DE" sz="800" dirty="0" smtClean="0"/>
+          </a:p>
+        </p:txBody>
+      </p:sp>
     </p:spTree>
     <p:extLst>
       <p:ext uri="{BB962C8B-B14F-4D97-AF65-F5344CB8AC3E}">
@@ -10950,6 +15404,13 @@
   <p:clrMapOvr>
     <a:masterClrMapping/>
   </p:clrMapOvr>
+  <p:timing>
+    <p:tnLst>
+      <p:par>
+        <p:cTn id="1" dur="indefinite" restart="never" nodeType="tmRoot"/>
+      </p:par>
+    </p:tnLst>
+  </p:timing>
 </p:sld>
 </file>
 
@@ -10970,6 +15431,1385 @@
           <a:chExt cx="0" cy="0"/>
         </a:xfrm>
       </p:grpSpPr>
+      <p:graphicFrame>
+        <p:nvGraphicFramePr>
+          <p:cNvPr id="8" name="Content Placeholder 7"/>
+          <p:cNvGraphicFramePr>
+            <a:graphicFrameLocks noGrp="1"/>
+          </p:cNvGraphicFramePr>
+          <p:nvPr>
+            <p:ph idx="1"/>
+            <p:extLst>
+              <p:ext uri="{D42A27DB-BD31-4B8C-83A1-F6EECF244321}">
+                <p14:modId xmlns:p14="http://schemas.microsoft.com/office/powerpoint/2010/main" val="448322763"/>
+              </p:ext>
+            </p:extLst>
+          </p:nvPr>
+        </p:nvGraphicFramePr>
+        <p:xfrm>
+          <a:off x="468313" y="1597025"/>
+          <a:ext cx="8207375" cy="3492500"/>
+        </p:xfrm>
+        <a:graphic>
+          <a:graphicData uri="http://schemas.openxmlformats.org/drawingml/2006/diagram">
+            <dgm:relIds xmlns:dgm="http://schemas.openxmlformats.org/drawingml/2006/diagram" xmlns:r="http://schemas.openxmlformats.org/officeDocument/2006/relationships" r:dm="rId2" r:lo="rId3" r:qs="rId4" r:cs="rId5"/>
+          </a:graphicData>
+        </a:graphic>
+      </p:graphicFrame>
+      <p:sp>
+        <p:nvSpPr>
+          <p:cNvPr id="3" name="Date Placeholder 2"/>
+          <p:cNvSpPr>
+            <a:spLocks noGrp="1"/>
+          </p:cNvSpPr>
+          <p:nvPr>
+            <p:ph type="dt" sz="half" idx="10"/>
+          </p:nvPr>
+        </p:nvSpPr>
+        <p:spPr/>
+        <p:txBody>
+          <a:bodyPr/>
+          <a:lstStyle/>
+          <a:p>
+            <a:fld id="{92945389-04B4-460D-BD35-C57D41A2ECAA}" type="datetime1">
+              <a:rPr lang="de-DE" smtClean="0"/>
+              <a:t>01.10.2019</a:t>
+            </a:fld>
+            <a:endParaRPr lang="de-DE" dirty="0"/>
+          </a:p>
+        </p:txBody>
+      </p:sp>
+      <p:sp>
+        <p:nvSpPr>
+          <p:cNvPr id="4" name="Footer Placeholder 3"/>
+          <p:cNvSpPr>
+            <a:spLocks noGrp="1"/>
+          </p:cNvSpPr>
+          <p:nvPr>
+            <p:ph type="ftr" sz="quarter" idx="11"/>
+          </p:nvPr>
+        </p:nvSpPr>
+        <p:spPr/>
+        <p:txBody>
+          <a:bodyPr/>
+          <a:lstStyle/>
+          <a:p>
+            <a:r>
+              <a:rPr lang="de-DE" smtClean="0"/>
+              <a:t>Universität Stuttgart</a:t>
+            </a:r>
+            <a:endParaRPr lang="de-DE" dirty="0"/>
+          </a:p>
+        </p:txBody>
+      </p:sp>
+      <p:sp>
+        <p:nvSpPr>
+          <p:cNvPr id="5" name="Slide Number Placeholder 4"/>
+          <p:cNvSpPr>
+            <a:spLocks noGrp="1"/>
+          </p:cNvSpPr>
+          <p:nvPr>
+            <p:ph type="sldNum" sz="quarter" idx="12"/>
+          </p:nvPr>
+        </p:nvSpPr>
+        <p:spPr/>
+        <p:txBody>
+          <a:bodyPr/>
+          <a:lstStyle/>
+          <a:p>
+            <a:fld id="{9E82CC3C-1DC0-4FDA-9590-6CC506AB67F8}" type="slidenum">
+              <a:rPr lang="de-DE" smtClean="0"/>
+              <a:t>2</a:t>
+            </a:fld>
+            <a:endParaRPr lang="de-DE" dirty="0"/>
+          </a:p>
+        </p:txBody>
+      </p:sp>
+      <p:sp>
+        <p:nvSpPr>
+          <p:cNvPr id="6" name="Text Placeholder 5"/>
+          <p:cNvSpPr>
+            <a:spLocks noGrp="1"/>
+          </p:cNvSpPr>
+          <p:nvPr>
+            <p:ph type="body" sz="quarter" idx="13"/>
+          </p:nvPr>
+        </p:nvSpPr>
+        <p:spPr/>
+        <p:txBody>
+          <a:bodyPr/>
+          <a:lstStyle/>
+          <a:p>
+            <a:endParaRPr lang="de-DE"/>
+          </a:p>
+        </p:txBody>
+      </p:sp>
+      <p:sp>
+        <p:nvSpPr>
+          <p:cNvPr id="7" name="Title 6"/>
+          <p:cNvSpPr>
+            <a:spLocks noGrp="1"/>
+          </p:cNvSpPr>
+          <p:nvPr>
+            <p:ph type="title"/>
+          </p:nvPr>
+        </p:nvSpPr>
+        <p:spPr/>
+        <p:txBody>
+          <a:bodyPr/>
+          <a:lstStyle/>
+          <a:p>
+            <a:r>
+              <a:rPr lang="de-DE" dirty="0" smtClean="0"/>
+              <a:t>Gliederung</a:t>
+            </a:r>
+            <a:endParaRPr lang="de-DE" dirty="0"/>
+          </a:p>
+        </p:txBody>
+      </p:sp>
+    </p:spTree>
+    <p:extLst>
+      <p:ext uri="{BB962C8B-B14F-4D97-AF65-F5344CB8AC3E}">
+        <p14:creationId xmlns:p14="http://schemas.microsoft.com/office/powerpoint/2010/main" val="664565368"/>
+      </p:ext>
+    </p:extLst>
+  </p:cSld>
+  <p:clrMapOvr>
+    <a:masterClrMapping/>
+  </p:clrMapOvr>
+  <p:timing>
+    <p:tnLst>
+      <p:par>
+        <p:cTn id="1" dur="indefinite" restart="never" nodeType="tmRoot"/>
+      </p:par>
+    </p:tnLst>
+  </p:timing>
+</p:sld>
+</file>
+
+<file path=ppt/slides/slide3.xml><?xml version="1.0" encoding="utf-8"?>
+<p:sld xmlns:a="http://schemas.openxmlformats.org/drawingml/2006/main" xmlns:r="http://schemas.openxmlformats.org/officeDocument/2006/relationships" xmlns:p="http://schemas.openxmlformats.org/presentationml/2006/main">
+  <p:cSld>
+    <p:spTree>
+      <p:nvGrpSpPr>
+        <p:cNvPr id="1" name=""/>
+        <p:cNvGrpSpPr/>
+        <p:nvPr/>
+      </p:nvGrpSpPr>
+      <p:grpSpPr>
+        <a:xfrm>
+          <a:off x="0" y="0"/>
+          <a:ext cx="0" cy="0"/>
+          <a:chOff x="0" y="0"/>
+          <a:chExt cx="0" cy="0"/>
+        </a:xfrm>
+      </p:grpSpPr>
+      <p:sp>
+        <p:nvSpPr>
+          <p:cNvPr id="2" name="Title 1"/>
+          <p:cNvSpPr>
+            <a:spLocks noGrp="1"/>
+          </p:cNvSpPr>
+          <p:nvPr>
+            <p:ph type="title"/>
+          </p:nvPr>
+        </p:nvSpPr>
+        <p:spPr/>
+        <p:txBody>
+          <a:bodyPr/>
+          <a:lstStyle/>
+          <a:p>
+            <a:r>
+              <a:rPr lang="de-DE" dirty="0" smtClean="0"/>
+              <a:t>Motivation und Aufgabenstellung</a:t>
+            </a:r>
+            <a:endParaRPr lang="de-DE" dirty="0"/>
+          </a:p>
+        </p:txBody>
+      </p:sp>
+      <p:sp>
+        <p:nvSpPr>
+          <p:cNvPr id="3" name="Text Placeholder 2"/>
+          <p:cNvSpPr>
+            <a:spLocks noGrp="1"/>
+          </p:cNvSpPr>
+          <p:nvPr>
+            <p:ph type="body" idx="1"/>
+          </p:nvPr>
+        </p:nvSpPr>
+        <p:spPr/>
+        <p:txBody>
+          <a:bodyPr/>
+          <a:lstStyle/>
+          <a:p>
+            <a:endParaRPr lang="de-DE" dirty="0"/>
+          </a:p>
+        </p:txBody>
+      </p:sp>
+    </p:spTree>
+    <p:extLst>
+      <p:ext uri="{BB962C8B-B14F-4D97-AF65-F5344CB8AC3E}">
+        <p14:creationId xmlns:p14="http://schemas.microsoft.com/office/powerpoint/2010/main" val="3098007089"/>
+      </p:ext>
+    </p:extLst>
+  </p:cSld>
+  <p:clrMapOvr>
+    <a:masterClrMapping/>
+  </p:clrMapOvr>
+  <p:timing>
+    <p:tnLst>
+      <p:par>
+        <p:cTn id="1" dur="indefinite" restart="never" nodeType="tmRoot"/>
+      </p:par>
+    </p:tnLst>
+  </p:timing>
+</p:sld>
+</file>
+
+<file path=ppt/slides/slide4.xml><?xml version="1.0" encoding="utf-8"?>
+<p:sld xmlns:a="http://schemas.openxmlformats.org/drawingml/2006/main" xmlns:r="http://schemas.openxmlformats.org/officeDocument/2006/relationships" xmlns:p="http://schemas.openxmlformats.org/presentationml/2006/main">
+  <p:cSld>
+    <p:spTree>
+      <p:nvGrpSpPr>
+        <p:cNvPr id="1" name=""/>
+        <p:cNvGrpSpPr/>
+        <p:nvPr/>
+      </p:nvGrpSpPr>
+      <p:grpSpPr>
+        <a:xfrm>
+          <a:off x="0" y="0"/>
+          <a:ext cx="0" cy="0"/>
+          <a:chOff x="0" y="0"/>
+          <a:chExt cx="0" cy="0"/>
+        </a:xfrm>
+      </p:grpSpPr>
+      <p:sp>
+        <p:nvSpPr>
+          <p:cNvPr id="2" name="Content Placeholder 1"/>
+          <p:cNvSpPr>
+            <a:spLocks noGrp="1"/>
+          </p:cNvSpPr>
+          <p:nvPr>
+            <p:ph idx="1"/>
+          </p:nvPr>
+        </p:nvSpPr>
+        <p:spPr/>
+        <p:txBody>
+          <a:bodyPr/>
+          <a:lstStyle/>
+          <a:p>
+            <a:r>
+              <a:rPr lang="de-DE" dirty="0" smtClean="0"/>
+              <a:t>Bisheriger Widerspruch zwischen:</a:t>
+            </a:r>
+          </a:p>
+          <a:p>
+            <a:pPr lvl="1"/>
+            <a:r>
+              <a:rPr lang="de-DE" dirty="0" smtClean="0"/>
+              <a:t>Multitasking-fähigen </a:t>
+            </a:r>
+            <a:r>
+              <a:rPr lang="de-DE" dirty="0" err="1" smtClean="0"/>
+              <a:t>Machine</a:t>
+            </a:r>
+            <a:r>
+              <a:rPr lang="de-DE" dirty="0" smtClean="0"/>
+              <a:t> Learning Algorithmen</a:t>
+            </a:r>
+          </a:p>
+          <a:p>
+            <a:pPr lvl="1"/>
+            <a:r>
+              <a:rPr lang="de-DE" dirty="0" smtClean="0"/>
+              <a:t>Und Schutz von eigenen Daten</a:t>
+            </a:r>
+            <a:endParaRPr lang="de-DE" dirty="0"/>
+          </a:p>
+        </p:txBody>
+      </p:sp>
+      <p:sp>
+        <p:nvSpPr>
+          <p:cNvPr id="3" name="Date Placeholder 2"/>
+          <p:cNvSpPr>
+            <a:spLocks noGrp="1"/>
+          </p:cNvSpPr>
+          <p:nvPr>
+            <p:ph type="dt" sz="half" idx="10"/>
+          </p:nvPr>
+        </p:nvSpPr>
+        <p:spPr/>
+        <p:txBody>
+          <a:bodyPr/>
+          <a:lstStyle/>
+          <a:p>
+            <a:fld id="{92945389-04B4-460D-BD35-C57D41A2ECAA}" type="datetime1">
+              <a:rPr lang="de-DE" smtClean="0"/>
+              <a:t>01.10.2019</a:t>
+            </a:fld>
+            <a:endParaRPr lang="de-DE" dirty="0"/>
+          </a:p>
+        </p:txBody>
+      </p:sp>
+      <p:sp>
+        <p:nvSpPr>
+          <p:cNvPr id="4" name="Footer Placeholder 3"/>
+          <p:cNvSpPr>
+            <a:spLocks noGrp="1"/>
+          </p:cNvSpPr>
+          <p:nvPr>
+            <p:ph type="ftr" sz="quarter" idx="11"/>
+          </p:nvPr>
+        </p:nvSpPr>
+        <p:spPr/>
+        <p:txBody>
+          <a:bodyPr/>
+          <a:lstStyle/>
+          <a:p>
+            <a:r>
+              <a:rPr lang="de-DE" smtClean="0"/>
+              <a:t>Universität Stuttgart</a:t>
+            </a:r>
+            <a:endParaRPr lang="de-DE" dirty="0"/>
+          </a:p>
+        </p:txBody>
+      </p:sp>
+      <p:sp>
+        <p:nvSpPr>
+          <p:cNvPr id="5" name="Slide Number Placeholder 4"/>
+          <p:cNvSpPr>
+            <a:spLocks noGrp="1"/>
+          </p:cNvSpPr>
+          <p:nvPr>
+            <p:ph type="sldNum" sz="quarter" idx="12"/>
+          </p:nvPr>
+        </p:nvSpPr>
+        <p:spPr/>
+        <p:txBody>
+          <a:bodyPr/>
+          <a:lstStyle/>
+          <a:p>
+            <a:fld id="{9E82CC3C-1DC0-4FDA-9590-6CC506AB67F8}" type="slidenum">
+              <a:rPr lang="de-DE" smtClean="0"/>
+              <a:t>4</a:t>
+            </a:fld>
+            <a:endParaRPr lang="de-DE" dirty="0"/>
+          </a:p>
+        </p:txBody>
+      </p:sp>
+      <p:sp>
+        <p:nvSpPr>
+          <p:cNvPr id="6" name="Text Placeholder 5"/>
+          <p:cNvSpPr>
+            <a:spLocks noGrp="1"/>
+          </p:cNvSpPr>
+          <p:nvPr>
+            <p:ph type="body" sz="quarter" idx="13"/>
+          </p:nvPr>
+        </p:nvSpPr>
+        <p:spPr/>
+        <p:txBody>
+          <a:bodyPr/>
+          <a:lstStyle/>
+          <a:p>
+            <a:r>
+              <a:rPr lang="de-DE" dirty="0" smtClean="0"/>
+              <a:t>Motivation</a:t>
+            </a:r>
+            <a:endParaRPr lang="de-DE" dirty="0"/>
+          </a:p>
+        </p:txBody>
+      </p:sp>
+      <p:sp>
+        <p:nvSpPr>
+          <p:cNvPr id="7" name="Title 6"/>
+          <p:cNvSpPr>
+            <a:spLocks noGrp="1"/>
+          </p:cNvSpPr>
+          <p:nvPr>
+            <p:ph type="title"/>
+          </p:nvPr>
+        </p:nvSpPr>
+        <p:spPr/>
+        <p:txBody>
+          <a:bodyPr/>
+          <a:lstStyle/>
+          <a:p>
+            <a:r>
+              <a:rPr lang="de-DE" dirty="0" smtClean="0"/>
+              <a:t>Motivation und Aufgabenstellung</a:t>
+            </a:r>
+            <a:endParaRPr lang="de-DE" dirty="0"/>
+          </a:p>
+        </p:txBody>
+      </p:sp>
+      <p:pic>
+        <p:nvPicPr>
+          <p:cNvPr id="9" name="Picture 8"/>
+          <p:cNvPicPr>
+            <a:picLocks noChangeAspect="1"/>
+          </p:cNvPicPr>
+          <p:nvPr/>
+        </p:nvPicPr>
+        <p:blipFill>
+          <a:blip r:embed="rId2"/>
+          <a:stretch>
+            <a:fillRect/>
+          </a:stretch>
+        </p:blipFill>
+        <p:spPr>
+          <a:xfrm>
+            <a:off x="3812205" y="1653763"/>
+            <a:ext cx="5233145" cy="3600000"/>
+          </a:xfrm>
+          <a:prstGeom prst="rect">
+            <a:avLst/>
+          </a:prstGeom>
+        </p:spPr>
+      </p:pic>
+      <p:pic>
+        <p:nvPicPr>
+          <p:cNvPr id="11" name="Picture 10"/>
+          <p:cNvPicPr>
+            <a:picLocks noChangeAspect="1"/>
+          </p:cNvPicPr>
+          <p:nvPr/>
+        </p:nvPicPr>
+        <p:blipFill>
+          <a:blip r:embed="rId3"/>
+          <a:stretch>
+            <a:fillRect/>
+          </a:stretch>
+        </p:blipFill>
+        <p:spPr>
+          <a:xfrm>
+            <a:off x="3506226" y="1710501"/>
+            <a:ext cx="4963497" cy="3600000"/>
+          </a:xfrm>
+          <a:prstGeom prst="rect">
+            <a:avLst/>
+          </a:prstGeom>
+        </p:spPr>
+      </p:pic>
+    </p:spTree>
+    <p:extLst>
+      <p:ext uri="{BB962C8B-B14F-4D97-AF65-F5344CB8AC3E}">
+        <p14:creationId xmlns:p14="http://schemas.microsoft.com/office/powerpoint/2010/main" val="864945038"/>
+      </p:ext>
+    </p:extLst>
+  </p:cSld>
+  <p:clrMapOvr>
+    <a:masterClrMapping/>
+  </p:clrMapOvr>
+  <p:timing>
+    <p:tnLst>
+      <p:par>
+        <p:cTn id="1" dur="indefinite" restart="never" nodeType="tmRoot">
+          <p:childTnLst>
+            <p:seq concurrent="1" nextAc="seek">
+              <p:cTn id="2" dur="indefinite" nodeType="mainSeq">
+                <p:childTnLst>
+                  <p:par>
+                    <p:cTn id="3" fill="hold">
+                      <p:stCondLst>
+                        <p:cond delay="indefinite"/>
+                      </p:stCondLst>
+                      <p:childTnLst>
+                        <p:par>
+                          <p:cTn id="4" fill="hold">
+                            <p:stCondLst>
+                              <p:cond delay="0"/>
+                            </p:stCondLst>
+                            <p:childTnLst>
+                              <p:par>
+                                <p:cTn id="5" presetID="1" presetClass="entr" presetSubtype="0" fill="hold" nodeType="clickEffect">
+                                  <p:stCondLst>
+                                    <p:cond delay="0"/>
+                                  </p:stCondLst>
+                                  <p:childTnLst>
+                                    <p:set>
+                                      <p:cBhvr>
+                                        <p:cTn id="6" dur="1" fill="hold">
+                                          <p:stCondLst>
+                                            <p:cond delay="0"/>
+                                          </p:stCondLst>
+                                        </p:cTn>
+                                        <p:tgtEl>
+                                          <p:spTgt spid="9"/>
+                                        </p:tgtEl>
+                                        <p:attrNameLst>
+                                          <p:attrName>style.visibility</p:attrName>
+                                        </p:attrNameLst>
+                                      </p:cBhvr>
+                                      <p:to>
+                                        <p:strVal val="visible"/>
+                                      </p:to>
+                                    </p:set>
+                                  </p:childTnLst>
+                                </p:cTn>
+                              </p:par>
+                              <p:par>
+                                <p:cTn id="7" presetID="1" presetClass="entr" presetSubtype="0" fill="hold" grpId="0" nodeType="withEffect">
+                                  <p:stCondLst>
+                                    <p:cond delay="0"/>
+                                  </p:stCondLst>
+                                  <p:childTnLst>
+                                    <p:set>
+                                      <p:cBhvr>
+                                        <p:cTn id="8" dur="1" fill="hold">
+                                          <p:stCondLst>
+                                            <p:cond delay="0"/>
+                                          </p:stCondLst>
+                                        </p:cTn>
+                                        <p:tgtEl>
+                                          <p:spTgt spid="2">
+                                            <p:txEl>
+                                              <p:pRg st="1" end="1"/>
+                                            </p:txEl>
+                                          </p:spTgt>
+                                        </p:tgtEl>
+                                        <p:attrNameLst>
+                                          <p:attrName>style.visibility</p:attrName>
+                                        </p:attrNameLst>
+                                      </p:cBhvr>
+                                      <p:to>
+                                        <p:strVal val="visible"/>
+                                      </p:to>
+                                    </p:set>
+                                  </p:childTnLst>
+                                </p:cTn>
+                              </p:par>
+                            </p:childTnLst>
+                          </p:cTn>
+                        </p:par>
+                      </p:childTnLst>
+                    </p:cTn>
+                  </p:par>
+                  <p:par>
+                    <p:cTn id="9" fill="hold">
+                      <p:stCondLst>
+                        <p:cond delay="indefinite"/>
+                      </p:stCondLst>
+                      <p:childTnLst>
+                        <p:par>
+                          <p:cTn id="10" fill="hold">
+                            <p:stCondLst>
+                              <p:cond delay="0"/>
+                            </p:stCondLst>
+                            <p:childTnLst>
+                              <p:par>
+                                <p:cTn id="11" presetID="1" presetClass="exit" presetSubtype="0" fill="hold" nodeType="clickEffect">
+                                  <p:stCondLst>
+                                    <p:cond delay="0"/>
+                                  </p:stCondLst>
+                                  <p:childTnLst>
+                                    <p:set>
+                                      <p:cBhvr>
+                                        <p:cTn id="12" dur="1" fill="hold">
+                                          <p:stCondLst>
+                                            <p:cond delay="0"/>
+                                          </p:stCondLst>
+                                        </p:cTn>
+                                        <p:tgtEl>
+                                          <p:spTgt spid="9"/>
+                                        </p:tgtEl>
+                                        <p:attrNameLst>
+                                          <p:attrName>style.visibility</p:attrName>
+                                        </p:attrNameLst>
+                                      </p:cBhvr>
+                                      <p:to>
+                                        <p:strVal val="hidden"/>
+                                      </p:to>
+                                    </p:set>
+                                  </p:childTnLst>
+                                </p:cTn>
+                              </p:par>
+                              <p:par>
+                                <p:cTn id="13" presetID="1" presetClass="entr" presetSubtype="0" fill="hold" nodeType="withEffect">
+                                  <p:stCondLst>
+                                    <p:cond delay="0"/>
+                                  </p:stCondLst>
+                                  <p:childTnLst>
+                                    <p:set>
+                                      <p:cBhvr>
+                                        <p:cTn id="14" dur="1" fill="hold">
+                                          <p:stCondLst>
+                                            <p:cond delay="0"/>
+                                          </p:stCondLst>
+                                        </p:cTn>
+                                        <p:tgtEl>
+                                          <p:spTgt spid="11"/>
+                                        </p:tgtEl>
+                                        <p:attrNameLst>
+                                          <p:attrName>style.visibility</p:attrName>
+                                        </p:attrNameLst>
+                                      </p:cBhvr>
+                                      <p:to>
+                                        <p:strVal val="visible"/>
+                                      </p:to>
+                                    </p:set>
+                                  </p:childTnLst>
+                                </p:cTn>
+                              </p:par>
+                              <p:par>
+                                <p:cTn id="15" presetID="1" presetClass="entr" presetSubtype="0" fill="hold" grpId="1" nodeType="withEffect">
+                                  <p:stCondLst>
+                                    <p:cond delay="0"/>
+                                  </p:stCondLst>
+                                  <p:childTnLst>
+                                    <p:set>
+                                      <p:cBhvr>
+                                        <p:cTn id="16" dur="1" fill="hold">
+                                          <p:stCondLst>
+                                            <p:cond delay="0"/>
+                                          </p:stCondLst>
+                                        </p:cTn>
+                                        <p:tgtEl>
+                                          <p:spTgt spid="2">
+                                            <p:txEl>
+                                              <p:pRg st="2" end="2"/>
+                                            </p:txEl>
+                                          </p:spTgt>
+                                        </p:tgtEl>
+                                        <p:attrNameLst>
+                                          <p:attrName>style.visibility</p:attrName>
+                                        </p:attrNameLst>
+                                      </p:cBhvr>
+                                      <p:to>
+                                        <p:strVal val="visible"/>
+                                      </p:to>
+                                    </p:set>
+                                  </p:childTnLst>
+                                </p:cTn>
+                              </p:par>
+                            </p:childTnLst>
+                          </p:cTn>
+                        </p:par>
+                      </p:childTnLst>
+                    </p:cTn>
+                  </p:par>
+                </p:childTnLst>
+              </p:cTn>
+              <p:prevCondLst>
+                <p:cond evt="onPrev" delay="0">
+                  <p:tgtEl>
+                    <p:sldTgt/>
+                  </p:tgtEl>
+                </p:cond>
+              </p:prevCondLst>
+              <p:nextCondLst>
+                <p:cond evt="onNext" delay="0">
+                  <p:tgtEl>
+                    <p:sldTgt/>
+                  </p:tgtEl>
+                </p:cond>
+              </p:nextCondLst>
+            </p:seq>
+          </p:childTnLst>
+        </p:cTn>
+      </p:par>
+    </p:tnLst>
+    <p:bldLst>
+      <p:bldP spid="2" grpId="0" uiExpand="1" build="p"/>
+      <p:bldP spid="2" grpId="1" uiExpand="1" build="p"/>
+    </p:bldLst>
+  </p:timing>
+</p:sld>
+</file>
+
+<file path=ppt/slides/slide5.xml><?xml version="1.0" encoding="utf-8"?>
+<p:sld xmlns:a="http://schemas.openxmlformats.org/drawingml/2006/main" xmlns:r="http://schemas.openxmlformats.org/officeDocument/2006/relationships" xmlns:p="http://schemas.openxmlformats.org/presentationml/2006/main">
+  <p:cSld>
+    <p:spTree>
+      <p:nvGrpSpPr>
+        <p:cNvPr id="1" name=""/>
+        <p:cNvGrpSpPr/>
+        <p:nvPr/>
+      </p:nvGrpSpPr>
+      <p:grpSpPr>
+        <a:xfrm>
+          <a:off x="0" y="0"/>
+          <a:ext cx="0" cy="0"/>
+          <a:chOff x="0" y="0"/>
+          <a:chExt cx="0" cy="0"/>
+        </a:xfrm>
+      </p:grpSpPr>
+      <p:sp>
+        <p:nvSpPr>
+          <p:cNvPr id="2" name="Content Placeholder 1"/>
+          <p:cNvSpPr>
+            <a:spLocks noGrp="1"/>
+          </p:cNvSpPr>
+          <p:nvPr>
+            <p:ph idx="1"/>
+          </p:nvPr>
+        </p:nvSpPr>
+        <p:spPr/>
+        <p:txBody>
+          <a:bodyPr/>
+          <a:lstStyle/>
+          <a:p>
+            <a:r>
+              <a:rPr lang="de-DE" dirty="0" smtClean="0"/>
+              <a:t>Potenzial von </a:t>
+            </a:r>
+            <a:r>
+              <a:rPr lang="de-DE" dirty="0" err="1" smtClean="0"/>
+              <a:t>Lifelong</a:t>
+            </a:r>
+            <a:r>
+              <a:rPr lang="de-DE" dirty="0" smtClean="0"/>
+              <a:t> </a:t>
+            </a:r>
+            <a:r>
+              <a:rPr lang="de-DE" dirty="0" err="1" smtClean="0"/>
+              <a:t>Deep</a:t>
+            </a:r>
+            <a:r>
+              <a:rPr lang="de-DE" dirty="0" smtClean="0"/>
+              <a:t> </a:t>
+            </a:r>
+            <a:r>
+              <a:rPr lang="de-DE" dirty="0" err="1" smtClean="0"/>
+              <a:t>Neural</a:t>
+            </a:r>
+            <a:r>
+              <a:rPr lang="de-DE" dirty="0" smtClean="0"/>
+              <a:t> Network Algorithmen (L DNN) </a:t>
+            </a:r>
+            <a:r>
+              <a:rPr lang="de-DE" dirty="0" smtClean="0">
+                <a:sym typeface="Wingdings" panose="05000000000000000000" pitchFamily="2" charset="2"/>
+              </a:rPr>
+              <a:t> </a:t>
+            </a:r>
+            <a:r>
+              <a:rPr lang="de-DE" dirty="0" smtClean="0"/>
+              <a:t>Auflösung dieses Widerspruchs durch:</a:t>
+            </a:r>
+          </a:p>
+          <a:p>
+            <a:pPr lvl="1"/>
+            <a:r>
+              <a:rPr lang="de-DE" dirty="0" smtClean="0"/>
+              <a:t>Verteiltes Lernen ohne Austausch von Rohdaten </a:t>
+            </a:r>
+            <a:r>
+              <a:rPr lang="de-DE" dirty="0" smtClean="0">
+                <a:sym typeface="Wingdings" panose="05000000000000000000" pitchFamily="2" charset="2"/>
+              </a:rPr>
+              <a:t> Schutz von Daten</a:t>
+            </a:r>
+          </a:p>
+          <a:p>
+            <a:pPr lvl="1"/>
+            <a:r>
+              <a:rPr lang="de-DE" dirty="0" smtClean="0">
+                <a:sym typeface="Wingdings" panose="05000000000000000000" pitchFamily="2" charset="2"/>
+              </a:rPr>
+              <a:t>Lauf- und Lernfähiger Algorithmus mit wenig Speicher und Rechenleistung auf Edge Devices</a:t>
+            </a:r>
+          </a:p>
+          <a:p>
+            <a:pPr lvl="1"/>
+            <a:endParaRPr lang="de-DE" dirty="0">
+              <a:sym typeface="Wingdings" panose="05000000000000000000" pitchFamily="2" charset="2"/>
+            </a:endParaRPr>
+          </a:p>
+          <a:p>
+            <a:r>
+              <a:rPr lang="de-DE" dirty="0" smtClean="0">
+                <a:sym typeface="Wingdings" panose="05000000000000000000" pitchFamily="2" charset="2"/>
+              </a:rPr>
+              <a:t>Analyse des Konzeptes L DNN hinsichtlich Funktionalität und Anwendbarkeit auf andere Aufgabengebiete mithilfe einer prototypischen Implementierung</a:t>
+            </a:r>
+            <a:endParaRPr lang="de-DE" dirty="0"/>
+          </a:p>
+        </p:txBody>
+      </p:sp>
+      <p:sp>
+        <p:nvSpPr>
+          <p:cNvPr id="3" name="Date Placeholder 2"/>
+          <p:cNvSpPr>
+            <a:spLocks noGrp="1"/>
+          </p:cNvSpPr>
+          <p:nvPr>
+            <p:ph type="dt" sz="half" idx="10"/>
+          </p:nvPr>
+        </p:nvSpPr>
+        <p:spPr/>
+        <p:txBody>
+          <a:bodyPr/>
+          <a:lstStyle/>
+          <a:p>
+            <a:fld id="{92945389-04B4-460D-BD35-C57D41A2ECAA}" type="datetime1">
+              <a:rPr lang="de-DE" smtClean="0"/>
+              <a:t>01.10.2019</a:t>
+            </a:fld>
+            <a:endParaRPr lang="de-DE" dirty="0"/>
+          </a:p>
+        </p:txBody>
+      </p:sp>
+      <p:sp>
+        <p:nvSpPr>
+          <p:cNvPr id="4" name="Footer Placeholder 3"/>
+          <p:cNvSpPr>
+            <a:spLocks noGrp="1"/>
+          </p:cNvSpPr>
+          <p:nvPr>
+            <p:ph type="ftr" sz="quarter" idx="11"/>
+          </p:nvPr>
+        </p:nvSpPr>
+        <p:spPr/>
+        <p:txBody>
+          <a:bodyPr/>
+          <a:lstStyle/>
+          <a:p>
+            <a:r>
+              <a:rPr lang="de-DE" smtClean="0"/>
+              <a:t>Universität Stuttgart</a:t>
+            </a:r>
+            <a:endParaRPr lang="de-DE" dirty="0"/>
+          </a:p>
+        </p:txBody>
+      </p:sp>
+      <p:sp>
+        <p:nvSpPr>
+          <p:cNvPr id="5" name="Slide Number Placeholder 4"/>
+          <p:cNvSpPr>
+            <a:spLocks noGrp="1"/>
+          </p:cNvSpPr>
+          <p:nvPr>
+            <p:ph type="sldNum" sz="quarter" idx="12"/>
+          </p:nvPr>
+        </p:nvSpPr>
+        <p:spPr/>
+        <p:txBody>
+          <a:bodyPr/>
+          <a:lstStyle/>
+          <a:p>
+            <a:fld id="{9E82CC3C-1DC0-4FDA-9590-6CC506AB67F8}" type="slidenum">
+              <a:rPr lang="de-DE" smtClean="0"/>
+              <a:t>5</a:t>
+            </a:fld>
+            <a:endParaRPr lang="de-DE" dirty="0"/>
+          </a:p>
+        </p:txBody>
+      </p:sp>
+      <p:sp>
+        <p:nvSpPr>
+          <p:cNvPr id="6" name="Text Placeholder 5"/>
+          <p:cNvSpPr>
+            <a:spLocks noGrp="1"/>
+          </p:cNvSpPr>
+          <p:nvPr>
+            <p:ph type="body" sz="quarter" idx="13"/>
+          </p:nvPr>
+        </p:nvSpPr>
+        <p:spPr/>
+        <p:txBody>
+          <a:bodyPr/>
+          <a:lstStyle/>
+          <a:p>
+            <a:r>
+              <a:rPr lang="de-DE" dirty="0" smtClean="0"/>
+              <a:t>Aufgabenstellung</a:t>
+            </a:r>
+            <a:endParaRPr lang="de-DE" dirty="0"/>
+          </a:p>
+        </p:txBody>
+      </p:sp>
+      <p:sp>
+        <p:nvSpPr>
+          <p:cNvPr id="7" name="Title 6"/>
+          <p:cNvSpPr>
+            <a:spLocks noGrp="1"/>
+          </p:cNvSpPr>
+          <p:nvPr>
+            <p:ph type="title"/>
+          </p:nvPr>
+        </p:nvSpPr>
+        <p:spPr/>
+        <p:txBody>
+          <a:bodyPr/>
+          <a:lstStyle/>
+          <a:p>
+            <a:r>
+              <a:rPr lang="de-DE" dirty="0"/>
+              <a:t>Motivation und Aufgabenstellung</a:t>
+            </a:r>
+          </a:p>
+        </p:txBody>
+      </p:sp>
+      <p:pic>
+        <p:nvPicPr>
+          <p:cNvPr id="9" name="Picture 8"/>
+          <p:cNvPicPr>
+            <a:picLocks noChangeAspect="1"/>
+          </p:cNvPicPr>
+          <p:nvPr/>
+        </p:nvPicPr>
+        <p:blipFill>
+          <a:blip r:embed="rId2"/>
+          <a:stretch>
+            <a:fillRect/>
+          </a:stretch>
+        </p:blipFill>
+        <p:spPr>
+          <a:xfrm>
+            <a:off x="1986804" y="2897410"/>
+            <a:ext cx="4795422" cy="2717745"/>
+          </a:xfrm>
+          <a:prstGeom prst="rect">
+            <a:avLst/>
+          </a:prstGeom>
+        </p:spPr>
+      </p:pic>
+    </p:spTree>
+    <p:extLst>
+      <p:ext uri="{BB962C8B-B14F-4D97-AF65-F5344CB8AC3E}">
+        <p14:creationId xmlns:p14="http://schemas.microsoft.com/office/powerpoint/2010/main" val="3939198218"/>
+      </p:ext>
+    </p:extLst>
+  </p:cSld>
+  <p:clrMapOvr>
+    <a:masterClrMapping/>
+  </p:clrMapOvr>
+  <p:timing>
+    <p:tnLst>
+      <p:par>
+        <p:cTn id="1" dur="indefinite" restart="never" nodeType="tmRoot">
+          <p:childTnLst>
+            <p:seq concurrent="1" nextAc="seek">
+              <p:cTn id="2" dur="indefinite" nodeType="mainSeq">
+                <p:childTnLst>
+                  <p:par>
+                    <p:cTn id="3" fill="hold">
+                      <p:stCondLst>
+                        <p:cond delay="indefinite"/>
+                      </p:stCondLst>
+                      <p:childTnLst>
+                        <p:par>
+                          <p:cTn id="4" fill="hold">
+                            <p:stCondLst>
+                              <p:cond delay="0"/>
+                            </p:stCondLst>
+                            <p:childTnLst>
+                              <p:par>
+                                <p:cTn id="5" presetID="1" presetClass="exit" presetSubtype="0" fill="hold" nodeType="clickEffect">
+                                  <p:stCondLst>
+                                    <p:cond delay="0"/>
+                                  </p:stCondLst>
+                                  <p:childTnLst>
+                                    <p:set>
+                                      <p:cBhvr>
+                                        <p:cTn id="6" dur="1" fill="hold">
+                                          <p:stCondLst>
+                                            <p:cond delay="0"/>
+                                          </p:stCondLst>
+                                        </p:cTn>
+                                        <p:tgtEl>
+                                          <p:spTgt spid="9"/>
+                                        </p:tgtEl>
+                                        <p:attrNameLst>
+                                          <p:attrName>style.visibility</p:attrName>
+                                        </p:attrNameLst>
+                                      </p:cBhvr>
+                                      <p:to>
+                                        <p:strVal val="hidden"/>
+                                      </p:to>
+                                    </p:set>
+                                  </p:childTnLst>
+                                </p:cTn>
+                              </p:par>
+                              <p:par>
+                                <p:cTn id="7" presetID="1" presetClass="entr" presetSubtype="0" fill="hold" grpId="0" nodeType="withEffect">
+                                  <p:stCondLst>
+                                    <p:cond delay="0"/>
+                                  </p:stCondLst>
+                                  <p:childTnLst>
+                                    <p:set>
+                                      <p:cBhvr>
+                                        <p:cTn id="8" dur="1" fill="hold">
+                                          <p:stCondLst>
+                                            <p:cond delay="0"/>
+                                          </p:stCondLst>
+                                        </p:cTn>
+                                        <p:tgtEl>
+                                          <p:spTgt spid="2">
+                                            <p:txEl>
+                                              <p:pRg st="4" end="4"/>
+                                            </p:txEl>
+                                          </p:spTgt>
+                                        </p:tgtEl>
+                                        <p:attrNameLst>
+                                          <p:attrName>style.visibility</p:attrName>
+                                        </p:attrNameLst>
+                                      </p:cBhvr>
+                                      <p:to>
+                                        <p:strVal val="visible"/>
+                                      </p:to>
+                                    </p:set>
+                                  </p:childTnLst>
+                                </p:cTn>
+                              </p:par>
+                            </p:childTnLst>
+                          </p:cTn>
+                        </p:par>
+                      </p:childTnLst>
+                    </p:cTn>
+                  </p:par>
+                </p:childTnLst>
+              </p:cTn>
+              <p:prevCondLst>
+                <p:cond evt="onPrev" delay="0">
+                  <p:tgtEl>
+                    <p:sldTgt/>
+                  </p:tgtEl>
+                </p:cond>
+              </p:prevCondLst>
+              <p:nextCondLst>
+                <p:cond evt="onNext" delay="0">
+                  <p:tgtEl>
+                    <p:sldTgt/>
+                  </p:tgtEl>
+                </p:cond>
+              </p:nextCondLst>
+            </p:seq>
+          </p:childTnLst>
+        </p:cTn>
+      </p:par>
+    </p:tnLst>
+    <p:bldLst>
+      <p:bldP spid="2" grpId="0" uiExpand="1" build="p"/>
+    </p:bldLst>
+  </p:timing>
+</p:sld>
+</file>
+
+<file path=ppt/slides/slide6.xml><?xml version="1.0" encoding="utf-8"?>
+<p:sld xmlns:a="http://schemas.openxmlformats.org/drawingml/2006/main" xmlns:r="http://schemas.openxmlformats.org/officeDocument/2006/relationships" xmlns:p="http://schemas.openxmlformats.org/presentationml/2006/main">
+  <p:cSld>
+    <p:spTree>
+      <p:nvGrpSpPr>
+        <p:cNvPr id="1" name=""/>
+        <p:cNvGrpSpPr/>
+        <p:nvPr/>
+      </p:nvGrpSpPr>
+      <p:grpSpPr>
+        <a:xfrm>
+          <a:off x="0" y="0"/>
+          <a:ext cx="0" cy="0"/>
+          <a:chOff x="0" y="0"/>
+          <a:chExt cx="0" cy="0"/>
+        </a:xfrm>
+      </p:grpSpPr>
+      <p:sp>
+        <p:nvSpPr>
+          <p:cNvPr id="2" name="Title 1"/>
+          <p:cNvSpPr>
+            <a:spLocks noGrp="1"/>
+          </p:cNvSpPr>
+          <p:nvPr>
+            <p:ph type="title"/>
+          </p:nvPr>
+        </p:nvSpPr>
+        <p:spPr/>
+        <p:txBody>
+          <a:bodyPr/>
+          <a:lstStyle/>
+          <a:p>
+            <a:r>
+              <a:rPr lang="de-DE" dirty="0" smtClean="0"/>
+              <a:t>Grundlagen kontinuierliches und verteiltes Lernen</a:t>
+            </a:r>
+            <a:endParaRPr lang="de-DE" dirty="0"/>
+          </a:p>
+        </p:txBody>
+      </p:sp>
+      <p:sp>
+        <p:nvSpPr>
+          <p:cNvPr id="3" name="Text Placeholder 2"/>
+          <p:cNvSpPr>
+            <a:spLocks noGrp="1"/>
+          </p:cNvSpPr>
+          <p:nvPr>
+            <p:ph type="body" idx="1"/>
+          </p:nvPr>
+        </p:nvSpPr>
+        <p:spPr/>
+        <p:txBody>
+          <a:bodyPr/>
+          <a:lstStyle/>
+          <a:p>
+            <a:endParaRPr lang="de-DE"/>
+          </a:p>
+        </p:txBody>
+      </p:sp>
+    </p:spTree>
+    <p:extLst>
+      <p:ext uri="{BB962C8B-B14F-4D97-AF65-F5344CB8AC3E}">
+        <p14:creationId xmlns:p14="http://schemas.microsoft.com/office/powerpoint/2010/main" val="937898306"/>
+      </p:ext>
+    </p:extLst>
+  </p:cSld>
+  <p:clrMapOvr>
+    <a:masterClrMapping/>
+  </p:clrMapOvr>
+  <p:timing>
+    <p:tnLst>
+      <p:par>
+        <p:cTn id="1" dur="indefinite" restart="never" nodeType="tmRoot"/>
+      </p:par>
+    </p:tnLst>
+  </p:timing>
+</p:sld>
+</file>
+
+<file path=ppt/slides/slide7.xml><?xml version="1.0" encoding="utf-8"?>
+<p:sld xmlns:a="http://schemas.openxmlformats.org/drawingml/2006/main" xmlns:r="http://schemas.openxmlformats.org/officeDocument/2006/relationships" xmlns:p="http://schemas.openxmlformats.org/presentationml/2006/main">
+  <p:cSld>
+    <p:spTree>
+      <p:nvGrpSpPr>
+        <p:cNvPr id="1" name=""/>
+        <p:cNvGrpSpPr/>
+        <p:nvPr/>
+      </p:nvGrpSpPr>
+      <p:grpSpPr>
+        <a:xfrm>
+          <a:off x="0" y="0"/>
+          <a:ext cx="0" cy="0"/>
+          <a:chOff x="0" y="0"/>
+          <a:chExt cx="0" cy="0"/>
+        </a:xfrm>
+      </p:grpSpPr>
+      <p:sp>
+        <p:nvSpPr>
+          <p:cNvPr id="2" name="Content Placeholder 1"/>
+          <p:cNvSpPr>
+            <a:spLocks noGrp="1"/>
+          </p:cNvSpPr>
+          <p:nvPr>
+            <p:ph idx="1"/>
+          </p:nvPr>
+        </p:nvSpPr>
+        <p:spPr/>
+        <p:txBody>
+          <a:bodyPr/>
+          <a:lstStyle/>
+          <a:p>
+            <a:r>
+              <a:rPr lang="de-DE" dirty="0" smtClean="0"/>
+              <a:t>Meistens gleichen Architekturen wie im „klassischen“ </a:t>
+            </a:r>
+            <a:r>
+              <a:rPr lang="de-DE" dirty="0" err="1" smtClean="0"/>
+              <a:t>Deep</a:t>
+            </a:r>
+            <a:r>
+              <a:rPr lang="de-DE" dirty="0" smtClean="0"/>
+              <a:t> Learning</a:t>
+            </a:r>
+          </a:p>
+          <a:p>
+            <a:r>
+              <a:rPr lang="de-DE" dirty="0" smtClean="0"/>
+              <a:t>Mit klassischen Trainingsalgorithmen des </a:t>
+            </a:r>
+            <a:r>
+              <a:rPr lang="de-DE" dirty="0" err="1" smtClean="0"/>
+              <a:t>Deep</a:t>
+            </a:r>
+            <a:r>
+              <a:rPr lang="de-DE" dirty="0" smtClean="0"/>
+              <a:t> Learning </a:t>
+            </a:r>
+            <a:r>
+              <a:rPr lang="de-DE" dirty="0" smtClean="0">
+                <a:sym typeface="Wingdings" panose="05000000000000000000" pitchFamily="2" charset="2"/>
+              </a:rPr>
+              <a:t> Katastrophales Vergessen</a:t>
+            </a:r>
+            <a:endParaRPr lang="de-DE" dirty="0"/>
+          </a:p>
+        </p:txBody>
+      </p:sp>
+      <p:sp>
+        <p:nvSpPr>
+          <p:cNvPr id="3" name="Date Placeholder 2"/>
+          <p:cNvSpPr>
+            <a:spLocks noGrp="1"/>
+          </p:cNvSpPr>
+          <p:nvPr>
+            <p:ph type="dt" sz="half" idx="10"/>
+          </p:nvPr>
+        </p:nvSpPr>
+        <p:spPr/>
+        <p:txBody>
+          <a:bodyPr/>
+          <a:lstStyle/>
+          <a:p>
+            <a:fld id="{92945389-04B4-460D-BD35-C57D41A2ECAA}" type="datetime1">
+              <a:rPr lang="de-DE" smtClean="0"/>
+              <a:t>01.10.2019</a:t>
+            </a:fld>
+            <a:endParaRPr lang="de-DE" dirty="0"/>
+          </a:p>
+        </p:txBody>
+      </p:sp>
+      <p:sp>
+        <p:nvSpPr>
+          <p:cNvPr id="4" name="Footer Placeholder 3"/>
+          <p:cNvSpPr>
+            <a:spLocks noGrp="1"/>
+          </p:cNvSpPr>
+          <p:nvPr>
+            <p:ph type="ftr" sz="quarter" idx="11"/>
+          </p:nvPr>
+        </p:nvSpPr>
+        <p:spPr/>
+        <p:txBody>
+          <a:bodyPr/>
+          <a:lstStyle/>
+          <a:p>
+            <a:r>
+              <a:rPr lang="de-DE" smtClean="0"/>
+              <a:t>Universität Stuttgart</a:t>
+            </a:r>
+            <a:endParaRPr lang="de-DE" dirty="0"/>
+          </a:p>
+        </p:txBody>
+      </p:sp>
+      <p:sp>
+        <p:nvSpPr>
+          <p:cNvPr id="5" name="Slide Number Placeholder 4"/>
+          <p:cNvSpPr>
+            <a:spLocks noGrp="1"/>
+          </p:cNvSpPr>
+          <p:nvPr>
+            <p:ph type="sldNum" sz="quarter" idx="12"/>
+          </p:nvPr>
+        </p:nvSpPr>
+        <p:spPr/>
+        <p:txBody>
+          <a:bodyPr/>
+          <a:lstStyle/>
+          <a:p>
+            <a:fld id="{9E82CC3C-1DC0-4FDA-9590-6CC506AB67F8}" type="slidenum">
+              <a:rPr lang="de-DE" smtClean="0"/>
+              <a:t>7</a:t>
+            </a:fld>
+            <a:endParaRPr lang="de-DE" dirty="0"/>
+          </a:p>
+        </p:txBody>
+      </p:sp>
+      <p:sp>
+        <p:nvSpPr>
+          <p:cNvPr id="6" name="Text Placeholder 5"/>
+          <p:cNvSpPr>
+            <a:spLocks noGrp="1"/>
+          </p:cNvSpPr>
+          <p:nvPr>
+            <p:ph type="body" sz="quarter" idx="13"/>
+          </p:nvPr>
+        </p:nvSpPr>
+        <p:spPr/>
+        <p:txBody>
+          <a:bodyPr/>
+          <a:lstStyle/>
+          <a:p>
+            <a:r>
+              <a:rPr lang="de-DE" dirty="0" smtClean="0"/>
+              <a:t>Kontinuierliches Lernen</a:t>
+            </a:r>
+            <a:endParaRPr lang="de-DE" dirty="0"/>
+          </a:p>
+        </p:txBody>
+      </p:sp>
+      <p:sp>
+        <p:nvSpPr>
+          <p:cNvPr id="7" name="Title 6"/>
+          <p:cNvSpPr>
+            <a:spLocks noGrp="1"/>
+          </p:cNvSpPr>
+          <p:nvPr>
+            <p:ph type="title"/>
+          </p:nvPr>
+        </p:nvSpPr>
+        <p:spPr/>
+        <p:txBody>
+          <a:bodyPr/>
+          <a:lstStyle/>
+          <a:p>
+            <a:r>
+              <a:rPr lang="de-DE" dirty="0" smtClean="0"/>
+              <a:t>Grundlagen kontinuierliches und verteiltes Lernen</a:t>
+            </a:r>
+            <a:endParaRPr lang="de-DE" dirty="0"/>
+          </a:p>
+        </p:txBody>
+      </p:sp>
+      <p:pic>
+        <p:nvPicPr>
+          <p:cNvPr id="8" name="Picture 7"/>
+          <p:cNvPicPr>
+            <a:picLocks noChangeAspect="1"/>
+          </p:cNvPicPr>
+          <p:nvPr/>
+        </p:nvPicPr>
+        <p:blipFill>
+          <a:blip r:embed="rId2"/>
+          <a:stretch>
+            <a:fillRect/>
+          </a:stretch>
+        </p:blipFill>
+        <p:spPr>
+          <a:xfrm>
+            <a:off x="2651565" y="2293765"/>
+            <a:ext cx="2925183" cy="1823094"/>
+          </a:xfrm>
+          <a:prstGeom prst="rect">
+            <a:avLst/>
+          </a:prstGeom>
+        </p:spPr>
+      </p:pic>
+    </p:spTree>
+    <p:extLst>
+      <p:ext uri="{BB962C8B-B14F-4D97-AF65-F5344CB8AC3E}">
+        <p14:creationId xmlns:p14="http://schemas.microsoft.com/office/powerpoint/2010/main" val="3997390664"/>
+      </p:ext>
+    </p:extLst>
+  </p:cSld>
+  <p:clrMapOvr>
+    <a:masterClrMapping/>
+  </p:clrMapOvr>
+  <p:timing>
+    <p:tnLst>
+      <p:par>
+        <p:cTn id="1" dur="indefinite" restart="never" nodeType="tmRoot"/>
+      </p:par>
+    </p:tnLst>
+  </p:timing>
+</p:sld>
+</file>
+
+<file path=ppt/slides/slide8.xml><?xml version="1.0" encoding="utf-8"?>
+<p:sld xmlns:a="http://schemas.openxmlformats.org/drawingml/2006/main" xmlns:r="http://schemas.openxmlformats.org/officeDocument/2006/relationships" xmlns:p="http://schemas.openxmlformats.org/presentationml/2006/main">
+  <p:cSld>
+    <p:spTree>
+      <p:nvGrpSpPr>
+        <p:cNvPr id="1" name=""/>
+        <p:cNvGrpSpPr/>
+        <p:nvPr/>
+      </p:nvGrpSpPr>
+      <p:grpSpPr>
+        <a:xfrm>
+          <a:off x="0" y="0"/>
+          <a:ext cx="0" cy="0"/>
+          <a:chOff x="0" y="0"/>
+          <a:chExt cx="0" cy="0"/>
+        </a:xfrm>
+      </p:grpSpPr>
       <p:sp>
         <p:nvSpPr>
           <p:cNvPr id="3" name="Inhaltsplatzhalter 2"/>
@@ -11066,7 +16906,7 @@
             <a:fld id="{9E82CC3C-1DC0-4FDA-9590-6CC506AB67F8}" type="slidenum">
               <a:rPr lang="de-DE" smtClean="0"/>
               <a:pPr/>
-              <a:t>2</a:t>
+              <a:t>8</a:t>
             </a:fld>
             <a:endParaRPr lang="de-DE" dirty="0"/>
           </a:p>
@@ -11123,10 +16963,17 @@
   <p:clrMapOvr>
     <a:masterClrMapping/>
   </p:clrMapOvr>
+  <p:timing>
+    <p:tnLst>
+      <p:par>
+        <p:cTn id="1" dur="indefinite" restart="never" nodeType="tmRoot"/>
+      </p:par>
+    </p:tnLst>
+  </p:timing>
 </p:sld>
 </file>
 
-<file path=ppt/slides/slide3.xml><?xml version="1.0" encoding="utf-8"?>
+<file path=ppt/slides/slide9.xml><?xml version="1.0" encoding="utf-8"?>
 <p:sld xmlns:a="http://schemas.openxmlformats.org/drawingml/2006/main" xmlns:r="http://schemas.openxmlformats.org/officeDocument/2006/relationships" xmlns:p="http://schemas.openxmlformats.org/presentationml/2006/main">
   <p:cSld>
     <p:spTree>
@@ -11344,6 +17191,13 @@
   <p:clrMapOvr>
     <a:masterClrMapping/>
   </p:clrMapOvr>
+  <p:timing>
+    <p:tnLst>
+      <p:par>
+        <p:cTn id="1" dur="indefinite" restart="never" nodeType="tmRoot"/>
+      </p:par>
+    </p:tnLst>
+  </p:timing>
 </p:sld>
 </file>
 

--- a/Praesentationen/Abschlussvortrag.pptx
+++ b/Praesentationen/Abschlussvortrag.pptx
@@ -5,10 +5,10 @@
     <p:sldMasterId id="2147483660" r:id="rId1"/>
   </p:sldMasterIdLst>
   <p:notesMasterIdLst>
-    <p:notesMasterId r:id="rId11"/>
+    <p:notesMasterId r:id="rId26"/>
   </p:notesMasterIdLst>
   <p:handoutMasterIdLst>
-    <p:handoutMasterId r:id="rId12"/>
+    <p:handoutMasterId r:id="rId27"/>
   </p:handoutMasterIdLst>
   <p:sldIdLst>
     <p:sldId id="258" r:id="rId2"/>
@@ -18,8 +18,23 @@
     <p:sldId id="298" r:id="rId6"/>
     <p:sldId id="299" r:id="rId7"/>
     <p:sldId id="300" r:id="rId8"/>
-    <p:sldId id="261" r:id="rId9"/>
-    <p:sldId id="293" r:id="rId10"/>
+    <p:sldId id="301" r:id="rId9"/>
+    <p:sldId id="302" r:id="rId10"/>
+    <p:sldId id="303" r:id="rId11"/>
+    <p:sldId id="304" r:id="rId12"/>
+    <p:sldId id="305" r:id="rId13"/>
+    <p:sldId id="306" r:id="rId14"/>
+    <p:sldId id="307" r:id="rId15"/>
+    <p:sldId id="308" r:id="rId16"/>
+    <p:sldId id="309" r:id="rId17"/>
+    <p:sldId id="312" r:id="rId18"/>
+    <p:sldId id="313" r:id="rId19"/>
+    <p:sldId id="314" r:id="rId20"/>
+    <p:sldId id="315" r:id="rId21"/>
+    <p:sldId id="310" r:id="rId22"/>
+    <p:sldId id="311" r:id="rId23"/>
+    <p:sldId id="261" r:id="rId24"/>
+    <p:sldId id="293" r:id="rId25"/>
   </p:sldIdLst>
   <p:sldSz cx="9144000" cy="5715000" type="screen16x10"/>
   <p:notesSz cx="6858000" cy="9144000"/>
@@ -127,6 +142,12 @@
     </p:ext>
   </p:extLst>
 </p:presentation>
+</file>
+
+<file path=ppt/commentAuthors.xml><?xml version="1.0" encoding="utf-8"?>
+<p:cmAuthorLst xmlns:a="http://schemas.openxmlformats.org/drawingml/2006/main" xmlns:r="http://schemas.openxmlformats.org/officeDocument/2006/relationships" xmlns:p="http://schemas.openxmlformats.org/presentationml/2006/main">
+  <p:cmAuthor id="2" name="Autor" initials="A" lastIdx="0" clrIdx="1"/>
+</p:cmAuthorLst>
 </file>
 
 <file path=ppt/diagrams/colors1.xml><?xml version="1.0" encoding="utf-8"?>
@@ -898,11 +919,11 @@
         <a:lstStyle/>
         <a:p>
           <a:r>
-            <a:rPr lang="en-US" dirty="0" smtClean="0"/>
+            <a:rPr lang="en-US" dirty="0"/>
             <a:t>Motivation und </a:t>
           </a:r>
           <a:r>
-            <a:rPr lang="en-US" dirty="0" err="1" smtClean="0"/>
+            <a:rPr lang="en-US" dirty="0" err="1"/>
             <a:t>Aufgabenstellung</a:t>
           </a:r>
           <a:endParaRPr lang="en-US" dirty="0"/>
@@ -939,31 +960,31 @@
         <a:lstStyle/>
         <a:p>
           <a:r>
-            <a:rPr lang="en-US" dirty="0" err="1" smtClean="0"/>
+            <a:rPr lang="en-US" dirty="0" err="1"/>
             <a:t>Grundlagen</a:t>
           </a:r>
           <a:r>
-            <a:rPr lang="en-US" dirty="0" smtClean="0"/>
+            <a:rPr lang="en-US" dirty="0"/>
             <a:t> </a:t>
           </a:r>
           <a:r>
-            <a:rPr lang="en-US" dirty="0" err="1" smtClean="0"/>
+            <a:rPr lang="en-US" dirty="0" err="1"/>
             <a:t>kontinuierliches</a:t>
           </a:r>
           <a:r>
-            <a:rPr lang="en-US" dirty="0" smtClean="0"/>
+            <a:rPr lang="en-US" dirty="0"/>
             <a:t>/</a:t>
           </a:r>
           <a:r>
-            <a:rPr lang="en-US" dirty="0" err="1" smtClean="0"/>
+            <a:rPr lang="en-US" dirty="0" err="1"/>
             <a:t>verteiltes</a:t>
           </a:r>
           <a:r>
-            <a:rPr lang="en-US" dirty="0" smtClean="0"/>
+            <a:rPr lang="en-US" dirty="0"/>
             <a:t> </a:t>
           </a:r>
           <a:r>
-            <a:rPr lang="en-US" dirty="0" err="1" smtClean="0"/>
+            <a:rPr lang="en-US" dirty="0" err="1"/>
             <a:t>Lernen</a:t>
           </a:r>
           <a:endParaRPr lang="en-US" dirty="0"/>
@@ -1000,23 +1021,23 @@
         <a:lstStyle/>
         <a:p>
           <a:r>
-            <a:rPr lang="en-US" dirty="0" err="1" smtClean="0"/>
+            <a:rPr lang="en-US" dirty="0" err="1"/>
             <a:t>Konzeption</a:t>
           </a:r>
           <a:r>
-            <a:rPr lang="en-US" dirty="0" smtClean="0"/>
+            <a:rPr lang="en-US" dirty="0"/>
             <a:t> L DNN und </a:t>
           </a:r>
           <a:r>
-            <a:rPr lang="en-US" dirty="0" err="1" smtClean="0"/>
+            <a:rPr lang="en-US" dirty="0" err="1"/>
             <a:t>prototypische</a:t>
           </a:r>
           <a:r>
-            <a:rPr lang="en-US" dirty="0" smtClean="0"/>
+            <a:rPr lang="en-US" dirty="0"/>
             <a:t> </a:t>
           </a:r>
           <a:r>
-            <a:rPr lang="en-US" dirty="0" err="1" smtClean="0"/>
+            <a:rPr lang="en-US" dirty="0" err="1"/>
             <a:t>Umsetzung</a:t>
           </a:r>
           <a:endParaRPr lang="en-US" dirty="0"/>
@@ -1053,7 +1074,7 @@
         <a:lstStyle/>
         <a:p>
           <a:r>
-            <a:rPr lang="en-US" dirty="0" err="1" smtClean="0"/>
+            <a:rPr lang="en-US" dirty="0" err="1"/>
             <a:t>Evaluierung</a:t>
           </a:r>
           <a:endParaRPr lang="en-US" dirty="0"/>
@@ -1090,10 +1111,9 @@
         <a:lstStyle/>
         <a:p>
           <a:r>
-            <a:rPr lang="en-US" dirty="0" smtClean="0"/>
+            <a:rPr lang="en-US" dirty="0"/>
             <a:t>Demonstrator</a:t>
           </a:r>
-          <a:endParaRPr lang="en-US" dirty="0"/>
         </a:p>
       </dgm:t>
     </dgm:pt>
@@ -1127,15 +1147,15 @@
         <a:lstStyle/>
         <a:p>
           <a:r>
-            <a:rPr lang="en-US" dirty="0" err="1" smtClean="0"/>
+            <a:rPr lang="en-US" dirty="0" err="1"/>
             <a:t>Zusammenfassung</a:t>
           </a:r>
           <a:r>
-            <a:rPr lang="en-US" dirty="0" smtClean="0"/>
+            <a:rPr lang="en-US" dirty="0"/>
             <a:t> und </a:t>
           </a:r>
           <a:r>
-            <a:rPr lang="en-US" dirty="0" err="1" smtClean="0"/>
+            <a:rPr lang="en-US" dirty="0" err="1"/>
             <a:t>Ausblick</a:t>
           </a:r>
           <a:endParaRPr lang="en-US" dirty="0"/>
@@ -1285,13 +1305,6 @@
         </dgm:presLayoutVars>
       </dgm:prSet>
       <dgm:spPr/>
-      <dgm:t>
-        <a:bodyPr/>
-        <a:lstStyle/>
-        <a:p>
-          <a:endParaRPr lang="en-US"/>
-        </a:p>
-      </dgm:t>
     </dgm:pt>
     <dgm:pt modelId="{DB0D30BA-3DB8-4A37-A021-4D2228F6EE47}" type="pres">
       <dgm:prSet presAssocID="{15711590-AEEB-4BD9-83A8-5092369CE7BA}" presName="accent_6" presStyleCnt="0"/>
@@ -1304,19 +1317,19 @@
   </dgm:ptLst>
   <dgm:cxnLst>
     <dgm:cxn modelId="{6485B61F-72AC-4CAB-821D-5E990BB6F07C}" srcId="{9DF29312-D27D-475E-8DFA-9E5E43FADCBC}" destId="{C5B3FA43-DB75-4968-BFBB-04E2E43A74D3}" srcOrd="4" destOrd="0" parTransId="{3D2CC500-4D81-47EB-B0F2-741BB322E6B7}" sibTransId="{AF721675-7C6A-4882-A422-5D0772184E40}"/>
+    <dgm:cxn modelId="{E3BA583A-BEF4-4CB1-88E9-6ABA22E8A141}" type="presOf" srcId="{91D3B272-70FD-4EC3-BC92-4A3A4E1A92DF}" destId="{7F4EA0ED-FB33-4B32-A14F-FA87040F38AC}" srcOrd="0" destOrd="0" presId="urn:microsoft.com/office/officeart/2008/layout/VerticalCurvedList"/>
+    <dgm:cxn modelId="{010BDC5F-A2FC-4CF7-A316-9B351C366CE6}" srcId="{9DF29312-D27D-475E-8DFA-9E5E43FADCBC}" destId="{15711590-AEEB-4BD9-83A8-5092369CE7BA}" srcOrd="5" destOrd="0" parTransId="{B66AC2E2-72E2-48DC-9BC3-28BB9B041F71}" sibTransId="{47E27426-BFDC-47CA-9683-250FAA828F16}"/>
+    <dgm:cxn modelId="{018F8F61-44FE-4C93-865C-DDD70A160A3B}" type="presOf" srcId="{5DB25E82-94B4-4218-BB75-9F18CF863891}" destId="{A29685B3-AA43-4F7F-AA2E-C21F70C4F5B6}" srcOrd="0" destOrd="0" presId="urn:microsoft.com/office/officeart/2008/layout/VerticalCurvedList"/>
+    <dgm:cxn modelId="{6B83F042-5E12-4863-AF82-9D374B73F274}" type="presOf" srcId="{9DF29312-D27D-475E-8DFA-9E5E43FADCBC}" destId="{703D11E7-4190-4AE8-A79D-8298483D7D69}" srcOrd="0" destOrd="0" presId="urn:microsoft.com/office/officeart/2008/layout/VerticalCurvedList"/>
+    <dgm:cxn modelId="{58556245-C913-4E51-9AC4-5C78403D8EBD}" srcId="{9DF29312-D27D-475E-8DFA-9E5E43FADCBC}" destId="{5DB25E82-94B4-4218-BB75-9F18CF863891}" srcOrd="3" destOrd="0" parTransId="{DE919934-B51E-4340-A612-D8210C3BE3C4}" sibTransId="{EFE52ADB-BC84-4114-9380-4C9C43AAAD09}"/>
+    <dgm:cxn modelId="{A686EC51-3969-4012-B169-06AC0DD4CD29}" srcId="{9DF29312-D27D-475E-8DFA-9E5E43FADCBC}" destId="{CE7B4CFF-1D42-4D8D-BAB8-B8862FE3539C}" srcOrd="1" destOrd="0" parTransId="{011CE999-E8CF-4D01-91F1-1888BAB92CAA}" sibTransId="{B4C1DF4D-EE9B-4923-AEC1-BE70DA325D1B}"/>
+    <dgm:cxn modelId="{6A0F5055-5F8E-4F22-AC88-67051799C687}" type="presOf" srcId="{15711590-AEEB-4BD9-83A8-5092369CE7BA}" destId="{CE7D15C3-47E9-43F9-A517-86250945D4DF}" srcOrd="0" destOrd="0" presId="urn:microsoft.com/office/officeart/2008/layout/VerticalCurvedList"/>
+    <dgm:cxn modelId="{CD984882-C97E-4CA9-8E9E-45D5CEE6B42C}" type="presOf" srcId="{CE7B4CFF-1D42-4D8D-BAB8-B8862FE3539C}" destId="{4224B6A1-41B5-4E17-9D30-AE1C1956DDAB}" srcOrd="0" destOrd="0" presId="urn:microsoft.com/office/officeart/2008/layout/VerticalCurvedList"/>
+    <dgm:cxn modelId="{7780848C-E694-461C-ACA9-BE3C12A1D3B3}" type="presOf" srcId="{511DE5EB-608A-484E-8C4F-3B54B730C4FF}" destId="{929B4C6B-8D9C-43CF-B00E-D1429ECE0EA1}" srcOrd="0" destOrd="0" presId="urn:microsoft.com/office/officeart/2008/layout/VerticalCurvedList"/>
+    <dgm:cxn modelId="{C1FCF59E-7FDA-4B97-837F-3EEF40C730AC}" srcId="{9DF29312-D27D-475E-8DFA-9E5E43FADCBC}" destId="{85478C1D-C049-4CFE-8DC9-B9A30F3A7ED4}" srcOrd="2" destOrd="0" parTransId="{F14C44C6-58BE-4348-B55C-E89FD625BB6F}" sibTransId="{E7ED69F2-F6F2-4DE0-A9F6-39D4B177F23B}"/>
     <dgm:cxn modelId="{0023F3DF-F1A2-4201-A442-84E498B65AEC}" type="presOf" srcId="{C5B3FA43-DB75-4968-BFBB-04E2E43A74D3}" destId="{6A5F191F-24D1-4D59-BD25-7527BCC2D4CB}" srcOrd="0" destOrd="0" presId="urn:microsoft.com/office/officeart/2008/layout/VerticalCurvedList"/>
+    <dgm:cxn modelId="{1DC30CE1-651F-4E7A-A8E9-B54EF689F90C}" type="presOf" srcId="{85478C1D-C049-4CFE-8DC9-B9A30F3A7ED4}" destId="{6F83770D-E0BB-481F-9048-CBDF30AB9C0F}" srcOrd="0" destOrd="0" presId="urn:microsoft.com/office/officeart/2008/layout/VerticalCurvedList"/>
     <dgm:cxn modelId="{32051BE3-AE1B-446A-9ED2-9D6BBDDABC6F}" srcId="{9DF29312-D27D-475E-8DFA-9E5E43FADCBC}" destId="{91D3B272-70FD-4EC3-BC92-4A3A4E1A92DF}" srcOrd="0" destOrd="0" parTransId="{500838D3-4879-4431-8527-3194627C31CC}" sibTransId="{511DE5EB-608A-484E-8C4F-3B54B730C4FF}"/>
-    <dgm:cxn modelId="{E3BA583A-BEF4-4CB1-88E9-6ABA22E8A141}" type="presOf" srcId="{91D3B272-70FD-4EC3-BC92-4A3A4E1A92DF}" destId="{7F4EA0ED-FB33-4B32-A14F-FA87040F38AC}" srcOrd="0" destOrd="0" presId="urn:microsoft.com/office/officeart/2008/layout/VerticalCurvedList"/>
-    <dgm:cxn modelId="{1DC30CE1-651F-4E7A-A8E9-B54EF689F90C}" type="presOf" srcId="{85478C1D-C049-4CFE-8DC9-B9A30F3A7ED4}" destId="{6F83770D-E0BB-481F-9048-CBDF30AB9C0F}" srcOrd="0" destOrd="0" presId="urn:microsoft.com/office/officeart/2008/layout/VerticalCurvedList"/>
-    <dgm:cxn modelId="{A686EC51-3969-4012-B169-06AC0DD4CD29}" srcId="{9DF29312-D27D-475E-8DFA-9E5E43FADCBC}" destId="{CE7B4CFF-1D42-4D8D-BAB8-B8862FE3539C}" srcOrd="1" destOrd="0" parTransId="{011CE999-E8CF-4D01-91F1-1888BAB92CAA}" sibTransId="{B4C1DF4D-EE9B-4923-AEC1-BE70DA325D1B}"/>
-    <dgm:cxn modelId="{58556245-C913-4E51-9AC4-5C78403D8EBD}" srcId="{9DF29312-D27D-475E-8DFA-9E5E43FADCBC}" destId="{5DB25E82-94B4-4218-BB75-9F18CF863891}" srcOrd="3" destOrd="0" parTransId="{DE919934-B51E-4340-A612-D8210C3BE3C4}" sibTransId="{EFE52ADB-BC84-4114-9380-4C9C43AAAD09}"/>
-    <dgm:cxn modelId="{6B83F042-5E12-4863-AF82-9D374B73F274}" type="presOf" srcId="{9DF29312-D27D-475E-8DFA-9E5E43FADCBC}" destId="{703D11E7-4190-4AE8-A79D-8298483D7D69}" srcOrd="0" destOrd="0" presId="urn:microsoft.com/office/officeart/2008/layout/VerticalCurvedList"/>
-    <dgm:cxn modelId="{CD984882-C97E-4CA9-8E9E-45D5CEE6B42C}" type="presOf" srcId="{CE7B4CFF-1D42-4D8D-BAB8-B8862FE3539C}" destId="{4224B6A1-41B5-4E17-9D30-AE1C1956DDAB}" srcOrd="0" destOrd="0" presId="urn:microsoft.com/office/officeart/2008/layout/VerticalCurvedList"/>
-    <dgm:cxn modelId="{018F8F61-44FE-4C93-865C-DDD70A160A3B}" type="presOf" srcId="{5DB25E82-94B4-4218-BB75-9F18CF863891}" destId="{A29685B3-AA43-4F7F-AA2E-C21F70C4F5B6}" srcOrd="0" destOrd="0" presId="urn:microsoft.com/office/officeart/2008/layout/VerticalCurvedList"/>
-    <dgm:cxn modelId="{C1FCF59E-7FDA-4B97-837F-3EEF40C730AC}" srcId="{9DF29312-D27D-475E-8DFA-9E5E43FADCBC}" destId="{85478C1D-C049-4CFE-8DC9-B9A30F3A7ED4}" srcOrd="2" destOrd="0" parTransId="{F14C44C6-58BE-4348-B55C-E89FD625BB6F}" sibTransId="{E7ED69F2-F6F2-4DE0-A9F6-39D4B177F23B}"/>
-    <dgm:cxn modelId="{010BDC5F-A2FC-4CF7-A316-9B351C366CE6}" srcId="{9DF29312-D27D-475E-8DFA-9E5E43FADCBC}" destId="{15711590-AEEB-4BD9-83A8-5092369CE7BA}" srcOrd="5" destOrd="0" parTransId="{B66AC2E2-72E2-48DC-9BC3-28BB9B041F71}" sibTransId="{47E27426-BFDC-47CA-9683-250FAA828F16}"/>
-    <dgm:cxn modelId="{7780848C-E694-461C-ACA9-BE3C12A1D3B3}" type="presOf" srcId="{511DE5EB-608A-484E-8C4F-3B54B730C4FF}" destId="{929B4C6B-8D9C-43CF-B00E-D1429ECE0EA1}" srcOrd="0" destOrd="0" presId="urn:microsoft.com/office/officeart/2008/layout/VerticalCurvedList"/>
-    <dgm:cxn modelId="{6A0F5055-5F8E-4F22-AC88-67051799C687}" type="presOf" srcId="{15711590-AEEB-4BD9-83A8-5092369CE7BA}" destId="{CE7D15C3-47E9-43F9-A517-86250945D4DF}" srcOrd="0" destOrd="0" presId="urn:microsoft.com/office/officeart/2008/layout/VerticalCurvedList"/>
     <dgm:cxn modelId="{131E8C22-EE27-4118-B87C-84DC9109E950}" type="presParOf" srcId="{703D11E7-4190-4AE8-A79D-8298483D7D69}" destId="{3DD28FF0-3F4D-481C-98EC-1026B24F9CAE}" srcOrd="0" destOrd="0" presId="urn:microsoft.com/office/officeart/2008/layout/VerticalCurvedList"/>
     <dgm:cxn modelId="{5496A2AA-D841-48FB-A27A-E97203B94F6E}" type="presParOf" srcId="{3DD28FF0-3F4D-481C-98EC-1026B24F9CAE}" destId="{88C6A2AF-5135-46EF-BF1B-054BD598C8D9}" srcOrd="0" destOrd="0" presId="urn:microsoft.com/office/officeart/2008/layout/VerticalCurvedList"/>
     <dgm:cxn modelId="{6774CEF9-9DD5-4F0E-8B43-B3D0EC39EBD6}" type="presParOf" srcId="{88C6A2AF-5135-46EF-BF1B-054BD598C8D9}" destId="{0D0A17C7-086B-4A5F-867B-2540E918100C}" srcOrd="0" destOrd="0" presId="urn:microsoft.com/office/officeart/2008/layout/VerticalCurvedList"/>
@@ -1461,7 +1474,7 @@
         </a:bodyPr>
         <a:lstStyle/>
         <a:p>
-          <a:pPr lvl="0" algn="l" defTabSz="889000">
+          <a:pPr marL="0" lvl="0" indent="0" algn="l" defTabSz="889000">
             <a:lnSpc>
               <a:spcPct val="90000"/>
             </a:lnSpc>
@@ -1471,13 +1484,14 @@
             <a:spcAft>
               <a:spcPct val="35000"/>
             </a:spcAft>
+            <a:buNone/>
           </a:pPr>
           <a:r>
-            <a:rPr lang="en-US" sz="2000" kern="1200" dirty="0" smtClean="0"/>
+            <a:rPr lang="en-US" sz="2000" kern="1200" dirty="0"/>
             <a:t>Motivation und </a:t>
           </a:r>
           <a:r>
-            <a:rPr lang="en-US" sz="2000" kern="1200" dirty="0" err="1" smtClean="0"/>
+            <a:rPr lang="en-US" sz="2000" kern="1200" dirty="0" err="1"/>
             <a:t>Aufgabenstellung</a:t>
           </a:r>
           <a:endParaRPr lang="en-US" sz="2000" kern="1200" dirty="0"/>
@@ -1591,7 +1605,7 @@
         </a:bodyPr>
         <a:lstStyle/>
         <a:p>
-          <a:pPr lvl="0" algn="l" defTabSz="889000">
+          <a:pPr marL="0" lvl="0" indent="0" algn="l" defTabSz="889000">
             <a:lnSpc>
               <a:spcPct val="90000"/>
             </a:lnSpc>
@@ -1601,33 +1615,34 @@
             <a:spcAft>
               <a:spcPct val="35000"/>
             </a:spcAft>
+            <a:buNone/>
           </a:pPr>
           <a:r>
-            <a:rPr lang="en-US" sz="2000" kern="1200" dirty="0" err="1" smtClean="0"/>
+            <a:rPr lang="en-US" sz="2000" kern="1200" dirty="0" err="1"/>
             <a:t>Grundlagen</a:t>
           </a:r>
           <a:r>
-            <a:rPr lang="en-US" sz="2000" kern="1200" dirty="0" smtClean="0"/>
+            <a:rPr lang="en-US" sz="2000" kern="1200" dirty="0"/>
             <a:t> </a:t>
           </a:r>
           <a:r>
-            <a:rPr lang="en-US" sz="2000" kern="1200" dirty="0" err="1" smtClean="0"/>
+            <a:rPr lang="en-US" sz="2000" kern="1200" dirty="0" err="1"/>
             <a:t>kontinuierliches</a:t>
           </a:r>
           <a:r>
-            <a:rPr lang="en-US" sz="2000" kern="1200" dirty="0" smtClean="0"/>
+            <a:rPr lang="en-US" sz="2000" kern="1200" dirty="0"/>
             <a:t>/</a:t>
           </a:r>
           <a:r>
-            <a:rPr lang="en-US" sz="2000" kern="1200" dirty="0" err="1" smtClean="0"/>
+            <a:rPr lang="en-US" sz="2000" kern="1200" dirty="0" err="1"/>
             <a:t>verteiltes</a:t>
           </a:r>
           <a:r>
-            <a:rPr lang="en-US" sz="2000" kern="1200" dirty="0" smtClean="0"/>
+            <a:rPr lang="en-US" sz="2000" kern="1200" dirty="0"/>
             <a:t> </a:t>
           </a:r>
           <a:r>
-            <a:rPr lang="en-US" sz="2000" kern="1200" dirty="0" err="1" smtClean="0"/>
+            <a:rPr lang="en-US" sz="2000" kern="1200" dirty="0" err="1"/>
             <a:t>Lernen</a:t>
           </a:r>
           <a:endParaRPr lang="en-US" sz="2000" kern="1200" dirty="0"/>
@@ -1741,7 +1756,7 @@
         </a:bodyPr>
         <a:lstStyle/>
         <a:p>
-          <a:pPr lvl="0" algn="l" defTabSz="889000">
+          <a:pPr marL="0" lvl="0" indent="0" algn="l" defTabSz="889000">
             <a:lnSpc>
               <a:spcPct val="90000"/>
             </a:lnSpc>
@@ -1751,25 +1766,26 @@
             <a:spcAft>
               <a:spcPct val="35000"/>
             </a:spcAft>
+            <a:buNone/>
           </a:pPr>
           <a:r>
-            <a:rPr lang="en-US" sz="2000" kern="1200" dirty="0" err="1" smtClean="0"/>
+            <a:rPr lang="en-US" sz="2000" kern="1200" dirty="0" err="1"/>
             <a:t>Konzeption</a:t>
           </a:r>
           <a:r>
-            <a:rPr lang="en-US" sz="2000" kern="1200" dirty="0" smtClean="0"/>
+            <a:rPr lang="en-US" sz="2000" kern="1200" dirty="0"/>
             <a:t> L DNN und </a:t>
           </a:r>
           <a:r>
-            <a:rPr lang="en-US" sz="2000" kern="1200" dirty="0" err="1" smtClean="0"/>
+            <a:rPr lang="en-US" sz="2000" kern="1200" dirty="0" err="1"/>
             <a:t>prototypische</a:t>
           </a:r>
           <a:r>
-            <a:rPr lang="en-US" sz="2000" kern="1200" dirty="0" smtClean="0"/>
+            <a:rPr lang="en-US" sz="2000" kern="1200" dirty="0"/>
             <a:t> </a:t>
           </a:r>
           <a:r>
-            <a:rPr lang="en-US" sz="2000" kern="1200" dirty="0" err="1" smtClean="0"/>
+            <a:rPr lang="en-US" sz="2000" kern="1200" dirty="0" err="1"/>
             <a:t>Umsetzung</a:t>
           </a:r>
           <a:endParaRPr lang="en-US" sz="2000" kern="1200" dirty="0"/>
@@ -1883,7 +1899,7 @@
         </a:bodyPr>
         <a:lstStyle/>
         <a:p>
-          <a:pPr lvl="0" algn="l" defTabSz="889000">
+          <a:pPr marL="0" lvl="0" indent="0" algn="l" defTabSz="889000">
             <a:lnSpc>
               <a:spcPct val="90000"/>
             </a:lnSpc>
@@ -1893,9 +1909,10 @@
             <a:spcAft>
               <a:spcPct val="35000"/>
             </a:spcAft>
+            <a:buNone/>
           </a:pPr>
           <a:r>
-            <a:rPr lang="en-US" sz="2000" kern="1200" dirty="0" err="1" smtClean="0"/>
+            <a:rPr lang="en-US" sz="2000" kern="1200" dirty="0" err="1"/>
             <a:t>Evaluierung</a:t>
           </a:r>
           <a:endParaRPr lang="en-US" sz="2000" kern="1200" dirty="0"/>
@@ -2009,7 +2026,7 @@
         </a:bodyPr>
         <a:lstStyle/>
         <a:p>
-          <a:pPr lvl="0" algn="l" defTabSz="889000">
+          <a:pPr marL="0" lvl="0" indent="0" algn="l" defTabSz="889000">
             <a:lnSpc>
               <a:spcPct val="90000"/>
             </a:lnSpc>
@@ -2019,12 +2036,12 @@
             <a:spcAft>
               <a:spcPct val="35000"/>
             </a:spcAft>
+            <a:buNone/>
           </a:pPr>
           <a:r>
-            <a:rPr lang="en-US" sz="2000" kern="1200" dirty="0" smtClean="0"/>
+            <a:rPr lang="en-US" sz="2000" kern="1200" dirty="0"/>
             <a:t>Demonstrator</a:t>
           </a:r>
-          <a:endParaRPr lang="en-US" sz="2000" kern="1200" dirty="0"/>
         </a:p>
       </dsp:txBody>
       <dsp:txXfrm>
@@ -2135,7 +2152,7 @@
         </a:bodyPr>
         <a:lstStyle/>
         <a:p>
-          <a:pPr lvl="0" algn="l" defTabSz="889000">
+          <a:pPr marL="0" lvl="0" indent="0" algn="l" defTabSz="889000">
             <a:lnSpc>
               <a:spcPct val="90000"/>
             </a:lnSpc>
@@ -2145,17 +2162,18 @@
             <a:spcAft>
               <a:spcPct val="35000"/>
             </a:spcAft>
+            <a:buNone/>
           </a:pPr>
           <a:r>
-            <a:rPr lang="en-US" sz="2000" kern="1200" dirty="0" err="1" smtClean="0"/>
+            <a:rPr lang="en-US" sz="2000" kern="1200" dirty="0" err="1"/>
             <a:t>Zusammenfassung</a:t>
           </a:r>
           <a:r>
-            <a:rPr lang="en-US" sz="2000" kern="1200" dirty="0" smtClean="0"/>
+            <a:rPr lang="en-US" sz="2000" kern="1200" dirty="0"/>
             <a:t> und </a:t>
           </a:r>
           <a:r>
-            <a:rPr lang="en-US" sz="2000" kern="1200" dirty="0" err="1" smtClean="0"/>
+            <a:rPr lang="en-US" sz="2000" kern="1200" dirty="0" err="1"/>
             <a:t>Ausblick</a:t>
           </a:r>
           <a:endParaRPr lang="en-US" sz="2000" kern="1200" dirty="0"/>
@@ -4616,7 +4634,7 @@
             <a:pPr algn="l"/>
             <a:fld id="{05678B58-29F7-43B5-A88E-F84FB71302E5}" type="datetime1">
               <a:rPr lang="de-DE" sz="800" smtClean="0"/>
-              <a:t>01.10.2019</a:t>
+              <a:t>03.10.2019</a:t>
             </a:fld>
             <a:endParaRPr lang="en-US" sz="800"/>
           </a:p>
@@ -4687,7 +4705,7 @@
             <a:fld id="{EE9A79A6-2547-4C8F-B0ED-316280A1A122}" type="slidenum">
               <a:rPr lang="en-US" sz="800" smtClean="0"/>
               <a:pPr algn="l"/>
-              <a:t>‹#›</a:t>
+              <a:t>‹Nr.›</a:t>
             </a:fld>
             <a:endParaRPr lang="en-US" sz="800"/>
           </a:p>
@@ -4811,7 +4829,7 @@
           <a:p>
             <a:fld id="{524274F6-90C8-4C85-888C-18FA9E2C0D49}" type="datetime1">
               <a:rPr lang="de-DE" smtClean="0"/>
-              <a:t>01.10.2019</a:t>
+              <a:t>03.10.2019</a:t>
             </a:fld>
             <a:endParaRPr lang="en-US"/>
           </a:p>
@@ -4975,7 +4993,7 @@
             <a:fld id="{05DD1DF0-DD4E-4B0C-B0FD-D16D9D2A9750}" type="slidenum">
               <a:rPr lang="en-US" smtClean="0"/>
               <a:pPr/>
-              <a:t>‹#›</a:t>
+              <a:t>‹Nr.›</a:t>
             </a:fld>
             <a:endParaRPr lang="en-US"/>
           </a:p>
@@ -5226,7 +5244,7 @@
           <a:p>
             <a:fld id="{D8AC4B44-BCE5-4AC0-8DC9-C90CC9E46EC2}" type="datetime1">
               <a:rPr lang="de-DE" smtClean="0"/>
-              <a:t>01.10.2019</a:t>
+              <a:t>03.10.2019</a:t>
             </a:fld>
             <a:endParaRPr lang="en-US"/>
           </a:p>
@@ -5273,7 +5291,7 @@
             <a:fld id="{05DD1DF0-DD4E-4B0C-B0FD-D16D9D2A9750}" type="slidenum">
               <a:rPr lang="en-US" smtClean="0"/>
               <a:pPr/>
-              <a:t>8</a:t>
+              <a:t>23</a:t>
             </a:fld>
             <a:endParaRPr lang="en-US"/>
           </a:p>
@@ -5666,7 +5684,7 @@
           <a:p>
             <a:fld id="{EA98A628-7172-4A4C-A92C-F4FBC462B603}" type="datetime1">
               <a:rPr lang="de-DE" smtClean="0"/>
-              <a:t>01.10.2019</a:t>
+              <a:t>03.10.2019</a:t>
             </a:fld>
             <a:endParaRPr lang="de-DE" dirty="0"/>
           </a:p>
@@ -5712,7 +5730,7 @@
           <a:p>
             <a:fld id="{9E82CC3C-1DC0-4FDA-9590-6CC506AB67F8}" type="slidenum">
               <a:rPr lang="de-DE" smtClean="0"/>
-              <a:t>‹#›</a:t>
+              <a:t>‹Nr.›</a:t>
             </a:fld>
             <a:endParaRPr lang="de-DE" dirty="0"/>
           </a:p>
@@ -6104,7 +6122,7 @@
           <a:p>
             <a:fld id="{66A0115B-BFC9-482D-B28A-947538CA7DD8}" type="datetime1">
               <a:rPr lang="de-DE" smtClean="0"/>
-              <a:t>01.10.2019</a:t>
+              <a:t>03.10.2019</a:t>
             </a:fld>
             <a:endParaRPr lang="de-DE" dirty="0"/>
           </a:p>
@@ -6151,7 +6169,7 @@
             <a:fld id="{9E82CC3C-1DC0-4FDA-9590-6CC506AB67F8}" type="slidenum">
               <a:rPr lang="de-DE" smtClean="0"/>
               <a:pPr/>
-              <a:t>‹#›</a:t>
+              <a:t>‹Nr.›</a:t>
             </a:fld>
             <a:endParaRPr lang="de-DE" dirty="0"/>
           </a:p>
@@ -6667,7 +6685,7 @@
           <a:p>
             <a:fld id="{1A352950-E8A7-446F-9635-6156476737E1}" type="datetime1">
               <a:rPr lang="de-DE" smtClean="0"/>
-              <a:t>01.10.2019</a:t>
+              <a:t>03.10.2019</a:t>
             </a:fld>
             <a:endParaRPr lang="de-DE" dirty="0"/>
           </a:p>
@@ -6714,7 +6732,7 @@
             <a:fld id="{9E82CC3C-1DC0-4FDA-9590-6CC506AB67F8}" type="slidenum">
               <a:rPr lang="de-DE" smtClean="0"/>
               <a:pPr/>
-              <a:t>‹#›</a:t>
+              <a:t>‹Nr.›</a:t>
             </a:fld>
             <a:endParaRPr lang="de-DE" dirty="0"/>
           </a:p>
@@ -7030,7 +7048,7 @@
           <a:p>
             <a:fld id="{EA790DBB-EA43-4F1D-8076-AD78C4798713}" type="datetime1">
               <a:rPr lang="de-DE" smtClean="0"/>
-              <a:t>01.10.2019</a:t>
+              <a:t>03.10.2019</a:t>
             </a:fld>
             <a:endParaRPr lang="de-DE" dirty="0"/>
           </a:p>
@@ -7077,7 +7095,7 @@
             <a:fld id="{9E82CC3C-1DC0-4FDA-9590-6CC506AB67F8}" type="slidenum">
               <a:rPr lang="de-DE" smtClean="0"/>
               <a:pPr/>
-              <a:t>‹#›</a:t>
+              <a:t>‹Nr.›</a:t>
             </a:fld>
             <a:endParaRPr lang="de-DE" dirty="0"/>
           </a:p>
@@ -7625,7 +7643,7 @@
           <a:p>
             <a:fld id="{8AB42E23-2243-48C5-9F54-AE752A6DBAAF}" type="datetime1">
               <a:rPr lang="de-DE" smtClean="0"/>
-              <a:t>01.10.2019</a:t>
+              <a:t>03.10.2019</a:t>
             </a:fld>
             <a:endParaRPr lang="de-DE" dirty="0"/>
           </a:p>
@@ -7672,7 +7690,7 @@
             <a:fld id="{9E82CC3C-1DC0-4FDA-9590-6CC506AB67F8}" type="slidenum">
               <a:rPr lang="de-DE" smtClean="0"/>
               <a:pPr/>
-              <a:t>‹#›</a:t>
+              <a:t>‹Nr.›</a:t>
             </a:fld>
             <a:endParaRPr lang="de-DE" dirty="0"/>
           </a:p>
@@ -8440,7 +8458,7 @@
           <a:p>
             <a:fld id="{33793523-1E76-48CE-BCCA-9644B8CC78AE}" type="datetime1">
               <a:rPr lang="de-DE" smtClean="0"/>
-              <a:t>01.10.2019</a:t>
+              <a:t>03.10.2019</a:t>
             </a:fld>
             <a:endParaRPr lang="de-DE" dirty="0"/>
           </a:p>
@@ -8487,7 +8505,7 @@
             <a:fld id="{9E82CC3C-1DC0-4FDA-9590-6CC506AB67F8}" type="slidenum">
               <a:rPr lang="de-DE" smtClean="0"/>
               <a:pPr/>
-              <a:t>‹#›</a:t>
+              <a:t>‹Nr.›</a:t>
             </a:fld>
             <a:endParaRPr lang="de-DE" dirty="0"/>
           </a:p>
@@ -9430,7 +9448,7 @@
           <a:p>
             <a:fld id="{9493E625-385D-4E9A-9226-6C1BE89CFC6C}" type="datetime1">
               <a:rPr lang="de-DE" smtClean="0"/>
-              <a:t>01.10.2019</a:t>
+              <a:t>03.10.2019</a:t>
             </a:fld>
             <a:endParaRPr lang="de-DE" dirty="0"/>
           </a:p>
@@ -9476,7 +9494,7 @@
           <a:p>
             <a:fld id="{9E82CC3C-1DC0-4FDA-9590-6CC506AB67F8}" type="slidenum">
               <a:rPr lang="de-DE" smtClean="0"/>
-              <a:t>‹#›</a:t>
+              <a:t>‹Nr.›</a:t>
             </a:fld>
             <a:endParaRPr lang="de-DE" dirty="0"/>
           </a:p>
@@ -9585,7 +9603,7 @@
           <a:p>
             <a:fld id="{8061902C-06AC-41FE-818E-394A3F701640}" type="datetime1">
               <a:rPr lang="de-DE" smtClean="0"/>
-              <a:t>01.10.2019</a:t>
+              <a:t>03.10.2019</a:t>
             </a:fld>
             <a:endParaRPr lang="de-DE" dirty="0"/>
           </a:p>
@@ -9631,7 +9649,7 @@
           <a:p>
             <a:fld id="{9E82CC3C-1DC0-4FDA-9590-6CC506AB67F8}" type="slidenum">
               <a:rPr lang="de-DE" smtClean="0"/>
-              <a:t>‹#›</a:t>
+              <a:t>‹Nr.›</a:t>
             </a:fld>
             <a:endParaRPr lang="de-DE" dirty="0"/>
           </a:p>
@@ -12171,7 +12189,7 @@
           <a:p>
             <a:fld id="{92945389-04B4-460D-BD35-C57D41A2ECAA}" type="datetime1">
               <a:rPr lang="de-DE" smtClean="0"/>
-              <a:t>01.10.2019</a:t>
+              <a:t>03.10.2019</a:t>
             </a:fld>
             <a:endParaRPr lang="de-DE" dirty="0"/>
           </a:p>
@@ -12217,7 +12235,7 @@
           <a:p>
             <a:fld id="{9E82CC3C-1DC0-4FDA-9590-6CC506AB67F8}" type="slidenum">
               <a:rPr lang="de-DE" smtClean="0"/>
-              <a:t>‹#›</a:t>
+              <a:t>‹Nr.›</a:t>
             </a:fld>
             <a:endParaRPr lang="de-DE" dirty="0"/>
           </a:p>
@@ -12907,7 +12925,7 @@
           <a:p>
             <a:fld id="{DC531A50-22C7-48FE-9740-7229CB9EE850}" type="datetime1">
               <a:rPr lang="de-DE" smtClean="0"/>
-              <a:t>01.10.2019</a:t>
+              <a:t>03.10.2019</a:t>
             </a:fld>
             <a:endParaRPr lang="de-DE" dirty="0"/>
           </a:p>
@@ -12953,7 +12971,7 @@
           <a:p>
             <a:fld id="{9E82CC3C-1DC0-4FDA-9590-6CC506AB67F8}" type="slidenum">
               <a:rPr lang="de-DE" smtClean="0"/>
-              <a:t>‹#›</a:t>
+              <a:t>‹Nr.›</a:t>
             </a:fld>
             <a:endParaRPr lang="de-DE" dirty="0"/>
           </a:p>
@@ -13748,7 +13766,7 @@
           <a:p>
             <a:fld id="{1CA609B7-2FC3-4A12-B649-46E5D457F441}" type="datetime1">
               <a:rPr lang="de-DE" smtClean="0"/>
-              <a:t>01.10.2019</a:t>
+              <a:t>03.10.2019</a:t>
             </a:fld>
             <a:endParaRPr lang="de-DE" dirty="0"/>
           </a:p>
@@ -13794,7 +13812,7 @@
           <a:p>
             <a:fld id="{9E82CC3C-1DC0-4FDA-9590-6CC506AB67F8}" type="slidenum">
               <a:rPr lang="de-DE" smtClean="0"/>
-              <a:t>‹#›</a:t>
+              <a:t>‹Nr.›</a:t>
             </a:fld>
             <a:endParaRPr lang="de-DE" dirty="0"/>
           </a:p>
@@ -14028,7 +14046,7 @@
           <a:p>
             <a:fld id="{9304C072-D1E0-494E-8845-79EF4D433966}" type="datetime1">
               <a:rPr lang="de-DE" smtClean="0"/>
-              <a:t>01.10.2019</a:t>
+              <a:t>03.10.2019</a:t>
             </a:fld>
             <a:endParaRPr lang="de-DE" dirty="0"/>
           </a:p>
@@ -14074,7 +14092,7 @@
           <a:p>
             <a:fld id="{9E82CC3C-1DC0-4FDA-9590-6CC506AB67F8}" type="slidenum">
               <a:rPr lang="de-DE" smtClean="0"/>
-              <a:t>‹#›</a:t>
+              <a:t>‹Nr.›</a:t>
             </a:fld>
             <a:endParaRPr lang="de-DE" dirty="0"/>
           </a:p>
@@ -14365,7 +14383,7 @@
           <a:p>
             <a:fld id="{63E34EFC-B168-4600-AE6F-91896D204220}" type="datetime1">
               <a:rPr lang="de-DE" smtClean="0"/>
-              <a:t>01.10.2019</a:t>
+              <a:t>03.10.2019</a:t>
             </a:fld>
             <a:endParaRPr lang="de-DE" dirty="0"/>
           </a:p>
@@ -14411,7 +14429,7 @@
           <a:p>
             <a:fld id="{9E82CC3C-1DC0-4FDA-9590-6CC506AB67F8}" type="slidenum">
               <a:rPr lang="de-DE" smtClean="0"/>
-              <a:t>‹#›</a:t>
+              <a:t>‹Nr.›</a:t>
             </a:fld>
             <a:endParaRPr lang="de-DE" dirty="0"/>
           </a:p>
@@ -14699,7 +14717,7 @@
           <a:p>
             <a:fld id="{EC8B0251-818D-4F44-84C8-E48154B91DB0}" type="datetime1">
               <a:rPr lang="de-DE" smtClean="0"/>
-              <a:t>01.10.2019</a:t>
+              <a:t>03.10.2019</a:t>
             </a:fld>
             <a:endParaRPr lang="en-US"/>
           </a:p>
@@ -14782,7 +14800,7 @@
             <a:fld id="{9E82CC3C-1DC0-4FDA-9590-6CC506AB67F8}" type="slidenum">
               <a:rPr lang="en-US" smtClean="0"/>
               <a:pPr/>
-              <a:t>‹#›</a:t>
+              <a:t>‹Nr.›</a:t>
             </a:fld>
             <a:endParaRPr lang="en-US" dirty="0"/>
           </a:p>
@@ -15375,22 +15393,16 @@
               </a:buClr>
             </a:pPr>
             <a:r>
-              <a:rPr lang="de-DE" sz="800" dirty="0" smtClean="0"/>
+              <a:rPr lang="de-DE" sz="800" dirty="0"/>
               <a:t>[1] </a:t>
             </a:r>
             <a:r>
               <a:rPr lang="de-DE" sz="800" dirty="0">
                 <a:hlinkClick r:id="rId4"/>
               </a:rPr>
-              <a:t>https://www.mentorpath.com/project/8-ways-to-continue-learning-after-education-is-over</a:t>
-            </a:r>
-            <a:r>
-              <a:rPr lang="de-DE" sz="800" dirty="0" smtClean="0">
-                <a:hlinkClick r:id="rId4"/>
-              </a:rPr>
-              <a:t>/</a:t>
-            </a:r>
-            <a:endParaRPr lang="de-DE" sz="800" dirty="0" smtClean="0"/>
+              <a:t>https://www.mentorpath.com/project/8-ways-to-continue-learning-after-education-is-over/</a:t>
+            </a:r>
+            <a:endParaRPr lang="de-DE" sz="800" dirty="0"/>
           </a:p>
         </p:txBody>
       </p:sp>
@@ -15404,13 +15416,5030 @@
   <p:clrMapOvr>
     <a:masterClrMapping/>
   </p:clrMapOvr>
+</p:sld>
+</file>
+
+<file path=ppt/slides/slide10.xml><?xml version="1.0" encoding="utf-8"?>
+<p:sld xmlns:a="http://schemas.openxmlformats.org/drawingml/2006/main" xmlns:r="http://schemas.openxmlformats.org/officeDocument/2006/relationships" xmlns:p="http://schemas.openxmlformats.org/presentationml/2006/main">
+  <p:cSld>
+    <p:spTree>
+      <p:nvGrpSpPr>
+        <p:cNvPr id="1" name=""/>
+        <p:cNvGrpSpPr/>
+        <p:nvPr/>
+      </p:nvGrpSpPr>
+      <p:grpSpPr>
+        <a:xfrm>
+          <a:off x="0" y="0"/>
+          <a:ext cx="0" cy="0"/>
+          <a:chOff x="0" y="0"/>
+          <a:chExt cx="0" cy="0"/>
+        </a:xfrm>
+      </p:grpSpPr>
+      <p:sp>
+        <p:nvSpPr>
+          <p:cNvPr id="2" name="Inhaltsplatzhalter 1">
+            <a:extLst>
+              <a:ext uri="{FF2B5EF4-FFF2-40B4-BE49-F238E27FC236}">
+                <a16:creationId xmlns:a16="http://schemas.microsoft.com/office/drawing/2014/main" id="{2830BCA5-3ECC-4769-90EC-9E8FC064E7AC}"/>
+              </a:ext>
+            </a:extLst>
+          </p:cNvPr>
+          <p:cNvSpPr>
+            <a:spLocks noGrp="1"/>
+          </p:cNvSpPr>
+          <p:nvPr>
+            <p:ph idx="1"/>
+          </p:nvPr>
+        </p:nvSpPr>
+        <p:spPr/>
+        <p:txBody>
+          <a:bodyPr/>
+          <a:lstStyle/>
+          <a:p>
+            <a:r>
+              <a:rPr lang="en-GB" dirty="0" err="1"/>
+              <a:t>Daten</a:t>
+            </a:r>
+            <a:r>
+              <a:rPr lang="en-GB" dirty="0"/>
+              <a:t> </a:t>
+            </a:r>
+            <a:r>
+              <a:rPr lang="en-GB" dirty="0" err="1"/>
+              <a:t>liegen</a:t>
+            </a:r>
+            <a:r>
+              <a:rPr lang="en-GB" dirty="0"/>
+              <a:t> </a:t>
+            </a:r>
+            <a:r>
+              <a:rPr lang="en-GB" dirty="0" err="1"/>
+              <a:t>nur</a:t>
+            </a:r>
+            <a:r>
+              <a:rPr lang="en-GB" dirty="0"/>
+              <a:t> </a:t>
+            </a:r>
+            <a:r>
+              <a:rPr lang="en-GB" dirty="0" err="1"/>
+              <a:t>lokal</a:t>
+            </a:r>
+            <a:r>
+              <a:rPr lang="en-GB" dirty="0"/>
+              <a:t> </a:t>
+            </a:r>
+            <a:r>
+              <a:rPr lang="en-GB" dirty="0" err="1"/>
+              <a:t>vor</a:t>
+            </a:r>
+            <a:r>
+              <a:rPr lang="en-GB" dirty="0"/>
+              <a:t> (</a:t>
+            </a:r>
+            <a:r>
+              <a:rPr lang="en-GB" dirty="0" err="1"/>
+              <a:t>z.B</a:t>
+            </a:r>
+            <a:r>
+              <a:rPr lang="en-GB" dirty="0"/>
+              <a:t>. </a:t>
+            </a:r>
+            <a:r>
+              <a:rPr lang="en-GB" dirty="0" err="1"/>
+              <a:t>sicherheitskritische</a:t>
+            </a:r>
+            <a:r>
+              <a:rPr lang="en-GB" dirty="0"/>
+              <a:t> </a:t>
+            </a:r>
+            <a:r>
+              <a:rPr lang="en-GB" dirty="0" err="1"/>
+              <a:t>Daten</a:t>
+            </a:r>
+            <a:r>
+              <a:rPr lang="en-GB" dirty="0"/>
+              <a:t>) </a:t>
+            </a:r>
+            <a:r>
+              <a:rPr lang="en-GB" dirty="0">
+                <a:sym typeface="Wingdings" panose="05000000000000000000" pitchFamily="2" charset="2"/>
+              </a:rPr>
+              <a:t> </a:t>
+            </a:r>
+            <a:r>
+              <a:rPr lang="en-GB" dirty="0" err="1">
+                <a:sym typeface="Wingdings" panose="05000000000000000000" pitchFamily="2" charset="2"/>
+              </a:rPr>
+              <a:t>Verteiltes</a:t>
+            </a:r>
+            <a:r>
+              <a:rPr lang="en-GB" dirty="0">
+                <a:sym typeface="Wingdings" panose="05000000000000000000" pitchFamily="2" charset="2"/>
+              </a:rPr>
+              <a:t> </a:t>
+            </a:r>
+            <a:r>
+              <a:rPr lang="en-GB" dirty="0" err="1">
+                <a:sym typeface="Wingdings" panose="05000000000000000000" pitchFamily="2" charset="2"/>
+              </a:rPr>
+              <a:t>Lernen</a:t>
+            </a:r>
+            <a:endParaRPr lang="en-GB" dirty="0"/>
+          </a:p>
+          <a:p>
+            <a:endParaRPr lang="en-GB" dirty="0"/>
+          </a:p>
+          <a:p>
+            <a:endParaRPr lang="en-GB" dirty="0"/>
+          </a:p>
+          <a:p>
+            <a:r>
+              <a:rPr lang="en-GB" dirty="0" err="1"/>
+              <a:t>Methoden</a:t>
+            </a:r>
+            <a:r>
+              <a:rPr lang="en-GB" dirty="0"/>
+              <a:t> </a:t>
+            </a:r>
+            <a:r>
+              <a:rPr lang="en-GB" dirty="0" err="1"/>
+              <a:t>für</a:t>
+            </a:r>
+            <a:r>
+              <a:rPr lang="en-GB" dirty="0"/>
+              <a:t> das </a:t>
+            </a:r>
+            <a:r>
+              <a:rPr lang="en-GB" dirty="0" err="1"/>
+              <a:t>verteilte</a:t>
+            </a:r>
+            <a:r>
+              <a:rPr lang="en-GB" dirty="0"/>
+              <a:t> </a:t>
+            </a:r>
+            <a:r>
+              <a:rPr lang="en-GB" dirty="0" err="1"/>
+              <a:t>Lernen</a:t>
+            </a:r>
+            <a:r>
+              <a:rPr lang="en-GB" dirty="0"/>
+              <a:t>:</a:t>
+            </a:r>
+          </a:p>
+          <a:p>
+            <a:pPr lvl="1"/>
+            <a:r>
+              <a:rPr lang="en-GB" dirty="0"/>
+              <a:t>Modell-</a:t>
+            </a:r>
+            <a:r>
+              <a:rPr lang="en-GB" dirty="0" err="1"/>
+              <a:t>Übereinstimmung</a:t>
+            </a:r>
+            <a:endParaRPr lang="en-GB" dirty="0"/>
+          </a:p>
+          <a:p>
+            <a:pPr lvl="1"/>
+            <a:r>
+              <a:rPr lang="en-GB" dirty="0"/>
+              <a:t>Parameter-</a:t>
+            </a:r>
+            <a:r>
+              <a:rPr lang="en-GB" dirty="0" err="1"/>
+              <a:t>Verteilung</a:t>
+            </a:r>
+            <a:endParaRPr lang="en-GB" dirty="0"/>
+          </a:p>
+          <a:p>
+            <a:pPr lvl="1"/>
+            <a:r>
+              <a:rPr lang="en-GB" dirty="0" err="1"/>
+              <a:t>Föderiertes</a:t>
+            </a:r>
+            <a:r>
+              <a:rPr lang="en-GB" dirty="0"/>
+              <a:t> </a:t>
+            </a:r>
+            <a:r>
+              <a:rPr lang="en-GB" dirty="0" err="1"/>
+              <a:t>Lernen</a:t>
+            </a:r>
+            <a:r>
+              <a:rPr lang="en-GB" dirty="0"/>
+              <a:t> (</a:t>
+            </a:r>
+            <a:r>
+              <a:rPr lang="en-GB" i="1" dirty="0"/>
+              <a:t>Federated Learning</a:t>
+            </a:r>
+            <a:r>
+              <a:rPr lang="en-GB" dirty="0"/>
+              <a:t>)			</a:t>
+            </a:r>
+            <a:r>
+              <a:rPr lang="en-GB" sz="1000" dirty="0"/>
+              <a:t> 			[3]</a:t>
+            </a:r>
+          </a:p>
+          <a:p>
+            <a:pPr lvl="2"/>
+            <a:r>
+              <a:rPr lang="en-GB" dirty="0" err="1"/>
+              <a:t>Lokales</a:t>
+            </a:r>
+            <a:r>
+              <a:rPr lang="en-GB" dirty="0"/>
+              <a:t> Training auf Basis </a:t>
+            </a:r>
+            <a:r>
+              <a:rPr lang="en-GB" dirty="0" err="1"/>
+              <a:t>lokal</a:t>
+            </a:r>
+            <a:r>
+              <a:rPr lang="en-GB" dirty="0"/>
+              <a:t> </a:t>
+            </a:r>
+            <a:r>
+              <a:rPr lang="en-GB" dirty="0" err="1"/>
+              <a:t>vorhandener</a:t>
+            </a:r>
+            <a:r>
+              <a:rPr lang="en-GB" dirty="0"/>
+              <a:t>/</a:t>
+            </a:r>
+            <a:r>
+              <a:rPr lang="en-GB" dirty="0" err="1"/>
+              <a:t>auftretender</a:t>
+            </a:r>
+            <a:r>
+              <a:rPr lang="en-GB" dirty="0"/>
+              <a:t> </a:t>
+            </a:r>
+            <a:r>
+              <a:rPr lang="en-GB" dirty="0" err="1"/>
+              <a:t>Daten</a:t>
+            </a:r>
+            <a:endParaRPr lang="en-GB" dirty="0"/>
+          </a:p>
+          <a:p>
+            <a:pPr lvl="2"/>
+            <a:r>
+              <a:rPr lang="en-GB" dirty="0" err="1"/>
+              <a:t>Geänderte</a:t>
+            </a:r>
+            <a:r>
+              <a:rPr lang="en-GB" dirty="0"/>
+              <a:t> Parameter </a:t>
+            </a:r>
+            <a:r>
+              <a:rPr lang="de-DE" dirty="0"/>
+              <a:t>werden</a:t>
+            </a:r>
+            <a:r>
+              <a:rPr lang="en-GB" dirty="0"/>
+              <a:t> an </a:t>
+            </a:r>
+            <a:r>
+              <a:rPr lang="en-GB" dirty="0" err="1"/>
+              <a:t>zentralen</a:t>
+            </a:r>
+            <a:r>
+              <a:rPr lang="en-GB" dirty="0"/>
+              <a:t> Server </a:t>
+            </a:r>
+            <a:r>
+              <a:rPr lang="en-GB" dirty="0" err="1"/>
+              <a:t>geschickt</a:t>
+            </a:r>
+            <a:endParaRPr lang="en-GB" dirty="0"/>
+          </a:p>
+        </p:txBody>
+      </p:sp>
+      <p:sp>
+        <p:nvSpPr>
+          <p:cNvPr id="3" name="Datumsplatzhalter 2">
+            <a:extLst>
+              <a:ext uri="{FF2B5EF4-FFF2-40B4-BE49-F238E27FC236}">
+                <a16:creationId xmlns:a16="http://schemas.microsoft.com/office/drawing/2014/main" id="{BC1ACDA0-B013-4C33-A448-6554874DC437}"/>
+              </a:ext>
+            </a:extLst>
+          </p:cNvPr>
+          <p:cNvSpPr>
+            <a:spLocks noGrp="1"/>
+          </p:cNvSpPr>
+          <p:nvPr>
+            <p:ph type="dt" sz="half" idx="10"/>
+          </p:nvPr>
+        </p:nvSpPr>
+        <p:spPr/>
+        <p:txBody>
+          <a:bodyPr/>
+          <a:lstStyle/>
+          <a:p>
+            <a:fld id="{92945389-04B4-460D-BD35-C57D41A2ECAA}" type="datetime1">
+              <a:rPr lang="de-DE" smtClean="0"/>
+              <a:t>03.10.2019</a:t>
+            </a:fld>
+            <a:endParaRPr lang="de-DE" dirty="0"/>
+          </a:p>
+        </p:txBody>
+      </p:sp>
+      <p:sp>
+        <p:nvSpPr>
+          <p:cNvPr id="4" name="Fußzeilenplatzhalter 3">
+            <a:extLst>
+              <a:ext uri="{FF2B5EF4-FFF2-40B4-BE49-F238E27FC236}">
+                <a16:creationId xmlns:a16="http://schemas.microsoft.com/office/drawing/2014/main" id="{BC9DAF66-D91E-4B9F-A1C4-1F36C18F20DC}"/>
+              </a:ext>
+            </a:extLst>
+          </p:cNvPr>
+          <p:cNvSpPr>
+            <a:spLocks noGrp="1"/>
+          </p:cNvSpPr>
+          <p:nvPr>
+            <p:ph type="ftr" sz="quarter" idx="11"/>
+          </p:nvPr>
+        </p:nvSpPr>
+        <p:spPr/>
+        <p:txBody>
+          <a:bodyPr/>
+          <a:lstStyle/>
+          <a:p>
+            <a:r>
+              <a:rPr lang="de-DE"/>
+              <a:t>Universität Stuttgart</a:t>
+            </a:r>
+            <a:endParaRPr lang="de-DE" dirty="0"/>
+          </a:p>
+        </p:txBody>
+      </p:sp>
+      <p:sp>
+        <p:nvSpPr>
+          <p:cNvPr id="5" name="Foliennummernplatzhalter 4">
+            <a:extLst>
+              <a:ext uri="{FF2B5EF4-FFF2-40B4-BE49-F238E27FC236}">
+                <a16:creationId xmlns:a16="http://schemas.microsoft.com/office/drawing/2014/main" id="{48D9C0EF-4469-40BC-AAC0-358532608853}"/>
+              </a:ext>
+            </a:extLst>
+          </p:cNvPr>
+          <p:cNvSpPr>
+            <a:spLocks noGrp="1"/>
+          </p:cNvSpPr>
+          <p:nvPr>
+            <p:ph type="sldNum" sz="quarter" idx="12"/>
+          </p:nvPr>
+        </p:nvSpPr>
+        <p:spPr/>
+        <p:txBody>
+          <a:bodyPr/>
+          <a:lstStyle/>
+          <a:p>
+            <a:fld id="{9E82CC3C-1DC0-4FDA-9590-6CC506AB67F8}" type="slidenum">
+              <a:rPr lang="de-DE" smtClean="0"/>
+              <a:t>10</a:t>
+            </a:fld>
+            <a:endParaRPr lang="de-DE" dirty="0"/>
+          </a:p>
+        </p:txBody>
+      </p:sp>
+      <p:sp>
+        <p:nvSpPr>
+          <p:cNvPr id="6" name="Textplatzhalter 5">
+            <a:extLst>
+              <a:ext uri="{FF2B5EF4-FFF2-40B4-BE49-F238E27FC236}">
+                <a16:creationId xmlns:a16="http://schemas.microsoft.com/office/drawing/2014/main" id="{343949EA-0BAE-4BE1-91B1-F3793185B601}"/>
+              </a:ext>
+            </a:extLst>
+          </p:cNvPr>
+          <p:cNvSpPr>
+            <a:spLocks noGrp="1"/>
+          </p:cNvSpPr>
+          <p:nvPr>
+            <p:ph type="body" sz="quarter" idx="13"/>
+          </p:nvPr>
+        </p:nvSpPr>
+        <p:spPr/>
+        <p:txBody>
+          <a:bodyPr/>
+          <a:lstStyle/>
+          <a:p>
+            <a:r>
+              <a:rPr lang="en-GB" dirty="0" err="1"/>
+              <a:t>Verteiltes</a:t>
+            </a:r>
+            <a:r>
+              <a:rPr lang="en-GB" dirty="0"/>
+              <a:t> </a:t>
+            </a:r>
+            <a:r>
+              <a:rPr lang="en-GB" dirty="0" err="1"/>
+              <a:t>Lernen</a:t>
+            </a:r>
+            <a:endParaRPr lang="en-GB" dirty="0"/>
+          </a:p>
+        </p:txBody>
+      </p:sp>
+      <p:sp>
+        <p:nvSpPr>
+          <p:cNvPr id="7" name="Titel 6">
+            <a:extLst>
+              <a:ext uri="{FF2B5EF4-FFF2-40B4-BE49-F238E27FC236}">
+                <a16:creationId xmlns:a16="http://schemas.microsoft.com/office/drawing/2014/main" id="{435149AE-E929-48C2-98B0-B43DD9CFC89F}"/>
+              </a:ext>
+            </a:extLst>
+          </p:cNvPr>
+          <p:cNvSpPr>
+            <a:spLocks noGrp="1"/>
+          </p:cNvSpPr>
+          <p:nvPr>
+            <p:ph type="title"/>
+          </p:nvPr>
+        </p:nvSpPr>
+        <p:spPr/>
+        <p:txBody>
+          <a:bodyPr/>
+          <a:lstStyle/>
+          <a:p>
+            <a:r>
+              <a:rPr lang="de-DE" dirty="0"/>
+              <a:t>Grundlagen kontinuierliches und verteiltes Lernen</a:t>
+            </a:r>
+            <a:endParaRPr lang="en-GB" dirty="0"/>
+          </a:p>
+        </p:txBody>
+      </p:sp>
+      <p:pic>
+        <p:nvPicPr>
+          <p:cNvPr id="8" name="Grafik 7">
+            <a:extLst>
+              <a:ext uri="{FF2B5EF4-FFF2-40B4-BE49-F238E27FC236}">
+                <a16:creationId xmlns:a16="http://schemas.microsoft.com/office/drawing/2014/main" id="{E1F32103-A9E4-4B33-9489-5FDA5894B66E}"/>
+              </a:ext>
+            </a:extLst>
+          </p:cNvPr>
+          <p:cNvPicPr>
+            <a:picLocks noChangeAspect="1"/>
+          </p:cNvPicPr>
+          <p:nvPr/>
+        </p:nvPicPr>
+        <p:blipFill>
+          <a:blip r:embed="rId2"/>
+          <a:stretch>
+            <a:fillRect/>
+          </a:stretch>
+        </p:blipFill>
+        <p:spPr>
+          <a:xfrm>
+            <a:off x="5449416" y="2119899"/>
+            <a:ext cx="3089784" cy="1742832"/>
+          </a:xfrm>
+          <a:prstGeom prst="rect">
+            <a:avLst/>
+          </a:prstGeom>
+        </p:spPr>
+      </p:pic>
+    </p:spTree>
+    <p:extLst>
+      <p:ext uri="{BB962C8B-B14F-4D97-AF65-F5344CB8AC3E}">
+        <p14:creationId xmlns:p14="http://schemas.microsoft.com/office/powerpoint/2010/main" val="3044886116"/>
+      </p:ext>
+    </p:extLst>
+  </p:cSld>
+  <p:clrMapOvr>
+    <a:masterClrMapping/>
+  </p:clrMapOvr>
+</p:sld>
+</file>
+
+<file path=ppt/slides/slide11.xml><?xml version="1.0" encoding="utf-8"?>
+<p:sld xmlns:a="http://schemas.openxmlformats.org/drawingml/2006/main" xmlns:r="http://schemas.openxmlformats.org/officeDocument/2006/relationships" xmlns:p="http://schemas.openxmlformats.org/presentationml/2006/main">
+  <p:cSld>
+    <p:spTree>
+      <p:nvGrpSpPr>
+        <p:cNvPr id="1" name=""/>
+        <p:cNvGrpSpPr/>
+        <p:nvPr/>
+      </p:nvGrpSpPr>
+      <p:grpSpPr>
+        <a:xfrm>
+          <a:off x="0" y="0"/>
+          <a:ext cx="0" cy="0"/>
+          <a:chOff x="0" y="0"/>
+          <a:chExt cx="0" cy="0"/>
+        </a:xfrm>
+      </p:grpSpPr>
+      <p:sp>
+        <p:nvSpPr>
+          <p:cNvPr id="2" name="Titel 1">
+            <a:extLst>
+              <a:ext uri="{FF2B5EF4-FFF2-40B4-BE49-F238E27FC236}">
+                <a16:creationId xmlns:a16="http://schemas.microsoft.com/office/drawing/2014/main" id="{9E8C78BD-6B41-4A95-808F-6A5D0C6DB893}"/>
+              </a:ext>
+            </a:extLst>
+          </p:cNvPr>
+          <p:cNvSpPr>
+            <a:spLocks noGrp="1"/>
+          </p:cNvSpPr>
+          <p:nvPr>
+            <p:ph type="title"/>
+          </p:nvPr>
+        </p:nvSpPr>
+        <p:spPr/>
+        <p:txBody>
+          <a:bodyPr/>
+          <a:lstStyle/>
+          <a:p>
+            <a:r>
+              <a:rPr lang="en-US" dirty="0" err="1"/>
+              <a:t>Konzeption</a:t>
+            </a:r>
+            <a:r>
+              <a:rPr lang="en-US" dirty="0"/>
+              <a:t> L DNN und </a:t>
+            </a:r>
+            <a:r>
+              <a:rPr lang="en-US" dirty="0" err="1"/>
+              <a:t>prototypische</a:t>
+            </a:r>
+            <a:r>
+              <a:rPr lang="en-US" dirty="0"/>
+              <a:t> </a:t>
+            </a:r>
+            <a:r>
+              <a:rPr lang="en-US" dirty="0" err="1"/>
+              <a:t>Umsetzung</a:t>
+            </a:r>
+            <a:endParaRPr lang="en-GB" dirty="0"/>
+          </a:p>
+        </p:txBody>
+      </p:sp>
+      <p:sp>
+        <p:nvSpPr>
+          <p:cNvPr id="3" name="Textplatzhalter 2">
+            <a:extLst>
+              <a:ext uri="{FF2B5EF4-FFF2-40B4-BE49-F238E27FC236}">
+                <a16:creationId xmlns:a16="http://schemas.microsoft.com/office/drawing/2014/main" id="{BC842E3C-5088-418B-AEC1-086B1C94B521}"/>
+              </a:ext>
+            </a:extLst>
+          </p:cNvPr>
+          <p:cNvSpPr>
+            <a:spLocks noGrp="1"/>
+          </p:cNvSpPr>
+          <p:nvPr>
+            <p:ph type="body" idx="1"/>
+          </p:nvPr>
+        </p:nvSpPr>
+        <p:spPr/>
+        <p:txBody>
+          <a:bodyPr/>
+          <a:lstStyle/>
+          <a:p>
+            <a:endParaRPr lang="en-GB"/>
+          </a:p>
+        </p:txBody>
+      </p:sp>
+    </p:spTree>
+    <p:extLst>
+      <p:ext uri="{BB962C8B-B14F-4D97-AF65-F5344CB8AC3E}">
+        <p14:creationId xmlns:p14="http://schemas.microsoft.com/office/powerpoint/2010/main" val="3916976859"/>
+      </p:ext>
+    </p:extLst>
+  </p:cSld>
+  <p:clrMapOvr>
+    <a:masterClrMapping/>
+  </p:clrMapOvr>
+</p:sld>
+</file>
+
+<file path=ppt/slides/slide12.xml><?xml version="1.0" encoding="utf-8"?>
+<p:sld xmlns:a="http://schemas.openxmlformats.org/drawingml/2006/main" xmlns:r="http://schemas.openxmlformats.org/officeDocument/2006/relationships" xmlns:p="http://schemas.openxmlformats.org/presentationml/2006/main">
+  <p:cSld>
+    <p:spTree>
+      <p:nvGrpSpPr>
+        <p:cNvPr id="1" name=""/>
+        <p:cNvGrpSpPr/>
+        <p:nvPr/>
+      </p:nvGrpSpPr>
+      <p:grpSpPr>
+        <a:xfrm>
+          <a:off x="0" y="0"/>
+          <a:ext cx="0" cy="0"/>
+          <a:chOff x="0" y="0"/>
+          <a:chExt cx="0" cy="0"/>
+        </a:xfrm>
+      </p:grpSpPr>
+      <p:sp>
+        <p:nvSpPr>
+          <p:cNvPr id="2" name="Inhaltsplatzhalter 1">
+            <a:extLst>
+              <a:ext uri="{FF2B5EF4-FFF2-40B4-BE49-F238E27FC236}">
+                <a16:creationId xmlns:a16="http://schemas.microsoft.com/office/drawing/2014/main" id="{F981571F-87C5-4135-9C90-18D0DAD35E26}"/>
+              </a:ext>
+            </a:extLst>
+          </p:cNvPr>
+          <p:cNvSpPr>
+            <a:spLocks noGrp="1"/>
+          </p:cNvSpPr>
+          <p:nvPr>
+            <p:ph idx="1"/>
+          </p:nvPr>
+        </p:nvSpPr>
+        <p:spPr/>
+        <p:txBody>
+          <a:bodyPr/>
+          <a:lstStyle/>
+          <a:p>
+            <a:r>
+              <a:rPr lang="en-GB" dirty="0" err="1"/>
+              <a:t>Nutzen</a:t>
+            </a:r>
+            <a:r>
+              <a:rPr lang="en-GB" dirty="0"/>
+              <a:t> der Dual-Memory </a:t>
+            </a:r>
+            <a:r>
+              <a:rPr lang="en-GB" dirty="0" err="1"/>
+              <a:t>Methode</a:t>
+            </a:r>
+            <a:r>
+              <a:rPr lang="en-GB" dirty="0"/>
+              <a:t>:</a:t>
+            </a:r>
+          </a:p>
+          <a:p>
+            <a:pPr lvl="1"/>
+            <a:r>
+              <a:rPr lang="en-GB" dirty="0" err="1"/>
+              <a:t>Einsatz</a:t>
+            </a:r>
+            <a:r>
+              <a:rPr lang="en-GB" dirty="0"/>
+              <a:t> </a:t>
+            </a:r>
+            <a:r>
+              <a:rPr lang="en-GB" dirty="0" err="1"/>
+              <a:t>langsam</a:t>
+            </a:r>
+            <a:r>
+              <a:rPr lang="en-GB" dirty="0"/>
+              <a:t> </a:t>
+            </a:r>
+            <a:r>
+              <a:rPr lang="en-GB" dirty="0" err="1"/>
+              <a:t>lernender</a:t>
+            </a:r>
+            <a:r>
+              <a:rPr lang="en-GB" dirty="0"/>
+              <a:t> (</a:t>
+            </a:r>
+            <a:r>
+              <a:rPr lang="en-GB" dirty="0" err="1"/>
+              <a:t>oder</a:t>
+            </a:r>
+            <a:r>
+              <a:rPr lang="en-GB" dirty="0"/>
+              <a:t> fixer) Feature-</a:t>
+            </a:r>
+            <a:r>
+              <a:rPr lang="en-GB" dirty="0" err="1"/>
+              <a:t>Extrahierer</a:t>
+            </a:r>
+            <a:r>
+              <a:rPr lang="en-GB" dirty="0"/>
+              <a:t> (Modul A)</a:t>
+            </a:r>
+          </a:p>
+          <a:p>
+            <a:pPr lvl="1"/>
+            <a:r>
+              <a:rPr lang="en-GB" dirty="0" err="1"/>
+              <a:t>Einsatz</a:t>
+            </a:r>
+            <a:r>
+              <a:rPr lang="en-GB" dirty="0"/>
+              <a:t> schnell </a:t>
+            </a:r>
+            <a:r>
+              <a:rPr lang="en-GB" dirty="0" err="1"/>
+              <a:t>lernender</a:t>
+            </a:r>
+            <a:r>
+              <a:rPr lang="en-GB" dirty="0"/>
+              <a:t> </a:t>
+            </a:r>
+            <a:r>
+              <a:rPr lang="en-GB" dirty="0" err="1"/>
+              <a:t>inkrementeller</a:t>
+            </a:r>
+            <a:r>
+              <a:rPr lang="en-GB" dirty="0"/>
+              <a:t> </a:t>
+            </a:r>
+            <a:r>
+              <a:rPr lang="en-GB" dirty="0" err="1"/>
+              <a:t>Klassifikator</a:t>
+            </a:r>
+            <a:r>
+              <a:rPr lang="en-GB" dirty="0"/>
+              <a:t> (Modul B)</a:t>
+            </a:r>
+          </a:p>
+          <a:p>
+            <a:pPr lvl="1"/>
+            <a:endParaRPr lang="en-GB" dirty="0"/>
+          </a:p>
+          <a:p>
+            <a:r>
+              <a:rPr lang="en-GB" dirty="0" err="1"/>
+              <a:t>Nutzen</a:t>
+            </a:r>
+            <a:r>
+              <a:rPr lang="en-GB" dirty="0"/>
+              <a:t> des Federated Learnings </a:t>
+            </a:r>
+            <a:r>
+              <a:rPr lang="en-GB" dirty="0" err="1"/>
+              <a:t>zum</a:t>
+            </a:r>
+            <a:r>
+              <a:rPr lang="en-GB" dirty="0"/>
+              <a:t> </a:t>
+            </a:r>
+            <a:r>
+              <a:rPr lang="en-GB" dirty="0" err="1"/>
+              <a:t>Austausch</a:t>
+            </a:r>
+            <a:r>
+              <a:rPr lang="en-GB" dirty="0"/>
+              <a:t> von </a:t>
+            </a:r>
+            <a:r>
+              <a:rPr lang="en-GB" dirty="0" err="1"/>
+              <a:t>Wissen</a:t>
+            </a:r>
+            <a:endParaRPr lang="en-GB" dirty="0"/>
+          </a:p>
+        </p:txBody>
+      </p:sp>
+      <p:sp>
+        <p:nvSpPr>
+          <p:cNvPr id="3" name="Datumsplatzhalter 2">
+            <a:extLst>
+              <a:ext uri="{FF2B5EF4-FFF2-40B4-BE49-F238E27FC236}">
+                <a16:creationId xmlns:a16="http://schemas.microsoft.com/office/drawing/2014/main" id="{036DC7D6-3346-47C9-9FC1-530609AB1836}"/>
+              </a:ext>
+            </a:extLst>
+          </p:cNvPr>
+          <p:cNvSpPr>
+            <a:spLocks noGrp="1"/>
+          </p:cNvSpPr>
+          <p:nvPr>
+            <p:ph type="dt" sz="half" idx="10"/>
+          </p:nvPr>
+        </p:nvSpPr>
+        <p:spPr/>
+        <p:txBody>
+          <a:bodyPr/>
+          <a:lstStyle/>
+          <a:p>
+            <a:fld id="{92945389-04B4-460D-BD35-C57D41A2ECAA}" type="datetime1">
+              <a:rPr lang="de-DE" smtClean="0"/>
+              <a:t>03.10.2019</a:t>
+            </a:fld>
+            <a:endParaRPr lang="de-DE" dirty="0"/>
+          </a:p>
+        </p:txBody>
+      </p:sp>
+      <p:sp>
+        <p:nvSpPr>
+          <p:cNvPr id="4" name="Fußzeilenplatzhalter 3">
+            <a:extLst>
+              <a:ext uri="{FF2B5EF4-FFF2-40B4-BE49-F238E27FC236}">
+                <a16:creationId xmlns:a16="http://schemas.microsoft.com/office/drawing/2014/main" id="{94919F3A-1D9D-43EC-9001-F73C3AE2F069}"/>
+              </a:ext>
+            </a:extLst>
+          </p:cNvPr>
+          <p:cNvSpPr>
+            <a:spLocks noGrp="1"/>
+          </p:cNvSpPr>
+          <p:nvPr>
+            <p:ph type="ftr" sz="quarter" idx="11"/>
+          </p:nvPr>
+        </p:nvSpPr>
+        <p:spPr/>
+        <p:txBody>
+          <a:bodyPr/>
+          <a:lstStyle/>
+          <a:p>
+            <a:r>
+              <a:rPr lang="de-DE"/>
+              <a:t>Universität Stuttgart</a:t>
+            </a:r>
+            <a:endParaRPr lang="de-DE" dirty="0"/>
+          </a:p>
+        </p:txBody>
+      </p:sp>
+      <p:sp>
+        <p:nvSpPr>
+          <p:cNvPr id="5" name="Foliennummernplatzhalter 4">
+            <a:extLst>
+              <a:ext uri="{FF2B5EF4-FFF2-40B4-BE49-F238E27FC236}">
+                <a16:creationId xmlns:a16="http://schemas.microsoft.com/office/drawing/2014/main" id="{7483FC4F-6FE1-440D-A1B0-E4AA01D5FE71}"/>
+              </a:ext>
+            </a:extLst>
+          </p:cNvPr>
+          <p:cNvSpPr>
+            <a:spLocks noGrp="1"/>
+          </p:cNvSpPr>
+          <p:nvPr>
+            <p:ph type="sldNum" sz="quarter" idx="12"/>
+          </p:nvPr>
+        </p:nvSpPr>
+        <p:spPr/>
+        <p:txBody>
+          <a:bodyPr/>
+          <a:lstStyle/>
+          <a:p>
+            <a:fld id="{9E82CC3C-1DC0-4FDA-9590-6CC506AB67F8}" type="slidenum">
+              <a:rPr lang="de-DE" smtClean="0"/>
+              <a:t>12</a:t>
+            </a:fld>
+            <a:endParaRPr lang="de-DE" dirty="0"/>
+          </a:p>
+        </p:txBody>
+      </p:sp>
+      <p:sp>
+        <p:nvSpPr>
+          <p:cNvPr id="6" name="Textplatzhalter 5">
+            <a:extLst>
+              <a:ext uri="{FF2B5EF4-FFF2-40B4-BE49-F238E27FC236}">
+                <a16:creationId xmlns:a16="http://schemas.microsoft.com/office/drawing/2014/main" id="{BD2EFEC2-6831-47C3-9756-6923D66E2D9A}"/>
+              </a:ext>
+            </a:extLst>
+          </p:cNvPr>
+          <p:cNvSpPr>
+            <a:spLocks noGrp="1"/>
+          </p:cNvSpPr>
+          <p:nvPr>
+            <p:ph type="body" sz="quarter" idx="13"/>
+          </p:nvPr>
+        </p:nvSpPr>
+        <p:spPr/>
+        <p:txBody>
+          <a:bodyPr/>
+          <a:lstStyle/>
+          <a:p>
+            <a:r>
+              <a:rPr lang="en-GB" dirty="0" err="1"/>
+              <a:t>Konzeption</a:t>
+            </a:r>
+            <a:r>
+              <a:rPr lang="en-GB" dirty="0"/>
+              <a:t> L DNN</a:t>
+            </a:r>
+          </a:p>
+        </p:txBody>
+      </p:sp>
+      <p:sp>
+        <p:nvSpPr>
+          <p:cNvPr id="7" name="Titel 6">
+            <a:extLst>
+              <a:ext uri="{FF2B5EF4-FFF2-40B4-BE49-F238E27FC236}">
+                <a16:creationId xmlns:a16="http://schemas.microsoft.com/office/drawing/2014/main" id="{22BFFBDA-83B6-4995-9317-CB64C86393E2}"/>
+              </a:ext>
+            </a:extLst>
+          </p:cNvPr>
+          <p:cNvSpPr>
+            <a:spLocks noGrp="1"/>
+          </p:cNvSpPr>
+          <p:nvPr>
+            <p:ph type="title"/>
+          </p:nvPr>
+        </p:nvSpPr>
+        <p:spPr/>
+        <p:txBody>
+          <a:bodyPr/>
+          <a:lstStyle/>
+          <a:p>
+            <a:r>
+              <a:rPr lang="en-US" dirty="0" err="1"/>
+              <a:t>Konzeption</a:t>
+            </a:r>
+            <a:r>
+              <a:rPr lang="en-US" dirty="0"/>
+              <a:t> L DNN und </a:t>
+            </a:r>
+            <a:r>
+              <a:rPr lang="en-US" dirty="0" err="1"/>
+              <a:t>prototypische</a:t>
+            </a:r>
+            <a:r>
+              <a:rPr lang="en-US" dirty="0"/>
+              <a:t> </a:t>
+            </a:r>
+            <a:r>
+              <a:rPr lang="en-US" dirty="0" err="1"/>
+              <a:t>Umsetzung</a:t>
+            </a:r>
+            <a:endParaRPr lang="en-GB" dirty="0"/>
+          </a:p>
+        </p:txBody>
+      </p:sp>
+      <p:pic>
+        <p:nvPicPr>
+          <p:cNvPr id="8" name="Grafik 7">
+            <a:extLst>
+              <a:ext uri="{FF2B5EF4-FFF2-40B4-BE49-F238E27FC236}">
+                <a16:creationId xmlns:a16="http://schemas.microsoft.com/office/drawing/2014/main" id="{6F0957C9-1C3B-4873-9EC5-B524D9518657}"/>
+              </a:ext>
+            </a:extLst>
+          </p:cNvPr>
+          <p:cNvPicPr/>
+          <p:nvPr/>
+        </p:nvPicPr>
+        <p:blipFill>
+          <a:blip r:embed="rId2">
+            <a:extLst>
+              <a:ext uri="{28A0092B-C50C-407E-A947-70E740481C1C}">
+                <a14:useLocalDpi xmlns:a14="http://schemas.microsoft.com/office/drawing/2010/main" val="0"/>
+              </a:ext>
+            </a:extLst>
+          </a:blip>
+          <a:srcRect/>
+          <a:stretch>
+            <a:fillRect/>
+          </a:stretch>
+        </p:blipFill>
+        <p:spPr bwMode="auto">
+          <a:xfrm>
+            <a:off x="3445727" y="3487846"/>
+            <a:ext cx="2252546" cy="1577285"/>
+          </a:xfrm>
+          <a:prstGeom prst="rect">
+            <a:avLst/>
+          </a:prstGeom>
+          <a:noFill/>
+        </p:spPr>
+      </p:pic>
+      <p:pic>
+        <p:nvPicPr>
+          <p:cNvPr id="9" name="Grafik 8">
+            <a:extLst>
+              <a:ext uri="{FF2B5EF4-FFF2-40B4-BE49-F238E27FC236}">
+                <a16:creationId xmlns:a16="http://schemas.microsoft.com/office/drawing/2014/main" id="{50F1E6B2-9110-4EDA-9EC5-0EBC5BE590C9}"/>
+              </a:ext>
+            </a:extLst>
+          </p:cNvPr>
+          <p:cNvPicPr/>
+          <p:nvPr/>
+        </p:nvPicPr>
+        <p:blipFill>
+          <a:blip r:embed="rId3" cstate="print">
+            <a:extLst>
+              <a:ext uri="{28A0092B-C50C-407E-A947-70E740481C1C}">
+                <a14:useLocalDpi xmlns:a14="http://schemas.microsoft.com/office/drawing/2010/main" val="0"/>
+              </a:ext>
+            </a:extLst>
+          </a:blip>
+          <a:srcRect/>
+          <a:stretch>
+            <a:fillRect/>
+          </a:stretch>
+        </p:blipFill>
+        <p:spPr bwMode="auto">
+          <a:xfrm>
+            <a:off x="2170376" y="3378953"/>
+            <a:ext cx="4552377" cy="1955497"/>
+          </a:xfrm>
+          <a:prstGeom prst="rect">
+            <a:avLst/>
+          </a:prstGeom>
+          <a:noFill/>
+        </p:spPr>
+      </p:pic>
+    </p:spTree>
+    <p:extLst>
+      <p:ext uri="{BB962C8B-B14F-4D97-AF65-F5344CB8AC3E}">
+        <p14:creationId xmlns:p14="http://schemas.microsoft.com/office/powerpoint/2010/main" val="3879250811"/>
+      </p:ext>
+    </p:extLst>
+  </p:cSld>
+  <p:clrMapOvr>
+    <a:masterClrMapping/>
+  </p:clrMapOvr>
   <p:timing>
     <p:tnLst>
       <p:par>
-        <p:cTn id="1" dur="indefinite" restart="never" nodeType="tmRoot"/>
+        <p:cTn id="1" dur="indefinite" restart="never" nodeType="tmRoot">
+          <p:childTnLst>
+            <p:seq concurrent="1" nextAc="seek">
+              <p:cTn id="2" dur="indefinite" nodeType="mainSeq">
+                <p:childTnLst>
+                  <p:par>
+                    <p:cTn id="3" fill="hold">
+                      <p:stCondLst>
+                        <p:cond delay="indefinite"/>
+                      </p:stCondLst>
+                      <p:childTnLst>
+                        <p:par>
+                          <p:cTn id="4" fill="hold">
+                            <p:stCondLst>
+                              <p:cond delay="0"/>
+                            </p:stCondLst>
+                            <p:childTnLst>
+                              <p:par>
+                                <p:cTn id="5" presetID="1" presetClass="exit" presetSubtype="0" fill="hold" nodeType="clickEffect">
+                                  <p:stCondLst>
+                                    <p:cond delay="0"/>
+                                  </p:stCondLst>
+                                  <p:childTnLst>
+                                    <p:set>
+                                      <p:cBhvr>
+                                        <p:cTn id="6" dur="1" fill="hold">
+                                          <p:stCondLst>
+                                            <p:cond delay="0"/>
+                                          </p:stCondLst>
+                                        </p:cTn>
+                                        <p:tgtEl>
+                                          <p:spTgt spid="8"/>
+                                        </p:tgtEl>
+                                        <p:attrNameLst>
+                                          <p:attrName>style.visibility</p:attrName>
+                                        </p:attrNameLst>
+                                      </p:cBhvr>
+                                      <p:to>
+                                        <p:strVal val="hidden"/>
+                                      </p:to>
+                                    </p:set>
+                                  </p:childTnLst>
+                                </p:cTn>
+                              </p:par>
+                              <p:par>
+                                <p:cTn id="7" presetID="1" presetClass="entr" presetSubtype="0" fill="hold" grpId="0" nodeType="withEffect">
+                                  <p:stCondLst>
+                                    <p:cond delay="0"/>
+                                  </p:stCondLst>
+                                  <p:childTnLst>
+                                    <p:set>
+                                      <p:cBhvr>
+                                        <p:cTn id="8" dur="1" fill="hold">
+                                          <p:stCondLst>
+                                            <p:cond delay="0"/>
+                                          </p:stCondLst>
+                                        </p:cTn>
+                                        <p:tgtEl>
+                                          <p:spTgt spid="2">
+                                            <p:txEl>
+                                              <p:pRg st="4" end="4"/>
+                                            </p:txEl>
+                                          </p:spTgt>
+                                        </p:tgtEl>
+                                        <p:attrNameLst>
+                                          <p:attrName>style.visibility</p:attrName>
+                                        </p:attrNameLst>
+                                      </p:cBhvr>
+                                      <p:to>
+                                        <p:strVal val="visible"/>
+                                      </p:to>
+                                    </p:set>
+                                  </p:childTnLst>
+                                </p:cTn>
+                              </p:par>
+                              <p:par>
+                                <p:cTn id="9" presetID="1" presetClass="entr" presetSubtype="0" fill="hold" nodeType="withEffect">
+                                  <p:stCondLst>
+                                    <p:cond delay="0"/>
+                                  </p:stCondLst>
+                                  <p:childTnLst>
+                                    <p:set>
+                                      <p:cBhvr>
+                                        <p:cTn id="10" dur="1" fill="hold">
+                                          <p:stCondLst>
+                                            <p:cond delay="0"/>
+                                          </p:stCondLst>
+                                        </p:cTn>
+                                        <p:tgtEl>
+                                          <p:spTgt spid="9"/>
+                                        </p:tgtEl>
+                                        <p:attrNameLst>
+                                          <p:attrName>style.visibility</p:attrName>
+                                        </p:attrNameLst>
+                                      </p:cBhvr>
+                                      <p:to>
+                                        <p:strVal val="visible"/>
+                                      </p:to>
+                                    </p:set>
+                                  </p:childTnLst>
+                                </p:cTn>
+                              </p:par>
+                            </p:childTnLst>
+                          </p:cTn>
+                        </p:par>
+                      </p:childTnLst>
+                    </p:cTn>
+                  </p:par>
+                </p:childTnLst>
+              </p:cTn>
+              <p:prevCondLst>
+                <p:cond evt="onPrev" delay="0">
+                  <p:tgtEl>
+                    <p:sldTgt/>
+                  </p:tgtEl>
+                </p:cond>
+              </p:prevCondLst>
+              <p:nextCondLst>
+                <p:cond evt="onNext" delay="0">
+                  <p:tgtEl>
+                    <p:sldTgt/>
+                  </p:tgtEl>
+                </p:cond>
+              </p:nextCondLst>
+            </p:seq>
+          </p:childTnLst>
+        </p:cTn>
       </p:par>
     </p:tnLst>
+    <p:bldLst>
+      <p:bldP spid="2" grpId="0" uiExpand="1" build="p"/>
+    </p:bldLst>
   </p:timing>
+</p:sld>
+</file>
+
+<file path=ppt/slides/slide13.xml><?xml version="1.0" encoding="utf-8"?>
+<p:sld xmlns:a="http://schemas.openxmlformats.org/drawingml/2006/main" xmlns:r="http://schemas.openxmlformats.org/officeDocument/2006/relationships" xmlns:p="http://schemas.openxmlformats.org/presentationml/2006/main">
+  <p:cSld>
+    <p:spTree>
+      <p:nvGrpSpPr>
+        <p:cNvPr id="1" name=""/>
+        <p:cNvGrpSpPr/>
+        <p:nvPr/>
+      </p:nvGrpSpPr>
+      <p:grpSpPr>
+        <a:xfrm>
+          <a:off x="0" y="0"/>
+          <a:ext cx="0" cy="0"/>
+          <a:chOff x="0" y="0"/>
+          <a:chExt cx="0" cy="0"/>
+        </a:xfrm>
+      </p:grpSpPr>
+      <p:sp>
+        <p:nvSpPr>
+          <p:cNvPr id="2" name="Inhaltsplatzhalter 1">
+            <a:extLst>
+              <a:ext uri="{FF2B5EF4-FFF2-40B4-BE49-F238E27FC236}">
+                <a16:creationId xmlns:a16="http://schemas.microsoft.com/office/drawing/2014/main" id="{3307E9D8-60E3-4CF1-914A-7825D174E990}"/>
+              </a:ext>
+            </a:extLst>
+          </p:cNvPr>
+          <p:cNvSpPr>
+            <a:spLocks noGrp="1"/>
+          </p:cNvSpPr>
+          <p:nvPr>
+            <p:ph idx="1"/>
+          </p:nvPr>
+        </p:nvSpPr>
+        <p:spPr/>
+        <p:txBody>
+          <a:bodyPr/>
+          <a:lstStyle/>
+          <a:p>
+            <a:r>
+              <a:rPr lang="en-GB" dirty="0" err="1"/>
+              <a:t>Anforderungen</a:t>
+            </a:r>
+            <a:r>
+              <a:rPr lang="en-GB" dirty="0"/>
+              <a:t> Modul A:</a:t>
+            </a:r>
+          </a:p>
+          <a:p>
+            <a:pPr lvl="1"/>
+            <a:r>
+              <a:rPr lang="en-GB" dirty="0" err="1"/>
+              <a:t>Extrahierte</a:t>
+            </a:r>
+            <a:r>
+              <a:rPr lang="en-GB" dirty="0"/>
+              <a:t> Features </a:t>
+            </a:r>
+            <a:r>
+              <a:rPr lang="en-GB" dirty="0" err="1"/>
+              <a:t>sollen</a:t>
+            </a:r>
+            <a:r>
+              <a:rPr lang="en-GB" dirty="0"/>
+              <a:t> </a:t>
+            </a:r>
+            <a:r>
+              <a:rPr lang="en-GB" dirty="0" err="1"/>
+              <a:t>gute</a:t>
+            </a:r>
+            <a:r>
+              <a:rPr lang="en-GB" dirty="0"/>
+              <a:t> </a:t>
+            </a:r>
+            <a:r>
+              <a:rPr lang="en-GB" dirty="0" err="1"/>
+              <a:t>Klassifikation</a:t>
+            </a:r>
+            <a:r>
+              <a:rPr lang="en-GB" dirty="0"/>
+              <a:t> </a:t>
+            </a:r>
+            <a:r>
+              <a:rPr lang="en-GB" dirty="0" err="1"/>
+              <a:t>ermöglichen</a:t>
+            </a:r>
+            <a:endParaRPr lang="en-GB" dirty="0"/>
+          </a:p>
+          <a:p>
+            <a:pPr lvl="1"/>
+            <a:r>
+              <a:rPr lang="en-GB" dirty="0" err="1"/>
+              <a:t>Echtzeitfähigkeit</a:t>
+            </a:r>
+            <a:r>
+              <a:rPr lang="en-GB" dirty="0"/>
+              <a:t> auf </a:t>
+            </a:r>
+            <a:r>
+              <a:rPr lang="en-GB" dirty="0" err="1"/>
+              <a:t>mobilen</a:t>
+            </a:r>
+            <a:r>
+              <a:rPr lang="en-GB" dirty="0"/>
+              <a:t> </a:t>
+            </a:r>
+            <a:r>
+              <a:rPr lang="en-GB" dirty="0" err="1"/>
+              <a:t>Endgeräten</a:t>
+            </a:r>
+            <a:r>
+              <a:rPr lang="en-GB" dirty="0"/>
+              <a:t> </a:t>
+            </a:r>
+            <a:r>
+              <a:rPr lang="en-GB" dirty="0">
+                <a:sym typeface="Wingdings" panose="05000000000000000000" pitchFamily="2" charset="2"/>
+              </a:rPr>
+              <a:t> </a:t>
+            </a:r>
+            <a:r>
+              <a:rPr lang="en-GB" dirty="0" err="1">
+                <a:sym typeface="Wingdings" panose="05000000000000000000" pitchFamily="2" charset="2"/>
+              </a:rPr>
+              <a:t>geringer</a:t>
+            </a:r>
+            <a:r>
+              <a:rPr lang="en-GB" dirty="0">
+                <a:sym typeface="Wingdings" panose="05000000000000000000" pitchFamily="2" charset="2"/>
+              </a:rPr>
+              <a:t> Speicher- und </a:t>
+            </a:r>
+            <a:r>
+              <a:rPr lang="en-GB" dirty="0" err="1">
+                <a:sym typeface="Wingdings" panose="05000000000000000000" pitchFamily="2" charset="2"/>
+              </a:rPr>
+              <a:t>Rechenaufwand</a:t>
+            </a:r>
+            <a:endParaRPr lang="en-GB" dirty="0">
+              <a:sym typeface="Wingdings" panose="05000000000000000000" pitchFamily="2" charset="2"/>
+            </a:endParaRPr>
+          </a:p>
+          <a:p>
+            <a:r>
+              <a:rPr lang="en-GB" dirty="0" err="1">
+                <a:sym typeface="Wingdings" panose="05000000000000000000" pitchFamily="2" charset="2"/>
+              </a:rPr>
+              <a:t>Vergleich</a:t>
+            </a:r>
+            <a:r>
+              <a:rPr lang="en-GB" dirty="0">
+                <a:sym typeface="Wingdings" panose="05000000000000000000" pitchFamily="2" charset="2"/>
+              </a:rPr>
+              <a:t> von </a:t>
+            </a:r>
+            <a:r>
+              <a:rPr lang="en-GB" dirty="0" err="1">
+                <a:sym typeface="Wingdings" panose="05000000000000000000" pitchFamily="2" charset="2"/>
+              </a:rPr>
+              <a:t>typischen</a:t>
+            </a:r>
+            <a:r>
+              <a:rPr lang="en-GB" dirty="0">
+                <a:sym typeface="Wingdings" panose="05000000000000000000" pitchFamily="2" charset="2"/>
+              </a:rPr>
+              <a:t> DNN-</a:t>
+            </a:r>
+            <a:r>
+              <a:rPr lang="en-GB" dirty="0" err="1">
+                <a:sym typeface="Wingdings" panose="05000000000000000000" pitchFamily="2" charset="2"/>
+              </a:rPr>
+              <a:t>Architekturen</a:t>
+            </a:r>
+            <a:r>
+              <a:rPr lang="en-GB" dirty="0">
+                <a:sym typeface="Wingdings" panose="05000000000000000000" pitchFamily="2" charset="2"/>
+              </a:rPr>
+              <a:t> auf Basis ImageNet</a:t>
+            </a:r>
+          </a:p>
+          <a:p>
+            <a:endParaRPr lang="en-GB" dirty="0"/>
+          </a:p>
+        </p:txBody>
+      </p:sp>
+      <p:sp>
+        <p:nvSpPr>
+          <p:cNvPr id="3" name="Datumsplatzhalter 2">
+            <a:extLst>
+              <a:ext uri="{FF2B5EF4-FFF2-40B4-BE49-F238E27FC236}">
+                <a16:creationId xmlns:a16="http://schemas.microsoft.com/office/drawing/2014/main" id="{B18C305B-D6BC-4154-A2A4-472B88BBC497}"/>
+              </a:ext>
+            </a:extLst>
+          </p:cNvPr>
+          <p:cNvSpPr>
+            <a:spLocks noGrp="1"/>
+          </p:cNvSpPr>
+          <p:nvPr>
+            <p:ph type="dt" sz="half" idx="10"/>
+          </p:nvPr>
+        </p:nvSpPr>
+        <p:spPr/>
+        <p:txBody>
+          <a:bodyPr/>
+          <a:lstStyle/>
+          <a:p>
+            <a:fld id="{92945389-04B4-460D-BD35-C57D41A2ECAA}" type="datetime1">
+              <a:rPr lang="de-DE" smtClean="0"/>
+              <a:t>03.10.2019</a:t>
+            </a:fld>
+            <a:endParaRPr lang="de-DE" dirty="0"/>
+          </a:p>
+        </p:txBody>
+      </p:sp>
+      <p:sp>
+        <p:nvSpPr>
+          <p:cNvPr id="4" name="Fußzeilenplatzhalter 3">
+            <a:extLst>
+              <a:ext uri="{FF2B5EF4-FFF2-40B4-BE49-F238E27FC236}">
+                <a16:creationId xmlns:a16="http://schemas.microsoft.com/office/drawing/2014/main" id="{E3873C01-8A44-4980-A187-D3F855F61D63}"/>
+              </a:ext>
+            </a:extLst>
+          </p:cNvPr>
+          <p:cNvSpPr>
+            <a:spLocks noGrp="1"/>
+          </p:cNvSpPr>
+          <p:nvPr>
+            <p:ph type="ftr" sz="quarter" idx="11"/>
+          </p:nvPr>
+        </p:nvSpPr>
+        <p:spPr/>
+        <p:txBody>
+          <a:bodyPr/>
+          <a:lstStyle/>
+          <a:p>
+            <a:r>
+              <a:rPr lang="de-DE"/>
+              <a:t>Universität Stuttgart</a:t>
+            </a:r>
+            <a:endParaRPr lang="de-DE" dirty="0"/>
+          </a:p>
+        </p:txBody>
+      </p:sp>
+      <p:sp>
+        <p:nvSpPr>
+          <p:cNvPr id="5" name="Foliennummernplatzhalter 4">
+            <a:extLst>
+              <a:ext uri="{FF2B5EF4-FFF2-40B4-BE49-F238E27FC236}">
+                <a16:creationId xmlns:a16="http://schemas.microsoft.com/office/drawing/2014/main" id="{78554E0E-59FB-4950-9114-27634AE98D21}"/>
+              </a:ext>
+            </a:extLst>
+          </p:cNvPr>
+          <p:cNvSpPr>
+            <a:spLocks noGrp="1"/>
+          </p:cNvSpPr>
+          <p:nvPr>
+            <p:ph type="sldNum" sz="quarter" idx="12"/>
+          </p:nvPr>
+        </p:nvSpPr>
+        <p:spPr/>
+        <p:txBody>
+          <a:bodyPr/>
+          <a:lstStyle/>
+          <a:p>
+            <a:fld id="{9E82CC3C-1DC0-4FDA-9590-6CC506AB67F8}" type="slidenum">
+              <a:rPr lang="de-DE" smtClean="0"/>
+              <a:t>13</a:t>
+            </a:fld>
+            <a:endParaRPr lang="de-DE" dirty="0"/>
+          </a:p>
+        </p:txBody>
+      </p:sp>
+      <p:sp>
+        <p:nvSpPr>
+          <p:cNvPr id="6" name="Textplatzhalter 5">
+            <a:extLst>
+              <a:ext uri="{FF2B5EF4-FFF2-40B4-BE49-F238E27FC236}">
+                <a16:creationId xmlns:a16="http://schemas.microsoft.com/office/drawing/2014/main" id="{F4FE9071-55E5-4B63-BE11-869D27307922}"/>
+              </a:ext>
+            </a:extLst>
+          </p:cNvPr>
+          <p:cNvSpPr>
+            <a:spLocks noGrp="1"/>
+          </p:cNvSpPr>
+          <p:nvPr>
+            <p:ph type="body" sz="quarter" idx="13"/>
+          </p:nvPr>
+        </p:nvSpPr>
+        <p:spPr/>
+        <p:txBody>
+          <a:bodyPr/>
+          <a:lstStyle/>
+          <a:p>
+            <a:r>
+              <a:rPr lang="en-GB" dirty="0" err="1"/>
+              <a:t>Konzeption</a:t>
+            </a:r>
+            <a:r>
+              <a:rPr lang="en-GB" dirty="0"/>
+              <a:t> L DNN</a:t>
+            </a:r>
+          </a:p>
+          <a:p>
+            <a:endParaRPr lang="en-GB" dirty="0"/>
+          </a:p>
+        </p:txBody>
+      </p:sp>
+      <p:sp>
+        <p:nvSpPr>
+          <p:cNvPr id="7" name="Titel 6">
+            <a:extLst>
+              <a:ext uri="{FF2B5EF4-FFF2-40B4-BE49-F238E27FC236}">
+                <a16:creationId xmlns:a16="http://schemas.microsoft.com/office/drawing/2014/main" id="{561904D7-CEEC-4A88-8936-E7FD5B3001D4}"/>
+              </a:ext>
+            </a:extLst>
+          </p:cNvPr>
+          <p:cNvSpPr>
+            <a:spLocks noGrp="1"/>
+          </p:cNvSpPr>
+          <p:nvPr>
+            <p:ph type="title"/>
+          </p:nvPr>
+        </p:nvSpPr>
+        <p:spPr/>
+        <p:txBody>
+          <a:bodyPr/>
+          <a:lstStyle/>
+          <a:p>
+            <a:r>
+              <a:rPr lang="en-US" dirty="0" err="1"/>
+              <a:t>Konzeption</a:t>
+            </a:r>
+            <a:r>
+              <a:rPr lang="en-US" dirty="0"/>
+              <a:t> L DNN und </a:t>
+            </a:r>
+            <a:r>
+              <a:rPr lang="en-US" dirty="0" err="1"/>
+              <a:t>prototypische</a:t>
+            </a:r>
+            <a:r>
+              <a:rPr lang="en-US" dirty="0"/>
+              <a:t> </a:t>
+            </a:r>
+            <a:r>
+              <a:rPr lang="en-US" dirty="0" err="1"/>
+              <a:t>Umsetzung</a:t>
+            </a:r>
+            <a:endParaRPr lang="en-GB" dirty="0"/>
+          </a:p>
+        </p:txBody>
+      </p:sp>
+      <p:graphicFrame>
+        <p:nvGraphicFramePr>
+          <p:cNvPr id="8" name="Tabelle 7">
+            <a:extLst>
+              <a:ext uri="{FF2B5EF4-FFF2-40B4-BE49-F238E27FC236}">
+                <a16:creationId xmlns:a16="http://schemas.microsoft.com/office/drawing/2014/main" id="{17D0B503-D2C2-41AD-A409-01863C05CE2A}"/>
+              </a:ext>
+            </a:extLst>
+          </p:cNvPr>
+          <p:cNvGraphicFramePr>
+            <a:graphicFrameLocks noGrp="1"/>
+          </p:cNvGraphicFramePr>
+          <p:nvPr>
+            <p:extLst>
+              <p:ext uri="{D42A27DB-BD31-4B8C-83A1-F6EECF244321}">
+                <p14:modId xmlns:p14="http://schemas.microsoft.com/office/powerpoint/2010/main" val="995017482"/>
+              </p:ext>
+            </p:extLst>
+          </p:nvPr>
+        </p:nvGraphicFramePr>
+        <p:xfrm>
+          <a:off x="1647825" y="3124440"/>
+          <a:ext cx="5848349" cy="2194560"/>
+        </p:xfrm>
+        <a:graphic>
+          <a:graphicData uri="http://schemas.openxmlformats.org/drawingml/2006/table">
+            <a:tbl>
+              <a:tblPr firstRow="1" firstCol="1" bandRow="1">
+                <a:tableStyleId>{5C22544A-7EE6-4342-B048-85BDC9FD1C3A}</a:tableStyleId>
+              </a:tblPr>
+              <a:tblGrid>
+                <a:gridCol w="986889">
+                  <a:extLst>
+                    <a:ext uri="{9D8B030D-6E8A-4147-A177-3AD203B41FA5}">
+                      <a16:colId xmlns:a16="http://schemas.microsoft.com/office/drawing/2014/main" val="4272520468"/>
+                    </a:ext>
+                  </a:extLst>
+                </a:gridCol>
+                <a:gridCol w="899307">
+                  <a:extLst>
+                    <a:ext uri="{9D8B030D-6E8A-4147-A177-3AD203B41FA5}">
+                      <a16:colId xmlns:a16="http://schemas.microsoft.com/office/drawing/2014/main" val="1620265500"/>
+                    </a:ext>
+                  </a:extLst>
+                </a:gridCol>
+                <a:gridCol w="899941">
+                  <a:extLst>
+                    <a:ext uri="{9D8B030D-6E8A-4147-A177-3AD203B41FA5}">
+                      <a16:colId xmlns:a16="http://schemas.microsoft.com/office/drawing/2014/main" val="1141754706"/>
+                    </a:ext>
+                  </a:extLst>
+                </a:gridCol>
+                <a:gridCol w="723507">
+                  <a:extLst>
+                    <a:ext uri="{9D8B030D-6E8A-4147-A177-3AD203B41FA5}">
+                      <a16:colId xmlns:a16="http://schemas.microsoft.com/office/drawing/2014/main" val="1066022294"/>
+                    </a:ext>
+                  </a:extLst>
+                </a:gridCol>
+                <a:gridCol w="1169035">
+                  <a:extLst>
+                    <a:ext uri="{9D8B030D-6E8A-4147-A177-3AD203B41FA5}">
+                      <a16:colId xmlns:a16="http://schemas.microsoft.com/office/drawing/2014/main" val="4006593315"/>
+                    </a:ext>
+                  </a:extLst>
+                </a:gridCol>
+                <a:gridCol w="1169670">
+                  <a:extLst>
+                    <a:ext uri="{9D8B030D-6E8A-4147-A177-3AD203B41FA5}">
+                      <a16:colId xmlns:a16="http://schemas.microsoft.com/office/drawing/2014/main" val="4095013590"/>
+                    </a:ext>
+                  </a:extLst>
+                </a:gridCol>
+              </a:tblGrid>
+              <a:tr h="0">
+                <a:tc>
+                  <a:txBody>
+                    <a:bodyPr/>
+                    <a:lstStyle/>
+                    <a:p>
+                      <a:pPr algn="just">
+                        <a:spcAft>
+                          <a:spcPts val="0"/>
+                        </a:spcAft>
+                      </a:pPr>
+                      <a:r>
+                        <a:rPr lang="de-DE" sz="1200">
+                          <a:effectLst/>
+                        </a:rPr>
+                        <a:t>Netzwerk-Architektur</a:t>
+                      </a:r>
+                      <a:endParaRPr lang="de-DE" sz="1200">
+                        <a:effectLst/>
+                        <a:latin typeface="Arial" panose="020B0604020202020204" pitchFamily="34" charset="0"/>
+                        <a:ea typeface="Times New Roman" panose="02020603050405020304" pitchFamily="18" charset="0"/>
+                        <a:cs typeface="Times New Roman" panose="02020603050405020304" pitchFamily="18" charset="0"/>
+                      </a:endParaRPr>
+                    </a:p>
+                  </a:txBody>
+                  <a:tcPr marL="68580" marR="68580" marT="0" marB="0"/>
+                </a:tc>
+                <a:tc>
+                  <a:txBody>
+                    <a:bodyPr/>
+                    <a:lstStyle/>
+                    <a:p>
+                      <a:pPr algn="just">
+                        <a:spcAft>
+                          <a:spcPts val="0"/>
+                        </a:spcAft>
+                      </a:pPr>
+                      <a:r>
+                        <a:rPr lang="de-DE" sz="1200">
+                          <a:effectLst/>
+                        </a:rPr>
+                        <a:t>Anzahl Parameter</a:t>
+                      </a:r>
+                      <a:endParaRPr lang="de-DE" sz="1200">
+                        <a:effectLst/>
+                        <a:latin typeface="Arial" panose="020B0604020202020204" pitchFamily="34" charset="0"/>
+                        <a:ea typeface="Times New Roman" panose="02020603050405020304" pitchFamily="18" charset="0"/>
+                        <a:cs typeface="Times New Roman" panose="02020603050405020304" pitchFamily="18" charset="0"/>
+                      </a:endParaRPr>
+                    </a:p>
+                  </a:txBody>
+                  <a:tcPr marL="68580" marR="68580" marT="0" marB="0"/>
+                </a:tc>
+                <a:tc>
+                  <a:txBody>
+                    <a:bodyPr/>
+                    <a:lstStyle/>
+                    <a:p>
+                      <a:pPr algn="just">
+                        <a:spcAft>
+                          <a:spcPts val="0"/>
+                        </a:spcAft>
+                      </a:pPr>
+                      <a:r>
+                        <a:rPr lang="de-DE" sz="1200">
+                          <a:effectLst/>
+                        </a:rPr>
+                        <a:t>Speicher-bedarf</a:t>
+                      </a:r>
+                    </a:p>
+                    <a:p>
+                      <a:pPr algn="just">
+                        <a:spcAft>
+                          <a:spcPts val="0"/>
+                        </a:spcAft>
+                      </a:pPr>
+                      <a:r>
+                        <a:rPr lang="de-DE" sz="1200">
+                          <a:effectLst/>
+                        </a:rPr>
+                        <a:t>Parameter</a:t>
+                      </a:r>
+                      <a:endParaRPr lang="de-DE" sz="1200">
+                        <a:effectLst/>
+                        <a:latin typeface="Arial" panose="020B0604020202020204" pitchFamily="34" charset="0"/>
+                        <a:ea typeface="Times New Roman" panose="02020603050405020304" pitchFamily="18" charset="0"/>
+                        <a:cs typeface="Times New Roman" panose="02020603050405020304" pitchFamily="18" charset="0"/>
+                      </a:endParaRPr>
+                    </a:p>
+                  </a:txBody>
+                  <a:tcPr marL="68580" marR="68580" marT="0" marB="0"/>
+                </a:tc>
+                <a:tc>
+                  <a:txBody>
+                    <a:bodyPr/>
+                    <a:lstStyle/>
+                    <a:p>
+                      <a:pPr algn="just">
+                        <a:spcAft>
+                          <a:spcPts val="0"/>
+                        </a:spcAft>
+                      </a:pPr>
+                      <a:r>
+                        <a:rPr lang="de-DE" sz="1200">
+                          <a:effectLst/>
+                        </a:rPr>
+                        <a:t>Anzahl</a:t>
+                      </a:r>
+                    </a:p>
+                    <a:p>
+                      <a:pPr algn="just">
+                        <a:spcAft>
+                          <a:spcPts val="0"/>
+                        </a:spcAft>
+                      </a:pPr>
+                      <a:r>
+                        <a:rPr lang="de-DE" sz="1200">
+                          <a:effectLst/>
+                        </a:rPr>
+                        <a:t>FLOPs</a:t>
+                      </a:r>
+                      <a:endParaRPr lang="de-DE" sz="1200">
+                        <a:effectLst/>
+                        <a:latin typeface="Arial" panose="020B0604020202020204" pitchFamily="34" charset="0"/>
+                        <a:ea typeface="Times New Roman" panose="02020603050405020304" pitchFamily="18" charset="0"/>
+                        <a:cs typeface="Times New Roman" panose="02020603050405020304" pitchFamily="18" charset="0"/>
+                      </a:endParaRPr>
+                    </a:p>
+                  </a:txBody>
+                  <a:tcPr marL="68580" marR="68580" marT="0" marB="0"/>
+                </a:tc>
+                <a:tc>
+                  <a:txBody>
+                    <a:bodyPr/>
+                    <a:lstStyle/>
+                    <a:p>
+                      <a:pPr algn="just">
+                        <a:spcAft>
+                          <a:spcPts val="0"/>
+                        </a:spcAft>
+                      </a:pPr>
+                      <a:r>
+                        <a:rPr lang="de-DE" sz="1200">
+                          <a:effectLst/>
+                        </a:rPr>
+                        <a:t>Top-1 Klassifikationsfehler</a:t>
+                      </a:r>
+                      <a:endParaRPr lang="de-DE" sz="1200">
+                        <a:effectLst/>
+                        <a:latin typeface="Arial" panose="020B0604020202020204" pitchFamily="34" charset="0"/>
+                        <a:ea typeface="Times New Roman" panose="02020603050405020304" pitchFamily="18" charset="0"/>
+                        <a:cs typeface="Times New Roman" panose="02020603050405020304" pitchFamily="18" charset="0"/>
+                      </a:endParaRPr>
+                    </a:p>
+                  </a:txBody>
+                  <a:tcPr marL="68580" marR="68580" marT="0" marB="0"/>
+                </a:tc>
+                <a:tc>
+                  <a:txBody>
+                    <a:bodyPr/>
+                    <a:lstStyle/>
+                    <a:p>
+                      <a:pPr algn="just">
+                        <a:spcAft>
+                          <a:spcPts val="0"/>
+                        </a:spcAft>
+                      </a:pPr>
+                      <a:r>
+                        <a:rPr lang="de-DE" sz="1200">
+                          <a:effectLst/>
+                        </a:rPr>
+                        <a:t>Top-5 Klassifikationsfehler</a:t>
+                      </a:r>
+                      <a:endParaRPr lang="de-DE" sz="1200">
+                        <a:effectLst/>
+                        <a:latin typeface="Arial" panose="020B0604020202020204" pitchFamily="34" charset="0"/>
+                        <a:ea typeface="Times New Roman" panose="02020603050405020304" pitchFamily="18" charset="0"/>
+                        <a:cs typeface="Times New Roman" panose="02020603050405020304" pitchFamily="18" charset="0"/>
+                      </a:endParaRPr>
+                    </a:p>
+                  </a:txBody>
+                  <a:tcPr marL="68580" marR="68580" marT="0" marB="0"/>
+                </a:tc>
+                <a:extLst>
+                  <a:ext uri="{0D108BD9-81ED-4DB2-BD59-A6C34878D82A}">
+                    <a16:rowId xmlns:a16="http://schemas.microsoft.com/office/drawing/2014/main" val="3401362811"/>
+                  </a:ext>
+                </a:extLst>
+              </a:tr>
+              <a:tr h="0">
+                <a:tc>
+                  <a:txBody>
+                    <a:bodyPr/>
+                    <a:lstStyle/>
+                    <a:p>
+                      <a:pPr algn="just">
+                        <a:spcAft>
+                          <a:spcPts val="0"/>
+                        </a:spcAft>
+                      </a:pPr>
+                      <a:r>
+                        <a:rPr lang="de-DE" sz="1200">
+                          <a:effectLst/>
+                        </a:rPr>
+                        <a:t>AlexNet</a:t>
+                      </a:r>
+                      <a:endParaRPr lang="de-DE" sz="1200">
+                        <a:effectLst/>
+                        <a:latin typeface="Arial" panose="020B0604020202020204" pitchFamily="34" charset="0"/>
+                        <a:ea typeface="Times New Roman" panose="02020603050405020304" pitchFamily="18" charset="0"/>
+                        <a:cs typeface="Times New Roman" panose="02020603050405020304" pitchFamily="18" charset="0"/>
+                      </a:endParaRPr>
+                    </a:p>
+                  </a:txBody>
+                  <a:tcPr marL="68580" marR="68580" marT="0" marB="0"/>
+                </a:tc>
+                <a:tc>
+                  <a:txBody>
+                    <a:bodyPr/>
+                    <a:lstStyle/>
+                    <a:p>
+                      <a:pPr algn="ctr">
+                        <a:spcAft>
+                          <a:spcPts val="0"/>
+                        </a:spcAft>
+                      </a:pPr>
+                      <a:r>
+                        <a:rPr lang="de-DE" sz="1200">
+                          <a:effectLst/>
+                        </a:rPr>
+                        <a:t>60x10</a:t>
+                      </a:r>
+                      <a:r>
+                        <a:rPr lang="de-DE" sz="1200" baseline="30000">
+                          <a:effectLst/>
+                        </a:rPr>
+                        <a:t>6</a:t>
+                      </a:r>
+                      <a:endParaRPr lang="de-DE" sz="1200">
+                        <a:effectLst/>
+                        <a:latin typeface="Arial" panose="020B0604020202020204" pitchFamily="34" charset="0"/>
+                        <a:ea typeface="Times New Roman" panose="02020603050405020304" pitchFamily="18" charset="0"/>
+                        <a:cs typeface="Times New Roman" panose="02020603050405020304" pitchFamily="18" charset="0"/>
+                      </a:endParaRPr>
+                    </a:p>
+                  </a:txBody>
+                  <a:tcPr marL="68580" marR="68580" marT="0" marB="0"/>
+                </a:tc>
+                <a:tc>
+                  <a:txBody>
+                    <a:bodyPr/>
+                    <a:lstStyle/>
+                    <a:p>
+                      <a:pPr algn="ctr">
+                        <a:spcAft>
+                          <a:spcPts val="0"/>
+                        </a:spcAft>
+                      </a:pPr>
+                      <a:r>
+                        <a:rPr lang="de-DE" sz="1200">
+                          <a:effectLst/>
+                        </a:rPr>
+                        <a:t>240 MB</a:t>
+                      </a:r>
+                      <a:endParaRPr lang="de-DE" sz="1200">
+                        <a:effectLst/>
+                        <a:latin typeface="Arial" panose="020B0604020202020204" pitchFamily="34" charset="0"/>
+                        <a:ea typeface="Times New Roman" panose="02020603050405020304" pitchFamily="18" charset="0"/>
+                        <a:cs typeface="Times New Roman" panose="02020603050405020304" pitchFamily="18" charset="0"/>
+                      </a:endParaRPr>
+                    </a:p>
+                  </a:txBody>
+                  <a:tcPr marL="68580" marR="68580" marT="0" marB="0"/>
+                </a:tc>
+                <a:tc>
+                  <a:txBody>
+                    <a:bodyPr/>
+                    <a:lstStyle/>
+                    <a:p>
+                      <a:pPr algn="ctr">
+                        <a:spcAft>
+                          <a:spcPts val="0"/>
+                        </a:spcAft>
+                      </a:pPr>
+                      <a:r>
+                        <a:rPr lang="de-DE" sz="1200">
+                          <a:effectLst/>
+                        </a:rPr>
+                        <a:t>0.7x10</a:t>
+                      </a:r>
+                      <a:r>
+                        <a:rPr lang="de-DE" sz="1200" baseline="30000">
+                          <a:effectLst/>
+                        </a:rPr>
+                        <a:t>9</a:t>
+                      </a:r>
+                      <a:endParaRPr lang="de-DE" sz="1200">
+                        <a:effectLst/>
+                        <a:latin typeface="Arial" panose="020B0604020202020204" pitchFamily="34" charset="0"/>
+                        <a:ea typeface="Times New Roman" panose="02020603050405020304" pitchFamily="18" charset="0"/>
+                        <a:cs typeface="Times New Roman" panose="02020603050405020304" pitchFamily="18" charset="0"/>
+                      </a:endParaRPr>
+                    </a:p>
+                  </a:txBody>
+                  <a:tcPr marL="68580" marR="68580" marT="0" marB="0"/>
+                </a:tc>
+                <a:tc>
+                  <a:txBody>
+                    <a:bodyPr/>
+                    <a:lstStyle/>
+                    <a:p>
+                      <a:pPr algn="ctr">
+                        <a:spcAft>
+                          <a:spcPts val="0"/>
+                        </a:spcAft>
+                      </a:pPr>
+                      <a:r>
+                        <a:rPr lang="de-DE" sz="1200">
+                          <a:effectLst/>
+                        </a:rPr>
+                        <a:t>36.7 %</a:t>
+                      </a:r>
+                      <a:endParaRPr lang="de-DE" sz="1200">
+                        <a:effectLst/>
+                        <a:latin typeface="Arial" panose="020B0604020202020204" pitchFamily="34" charset="0"/>
+                        <a:ea typeface="Times New Roman" panose="02020603050405020304" pitchFamily="18" charset="0"/>
+                        <a:cs typeface="Times New Roman" panose="02020603050405020304" pitchFamily="18" charset="0"/>
+                      </a:endParaRPr>
+                    </a:p>
+                  </a:txBody>
+                  <a:tcPr marL="68580" marR="68580" marT="0" marB="0"/>
+                </a:tc>
+                <a:tc>
+                  <a:txBody>
+                    <a:bodyPr/>
+                    <a:lstStyle/>
+                    <a:p>
+                      <a:pPr algn="ctr">
+                        <a:spcAft>
+                          <a:spcPts val="0"/>
+                        </a:spcAft>
+                      </a:pPr>
+                      <a:r>
+                        <a:rPr lang="de-DE" sz="1200">
+                          <a:effectLst/>
+                        </a:rPr>
+                        <a:t>15.3 %</a:t>
+                      </a:r>
+                      <a:endParaRPr lang="de-DE" sz="1200">
+                        <a:effectLst/>
+                        <a:latin typeface="Arial" panose="020B0604020202020204" pitchFamily="34" charset="0"/>
+                        <a:ea typeface="Times New Roman" panose="02020603050405020304" pitchFamily="18" charset="0"/>
+                        <a:cs typeface="Times New Roman" panose="02020603050405020304" pitchFamily="18" charset="0"/>
+                      </a:endParaRPr>
+                    </a:p>
+                  </a:txBody>
+                  <a:tcPr marL="68580" marR="68580" marT="0" marB="0"/>
+                </a:tc>
+                <a:extLst>
+                  <a:ext uri="{0D108BD9-81ED-4DB2-BD59-A6C34878D82A}">
+                    <a16:rowId xmlns:a16="http://schemas.microsoft.com/office/drawing/2014/main" val="2769708010"/>
+                  </a:ext>
+                </a:extLst>
+              </a:tr>
+              <a:tr h="0">
+                <a:tc>
+                  <a:txBody>
+                    <a:bodyPr/>
+                    <a:lstStyle/>
+                    <a:p>
+                      <a:pPr algn="just">
+                        <a:spcAft>
+                          <a:spcPts val="0"/>
+                        </a:spcAft>
+                      </a:pPr>
+                      <a:r>
+                        <a:rPr lang="de-DE" sz="1200">
+                          <a:effectLst/>
+                        </a:rPr>
+                        <a:t>VGG-16</a:t>
+                      </a:r>
+                      <a:endParaRPr lang="de-DE" sz="1200">
+                        <a:effectLst/>
+                        <a:latin typeface="Arial" panose="020B0604020202020204" pitchFamily="34" charset="0"/>
+                        <a:ea typeface="Times New Roman" panose="02020603050405020304" pitchFamily="18" charset="0"/>
+                        <a:cs typeface="Times New Roman" panose="02020603050405020304" pitchFamily="18" charset="0"/>
+                      </a:endParaRPr>
+                    </a:p>
+                  </a:txBody>
+                  <a:tcPr marL="68580" marR="68580" marT="0" marB="0"/>
+                </a:tc>
+                <a:tc>
+                  <a:txBody>
+                    <a:bodyPr/>
+                    <a:lstStyle/>
+                    <a:p>
+                      <a:pPr algn="ctr">
+                        <a:spcAft>
+                          <a:spcPts val="0"/>
+                        </a:spcAft>
+                      </a:pPr>
+                      <a:r>
+                        <a:rPr lang="de-DE" sz="1200">
+                          <a:effectLst/>
+                        </a:rPr>
+                        <a:t>138x10</a:t>
+                      </a:r>
+                      <a:r>
+                        <a:rPr lang="de-DE" sz="1200" baseline="30000">
+                          <a:effectLst/>
+                        </a:rPr>
+                        <a:t>6</a:t>
+                      </a:r>
+                      <a:endParaRPr lang="de-DE" sz="1200">
+                        <a:effectLst/>
+                        <a:latin typeface="Arial" panose="020B0604020202020204" pitchFamily="34" charset="0"/>
+                        <a:ea typeface="Times New Roman" panose="02020603050405020304" pitchFamily="18" charset="0"/>
+                        <a:cs typeface="Times New Roman" panose="02020603050405020304" pitchFamily="18" charset="0"/>
+                      </a:endParaRPr>
+                    </a:p>
+                  </a:txBody>
+                  <a:tcPr marL="68580" marR="68580" marT="0" marB="0"/>
+                </a:tc>
+                <a:tc>
+                  <a:txBody>
+                    <a:bodyPr/>
+                    <a:lstStyle/>
+                    <a:p>
+                      <a:pPr algn="ctr">
+                        <a:spcAft>
+                          <a:spcPts val="0"/>
+                        </a:spcAft>
+                      </a:pPr>
+                      <a:r>
+                        <a:rPr lang="de-DE" sz="1200">
+                          <a:effectLst/>
+                        </a:rPr>
+                        <a:t>552 MB</a:t>
+                      </a:r>
+                      <a:endParaRPr lang="de-DE" sz="1200">
+                        <a:effectLst/>
+                        <a:latin typeface="Arial" panose="020B0604020202020204" pitchFamily="34" charset="0"/>
+                        <a:ea typeface="Times New Roman" panose="02020603050405020304" pitchFamily="18" charset="0"/>
+                        <a:cs typeface="Times New Roman" panose="02020603050405020304" pitchFamily="18" charset="0"/>
+                      </a:endParaRPr>
+                    </a:p>
+                  </a:txBody>
+                  <a:tcPr marL="68580" marR="68580" marT="0" marB="0"/>
+                </a:tc>
+                <a:tc>
+                  <a:txBody>
+                    <a:bodyPr/>
+                    <a:lstStyle/>
+                    <a:p>
+                      <a:pPr algn="ctr">
+                        <a:spcAft>
+                          <a:spcPts val="0"/>
+                        </a:spcAft>
+                      </a:pPr>
+                      <a:r>
+                        <a:rPr lang="de-DE" sz="1200">
+                          <a:effectLst/>
+                        </a:rPr>
+                        <a:t>16x10</a:t>
+                      </a:r>
+                      <a:r>
+                        <a:rPr lang="de-DE" sz="1200" baseline="30000">
+                          <a:effectLst/>
+                        </a:rPr>
+                        <a:t>9</a:t>
+                      </a:r>
+                      <a:endParaRPr lang="de-DE" sz="1200">
+                        <a:effectLst/>
+                        <a:latin typeface="Arial" panose="020B0604020202020204" pitchFamily="34" charset="0"/>
+                        <a:ea typeface="Times New Roman" panose="02020603050405020304" pitchFamily="18" charset="0"/>
+                        <a:cs typeface="Times New Roman" panose="02020603050405020304" pitchFamily="18" charset="0"/>
+                      </a:endParaRPr>
+                    </a:p>
+                  </a:txBody>
+                  <a:tcPr marL="68580" marR="68580" marT="0" marB="0"/>
+                </a:tc>
+                <a:tc>
+                  <a:txBody>
+                    <a:bodyPr/>
+                    <a:lstStyle/>
+                    <a:p>
+                      <a:pPr algn="ctr">
+                        <a:spcAft>
+                          <a:spcPts val="0"/>
+                        </a:spcAft>
+                      </a:pPr>
+                      <a:r>
+                        <a:rPr lang="de-DE" sz="1200">
+                          <a:effectLst/>
+                        </a:rPr>
+                        <a:t>25.6 %</a:t>
+                      </a:r>
+                      <a:endParaRPr lang="de-DE" sz="1200">
+                        <a:effectLst/>
+                        <a:latin typeface="Arial" panose="020B0604020202020204" pitchFamily="34" charset="0"/>
+                        <a:ea typeface="Times New Roman" panose="02020603050405020304" pitchFamily="18" charset="0"/>
+                        <a:cs typeface="Times New Roman" panose="02020603050405020304" pitchFamily="18" charset="0"/>
+                      </a:endParaRPr>
+                    </a:p>
+                  </a:txBody>
+                  <a:tcPr marL="68580" marR="68580" marT="0" marB="0"/>
+                </a:tc>
+                <a:tc>
+                  <a:txBody>
+                    <a:bodyPr/>
+                    <a:lstStyle/>
+                    <a:p>
+                      <a:pPr algn="ctr">
+                        <a:spcAft>
+                          <a:spcPts val="0"/>
+                        </a:spcAft>
+                      </a:pPr>
+                      <a:r>
+                        <a:rPr lang="de-DE" sz="1200">
+                          <a:effectLst/>
+                        </a:rPr>
+                        <a:t>8.1 %</a:t>
+                      </a:r>
+                      <a:endParaRPr lang="de-DE" sz="1200">
+                        <a:effectLst/>
+                        <a:latin typeface="Arial" panose="020B0604020202020204" pitchFamily="34" charset="0"/>
+                        <a:ea typeface="Times New Roman" panose="02020603050405020304" pitchFamily="18" charset="0"/>
+                        <a:cs typeface="Times New Roman" panose="02020603050405020304" pitchFamily="18" charset="0"/>
+                      </a:endParaRPr>
+                    </a:p>
+                  </a:txBody>
+                  <a:tcPr marL="68580" marR="68580" marT="0" marB="0"/>
+                </a:tc>
+                <a:extLst>
+                  <a:ext uri="{0D108BD9-81ED-4DB2-BD59-A6C34878D82A}">
+                    <a16:rowId xmlns:a16="http://schemas.microsoft.com/office/drawing/2014/main" val="1187048430"/>
+                  </a:ext>
+                </a:extLst>
+              </a:tr>
+              <a:tr h="0">
+                <a:tc>
+                  <a:txBody>
+                    <a:bodyPr/>
+                    <a:lstStyle/>
+                    <a:p>
+                      <a:pPr algn="just">
+                        <a:spcAft>
+                          <a:spcPts val="0"/>
+                        </a:spcAft>
+                      </a:pPr>
+                      <a:r>
+                        <a:rPr lang="de-DE" sz="1200">
+                          <a:effectLst/>
+                        </a:rPr>
+                        <a:t>VGG-19</a:t>
+                      </a:r>
+                      <a:endParaRPr lang="de-DE" sz="1200">
+                        <a:effectLst/>
+                        <a:latin typeface="Arial" panose="020B0604020202020204" pitchFamily="34" charset="0"/>
+                        <a:ea typeface="Times New Roman" panose="02020603050405020304" pitchFamily="18" charset="0"/>
+                        <a:cs typeface="Times New Roman" panose="02020603050405020304" pitchFamily="18" charset="0"/>
+                      </a:endParaRPr>
+                    </a:p>
+                  </a:txBody>
+                  <a:tcPr marL="68580" marR="68580" marT="0" marB="0"/>
+                </a:tc>
+                <a:tc>
+                  <a:txBody>
+                    <a:bodyPr/>
+                    <a:lstStyle/>
+                    <a:p>
+                      <a:pPr algn="ctr">
+                        <a:spcAft>
+                          <a:spcPts val="0"/>
+                        </a:spcAft>
+                      </a:pPr>
+                      <a:r>
+                        <a:rPr lang="de-DE" sz="1200">
+                          <a:effectLst/>
+                        </a:rPr>
+                        <a:t>144x10</a:t>
+                      </a:r>
+                      <a:r>
+                        <a:rPr lang="de-DE" sz="1200" baseline="30000">
+                          <a:effectLst/>
+                        </a:rPr>
+                        <a:t>6</a:t>
+                      </a:r>
+                      <a:endParaRPr lang="de-DE" sz="1200">
+                        <a:effectLst/>
+                        <a:latin typeface="Arial" panose="020B0604020202020204" pitchFamily="34" charset="0"/>
+                        <a:ea typeface="Times New Roman" panose="02020603050405020304" pitchFamily="18" charset="0"/>
+                        <a:cs typeface="Times New Roman" panose="02020603050405020304" pitchFamily="18" charset="0"/>
+                      </a:endParaRPr>
+                    </a:p>
+                  </a:txBody>
+                  <a:tcPr marL="68580" marR="68580" marT="0" marB="0"/>
+                </a:tc>
+                <a:tc>
+                  <a:txBody>
+                    <a:bodyPr/>
+                    <a:lstStyle/>
+                    <a:p>
+                      <a:pPr algn="ctr">
+                        <a:spcAft>
+                          <a:spcPts val="0"/>
+                        </a:spcAft>
+                      </a:pPr>
+                      <a:r>
+                        <a:rPr lang="de-DE" sz="1200">
+                          <a:effectLst/>
+                        </a:rPr>
+                        <a:t>576 MB</a:t>
+                      </a:r>
+                      <a:endParaRPr lang="de-DE" sz="1200">
+                        <a:effectLst/>
+                        <a:latin typeface="Arial" panose="020B0604020202020204" pitchFamily="34" charset="0"/>
+                        <a:ea typeface="Times New Roman" panose="02020603050405020304" pitchFamily="18" charset="0"/>
+                        <a:cs typeface="Times New Roman" panose="02020603050405020304" pitchFamily="18" charset="0"/>
+                      </a:endParaRPr>
+                    </a:p>
+                  </a:txBody>
+                  <a:tcPr marL="68580" marR="68580" marT="0" marB="0"/>
+                </a:tc>
+                <a:tc>
+                  <a:txBody>
+                    <a:bodyPr/>
+                    <a:lstStyle/>
+                    <a:p>
+                      <a:pPr algn="ctr">
+                        <a:spcAft>
+                          <a:spcPts val="0"/>
+                        </a:spcAft>
+                      </a:pPr>
+                      <a:r>
+                        <a:rPr lang="de-DE" sz="1200">
+                          <a:effectLst/>
+                        </a:rPr>
+                        <a:t>20x10</a:t>
+                      </a:r>
+                      <a:r>
+                        <a:rPr lang="de-DE" sz="1200" baseline="30000">
+                          <a:effectLst/>
+                        </a:rPr>
+                        <a:t>9</a:t>
+                      </a:r>
+                      <a:endParaRPr lang="de-DE" sz="1200">
+                        <a:effectLst/>
+                        <a:latin typeface="Arial" panose="020B0604020202020204" pitchFamily="34" charset="0"/>
+                        <a:ea typeface="Times New Roman" panose="02020603050405020304" pitchFamily="18" charset="0"/>
+                        <a:cs typeface="Times New Roman" panose="02020603050405020304" pitchFamily="18" charset="0"/>
+                      </a:endParaRPr>
+                    </a:p>
+                  </a:txBody>
+                  <a:tcPr marL="68580" marR="68580" marT="0" marB="0"/>
+                </a:tc>
+                <a:tc>
+                  <a:txBody>
+                    <a:bodyPr/>
+                    <a:lstStyle/>
+                    <a:p>
+                      <a:pPr algn="ctr">
+                        <a:spcAft>
+                          <a:spcPts val="0"/>
+                        </a:spcAft>
+                      </a:pPr>
+                      <a:r>
+                        <a:rPr lang="de-DE" sz="1200">
+                          <a:effectLst/>
+                        </a:rPr>
+                        <a:t>25.5 %</a:t>
+                      </a:r>
+                      <a:endParaRPr lang="de-DE" sz="1200">
+                        <a:effectLst/>
+                        <a:latin typeface="Arial" panose="020B0604020202020204" pitchFamily="34" charset="0"/>
+                        <a:ea typeface="Times New Roman" panose="02020603050405020304" pitchFamily="18" charset="0"/>
+                        <a:cs typeface="Times New Roman" panose="02020603050405020304" pitchFamily="18" charset="0"/>
+                      </a:endParaRPr>
+                    </a:p>
+                  </a:txBody>
+                  <a:tcPr marL="68580" marR="68580" marT="0" marB="0"/>
+                </a:tc>
+                <a:tc>
+                  <a:txBody>
+                    <a:bodyPr/>
+                    <a:lstStyle/>
+                    <a:p>
+                      <a:pPr algn="ctr">
+                        <a:spcAft>
+                          <a:spcPts val="0"/>
+                        </a:spcAft>
+                      </a:pPr>
+                      <a:r>
+                        <a:rPr lang="de-DE" sz="1200">
+                          <a:effectLst/>
+                        </a:rPr>
+                        <a:t>8.0 %</a:t>
+                      </a:r>
+                      <a:endParaRPr lang="de-DE" sz="1200">
+                        <a:effectLst/>
+                        <a:latin typeface="Arial" panose="020B0604020202020204" pitchFamily="34" charset="0"/>
+                        <a:ea typeface="Times New Roman" panose="02020603050405020304" pitchFamily="18" charset="0"/>
+                        <a:cs typeface="Times New Roman" panose="02020603050405020304" pitchFamily="18" charset="0"/>
+                      </a:endParaRPr>
+                    </a:p>
+                  </a:txBody>
+                  <a:tcPr marL="68580" marR="68580" marT="0" marB="0"/>
+                </a:tc>
+                <a:extLst>
+                  <a:ext uri="{0D108BD9-81ED-4DB2-BD59-A6C34878D82A}">
+                    <a16:rowId xmlns:a16="http://schemas.microsoft.com/office/drawing/2014/main" val="3548051242"/>
+                  </a:ext>
+                </a:extLst>
+              </a:tr>
+              <a:tr h="0">
+                <a:tc>
+                  <a:txBody>
+                    <a:bodyPr/>
+                    <a:lstStyle/>
+                    <a:p>
+                      <a:pPr algn="just">
+                        <a:spcAft>
+                          <a:spcPts val="0"/>
+                        </a:spcAft>
+                      </a:pPr>
+                      <a:r>
+                        <a:rPr lang="de-DE" sz="1200">
+                          <a:effectLst/>
+                        </a:rPr>
+                        <a:t>ResNet-50</a:t>
+                      </a:r>
+                      <a:endParaRPr lang="de-DE" sz="1200">
+                        <a:effectLst/>
+                        <a:latin typeface="Arial" panose="020B0604020202020204" pitchFamily="34" charset="0"/>
+                        <a:ea typeface="Times New Roman" panose="02020603050405020304" pitchFamily="18" charset="0"/>
+                        <a:cs typeface="Times New Roman" panose="02020603050405020304" pitchFamily="18" charset="0"/>
+                      </a:endParaRPr>
+                    </a:p>
+                  </a:txBody>
+                  <a:tcPr marL="68580" marR="68580" marT="0" marB="0"/>
+                </a:tc>
+                <a:tc>
+                  <a:txBody>
+                    <a:bodyPr/>
+                    <a:lstStyle/>
+                    <a:p>
+                      <a:pPr algn="ctr">
+                        <a:spcAft>
+                          <a:spcPts val="0"/>
+                        </a:spcAft>
+                      </a:pPr>
+                      <a:r>
+                        <a:rPr lang="de-DE" sz="1200">
+                          <a:effectLst/>
+                        </a:rPr>
+                        <a:t>25.6x10</a:t>
+                      </a:r>
+                      <a:r>
+                        <a:rPr lang="de-DE" sz="1200" baseline="30000">
+                          <a:effectLst/>
+                        </a:rPr>
+                        <a:t>6</a:t>
+                      </a:r>
+                      <a:endParaRPr lang="de-DE" sz="1200">
+                        <a:effectLst/>
+                        <a:latin typeface="Arial" panose="020B0604020202020204" pitchFamily="34" charset="0"/>
+                        <a:ea typeface="Times New Roman" panose="02020603050405020304" pitchFamily="18" charset="0"/>
+                        <a:cs typeface="Times New Roman" panose="02020603050405020304" pitchFamily="18" charset="0"/>
+                      </a:endParaRPr>
+                    </a:p>
+                  </a:txBody>
+                  <a:tcPr marL="68580" marR="68580" marT="0" marB="0"/>
+                </a:tc>
+                <a:tc>
+                  <a:txBody>
+                    <a:bodyPr/>
+                    <a:lstStyle/>
+                    <a:p>
+                      <a:pPr algn="ctr">
+                        <a:spcAft>
+                          <a:spcPts val="0"/>
+                        </a:spcAft>
+                      </a:pPr>
+                      <a:r>
+                        <a:rPr lang="de-DE" sz="1200">
+                          <a:effectLst/>
+                        </a:rPr>
+                        <a:t>102 MB</a:t>
+                      </a:r>
+                      <a:endParaRPr lang="de-DE" sz="1200">
+                        <a:effectLst/>
+                        <a:latin typeface="Arial" panose="020B0604020202020204" pitchFamily="34" charset="0"/>
+                        <a:ea typeface="Times New Roman" panose="02020603050405020304" pitchFamily="18" charset="0"/>
+                        <a:cs typeface="Times New Roman" panose="02020603050405020304" pitchFamily="18" charset="0"/>
+                      </a:endParaRPr>
+                    </a:p>
+                  </a:txBody>
+                  <a:tcPr marL="68580" marR="68580" marT="0" marB="0"/>
+                </a:tc>
+                <a:tc>
+                  <a:txBody>
+                    <a:bodyPr/>
+                    <a:lstStyle/>
+                    <a:p>
+                      <a:pPr algn="ctr">
+                        <a:spcAft>
+                          <a:spcPts val="0"/>
+                        </a:spcAft>
+                      </a:pPr>
+                      <a:r>
+                        <a:rPr lang="de-DE" sz="1200">
+                          <a:effectLst/>
+                        </a:rPr>
+                        <a:t>4x10</a:t>
+                      </a:r>
+                      <a:r>
+                        <a:rPr lang="de-DE" sz="1200" baseline="30000">
+                          <a:effectLst/>
+                        </a:rPr>
+                        <a:t>9</a:t>
+                      </a:r>
+                      <a:endParaRPr lang="de-DE" sz="1200">
+                        <a:effectLst/>
+                        <a:latin typeface="Arial" panose="020B0604020202020204" pitchFamily="34" charset="0"/>
+                        <a:ea typeface="Times New Roman" panose="02020603050405020304" pitchFamily="18" charset="0"/>
+                        <a:cs typeface="Times New Roman" panose="02020603050405020304" pitchFamily="18" charset="0"/>
+                      </a:endParaRPr>
+                    </a:p>
+                  </a:txBody>
+                  <a:tcPr marL="68580" marR="68580" marT="0" marB="0"/>
+                </a:tc>
+                <a:tc>
+                  <a:txBody>
+                    <a:bodyPr/>
+                    <a:lstStyle/>
+                    <a:p>
+                      <a:pPr algn="ctr">
+                        <a:spcAft>
+                          <a:spcPts val="0"/>
+                        </a:spcAft>
+                      </a:pPr>
+                      <a:r>
+                        <a:rPr lang="de-DE" sz="1200">
+                          <a:effectLst/>
+                        </a:rPr>
+                        <a:t>20.7 %</a:t>
+                      </a:r>
+                      <a:endParaRPr lang="de-DE" sz="1200">
+                        <a:effectLst/>
+                        <a:latin typeface="Arial" panose="020B0604020202020204" pitchFamily="34" charset="0"/>
+                        <a:ea typeface="Times New Roman" panose="02020603050405020304" pitchFamily="18" charset="0"/>
+                        <a:cs typeface="Times New Roman" panose="02020603050405020304" pitchFamily="18" charset="0"/>
+                      </a:endParaRPr>
+                    </a:p>
+                  </a:txBody>
+                  <a:tcPr marL="68580" marR="68580" marT="0" marB="0"/>
+                </a:tc>
+                <a:tc>
+                  <a:txBody>
+                    <a:bodyPr/>
+                    <a:lstStyle/>
+                    <a:p>
+                      <a:pPr algn="ctr">
+                        <a:spcAft>
+                          <a:spcPts val="0"/>
+                        </a:spcAft>
+                      </a:pPr>
+                      <a:r>
+                        <a:rPr lang="de-DE" sz="1200">
+                          <a:effectLst/>
+                        </a:rPr>
+                        <a:t>5.3 %</a:t>
+                      </a:r>
+                      <a:endParaRPr lang="de-DE" sz="1200">
+                        <a:effectLst/>
+                        <a:latin typeface="Arial" panose="020B0604020202020204" pitchFamily="34" charset="0"/>
+                        <a:ea typeface="Times New Roman" panose="02020603050405020304" pitchFamily="18" charset="0"/>
+                        <a:cs typeface="Times New Roman" panose="02020603050405020304" pitchFamily="18" charset="0"/>
+                      </a:endParaRPr>
+                    </a:p>
+                  </a:txBody>
+                  <a:tcPr marL="68580" marR="68580" marT="0" marB="0"/>
+                </a:tc>
+                <a:extLst>
+                  <a:ext uri="{0D108BD9-81ED-4DB2-BD59-A6C34878D82A}">
+                    <a16:rowId xmlns:a16="http://schemas.microsoft.com/office/drawing/2014/main" val="2567725839"/>
+                  </a:ext>
+                </a:extLst>
+              </a:tr>
+              <a:tr h="0">
+                <a:tc>
+                  <a:txBody>
+                    <a:bodyPr/>
+                    <a:lstStyle/>
+                    <a:p>
+                      <a:pPr algn="just">
+                        <a:spcAft>
+                          <a:spcPts val="0"/>
+                        </a:spcAft>
+                      </a:pPr>
+                      <a:r>
+                        <a:rPr lang="de-DE" sz="1200">
+                          <a:effectLst/>
+                        </a:rPr>
+                        <a:t>ResNet-101</a:t>
+                      </a:r>
+                      <a:endParaRPr lang="de-DE" sz="1200">
+                        <a:effectLst/>
+                        <a:latin typeface="Arial" panose="020B0604020202020204" pitchFamily="34" charset="0"/>
+                        <a:ea typeface="Times New Roman" panose="02020603050405020304" pitchFamily="18" charset="0"/>
+                        <a:cs typeface="Times New Roman" panose="02020603050405020304" pitchFamily="18" charset="0"/>
+                      </a:endParaRPr>
+                    </a:p>
+                  </a:txBody>
+                  <a:tcPr marL="68580" marR="68580" marT="0" marB="0"/>
+                </a:tc>
+                <a:tc>
+                  <a:txBody>
+                    <a:bodyPr/>
+                    <a:lstStyle/>
+                    <a:p>
+                      <a:pPr algn="ctr">
+                        <a:spcAft>
+                          <a:spcPts val="0"/>
+                        </a:spcAft>
+                      </a:pPr>
+                      <a:r>
+                        <a:rPr lang="de-DE" sz="1200">
+                          <a:effectLst/>
+                        </a:rPr>
+                        <a:t>44.5x10</a:t>
+                      </a:r>
+                      <a:r>
+                        <a:rPr lang="de-DE" sz="1200" baseline="30000">
+                          <a:effectLst/>
+                        </a:rPr>
+                        <a:t>6</a:t>
+                      </a:r>
+                      <a:endParaRPr lang="de-DE" sz="1200">
+                        <a:effectLst/>
+                        <a:latin typeface="Arial" panose="020B0604020202020204" pitchFamily="34" charset="0"/>
+                        <a:ea typeface="Times New Roman" panose="02020603050405020304" pitchFamily="18" charset="0"/>
+                        <a:cs typeface="Times New Roman" panose="02020603050405020304" pitchFamily="18" charset="0"/>
+                      </a:endParaRPr>
+                    </a:p>
+                  </a:txBody>
+                  <a:tcPr marL="68580" marR="68580" marT="0" marB="0"/>
+                </a:tc>
+                <a:tc>
+                  <a:txBody>
+                    <a:bodyPr/>
+                    <a:lstStyle/>
+                    <a:p>
+                      <a:pPr algn="ctr">
+                        <a:spcAft>
+                          <a:spcPts val="0"/>
+                        </a:spcAft>
+                      </a:pPr>
+                      <a:r>
+                        <a:rPr lang="de-DE" sz="1200">
+                          <a:effectLst/>
+                        </a:rPr>
+                        <a:t>178 MB</a:t>
+                      </a:r>
+                      <a:endParaRPr lang="de-DE" sz="1200">
+                        <a:effectLst/>
+                        <a:latin typeface="Arial" panose="020B0604020202020204" pitchFamily="34" charset="0"/>
+                        <a:ea typeface="Times New Roman" panose="02020603050405020304" pitchFamily="18" charset="0"/>
+                        <a:cs typeface="Times New Roman" panose="02020603050405020304" pitchFamily="18" charset="0"/>
+                      </a:endParaRPr>
+                    </a:p>
+                  </a:txBody>
+                  <a:tcPr marL="68580" marR="68580" marT="0" marB="0"/>
+                </a:tc>
+                <a:tc>
+                  <a:txBody>
+                    <a:bodyPr/>
+                    <a:lstStyle/>
+                    <a:p>
+                      <a:pPr algn="ctr">
+                        <a:spcAft>
+                          <a:spcPts val="0"/>
+                        </a:spcAft>
+                      </a:pPr>
+                      <a:r>
+                        <a:rPr lang="de-DE" sz="1200">
+                          <a:effectLst/>
+                        </a:rPr>
+                        <a:t>8x10</a:t>
+                      </a:r>
+                      <a:r>
+                        <a:rPr lang="de-DE" sz="1200" baseline="30000">
+                          <a:effectLst/>
+                        </a:rPr>
+                        <a:t>9</a:t>
+                      </a:r>
+                      <a:endParaRPr lang="de-DE" sz="1200">
+                        <a:effectLst/>
+                        <a:latin typeface="Arial" panose="020B0604020202020204" pitchFamily="34" charset="0"/>
+                        <a:ea typeface="Times New Roman" panose="02020603050405020304" pitchFamily="18" charset="0"/>
+                        <a:cs typeface="Times New Roman" panose="02020603050405020304" pitchFamily="18" charset="0"/>
+                      </a:endParaRPr>
+                    </a:p>
+                  </a:txBody>
+                  <a:tcPr marL="68580" marR="68580" marT="0" marB="0"/>
+                </a:tc>
+                <a:tc>
+                  <a:txBody>
+                    <a:bodyPr/>
+                    <a:lstStyle/>
+                    <a:p>
+                      <a:pPr algn="ctr">
+                        <a:spcAft>
+                          <a:spcPts val="0"/>
+                        </a:spcAft>
+                      </a:pPr>
+                      <a:r>
+                        <a:rPr lang="de-DE" sz="1200">
+                          <a:effectLst/>
+                        </a:rPr>
+                        <a:t>19.9 %</a:t>
+                      </a:r>
+                      <a:endParaRPr lang="de-DE" sz="1200">
+                        <a:effectLst/>
+                        <a:latin typeface="Arial" panose="020B0604020202020204" pitchFamily="34" charset="0"/>
+                        <a:ea typeface="Times New Roman" panose="02020603050405020304" pitchFamily="18" charset="0"/>
+                        <a:cs typeface="Times New Roman" panose="02020603050405020304" pitchFamily="18" charset="0"/>
+                      </a:endParaRPr>
+                    </a:p>
+                  </a:txBody>
+                  <a:tcPr marL="68580" marR="68580" marT="0" marB="0"/>
+                </a:tc>
+                <a:tc>
+                  <a:txBody>
+                    <a:bodyPr/>
+                    <a:lstStyle/>
+                    <a:p>
+                      <a:pPr algn="ctr">
+                        <a:spcAft>
+                          <a:spcPts val="0"/>
+                        </a:spcAft>
+                      </a:pPr>
+                      <a:r>
+                        <a:rPr lang="de-DE" sz="1200">
+                          <a:effectLst/>
+                        </a:rPr>
+                        <a:t>4.6 %</a:t>
+                      </a:r>
+                      <a:endParaRPr lang="de-DE" sz="1200">
+                        <a:effectLst/>
+                        <a:latin typeface="Arial" panose="020B0604020202020204" pitchFamily="34" charset="0"/>
+                        <a:ea typeface="Times New Roman" panose="02020603050405020304" pitchFamily="18" charset="0"/>
+                        <a:cs typeface="Times New Roman" panose="02020603050405020304" pitchFamily="18" charset="0"/>
+                      </a:endParaRPr>
+                    </a:p>
+                  </a:txBody>
+                  <a:tcPr marL="68580" marR="68580" marT="0" marB="0"/>
+                </a:tc>
+                <a:extLst>
+                  <a:ext uri="{0D108BD9-81ED-4DB2-BD59-A6C34878D82A}">
+                    <a16:rowId xmlns:a16="http://schemas.microsoft.com/office/drawing/2014/main" val="2685043594"/>
+                  </a:ext>
+                </a:extLst>
+              </a:tr>
+              <a:tr h="0">
+                <a:tc>
+                  <a:txBody>
+                    <a:bodyPr/>
+                    <a:lstStyle/>
+                    <a:p>
+                      <a:pPr algn="just">
+                        <a:spcAft>
+                          <a:spcPts val="0"/>
+                        </a:spcAft>
+                      </a:pPr>
+                      <a:r>
+                        <a:rPr lang="de-DE" sz="1200">
+                          <a:effectLst/>
+                        </a:rPr>
+                        <a:t>Inception-V3</a:t>
+                      </a:r>
+                      <a:endParaRPr lang="de-DE" sz="1200">
+                        <a:effectLst/>
+                        <a:latin typeface="Arial" panose="020B0604020202020204" pitchFamily="34" charset="0"/>
+                        <a:ea typeface="Times New Roman" panose="02020603050405020304" pitchFamily="18" charset="0"/>
+                        <a:cs typeface="Times New Roman" panose="02020603050405020304" pitchFamily="18" charset="0"/>
+                      </a:endParaRPr>
+                    </a:p>
+                  </a:txBody>
+                  <a:tcPr marL="68580" marR="68580" marT="0" marB="0"/>
+                </a:tc>
+                <a:tc>
+                  <a:txBody>
+                    <a:bodyPr/>
+                    <a:lstStyle/>
+                    <a:p>
+                      <a:pPr algn="ctr">
+                        <a:spcAft>
+                          <a:spcPts val="0"/>
+                        </a:spcAft>
+                      </a:pPr>
+                      <a:r>
+                        <a:rPr lang="de-DE" sz="1200">
+                          <a:effectLst/>
+                        </a:rPr>
+                        <a:t>24x10</a:t>
+                      </a:r>
+                      <a:r>
+                        <a:rPr lang="de-DE" sz="1200" baseline="30000">
+                          <a:effectLst/>
+                        </a:rPr>
+                        <a:t>6</a:t>
+                      </a:r>
+                      <a:endParaRPr lang="de-DE" sz="1200">
+                        <a:effectLst/>
+                        <a:latin typeface="Arial" panose="020B0604020202020204" pitchFamily="34" charset="0"/>
+                        <a:ea typeface="Times New Roman" panose="02020603050405020304" pitchFamily="18" charset="0"/>
+                        <a:cs typeface="Times New Roman" panose="02020603050405020304" pitchFamily="18" charset="0"/>
+                      </a:endParaRPr>
+                    </a:p>
+                  </a:txBody>
+                  <a:tcPr marL="68580" marR="68580" marT="0" marB="0"/>
+                </a:tc>
+                <a:tc>
+                  <a:txBody>
+                    <a:bodyPr/>
+                    <a:lstStyle/>
+                    <a:p>
+                      <a:pPr algn="ctr">
+                        <a:spcAft>
+                          <a:spcPts val="0"/>
+                        </a:spcAft>
+                      </a:pPr>
+                      <a:r>
+                        <a:rPr lang="de-DE" sz="1200">
+                          <a:effectLst/>
+                        </a:rPr>
+                        <a:t>96 MB</a:t>
+                      </a:r>
+                      <a:endParaRPr lang="de-DE" sz="1200">
+                        <a:effectLst/>
+                        <a:latin typeface="Arial" panose="020B0604020202020204" pitchFamily="34" charset="0"/>
+                        <a:ea typeface="Times New Roman" panose="02020603050405020304" pitchFamily="18" charset="0"/>
+                        <a:cs typeface="Times New Roman" panose="02020603050405020304" pitchFamily="18" charset="0"/>
+                      </a:endParaRPr>
+                    </a:p>
+                  </a:txBody>
+                  <a:tcPr marL="68580" marR="68580" marT="0" marB="0"/>
+                </a:tc>
+                <a:tc>
+                  <a:txBody>
+                    <a:bodyPr/>
+                    <a:lstStyle/>
+                    <a:p>
+                      <a:pPr algn="ctr">
+                        <a:spcAft>
+                          <a:spcPts val="0"/>
+                        </a:spcAft>
+                      </a:pPr>
+                      <a:r>
+                        <a:rPr lang="de-DE" sz="1200">
+                          <a:effectLst/>
+                        </a:rPr>
+                        <a:t>4.8x10</a:t>
+                      </a:r>
+                      <a:r>
+                        <a:rPr lang="de-DE" sz="1200" baseline="30000">
+                          <a:effectLst/>
+                        </a:rPr>
+                        <a:t>9</a:t>
+                      </a:r>
+                      <a:endParaRPr lang="de-DE" sz="1200">
+                        <a:effectLst/>
+                        <a:latin typeface="Arial" panose="020B0604020202020204" pitchFamily="34" charset="0"/>
+                        <a:ea typeface="Times New Roman" panose="02020603050405020304" pitchFamily="18" charset="0"/>
+                        <a:cs typeface="Times New Roman" panose="02020603050405020304" pitchFamily="18" charset="0"/>
+                      </a:endParaRPr>
+                    </a:p>
+                  </a:txBody>
+                  <a:tcPr marL="68580" marR="68580" marT="0" marB="0"/>
+                </a:tc>
+                <a:tc>
+                  <a:txBody>
+                    <a:bodyPr/>
+                    <a:lstStyle/>
+                    <a:p>
+                      <a:pPr algn="ctr">
+                        <a:spcAft>
+                          <a:spcPts val="0"/>
+                        </a:spcAft>
+                      </a:pPr>
+                      <a:r>
+                        <a:rPr lang="de-DE" sz="1200">
+                          <a:effectLst/>
+                        </a:rPr>
+                        <a:t>21.6 %</a:t>
+                      </a:r>
+                      <a:endParaRPr lang="de-DE" sz="1200">
+                        <a:effectLst/>
+                        <a:latin typeface="Arial" panose="020B0604020202020204" pitchFamily="34" charset="0"/>
+                        <a:ea typeface="Times New Roman" panose="02020603050405020304" pitchFamily="18" charset="0"/>
+                        <a:cs typeface="Times New Roman" panose="02020603050405020304" pitchFamily="18" charset="0"/>
+                      </a:endParaRPr>
+                    </a:p>
+                  </a:txBody>
+                  <a:tcPr marL="68580" marR="68580" marT="0" marB="0"/>
+                </a:tc>
+                <a:tc>
+                  <a:txBody>
+                    <a:bodyPr/>
+                    <a:lstStyle/>
+                    <a:p>
+                      <a:pPr algn="ctr">
+                        <a:spcAft>
+                          <a:spcPts val="0"/>
+                        </a:spcAft>
+                      </a:pPr>
+                      <a:r>
+                        <a:rPr lang="de-DE" sz="1200">
+                          <a:effectLst/>
+                        </a:rPr>
+                        <a:t>5.6 %</a:t>
+                      </a:r>
+                      <a:endParaRPr lang="de-DE" sz="1200">
+                        <a:effectLst/>
+                        <a:latin typeface="Arial" panose="020B0604020202020204" pitchFamily="34" charset="0"/>
+                        <a:ea typeface="Times New Roman" panose="02020603050405020304" pitchFamily="18" charset="0"/>
+                        <a:cs typeface="Times New Roman" panose="02020603050405020304" pitchFamily="18" charset="0"/>
+                      </a:endParaRPr>
+                    </a:p>
+                  </a:txBody>
+                  <a:tcPr marL="68580" marR="68580" marT="0" marB="0"/>
+                </a:tc>
+                <a:extLst>
+                  <a:ext uri="{0D108BD9-81ED-4DB2-BD59-A6C34878D82A}">
+                    <a16:rowId xmlns:a16="http://schemas.microsoft.com/office/drawing/2014/main" val="3440497386"/>
+                  </a:ext>
+                </a:extLst>
+              </a:tr>
+              <a:tr h="0">
+                <a:tc>
+                  <a:txBody>
+                    <a:bodyPr/>
+                    <a:lstStyle/>
+                    <a:p>
+                      <a:pPr algn="just">
+                        <a:spcAft>
+                          <a:spcPts val="0"/>
+                        </a:spcAft>
+                      </a:pPr>
+                      <a:r>
+                        <a:rPr lang="de-DE" sz="1200" b="1" dirty="0">
+                          <a:effectLst/>
+                        </a:rPr>
+                        <a:t>MobileNet-V2</a:t>
+                      </a:r>
+                      <a:endParaRPr lang="de-DE" sz="1200" b="1" dirty="0">
+                        <a:effectLst/>
+                        <a:latin typeface="Arial" panose="020B0604020202020204" pitchFamily="34" charset="0"/>
+                        <a:ea typeface="Times New Roman" panose="02020603050405020304" pitchFamily="18" charset="0"/>
+                        <a:cs typeface="Times New Roman" panose="02020603050405020304" pitchFamily="18" charset="0"/>
+                      </a:endParaRPr>
+                    </a:p>
+                  </a:txBody>
+                  <a:tcPr marL="68580" marR="68580" marT="0" marB="0"/>
+                </a:tc>
+                <a:tc>
+                  <a:txBody>
+                    <a:bodyPr/>
+                    <a:lstStyle/>
+                    <a:p>
+                      <a:pPr algn="ctr">
+                        <a:spcAft>
+                          <a:spcPts val="0"/>
+                        </a:spcAft>
+                      </a:pPr>
+                      <a:r>
+                        <a:rPr lang="de-DE" sz="1200" b="1" dirty="0">
+                          <a:effectLst/>
+                        </a:rPr>
+                        <a:t>3.5x10</a:t>
+                      </a:r>
+                      <a:r>
+                        <a:rPr lang="de-DE" sz="1200" b="1" baseline="30000" dirty="0">
+                          <a:effectLst/>
+                        </a:rPr>
+                        <a:t>6</a:t>
+                      </a:r>
+                      <a:endParaRPr lang="de-DE" sz="1200" b="1" dirty="0">
+                        <a:effectLst/>
+                        <a:latin typeface="Arial" panose="020B0604020202020204" pitchFamily="34" charset="0"/>
+                        <a:ea typeface="Times New Roman" panose="02020603050405020304" pitchFamily="18" charset="0"/>
+                        <a:cs typeface="Times New Roman" panose="02020603050405020304" pitchFamily="18" charset="0"/>
+                      </a:endParaRPr>
+                    </a:p>
+                  </a:txBody>
+                  <a:tcPr marL="68580" marR="68580" marT="0" marB="0"/>
+                </a:tc>
+                <a:tc>
+                  <a:txBody>
+                    <a:bodyPr/>
+                    <a:lstStyle/>
+                    <a:p>
+                      <a:pPr algn="ctr">
+                        <a:spcAft>
+                          <a:spcPts val="0"/>
+                        </a:spcAft>
+                      </a:pPr>
+                      <a:r>
+                        <a:rPr lang="de-DE" sz="1200" b="1" dirty="0">
+                          <a:effectLst/>
+                        </a:rPr>
+                        <a:t>14 MB</a:t>
+                      </a:r>
+                      <a:endParaRPr lang="de-DE" sz="1200" b="1" dirty="0">
+                        <a:effectLst/>
+                        <a:latin typeface="Arial" panose="020B0604020202020204" pitchFamily="34" charset="0"/>
+                        <a:ea typeface="Times New Roman" panose="02020603050405020304" pitchFamily="18" charset="0"/>
+                        <a:cs typeface="Times New Roman" panose="02020603050405020304" pitchFamily="18" charset="0"/>
+                      </a:endParaRPr>
+                    </a:p>
+                  </a:txBody>
+                  <a:tcPr marL="68580" marR="68580" marT="0" marB="0"/>
+                </a:tc>
+                <a:tc>
+                  <a:txBody>
+                    <a:bodyPr/>
+                    <a:lstStyle/>
+                    <a:p>
+                      <a:pPr algn="ctr">
+                        <a:spcAft>
+                          <a:spcPts val="0"/>
+                        </a:spcAft>
+                      </a:pPr>
+                      <a:r>
+                        <a:rPr lang="de-DE" sz="1200" b="1" dirty="0">
+                          <a:effectLst/>
+                        </a:rPr>
+                        <a:t>0.3x10</a:t>
+                      </a:r>
+                      <a:r>
+                        <a:rPr lang="de-DE" sz="1200" b="1" baseline="30000" dirty="0">
+                          <a:effectLst/>
+                        </a:rPr>
+                        <a:t>9</a:t>
+                      </a:r>
+                      <a:endParaRPr lang="de-DE" sz="1200" b="1" dirty="0">
+                        <a:effectLst/>
+                        <a:latin typeface="Arial" panose="020B0604020202020204" pitchFamily="34" charset="0"/>
+                        <a:ea typeface="Times New Roman" panose="02020603050405020304" pitchFamily="18" charset="0"/>
+                        <a:cs typeface="Times New Roman" panose="02020603050405020304" pitchFamily="18" charset="0"/>
+                      </a:endParaRPr>
+                    </a:p>
+                  </a:txBody>
+                  <a:tcPr marL="68580" marR="68580" marT="0" marB="0"/>
+                </a:tc>
+                <a:tc>
+                  <a:txBody>
+                    <a:bodyPr/>
+                    <a:lstStyle/>
+                    <a:p>
+                      <a:pPr algn="ctr">
+                        <a:spcAft>
+                          <a:spcPts val="0"/>
+                        </a:spcAft>
+                      </a:pPr>
+                      <a:r>
+                        <a:rPr lang="de-DE" sz="1200" b="1" dirty="0">
+                          <a:effectLst/>
+                        </a:rPr>
+                        <a:t>28 %</a:t>
+                      </a:r>
+                      <a:endParaRPr lang="de-DE" sz="1200" b="1" dirty="0">
+                        <a:effectLst/>
+                        <a:latin typeface="Arial" panose="020B0604020202020204" pitchFamily="34" charset="0"/>
+                        <a:ea typeface="Times New Roman" panose="02020603050405020304" pitchFamily="18" charset="0"/>
+                        <a:cs typeface="Times New Roman" panose="02020603050405020304" pitchFamily="18" charset="0"/>
+                      </a:endParaRPr>
+                    </a:p>
+                  </a:txBody>
+                  <a:tcPr marL="68580" marR="68580" marT="0" marB="0"/>
+                </a:tc>
+                <a:tc>
+                  <a:txBody>
+                    <a:bodyPr/>
+                    <a:lstStyle/>
+                    <a:p>
+                      <a:pPr algn="ctr">
+                        <a:spcAft>
+                          <a:spcPts val="0"/>
+                        </a:spcAft>
+                      </a:pPr>
+                      <a:r>
+                        <a:rPr lang="de-DE" sz="1200" b="1" dirty="0">
+                          <a:effectLst/>
+                        </a:rPr>
+                        <a:t>9 %</a:t>
+                      </a:r>
+                      <a:endParaRPr lang="de-DE" sz="1200" b="1" dirty="0">
+                        <a:effectLst/>
+                        <a:latin typeface="Arial" panose="020B0604020202020204" pitchFamily="34" charset="0"/>
+                        <a:ea typeface="Times New Roman" panose="02020603050405020304" pitchFamily="18" charset="0"/>
+                        <a:cs typeface="Times New Roman" panose="02020603050405020304" pitchFamily="18" charset="0"/>
+                      </a:endParaRPr>
+                    </a:p>
+                  </a:txBody>
+                  <a:tcPr marL="68580" marR="68580" marT="0" marB="0"/>
+                </a:tc>
+                <a:extLst>
+                  <a:ext uri="{0D108BD9-81ED-4DB2-BD59-A6C34878D82A}">
+                    <a16:rowId xmlns:a16="http://schemas.microsoft.com/office/drawing/2014/main" val="1913086552"/>
+                  </a:ext>
+                </a:extLst>
+              </a:tr>
+            </a:tbl>
+          </a:graphicData>
+        </a:graphic>
+      </p:graphicFrame>
+    </p:spTree>
+    <p:extLst>
+      <p:ext uri="{BB962C8B-B14F-4D97-AF65-F5344CB8AC3E}">
+        <p14:creationId xmlns:p14="http://schemas.microsoft.com/office/powerpoint/2010/main" val="2478175981"/>
+      </p:ext>
+    </p:extLst>
+  </p:cSld>
+  <p:clrMapOvr>
+    <a:masterClrMapping/>
+  </p:clrMapOvr>
+</p:sld>
+</file>
+
+<file path=ppt/slides/slide14.xml><?xml version="1.0" encoding="utf-8"?>
+<p:sld xmlns:a="http://schemas.openxmlformats.org/drawingml/2006/main" xmlns:r="http://schemas.openxmlformats.org/officeDocument/2006/relationships" xmlns:p="http://schemas.openxmlformats.org/presentationml/2006/main">
+  <p:cSld>
+    <p:spTree>
+      <p:nvGrpSpPr>
+        <p:cNvPr id="1" name=""/>
+        <p:cNvGrpSpPr/>
+        <p:nvPr/>
+      </p:nvGrpSpPr>
+      <p:grpSpPr>
+        <a:xfrm>
+          <a:off x="0" y="0"/>
+          <a:ext cx="0" cy="0"/>
+          <a:chOff x="0" y="0"/>
+          <a:chExt cx="0" cy="0"/>
+        </a:xfrm>
+      </p:grpSpPr>
+      <p:sp>
+        <p:nvSpPr>
+          <p:cNvPr id="2" name="Inhaltsplatzhalter 1">
+            <a:extLst>
+              <a:ext uri="{FF2B5EF4-FFF2-40B4-BE49-F238E27FC236}">
+                <a16:creationId xmlns:a16="http://schemas.microsoft.com/office/drawing/2014/main" id="{AB1B9361-88BA-4C9D-A2F1-622E23777E1B}"/>
+              </a:ext>
+            </a:extLst>
+          </p:cNvPr>
+          <p:cNvSpPr>
+            <a:spLocks noGrp="1"/>
+          </p:cNvSpPr>
+          <p:nvPr>
+            <p:ph idx="1"/>
+          </p:nvPr>
+        </p:nvSpPr>
+        <p:spPr/>
+        <p:txBody>
+          <a:bodyPr/>
+          <a:lstStyle/>
+          <a:p>
+            <a:r>
+              <a:rPr lang="en-GB" dirty="0" err="1"/>
+              <a:t>Anforderungen</a:t>
+            </a:r>
+            <a:r>
+              <a:rPr lang="en-GB" dirty="0"/>
+              <a:t> Modul B:</a:t>
+            </a:r>
+          </a:p>
+          <a:p>
+            <a:pPr lvl="1"/>
+            <a:r>
+              <a:rPr lang="en-GB" dirty="0" err="1"/>
+              <a:t>Trainierbar</a:t>
+            </a:r>
+            <a:r>
+              <a:rPr lang="en-GB" dirty="0"/>
+              <a:t> auf </a:t>
+            </a:r>
+            <a:r>
+              <a:rPr lang="en-GB" dirty="0" err="1"/>
+              <a:t>zufälliger</a:t>
+            </a:r>
+            <a:r>
+              <a:rPr lang="en-GB" dirty="0"/>
+              <a:t> </a:t>
+            </a:r>
+            <a:r>
+              <a:rPr lang="en-GB" dirty="0" err="1"/>
+              <a:t>Reihenfolge</a:t>
+            </a:r>
+            <a:r>
+              <a:rPr lang="en-GB" dirty="0"/>
+              <a:t> an </a:t>
+            </a:r>
+            <a:r>
+              <a:rPr lang="en-GB" dirty="0" err="1"/>
+              <a:t>Datensamples</a:t>
+            </a:r>
+            <a:endParaRPr lang="en-GB" dirty="0"/>
+          </a:p>
+          <a:p>
+            <a:pPr lvl="1"/>
+            <a:r>
+              <a:rPr lang="en-GB" dirty="0" err="1"/>
+              <a:t>Funktionsfähiger</a:t>
+            </a:r>
+            <a:r>
+              <a:rPr lang="en-GB" dirty="0"/>
+              <a:t> </a:t>
+            </a:r>
+            <a:r>
+              <a:rPr lang="en-GB" dirty="0" err="1"/>
+              <a:t>Klassifikator</a:t>
+            </a:r>
+            <a:r>
+              <a:rPr lang="en-GB" dirty="0"/>
+              <a:t> </a:t>
+            </a:r>
+            <a:r>
+              <a:rPr lang="en-GB" dirty="0" err="1"/>
+              <a:t>zu</a:t>
+            </a:r>
+            <a:r>
+              <a:rPr lang="en-GB" dirty="0"/>
+              <a:t> </a:t>
+            </a:r>
+            <a:r>
+              <a:rPr lang="en-GB" dirty="0" err="1"/>
+              <a:t>jedem</a:t>
+            </a:r>
+            <a:r>
+              <a:rPr lang="en-GB" dirty="0"/>
+              <a:t> </a:t>
+            </a:r>
+            <a:r>
+              <a:rPr lang="en-GB" dirty="0" err="1"/>
+              <a:t>Zeitpunkt</a:t>
+            </a:r>
+            <a:r>
+              <a:rPr lang="en-GB" dirty="0"/>
+              <a:t> </a:t>
+            </a:r>
+            <a:r>
+              <a:rPr lang="en-GB" dirty="0" err="1"/>
+              <a:t>für</a:t>
+            </a:r>
+            <a:r>
+              <a:rPr lang="en-GB" dirty="0"/>
+              <a:t> </a:t>
+            </a:r>
+            <a:r>
+              <a:rPr lang="en-GB" dirty="0" err="1"/>
+              <a:t>bereits</a:t>
+            </a:r>
+            <a:r>
+              <a:rPr lang="en-GB" dirty="0"/>
+              <a:t> </a:t>
+            </a:r>
+            <a:r>
+              <a:rPr lang="en-GB" dirty="0" err="1"/>
+              <a:t>bekannte</a:t>
+            </a:r>
+            <a:r>
+              <a:rPr lang="en-GB" dirty="0"/>
+              <a:t> Klassen</a:t>
+            </a:r>
+          </a:p>
+          <a:p>
+            <a:pPr lvl="1"/>
+            <a:r>
+              <a:rPr lang="en-GB" dirty="0"/>
+              <a:t>Speicher- und </a:t>
+            </a:r>
+            <a:r>
+              <a:rPr lang="en-GB" dirty="0" err="1"/>
+              <a:t>Rechenbedarf</a:t>
+            </a:r>
+            <a:r>
+              <a:rPr lang="en-GB" dirty="0"/>
+              <a:t> </a:t>
+            </a:r>
+            <a:r>
+              <a:rPr lang="en-GB" dirty="0" err="1"/>
+              <a:t>soll</a:t>
+            </a:r>
+            <a:r>
+              <a:rPr lang="en-GB" dirty="0"/>
+              <a:t> </a:t>
+            </a:r>
+            <a:r>
+              <a:rPr lang="en-GB" dirty="0" err="1"/>
+              <a:t>beschränkt</a:t>
+            </a:r>
+            <a:r>
+              <a:rPr lang="en-GB" dirty="0"/>
+              <a:t> sein und </a:t>
+            </a:r>
+            <a:r>
+              <a:rPr lang="en-GB" dirty="0" err="1"/>
+              <a:t>nur</a:t>
+            </a:r>
+            <a:r>
+              <a:rPr lang="en-GB" dirty="0"/>
+              <a:t> </a:t>
+            </a:r>
+            <a:r>
+              <a:rPr lang="en-GB" dirty="0" err="1"/>
+              <a:t>langsam</a:t>
+            </a:r>
+            <a:r>
+              <a:rPr lang="en-GB" dirty="0"/>
+              <a:t> </a:t>
+            </a:r>
+            <a:r>
+              <a:rPr lang="en-GB" dirty="0" err="1"/>
+              <a:t>ansteigen</a:t>
+            </a:r>
+            <a:r>
+              <a:rPr lang="en-GB" dirty="0"/>
+              <a:t> </a:t>
+            </a:r>
+            <a:r>
+              <a:rPr lang="en-GB" dirty="0" err="1"/>
+              <a:t>mit</a:t>
+            </a:r>
+            <a:r>
+              <a:rPr lang="en-GB" dirty="0"/>
+              <a:t> </a:t>
+            </a:r>
+            <a:r>
+              <a:rPr lang="en-GB" dirty="0" err="1"/>
+              <a:t>Bezug</a:t>
+            </a:r>
+            <a:r>
+              <a:rPr lang="en-GB" dirty="0"/>
+              <a:t> auf die </a:t>
+            </a:r>
+            <a:r>
+              <a:rPr lang="en-GB" dirty="0" err="1"/>
+              <a:t>Anzahl</a:t>
+            </a:r>
+            <a:r>
+              <a:rPr lang="en-GB" dirty="0"/>
+              <a:t> an </a:t>
+            </a:r>
+            <a:r>
+              <a:rPr lang="en-GB" dirty="0" err="1"/>
+              <a:t>bekannten</a:t>
+            </a:r>
+            <a:r>
+              <a:rPr lang="en-GB" dirty="0"/>
+              <a:t> Klassen</a:t>
+            </a:r>
+          </a:p>
+          <a:p>
+            <a:pPr marL="176213" lvl="1" indent="0">
+              <a:buNone/>
+            </a:pPr>
+            <a:r>
+              <a:rPr lang="en-GB" dirty="0">
+                <a:sym typeface="Wingdings" panose="05000000000000000000" pitchFamily="2" charset="2"/>
+              </a:rPr>
+              <a:t> </a:t>
+            </a:r>
+            <a:r>
+              <a:rPr lang="en-GB" dirty="0" err="1">
+                <a:sym typeface="Wingdings" panose="05000000000000000000" pitchFamily="2" charset="2"/>
+              </a:rPr>
+              <a:t>Einsatz</a:t>
+            </a:r>
+            <a:r>
+              <a:rPr lang="en-GB" dirty="0">
+                <a:sym typeface="Wingdings" panose="05000000000000000000" pitchFamily="2" charset="2"/>
+              </a:rPr>
+              <a:t> der Adaptive Resonance Theory (ART): Simplified Fuzzy ARTMAP-</a:t>
+            </a:r>
+            <a:r>
+              <a:rPr lang="en-GB" dirty="0" err="1">
+                <a:sym typeface="Wingdings" panose="05000000000000000000" pitchFamily="2" charset="2"/>
+              </a:rPr>
+              <a:t>Netzwerk</a:t>
+            </a:r>
+            <a:endParaRPr lang="en-GB" dirty="0"/>
+          </a:p>
+        </p:txBody>
+      </p:sp>
+      <p:sp>
+        <p:nvSpPr>
+          <p:cNvPr id="3" name="Datumsplatzhalter 2">
+            <a:extLst>
+              <a:ext uri="{FF2B5EF4-FFF2-40B4-BE49-F238E27FC236}">
+                <a16:creationId xmlns:a16="http://schemas.microsoft.com/office/drawing/2014/main" id="{43D14B3E-FCC3-4BD7-A5CB-9FCFE61EB940}"/>
+              </a:ext>
+            </a:extLst>
+          </p:cNvPr>
+          <p:cNvSpPr>
+            <a:spLocks noGrp="1"/>
+          </p:cNvSpPr>
+          <p:nvPr>
+            <p:ph type="dt" sz="half" idx="10"/>
+          </p:nvPr>
+        </p:nvSpPr>
+        <p:spPr/>
+        <p:txBody>
+          <a:bodyPr/>
+          <a:lstStyle/>
+          <a:p>
+            <a:fld id="{92945389-04B4-460D-BD35-C57D41A2ECAA}" type="datetime1">
+              <a:rPr lang="de-DE" smtClean="0"/>
+              <a:t>03.10.2019</a:t>
+            </a:fld>
+            <a:endParaRPr lang="de-DE" dirty="0"/>
+          </a:p>
+        </p:txBody>
+      </p:sp>
+      <p:sp>
+        <p:nvSpPr>
+          <p:cNvPr id="4" name="Fußzeilenplatzhalter 3">
+            <a:extLst>
+              <a:ext uri="{FF2B5EF4-FFF2-40B4-BE49-F238E27FC236}">
+                <a16:creationId xmlns:a16="http://schemas.microsoft.com/office/drawing/2014/main" id="{415EA107-DEA2-460F-82F8-A92AFE7EE874}"/>
+              </a:ext>
+            </a:extLst>
+          </p:cNvPr>
+          <p:cNvSpPr>
+            <a:spLocks noGrp="1"/>
+          </p:cNvSpPr>
+          <p:nvPr>
+            <p:ph type="ftr" sz="quarter" idx="11"/>
+          </p:nvPr>
+        </p:nvSpPr>
+        <p:spPr/>
+        <p:txBody>
+          <a:bodyPr/>
+          <a:lstStyle/>
+          <a:p>
+            <a:r>
+              <a:rPr lang="de-DE"/>
+              <a:t>Universität Stuttgart</a:t>
+            </a:r>
+            <a:endParaRPr lang="de-DE" dirty="0"/>
+          </a:p>
+        </p:txBody>
+      </p:sp>
+      <p:sp>
+        <p:nvSpPr>
+          <p:cNvPr id="5" name="Foliennummernplatzhalter 4">
+            <a:extLst>
+              <a:ext uri="{FF2B5EF4-FFF2-40B4-BE49-F238E27FC236}">
+                <a16:creationId xmlns:a16="http://schemas.microsoft.com/office/drawing/2014/main" id="{4DC95112-5C3F-45E3-99AF-5A055030BBB5}"/>
+              </a:ext>
+            </a:extLst>
+          </p:cNvPr>
+          <p:cNvSpPr>
+            <a:spLocks noGrp="1"/>
+          </p:cNvSpPr>
+          <p:nvPr>
+            <p:ph type="sldNum" sz="quarter" idx="12"/>
+          </p:nvPr>
+        </p:nvSpPr>
+        <p:spPr/>
+        <p:txBody>
+          <a:bodyPr/>
+          <a:lstStyle/>
+          <a:p>
+            <a:fld id="{9E82CC3C-1DC0-4FDA-9590-6CC506AB67F8}" type="slidenum">
+              <a:rPr lang="de-DE" smtClean="0"/>
+              <a:t>14</a:t>
+            </a:fld>
+            <a:endParaRPr lang="de-DE" dirty="0"/>
+          </a:p>
+        </p:txBody>
+      </p:sp>
+      <p:sp>
+        <p:nvSpPr>
+          <p:cNvPr id="6" name="Textplatzhalter 5">
+            <a:extLst>
+              <a:ext uri="{FF2B5EF4-FFF2-40B4-BE49-F238E27FC236}">
+                <a16:creationId xmlns:a16="http://schemas.microsoft.com/office/drawing/2014/main" id="{27A3B1DD-6F0B-4028-B97A-C9B52B2184A5}"/>
+              </a:ext>
+            </a:extLst>
+          </p:cNvPr>
+          <p:cNvSpPr>
+            <a:spLocks noGrp="1"/>
+          </p:cNvSpPr>
+          <p:nvPr>
+            <p:ph type="body" sz="quarter" idx="13"/>
+          </p:nvPr>
+        </p:nvSpPr>
+        <p:spPr/>
+        <p:txBody>
+          <a:bodyPr/>
+          <a:lstStyle/>
+          <a:p>
+            <a:r>
+              <a:rPr lang="en-GB" dirty="0" err="1"/>
+              <a:t>Konzeption</a:t>
+            </a:r>
+            <a:r>
+              <a:rPr lang="en-GB" dirty="0"/>
+              <a:t> L DNN</a:t>
+            </a:r>
+          </a:p>
+        </p:txBody>
+      </p:sp>
+      <p:sp>
+        <p:nvSpPr>
+          <p:cNvPr id="7" name="Titel 6">
+            <a:extLst>
+              <a:ext uri="{FF2B5EF4-FFF2-40B4-BE49-F238E27FC236}">
+                <a16:creationId xmlns:a16="http://schemas.microsoft.com/office/drawing/2014/main" id="{C0CCC6AA-9387-4F80-82E0-C0A2B0456D26}"/>
+              </a:ext>
+            </a:extLst>
+          </p:cNvPr>
+          <p:cNvSpPr>
+            <a:spLocks noGrp="1"/>
+          </p:cNvSpPr>
+          <p:nvPr>
+            <p:ph type="title"/>
+          </p:nvPr>
+        </p:nvSpPr>
+        <p:spPr/>
+        <p:txBody>
+          <a:bodyPr/>
+          <a:lstStyle/>
+          <a:p>
+            <a:r>
+              <a:rPr lang="en-US" dirty="0" err="1"/>
+              <a:t>Konzeption</a:t>
+            </a:r>
+            <a:r>
+              <a:rPr lang="en-US" dirty="0"/>
+              <a:t> L DNN und </a:t>
+            </a:r>
+            <a:r>
+              <a:rPr lang="en-US" dirty="0" err="1"/>
+              <a:t>prototypische</a:t>
+            </a:r>
+            <a:r>
+              <a:rPr lang="en-US" dirty="0"/>
+              <a:t> </a:t>
+            </a:r>
+            <a:r>
+              <a:rPr lang="en-US" dirty="0" err="1"/>
+              <a:t>Umsetzung</a:t>
+            </a:r>
+            <a:endParaRPr lang="en-GB" dirty="0"/>
+          </a:p>
+        </p:txBody>
+      </p:sp>
+      <p:pic>
+        <p:nvPicPr>
+          <p:cNvPr id="8" name="Grafik 7">
+            <a:extLst>
+              <a:ext uri="{FF2B5EF4-FFF2-40B4-BE49-F238E27FC236}">
+                <a16:creationId xmlns:a16="http://schemas.microsoft.com/office/drawing/2014/main" id="{4FC3C49D-1CCA-42F3-A84F-39D4561C7E88}"/>
+              </a:ext>
+            </a:extLst>
+          </p:cNvPr>
+          <p:cNvPicPr>
+            <a:picLocks noChangeAspect="1"/>
+          </p:cNvPicPr>
+          <p:nvPr/>
+        </p:nvPicPr>
+        <p:blipFill>
+          <a:blip r:embed="rId2"/>
+          <a:stretch>
+            <a:fillRect/>
+          </a:stretch>
+        </p:blipFill>
+        <p:spPr>
+          <a:xfrm>
+            <a:off x="3046570" y="3598650"/>
+            <a:ext cx="3050860" cy="2095275"/>
+          </a:xfrm>
+          <a:prstGeom prst="rect">
+            <a:avLst/>
+          </a:prstGeom>
+        </p:spPr>
+      </p:pic>
+    </p:spTree>
+    <p:extLst>
+      <p:ext uri="{BB962C8B-B14F-4D97-AF65-F5344CB8AC3E}">
+        <p14:creationId xmlns:p14="http://schemas.microsoft.com/office/powerpoint/2010/main" val="3530391332"/>
+      </p:ext>
+    </p:extLst>
+  </p:cSld>
+  <p:clrMapOvr>
+    <a:masterClrMapping/>
+  </p:clrMapOvr>
+</p:sld>
+</file>
+
+<file path=ppt/slides/slide15.xml><?xml version="1.0" encoding="utf-8"?>
+<p:sld xmlns:a="http://schemas.openxmlformats.org/drawingml/2006/main" xmlns:r="http://schemas.openxmlformats.org/officeDocument/2006/relationships" xmlns:p="http://schemas.openxmlformats.org/presentationml/2006/main">
+  <p:cSld>
+    <p:spTree>
+      <p:nvGrpSpPr>
+        <p:cNvPr id="1" name=""/>
+        <p:cNvGrpSpPr/>
+        <p:nvPr/>
+      </p:nvGrpSpPr>
+      <p:grpSpPr>
+        <a:xfrm>
+          <a:off x="0" y="0"/>
+          <a:ext cx="0" cy="0"/>
+          <a:chOff x="0" y="0"/>
+          <a:chExt cx="0" cy="0"/>
+        </a:xfrm>
+      </p:grpSpPr>
+      <p:sp>
+        <p:nvSpPr>
+          <p:cNvPr id="2" name="Inhaltsplatzhalter 1">
+            <a:extLst>
+              <a:ext uri="{FF2B5EF4-FFF2-40B4-BE49-F238E27FC236}">
+                <a16:creationId xmlns:a16="http://schemas.microsoft.com/office/drawing/2014/main" id="{D6E5A66D-7FF4-4D26-B867-9F3E1DF4E6B5}"/>
+              </a:ext>
+            </a:extLst>
+          </p:cNvPr>
+          <p:cNvSpPr>
+            <a:spLocks noGrp="1"/>
+          </p:cNvSpPr>
+          <p:nvPr>
+            <p:ph idx="1"/>
+          </p:nvPr>
+        </p:nvSpPr>
+        <p:spPr/>
+        <p:txBody>
+          <a:bodyPr/>
+          <a:lstStyle/>
+          <a:p>
+            <a:r>
+              <a:rPr lang="en-GB" dirty="0" err="1"/>
+              <a:t>Prototypische</a:t>
+            </a:r>
+            <a:r>
+              <a:rPr lang="en-GB" dirty="0"/>
+              <a:t> </a:t>
+            </a:r>
+            <a:r>
+              <a:rPr lang="en-GB" dirty="0" err="1"/>
+              <a:t>Umsetzung</a:t>
+            </a:r>
+            <a:r>
+              <a:rPr lang="en-GB" dirty="0"/>
+              <a:t> in Python </a:t>
+            </a:r>
+            <a:r>
+              <a:rPr lang="en-GB" dirty="0" err="1"/>
+              <a:t>mithilfe</a:t>
+            </a:r>
+            <a:r>
+              <a:rPr lang="en-GB" dirty="0"/>
+              <a:t> von </a:t>
+            </a:r>
+          </a:p>
+          <a:p>
+            <a:pPr lvl="1"/>
+            <a:r>
+              <a:rPr lang="en-GB" dirty="0"/>
+              <a:t>NumPy</a:t>
+            </a:r>
+          </a:p>
+          <a:p>
+            <a:pPr lvl="1"/>
+            <a:r>
+              <a:rPr lang="en-GB" dirty="0"/>
+              <a:t>TensorFlow </a:t>
+            </a:r>
+          </a:p>
+          <a:p>
+            <a:pPr lvl="1"/>
+            <a:r>
+              <a:rPr lang="en-GB" dirty="0" err="1"/>
+              <a:t>Keras</a:t>
+            </a:r>
+            <a:endParaRPr lang="en-GB" dirty="0"/>
+          </a:p>
+        </p:txBody>
+      </p:sp>
+      <p:sp>
+        <p:nvSpPr>
+          <p:cNvPr id="3" name="Datumsplatzhalter 2">
+            <a:extLst>
+              <a:ext uri="{FF2B5EF4-FFF2-40B4-BE49-F238E27FC236}">
+                <a16:creationId xmlns:a16="http://schemas.microsoft.com/office/drawing/2014/main" id="{26E97FC4-2D42-46A4-8FDD-683891B015D6}"/>
+              </a:ext>
+            </a:extLst>
+          </p:cNvPr>
+          <p:cNvSpPr>
+            <a:spLocks noGrp="1"/>
+          </p:cNvSpPr>
+          <p:nvPr>
+            <p:ph type="dt" sz="half" idx="10"/>
+          </p:nvPr>
+        </p:nvSpPr>
+        <p:spPr/>
+        <p:txBody>
+          <a:bodyPr/>
+          <a:lstStyle/>
+          <a:p>
+            <a:fld id="{92945389-04B4-460D-BD35-C57D41A2ECAA}" type="datetime1">
+              <a:rPr lang="de-DE" smtClean="0"/>
+              <a:t>03.10.2019</a:t>
+            </a:fld>
+            <a:endParaRPr lang="de-DE" dirty="0"/>
+          </a:p>
+        </p:txBody>
+      </p:sp>
+      <p:sp>
+        <p:nvSpPr>
+          <p:cNvPr id="4" name="Fußzeilenplatzhalter 3">
+            <a:extLst>
+              <a:ext uri="{FF2B5EF4-FFF2-40B4-BE49-F238E27FC236}">
+                <a16:creationId xmlns:a16="http://schemas.microsoft.com/office/drawing/2014/main" id="{2E6E790E-495B-432D-BC73-578DDC106427}"/>
+              </a:ext>
+            </a:extLst>
+          </p:cNvPr>
+          <p:cNvSpPr>
+            <a:spLocks noGrp="1"/>
+          </p:cNvSpPr>
+          <p:nvPr>
+            <p:ph type="ftr" sz="quarter" idx="11"/>
+          </p:nvPr>
+        </p:nvSpPr>
+        <p:spPr/>
+        <p:txBody>
+          <a:bodyPr/>
+          <a:lstStyle/>
+          <a:p>
+            <a:r>
+              <a:rPr lang="de-DE"/>
+              <a:t>Universität Stuttgart</a:t>
+            </a:r>
+            <a:endParaRPr lang="de-DE" dirty="0"/>
+          </a:p>
+        </p:txBody>
+      </p:sp>
+      <p:sp>
+        <p:nvSpPr>
+          <p:cNvPr id="5" name="Foliennummernplatzhalter 4">
+            <a:extLst>
+              <a:ext uri="{FF2B5EF4-FFF2-40B4-BE49-F238E27FC236}">
+                <a16:creationId xmlns:a16="http://schemas.microsoft.com/office/drawing/2014/main" id="{195BBA45-92DC-4E0D-B2E2-89E983659CCB}"/>
+              </a:ext>
+            </a:extLst>
+          </p:cNvPr>
+          <p:cNvSpPr>
+            <a:spLocks noGrp="1"/>
+          </p:cNvSpPr>
+          <p:nvPr>
+            <p:ph type="sldNum" sz="quarter" idx="12"/>
+          </p:nvPr>
+        </p:nvSpPr>
+        <p:spPr/>
+        <p:txBody>
+          <a:bodyPr/>
+          <a:lstStyle/>
+          <a:p>
+            <a:fld id="{9E82CC3C-1DC0-4FDA-9590-6CC506AB67F8}" type="slidenum">
+              <a:rPr lang="de-DE" smtClean="0"/>
+              <a:t>15</a:t>
+            </a:fld>
+            <a:endParaRPr lang="de-DE" dirty="0"/>
+          </a:p>
+        </p:txBody>
+      </p:sp>
+      <p:sp>
+        <p:nvSpPr>
+          <p:cNvPr id="6" name="Textplatzhalter 5">
+            <a:extLst>
+              <a:ext uri="{FF2B5EF4-FFF2-40B4-BE49-F238E27FC236}">
+                <a16:creationId xmlns:a16="http://schemas.microsoft.com/office/drawing/2014/main" id="{01EBF660-D3D6-414D-84F6-06A4A4FFA0FA}"/>
+              </a:ext>
+            </a:extLst>
+          </p:cNvPr>
+          <p:cNvSpPr>
+            <a:spLocks noGrp="1"/>
+          </p:cNvSpPr>
+          <p:nvPr>
+            <p:ph type="body" sz="quarter" idx="13"/>
+          </p:nvPr>
+        </p:nvSpPr>
+        <p:spPr/>
+        <p:txBody>
+          <a:bodyPr/>
+          <a:lstStyle/>
+          <a:p>
+            <a:r>
+              <a:rPr lang="en-GB" dirty="0" err="1"/>
+              <a:t>Prototypische</a:t>
+            </a:r>
+            <a:r>
+              <a:rPr lang="en-GB" dirty="0"/>
+              <a:t> </a:t>
+            </a:r>
+            <a:r>
+              <a:rPr lang="en-GB" dirty="0" err="1"/>
+              <a:t>Umsetzung</a:t>
+            </a:r>
+            <a:endParaRPr lang="en-GB" dirty="0"/>
+          </a:p>
+        </p:txBody>
+      </p:sp>
+      <p:sp>
+        <p:nvSpPr>
+          <p:cNvPr id="7" name="Titel 6">
+            <a:extLst>
+              <a:ext uri="{FF2B5EF4-FFF2-40B4-BE49-F238E27FC236}">
+                <a16:creationId xmlns:a16="http://schemas.microsoft.com/office/drawing/2014/main" id="{E9EA74F0-C559-4F24-A5EE-9DE9011850C5}"/>
+              </a:ext>
+            </a:extLst>
+          </p:cNvPr>
+          <p:cNvSpPr>
+            <a:spLocks noGrp="1"/>
+          </p:cNvSpPr>
+          <p:nvPr>
+            <p:ph type="title"/>
+          </p:nvPr>
+        </p:nvSpPr>
+        <p:spPr/>
+        <p:txBody>
+          <a:bodyPr/>
+          <a:lstStyle/>
+          <a:p>
+            <a:r>
+              <a:rPr lang="en-US" dirty="0" err="1"/>
+              <a:t>Konzeption</a:t>
+            </a:r>
+            <a:r>
+              <a:rPr lang="en-US" dirty="0"/>
+              <a:t> L DNN und </a:t>
+            </a:r>
+            <a:r>
+              <a:rPr lang="en-US" dirty="0" err="1"/>
+              <a:t>prototypische</a:t>
+            </a:r>
+            <a:r>
+              <a:rPr lang="en-US" dirty="0"/>
+              <a:t> </a:t>
+            </a:r>
+            <a:r>
+              <a:rPr lang="en-US" dirty="0" err="1"/>
+              <a:t>Umsetzung</a:t>
+            </a:r>
+            <a:endParaRPr lang="en-GB" dirty="0"/>
+          </a:p>
+        </p:txBody>
+      </p:sp>
+      <p:pic>
+        <p:nvPicPr>
+          <p:cNvPr id="9" name="Grafik 8">
+            <a:extLst>
+              <a:ext uri="{FF2B5EF4-FFF2-40B4-BE49-F238E27FC236}">
+                <a16:creationId xmlns:a16="http://schemas.microsoft.com/office/drawing/2014/main" id="{78AB0423-6B87-40F9-ADF8-0B8237198E21}"/>
+              </a:ext>
+            </a:extLst>
+          </p:cNvPr>
+          <p:cNvPicPr>
+            <a:picLocks noChangeAspect="1"/>
+          </p:cNvPicPr>
+          <p:nvPr/>
+        </p:nvPicPr>
+        <p:blipFill>
+          <a:blip r:embed="rId2"/>
+          <a:stretch>
+            <a:fillRect/>
+          </a:stretch>
+        </p:blipFill>
+        <p:spPr>
+          <a:xfrm>
+            <a:off x="3273012" y="1896270"/>
+            <a:ext cx="2597975" cy="3422730"/>
+          </a:xfrm>
+          <a:prstGeom prst="rect">
+            <a:avLst/>
+          </a:prstGeom>
+        </p:spPr>
+      </p:pic>
+    </p:spTree>
+    <p:extLst>
+      <p:ext uri="{BB962C8B-B14F-4D97-AF65-F5344CB8AC3E}">
+        <p14:creationId xmlns:p14="http://schemas.microsoft.com/office/powerpoint/2010/main" val="1355228318"/>
+      </p:ext>
+    </p:extLst>
+  </p:cSld>
+  <p:clrMapOvr>
+    <a:masterClrMapping/>
+  </p:clrMapOvr>
+</p:sld>
+</file>
+
+<file path=ppt/slides/slide16.xml><?xml version="1.0" encoding="utf-8"?>
+<p:sld xmlns:a="http://schemas.openxmlformats.org/drawingml/2006/main" xmlns:r="http://schemas.openxmlformats.org/officeDocument/2006/relationships" xmlns:p="http://schemas.openxmlformats.org/presentationml/2006/main">
+  <p:cSld>
+    <p:spTree>
+      <p:nvGrpSpPr>
+        <p:cNvPr id="1" name=""/>
+        <p:cNvGrpSpPr/>
+        <p:nvPr/>
+      </p:nvGrpSpPr>
+      <p:grpSpPr>
+        <a:xfrm>
+          <a:off x="0" y="0"/>
+          <a:ext cx="0" cy="0"/>
+          <a:chOff x="0" y="0"/>
+          <a:chExt cx="0" cy="0"/>
+        </a:xfrm>
+      </p:grpSpPr>
+      <p:sp>
+        <p:nvSpPr>
+          <p:cNvPr id="2" name="Titel 1">
+            <a:extLst>
+              <a:ext uri="{FF2B5EF4-FFF2-40B4-BE49-F238E27FC236}">
+                <a16:creationId xmlns:a16="http://schemas.microsoft.com/office/drawing/2014/main" id="{1B2DF668-324A-4604-AAA2-88FD6F657FA5}"/>
+              </a:ext>
+            </a:extLst>
+          </p:cNvPr>
+          <p:cNvSpPr>
+            <a:spLocks noGrp="1"/>
+          </p:cNvSpPr>
+          <p:nvPr>
+            <p:ph type="title"/>
+          </p:nvPr>
+        </p:nvSpPr>
+        <p:spPr/>
+        <p:txBody>
+          <a:bodyPr/>
+          <a:lstStyle/>
+          <a:p>
+            <a:r>
+              <a:rPr lang="en-US" dirty="0" err="1"/>
+              <a:t>Evaluierung</a:t>
+            </a:r>
+            <a:br>
+              <a:rPr lang="en-GB" dirty="0"/>
+            </a:br>
+            <a:endParaRPr lang="en-GB" dirty="0"/>
+          </a:p>
+        </p:txBody>
+      </p:sp>
+      <p:sp>
+        <p:nvSpPr>
+          <p:cNvPr id="3" name="Textplatzhalter 2">
+            <a:extLst>
+              <a:ext uri="{FF2B5EF4-FFF2-40B4-BE49-F238E27FC236}">
+                <a16:creationId xmlns:a16="http://schemas.microsoft.com/office/drawing/2014/main" id="{7CA67D98-7886-47DC-9C6B-AA102AA5277E}"/>
+              </a:ext>
+            </a:extLst>
+          </p:cNvPr>
+          <p:cNvSpPr>
+            <a:spLocks noGrp="1"/>
+          </p:cNvSpPr>
+          <p:nvPr>
+            <p:ph type="body" idx="1"/>
+          </p:nvPr>
+        </p:nvSpPr>
+        <p:spPr/>
+        <p:txBody>
+          <a:bodyPr/>
+          <a:lstStyle/>
+          <a:p>
+            <a:endParaRPr lang="en-GB"/>
+          </a:p>
+        </p:txBody>
+      </p:sp>
+    </p:spTree>
+    <p:extLst>
+      <p:ext uri="{BB962C8B-B14F-4D97-AF65-F5344CB8AC3E}">
+        <p14:creationId xmlns:p14="http://schemas.microsoft.com/office/powerpoint/2010/main" val="1965851768"/>
+      </p:ext>
+    </p:extLst>
+  </p:cSld>
+  <p:clrMapOvr>
+    <a:masterClrMapping/>
+  </p:clrMapOvr>
+</p:sld>
+</file>
+
+<file path=ppt/slides/slide17.xml><?xml version="1.0" encoding="utf-8"?>
+<p:sld xmlns:a="http://schemas.openxmlformats.org/drawingml/2006/main" xmlns:r="http://schemas.openxmlformats.org/officeDocument/2006/relationships" xmlns:p="http://schemas.openxmlformats.org/presentationml/2006/main">
+  <p:cSld>
+    <p:spTree>
+      <p:nvGrpSpPr>
+        <p:cNvPr id="1" name=""/>
+        <p:cNvGrpSpPr/>
+        <p:nvPr/>
+      </p:nvGrpSpPr>
+      <p:grpSpPr>
+        <a:xfrm>
+          <a:off x="0" y="0"/>
+          <a:ext cx="0" cy="0"/>
+          <a:chOff x="0" y="0"/>
+          <a:chExt cx="0" cy="0"/>
+        </a:xfrm>
+      </p:grpSpPr>
+      <p:sp>
+        <p:nvSpPr>
+          <p:cNvPr id="2" name="Inhaltsplatzhalter 1">
+            <a:extLst>
+              <a:ext uri="{FF2B5EF4-FFF2-40B4-BE49-F238E27FC236}">
+                <a16:creationId xmlns:a16="http://schemas.microsoft.com/office/drawing/2014/main" id="{F87E9CDC-F05C-4892-B3D9-F5DA7E2056B2}"/>
+              </a:ext>
+            </a:extLst>
+          </p:cNvPr>
+          <p:cNvSpPr>
+            <a:spLocks noGrp="1"/>
+          </p:cNvSpPr>
+          <p:nvPr>
+            <p:ph idx="1"/>
+          </p:nvPr>
+        </p:nvSpPr>
+        <p:spPr/>
+        <p:txBody>
+          <a:bodyPr/>
+          <a:lstStyle/>
+          <a:p>
+            <a:r>
+              <a:rPr lang="en-GB" dirty="0" err="1"/>
+              <a:t>Untersuchung</a:t>
+            </a:r>
+            <a:r>
+              <a:rPr lang="en-GB" dirty="0"/>
+              <a:t> auf </a:t>
+            </a:r>
+            <a:r>
+              <a:rPr lang="en-GB" dirty="0" err="1"/>
+              <a:t>unterschiedlichen</a:t>
+            </a:r>
+            <a:r>
+              <a:rPr lang="en-GB" dirty="0"/>
+              <a:t> </a:t>
+            </a:r>
+            <a:r>
+              <a:rPr lang="en-GB" dirty="0" err="1"/>
+              <a:t>Bilddatensätzen</a:t>
+            </a:r>
+            <a:endParaRPr lang="en-GB" dirty="0"/>
+          </a:p>
+          <a:p>
+            <a:pPr lvl="1"/>
+            <a:r>
+              <a:rPr lang="en-GB" dirty="0"/>
+              <a:t>Split-MNIST:</a:t>
+            </a:r>
+          </a:p>
+          <a:p>
+            <a:pPr lvl="2"/>
+            <a:r>
+              <a:rPr lang="en-GB" dirty="0" err="1"/>
+              <a:t>Handgeschriebene</a:t>
+            </a:r>
+            <a:r>
+              <a:rPr lang="en-GB" dirty="0"/>
+              <a:t> </a:t>
+            </a:r>
+            <a:r>
+              <a:rPr lang="en-GB" dirty="0" err="1"/>
+              <a:t>Zahlen</a:t>
+            </a:r>
+            <a:endParaRPr lang="en-GB" dirty="0"/>
+          </a:p>
+          <a:p>
+            <a:pPr lvl="2"/>
+            <a:r>
+              <a:rPr lang="en-GB" dirty="0"/>
+              <a:t>10 Klassen in 5 Gruppen </a:t>
+            </a:r>
+            <a:r>
+              <a:rPr lang="en-GB" dirty="0" err="1"/>
+              <a:t>unterteilt</a:t>
+            </a:r>
+            <a:r>
+              <a:rPr lang="en-GB" dirty="0"/>
+              <a:t> (0/1, 2/3, 4/5, 6/7, 8/9)</a:t>
+            </a:r>
+          </a:p>
+          <a:p>
+            <a:pPr lvl="2"/>
+            <a:r>
+              <a:rPr lang="en-GB" dirty="0"/>
+              <a:t>5.000 </a:t>
+            </a:r>
+            <a:r>
+              <a:rPr lang="en-GB" dirty="0" err="1"/>
+              <a:t>Trainingsbilder</a:t>
+            </a:r>
+            <a:r>
+              <a:rPr lang="en-GB" dirty="0"/>
+              <a:t> und 1.000 </a:t>
+            </a:r>
+            <a:r>
+              <a:rPr lang="en-GB" dirty="0" err="1"/>
+              <a:t>Testbilder</a:t>
+            </a:r>
+            <a:r>
+              <a:rPr lang="en-GB" dirty="0"/>
+              <a:t> pro </a:t>
+            </a:r>
+            <a:r>
+              <a:rPr lang="en-GB" dirty="0" err="1"/>
+              <a:t>Klasse</a:t>
+            </a:r>
+            <a:endParaRPr lang="en-GB" dirty="0"/>
+          </a:p>
+          <a:p>
+            <a:pPr lvl="1"/>
+            <a:r>
+              <a:rPr lang="en-GB" dirty="0"/>
+              <a:t>ImageNet-10:</a:t>
+            </a:r>
+          </a:p>
+          <a:p>
+            <a:pPr lvl="2"/>
+            <a:r>
+              <a:rPr lang="en-GB" dirty="0"/>
+              <a:t>10 </a:t>
+            </a:r>
+            <a:r>
+              <a:rPr lang="en-GB" dirty="0" err="1"/>
+              <a:t>zufällige</a:t>
+            </a:r>
+            <a:r>
+              <a:rPr lang="en-GB" dirty="0"/>
+              <a:t> Klassen </a:t>
+            </a:r>
+            <a:r>
+              <a:rPr lang="en-GB" dirty="0" err="1"/>
+              <a:t>aus</a:t>
+            </a:r>
+            <a:r>
+              <a:rPr lang="en-GB" dirty="0"/>
+              <a:t> ImageNet-</a:t>
+            </a:r>
+            <a:r>
+              <a:rPr lang="en-GB" dirty="0" err="1"/>
+              <a:t>Datensatz</a:t>
+            </a:r>
+            <a:endParaRPr lang="en-GB" dirty="0"/>
+          </a:p>
+          <a:p>
+            <a:pPr lvl="2"/>
+            <a:r>
+              <a:rPr lang="en-GB" dirty="0"/>
+              <a:t>1.300 </a:t>
+            </a:r>
+            <a:r>
+              <a:rPr lang="en-GB" dirty="0" err="1"/>
+              <a:t>Trainingsbilder</a:t>
+            </a:r>
+            <a:r>
+              <a:rPr lang="en-GB" dirty="0"/>
+              <a:t> und 50 </a:t>
+            </a:r>
+            <a:r>
+              <a:rPr lang="en-GB" dirty="0" err="1"/>
+              <a:t>Testbilder</a:t>
+            </a:r>
+            <a:r>
+              <a:rPr lang="en-GB" dirty="0"/>
+              <a:t> pro </a:t>
+            </a:r>
+            <a:r>
+              <a:rPr lang="en-GB" dirty="0" err="1"/>
+              <a:t>Klasse</a:t>
+            </a:r>
+            <a:endParaRPr lang="en-GB" dirty="0"/>
+          </a:p>
+          <a:p>
+            <a:pPr lvl="1"/>
+            <a:r>
+              <a:rPr lang="en-GB" dirty="0"/>
+              <a:t>Finale </a:t>
+            </a:r>
+            <a:r>
+              <a:rPr lang="en-GB" dirty="0" err="1"/>
+              <a:t>Untersuchung</a:t>
+            </a:r>
+            <a:r>
+              <a:rPr lang="en-GB" dirty="0"/>
+              <a:t> und </a:t>
+            </a:r>
+            <a:r>
+              <a:rPr lang="en-GB" dirty="0" err="1"/>
+              <a:t>Bewertung</a:t>
+            </a:r>
+            <a:r>
+              <a:rPr lang="en-GB" dirty="0"/>
+              <a:t> auf ImageNet:</a:t>
+            </a:r>
+          </a:p>
+          <a:p>
+            <a:pPr lvl="2"/>
+            <a:r>
+              <a:rPr lang="en-GB" dirty="0"/>
+              <a:t>1000 Klassen</a:t>
+            </a:r>
+          </a:p>
+          <a:p>
+            <a:pPr lvl="2"/>
+            <a:r>
+              <a:rPr lang="en-GB" dirty="0"/>
+              <a:t>Ca. 1,3 </a:t>
+            </a:r>
+            <a:r>
+              <a:rPr lang="en-GB" dirty="0" err="1"/>
+              <a:t>Millionen</a:t>
+            </a:r>
+            <a:r>
+              <a:rPr lang="en-GB" dirty="0"/>
+              <a:t> </a:t>
+            </a:r>
+            <a:r>
+              <a:rPr lang="en-GB" dirty="0" err="1"/>
+              <a:t>Trainingsbilder</a:t>
+            </a:r>
+            <a:r>
+              <a:rPr lang="en-GB" dirty="0"/>
+              <a:t> und 50.000 </a:t>
+            </a:r>
+            <a:r>
+              <a:rPr lang="en-GB" dirty="0" err="1"/>
+              <a:t>Testbilder</a:t>
+            </a:r>
+            <a:endParaRPr lang="en-GB" dirty="0"/>
+          </a:p>
+        </p:txBody>
+      </p:sp>
+      <p:sp>
+        <p:nvSpPr>
+          <p:cNvPr id="3" name="Datumsplatzhalter 2">
+            <a:extLst>
+              <a:ext uri="{FF2B5EF4-FFF2-40B4-BE49-F238E27FC236}">
+                <a16:creationId xmlns:a16="http://schemas.microsoft.com/office/drawing/2014/main" id="{BD10A925-E3B3-462D-804F-E1558A86B5D4}"/>
+              </a:ext>
+            </a:extLst>
+          </p:cNvPr>
+          <p:cNvSpPr>
+            <a:spLocks noGrp="1"/>
+          </p:cNvSpPr>
+          <p:nvPr>
+            <p:ph type="dt" sz="half" idx="10"/>
+          </p:nvPr>
+        </p:nvSpPr>
+        <p:spPr/>
+        <p:txBody>
+          <a:bodyPr/>
+          <a:lstStyle/>
+          <a:p>
+            <a:fld id="{92945389-04B4-460D-BD35-C57D41A2ECAA}" type="datetime1">
+              <a:rPr lang="de-DE" smtClean="0"/>
+              <a:t>03.10.2019</a:t>
+            </a:fld>
+            <a:endParaRPr lang="de-DE" dirty="0"/>
+          </a:p>
+        </p:txBody>
+      </p:sp>
+      <p:sp>
+        <p:nvSpPr>
+          <p:cNvPr id="4" name="Fußzeilenplatzhalter 3">
+            <a:extLst>
+              <a:ext uri="{FF2B5EF4-FFF2-40B4-BE49-F238E27FC236}">
+                <a16:creationId xmlns:a16="http://schemas.microsoft.com/office/drawing/2014/main" id="{32EA9020-BCCF-4707-A70F-3B40C2636CB6}"/>
+              </a:ext>
+            </a:extLst>
+          </p:cNvPr>
+          <p:cNvSpPr>
+            <a:spLocks noGrp="1"/>
+          </p:cNvSpPr>
+          <p:nvPr>
+            <p:ph type="ftr" sz="quarter" idx="11"/>
+          </p:nvPr>
+        </p:nvSpPr>
+        <p:spPr/>
+        <p:txBody>
+          <a:bodyPr/>
+          <a:lstStyle/>
+          <a:p>
+            <a:r>
+              <a:rPr lang="de-DE"/>
+              <a:t>Universität Stuttgart</a:t>
+            </a:r>
+            <a:endParaRPr lang="de-DE" dirty="0"/>
+          </a:p>
+        </p:txBody>
+      </p:sp>
+      <p:sp>
+        <p:nvSpPr>
+          <p:cNvPr id="5" name="Foliennummernplatzhalter 4">
+            <a:extLst>
+              <a:ext uri="{FF2B5EF4-FFF2-40B4-BE49-F238E27FC236}">
+                <a16:creationId xmlns:a16="http://schemas.microsoft.com/office/drawing/2014/main" id="{8BCD278E-5CBD-4C1E-A62B-C1DCC70FE95C}"/>
+              </a:ext>
+            </a:extLst>
+          </p:cNvPr>
+          <p:cNvSpPr>
+            <a:spLocks noGrp="1"/>
+          </p:cNvSpPr>
+          <p:nvPr>
+            <p:ph type="sldNum" sz="quarter" idx="12"/>
+          </p:nvPr>
+        </p:nvSpPr>
+        <p:spPr/>
+        <p:txBody>
+          <a:bodyPr/>
+          <a:lstStyle/>
+          <a:p>
+            <a:fld id="{9E82CC3C-1DC0-4FDA-9590-6CC506AB67F8}" type="slidenum">
+              <a:rPr lang="de-DE" smtClean="0"/>
+              <a:t>17</a:t>
+            </a:fld>
+            <a:endParaRPr lang="de-DE" dirty="0"/>
+          </a:p>
+        </p:txBody>
+      </p:sp>
+      <p:sp>
+        <p:nvSpPr>
+          <p:cNvPr id="6" name="Textplatzhalter 5">
+            <a:extLst>
+              <a:ext uri="{FF2B5EF4-FFF2-40B4-BE49-F238E27FC236}">
+                <a16:creationId xmlns:a16="http://schemas.microsoft.com/office/drawing/2014/main" id="{BE4C5EF1-C16F-41F9-ABCE-C9FC63972B1D}"/>
+              </a:ext>
+            </a:extLst>
+          </p:cNvPr>
+          <p:cNvSpPr>
+            <a:spLocks noGrp="1"/>
+          </p:cNvSpPr>
+          <p:nvPr>
+            <p:ph type="body" sz="quarter" idx="13"/>
+          </p:nvPr>
+        </p:nvSpPr>
+        <p:spPr/>
+        <p:txBody>
+          <a:bodyPr/>
+          <a:lstStyle/>
+          <a:p>
+            <a:r>
+              <a:rPr lang="en-GB" dirty="0" err="1"/>
+              <a:t>Datensätze</a:t>
+            </a:r>
+            <a:endParaRPr lang="en-GB" dirty="0"/>
+          </a:p>
+        </p:txBody>
+      </p:sp>
+      <p:sp>
+        <p:nvSpPr>
+          <p:cNvPr id="7" name="Titel 6">
+            <a:extLst>
+              <a:ext uri="{FF2B5EF4-FFF2-40B4-BE49-F238E27FC236}">
+                <a16:creationId xmlns:a16="http://schemas.microsoft.com/office/drawing/2014/main" id="{633B759D-2431-4B2E-A5EA-3C893DA1F864}"/>
+              </a:ext>
+            </a:extLst>
+          </p:cNvPr>
+          <p:cNvSpPr>
+            <a:spLocks noGrp="1"/>
+          </p:cNvSpPr>
+          <p:nvPr>
+            <p:ph type="title"/>
+          </p:nvPr>
+        </p:nvSpPr>
+        <p:spPr/>
+        <p:txBody>
+          <a:bodyPr/>
+          <a:lstStyle/>
+          <a:p>
+            <a:r>
+              <a:rPr lang="en-GB" dirty="0" err="1"/>
+              <a:t>Evaluierung</a:t>
+            </a:r>
+            <a:endParaRPr lang="en-GB" dirty="0"/>
+          </a:p>
+        </p:txBody>
+      </p:sp>
+      <p:pic>
+        <p:nvPicPr>
+          <p:cNvPr id="8" name="Grafik 7">
+            <a:extLst>
+              <a:ext uri="{FF2B5EF4-FFF2-40B4-BE49-F238E27FC236}">
+                <a16:creationId xmlns:a16="http://schemas.microsoft.com/office/drawing/2014/main" id="{DA2446DC-A00E-4A28-ADC8-C1A1604FB627}"/>
+              </a:ext>
+            </a:extLst>
+          </p:cNvPr>
+          <p:cNvPicPr>
+            <a:picLocks noChangeAspect="1"/>
+          </p:cNvPicPr>
+          <p:nvPr/>
+        </p:nvPicPr>
+        <p:blipFill>
+          <a:blip r:embed="rId2"/>
+          <a:stretch>
+            <a:fillRect/>
+          </a:stretch>
+        </p:blipFill>
+        <p:spPr>
+          <a:xfrm>
+            <a:off x="5912264" y="1617781"/>
+            <a:ext cx="2303908" cy="1725494"/>
+          </a:xfrm>
+          <a:prstGeom prst="rect">
+            <a:avLst/>
+          </a:prstGeom>
+        </p:spPr>
+      </p:pic>
+    </p:spTree>
+    <p:extLst>
+      <p:ext uri="{BB962C8B-B14F-4D97-AF65-F5344CB8AC3E}">
+        <p14:creationId xmlns:p14="http://schemas.microsoft.com/office/powerpoint/2010/main" val="1485484366"/>
+      </p:ext>
+    </p:extLst>
+  </p:cSld>
+  <p:clrMapOvr>
+    <a:masterClrMapping/>
+  </p:clrMapOvr>
+</p:sld>
+</file>
+
+<file path=ppt/slides/slide18.xml><?xml version="1.0" encoding="utf-8"?>
+<p:sld xmlns:a="http://schemas.openxmlformats.org/drawingml/2006/main" xmlns:r="http://schemas.openxmlformats.org/officeDocument/2006/relationships" xmlns:p="http://schemas.openxmlformats.org/presentationml/2006/main">
+  <p:cSld>
+    <p:spTree>
+      <p:nvGrpSpPr>
+        <p:cNvPr id="1" name=""/>
+        <p:cNvGrpSpPr/>
+        <p:nvPr/>
+      </p:nvGrpSpPr>
+      <p:grpSpPr>
+        <a:xfrm>
+          <a:off x="0" y="0"/>
+          <a:ext cx="0" cy="0"/>
+          <a:chOff x="0" y="0"/>
+          <a:chExt cx="0" cy="0"/>
+        </a:xfrm>
+      </p:grpSpPr>
+      <mc:AlternateContent xmlns:mc="http://schemas.openxmlformats.org/markup-compatibility/2006">
+        <mc:Choice xmlns:a14="http://schemas.microsoft.com/office/drawing/2010/main" Requires="a14">
+          <p:sp>
+            <p:nvSpPr>
+              <p:cNvPr id="2" name="Inhaltsplatzhalter 1">
+                <a:extLst>
+                  <a:ext uri="{FF2B5EF4-FFF2-40B4-BE49-F238E27FC236}">
+                    <a16:creationId xmlns:a16="http://schemas.microsoft.com/office/drawing/2014/main" id="{F2D8F640-A4D2-48D0-8B18-E5594450F70B}"/>
+                  </a:ext>
+                </a:extLst>
+              </p:cNvPr>
+              <p:cNvSpPr>
+                <a:spLocks noGrp="1"/>
+              </p:cNvSpPr>
+              <p:nvPr>
+                <p:ph idx="1"/>
+              </p:nvPr>
+            </p:nvSpPr>
+            <p:spPr/>
+            <p:txBody>
+              <a:bodyPr/>
+              <a:lstStyle/>
+              <a:p>
+                <a:r>
+                  <a:rPr lang="en-GB" dirty="0"/>
+                  <a:t>Gittersuche </a:t>
+                </a:r>
+                <a:r>
+                  <a:rPr lang="en-GB" dirty="0" err="1"/>
+                  <a:t>im</a:t>
+                </a:r>
+                <a:r>
+                  <a:rPr lang="en-GB" dirty="0"/>
+                  <a:t> </a:t>
+                </a:r>
+                <a:r>
+                  <a:rPr lang="en-GB" dirty="0" err="1"/>
+                  <a:t>zwei-dimensionalen</a:t>
+                </a:r>
+                <a:r>
+                  <a:rPr lang="en-GB" dirty="0"/>
+                  <a:t> </a:t>
+                </a:r>
+                <a:r>
+                  <a:rPr lang="en-GB" dirty="0" err="1"/>
+                  <a:t>Parameterraum</a:t>
+                </a:r>
+                <a:r>
+                  <a:rPr lang="en-GB" dirty="0"/>
+                  <a:t> </a:t>
+                </a:r>
+                <a:r>
+                  <a:rPr lang="en-GB" dirty="0" err="1"/>
+                  <a:t>für</a:t>
+                </a:r>
+                <a:r>
+                  <a:rPr lang="en-GB" dirty="0"/>
+                  <a:t> </a:t>
+                </a:r>
+                <a14:m>
+                  <m:oMath xmlns:m="http://schemas.openxmlformats.org/officeDocument/2006/math">
+                    <m:r>
+                      <a:rPr lang="de-DE" b="0" i="1" smtClean="0">
+                        <a:latin typeface="Cambria Math" panose="02040503050406030204" pitchFamily="18" charset="0"/>
+                      </a:rPr>
+                      <m:t>𝛼</m:t>
+                    </m:r>
+                  </m:oMath>
+                </a14:m>
+                <a:r>
+                  <a:rPr lang="en-GB" dirty="0"/>
+                  <a:t> (</a:t>
+                </a:r>
+                <a:r>
+                  <a:rPr lang="en-GB" dirty="0" err="1"/>
+                  <a:t>Lernrate</a:t>
+                </a:r>
+                <a:r>
+                  <a:rPr lang="en-GB" dirty="0"/>
+                  <a:t>) und </a:t>
+                </a:r>
+                <a14:m>
+                  <m:oMath xmlns:m="http://schemas.openxmlformats.org/officeDocument/2006/math">
+                    <m:r>
+                      <a:rPr lang="de-DE" b="0" i="1" smtClean="0">
+                        <a:latin typeface="Cambria Math" panose="02040503050406030204" pitchFamily="18" charset="0"/>
+                      </a:rPr>
+                      <m:t>𝜌</m:t>
+                    </m:r>
+                  </m:oMath>
+                </a14:m>
+                <a:r>
+                  <a:rPr lang="en-GB" dirty="0"/>
+                  <a:t> (Vigilance Parameter)</a:t>
+                </a:r>
+              </a:p>
+            </p:txBody>
+          </p:sp>
+        </mc:Choice>
+        <mc:Fallback>
+          <p:sp>
+            <p:nvSpPr>
+              <p:cNvPr id="2" name="Inhaltsplatzhalter 1">
+                <a:extLst>
+                  <a:ext uri="{FF2B5EF4-FFF2-40B4-BE49-F238E27FC236}">
+                    <a16:creationId xmlns:a16="http://schemas.microsoft.com/office/drawing/2014/main" id="{F2D8F640-A4D2-48D0-8B18-E5594450F70B}"/>
+                  </a:ext>
+                </a:extLst>
+              </p:cNvPr>
+              <p:cNvSpPr>
+                <a:spLocks noGrp="1" noRot="1" noChangeAspect="1" noMove="1" noResize="1" noEditPoints="1" noAdjustHandles="1" noChangeArrowheads="1" noChangeShapeType="1" noTextEdit="1"/>
+              </p:cNvSpPr>
+              <p:nvPr>
+                <p:ph idx="1"/>
+              </p:nvPr>
+            </p:nvSpPr>
+            <p:spPr>
+              <a:blipFill>
+                <a:blip r:embed="rId2"/>
+                <a:stretch>
+                  <a:fillRect l="-1412" t="-1222"/>
+                </a:stretch>
+              </a:blipFill>
+            </p:spPr>
+            <p:txBody>
+              <a:bodyPr/>
+              <a:lstStyle/>
+              <a:p>
+                <a:r>
+                  <a:rPr lang="en-GB">
+                    <a:noFill/>
+                  </a:rPr>
+                  <a:t> </a:t>
+                </a:r>
+              </a:p>
+            </p:txBody>
+          </p:sp>
+        </mc:Fallback>
+      </mc:AlternateContent>
+      <p:sp>
+        <p:nvSpPr>
+          <p:cNvPr id="3" name="Datumsplatzhalter 2">
+            <a:extLst>
+              <a:ext uri="{FF2B5EF4-FFF2-40B4-BE49-F238E27FC236}">
+                <a16:creationId xmlns:a16="http://schemas.microsoft.com/office/drawing/2014/main" id="{14FF2640-183B-46E1-85EA-0D83C67FE444}"/>
+              </a:ext>
+            </a:extLst>
+          </p:cNvPr>
+          <p:cNvSpPr>
+            <a:spLocks noGrp="1"/>
+          </p:cNvSpPr>
+          <p:nvPr>
+            <p:ph type="dt" sz="half" idx="10"/>
+          </p:nvPr>
+        </p:nvSpPr>
+        <p:spPr/>
+        <p:txBody>
+          <a:bodyPr/>
+          <a:lstStyle/>
+          <a:p>
+            <a:fld id="{92945389-04B4-460D-BD35-C57D41A2ECAA}" type="datetime1">
+              <a:rPr lang="de-DE" smtClean="0"/>
+              <a:t>03.10.2019</a:t>
+            </a:fld>
+            <a:endParaRPr lang="de-DE" dirty="0"/>
+          </a:p>
+        </p:txBody>
+      </p:sp>
+      <p:sp>
+        <p:nvSpPr>
+          <p:cNvPr id="4" name="Fußzeilenplatzhalter 3">
+            <a:extLst>
+              <a:ext uri="{FF2B5EF4-FFF2-40B4-BE49-F238E27FC236}">
+                <a16:creationId xmlns:a16="http://schemas.microsoft.com/office/drawing/2014/main" id="{C8645D03-B1CB-4427-9D50-E3D42D003654}"/>
+              </a:ext>
+            </a:extLst>
+          </p:cNvPr>
+          <p:cNvSpPr>
+            <a:spLocks noGrp="1"/>
+          </p:cNvSpPr>
+          <p:nvPr>
+            <p:ph type="ftr" sz="quarter" idx="11"/>
+          </p:nvPr>
+        </p:nvSpPr>
+        <p:spPr/>
+        <p:txBody>
+          <a:bodyPr/>
+          <a:lstStyle/>
+          <a:p>
+            <a:r>
+              <a:rPr lang="de-DE"/>
+              <a:t>Universität Stuttgart</a:t>
+            </a:r>
+            <a:endParaRPr lang="de-DE" dirty="0"/>
+          </a:p>
+        </p:txBody>
+      </p:sp>
+      <p:sp>
+        <p:nvSpPr>
+          <p:cNvPr id="5" name="Foliennummernplatzhalter 4">
+            <a:extLst>
+              <a:ext uri="{FF2B5EF4-FFF2-40B4-BE49-F238E27FC236}">
+                <a16:creationId xmlns:a16="http://schemas.microsoft.com/office/drawing/2014/main" id="{92B36ADB-CFEC-429B-9315-73E924FA014C}"/>
+              </a:ext>
+            </a:extLst>
+          </p:cNvPr>
+          <p:cNvSpPr>
+            <a:spLocks noGrp="1"/>
+          </p:cNvSpPr>
+          <p:nvPr>
+            <p:ph type="sldNum" sz="quarter" idx="12"/>
+          </p:nvPr>
+        </p:nvSpPr>
+        <p:spPr/>
+        <p:txBody>
+          <a:bodyPr/>
+          <a:lstStyle/>
+          <a:p>
+            <a:fld id="{9E82CC3C-1DC0-4FDA-9590-6CC506AB67F8}" type="slidenum">
+              <a:rPr lang="de-DE" smtClean="0"/>
+              <a:t>18</a:t>
+            </a:fld>
+            <a:endParaRPr lang="de-DE" dirty="0"/>
+          </a:p>
+        </p:txBody>
+      </p:sp>
+      <p:sp>
+        <p:nvSpPr>
+          <p:cNvPr id="6" name="Textplatzhalter 5">
+            <a:extLst>
+              <a:ext uri="{FF2B5EF4-FFF2-40B4-BE49-F238E27FC236}">
+                <a16:creationId xmlns:a16="http://schemas.microsoft.com/office/drawing/2014/main" id="{16299095-2085-4689-AD2B-4A74DA935902}"/>
+              </a:ext>
+            </a:extLst>
+          </p:cNvPr>
+          <p:cNvSpPr>
+            <a:spLocks noGrp="1"/>
+          </p:cNvSpPr>
+          <p:nvPr>
+            <p:ph type="body" sz="quarter" idx="13"/>
+          </p:nvPr>
+        </p:nvSpPr>
+        <p:spPr/>
+        <p:txBody>
+          <a:bodyPr/>
+          <a:lstStyle/>
+          <a:p>
+            <a:r>
+              <a:rPr lang="en-GB" dirty="0" err="1"/>
+              <a:t>Hyperparameteroptimierung</a:t>
+            </a:r>
+            <a:r>
+              <a:rPr lang="en-GB" dirty="0"/>
+              <a:t> Modul B</a:t>
+            </a:r>
+          </a:p>
+        </p:txBody>
+      </p:sp>
+      <p:sp>
+        <p:nvSpPr>
+          <p:cNvPr id="7" name="Titel 6">
+            <a:extLst>
+              <a:ext uri="{FF2B5EF4-FFF2-40B4-BE49-F238E27FC236}">
+                <a16:creationId xmlns:a16="http://schemas.microsoft.com/office/drawing/2014/main" id="{2A3A8F57-87D4-45C5-89F4-B1AB1246ED2D}"/>
+              </a:ext>
+            </a:extLst>
+          </p:cNvPr>
+          <p:cNvSpPr>
+            <a:spLocks noGrp="1"/>
+          </p:cNvSpPr>
+          <p:nvPr>
+            <p:ph type="title"/>
+          </p:nvPr>
+        </p:nvSpPr>
+        <p:spPr/>
+        <p:txBody>
+          <a:bodyPr/>
+          <a:lstStyle/>
+          <a:p>
+            <a:r>
+              <a:rPr lang="en-GB" dirty="0" err="1"/>
+              <a:t>Evaluierung</a:t>
+            </a:r>
+            <a:endParaRPr lang="en-GB" dirty="0"/>
+          </a:p>
+        </p:txBody>
+      </p:sp>
+      <p:pic>
+        <p:nvPicPr>
+          <p:cNvPr id="9" name="Grafik 8">
+            <a:extLst>
+              <a:ext uri="{FF2B5EF4-FFF2-40B4-BE49-F238E27FC236}">
+                <a16:creationId xmlns:a16="http://schemas.microsoft.com/office/drawing/2014/main" id="{35ABD5B5-3D95-4D85-B6B5-16A26292A329}"/>
+              </a:ext>
+            </a:extLst>
+          </p:cNvPr>
+          <p:cNvPicPr>
+            <a:picLocks noChangeAspect="1"/>
+          </p:cNvPicPr>
+          <p:nvPr/>
+        </p:nvPicPr>
+        <p:blipFill>
+          <a:blip r:embed="rId3" cstate="print">
+            <a:extLst>
+              <a:ext uri="{28A0092B-C50C-407E-A947-70E740481C1C}">
+                <a14:useLocalDpi xmlns:a14="http://schemas.microsoft.com/office/drawing/2010/main" val="0"/>
+              </a:ext>
+              <a:ext uri="{96DAC541-7B7A-43D3-8B79-37D633B846F1}">
+                <asvg:svgBlip xmlns:asvg="http://schemas.microsoft.com/office/drawing/2016/SVG/main" r:embed="rId4"/>
+              </a:ext>
+            </a:extLst>
+          </a:blip>
+          <a:stretch>
+            <a:fillRect/>
+          </a:stretch>
+        </p:blipFill>
+        <p:spPr>
+          <a:xfrm>
+            <a:off x="4572000" y="2342468"/>
+            <a:ext cx="3835672" cy="2880000"/>
+          </a:xfrm>
+          <a:prstGeom prst="rect">
+            <a:avLst/>
+          </a:prstGeom>
+        </p:spPr>
+      </p:pic>
+      <p:pic>
+        <p:nvPicPr>
+          <p:cNvPr id="10" name="Grafik 9">
+            <a:extLst>
+              <a:ext uri="{FF2B5EF4-FFF2-40B4-BE49-F238E27FC236}">
+                <a16:creationId xmlns:a16="http://schemas.microsoft.com/office/drawing/2014/main" id="{C63D6D49-2CAD-4CB6-969F-89D9D8FCCE9F}"/>
+              </a:ext>
+            </a:extLst>
+          </p:cNvPr>
+          <p:cNvPicPr>
+            <a:picLocks noChangeAspect="1"/>
+          </p:cNvPicPr>
+          <p:nvPr/>
+        </p:nvPicPr>
+        <p:blipFill>
+          <a:blip r:embed="rId5" cstate="print">
+            <a:extLst>
+              <a:ext uri="{28A0092B-C50C-407E-A947-70E740481C1C}">
+                <a14:useLocalDpi xmlns:a14="http://schemas.microsoft.com/office/drawing/2010/main" val="0"/>
+              </a:ext>
+              <a:ext uri="{96DAC541-7B7A-43D3-8B79-37D633B846F1}">
+                <asvg:svgBlip xmlns:asvg="http://schemas.microsoft.com/office/drawing/2016/SVG/main" r:embed="rId6"/>
+              </a:ext>
+            </a:extLst>
+          </a:blip>
+          <a:stretch>
+            <a:fillRect/>
+          </a:stretch>
+        </p:blipFill>
+        <p:spPr>
+          <a:xfrm>
+            <a:off x="482226" y="2342468"/>
+            <a:ext cx="3835672" cy="2880000"/>
+          </a:xfrm>
+          <a:prstGeom prst="rect">
+            <a:avLst/>
+          </a:prstGeom>
+        </p:spPr>
+      </p:pic>
+    </p:spTree>
+    <p:extLst>
+      <p:ext uri="{BB962C8B-B14F-4D97-AF65-F5344CB8AC3E}">
+        <p14:creationId xmlns:p14="http://schemas.microsoft.com/office/powerpoint/2010/main" val="2085320507"/>
+      </p:ext>
+    </p:extLst>
+  </p:cSld>
+  <p:clrMapOvr>
+    <a:masterClrMapping/>
+  </p:clrMapOvr>
+</p:sld>
+</file>
+
+<file path=ppt/slides/slide19.xml><?xml version="1.0" encoding="utf-8"?>
+<p:sld xmlns:a="http://schemas.openxmlformats.org/drawingml/2006/main" xmlns:r="http://schemas.openxmlformats.org/officeDocument/2006/relationships" xmlns:p="http://schemas.openxmlformats.org/presentationml/2006/main">
+  <p:cSld>
+    <p:spTree>
+      <p:nvGrpSpPr>
+        <p:cNvPr id="1" name=""/>
+        <p:cNvGrpSpPr/>
+        <p:nvPr/>
+      </p:nvGrpSpPr>
+      <p:grpSpPr>
+        <a:xfrm>
+          <a:off x="0" y="0"/>
+          <a:ext cx="0" cy="0"/>
+          <a:chOff x="0" y="0"/>
+          <a:chExt cx="0" cy="0"/>
+        </a:xfrm>
+      </p:grpSpPr>
+      <p:sp>
+        <p:nvSpPr>
+          <p:cNvPr id="2" name="Inhaltsplatzhalter 1">
+            <a:extLst>
+              <a:ext uri="{FF2B5EF4-FFF2-40B4-BE49-F238E27FC236}">
+                <a16:creationId xmlns:a16="http://schemas.microsoft.com/office/drawing/2014/main" id="{894BAF55-15D7-493C-AF86-D916921D8DFF}"/>
+              </a:ext>
+            </a:extLst>
+          </p:cNvPr>
+          <p:cNvSpPr>
+            <a:spLocks noGrp="1"/>
+          </p:cNvSpPr>
+          <p:nvPr>
+            <p:ph idx="1"/>
+          </p:nvPr>
+        </p:nvSpPr>
+        <p:spPr/>
+        <p:txBody>
+          <a:bodyPr/>
+          <a:lstStyle/>
+          <a:p>
+            <a:r>
+              <a:rPr lang="en-GB" dirty="0" err="1"/>
+              <a:t>Unterschiedliche</a:t>
+            </a:r>
+            <a:r>
+              <a:rPr lang="en-GB" dirty="0"/>
+              <a:t> </a:t>
+            </a:r>
+            <a:r>
+              <a:rPr lang="en-GB" dirty="0" err="1"/>
+              <a:t>Anzahl</a:t>
+            </a:r>
+            <a:r>
+              <a:rPr lang="en-GB" dirty="0"/>
+              <a:t> an </a:t>
+            </a:r>
+            <a:r>
+              <a:rPr lang="en-GB" dirty="0" err="1"/>
+              <a:t>Trainingsbilder</a:t>
+            </a:r>
+            <a:r>
+              <a:rPr lang="en-GB" dirty="0"/>
+              <a:t>, die pro </a:t>
+            </a:r>
+            <a:r>
+              <a:rPr lang="en-GB" dirty="0" err="1"/>
+              <a:t>Klasse</a:t>
+            </a:r>
+            <a:r>
+              <a:rPr lang="en-GB" dirty="0"/>
+              <a:t> </a:t>
+            </a:r>
+            <a:r>
+              <a:rPr lang="en-GB" dirty="0" err="1"/>
+              <a:t>gesehen</a:t>
+            </a:r>
+            <a:r>
+              <a:rPr lang="en-GB" dirty="0"/>
+              <a:t> </a:t>
+            </a:r>
+            <a:r>
+              <a:rPr lang="en-GB" dirty="0" err="1"/>
+              <a:t>werden</a:t>
+            </a:r>
+            <a:endParaRPr lang="en-GB" dirty="0"/>
+          </a:p>
+        </p:txBody>
+      </p:sp>
+      <p:sp>
+        <p:nvSpPr>
+          <p:cNvPr id="3" name="Datumsplatzhalter 2">
+            <a:extLst>
+              <a:ext uri="{FF2B5EF4-FFF2-40B4-BE49-F238E27FC236}">
+                <a16:creationId xmlns:a16="http://schemas.microsoft.com/office/drawing/2014/main" id="{49BF7DA7-80EF-4063-A5BB-FDCD12BE5309}"/>
+              </a:ext>
+            </a:extLst>
+          </p:cNvPr>
+          <p:cNvSpPr>
+            <a:spLocks noGrp="1"/>
+          </p:cNvSpPr>
+          <p:nvPr>
+            <p:ph type="dt" sz="half" idx="10"/>
+          </p:nvPr>
+        </p:nvSpPr>
+        <p:spPr/>
+        <p:txBody>
+          <a:bodyPr/>
+          <a:lstStyle/>
+          <a:p>
+            <a:fld id="{92945389-04B4-460D-BD35-C57D41A2ECAA}" type="datetime1">
+              <a:rPr lang="de-DE" smtClean="0"/>
+              <a:t>03.10.2019</a:t>
+            </a:fld>
+            <a:endParaRPr lang="de-DE" dirty="0"/>
+          </a:p>
+        </p:txBody>
+      </p:sp>
+      <p:sp>
+        <p:nvSpPr>
+          <p:cNvPr id="4" name="Fußzeilenplatzhalter 3">
+            <a:extLst>
+              <a:ext uri="{FF2B5EF4-FFF2-40B4-BE49-F238E27FC236}">
+                <a16:creationId xmlns:a16="http://schemas.microsoft.com/office/drawing/2014/main" id="{E210D165-CCC6-4C67-94AB-BD40FCBC809A}"/>
+              </a:ext>
+            </a:extLst>
+          </p:cNvPr>
+          <p:cNvSpPr>
+            <a:spLocks noGrp="1"/>
+          </p:cNvSpPr>
+          <p:nvPr>
+            <p:ph type="ftr" sz="quarter" idx="11"/>
+          </p:nvPr>
+        </p:nvSpPr>
+        <p:spPr/>
+        <p:txBody>
+          <a:bodyPr/>
+          <a:lstStyle/>
+          <a:p>
+            <a:r>
+              <a:rPr lang="de-DE"/>
+              <a:t>Universität Stuttgart</a:t>
+            </a:r>
+            <a:endParaRPr lang="de-DE" dirty="0"/>
+          </a:p>
+        </p:txBody>
+      </p:sp>
+      <p:sp>
+        <p:nvSpPr>
+          <p:cNvPr id="5" name="Foliennummernplatzhalter 4">
+            <a:extLst>
+              <a:ext uri="{FF2B5EF4-FFF2-40B4-BE49-F238E27FC236}">
+                <a16:creationId xmlns:a16="http://schemas.microsoft.com/office/drawing/2014/main" id="{51725126-5AE0-42A0-894C-42A32DA7DF45}"/>
+              </a:ext>
+            </a:extLst>
+          </p:cNvPr>
+          <p:cNvSpPr>
+            <a:spLocks noGrp="1"/>
+          </p:cNvSpPr>
+          <p:nvPr>
+            <p:ph type="sldNum" sz="quarter" idx="12"/>
+          </p:nvPr>
+        </p:nvSpPr>
+        <p:spPr/>
+        <p:txBody>
+          <a:bodyPr/>
+          <a:lstStyle/>
+          <a:p>
+            <a:fld id="{9E82CC3C-1DC0-4FDA-9590-6CC506AB67F8}" type="slidenum">
+              <a:rPr lang="de-DE" smtClean="0"/>
+              <a:t>19</a:t>
+            </a:fld>
+            <a:endParaRPr lang="de-DE" dirty="0"/>
+          </a:p>
+        </p:txBody>
+      </p:sp>
+      <p:sp>
+        <p:nvSpPr>
+          <p:cNvPr id="6" name="Textplatzhalter 5">
+            <a:extLst>
+              <a:ext uri="{FF2B5EF4-FFF2-40B4-BE49-F238E27FC236}">
+                <a16:creationId xmlns:a16="http://schemas.microsoft.com/office/drawing/2014/main" id="{23108572-17A7-46D6-A65D-A7ED4C78919D}"/>
+              </a:ext>
+            </a:extLst>
+          </p:cNvPr>
+          <p:cNvSpPr>
+            <a:spLocks noGrp="1"/>
+          </p:cNvSpPr>
+          <p:nvPr>
+            <p:ph type="body" sz="quarter" idx="13"/>
+          </p:nvPr>
+        </p:nvSpPr>
+        <p:spPr/>
+        <p:txBody>
+          <a:bodyPr/>
+          <a:lstStyle/>
+          <a:p>
+            <a:r>
+              <a:rPr lang="en-GB" dirty="0" err="1"/>
+              <a:t>Trainingsbilder</a:t>
+            </a:r>
+            <a:r>
+              <a:rPr lang="en-GB" dirty="0"/>
+              <a:t> pro </a:t>
+            </a:r>
+            <a:r>
+              <a:rPr lang="en-GB" dirty="0" err="1"/>
+              <a:t>Klasse</a:t>
+            </a:r>
+            <a:endParaRPr lang="en-GB" dirty="0"/>
+          </a:p>
+        </p:txBody>
+      </p:sp>
+      <p:sp>
+        <p:nvSpPr>
+          <p:cNvPr id="7" name="Titel 6">
+            <a:extLst>
+              <a:ext uri="{FF2B5EF4-FFF2-40B4-BE49-F238E27FC236}">
+                <a16:creationId xmlns:a16="http://schemas.microsoft.com/office/drawing/2014/main" id="{99835F76-7F8D-4314-9D4D-16EED618AEEA}"/>
+              </a:ext>
+            </a:extLst>
+          </p:cNvPr>
+          <p:cNvSpPr>
+            <a:spLocks noGrp="1"/>
+          </p:cNvSpPr>
+          <p:nvPr>
+            <p:ph type="title"/>
+          </p:nvPr>
+        </p:nvSpPr>
+        <p:spPr/>
+        <p:txBody>
+          <a:bodyPr/>
+          <a:lstStyle/>
+          <a:p>
+            <a:r>
+              <a:rPr lang="en-GB" dirty="0" err="1"/>
+              <a:t>Evaluierung</a:t>
+            </a:r>
+            <a:endParaRPr lang="en-GB" dirty="0"/>
+          </a:p>
+        </p:txBody>
+      </p:sp>
+      <p:pic>
+        <p:nvPicPr>
+          <p:cNvPr id="8" name="Grafik 7">
+            <a:extLst>
+              <a:ext uri="{FF2B5EF4-FFF2-40B4-BE49-F238E27FC236}">
+                <a16:creationId xmlns:a16="http://schemas.microsoft.com/office/drawing/2014/main" id="{47AC9924-1B8D-4FB9-BBF9-D34DE6CF8743}"/>
+              </a:ext>
+            </a:extLst>
+          </p:cNvPr>
+          <p:cNvPicPr>
+            <a:picLocks noChangeAspect="1"/>
+          </p:cNvPicPr>
+          <p:nvPr/>
+        </p:nvPicPr>
+        <p:blipFill>
+          <a:blip r:embed="rId2" cstate="print">
+            <a:extLst>
+              <a:ext uri="{28A0092B-C50C-407E-A947-70E740481C1C}">
+                <a14:useLocalDpi xmlns:a14="http://schemas.microsoft.com/office/drawing/2010/main" val="0"/>
+              </a:ext>
+              <a:ext uri="{96DAC541-7B7A-43D3-8B79-37D633B846F1}">
+                <asvg:svgBlip xmlns:asvg="http://schemas.microsoft.com/office/drawing/2016/SVG/main" r:embed="rId3"/>
+              </a:ext>
+            </a:extLst>
+          </a:blip>
+          <a:stretch>
+            <a:fillRect/>
+          </a:stretch>
+        </p:blipFill>
+        <p:spPr>
+          <a:xfrm>
+            <a:off x="482226" y="2209525"/>
+            <a:ext cx="3835672" cy="2880000"/>
+          </a:xfrm>
+          <a:prstGeom prst="rect">
+            <a:avLst/>
+          </a:prstGeom>
+        </p:spPr>
+      </p:pic>
+      <p:pic>
+        <p:nvPicPr>
+          <p:cNvPr id="9" name="Grafik 8">
+            <a:extLst>
+              <a:ext uri="{FF2B5EF4-FFF2-40B4-BE49-F238E27FC236}">
+                <a16:creationId xmlns:a16="http://schemas.microsoft.com/office/drawing/2014/main" id="{11131D28-6FF8-4036-AB09-FA6BDBA0DC90}"/>
+              </a:ext>
+            </a:extLst>
+          </p:cNvPr>
+          <p:cNvPicPr>
+            <a:picLocks noChangeAspect="1"/>
+          </p:cNvPicPr>
+          <p:nvPr/>
+        </p:nvPicPr>
+        <p:blipFill>
+          <a:blip r:embed="rId4" cstate="print">
+            <a:extLst>
+              <a:ext uri="{28A0092B-C50C-407E-A947-70E740481C1C}">
+                <a14:useLocalDpi xmlns:a14="http://schemas.microsoft.com/office/drawing/2010/main" val="0"/>
+              </a:ext>
+              <a:ext uri="{96DAC541-7B7A-43D3-8B79-37D633B846F1}">
+                <asvg:svgBlip xmlns:asvg="http://schemas.microsoft.com/office/drawing/2016/SVG/main" r:embed="rId5"/>
+              </a:ext>
+            </a:extLst>
+          </a:blip>
+          <a:stretch>
+            <a:fillRect/>
+          </a:stretch>
+        </p:blipFill>
+        <p:spPr>
+          <a:xfrm>
+            <a:off x="4317898" y="2209525"/>
+            <a:ext cx="3835672" cy="2880000"/>
+          </a:xfrm>
+          <a:prstGeom prst="rect">
+            <a:avLst/>
+          </a:prstGeom>
+        </p:spPr>
+      </p:pic>
+    </p:spTree>
+    <p:extLst>
+      <p:ext uri="{BB962C8B-B14F-4D97-AF65-F5344CB8AC3E}">
+        <p14:creationId xmlns:p14="http://schemas.microsoft.com/office/powerpoint/2010/main" val="2496609388"/>
+      </p:ext>
+    </p:extLst>
+  </p:cSld>
+  <p:clrMapOvr>
+    <a:masterClrMapping/>
+  </p:clrMapOvr>
 </p:sld>
 </file>
 
@@ -15473,7 +20502,7 @@
           <a:p>
             <a:fld id="{92945389-04B4-460D-BD35-C57D41A2ECAA}" type="datetime1">
               <a:rPr lang="de-DE" smtClean="0"/>
-              <a:t>01.10.2019</a:t>
+              <a:t>03.10.2019</a:t>
             </a:fld>
             <a:endParaRPr lang="de-DE" dirty="0"/>
           </a:p>
@@ -15495,7 +20524,7 @@
           <a:lstStyle/>
           <a:p>
             <a:r>
-              <a:rPr lang="de-DE" smtClean="0"/>
+              <a:rPr lang="de-DE"/>
               <a:t>Universität Stuttgart</a:t>
             </a:r>
             <a:endParaRPr lang="de-DE" dirty="0"/>
@@ -15560,10 +20589,9 @@
           <a:lstStyle/>
           <a:p>
             <a:r>
-              <a:rPr lang="de-DE" dirty="0" smtClean="0"/>
+              <a:rPr lang="de-DE" dirty="0"/>
               <a:t>Gliederung</a:t>
             </a:r>
-            <a:endParaRPr lang="de-DE" dirty="0"/>
           </a:p>
         </p:txBody>
       </p:sp>
@@ -15577,13 +20605,1981 @@
   <p:clrMapOvr>
     <a:masterClrMapping/>
   </p:clrMapOvr>
-  <p:timing>
-    <p:tnLst>
-      <p:par>
-        <p:cTn id="1" dur="indefinite" restart="never" nodeType="tmRoot"/>
-      </p:par>
-    </p:tnLst>
-  </p:timing>
+</p:sld>
+</file>
+
+<file path=ppt/slides/slide20.xml><?xml version="1.0" encoding="utf-8"?>
+<p:sld xmlns:a="http://schemas.openxmlformats.org/drawingml/2006/main" xmlns:r="http://schemas.openxmlformats.org/officeDocument/2006/relationships" xmlns:p="http://schemas.openxmlformats.org/presentationml/2006/main">
+  <p:cSld>
+    <p:spTree>
+      <p:nvGrpSpPr>
+        <p:cNvPr id="1" name=""/>
+        <p:cNvGrpSpPr/>
+        <p:nvPr/>
+      </p:nvGrpSpPr>
+      <p:grpSpPr>
+        <a:xfrm>
+          <a:off x="0" y="0"/>
+          <a:ext cx="0" cy="0"/>
+          <a:chOff x="0" y="0"/>
+          <a:chExt cx="0" cy="0"/>
+        </a:xfrm>
+      </p:grpSpPr>
+      <p:sp>
+        <p:nvSpPr>
+          <p:cNvPr id="2" name="Inhaltsplatzhalter 1">
+            <a:extLst>
+              <a:ext uri="{FF2B5EF4-FFF2-40B4-BE49-F238E27FC236}">
+                <a16:creationId xmlns:a16="http://schemas.microsoft.com/office/drawing/2014/main" id="{5D5BBACA-5E01-4E2E-96E8-25CBAA5A01F0}"/>
+              </a:ext>
+            </a:extLst>
+          </p:cNvPr>
+          <p:cNvSpPr>
+            <a:spLocks noGrp="1"/>
+          </p:cNvSpPr>
+          <p:nvPr>
+            <p:ph idx="1"/>
+          </p:nvPr>
+        </p:nvSpPr>
+        <p:spPr/>
+        <p:txBody>
+          <a:bodyPr/>
+          <a:lstStyle/>
+          <a:p>
+            <a:r>
+              <a:rPr lang="en-GB" dirty="0"/>
+              <a:t>Finale </a:t>
+            </a:r>
+            <a:r>
+              <a:rPr lang="en-GB" dirty="0" err="1"/>
+              <a:t>Ergebnisse</a:t>
+            </a:r>
+            <a:r>
+              <a:rPr lang="en-GB" dirty="0"/>
+              <a:t> auf den </a:t>
+            </a:r>
+            <a:r>
+              <a:rPr lang="en-GB" dirty="0" err="1"/>
+              <a:t>Testdaten</a:t>
+            </a:r>
+            <a:r>
+              <a:rPr lang="en-GB" dirty="0"/>
+              <a:t> </a:t>
+            </a:r>
+            <a:r>
+              <a:rPr lang="en-GB" dirty="0" err="1"/>
+              <a:t>für</a:t>
+            </a:r>
+            <a:r>
+              <a:rPr lang="en-GB" dirty="0"/>
+              <a:t> Split-MNIST</a:t>
+            </a:r>
+          </a:p>
+          <a:p>
+            <a:r>
+              <a:rPr lang="en-GB" dirty="0"/>
+              <a:t>Continual Learning</a:t>
+            </a:r>
+          </a:p>
+          <a:p>
+            <a:endParaRPr lang="en-GB" dirty="0"/>
+          </a:p>
+          <a:p>
+            <a:endParaRPr lang="en-GB" dirty="0"/>
+          </a:p>
+          <a:p>
+            <a:endParaRPr lang="en-GB" dirty="0"/>
+          </a:p>
+          <a:p>
+            <a:endParaRPr lang="en-GB" dirty="0"/>
+          </a:p>
+          <a:p>
+            <a:r>
+              <a:rPr lang="en-GB" dirty="0"/>
+              <a:t>Distributed Learning</a:t>
+            </a:r>
+          </a:p>
+        </p:txBody>
+      </p:sp>
+      <p:sp>
+        <p:nvSpPr>
+          <p:cNvPr id="3" name="Datumsplatzhalter 2">
+            <a:extLst>
+              <a:ext uri="{FF2B5EF4-FFF2-40B4-BE49-F238E27FC236}">
+                <a16:creationId xmlns:a16="http://schemas.microsoft.com/office/drawing/2014/main" id="{D10ECDF4-FCD7-45B4-A5CE-11D35F86FDBA}"/>
+              </a:ext>
+            </a:extLst>
+          </p:cNvPr>
+          <p:cNvSpPr>
+            <a:spLocks noGrp="1"/>
+          </p:cNvSpPr>
+          <p:nvPr>
+            <p:ph type="dt" sz="half" idx="10"/>
+          </p:nvPr>
+        </p:nvSpPr>
+        <p:spPr/>
+        <p:txBody>
+          <a:bodyPr/>
+          <a:lstStyle/>
+          <a:p>
+            <a:fld id="{92945389-04B4-460D-BD35-C57D41A2ECAA}" type="datetime1">
+              <a:rPr lang="de-DE" smtClean="0"/>
+              <a:t>03.10.2019</a:t>
+            </a:fld>
+            <a:endParaRPr lang="de-DE" dirty="0"/>
+          </a:p>
+        </p:txBody>
+      </p:sp>
+      <p:sp>
+        <p:nvSpPr>
+          <p:cNvPr id="4" name="Fußzeilenplatzhalter 3">
+            <a:extLst>
+              <a:ext uri="{FF2B5EF4-FFF2-40B4-BE49-F238E27FC236}">
+                <a16:creationId xmlns:a16="http://schemas.microsoft.com/office/drawing/2014/main" id="{27BAC76C-042A-4C46-8436-52A363FF1FAF}"/>
+              </a:ext>
+            </a:extLst>
+          </p:cNvPr>
+          <p:cNvSpPr>
+            <a:spLocks noGrp="1"/>
+          </p:cNvSpPr>
+          <p:nvPr>
+            <p:ph type="ftr" sz="quarter" idx="11"/>
+          </p:nvPr>
+        </p:nvSpPr>
+        <p:spPr/>
+        <p:txBody>
+          <a:bodyPr/>
+          <a:lstStyle/>
+          <a:p>
+            <a:r>
+              <a:rPr lang="de-DE"/>
+              <a:t>Universität Stuttgart</a:t>
+            </a:r>
+            <a:endParaRPr lang="de-DE" dirty="0"/>
+          </a:p>
+        </p:txBody>
+      </p:sp>
+      <p:sp>
+        <p:nvSpPr>
+          <p:cNvPr id="5" name="Foliennummernplatzhalter 4">
+            <a:extLst>
+              <a:ext uri="{FF2B5EF4-FFF2-40B4-BE49-F238E27FC236}">
+                <a16:creationId xmlns:a16="http://schemas.microsoft.com/office/drawing/2014/main" id="{C632147D-E63A-4956-BDAF-DC4650AB527F}"/>
+              </a:ext>
+            </a:extLst>
+          </p:cNvPr>
+          <p:cNvSpPr>
+            <a:spLocks noGrp="1"/>
+          </p:cNvSpPr>
+          <p:nvPr>
+            <p:ph type="sldNum" sz="quarter" idx="12"/>
+          </p:nvPr>
+        </p:nvSpPr>
+        <p:spPr/>
+        <p:txBody>
+          <a:bodyPr/>
+          <a:lstStyle/>
+          <a:p>
+            <a:fld id="{9E82CC3C-1DC0-4FDA-9590-6CC506AB67F8}" type="slidenum">
+              <a:rPr lang="de-DE" smtClean="0"/>
+              <a:t>20</a:t>
+            </a:fld>
+            <a:endParaRPr lang="de-DE" dirty="0"/>
+          </a:p>
+        </p:txBody>
+      </p:sp>
+      <p:sp>
+        <p:nvSpPr>
+          <p:cNvPr id="6" name="Textplatzhalter 5">
+            <a:extLst>
+              <a:ext uri="{FF2B5EF4-FFF2-40B4-BE49-F238E27FC236}">
+                <a16:creationId xmlns:a16="http://schemas.microsoft.com/office/drawing/2014/main" id="{9EA8CEAE-9FBA-42A2-B428-8053F53015D9}"/>
+              </a:ext>
+            </a:extLst>
+          </p:cNvPr>
+          <p:cNvSpPr>
+            <a:spLocks noGrp="1"/>
+          </p:cNvSpPr>
+          <p:nvPr>
+            <p:ph type="body" sz="quarter" idx="13"/>
+          </p:nvPr>
+        </p:nvSpPr>
+        <p:spPr/>
+        <p:txBody>
+          <a:bodyPr/>
+          <a:lstStyle/>
+          <a:p>
+            <a:r>
+              <a:rPr lang="en-GB" dirty="0" err="1"/>
+              <a:t>Ergebnisse</a:t>
+            </a:r>
+            <a:r>
+              <a:rPr lang="en-GB" dirty="0"/>
+              <a:t> Continual und Distributed Learning</a:t>
+            </a:r>
+          </a:p>
+        </p:txBody>
+      </p:sp>
+      <p:sp>
+        <p:nvSpPr>
+          <p:cNvPr id="7" name="Titel 6">
+            <a:extLst>
+              <a:ext uri="{FF2B5EF4-FFF2-40B4-BE49-F238E27FC236}">
+                <a16:creationId xmlns:a16="http://schemas.microsoft.com/office/drawing/2014/main" id="{C85F5C37-2A4B-4272-884A-974F83283177}"/>
+              </a:ext>
+            </a:extLst>
+          </p:cNvPr>
+          <p:cNvSpPr>
+            <a:spLocks noGrp="1"/>
+          </p:cNvSpPr>
+          <p:nvPr>
+            <p:ph type="title"/>
+          </p:nvPr>
+        </p:nvSpPr>
+        <p:spPr/>
+        <p:txBody>
+          <a:bodyPr/>
+          <a:lstStyle/>
+          <a:p>
+            <a:r>
+              <a:rPr lang="en-GB" dirty="0" err="1"/>
+              <a:t>Evaluierung</a:t>
+            </a:r>
+            <a:endParaRPr lang="en-GB" dirty="0"/>
+          </a:p>
+        </p:txBody>
+      </p:sp>
+      <p:graphicFrame>
+        <p:nvGraphicFramePr>
+          <p:cNvPr id="9" name="Tabelle 8">
+            <a:extLst>
+              <a:ext uri="{FF2B5EF4-FFF2-40B4-BE49-F238E27FC236}">
+                <a16:creationId xmlns:a16="http://schemas.microsoft.com/office/drawing/2014/main" id="{695B7B70-7A3A-4300-8A59-1B09BD9DC26C}"/>
+              </a:ext>
+            </a:extLst>
+          </p:cNvPr>
+          <p:cNvGraphicFramePr>
+            <a:graphicFrameLocks noGrp="1"/>
+          </p:cNvGraphicFramePr>
+          <p:nvPr>
+            <p:extLst>
+              <p:ext uri="{D42A27DB-BD31-4B8C-83A1-F6EECF244321}">
+                <p14:modId xmlns:p14="http://schemas.microsoft.com/office/powerpoint/2010/main" val="2184907122"/>
+              </p:ext>
+            </p:extLst>
+          </p:nvPr>
+        </p:nvGraphicFramePr>
+        <p:xfrm>
+          <a:off x="2466120" y="1947768"/>
+          <a:ext cx="5288280" cy="1645920"/>
+        </p:xfrm>
+        <a:graphic>
+          <a:graphicData uri="http://schemas.openxmlformats.org/drawingml/2006/table">
+            <a:tbl>
+              <a:tblPr firstRow="1" firstCol="1" bandRow="1">
+                <a:tableStyleId>{5C22544A-7EE6-4342-B048-85BDC9FD1C3A}</a:tableStyleId>
+              </a:tblPr>
+              <a:tblGrid>
+                <a:gridCol w="2787650">
+                  <a:extLst>
+                    <a:ext uri="{9D8B030D-6E8A-4147-A177-3AD203B41FA5}">
+                      <a16:colId xmlns:a16="http://schemas.microsoft.com/office/drawing/2014/main" val="4256640679"/>
+                    </a:ext>
+                  </a:extLst>
+                </a:gridCol>
+                <a:gridCol w="2500630">
+                  <a:extLst>
+                    <a:ext uri="{9D8B030D-6E8A-4147-A177-3AD203B41FA5}">
+                      <a16:colId xmlns:a16="http://schemas.microsoft.com/office/drawing/2014/main" val="2671139663"/>
+                    </a:ext>
+                  </a:extLst>
+                </a:gridCol>
+              </a:tblGrid>
+              <a:tr h="0">
+                <a:tc>
+                  <a:txBody>
+                    <a:bodyPr/>
+                    <a:lstStyle/>
+                    <a:p>
+                      <a:pPr algn="ctr">
+                        <a:spcAft>
+                          <a:spcPts val="0"/>
+                        </a:spcAft>
+                      </a:pPr>
+                      <a:r>
+                        <a:rPr lang="de-DE" sz="1200">
+                          <a:effectLst/>
+                        </a:rPr>
+                        <a:t>Algorithmus</a:t>
+                      </a:r>
+                      <a:endParaRPr lang="de-DE" sz="1200">
+                        <a:effectLst/>
+                        <a:latin typeface="Arial" panose="020B0604020202020204" pitchFamily="34" charset="0"/>
+                        <a:ea typeface="Times New Roman" panose="02020603050405020304" pitchFamily="18" charset="0"/>
+                        <a:cs typeface="Times New Roman" panose="02020603050405020304" pitchFamily="18" charset="0"/>
+                      </a:endParaRPr>
+                    </a:p>
+                  </a:txBody>
+                  <a:tcPr marL="68580" marR="68580" marT="0" marB="0"/>
+                </a:tc>
+                <a:tc>
+                  <a:txBody>
+                    <a:bodyPr/>
+                    <a:lstStyle/>
+                    <a:p>
+                      <a:pPr algn="ctr">
+                        <a:spcAft>
+                          <a:spcPts val="0"/>
+                        </a:spcAft>
+                      </a:pPr>
+                      <a:r>
+                        <a:rPr lang="de-DE" sz="1200">
+                          <a:effectLst/>
+                        </a:rPr>
+                        <a:t>Klassifikationsgenauigkeit in %</a:t>
+                      </a:r>
+                      <a:endParaRPr lang="de-DE" sz="1200">
+                        <a:effectLst/>
+                        <a:latin typeface="Arial" panose="020B0604020202020204" pitchFamily="34" charset="0"/>
+                        <a:ea typeface="Times New Roman" panose="02020603050405020304" pitchFamily="18" charset="0"/>
+                        <a:cs typeface="Times New Roman" panose="02020603050405020304" pitchFamily="18" charset="0"/>
+                      </a:endParaRPr>
+                    </a:p>
+                  </a:txBody>
+                  <a:tcPr marL="68580" marR="68580" marT="0" marB="0"/>
+                </a:tc>
+                <a:extLst>
+                  <a:ext uri="{0D108BD9-81ED-4DB2-BD59-A6C34878D82A}">
+                    <a16:rowId xmlns:a16="http://schemas.microsoft.com/office/drawing/2014/main" val="1066635261"/>
+                  </a:ext>
+                </a:extLst>
+              </a:tr>
+              <a:tr h="0">
+                <a:tc>
+                  <a:txBody>
+                    <a:bodyPr/>
+                    <a:lstStyle/>
+                    <a:p>
+                      <a:pPr algn="l">
+                        <a:spcAft>
+                          <a:spcPts val="0"/>
+                        </a:spcAft>
+                      </a:pPr>
+                      <a:r>
+                        <a:rPr lang="de-DE" sz="1200">
+                          <a:effectLst/>
+                        </a:rPr>
+                        <a:t>L DNN Algorithmus gesamt</a:t>
+                      </a:r>
+                      <a:endParaRPr lang="de-DE" sz="1200">
+                        <a:effectLst/>
+                        <a:latin typeface="Arial" panose="020B0604020202020204" pitchFamily="34" charset="0"/>
+                        <a:ea typeface="Times New Roman" panose="02020603050405020304" pitchFamily="18" charset="0"/>
+                        <a:cs typeface="Times New Roman" panose="02020603050405020304" pitchFamily="18" charset="0"/>
+                      </a:endParaRPr>
+                    </a:p>
+                  </a:txBody>
+                  <a:tcPr marL="68580" marR="68580" marT="0" marB="0"/>
+                </a:tc>
+                <a:tc>
+                  <a:txBody>
+                    <a:bodyPr/>
+                    <a:lstStyle/>
+                    <a:p>
+                      <a:pPr algn="ctr">
+                        <a:spcAft>
+                          <a:spcPts val="0"/>
+                        </a:spcAft>
+                      </a:pPr>
+                      <a:r>
+                        <a:rPr lang="de-DE" sz="1200">
+                          <a:effectLst/>
+                        </a:rPr>
+                        <a:t>90,66 +/- 0,32</a:t>
+                      </a:r>
+                      <a:endParaRPr lang="de-DE" sz="1200">
+                        <a:effectLst/>
+                        <a:latin typeface="Arial" panose="020B0604020202020204" pitchFamily="34" charset="0"/>
+                        <a:ea typeface="Times New Roman" panose="02020603050405020304" pitchFamily="18" charset="0"/>
+                        <a:cs typeface="Times New Roman" panose="02020603050405020304" pitchFamily="18" charset="0"/>
+                      </a:endParaRPr>
+                    </a:p>
+                  </a:txBody>
+                  <a:tcPr marL="68580" marR="68580" marT="0" marB="0"/>
+                </a:tc>
+                <a:extLst>
+                  <a:ext uri="{0D108BD9-81ED-4DB2-BD59-A6C34878D82A}">
+                    <a16:rowId xmlns:a16="http://schemas.microsoft.com/office/drawing/2014/main" val="763116560"/>
+                  </a:ext>
+                </a:extLst>
+              </a:tr>
+              <a:tr h="0">
+                <a:tc>
+                  <a:txBody>
+                    <a:bodyPr/>
+                    <a:lstStyle/>
+                    <a:p>
+                      <a:pPr algn="just">
+                        <a:spcAft>
+                          <a:spcPts val="0"/>
+                        </a:spcAft>
+                      </a:pPr>
+                      <a:r>
+                        <a:rPr lang="de-DE" sz="1200">
+                          <a:effectLst/>
+                        </a:rPr>
+                        <a:t>L DNN Algorithmus inkrementell</a:t>
+                      </a:r>
+                      <a:endParaRPr lang="de-DE" sz="1200">
+                        <a:effectLst/>
+                        <a:latin typeface="Arial" panose="020B0604020202020204" pitchFamily="34" charset="0"/>
+                        <a:ea typeface="Times New Roman" panose="02020603050405020304" pitchFamily="18" charset="0"/>
+                        <a:cs typeface="Times New Roman" panose="02020603050405020304" pitchFamily="18" charset="0"/>
+                      </a:endParaRPr>
+                    </a:p>
+                  </a:txBody>
+                  <a:tcPr marL="68580" marR="68580" marT="0" marB="0"/>
+                </a:tc>
+                <a:tc>
+                  <a:txBody>
+                    <a:bodyPr/>
+                    <a:lstStyle/>
+                    <a:p>
+                      <a:pPr algn="ctr">
+                        <a:spcAft>
+                          <a:spcPts val="0"/>
+                        </a:spcAft>
+                      </a:pPr>
+                      <a:r>
+                        <a:rPr lang="de-DE" sz="1200">
+                          <a:effectLst/>
+                        </a:rPr>
+                        <a:t>86,94 +/- 1,29</a:t>
+                      </a:r>
+                      <a:endParaRPr lang="de-DE" sz="1200">
+                        <a:effectLst/>
+                        <a:latin typeface="Arial" panose="020B0604020202020204" pitchFamily="34" charset="0"/>
+                        <a:ea typeface="Times New Roman" panose="02020603050405020304" pitchFamily="18" charset="0"/>
+                        <a:cs typeface="Times New Roman" panose="02020603050405020304" pitchFamily="18" charset="0"/>
+                      </a:endParaRPr>
+                    </a:p>
+                  </a:txBody>
+                  <a:tcPr marL="68580" marR="68580" marT="0" marB="0"/>
+                </a:tc>
+                <a:extLst>
+                  <a:ext uri="{0D108BD9-81ED-4DB2-BD59-A6C34878D82A}">
+                    <a16:rowId xmlns:a16="http://schemas.microsoft.com/office/drawing/2014/main" val="1190315784"/>
+                  </a:ext>
+                </a:extLst>
+              </a:tr>
+              <a:tr h="0">
+                <a:tc>
+                  <a:txBody>
+                    <a:bodyPr/>
+                    <a:lstStyle/>
+                    <a:p>
+                      <a:pPr algn="just">
+                        <a:spcAft>
+                          <a:spcPts val="0"/>
+                        </a:spcAft>
+                      </a:pPr>
+                      <a:r>
+                        <a:rPr lang="de-DE" sz="1200" dirty="0">
+                          <a:effectLst/>
+                        </a:rPr>
+                        <a:t>Deep Generativ Replay (DGR)</a:t>
+                      </a:r>
+                      <a:endParaRPr lang="de-DE" sz="1200" dirty="0">
+                        <a:effectLst/>
+                        <a:latin typeface="Arial" panose="020B0604020202020204" pitchFamily="34" charset="0"/>
+                        <a:ea typeface="Times New Roman" panose="02020603050405020304" pitchFamily="18" charset="0"/>
+                        <a:cs typeface="Times New Roman" panose="02020603050405020304" pitchFamily="18" charset="0"/>
+                      </a:endParaRPr>
+                    </a:p>
+                  </a:txBody>
+                  <a:tcPr marL="68580" marR="68580" marT="0" marB="0"/>
+                </a:tc>
+                <a:tc>
+                  <a:txBody>
+                    <a:bodyPr/>
+                    <a:lstStyle/>
+                    <a:p>
+                      <a:pPr algn="ctr">
+                        <a:spcAft>
+                          <a:spcPts val="0"/>
+                        </a:spcAft>
+                      </a:pPr>
+                      <a:r>
+                        <a:rPr lang="de-DE" sz="1200">
+                          <a:effectLst/>
+                        </a:rPr>
+                        <a:t>91,24 +/- 0,33</a:t>
+                      </a:r>
+                      <a:endParaRPr lang="de-DE" sz="1200">
+                        <a:effectLst/>
+                        <a:latin typeface="Arial" panose="020B0604020202020204" pitchFamily="34" charset="0"/>
+                        <a:ea typeface="Times New Roman" panose="02020603050405020304" pitchFamily="18" charset="0"/>
+                        <a:cs typeface="Times New Roman" panose="02020603050405020304" pitchFamily="18" charset="0"/>
+                      </a:endParaRPr>
+                    </a:p>
+                  </a:txBody>
+                  <a:tcPr marL="68580" marR="68580" marT="0" marB="0"/>
+                </a:tc>
+                <a:extLst>
+                  <a:ext uri="{0D108BD9-81ED-4DB2-BD59-A6C34878D82A}">
+                    <a16:rowId xmlns:a16="http://schemas.microsoft.com/office/drawing/2014/main" val="2031975758"/>
+                  </a:ext>
+                </a:extLst>
+              </a:tr>
+              <a:tr h="0">
+                <a:tc>
+                  <a:txBody>
+                    <a:bodyPr/>
+                    <a:lstStyle/>
+                    <a:p>
+                      <a:pPr algn="just">
+                        <a:spcAft>
+                          <a:spcPts val="0"/>
+                        </a:spcAft>
+                      </a:pPr>
+                      <a:r>
+                        <a:rPr lang="de-DE" sz="1200" dirty="0" err="1">
+                          <a:effectLst/>
+                        </a:rPr>
+                        <a:t>Elastic</a:t>
+                      </a:r>
+                      <a:r>
+                        <a:rPr lang="de-DE" sz="1200" dirty="0">
+                          <a:effectLst/>
+                        </a:rPr>
+                        <a:t> </a:t>
+                      </a:r>
+                      <a:r>
+                        <a:rPr lang="de-DE" sz="1200" dirty="0" err="1">
+                          <a:effectLst/>
+                        </a:rPr>
+                        <a:t>Weight</a:t>
+                      </a:r>
+                      <a:r>
+                        <a:rPr lang="de-DE" sz="1200" dirty="0">
+                          <a:effectLst/>
+                        </a:rPr>
+                        <a:t> Consolidation (EWC) </a:t>
+                      </a:r>
+                      <a:endParaRPr lang="de-DE" sz="1200" dirty="0">
+                        <a:effectLst/>
+                        <a:latin typeface="Arial" panose="020B0604020202020204" pitchFamily="34" charset="0"/>
+                        <a:ea typeface="Times New Roman" panose="02020603050405020304" pitchFamily="18" charset="0"/>
+                        <a:cs typeface="Times New Roman" panose="02020603050405020304" pitchFamily="18" charset="0"/>
+                      </a:endParaRPr>
+                    </a:p>
+                  </a:txBody>
+                  <a:tcPr marL="68580" marR="68580" marT="0" marB="0"/>
+                </a:tc>
+                <a:tc>
+                  <a:txBody>
+                    <a:bodyPr/>
+                    <a:lstStyle/>
+                    <a:p>
+                      <a:pPr algn="ctr">
+                        <a:spcAft>
+                          <a:spcPts val="0"/>
+                        </a:spcAft>
+                      </a:pPr>
+                      <a:r>
+                        <a:rPr lang="de-DE" sz="1200">
+                          <a:effectLst/>
+                        </a:rPr>
+                        <a:t>19,90 +/- 0,05</a:t>
+                      </a:r>
+                      <a:endParaRPr lang="de-DE" sz="1200">
+                        <a:effectLst/>
+                        <a:latin typeface="Arial" panose="020B0604020202020204" pitchFamily="34" charset="0"/>
+                        <a:ea typeface="Times New Roman" panose="02020603050405020304" pitchFamily="18" charset="0"/>
+                        <a:cs typeface="Times New Roman" panose="02020603050405020304" pitchFamily="18" charset="0"/>
+                      </a:endParaRPr>
+                    </a:p>
+                  </a:txBody>
+                  <a:tcPr marL="68580" marR="68580" marT="0" marB="0"/>
+                </a:tc>
+                <a:extLst>
+                  <a:ext uri="{0D108BD9-81ED-4DB2-BD59-A6C34878D82A}">
+                    <a16:rowId xmlns:a16="http://schemas.microsoft.com/office/drawing/2014/main" val="2914105923"/>
+                  </a:ext>
+                </a:extLst>
+              </a:tr>
+              <a:tr h="0">
+                <a:tc>
+                  <a:txBody>
+                    <a:bodyPr/>
+                    <a:lstStyle/>
+                    <a:p>
+                      <a:pPr algn="just">
+                        <a:spcAft>
+                          <a:spcPts val="0"/>
+                        </a:spcAft>
+                      </a:pPr>
+                      <a:r>
+                        <a:rPr lang="de-DE" sz="1200" dirty="0" err="1">
+                          <a:effectLst/>
+                        </a:rPr>
+                        <a:t>Synaptic</a:t>
+                      </a:r>
+                      <a:r>
+                        <a:rPr lang="de-DE" sz="1200" dirty="0">
+                          <a:effectLst/>
+                        </a:rPr>
+                        <a:t> </a:t>
+                      </a:r>
+                      <a:r>
+                        <a:rPr lang="de-DE" sz="1200" dirty="0" err="1">
+                          <a:effectLst/>
+                        </a:rPr>
+                        <a:t>Intelligence</a:t>
+                      </a:r>
+                      <a:r>
+                        <a:rPr lang="de-DE" sz="1200" dirty="0">
+                          <a:effectLst/>
+                        </a:rPr>
+                        <a:t> (SI)</a:t>
+                      </a:r>
+                      <a:endParaRPr lang="de-DE" sz="1200" dirty="0">
+                        <a:effectLst/>
+                        <a:latin typeface="Arial" panose="020B0604020202020204" pitchFamily="34" charset="0"/>
+                        <a:ea typeface="Times New Roman" panose="02020603050405020304" pitchFamily="18" charset="0"/>
+                        <a:cs typeface="Times New Roman" panose="02020603050405020304" pitchFamily="18" charset="0"/>
+                      </a:endParaRPr>
+                    </a:p>
+                  </a:txBody>
+                  <a:tcPr marL="68580" marR="68580" marT="0" marB="0"/>
+                </a:tc>
+                <a:tc>
+                  <a:txBody>
+                    <a:bodyPr/>
+                    <a:lstStyle/>
+                    <a:p>
+                      <a:pPr algn="ctr">
+                        <a:spcAft>
+                          <a:spcPts val="0"/>
+                        </a:spcAft>
+                      </a:pPr>
+                      <a:r>
+                        <a:rPr lang="de-DE" sz="1200">
+                          <a:effectLst/>
+                        </a:rPr>
+                        <a:t>20,04 +/- 0,08</a:t>
+                      </a:r>
+                      <a:endParaRPr lang="de-DE" sz="1200">
+                        <a:effectLst/>
+                        <a:latin typeface="Arial" panose="020B0604020202020204" pitchFamily="34" charset="0"/>
+                        <a:ea typeface="Times New Roman" panose="02020603050405020304" pitchFamily="18" charset="0"/>
+                        <a:cs typeface="Times New Roman" panose="02020603050405020304" pitchFamily="18" charset="0"/>
+                      </a:endParaRPr>
+                    </a:p>
+                  </a:txBody>
+                  <a:tcPr marL="68580" marR="68580" marT="0" marB="0"/>
+                </a:tc>
+                <a:extLst>
+                  <a:ext uri="{0D108BD9-81ED-4DB2-BD59-A6C34878D82A}">
+                    <a16:rowId xmlns:a16="http://schemas.microsoft.com/office/drawing/2014/main" val="1653770037"/>
+                  </a:ext>
+                </a:extLst>
+              </a:tr>
+              <a:tr h="0">
+                <a:tc>
+                  <a:txBody>
+                    <a:bodyPr/>
+                    <a:lstStyle/>
+                    <a:p>
+                      <a:pPr algn="just">
+                        <a:spcAft>
+                          <a:spcPts val="0"/>
+                        </a:spcAft>
+                      </a:pPr>
+                      <a:r>
+                        <a:rPr lang="en-US" sz="1200" dirty="0">
+                          <a:effectLst/>
+                        </a:rPr>
+                        <a:t>Multi-Layer Perceptron (MLP) – </a:t>
+                      </a:r>
+                      <a:r>
+                        <a:rPr lang="en-US" sz="1200" dirty="0" err="1">
+                          <a:effectLst/>
+                        </a:rPr>
+                        <a:t>inkrementell</a:t>
+                      </a:r>
+                      <a:r>
+                        <a:rPr lang="en-US" sz="1200" dirty="0">
+                          <a:effectLst/>
+                        </a:rPr>
+                        <a:t> </a:t>
+                      </a:r>
+                      <a:r>
+                        <a:rPr lang="en-US" sz="1200" dirty="0" err="1">
+                          <a:effectLst/>
+                        </a:rPr>
+                        <a:t>trainiert</a:t>
+                      </a:r>
+                      <a:endParaRPr lang="de-DE" sz="1200" dirty="0">
+                        <a:effectLst/>
+                        <a:latin typeface="Arial" panose="020B0604020202020204" pitchFamily="34" charset="0"/>
+                        <a:ea typeface="Times New Roman" panose="02020603050405020304" pitchFamily="18" charset="0"/>
+                        <a:cs typeface="Times New Roman" panose="02020603050405020304" pitchFamily="18" charset="0"/>
+                      </a:endParaRPr>
+                    </a:p>
+                  </a:txBody>
+                  <a:tcPr marL="68580" marR="68580" marT="0" marB="0"/>
+                </a:tc>
+                <a:tc>
+                  <a:txBody>
+                    <a:bodyPr/>
+                    <a:lstStyle/>
+                    <a:p>
+                      <a:pPr algn="ctr">
+                        <a:spcAft>
+                          <a:spcPts val="0"/>
+                        </a:spcAft>
+                      </a:pPr>
+                      <a:r>
+                        <a:rPr lang="en-US" sz="1200">
+                          <a:effectLst/>
+                        </a:rPr>
+                        <a:t>19,90 +/- 0,02</a:t>
+                      </a:r>
+                      <a:endParaRPr lang="de-DE" sz="1200">
+                        <a:effectLst/>
+                        <a:latin typeface="Arial" panose="020B0604020202020204" pitchFamily="34" charset="0"/>
+                        <a:ea typeface="Times New Roman" panose="02020603050405020304" pitchFamily="18" charset="0"/>
+                        <a:cs typeface="Times New Roman" panose="02020603050405020304" pitchFamily="18" charset="0"/>
+                      </a:endParaRPr>
+                    </a:p>
+                  </a:txBody>
+                  <a:tcPr marL="68580" marR="68580" marT="0" marB="0"/>
+                </a:tc>
+                <a:extLst>
+                  <a:ext uri="{0D108BD9-81ED-4DB2-BD59-A6C34878D82A}">
+                    <a16:rowId xmlns:a16="http://schemas.microsoft.com/office/drawing/2014/main" val="1033648068"/>
+                  </a:ext>
+                </a:extLst>
+              </a:tr>
+              <a:tr h="0">
+                <a:tc>
+                  <a:txBody>
+                    <a:bodyPr/>
+                    <a:lstStyle/>
+                    <a:p>
+                      <a:pPr algn="just">
+                        <a:spcAft>
+                          <a:spcPts val="0"/>
+                        </a:spcAft>
+                      </a:pPr>
+                      <a:r>
+                        <a:rPr lang="en-US" sz="1200" dirty="0">
+                          <a:effectLst/>
+                        </a:rPr>
+                        <a:t>MLP – offline </a:t>
+                      </a:r>
+                      <a:r>
+                        <a:rPr lang="en-US" sz="1200" dirty="0" err="1">
+                          <a:effectLst/>
+                        </a:rPr>
+                        <a:t>trainiert</a:t>
+                      </a:r>
+                      <a:endParaRPr lang="de-DE" sz="1200" dirty="0">
+                        <a:effectLst/>
+                        <a:latin typeface="Arial" panose="020B0604020202020204" pitchFamily="34" charset="0"/>
+                        <a:ea typeface="Times New Roman" panose="02020603050405020304" pitchFamily="18" charset="0"/>
+                        <a:cs typeface="Times New Roman" panose="02020603050405020304" pitchFamily="18" charset="0"/>
+                      </a:endParaRPr>
+                    </a:p>
+                  </a:txBody>
+                  <a:tcPr marL="68580" marR="68580" marT="0" marB="0"/>
+                </a:tc>
+                <a:tc>
+                  <a:txBody>
+                    <a:bodyPr/>
+                    <a:lstStyle/>
+                    <a:p>
+                      <a:pPr algn="ctr">
+                        <a:spcAft>
+                          <a:spcPts val="0"/>
+                        </a:spcAft>
+                      </a:pPr>
+                      <a:r>
+                        <a:rPr lang="en-US" sz="1200" dirty="0">
+                          <a:effectLst/>
+                        </a:rPr>
+                        <a:t>97,93 +/- 0,04</a:t>
+                      </a:r>
+                      <a:endParaRPr lang="de-DE" sz="1200" dirty="0">
+                        <a:effectLst/>
+                        <a:latin typeface="Arial" panose="020B0604020202020204" pitchFamily="34" charset="0"/>
+                        <a:ea typeface="Times New Roman" panose="02020603050405020304" pitchFamily="18" charset="0"/>
+                        <a:cs typeface="Times New Roman" panose="02020603050405020304" pitchFamily="18" charset="0"/>
+                      </a:endParaRPr>
+                    </a:p>
+                  </a:txBody>
+                  <a:tcPr marL="68580" marR="68580" marT="0" marB="0"/>
+                </a:tc>
+                <a:extLst>
+                  <a:ext uri="{0D108BD9-81ED-4DB2-BD59-A6C34878D82A}">
+                    <a16:rowId xmlns:a16="http://schemas.microsoft.com/office/drawing/2014/main" val="4100521087"/>
+                  </a:ext>
+                </a:extLst>
+              </a:tr>
+            </a:tbl>
+          </a:graphicData>
+        </a:graphic>
+      </p:graphicFrame>
+      <p:graphicFrame>
+        <p:nvGraphicFramePr>
+          <p:cNvPr id="10" name="Tabelle 9">
+            <a:extLst>
+              <a:ext uri="{FF2B5EF4-FFF2-40B4-BE49-F238E27FC236}">
+                <a16:creationId xmlns:a16="http://schemas.microsoft.com/office/drawing/2014/main" id="{0D665B49-B9D5-420F-B6E0-CCE06665D51A}"/>
+              </a:ext>
+            </a:extLst>
+          </p:cNvPr>
+          <p:cNvGraphicFramePr>
+            <a:graphicFrameLocks noGrp="1"/>
+          </p:cNvGraphicFramePr>
+          <p:nvPr>
+            <p:extLst>
+              <p:ext uri="{D42A27DB-BD31-4B8C-83A1-F6EECF244321}">
+                <p14:modId xmlns:p14="http://schemas.microsoft.com/office/powerpoint/2010/main" val="2545331750"/>
+              </p:ext>
+            </p:extLst>
+          </p:nvPr>
+        </p:nvGraphicFramePr>
+        <p:xfrm>
+          <a:off x="2466120" y="3767232"/>
+          <a:ext cx="5288280" cy="1645920"/>
+        </p:xfrm>
+        <a:graphic>
+          <a:graphicData uri="http://schemas.openxmlformats.org/drawingml/2006/table">
+            <a:tbl>
+              <a:tblPr firstRow="1" firstCol="1" bandRow="1">
+                <a:tableStyleId>{5C22544A-7EE6-4342-B048-85BDC9FD1C3A}</a:tableStyleId>
+              </a:tblPr>
+              <a:tblGrid>
+                <a:gridCol w="1242589">
+                  <a:extLst>
+                    <a:ext uri="{9D8B030D-6E8A-4147-A177-3AD203B41FA5}">
+                      <a16:colId xmlns:a16="http://schemas.microsoft.com/office/drawing/2014/main" val="2293167464"/>
+                    </a:ext>
+                  </a:extLst>
+                </a:gridCol>
+                <a:gridCol w="1401276">
+                  <a:extLst>
+                    <a:ext uri="{9D8B030D-6E8A-4147-A177-3AD203B41FA5}">
+                      <a16:colId xmlns:a16="http://schemas.microsoft.com/office/drawing/2014/main" val="1405340191"/>
+                    </a:ext>
+                  </a:extLst>
+                </a:gridCol>
+                <a:gridCol w="1400727">
+                  <a:extLst>
+                    <a:ext uri="{9D8B030D-6E8A-4147-A177-3AD203B41FA5}">
+                      <a16:colId xmlns:a16="http://schemas.microsoft.com/office/drawing/2014/main" val="3639567907"/>
+                    </a:ext>
+                  </a:extLst>
+                </a:gridCol>
+                <a:gridCol w="1243688">
+                  <a:extLst>
+                    <a:ext uri="{9D8B030D-6E8A-4147-A177-3AD203B41FA5}">
+                      <a16:colId xmlns:a16="http://schemas.microsoft.com/office/drawing/2014/main" val="557190859"/>
+                    </a:ext>
+                  </a:extLst>
+                </a:gridCol>
+              </a:tblGrid>
+              <a:tr h="366840">
+                <a:tc>
+                  <a:txBody>
+                    <a:bodyPr/>
+                    <a:lstStyle/>
+                    <a:p>
+                      <a:pPr algn="ctr">
+                        <a:spcAft>
+                          <a:spcPts val="0"/>
+                        </a:spcAft>
+                      </a:pPr>
+                      <a:r>
+                        <a:rPr lang="de-DE" sz="1200">
+                          <a:effectLst/>
+                        </a:rPr>
+                        <a:t>Algorithmus</a:t>
+                      </a:r>
+                      <a:endParaRPr lang="de-DE" sz="1200">
+                        <a:effectLst/>
+                        <a:latin typeface="Arial" panose="020B0604020202020204" pitchFamily="34" charset="0"/>
+                        <a:ea typeface="Times New Roman" panose="02020603050405020304" pitchFamily="18" charset="0"/>
+                        <a:cs typeface="Times New Roman" panose="02020603050405020304" pitchFamily="18" charset="0"/>
+                      </a:endParaRPr>
+                    </a:p>
+                  </a:txBody>
+                  <a:tcPr marL="68580" marR="68580" marT="0" marB="0"/>
+                </a:tc>
+                <a:tc>
+                  <a:txBody>
+                    <a:bodyPr/>
+                    <a:lstStyle/>
+                    <a:p>
+                      <a:pPr algn="ctr">
+                        <a:spcAft>
+                          <a:spcPts val="0"/>
+                        </a:spcAft>
+                      </a:pPr>
+                      <a:r>
+                        <a:rPr lang="de-DE" sz="1200">
+                          <a:effectLst/>
+                        </a:rPr>
+                        <a:t>Klassifikations-genauigkeit Gerät 1 in %</a:t>
+                      </a:r>
+                      <a:endParaRPr lang="de-DE" sz="1200">
+                        <a:effectLst/>
+                        <a:latin typeface="Arial" panose="020B0604020202020204" pitchFamily="34" charset="0"/>
+                        <a:ea typeface="Times New Roman" panose="02020603050405020304" pitchFamily="18" charset="0"/>
+                        <a:cs typeface="Times New Roman" panose="02020603050405020304" pitchFamily="18" charset="0"/>
+                      </a:endParaRPr>
+                    </a:p>
+                  </a:txBody>
+                  <a:tcPr marL="68580" marR="68580" marT="0" marB="0"/>
+                </a:tc>
+                <a:tc>
+                  <a:txBody>
+                    <a:bodyPr/>
+                    <a:lstStyle/>
+                    <a:p>
+                      <a:pPr algn="ctr">
+                        <a:spcAft>
+                          <a:spcPts val="0"/>
+                        </a:spcAft>
+                      </a:pPr>
+                      <a:r>
+                        <a:rPr lang="de-DE" sz="1200">
+                          <a:effectLst/>
+                        </a:rPr>
+                        <a:t>Klassifikations-genauigkeit Gerät 2 in %</a:t>
+                      </a:r>
+                      <a:endParaRPr lang="de-DE" sz="1200">
+                        <a:effectLst/>
+                        <a:latin typeface="Arial" panose="020B0604020202020204" pitchFamily="34" charset="0"/>
+                        <a:ea typeface="Times New Roman" panose="02020603050405020304" pitchFamily="18" charset="0"/>
+                        <a:cs typeface="Times New Roman" panose="02020603050405020304" pitchFamily="18" charset="0"/>
+                      </a:endParaRPr>
+                    </a:p>
+                  </a:txBody>
+                  <a:tcPr marL="68580" marR="68580" marT="0" marB="0"/>
+                </a:tc>
+                <a:tc>
+                  <a:txBody>
+                    <a:bodyPr/>
+                    <a:lstStyle/>
+                    <a:p>
+                      <a:pPr algn="ctr">
+                        <a:spcAft>
+                          <a:spcPts val="0"/>
+                        </a:spcAft>
+                      </a:pPr>
+                      <a:r>
+                        <a:rPr lang="de-DE" sz="1200">
+                          <a:effectLst/>
+                        </a:rPr>
+                        <a:t>Klassifikations-genauigkeit final in %</a:t>
+                      </a:r>
+                      <a:endParaRPr lang="de-DE" sz="1200">
+                        <a:effectLst/>
+                        <a:latin typeface="Arial" panose="020B0604020202020204" pitchFamily="34" charset="0"/>
+                        <a:ea typeface="Times New Roman" panose="02020603050405020304" pitchFamily="18" charset="0"/>
+                        <a:cs typeface="Times New Roman" panose="02020603050405020304" pitchFamily="18" charset="0"/>
+                      </a:endParaRPr>
+                    </a:p>
+                  </a:txBody>
+                  <a:tcPr marL="68580" marR="68580" marT="0" marB="0"/>
+                </a:tc>
+                <a:extLst>
+                  <a:ext uri="{0D108BD9-81ED-4DB2-BD59-A6C34878D82A}">
+                    <a16:rowId xmlns:a16="http://schemas.microsoft.com/office/drawing/2014/main" val="22303556"/>
+                  </a:ext>
+                </a:extLst>
+              </a:tr>
+              <a:tr h="366840">
+                <a:tc>
+                  <a:txBody>
+                    <a:bodyPr/>
+                    <a:lstStyle/>
+                    <a:p>
+                      <a:pPr algn="just">
+                        <a:spcAft>
+                          <a:spcPts val="0"/>
+                        </a:spcAft>
+                      </a:pPr>
+                      <a:r>
+                        <a:rPr lang="de-DE" sz="1200">
+                          <a:effectLst/>
+                        </a:rPr>
+                        <a:t>L DNN Algorithmus – 1 Gerät</a:t>
+                      </a:r>
+                      <a:endParaRPr lang="de-DE" sz="1200">
+                        <a:effectLst/>
+                        <a:latin typeface="Arial" panose="020B0604020202020204" pitchFamily="34" charset="0"/>
+                        <a:ea typeface="Times New Roman" panose="02020603050405020304" pitchFamily="18" charset="0"/>
+                        <a:cs typeface="Times New Roman" panose="02020603050405020304" pitchFamily="18" charset="0"/>
+                      </a:endParaRPr>
+                    </a:p>
+                  </a:txBody>
+                  <a:tcPr marL="68580" marR="68580" marT="0" marB="0"/>
+                </a:tc>
+                <a:tc>
+                  <a:txBody>
+                    <a:bodyPr/>
+                    <a:lstStyle/>
+                    <a:p>
+                      <a:pPr algn="ctr">
+                        <a:spcAft>
+                          <a:spcPts val="0"/>
+                        </a:spcAft>
+                      </a:pPr>
+                      <a:r>
+                        <a:rPr lang="de-DE" sz="1200">
+                          <a:effectLst/>
+                        </a:rPr>
+                        <a:t>-</a:t>
+                      </a:r>
+                      <a:endParaRPr lang="de-DE" sz="1200">
+                        <a:effectLst/>
+                        <a:latin typeface="Arial" panose="020B0604020202020204" pitchFamily="34" charset="0"/>
+                        <a:ea typeface="Times New Roman" panose="02020603050405020304" pitchFamily="18" charset="0"/>
+                        <a:cs typeface="Times New Roman" panose="02020603050405020304" pitchFamily="18" charset="0"/>
+                      </a:endParaRPr>
+                    </a:p>
+                  </a:txBody>
+                  <a:tcPr marL="68580" marR="68580" marT="0" marB="0"/>
+                </a:tc>
+                <a:tc>
+                  <a:txBody>
+                    <a:bodyPr/>
+                    <a:lstStyle/>
+                    <a:p>
+                      <a:pPr algn="ctr">
+                        <a:spcAft>
+                          <a:spcPts val="0"/>
+                        </a:spcAft>
+                      </a:pPr>
+                      <a:r>
+                        <a:rPr lang="de-DE" sz="1200">
+                          <a:effectLst/>
+                        </a:rPr>
+                        <a:t>-</a:t>
+                      </a:r>
+                      <a:endParaRPr lang="de-DE" sz="1200">
+                        <a:effectLst/>
+                        <a:latin typeface="Arial" panose="020B0604020202020204" pitchFamily="34" charset="0"/>
+                        <a:ea typeface="Times New Roman" panose="02020603050405020304" pitchFamily="18" charset="0"/>
+                        <a:cs typeface="Times New Roman" panose="02020603050405020304" pitchFamily="18" charset="0"/>
+                      </a:endParaRPr>
+                    </a:p>
+                  </a:txBody>
+                  <a:tcPr marL="68580" marR="68580" marT="0" marB="0"/>
+                </a:tc>
+                <a:tc>
+                  <a:txBody>
+                    <a:bodyPr/>
+                    <a:lstStyle/>
+                    <a:p>
+                      <a:pPr algn="ctr">
+                        <a:spcAft>
+                          <a:spcPts val="0"/>
+                        </a:spcAft>
+                      </a:pPr>
+                      <a:r>
+                        <a:rPr lang="de-DE" sz="1200">
+                          <a:effectLst/>
+                        </a:rPr>
+                        <a:t>86,94 +/- 1,29</a:t>
+                      </a:r>
+                      <a:endParaRPr lang="de-DE" sz="1200">
+                        <a:effectLst/>
+                        <a:latin typeface="Arial" panose="020B0604020202020204" pitchFamily="34" charset="0"/>
+                        <a:ea typeface="Times New Roman" panose="02020603050405020304" pitchFamily="18" charset="0"/>
+                        <a:cs typeface="Times New Roman" panose="02020603050405020304" pitchFamily="18" charset="0"/>
+                      </a:endParaRPr>
+                    </a:p>
+                  </a:txBody>
+                  <a:tcPr marL="68580" marR="68580" marT="0" marB="0"/>
+                </a:tc>
+                <a:extLst>
+                  <a:ext uri="{0D108BD9-81ED-4DB2-BD59-A6C34878D82A}">
+                    <a16:rowId xmlns:a16="http://schemas.microsoft.com/office/drawing/2014/main" val="3554140929"/>
+                  </a:ext>
+                </a:extLst>
+              </a:tr>
+              <a:tr h="366840">
+                <a:tc>
+                  <a:txBody>
+                    <a:bodyPr/>
+                    <a:lstStyle/>
+                    <a:p>
+                      <a:pPr algn="just">
+                        <a:spcAft>
+                          <a:spcPts val="0"/>
+                        </a:spcAft>
+                      </a:pPr>
+                      <a:r>
+                        <a:rPr lang="de-DE" sz="1200">
+                          <a:effectLst/>
+                        </a:rPr>
+                        <a:t>L DNN Algorithmus – 2 Geräte</a:t>
+                      </a:r>
+                      <a:endParaRPr lang="de-DE" sz="1200">
+                        <a:effectLst/>
+                        <a:latin typeface="Arial" panose="020B0604020202020204" pitchFamily="34" charset="0"/>
+                        <a:ea typeface="Times New Roman" panose="02020603050405020304" pitchFamily="18" charset="0"/>
+                        <a:cs typeface="Times New Roman" panose="02020603050405020304" pitchFamily="18" charset="0"/>
+                      </a:endParaRPr>
+                    </a:p>
+                  </a:txBody>
+                  <a:tcPr marL="68580" marR="68580" marT="0" marB="0"/>
+                </a:tc>
+                <a:tc>
+                  <a:txBody>
+                    <a:bodyPr/>
+                    <a:lstStyle/>
+                    <a:p>
+                      <a:pPr algn="ctr">
+                        <a:spcAft>
+                          <a:spcPts val="0"/>
+                        </a:spcAft>
+                      </a:pPr>
+                      <a:r>
+                        <a:rPr lang="de-DE" sz="1200">
+                          <a:effectLst/>
+                        </a:rPr>
+                        <a:t>88,44 +/- 0,82</a:t>
+                      </a:r>
+                      <a:endParaRPr lang="de-DE" sz="1200">
+                        <a:effectLst/>
+                        <a:latin typeface="Arial" panose="020B0604020202020204" pitchFamily="34" charset="0"/>
+                        <a:ea typeface="Times New Roman" panose="02020603050405020304" pitchFamily="18" charset="0"/>
+                        <a:cs typeface="Times New Roman" panose="02020603050405020304" pitchFamily="18" charset="0"/>
+                      </a:endParaRPr>
+                    </a:p>
+                  </a:txBody>
+                  <a:tcPr marL="68580" marR="68580" marT="0" marB="0"/>
+                </a:tc>
+                <a:tc>
+                  <a:txBody>
+                    <a:bodyPr/>
+                    <a:lstStyle/>
+                    <a:p>
+                      <a:pPr algn="ctr">
+                        <a:spcAft>
+                          <a:spcPts val="0"/>
+                        </a:spcAft>
+                      </a:pPr>
+                      <a:r>
+                        <a:rPr lang="de-DE" sz="1200">
+                          <a:effectLst/>
+                        </a:rPr>
+                        <a:t>95,02 +/- 0,44</a:t>
+                      </a:r>
+                      <a:endParaRPr lang="de-DE" sz="1200">
+                        <a:effectLst/>
+                        <a:latin typeface="Arial" panose="020B0604020202020204" pitchFamily="34" charset="0"/>
+                        <a:ea typeface="Times New Roman" panose="02020603050405020304" pitchFamily="18" charset="0"/>
+                        <a:cs typeface="Times New Roman" panose="02020603050405020304" pitchFamily="18" charset="0"/>
+                      </a:endParaRPr>
+                    </a:p>
+                  </a:txBody>
+                  <a:tcPr marL="68580" marR="68580" marT="0" marB="0"/>
+                </a:tc>
+                <a:tc>
+                  <a:txBody>
+                    <a:bodyPr/>
+                    <a:lstStyle/>
+                    <a:p>
+                      <a:pPr algn="ctr">
+                        <a:spcAft>
+                          <a:spcPts val="0"/>
+                        </a:spcAft>
+                      </a:pPr>
+                      <a:r>
+                        <a:rPr lang="de-DE" sz="1200" dirty="0">
+                          <a:effectLst/>
+                        </a:rPr>
+                        <a:t>86,56 +/- 0,91</a:t>
+                      </a:r>
+                      <a:endParaRPr lang="de-DE" sz="1200" dirty="0">
+                        <a:effectLst/>
+                        <a:latin typeface="Arial" panose="020B0604020202020204" pitchFamily="34" charset="0"/>
+                        <a:ea typeface="Times New Roman" panose="02020603050405020304" pitchFamily="18" charset="0"/>
+                        <a:cs typeface="Times New Roman" panose="02020603050405020304" pitchFamily="18" charset="0"/>
+                      </a:endParaRPr>
+                    </a:p>
+                  </a:txBody>
+                  <a:tcPr marL="68580" marR="68580" marT="0" marB="0"/>
+                </a:tc>
+                <a:extLst>
+                  <a:ext uri="{0D108BD9-81ED-4DB2-BD59-A6C34878D82A}">
+                    <a16:rowId xmlns:a16="http://schemas.microsoft.com/office/drawing/2014/main" val="3224839748"/>
+                  </a:ext>
+                </a:extLst>
+              </a:tr>
+            </a:tbl>
+          </a:graphicData>
+        </a:graphic>
+      </p:graphicFrame>
+    </p:spTree>
+    <p:extLst>
+      <p:ext uri="{BB962C8B-B14F-4D97-AF65-F5344CB8AC3E}">
+        <p14:creationId xmlns:p14="http://schemas.microsoft.com/office/powerpoint/2010/main" val="2818552220"/>
+      </p:ext>
+    </p:extLst>
+  </p:cSld>
+  <p:clrMapOvr>
+    <a:masterClrMapping/>
+  </p:clrMapOvr>
+</p:sld>
+</file>
+
+<file path=ppt/slides/slide21.xml><?xml version="1.0" encoding="utf-8"?>
+<p:sld xmlns:a="http://schemas.openxmlformats.org/drawingml/2006/main" xmlns:r="http://schemas.openxmlformats.org/officeDocument/2006/relationships" xmlns:p="http://schemas.openxmlformats.org/presentationml/2006/main">
+  <p:cSld>
+    <p:spTree>
+      <p:nvGrpSpPr>
+        <p:cNvPr id="1" name=""/>
+        <p:cNvGrpSpPr/>
+        <p:nvPr/>
+      </p:nvGrpSpPr>
+      <p:grpSpPr>
+        <a:xfrm>
+          <a:off x="0" y="0"/>
+          <a:ext cx="0" cy="0"/>
+          <a:chOff x="0" y="0"/>
+          <a:chExt cx="0" cy="0"/>
+        </a:xfrm>
+      </p:grpSpPr>
+      <p:sp>
+        <p:nvSpPr>
+          <p:cNvPr id="2" name="Titel 1">
+            <a:extLst>
+              <a:ext uri="{FF2B5EF4-FFF2-40B4-BE49-F238E27FC236}">
+                <a16:creationId xmlns:a16="http://schemas.microsoft.com/office/drawing/2014/main" id="{4ED504E0-A20B-4D20-A325-79D1EDC686F1}"/>
+              </a:ext>
+            </a:extLst>
+          </p:cNvPr>
+          <p:cNvSpPr>
+            <a:spLocks noGrp="1"/>
+          </p:cNvSpPr>
+          <p:nvPr>
+            <p:ph type="title"/>
+          </p:nvPr>
+        </p:nvSpPr>
+        <p:spPr/>
+        <p:txBody>
+          <a:bodyPr/>
+          <a:lstStyle/>
+          <a:p>
+            <a:r>
+              <a:rPr lang="en-US" dirty="0"/>
+              <a:t>Demonstrator</a:t>
+            </a:r>
+            <a:br>
+              <a:rPr lang="en-GB" dirty="0"/>
+            </a:br>
+            <a:endParaRPr lang="en-GB" dirty="0"/>
+          </a:p>
+        </p:txBody>
+      </p:sp>
+      <p:sp>
+        <p:nvSpPr>
+          <p:cNvPr id="3" name="Textplatzhalter 2">
+            <a:extLst>
+              <a:ext uri="{FF2B5EF4-FFF2-40B4-BE49-F238E27FC236}">
+                <a16:creationId xmlns:a16="http://schemas.microsoft.com/office/drawing/2014/main" id="{4BAAAC7C-B6B4-41F6-A904-36A109143E2A}"/>
+              </a:ext>
+            </a:extLst>
+          </p:cNvPr>
+          <p:cNvSpPr>
+            <a:spLocks noGrp="1"/>
+          </p:cNvSpPr>
+          <p:nvPr>
+            <p:ph type="body" idx="1"/>
+          </p:nvPr>
+        </p:nvSpPr>
+        <p:spPr/>
+        <p:txBody>
+          <a:bodyPr/>
+          <a:lstStyle/>
+          <a:p>
+            <a:endParaRPr lang="en-GB"/>
+          </a:p>
+        </p:txBody>
+      </p:sp>
+    </p:spTree>
+    <p:extLst>
+      <p:ext uri="{BB962C8B-B14F-4D97-AF65-F5344CB8AC3E}">
+        <p14:creationId xmlns:p14="http://schemas.microsoft.com/office/powerpoint/2010/main" val="316061258"/>
+      </p:ext>
+    </p:extLst>
+  </p:cSld>
+  <p:clrMapOvr>
+    <a:masterClrMapping/>
+  </p:clrMapOvr>
+</p:sld>
+</file>
+
+<file path=ppt/slides/slide22.xml><?xml version="1.0" encoding="utf-8"?>
+<p:sld xmlns:a="http://schemas.openxmlformats.org/drawingml/2006/main" xmlns:r="http://schemas.openxmlformats.org/officeDocument/2006/relationships" xmlns:p="http://schemas.openxmlformats.org/presentationml/2006/main">
+  <p:cSld>
+    <p:spTree>
+      <p:nvGrpSpPr>
+        <p:cNvPr id="1" name=""/>
+        <p:cNvGrpSpPr/>
+        <p:nvPr/>
+      </p:nvGrpSpPr>
+      <p:grpSpPr>
+        <a:xfrm>
+          <a:off x="0" y="0"/>
+          <a:ext cx="0" cy="0"/>
+          <a:chOff x="0" y="0"/>
+          <a:chExt cx="0" cy="0"/>
+        </a:xfrm>
+      </p:grpSpPr>
+      <p:sp>
+        <p:nvSpPr>
+          <p:cNvPr id="2" name="Titel 1">
+            <a:extLst>
+              <a:ext uri="{FF2B5EF4-FFF2-40B4-BE49-F238E27FC236}">
+                <a16:creationId xmlns:a16="http://schemas.microsoft.com/office/drawing/2014/main" id="{C93D6065-CAC6-4FFF-ADB0-E3D3DCFF9ED5}"/>
+              </a:ext>
+            </a:extLst>
+          </p:cNvPr>
+          <p:cNvSpPr>
+            <a:spLocks noGrp="1"/>
+          </p:cNvSpPr>
+          <p:nvPr>
+            <p:ph type="title"/>
+          </p:nvPr>
+        </p:nvSpPr>
+        <p:spPr/>
+        <p:txBody>
+          <a:bodyPr/>
+          <a:lstStyle/>
+          <a:p>
+            <a:r>
+              <a:rPr lang="en-US" dirty="0" err="1"/>
+              <a:t>Zusammenfassung</a:t>
+            </a:r>
+            <a:r>
+              <a:rPr lang="en-US" dirty="0"/>
+              <a:t> und </a:t>
+            </a:r>
+            <a:r>
+              <a:rPr lang="en-US" dirty="0" err="1"/>
+              <a:t>Ausblick</a:t>
+            </a:r>
+            <a:br>
+              <a:rPr lang="en-US" dirty="0"/>
+            </a:br>
+            <a:endParaRPr lang="en-GB" dirty="0"/>
+          </a:p>
+        </p:txBody>
+      </p:sp>
+      <p:sp>
+        <p:nvSpPr>
+          <p:cNvPr id="3" name="Textplatzhalter 2">
+            <a:extLst>
+              <a:ext uri="{FF2B5EF4-FFF2-40B4-BE49-F238E27FC236}">
+                <a16:creationId xmlns:a16="http://schemas.microsoft.com/office/drawing/2014/main" id="{ABEAE629-8168-44E8-8EA3-C4D082B0C50A}"/>
+              </a:ext>
+            </a:extLst>
+          </p:cNvPr>
+          <p:cNvSpPr>
+            <a:spLocks noGrp="1"/>
+          </p:cNvSpPr>
+          <p:nvPr>
+            <p:ph type="body" idx="1"/>
+          </p:nvPr>
+        </p:nvSpPr>
+        <p:spPr/>
+        <p:txBody>
+          <a:bodyPr/>
+          <a:lstStyle/>
+          <a:p>
+            <a:endParaRPr lang="en-GB"/>
+          </a:p>
+        </p:txBody>
+      </p:sp>
+    </p:spTree>
+    <p:extLst>
+      <p:ext uri="{BB962C8B-B14F-4D97-AF65-F5344CB8AC3E}">
+        <p14:creationId xmlns:p14="http://schemas.microsoft.com/office/powerpoint/2010/main" val="2749896429"/>
+      </p:ext>
+    </p:extLst>
+  </p:cSld>
+  <p:clrMapOvr>
+    <a:masterClrMapping/>
+  </p:clrMapOvr>
+</p:sld>
+</file>
+
+<file path=ppt/slides/slide23.xml><?xml version="1.0" encoding="utf-8"?>
+<p:sld xmlns:a="http://schemas.openxmlformats.org/drawingml/2006/main" xmlns:r="http://schemas.openxmlformats.org/officeDocument/2006/relationships" xmlns:p="http://schemas.openxmlformats.org/presentationml/2006/main">
+  <p:cSld>
+    <p:spTree>
+      <p:nvGrpSpPr>
+        <p:cNvPr id="1" name=""/>
+        <p:cNvGrpSpPr/>
+        <p:nvPr/>
+      </p:nvGrpSpPr>
+      <p:grpSpPr>
+        <a:xfrm>
+          <a:off x="0" y="0"/>
+          <a:ext cx="0" cy="0"/>
+          <a:chOff x="0" y="0"/>
+          <a:chExt cx="0" cy="0"/>
+        </a:xfrm>
+      </p:grpSpPr>
+      <p:sp>
+        <p:nvSpPr>
+          <p:cNvPr id="3" name="Inhaltsplatzhalter 2"/>
+          <p:cNvSpPr>
+            <a:spLocks noGrp="1"/>
+          </p:cNvSpPr>
+          <p:nvPr>
+            <p:ph idx="1"/>
+          </p:nvPr>
+        </p:nvSpPr>
+        <p:spPr/>
+        <p:txBody>
+          <a:bodyPr/>
+          <a:lstStyle/>
+          <a:p>
+            <a:r>
+              <a:rPr lang="de-DE" dirty="0"/>
+              <a:t>[1] </a:t>
+            </a:r>
+            <a:r>
+              <a:rPr lang="de-DE" dirty="0">
+                <a:hlinkClick r:id="rId3"/>
+              </a:rPr>
+              <a:t>https://www.mentorpath.com/project/8-ways-to-continue-learning-after-education-is-over/</a:t>
+            </a:r>
+            <a:r>
+              <a:rPr lang="de-DE" dirty="0"/>
+              <a:t>, Datum: 01.10.2019</a:t>
+            </a:r>
+          </a:p>
+          <a:p>
+            <a:r>
+              <a:rPr lang="de-DE" dirty="0"/>
+              <a:t>[2] J. Kirkpatrick, R. </a:t>
+            </a:r>
+            <a:r>
+              <a:rPr lang="de-DE" dirty="0" err="1"/>
+              <a:t>Pascanu</a:t>
+            </a:r>
+            <a:r>
+              <a:rPr lang="de-DE" dirty="0"/>
+              <a:t>, N. </a:t>
+            </a:r>
+            <a:r>
+              <a:rPr lang="de-DE" dirty="0" err="1"/>
+              <a:t>Rabinowitz</a:t>
+            </a:r>
+            <a:r>
+              <a:rPr lang="de-DE" dirty="0"/>
+              <a:t>, J. </a:t>
+            </a:r>
+            <a:r>
+              <a:rPr lang="de-DE" dirty="0" err="1"/>
+              <a:t>Veness</a:t>
+            </a:r>
+            <a:r>
+              <a:rPr lang="de-DE" dirty="0"/>
+              <a:t>, G. </a:t>
+            </a:r>
+            <a:r>
+              <a:rPr lang="de-DE" dirty="0" err="1"/>
+              <a:t>Desjardins</a:t>
+            </a:r>
+            <a:r>
+              <a:rPr lang="de-DE" dirty="0"/>
+              <a:t>, A. A. </a:t>
+            </a:r>
+            <a:r>
+              <a:rPr lang="de-DE" dirty="0" err="1"/>
+              <a:t>Rusu</a:t>
+            </a:r>
+            <a:r>
+              <a:rPr lang="de-DE" dirty="0"/>
+              <a:t>, K. Milan, J. Quan, T. Ramalho, A. </a:t>
+            </a:r>
+            <a:r>
+              <a:rPr lang="de-DE" dirty="0" err="1"/>
+              <a:t>Grabska-Barwinska</a:t>
+            </a:r>
+            <a:r>
+              <a:rPr lang="de-DE" dirty="0"/>
+              <a:t>, D. </a:t>
+            </a:r>
+            <a:r>
+              <a:rPr lang="de-DE" dirty="0" err="1"/>
+              <a:t>Hassabis</a:t>
+            </a:r>
+            <a:r>
+              <a:rPr lang="de-DE" dirty="0"/>
+              <a:t>, C. </a:t>
+            </a:r>
+            <a:r>
+              <a:rPr lang="de-DE" dirty="0" err="1"/>
+              <a:t>Clopath</a:t>
+            </a:r>
+            <a:r>
+              <a:rPr lang="de-DE" dirty="0"/>
+              <a:t>, D. </a:t>
+            </a:r>
+            <a:r>
+              <a:rPr lang="de-DE" dirty="0" err="1"/>
+              <a:t>Kumaran</a:t>
+            </a:r>
+            <a:r>
+              <a:rPr lang="de-DE" dirty="0"/>
+              <a:t> und R. </a:t>
+            </a:r>
+            <a:r>
+              <a:rPr lang="de-DE" dirty="0" err="1"/>
+              <a:t>Hadsell</a:t>
+            </a:r>
+            <a:r>
+              <a:rPr lang="de-DE" dirty="0"/>
+              <a:t>, „</a:t>
+            </a:r>
+            <a:r>
+              <a:rPr lang="de-DE" dirty="0" err="1"/>
+              <a:t>Overcoming</a:t>
+            </a:r>
+            <a:r>
+              <a:rPr lang="de-DE" dirty="0"/>
+              <a:t> </a:t>
+            </a:r>
+            <a:r>
+              <a:rPr lang="de-DE" dirty="0" err="1"/>
+              <a:t>catastrophic</a:t>
+            </a:r>
+            <a:r>
+              <a:rPr lang="de-DE" dirty="0"/>
+              <a:t> </a:t>
+            </a:r>
+            <a:r>
+              <a:rPr lang="de-DE" dirty="0" err="1"/>
+              <a:t>forgetting</a:t>
+            </a:r>
+            <a:r>
+              <a:rPr lang="de-DE" dirty="0"/>
+              <a:t> in </a:t>
+            </a:r>
+            <a:r>
+              <a:rPr lang="de-DE" dirty="0" err="1"/>
+              <a:t>neural</a:t>
+            </a:r>
+            <a:r>
+              <a:rPr lang="de-DE" dirty="0"/>
+              <a:t> </a:t>
+            </a:r>
+            <a:r>
+              <a:rPr lang="de-DE" dirty="0" err="1"/>
+              <a:t>networks</a:t>
+            </a:r>
+            <a:r>
+              <a:rPr lang="de-DE" dirty="0"/>
+              <a:t>,“ Proceedings </a:t>
+            </a:r>
+            <a:r>
+              <a:rPr lang="de-DE" dirty="0" err="1"/>
+              <a:t>of</a:t>
+            </a:r>
+            <a:r>
+              <a:rPr lang="de-DE" dirty="0"/>
+              <a:t> </a:t>
+            </a:r>
+            <a:r>
+              <a:rPr lang="de-DE" dirty="0" err="1"/>
+              <a:t>the</a:t>
+            </a:r>
+            <a:r>
+              <a:rPr lang="de-DE" dirty="0"/>
+              <a:t> National Academy </a:t>
+            </a:r>
+            <a:r>
+              <a:rPr lang="de-DE" dirty="0" err="1"/>
+              <a:t>of</a:t>
+            </a:r>
+            <a:r>
+              <a:rPr lang="de-DE" dirty="0"/>
+              <a:t> Sciences, pp. 3521-3526, 2017. </a:t>
+            </a:r>
+          </a:p>
+          <a:p>
+            <a:r>
+              <a:rPr lang="de-DE" dirty="0"/>
+              <a:t>[3] </a:t>
+            </a:r>
+            <a:r>
+              <a:rPr lang="de-DE" dirty="0">
+                <a:hlinkClick r:id="rId4"/>
+              </a:rPr>
+              <a:t>https://ai.googleblog.com/2017/04/federated-learning-collaborative.html</a:t>
+            </a:r>
+            <a:r>
+              <a:rPr lang="de-DE" dirty="0"/>
+              <a:t>, Datum: 02.10.2019</a:t>
+            </a:r>
+          </a:p>
+        </p:txBody>
+      </p:sp>
+      <p:sp>
+        <p:nvSpPr>
+          <p:cNvPr id="5" name="Datumsplatzhalter 4"/>
+          <p:cNvSpPr>
+            <a:spLocks noGrp="1"/>
+          </p:cNvSpPr>
+          <p:nvPr>
+            <p:ph type="dt" sz="half" idx="10"/>
+          </p:nvPr>
+        </p:nvSpPr>
+        <p:spPr/>
+        <p:txBody>
+          <a:bodyPr/>
+          <a:lstStyle/>
+          <a:p>
+            <a:fld id="{B72B937B-37AA-4C33-B039-0191C6DD66B7}" type="datetime1">
+              <a:rPr lang="de-DE" smtClean="0"/>
+              <a:t>03.10.2019</a:t>
+            </a:fld>
+            <a:endParaRPr lang="de-DE" dirty="0"/>
+          </a:p>
+        </p:txBody>
+      </p:sp>
+      <p:sp>
+        <p:nvSpPr>
+          <p:cNvPr id="6" name="Fußzeilenplatzhalter 5"/>
+          <p:cNvSpPr>
+            <a:spLocks noGrp="1"/>
+          </p:cNvSpPr>
+          <p:nvPr>
+            <p:ph type="ftr" sz="quarter" idx="11"/>
+          </p:nvPr>
+        </p:nvSpPr>
+        <p:spPr/>
+        <p:txBody>
+          <a:bodyPr/>
+          <a:lstStyle/>
+          <a:p>
+            <a:r>
+              <a:rPr lang="de-DE"/>
+              <a:t>Universität Stuttgart</a:t>
+            </a:r>
+            <a:endParaRPr lang="de-DE" dirty="0"/>
+          </a:p>
+        </p:txBody>
+      </p:sp>
+      <p:sp>
+        <p:nvSpPr>
+          <p:cNvPr id="7" name="Foliennummernplatzhalter 6"/>
+          <p:cNvSpPr>
+            <a:spLocks noGrp="1"/>
+          </p:cNvSpPr>
+          <p:nvPr>
+            <p:ph type="sldNum" sz="quarter" idx="12"/>
+          </p:nvPr>
+        </p:nvSpPr>
+        <p:spPr/>
+        <p:txBody>
+          <a:bodyPr/>
+          <a:lstStyle/>
+          <a:p>
+            <a:fld id="{9E82CC3C-1DC0-4FDA-9590-6CC506AB67F8}" type="slidenum">
+              <a:rPr lang="de-DE" smtClean="0"/>
+              <a:pPr/>
+              <a:t>23</a:t>
+            </a:fld>
+            <a:endParaRPr lang="de-DE" dirty="0"/>
+          </a:p>
+        </p:txBody>
+      </p:sp>
+      <p:sp>
+        <p:nvSpPr>
+          <p:cNvPr id="4" name="Textplatzhalter 3"/>
+          <p:cNvSpPr>
+            <a:spLocks noGrp="1"/>
+          </p:cNvSpPr>
+          <p:nvPr>
+            <p:ph type="body" sz="quarter" idx="13"/>
+          </p:nvPr>
+        </p:nvSpPr>
+        <p:spPr/>
+        <p:txBody>
+          <a:bodyPr/>
+          <a:lstStyle/>
+          <a:p>
+            <a:endParaRPr lang="de-DE"/>
+          </a:p>
+        </p:txBody>
+      </p:sp>
+      <p:sp>
+        <p:nvSpPr>
+          <p:cNvPr id="2" name="Titel 1"/>
+          <p:cNvSpPr>
+            <a:spLocks noGrp="1"/>
+          </p:cNvSpPr>
+          <p:nvPr>
+            <p:ph type="title"/>
+          </p:nvPr>
+        </p:nvSpPr>
+        <p:spPr/>
+        <p:txBody>
+          <a:bodyPr/>
+          <a:lstStyle/>
+          <a:p>
+            <a:r>
+              <a:rPr lang="de-DE" dirty="0"/>
+              <a:t>Literatur</a:t>
+            </a:r>
+          </a:p>
+        </p:txBody>
+      </p:sp>
+    </p:spTree>
+    <p:extLst>
+      <p:ext uri="{BB962C8B-B14F-4D97-AF65-F5344CB8AC3E}">
+        <p14:creationId xmlns:p14="http://schemas.microsoft.com/office/powerpoint/2010/main" val="1923842645"/>
+      </p:ext>
+    </p:extLst>
+  </p:cSld>
+  <p:clrMapOvr>
+    <a:masterClrMapping/>
+  </p:clrMapOvr>
+</p:sld>
+</file>
+
+<file path=ppt/slides/slide24.xml><?xml version="1.0" encoding="utf-8"?>
+<p:sld xmlns:a="http://schemas.openxmlformats.org/drawingml/2006/main" xmlns:r="http://schemas.openxmlformats.org/officeDocument/2006/relationships" xmlns:p="http://schemas.openxmlformats.org/presentationml/2006/main">
+  <p:cSld>
+    <p:spTree>
+      <p:nvGrpSpPr>
+        <p:cNvPr id="1" name=""/>
+        <p:cNvGrpSpPr/>
+        <p:nvPr/>
+      </p:nvGrpSpPr>
+      <p:grpSpPr>
+        <a:xfrm>
+          <a:off x="0" y="0"/>
+          <a:ext cx="0" cy="0"/>
+          <a:chOff x="0" y="0"/>
+          <a:chExt cx="0" cy="0"/>
+        </a:xfrm>
+      </p:grpSpPr>
+      <p:sp>
+        <p:nvSpPr>
+          <p:cNvPr id="8" name="Bildplatzhalter 7"/>
+          <p:cNvSpPr>
+            <a:spLocks noGrp="1"/>
+          </p:cNvSpPr>
+          <p:nvPr>
+            <p:ph type="pic" sz="quarter" idx="14"/>
+          </p:nvPr>
+        </p:nvSpPr>
+        <p:spPr/>
+      </p:sp>
+      <p:sp>
+        <p:nvSpPr>
+          <p:cNvPr id="9" name="Textplatzhalter 8"/>
+          <p:cNvSpPr>
+            <a:spLocks noGrp="1"/>
+          </p:cNvSpPr>
+          <p:nvPr>
+            <p:ph type="body" sz="quarter" idx="15"/>
+          </p:nvPr>
+        </p:nvSpPr>
+        <p:spPr/>
+        <p:txBody>
+          <a:bodyPr/>
+          <a:lstStyle/>
+          <a:p>
+            <a:r>
+              <a:rPr lang="de-DE" dirty="0"/>
+              <a:t>Simon Kamm</a:t>
+            </a:r>
+          </a:p>
+        </p:txBody>
+      </p:sp>
+      <p:sp>
+        <p:nvSpPr>
+          <p:cNvPr id="10" name="Textplatzhalter 9"/>
+          <p:cNvSpPr>
+            <a:spLocks noGrp="1"/>
+          </p:cNvSpPr>
+          <p:nvPr>
+            <p:ph type="body" sz="quarter" idx="16"/>
+          </p:nvPr>
+        </p:nvSpPr>
+        <p:spPr>
+          <a:xfrm>
+            <a:off x="3832914" y="3001893"/>
+            <a:ext cx="649267" cy="238330"/>
+          </a:xfrm>
+        </p:spPr>
+        <p:txBody>
+          <a:bodyPr/>
+          <a:lstStyle/>
+          <a:p>
+            <a:endParaRPr lang="de-DE" dirty="0"/>
+          </a:p>
+        </p:txBody>
+      </p:sp>
+      <p:sp>
+        <p:nvSpPr>
+          <p:cNvPr id="11" name="Textplatzhalter 10"/>
+          <p:cNvSpPr>
+            <a:spLocks noGrp="1"/>
+          </p:cNvSpPr>
+          <p:nvPr>
+            <p:ph type="body" sz="quarter" idx="17"/>
+          </p:nvPr>
+        </p:nvSpPr>
+        <p:spPr/>
+        <p:txBody>
+          <a:bodyPr/>
+          <a:lstStyle/>
+          <a:p>
+            <a:endParaRPr lang="de-DE"/>
+          </a:p>
+        </p:txBody>
+      </p:sp>
+      <p:sp>
+        <p:nvSpPr>
+          <p:cNvPr id="12" name="Textplatzhalter 11"/>
+          <p:cNvSpPr>
+            <a:spLocks noGrp="1"/>
+          </p:cNvSpPr>
+          <p:nvPr>
+            <p:ph type="body" sz="quarter" idx="18"/>
+          </p:nvPr>
+        </p:nvSpPr>
+        <p:spPr/>
+        <p:txBody>
+          <a:bodyPr/>
+          <a:lstStyle/>
+          <a:p>
+            <a:r>
+              <a:rPr lang="de-DE" dirty="0"/>
+              <a:t>Institut für Automatisierungstechnik und Softwaresysteme</a:t>
+            </a:r>
+          </a:p>
+        </p:txBody>
+      </p:sp>
+      <p:sp>
+        <p:nvSpPr>
+          <p:cNvPr id="13" name="Textplatzhalter 12"/>
+          <p:cNvSpPr>
+            <a:spLocks noGrp="1"/>
+          </p:cNvSpPr>
+          <p:nvPr>
+            <p:ph type="body" sz="quarter" idx="19"/>
+          </p:nvPr>
+        </p:nvSpPr>
+        <p:spPr/>
+        <p:txBody>
+          <a:bodyPr/>
+          <a:lstStyle/>
+          <a:p>
+            <a:r>
+              <a:rPr lang="de-DE" dirty="0"/>
+              <a:t>simonkamm@online.de</a:t>
+            </a:r>
+          </a:p>
+        </p:txBody>
+      </p:sp>
+      <p:sp>
+        <p:nvSpPr>
+          <p:cNvPr id="2" name="Ellipse 1"/>
+          <p:cNvSpPr/>
+          <p:nvPr/>
+        </p:nvSpPr>
+        <p:spPr>
+          <a:xfrm>
+            <a:off x="7761065" y="4580497"/>
+            <a:ext cx="906842" cy="906842"/>
+          </a:xfrm>
+          <a:prstGeom prst="ellipse">
+            <a:avLst/>
+          </a:prstGeom>
+          <a:solidFill>
+            <a:schemeClr val="bg1"/>
+          </a:solidFill>
+          <a:ln>
+            <a:noFill/>
+          </a:ln>
+        </p:spPr>
+        <p:style>
+          <a:lnRef idx="2">
+            <a:schemeClr val="accent1">
+              <a:shade val="50000"/>
+            </a:schemeClr>
+          </a:lnRef>
+          <a:fillRef idx="1">
+            <a:schemeClr val="accent1"/>
+          </a:fillRef>
+          <a:effectRef idx="0">
+            <a:schemeClr val="accent1"/>
+          </a:effectRef>
+          <a:fontRef idx="minor">
+            <a:schemeClr val="lt1"/>
+          </a:fontRef>
+        </p:style>
+        <p:txBody>
+          <a:bodyPr rtlCol="0" anchor="ctr"/>
+          <a:lstStyle/>
+          <a:p>
+            <a:pPr algn="ctr"/>
+            <a:endParaRPr lang="en-US" sz="1600" dirty="0"/>
+          </a:p>
+        </p:txBody>
+      </p:sp>
+      <p:pic>
+        <p:nvPicPr>
+          <p:cNvPr id="15" name="Picture 27" descr="Logo_allein_klein"/>
+          <p:cNvPicPr>
+            <a:picLocks noChangeAspect="1" noChangeArrowheads="1"/>
+          </p:cNvPicPr>
+          <p:nvPr/>
+        </p:nvPicPr>
+        <p:blipFill rotWithShape="1">
+          <a:blip r:embed="rId2" cstate="print"/>
+          <a:srcRect t="-58805" b="-57688"/>
+          <a:stretch/>
+        </p:blipFill>
+        <p:spPr bwMode="auto">
+          <a:xfrm>
+            <a:off x="7761065" y="4579145"/>
+            <a:ext cx="906842" cy="904874"/>
+          </a:xfrm>
+          <a:prstGeom prst="ellipse">
+            <a:avLst/>
+          </a:prstGeom>
+          <a:noFill/>
+        </p:spPr>
+      </p:pic>
+    </p:spTree>
+    <p:extLst>
+      <p:ext uri="{BB962C8B-B14F-4D97-AF65-F5344CB8AC3E}">
+        <p14:creationId xmlns:p14="http://schemas.microsoft.com/office/powerpoint/2010/main" val="1739194058"/>
+      </p:ext>
+    </p:extLst>
+  </p:cSld>
+  <p:clrMapOvr>
+    <a:masterClrMapping/>
+  </p:clrMapOvr>
 </p:sld>
 </file>
 
@@ -15620,10 +22616,9 @@
           <a:lstStyle/>
           <a:p>
             <a:r>
-              <a:rPr lang="de-DE" dirty="0" smtClean="0"/>
+              <a:rPr lang="de-DE" dirty="0"/>
               <a:t>Motivation und Aufgabenstellung</a:t>
             </a:r>
-            <a:endParaRPr lang="de-DE" dirty="0"/>
           </a:p>
         </p:txBody>
       </p:sp>
@@ -15656,13 +22651,6 @@
   <p:clrMapOvr>
     <a:masterClrMapping/>
   </p:clrMapOvr>
-  <p:timing>
-    <p:tnLst>
-      <p:par>
-        <p:cTn id="1" dur="indefinite" restart="never" nodeType="tmRoot"/>
-      </p:par>
-    </p:tnLst>
-  </p:timing>
 </p:sld>
 </file>
 
@@ -15699,32 +22687,31 @@
           <a:lstStyle/>
           <a:p>
             <a:r>
-              <a:rPr lang="de-DE" dirty="0" smtClean="0"/>
+              <a:rPr lang="de-DE" dirty="0"/>
               <a:t>Bisheriger Widerspruch zwischen:</a:t>
             </a:r>
           </a:p>
           <a:p>
             <a:pPr lvl="1"/>
             <a:r>
-              <a:rPr lang="de-DE" dirty="0" smtClean="0"/>
+              <a:rPr lang="de-DE" dirty="0"/>
               <a:t>Multitasking-fähigen </a:t>
             </a:r>
             <a:r>
-              <a:rPr lang="de-DE" dirty="0" err="1" smtClean="0"/>
+              <a:rPr lang="de-DE" dirty="0" err="1"/>
               <a:t>Machine</a:t>
             </a:r>
             <a:r>
-              <a:rPr lang="de-DE" dirty="0" smtClean="0"/>
+              <a:rPr lang="de-DE" dirty="0"/>
               <a:t> Learning Algorithmen</a:t>
             </a:r>
           </a:p>
           <a:p>
             <a:pPr lvl="1"/>
             <a:r>
-              <a:rPr lang="de-DE" dirty="0" smtClean="0"/>
-              <a:t>Und Schutz von eigenen Daten</a:t>
-            </a:r>
-            <a:endParaRPr lang="de-DE" dirty="0"/>
+              <a:rPr lang="de-DE" dirty="0"/>
+              <a:t>Schutz von eigenen Daten</a:t>
+            </a:r>
           </a:p>
         </p:txBody>
       </p:sp>
@@ -15745,7 +22732,7 @@
           <a:p>
             <a:fld id="{92945389-04B4-460D-BD35-C57D41A2ECAA}" type="datetime1">
               <a:rPr lang="de-DE" smtClean="0"/>
-              <a:t>01.10.2019</a:t>
+              <a:t>03.10.2019</a:t>
             </a:fld>
             <a:endParaRPr lang="de-DE" dirty="0"/>
           </a:p>
@@ -15767,7 +22754,7 @@
           <a:lstStyle/>
           <a:p>
             <a:r>
-              <a:rPr lang="de-DE" smtClean="0"/>
+              <a:rPr lang="de-DE"/>
               <a:t>Universität Stuttgart</a:t>
             </a:r>
             <a:endParaRPr lang="de-DE" dirty="0"/>
@@ -15813,10 +22800,9 @@
           <a:lstStyle/>
           <a:p>
             <a:r>
-              <a:rPr lang="de-DE" dirty="0" smtClean="0"/>
+              <a:rPr lang="de-DE" dirty="0"/>
               <a:t>Motivation</a:t>
             </a:r>
-            <a:endParaRPr lang="de-DE" dirty="0"/>
           </a:p>
         </p:txBody>
       </p:sp>
@@ -15836,10 +22822,9 @@
           <a:lstStyle/>
           <a:p>
             <a:r>
-              <a:rPr lang="de-DE" dirty="0" smtClean="0"/>
+              <a:rPr lang="de-DE" dirty="0"/>
               <a:t>Motivation und Aufgabenstellung</a:t>
             </a:r>
-            <a:endParaRPr lang="de-DE" dirty="0"/>
           </a:p>
         </p:txBody>
       </p:sp>
@@ -16150,52 +23135,52 @@
           <a:lstStyle/>
           <a:p>
             <a:r>
-              <a:rPr lang="de-DE" dirty="0" smtClean="0"/>
+              <a:rPr lang="de-DE" dirty="0"/>
               <a:t>Potenzial von </a:t>
             </a:r>
             <a:r>
-              <a:rPr lang="de-DE" dirty="0" err="1" smtClean="0"/>
+              <a:rPr lang="de-DE" dirty="0" err="1"/>
               <a:t>Lifelong</a:t>
             </a:r>
             <a:r>
-              <a:rPr lang="de-DE" dirty="0" smtClean="0"/>
+              <a:rPr lang="de-DE" dirty="0"/>
               <a:t> </a:t>
             </a:r>
             <a:r>
-              <a:rPr lang="de-DE" dirty="0" err="1" smtClean="0"/>
+              <a:rPr lang="de-DE" dirty="0" err="1"/>
               <a:t>Deep</a:t>
             </a:r>
             <a:r>
-              <a:rPr lang="de-DE" dirty="0" smtClean="0"/>
+              <a:rPr lang="de-DE" dirty="0"/>
               <a:t> </a:t>
             </a:r>
             <a:r>
-              <a:rPr lang="de-DE" dirty="0" err="1" smtClean="0"/>
+              <a:rPr lang="de-DE" dirty="0" err="1"/>
               <a:t>Neural</a:t>
             </a:r>
             <a:r>
-              <a:rPr lang="de-DE" dirty="0" smtClean="0"/>
+              <a:rPr lang="de-DE" dirty="0"/>
               <a:t> Network Algorithmen (L DNN) </a:t>
             </a:r>
             <a:r>
-              <a:rPr lang="de-DE" dirty="0" smtClean="0">
+              <a:rPr lang="de-DE" dirty="0">
                 <a:sym typeface="Wingdings" panose="05000000000000000000" pitchFamily="2" charset="2"/>
               </a:rPr>
               <a:t> </a:t>
             </a:r>
             <a:r>
-              <a:rPr lang="de-DE" dirty="0" smtClean="0"/>
+              <a:rPr lang="de-DE" dirty="0"/>
               <a:t>Auflösung dieses Widerspruchs durch:</a:t>
             </a:r>
           </a:p>
           <a:p>
             <a:pPr lvl="1"/>
             <a:r>
-              <a:rPr lang="de-DE" dirty="0" smtClean="0"/>
-              <a:t>Verteiltes Lernen ohne Austausch von Rohdaten </a:t>
-            </a:r>
-            <a:r>
-              <a:rPr lang="de-DE" dirty="0" smtClean="0">
+              <a:rPr lang="de-DE" dirty="0"/>
+              <a:t>Kontinuierliches verteiltes Lernen ohne Austausch von Rohdaten </a:t>
+            </a:r>
+            <a:r>
+              <a:rPr lang="de-DE" dirty="0">
                 <a:sym typeface="Wingdings" panose="05000000000000000000" pitchFamily="2" charset="2"/>
               </a:rPr>
               <a:t> Schutz von Daten</a:t>
@@ -16204,7 +23189,7 @@
           <a:p>
             <a:pPr lvl="1"/>
             <a:r>
-              <a:rPr lang="de-DE" dirty="0" smtClean="0">
+              <a:rPr lang="de-DE" dirty="0">
                 <a:sym typeface="Wingdings" panose="05000000000000000000" pitchFamily="2" charset="2"/>
               </a:rPr>
               <a:t>Lauf- und Lernfähiger Algorithmus mit wenig Speicher und Rechenleistung auf Edge Devices</a:t>
@@ -16218,7 +23203,7 @@
           </a:p>
           <a:p>
             <a:r>
-              <a:rPr lang="de-DE" dirty="0" smtClean="0">
+              <a:rPr lang="de-DE" dirty="0">
                 <a:sym typeface="Wingdings" panose="05000000000000000000" pitchFamily="2" charset="2"/>
               </a:rPr>
               <a:t>Analyse des Konzeptes L DNN hinsichtlich Funktionalität und Anwendbarkeit auf andere Aufgabengebiete mithilfe einer prototypischen Implementierung</a:t>
@@ -16244,7 +23229,7 @@
           <a:p>
             <a:fld id="{92945389-04B4-460D-BD35-C57D41A2ECAA}" type="datetime1">
               <a:rPr lang="de-DE" smtClean="0"/>
-              <a:t>01.10.2019</a:t>
+              <a:t>03.10.2019</a:t>
             </a:fld>
             <a:endParaRPr lang="de-DE" dirty="0"/>
           </a:p>
@@ -16266,7 +23251,7 @@
           <a:lstStyle/>
           <a:p>
             <a:r>
-              <a:rPr lang="de-DE" smtClean="0"/>
+              <a:rPr lang="de-DE"/>
               <a:t>Universität Stuttgart</a:t>
             </a:r>
             <a:endParaRPr lang="de-DE" dirty="0"/>
@@ -16312,10 +23297,9 @@
           <a:lstStyle/>
           <a:p>
             <a:r>
-              <a:rPr lang="de-DE" dirty="0" smtClean="0"/>
+              <a:rPr lang="de-DE" dirty="0"/>
               <a:t>Aufgabenstellung</a:t>
             </a:r>
-            <a:endParaRPr lang="de-DE" dirty="0"/>
           </a:p>
         </p:txBody>
       </p:sp>
@@ -16520,10 +23504,9 @@
           <a:lstStyle/>
           <a:p>
             <a:r>
-              <a:rPr lang="de-DE" dirty="0" smtClean="0"/>
+              <a:rPr lang="de-DE" dirty="0"/>
               <a:t>Grundlagen kontinuierliches und verteiltes Lernen</a:t>
             </a:r>
-            <a:endParaRPr lang="de-DE" dirty="0"/>
           </a:p>
         </p:txBody>
       </p:sp>
@@ -16556,13 +23539,6 @@
   <p:clrMapOvr>
     <a:masterClrMapping/>
   </p:clrMapOvr>
-  <p:timing>
-    <p:tnLst>
-      <p:par>
-        <p:cTn id="1" dur="indefinite" restart="never" nodeType="tmRoot"/>
-      </p:par>
-    </p:tnLst>
-  </p:timing>
 </p:sld>
 </file>
 
@@ -16599,37 +23575,62 @@
           <a:lstStyle/>
           <a:p>
             <a:r>
-              <a:rPr lang="de-DE" dirty="0" smtClean="0"/>
+              <a:rPr lang="de-DE" dirty="0"/>
               <a:t>Meistens gleichen Architekturen wie im „klassischen“ </a:t>
             </a:r>
             <a:r>
-              <a:rPr lang="de-DE" dirty="0" err="1" smtClean="0"/>
+              <a:rPr lang="de-DE" dirty="0" err="1"/>
               <a:t>Deep</a:t>
             </a:r>
             <a:r>
-              <a:rPr lang="de-DE" dirty="0" smtClean="0"/>
+              <a:rPr lang="de-DE" dirty="0"/>
               <a:t> Learning</a:t>
             </a:r>
           </a:p>
           <a:p>
             <a:r>
-              <a:rPr lang="de-DE" dirty="0" smtClean="0"/>
-              <a:t>Mit klassischen Trainingsalgorithmen des </a:t>
-            </a:r>
-            <a:r>
-              <a:rPr lang="de-DE" dirty="0" err="1" smtClean="0"/>
-              <a:t>Deep</a:t>
-            </a:r>
-            <a:r>
-              <a:rPr lang="de-DE" dirty="0" smtClean="0"/>
-              <a:t> Learning </a:t>
-            </a:r>
-            <a:r>
-              <a:rPr lang="de-DE" dirty="0" smtClean="0">
+              <a:rPr lang="de-DE" dirty="0"/>
+              <a:t>Mit klassischen Trainingsalgorithmen des Deep Learning </a:t>
+            </a:r>
+            <a:r>
+              <a:rPr lang="de-DE" dirty="0">
                 <a:sym typeface="Wingdings" panose="05000000000000000000" pitchFamily="2" charset="2"/>
               </a:rPr>
               <a:t> Katastrophales Vergessen</a:t>
             </a:r>
+          </a:p>
+          <a:p>
+            <a:endParaRPr lang="de-DE" dirty="0">
+              <a:sym typeface="Wingdings" panose="05000000000000000000" pitchFamily="2" charset="2"/>
+            </a:endParaRPr>
+          </a:p>
+          <a:p>
+            <a:endParaRPr lang="de-DE" dirty="0">
+              <a:sym typeface="Wingdings" panose="05000000000000000000" pitchFamily="2" charset="2"/>
+            </a:endParaRPr>
+          </a:p>
+          <a:p>
+            <a:endParaRPr lang="de-DE" dirty="0">
+              <a:sym typeface="Wingdings" panose="05000000000000000000" pitchFamily="2" charset="2"/>
+            </a:endParaRPr>
+          </a:p>
+          <a:p>
+            <a:endParaRPr lang="de-DE" dirty="0">
+              <a:sym typeface="Wingdings" panose="05000000000000000000" pitchFamily="2" charset="2"/>
+            </a:endParaRPr>
+          </a:p>
+          <a:p>
+            <a:endParaRPr lang="de-DE" dirty="0">
+              <a:sym typeface="Wingdings" panose="05000000000000000000" pitchFamily="2" charset="2"/>
+            </a:endParaRPr>
+          </a:p>
+          <a:p>
+            <a:r>
+              <a:rPr lang="de-DE" dirty="0">
+                <a:sym typeface="Wingdings" panose="05000000000000000000" pitchFamily="2" charset="2"/>
+              </a:rPr>
+              <a:t>Stabilitäts-Plastizität Dilemma: Ausreichend Plastizität um neue Aufgaben zu erlernen ohne alte Aufgaben zu verlernen (Stabilität)</a:t>
+            </a:r>
             <a:endParaRPr lang="de-DE" dirty="0"/>
           </a:p>
         </p:txBody>
@@ -16651,7 +23652,7 @@
           <a:p>
             <a:fld id="{92945389-04B4-460D-BD35-C57D41A2ECAA}" type="datetime1">
               <a:rPr lang="de-DE" smtClean="0"/>
-              <a:t>01.10.2019</a:t>
+              <a:t>03.10.2019</a:t>
             </a:fld>
             <a:endParaRPr lang="de-DE" dirty="0"/>
           </a:p>
@@ -16673,7 +23674,7 @@
           <a:lstStyle/>
           <a:p>
             <a:r>
-              <a:rPr lang="de-DE" smtClean="0"/>
+              <a:rPr lang="de-DE"/>
               <a:t>Universität Stuttgart</a:t>
             </a:r>
             <a:endParaRPr lang="de-DE" dirty="0"/>
@@ -16719,10 +23720,9 @@
           <a:lstStyle/>
           <a:p>
             <a:r>
-              <a:rPr lang="de-DE" dirty="0" smtClean="0"/>
+              <a:rPr lang="de-DE" dirty="0"/>
               <a:t>Kontinuierliches Lernen</a:t>
             </a:r>
-            <a:endParaRPr lang="de-DE" dirty="0"/>
           </a:p>
         </p:txBody>
       </p:sp>
@@ -16742,10 +23742,9 @@
           <a:lstStyle/>
           <a:p>
             <a:r>
-              <a:rPr lang="de-DE" dirty="0" smtClean="0"/>
+              <a:rPr lang="de-DE" dirty="0"/>
               <a:t>Grundlagen kontinuierliches und verteiltes Lernen</a:t>
             </a:r>
-            <a:endParaRPr lang="de-DE" dirty="0"/>
           </a:p>
         </p:txBody>
       </p:sp>
@@ -16783,13 +23782,6 @@
   <p:clrMapOvr>
     <a:masterClrMapping/>
   </p:clrMapOvr>
-  <p:timing>
-    <p:tnLst>
-      <p:par>
-        <p:cTn id="1" dur="indefinite" restart="never" nodeType="tmRoot"/>
-      </p:par>
-    </p:tnLst>
-  </p:timing>
 </p:sld>
 </file>
 
@@ -16812,7 +23804,13 @@
       </p:grpSpPr>
       <p:sp>
         <p:nvSpPr>
-          <p:cNvPr id="3" name="Inhaltsplatzhalter 2"/>
+          <p:cNvPr id="2" name="Inhaltsplatzhalter 1">
+            <a:extLst>
+              <a:ext uri="{FF2B5EF4-FFF2-40B4-BE49-F238E27FC236}">
+                <a16:creationId xmlns:a16="http://schemas.microsoft.com/office/drawing/2014/main" id="{5561282F-AFC6-472C-9DE8-E4BDE71761CC}"/>
+              </a:ext>
+            </a:extLst>
+          </p:cNvPr>
           <p:cNvSpPr>
             <a:spLocks noGrp="1"/>
           </p:cNvSpPr>
@@ -16826,25 +23824,329 @@
           <a:lstStyle/>
           <a:p>
             <a:r>
-              <a:rPr lang="de-DE" dirty="0"/>
-              <a:t>[1] </a:t>
-            </a:r>
-            <a:r>
-              <a:rPr lang="de-DE" dirty="0">
-                <a:hlinkClick r:id="rId3"/>
+              <a:rPr lang="en-GB" dirty="0" err="1"/>
+              <a:t>Regularisierungsmethoden</a:t>
+            </a:r>
+            <a:r>
+              <a:rPr lang="en-GB" dirty="0"/>
+              <a:t> – EWC:</a:t>
+            </a:r>
+          </a:p>
+          <a:p>
+            <a:pPr lvl="1"/>
+            <a:r>
+              <a:rPr lang="en-GB" dirty="0" err="1"/>
+              <a:t>Beschränkungen</a:t>
+            </a:r>
+            <a:r>
+              <a:rPr lang="en-GB" dirty="0"/>
+              <a:t> </a:t>
+            </a:r>
+            <a:r>
+              <a:rPr lang="en-GB" dirty="0" err="1"/>
+              <a:t>zu</a:t>
+            </a:r>
+            <a:r>
+              <a:rPr lang="en-GB" dirty="0"/>
+              <a:t> </a:t>
+            </a:r>
+            <a:r>
+              <a:rPr lang="en-GB" dirty="0" err="1"/>
+              <a:t>Parameterupdates</a:t>
+            </a:r>
+            <a:r>
+              <a:rPr lang="en-GB" dirty="0"/>
+              <a:t>		</a:t>
+            </a:r>
+            <a:r>
+              <a:rPr lang="en-GB" sz="1000" dirty="0"/>
+              <a:t>[2]</a:t>
+            </a:r>
+          </a:p>
+          <a:p>
+            <a:pPr lvl="1">
+              <a:buFont typeface="Wingdings" panose="05000000000000000000" pitchFamily="2" charset="2"/>
+              <a:buChar char="à"/>
+            </a:pPr>
+            <a:r>
+              <a:rPr lang="en-GB" dirty="0" err="1">
+                <a:sym typeface="Wingdings" panose="05000000000000000000" pitchFamily="2" charset="2"/>
               </a:rPr>
-              <a:t>https://www.mentorpath.com/project/8-ways-to-continue-learning-after-education-is-over/</a:t>
-            </a:r>
-            <a:r>
-              <a:rPr lang="de-DE" dirty="0"/>
-              <a:t>, Datum: 01.10.2019</a:t>
-            </a:r>
-          </a:p>
-        </p:txBody>
-      </p:sp>
-      <p:sp>
-        <p:nvSpPr>
-          <p:cNvPr id="5" name="Datumsplatzhalter 4"/>
+              <a:t>Erhöhung</a:t>
+            </a:r>
+            <a:r>
+              <a:rPr lang="en-GB" dirty="0">
+                <a:sym typeface="Wingdings" panose="05000000000000000000" pitchFamily="2" charset="2"/>
+              </a:rPr>
+              <a:t> </a:t>
+            </a:r>
+            <a:r>
+              <a:rPr lang="en-GB" dirty="0" err="1">
+                <a:sym typeface="Wingdings" panose="05000000000000000000" pitchFamily="2" charset="2"/>
+              </a:rPr>
+              <a:t>Stabilität</a:t>
+            </a:r>
+            <a:endParaRPr lang="en-GB" dirty="0">
+              <a:sym typeface="Wingdings" panose="05000000000000000000" pitchFamily="2" charset="2"/>
+            </a:endParaRPr>
+          </a:p>
+          <a:p>
+            <a:pPr lvl="1">
+              <a:buFont typeface="Wingdings" panose="05000000000000000000" pitchFamily="2" charset="2"/>
+              <a:buChar char="à"/>
+            </a:pPr>
+            <a:r>
+              <a:rPr lang="en-GB" dirty="0" err="1">
+                <a:sym typeface="Wingdings" panose="05000000000000000000" pitchFamily="2" charset="2"/>
+              </a:rPr>
+              <a:t>Einschränkung</a:t>
+            </a:r>
+            <a:r>
+              <a:rPr lang="en-GB" dirty="0">
+                <a:sym typeface="Wingdings" panose="05000000000000000000" pitchFamily="2" charset="2"/>
+              </a:rPr>
+              <a:t> der </a:t>
+            </a:r>
+            <a:r>
+              <a:rPr lang="en-GB" dirty="0" err="1">
+                <a:sym typeface="Wingdings" panose="05000000000000000000" pitchFamily="2" charset="2"/>
+              </a:rPr>
+              <a:t>Plastizität</a:t>
+            </a:r>
+            <a:endParaRPr lang="en-GB" dirty="0">
+              <a:sym typeface="Wingdings" panose="05000000000000000000" pitchFamily="2" charset="2"/>
+            </a:endParaRPr>
+          </a:p>
+          <a:p>
+            <a:r>
+              <a:rPr lang="en-GB" dirty="0">
+                <a:sym typeface="Wingdings" panose="05000000000000000000" pitchFamily="2" charset="2"/>
+              </a:rPr>
+              <a:t>Rehearsal </a:t>
+            </a:r>
+            <a:r>
+              <a:rPr lang="en-GB" dirty="0" err="1">
+                <a:sym typeface="Wingdings" panose="05000000000000000000" pitchFamily="2" charset="2"/>
+              </a:rPr>
+              <a:t>Methoden</a:t>
+            </a:r>
+            <a:r>
+              <a:rPr lang="en-GB" dirty="0">
+                <a:sym typeface="Wingdings" panose="05000000000000000000" pitchFamily="2" charset="2"/>
+              </a:rPr>
+              <a:t>:</a:t>
+            </a:r>
+          </a:p>
+          <a:p>
+            <a:pPr lvl="1"/>
+            <a:r>
+              <a:rPr lang="en-GB" dirty="0" err="1">
+                <a:sym typeface="Wingdings" panose="05000000000000000000" pitchFamily="2" charset="2"/>
+              </a:rPr>
+              <a:t>Speicherung</a:t>
+            </a:r>
+            <a:r>
+              <a:rPr lang="en-GB" dirty="0">
+                <a:sym typeface="Wingdings" panose="05000000000000000000" pitchFamily="2" charset="2"/>
+              </a:rPr>
+              <a:t> von </a:t>
+            </a:r>
+            <a:r>
+              <a:rPr lang="en-GB" dirty="0" err="1">
+                <a:sym typeface="Wingdings" panose="05000000000000000000" pitchFamily="2" charset="2"/>
+              </a:rPr>
+              <a:t>Daten</a:t>
+            </a:r>
+            <a:r>
+              <a:rPr lang="en-GB" dirty="0">
+                <a:sym typeface="Wingdings" panose="05000000000000000000" pitchFamily="2" charset="2"/>
+              </a:rPr>
+              <a:t> alter </a:t>
+            </a:r>
+            <a:r>
+              <a:rPr lang="en-GB" dirty="0" err="1">
+                <a:sym typeface="Wingdings" panose="05000000000000000000" pitchFamily="2" charset="2"/>
+              </a:rPr>
+              <a:t>Aufgaben</a:t>
+            </a:r>
+            <a:r>
+              <a:rPr lang="en-GB" dirty="0">
+                <a:sym typeface="Wingdings" panose="05000000000000000000" pitchFamily="2" charset="2"/>
+              </a:rPr>
+              <a:t> und </a:t>
+            </a:r>
+            <a:r>
+              <a:rPr lang="en-GB" dirty="0" err="1">
+                <a:sym typeface="Wingdings" panose="05000000000000000000" pitchFamily="2" charset="2"/>
+              </a:rPr>
+              <a:t>Hinzufügen</a:t>
+            </a:r>
+            <a:r>
+              <a:rPr lang="en-GB" dirty="0">
+                <a:sym typeface="Wingdings" panose="05000000000000000000" pitchFamily="2" charset="2"/>
+              </a:rPr>
+              <a:t> </a:t>
+            </a:r>
+            <a:r>
+              <a:rPr lang="en-GB" dirty="0" err="1">
+                <a:sym typeface="Wingdings" panose="05000000000000000000" pitchFamily="2" charset="2"/>
+              </a:rPr>
+              <a:t>zum</a:t>
+            </a:r>
+            <a:r>
+              <a:rPr lang="en-GB" dirty="0">
+                <a:sym typeface="Wingdings" panose="05000000000000000000" pitchFamily="2" charset="2"/>
+              </a:rPr>
+              <a:t> </a:t>
+            </a:r>
+            <a:r>
+              <a:rPr lang="en-GB" dirty="0" err="1">
+                <a:sym typeface="Wingdings" panose="05000000000000000000" pitchFamily="2" charset="2"/>
+              </a:rPr>
+              <a:t>Trainingsprozess</a:t>
+            </a:r>
+            <a:r>
+              <a:rPr lang="en-GB" dirty="0">
+                <a:sym typeface="Wingdings" panose="05000000000000000000" pitchFamily="2" charset="2"/>
+              </a:rPr>
+              <a:t> der </a:t>
+            </a:r>
+            <a:r>
+              <a:rPr lang="en-GB" dirty="0" err="1">
+                <a:sym typeface="Wingdings" panose="05000000000000000000" pitchFamily="2" charset="2"/>
+              </a:rPr>
+              <a:t>neuen</a:t>
+            </a:r>
+            <a:r>
+              <a:rPr lang="en-GB" dirty="0">
+                <a:sym typeface="Wingdings" panose="05000000000000000000" pitchFamily="2" charset="2"/>
+              </a:rPr>
+              <a:t> Aufgabe</a:t>
+            </a:r>
+          </a:p>
+          <a:p>
+            <a:pPr lvl="1">
+              <a:buFont typeface="Wingdings" panose="05000000000000000000" pitchFamily="2" charset="2"/>
+              <a:buChar char="à"/>
+            </a:pPr>
+            <a:r>
+              <a:rPr lang="en-GB" dirty="0">
+                <a:sym typeface="Wingdings" panose="05000000000000000000" pitchFamily="2" charset="2"/>
+              </a:rPr>
+              <a:t>“</a:t>
+            </a:r>
+            <a:r>
+              <a:rPr lang="en-GB" dirty="0" err="1">
+                <a:sym typeface="Wingdings" panose="05000000000000000000" pitchFamily="2" charset="2"/>
+              </a:rPr>
+              <a:t>Austricksen</a:t>
+            </a:r>
+            <a:r>
+              <a:rPr lang="en-GB" dirty="0">
+                <a:sym typeface="Wingdings" panose="05000000000000000000" pitchFamily="2" charset="2"/>
+              </a:rPr>
+              <a:t>” des </a:t>
+            </a:r>
+            <a:r>
+              <a:rPr lang="en-GB" dirty="0" err="1">
+                <a:sym typeface="Wingdings" panose="05000000000000000000" pitchFamily="2" charset="2"/>
+              </a:rPr>
+              <a:t>katastrophalen</a:t>
+            </a:r>
+            <a:r>
+              <a:rPr lang="en-GB" dirty="0">
+                <a:sym typeface="Wingdings" panose="05000000000000000000" pitchFamily="2" charset="2"/>
+              </a:rPr>
+              <a:t> </a:t>
+            </a:r>
+            <a:r>
+              <a:rPr lang="en-GB" dirty="0" err="1">
+                <a:sym typeface="Wingdings" panose="05000000000000000000" pitchFamily="2" charset="2"/>
+              </a:rPr>
+              <a:t>Vergessen</a:t>
+            </a:r>
+            <a:r>
+              <a:rPr lang="en-GB" dirty="0">
+                <a:sym typeface="Wingdings" panose="05000000000000000000" pitchFamily="2" charset="2"/>
+              </a:rPr>
+              <a:t> </a:t>
+            </a:r>
+            <a:r>
+              <a:rPr lang="en-GB" dirty="0" err="1">
+                <a:sym typeface="Wingdings" panose="05000000000000000000" pitchFamily="2" charset="2"/>
+              </a:rPr>
+              <a:t>durch</a:t>
+            </a:r>
+            <a:r>
+              <a:rPr lang="en-GB" dirty="0">
+                <a:sym typeface="Wingdings" panose="05000000000000000000" pitchFamily="2" charset="2"/>
+              </a:rPr>
+              <a:t> </a:t>
+            </a:r>
+            <a:r>
+              <a:rPr lang="en-GB" dirty="0" err="1">
+                <a:sym typeface="Wingdings" panose="05000000000000000000" pitchFamily="2" charset="2"/>
+              </a:rPr>
+              <a:t>Trainingsdaten</a:t>
+            </a:r>
+            <a:r>
+              <a:rPr lang="en-GB" dirty="0">
+                <a:sym typeface="Wingdings" panose="05000000000000000000" pitchFamily="2" charset="2"/>
+              </a:rPr>
+              <a:t> alter </a:t>
+            </a:r>
+            <a:r>
+              <a:rPr lang="en-GB" dirty="0" err="1">
+                <a:sym typeface="Wingdings" panose="05000000000000000000" pitchFamily="2" charset="2"/>
+              </a:rPr>
+              <a:t>Aufgaben</a:t>
+            </a:r>
+            <a:endParaRPr lang="en-GB" dirty="0">
+              <a:sym typeface="Wingdings" panose="05000000000000000000" pitchFamily="2" charset="2"/>
+            </a:endParaRPr>
+          </a:p>
+          <a:p>
+            <a:pPr lvl="1">
+              <a:buFont typeface="Wingdings" panose="05000000000000000000" pitchFamily="2" charset="2"/>
+              <a:buChar char="à"/>
+            </a:pPr>
+            <a:r>
+              <a:rPr lang="en-GB" dirty="0">
+                <a:sym typeface="Wingdings" panose="05000000000000000000" pitchFamily="2" charset="2"/>
+              </a:rPr>
+              <a:t> </a:t>
+            </a:r>
+            <a:r>
+              <a:rPr lang="en-GB" dirty="0" err="1">
+                <a:sym typeface="Wingdings" panose="05000000000000000000" pitchFamily="2" charset="2"/>
+              </a:rPr>
+              <a:t>Hoher</a:t>
+            </a:r>
+            <a:r>
+              <a:rPr lang="en-GB" dirty="0">
+                <a:sym typeface="Wingdings" panose="05000000000000000000" pitchFamily="2" charset="2"/>
+              </a:rPr>
+              <a:t> </a:t>
+            </a:r>
+            <a:r>
+              <a:rPr lang="en-GB" dirty="0" err="1">
+                <a:sym typeface="Wingdings" panose="05000000000000000000" pitchFamily="2" charset="2"/>
+              </a:rPr>
+              <a:t>Speicheraufwand</a:t>
+            </a:r>
+            <a:endParaRPr lang="en-GB" dirty="0"/>
+          </a:p>
+        </p:txBody>
+      </p:sp>
+      <p:sp>
+        <p:nvSpPr>
+          <p:cNvPr id="3" name="Datumsplatzhalter 2">
+            <a:extLst>
+              <a:ext uri="{FF2B5EF4-FFF2-40B4-BE49-F238E27FC236}">
+                <a16:creationId xmlns:a16="http://schemas.microsoft.com/office/drawing/2014/main" id="{6CD161CD-4F6B-4596-BB0B-50F583AB9380}"/>
+              </a:ext>
+            </a:extLst>
+          </p:cNvPr>
           <p:cNvSpPr>
             <a:spLocks noGrp="1"/>
           </p:cNvSpPr>
@@ -16857,9 +24159,9 @@
           <a:bodyPr/>
           <a:lstStyle/>
           <a:p>
-            <a:fld id="{B72B937B-37AA-4C33-B039-0191C6DD66B7}" type="datetime1">
+            <a:fld id="{92945389-04B4-460D-BD35-C57D41A2ECAA}" type="datetime1">
               <a:rPr lang="de-DE" smtClean="0"/>
-              <a:t>01.10.2019</a:t>
+              <a:t>03.10.2019</a:t>
             </a:fld>
             <a:endParaRPr lang="de-DE" dirty="0"/>
           </a:p>
@@ -16867,7 +24169,13 @@
       </p:sp>
       <p:sp>
         <p:nvSpPr>
-          <p:cNvPr id="6" name="Fußzeilenplatzhalter 5"/>
+          <p:cNvPr id="4" name="Fußzeilenplatzhalter 3">
+            <a:extLst>
+              <a:ext uri="{FF2B5EF4-FFF2-40B4-BE49-F238E27FC236}">
+                <a16:creationId xmlns:a16="http://schemas.microsoft.com/office/drawing/2014/main" id="{017B494C-0921-412C-AD17-13F06582035F}"/>
+              </a:ext>
+            </a:extLst>
+          </p:cNvPr>
           <p:cNvSpPr>
             <a:spLocks noGrp="1"/>
           </p:cNvSpPr>
@@ -16890,7 +24198,13 @@
       </p:sp>
       <p:sp>
         <p:nvSpPr>
-          <p:cNvPr id="7" name="Foliennummernplatzhalter 6"/>
+          <p:cNvPr id="5" name="Foliennummernplatzhalter 4">
+            <a:extLst>
+              <a:ext uri="{FF2B5EF4-FFF2-40B4-BE49-F238E27FC236}">
+                <a16:creationId xmlns:a16="http://schemas.microsoft.com/office/drawing/2014/main" id="{38DB89FD-B161-4867-9B73-725F22BB431D}"/>
+              </a:ext>
+            </a:extLst>
+          </p:cNvPr>
           <p:cNvSpPr>
             <a:spLocks noGrp="1"/>
           </p:cNvSpPr>
@@ -16905,7 +24219,6 @@
           <a:p>
             <a:fld id="{9E82CC3C-1DC0-4FDA-9590-6CC506AB67F8}" type="slidenum">
               <a:rPr lang="de-DE" smtClean="0"/>
-              <a:pPr/>
               <a:t>8</a:t>
             </a:fld>
             <a:endParaRPr lang="de-DE" dirty="0"/>
@@ -16914,7 +24227,13 @@
       </p:sp>
       <p:sp>
         <p:nvSpPr>
-          <p:cNvPr id="4" name="Textplatzhalter 3"/>
+          <p:cNvPr id="6" name="Textplatzhalter 5">
+            <a:extLst>
+              <a:ext uri="{FF2B5EF4-FFF2-40B4-BE49-F238E27FC236}">
+                <a16:creationId xmlns:a16="http://schemas.microsoft.com/office/drawing/2014/main" id="{F7166FAE-93B5-4C0C-B9C1-701222889FB6}"/>
+              </a:ext>
+            </a:extLst>
+          </p:cNvPr>
           <p:cNvSpPr>
             <a:spLocks noGrp="1"/>
           </p:cNvSpPr>
@@ -16927,13 +24246,22 @@
           <a:bodyPr/>
           <a:lstStyle/>
           <a:p>
-            <a:endParaRPr lang="de-DE"/>
-          </a:p>
-        </p:txBody>
-      </p:sp>
-      <p:sp>
-        <p:nvSpPr>
-          <p:cNvPr id="2" name="Titel 1"/>
+            <a:r>
+              <a:rPr lang="de-DE" dirty="0"/>
+              <a:t>Kontinuierliches Lernen</a:t>
+            </a:r>
+          </a:p>
+        </p:txBody>
+      </p:sp>
+      <p:sp>
+        <p:nvSpPr>
+          <p:cNvPr id="7" name="Titel 6">
+            <a:extLst>
+              <a:ext uri="{FF2B5EF4-FFF2-40B4-BE49-F238E27FC236}">
+                <a16:creationId xmlns:a16="http://schemas.microsoft.com/office/drawing/2014/main" id="{A5F125E2-6D1C-440E-9FC6-5DDA25D2014C}"/>
+              </a:ext>
+            </a:extLst>
+          </p:cNvPr>
           <p:cNvSpPr>
             <a:spLocks noGrp="1"/>
           </p:cNvSpPr>
@@ -16948,15 +24276,74 @@
           <a:p>
             <a:r>
               <a:rPr lang="de-DE" dirty="0"/>
-              <a:t>Literatur</a:t>
-            </a:r>
-          </a:p>
-        </p:txBody>
-      </p:sp>
+              <a:t>Grundlagen kontinuierliches und verteiltes Lernen</a:t>
+            </a:r>
+            <a:endParaRPr lang="en-GB" dirty="0"/>
+          </a:p>
+        </p:txBody>
+      </p:sp>
+      <p:pic>
+        <p:nvPicPr>
+          <p:cNvPr id="8" name="Grafik 7">
+            <a:extLst>
+              <a:ext uri="{FF2B5EF4-FFF2-40B4-BE49-F238E27FC236}">
+                <a16:creationId xmlns:a16="http://schemas.microsoft.com/office/drawing/2014/main" id="{846CC165-9E4A-4257-8852-30F52D100DB3}"/>
+              </a:ext>
+            </a:extLst>
+          </p:cNvPr>
+          <p:cNvPicPr/>
+          <p:nvPr/>
+        </p:nvPicPr>
+        <p:blipFill>
+          <a:blip r:embed="rId2"/>
+          <a:stretch>
+            <a:fillRect/>
+          </a:stretch>
+        </p:blipFill>
+        <p:spPr>
+          <a:xfrm>
+            <a:off x="5461990" y="1668993"/>
+            <a:ext cx="3077210" cy="1694815"/>
+          </a:xfrm>
+          <a:prstGeom prst="rect">
+            <a:avLst/>
+          </a:prstGeom>
+        </p:spPr>
+      </p:pic>
+      <p:pic>
+        <p:nvPicPr>
+          <p:cNvPr id="10" name="Grafik 9">
+            <a:extLst>
+              <a:ext uri="{FF2B5EF4-FFF2-40B4-BE49-F238E27FC236}">
+                <a16:creationId xmlns:a16="http://schemas.microsoft.com/office/drawing/2014/main" id="{A8C92605-E5A5-4E25-8DF6-D28AFD53976D}"/>
+              </a:ext>
+            </a:extLst>
+          </p:cNvPr>
+          <p:cNvPicPr>
+            <a:picLocks noChangeAspect="1"/>
+          </p:cNvPicPr>
+          <p:nvPr/>
+        </p:nvPicPr>
+        <p:blipFill>
+          <a:blip r:embed="rId3"/>
+          <a:stretch>
+            <a:fillRect/>
+          </a:stretch>
+        </p:blipFill>
+        <p:spPr>
+          <a:xfrm>
+            <a:off x="5048374" y="2178205"/>
+            <a:ext cx="3714026" cy="1082094"/>
+          </a:xfrm>
+          <a:prstGeom prst="rect">
+            <a:avLst/>
+          </a:prstGeom>
+        </p:spPr>
+      </p:pic>
     </p:spTree>
     <p:extLst>
       <p:ext uri="{BB962C8B-B14F-4D97-AF65-F5344CB8AC3E}">
-        <p14:creationId xmlns:p14="http://schemas.microsoft.com/office/powerpoint/2010/main" val="1923842645"/>
+        <p14:creationId xmlns:p14="http://schemas.microsoft.com/office/powerpoint/2010/main" val="3828895660"/>
       </p:ext>
     </p:extLst>
   </p:cSld>
@@ -16966,9 +24353,231 @@
   <p:timing>
     <p:tnLst>
       <p:par>
-        <p:cTn id="1" dur="indefinite" restart="never" nodeType="tmRoot"/>
+        <p:cTn id="1" dur="indefinite" restart="never" nodeType="tmRoot">
+          <p:childTnLst>
+            <p:seq concurrent="1" nextAc="seek">
+              <p:cTn id="2" dur="indefinite" nodeType="mainSeq">
+                <p:childTnLst>
+                  <p:par>
+                    <p:cTn id="3" fill="hold">
+                      <p:stCondLst>
+                        <p:cond delay="indefinite"/>
+                      </p:stCondLst>
+                      <p:childTnLst>
+                        <p:par>
+                          <p:cTn id="4" fill="hold">
+                            <p:stCondLst>
+                              <p:cond delay="0"/>
+                            </p:stCondLst>
+                            <p:childTnLst>
+                              <p:par>
+                                <p:cTn id="5" presetID="1" presetClass="exit" presetSubtype="0" fill="hold" nodeType="clickEffect">
+                                  <p:stCondLst>
+                                    <p:cond delay="0"/>
+                                  </p:stCondLst>
+                                  <p:childTnLst>
+                                    <p:set>
+                                      <p:cBhvr>
+                                        <p:cTn id="6" dur="1" fill="hold">
+                                          <p:stCondLst>
+                                            <p:cond delay="0"/>
+                                          </p:stCondLst>
+                                        </p:cTn>
+                                        <p:tgtEl>
+                                          <p:spTgt spid="8"/>
+                                        </p:tgtEl>
+                                        <p:attrNameLst>
+                                          <p:attrName>style.visibility</p:attrName>
+                                        </p:attrNameLst>
+                                      </p:cBhvr>
+                                      <p:to>
+                                        <p:strVal val="hidden"/>
+                                      </p:to>
+                                    </p:set>
+                                  </p:childTnLst>
+                                </p:cTn>
+                              </p:par>
+                              <p:par>
+                                <p:cTn id="7" presetID="1" presetClass="entr" presetSubtype="0" fill="hold" nodeType="withEffect">
+                                  <p:stCondLst>
+                                    <p:cond delay="0"/>
+                                  </p:stCondLst>
+                                  <p:childTnLst>
+                                    <p:set>
+                                      <p:cBhvr>
+                                        <p:cTn id="8" dur="1" fill="hold">
+                                          <p:stCondLst>
+                                            <p:cond delay="0"/>
+                                          </p:stCondLst>
+                                        </p:cTn>
+                                        <p:tgtEl>
+                                          <p:spTgt spid="10"/>
+                                        </p:tgtEl>
+                                        <p:attrNameLst>
+                                          <p:attrName>style.visibility</p:attrName>
+                                        </p:attrNameLst>
+                                      </p:cBhvr>
+                                      <p:to>
+                                        <p:strVal val="visible"/>
+                                      </p:to>
+                                    </p:set>
+                                  </p:childTnLst>
+                                </p:cTn>
+                              </p:par>
+                              <p:par>
+                                <p:cTn id="9" presetID="1" presetClass="entr" presetSubtype="0" fill="hold" grpId="0" nodeType="withEffect">
+                                  <p:stCondLst>
+                                    <p:cond delay="0"/>
+                                  </p:stCondLst>
+                                  <p:childTnLst>
+                                    <p:set>
+                                      <p:cBhvr>
+                                        <p:cTn id="10" dur="1" fill="hold">
+                                          <p:stCondLst>
+                                            <p:cond delay="0"/>
+                                          </p:stCondLst>
+                                        </p:cTn>
+                                        <p:tgtEl>
+                                          <p:spTgt spid="2">
+                                            <p:txEl>
+                                              <p:pRg st="4" end="4"/>
+                                            </p:txEl>
+                                          </p:spTgt>
+                                        </p:tgtEl>
+                                        <p:attrNameLst>
+                                          <p:attrName>style.visibility</p:attrName>
+                                        </p:attrNameLst>
+                                      </p:cBhvr>
+                                      <p:to>
+                                        <p:strVal val="visible"/>
+                                      </p:to>
+                                    </p:set>
+                                  </p:childTnLst>
+                                </p:cTn>
+                              </p:par>
+                              <p:par>
+                                <p:cTn id="11" presetID="1" presetClass="entr" presetSubtype="0" fill="hold" grpId="0" nodeType="withEffect">
+                                  <p:stCondLst>
+                                    <p:cond delay="0"/>
+                                  </p:stCondLst>
+                                  <p:childTnLst>
+                                    <p:set>
+                                      <p:cBhvr>
+                                        <p:cTn id="12" dur="1" fill="hold">
+                                          <p:stCondLst>
+                                            <p:cond delay="0"/>
+                                          </p:stCondLst>
+                                        </p:cTn>
+                                        <p:tgtEl>
+                                          <p:spTgt spid="2">
+                                            <p:txEl>
+                                              <p:pRg st="5" end="5"/>
+                                            </p:txEl>
+                                          </p:spTgt>
+                                        </p:tgtEl>
+                                        <p:attrNameLst>
+                                          <p:attrName>style.visibility</p:attrName>
+                                        </p:attrNameLst>
+                                      </p:cBhvr>
+                                      <p:to>
+                                        <p:strVal val="visible"/>
+                                      </p:to>
+                                    </p:set>
+                                  </p:childTnLst>
+                                </p:cTn>
+                              </p:par>
+                              <p:par>
+                                <p:cTn id="13" presetID="1" presetClass="entr" presetSubtype="0" fill="hold" grpId="0" nodeType="withEffect">
+                                  <p:stCondLst>
+                                    <p:cond delay="0"/>
+                                  </p:stCondLst>
+                                  <p:childTnLst>
+                                    <p:set>
+                                      <p:cBhvr>
+                                        <p:cTn id="14" dur="1" fill="hold">
+                                          <p:stCondLst>
+                                            <p:cond delay="0"/>
+                                          </p:stCondLst>
+                                        </p:cTn>
+                                        <p:tgtEl>
+                                          <p:spTgt spid="2">
+                                            <p:txEl>
+                                              <p:pRg st="6" end="6"/>
+                                            </p:txEl>
+                                          </p:spTgt>
+                                        </p:tgtEl>
+                                        <p:attrNameLst>
+                                          <p:attrName>style.visibility</p:attrName>
+                                        </p:attrNameLst>
+                                      </p:cBhvr>
+                                      <p:to>
+                                        <p:strVal val="visible"/>
+                                      </p:to>
+                                    </p:set>
+                                  </p:childTnLst>
+                                </p:cTn>
+                              </p:par>
+                              <p:par>
+                                <p:cTn id="15" presetID="1" presetClass="entr" presetSubtype="0" fill="hold" grpId="0" nodeType="withEffect">
+                                  <p:stCondLst>
+                                    <p:cond delay="0"/>
+                                  </p:stCondLst>
+                                  <p:childTnLst>
+                                    <p:set>
+                                      <p:cBhvr>
+                                        <p:cTn id="16" dur="1" fill="hold">
+                                          <p:stCondLst>
+                                            <p:cond delay="0"/>
+                                          </p:stCondLst>
+                                        </p:cTn>
+                                        <p:tgtEl>
+                                          <p:spTgt spid="2">
+                                            <p:txEl>
+                                              <p:pRg st="7" end="7"/>
+                                            </p:txEl>
+                                          </p:spTgt>
+                                        </p:tgtEl>
+                                        <p:attrNameLst>
+                                          <p:attrName>style.visibility</p:attrName>
+                                        </p:attrNameLst>
+                                      </p:cBhvr>
+                                      <p:to>
+                                        <p:strVal val="visible"/>
+                                      </p:to>
+                                    </p:set>
+                                  </p:childTnLst>
+                                </p:cTn>
+                              </p:par>
+                            </p:childTnLst>
+                          </p:cTn>
+                        </p:par>
+                      </p:childTnLst>
+                    </p:cTn>
+                  </p:par>
+                </p:childTnLst>
+              </p:cTn>
+              <p:prevCondLst>
+                <p:cond evt="onPrev" delay="0">
+                  <p:tgtEl>
+                    <p:sldTgt/>
+                  </p:tgtEl>
+                </p:cond>
+              </p:prevCondLst>
+              <p:nextCondLst>
+                <p:cond evt="onNext" delay="0">
+                  <p:tgtEl>
+                    <p:sldTgt/>
+                  </p:tgtEl>
+                </p:cond>
+              </p:nextCondLst>
+            </p:seq>
+          </p:childTnLst>
+        </p:cTn>
       </p:par>
     </p:tnLst>
+    <p:bldLst>
+      <p:bldP spid="2" grpId="0" uiExpand="1" build="p"/>
+    </p:bldLst>
   </p:timing>
 </p:sld>
 </file>
@@ -16992,24 +24601,18 @@
       </p:grpSpPr>
       <p:sp>
         <p:nvSpPr>
-          <p:cNvPr id="8" name="Bildplatzhalter 7"/>
-          <p:cNvSpPr>
-            <a:spLocks noGrp="1"/>
-          </p:cNvSpPr>
-          <p:nvPr>
-            <p:ph type="pic" sz="quarter" idx="14"/>
-          </p:nvPr>
-        </p:nvSpPr>
-        <p:spPr/>
-      </p:sp>
-      <p:sp>
-        <p:nvSpPr>
-          <p:cNvPr id="9" name="Textplatzhalter 8"/>
-          <p:cNvSpPr>
-            <a:spLocks noGrp="1"/>
-          </p:cNvSpPr>
-          <p:nvPr>
-            <p:ph type="body" sz="quarter" idx="15"/>
+          <p:cNvPr id="2" name="Inhaltsplatzhalter 1">
+            <a:extLst>
+              <a:ext uri="{FF2B5EF4-FFF2-40B4-BE49-F238E27FC236}">
+                <a16:creationId xmlns:a16="http://schemas.microsoft.com/office/drawing/2014/main" id="{EDACDCA8-FE32-4E62-9E36-303D2720D324}"/>
+              </a:ext>
+            </a:extLst>
+          </p:cNvPr>
+          <p:cNvSpPr>
+            <a:spLocks noGrp="1"/>
+          </p:cNvSpPr>
+          <p:nvPr>
+            <p:ph idx="1"/>
           </p:nvPr>
         </p:nvSpPr>
         <p:spPr/>
@@ -17018,44 +24621,253 @@
           <a:lstStyle/>
           <a:p>
             <a:r>
-              <a:rPr lang="de-DE" dirty="0"/>
-              <a:t>Simon Kamm</a:t>
-            </a:r>
-          </a:p>
-        </p:txBody>
-      </p:sp>
-      <p:sp>
-        <p:nvSpPr>
-          <p:cNvPr id="10" name="Textplatzhalter 9"/>
-          <p:cNvSpPr>
-            <a:spLocks noGrp="1"/>
-          </p:cNvSpPr>
-          <p:nvPr>
-            <p:ph type="body" sz="quarter" idx="16"/>
-          </p:nvPr>
-        </p:nvSpPr>
-        <p:spPr>
-          <a:xfrm>
-            <a:off x="3832914" y="3001893"/>
-            <a:ext cx="649267" cy="238330"/>
-          </a:xfrm>
-        </p:spPr>
+              <a:rPr lang="en-GB" dirty="0"/>
+              <a:t>Dual-Memory </a:t>
+            </a:r>
+            <a:r>
+              <a:rPr lang="en-GB" dirty="0" err="1"/>
+              <a:t>Methode</a:t>
+            </a:r>
+            <a:endParaRPr lang="en-GB" dirty="0"/>
+          </a:p>
+          <a:p>
+            <a:pPr lvl="1"/>
+            <a:r>
+              <a:rPr lang="en-GB" dirty="0" err="1"/>
+              <a:t>Grundlagen</a:t>
+            </a:r>
+            <a:r>
+              <a:rPr lang="en-GB" dirty="0"/>
+              <a:t> </a:t>
+            </a:r>
+            <a:r>
+              <a:rPr lang="en-GB" dirty="0" err="1"/>
+              <a:t>liegen</a:t>
+            </a:r>
+            <a:r>
+              <a:rPr lang="en-GB" dirty="0"/>
+              <a:t> in </a:t>
+            </a:r>
+            <a:r>
+              <a:rPr lang="en-GB" i="1" dirty="0"/>
+              <a:t>Complementary Learning Systems</a:t>
+            </a:r>
+            <a:r>
+              <a:rPr lang="en-GB" dirty="0"/>
+              <a:t> (CLS):</a:t>
+            </a:r>
+          </a:p>
+          <a:p>
+            <a:pPr lvl="1"/>
+            <a:r>
+              <a:rPr lang="en-GB" dirty="0" err="1"/>
+              <a:t>Biologisches</a:t>
+            </a:r>
+            <a:r>
+              <a:rPr lang="en-GB" dirty="0"/>
+              <a:t> </a:t>
+            </a:r>
+            <a:r>
+              <a:rPr lang="en-GB" dirty="0" err="1"/>
+              <a:t>Prinzip</a:t>
+            </a:r>
+            <a:r>
+              <a:rPr lang="en-GB" dirty="0"/>
+              <a:t> des </a:t>
+            </a:r>
+            <a:r>
+              <a:rPr lang="en-GB" dirty="0" err="1"/>
+              <a:t>Gehirnes</a:t>
+            </a:r>
+            <a:r>
+              <a:rPr lang="en-GB" dirty="0"/>
+              <a:t> von </a:t>
+            </a:r>
+            <a:r>
+              <a:rPr lang="en-GB" dirty="0" err="1"/>
+              <a:t>Säugetieren</a:t>
+            </a:r>
+            <a:endParaRPr lang="en-GB" dirty="0"/>
+          </a:p>
+          <a:p>
+            <a:pPr lvl="1"/>
+            <a:endParaRPr lang="en-GB" dirty="0"/>
+          </a:p>
+          <a:p>
+            <a:pPr lvl="1"/>
+            <a:endParaRPr lang="en-GB" dirty="0"/>
+          </a:p>
+          <a:p>
+            <a:pPr lvl="1"/>
+            <a:endParaRPr lang="en-GB" dirty="0"/>
+          </a:p>
+          <a:p>
+            <a:pPr lvl="1"/>
+            <a:endParaRPr lang="en-GB" dirty="0"/>
+          </a:p>
+          <a:p>
+            <a:pPr lvl="1"/>
+            <a:endParaRPr lang="en-GB" dirty="0"/>
+          </a:p>
+          <a:p>
+            <a:pPr lvl="1"/>
+            <a:r>
+              <a:rPr lang="en-GB" dirty="0"/>
+              <a:t>Hippocampus: </a:t>
+            </a:r>
+            <a:r>
+              <a:rPr lang="en-GB" dirty="0" err="1"/>
+              <a:t>Speicherung</a:t>
+            </a:r>
+            <a:r>
+              <a:rPr lang="en-GB" dirty="0"/>
+              <a:t> </a:t>
+            </a:r>
+            <a:r>
+              <a:rPr lang="en-GB" dirty="0" err="1"/>
+              <a:t>frischer</a:t>
+            </a:r>
+            <a:r>
+              <a:rPr lang="en-GB" dirty="0"/>
+              <a:t> </a:t>
+            </a:r>
+            <a:r>
+              <a:rPr lang="en-GB" dirty="0" err="1"/>
+              <a:t>Erinnerung</a:t>
+            </a:r>
+            <a:r>
+              <a:rPr lang="en-GB" dirty="0"/>
+              <a:t> </a:t>
+            </a:r>
+            <a:r>
+              <a:rPr lang="en-GB" dirty="0">
+                <a:sym typeface="Wingdings" panose="05000000000000000000" pitchFamily="2" charset="2"/>
+              </a:rPr>
+              <a:t> </a:t>
+            </a:r>
+            <a:r>
+              <a:rPr lang="en-GB" dirty="0" err="1">
+                <a:sym typeface="Wingdings" panose="05000000000000000000" pitchFamily="2" charset="2"/>
+              </a:rPr>
+              <a:t>Schnelllernend</a:t>
+            </a:r>
+            <a:endParaRPr lang="en-GB" dirty="0">
+              <a:sym typeface="Wingdings" panose="05000000000000000000" pitchFamily="2" charset="2"/>
+            </a:endParaRPr>
+          </a:p>
+          <a:p>
+            <a:pPr lvl="1"/>
+            <a:r>
+              <a:rPr lang="en-GB" dirty="0">
+                <a:sym typeface="Wingdings" panose="05000000000000000000" pitchFamily="2" charset="2"/>
+              </a:rPr>
+              <a:t>Neocortex: </a:t>
+            </a:r>
+            <a:r>
+              <a:rPr lang="en-GB" dirty="0" err="1">
+                <a:sym typeface="Wingdings" panose="05000000000000000000" pitchFamily="2" charset="2"/>
+              </a:rPr>
+              <a:t>Generalisierung</a:t>
+            </a:r>
+            <a:r>
+              <a:rPr lang="en-GB" dirty="0">
+                <a:sym typeface="Wingdings" panose="05000000000000000000" pitchFamily="2" charset="2"/>
+              </a:rPr>
+              <a:t> der </a:t>
+            </a:r>
+            <a:r>
+              <a:rPr lang="en-GB" dirty="0" err="1">
+                <a:sym typeface="Wingdings" panose="05000000000000000000" pitchFamily="2" charset="2"/>
+              </a:rPr>
+              <a:t>Erinnerungen</a:t>
+            </a:r>
+            <a:r>
+              <a:rPr lang="en-GB" dirty="0">
+                <a:sym typeface="Wingdings" panose="05000000000000000000" pitchFamily="2" charset="2"/>
+              </a:rPr>
+              <a:t>  </a:t>
+            </a:r>
+            <a:r>
+              <a:rPr lang="en-GB" dirty="0" err="1">
+                <a:sym typeface="Wingdings" panose="05000000000000000000" pitchFamily="2" charset="2"/>
+              </a:rPr>
+              <a:t>Langsam</a:t>
+            </a:r>
+            <a:r>
+              <a:rPr lang="en-GB" dirty="0">
+                <a:sym typeface="Wingdings" panose="05000000000000000000" pitchFamily="2" charset="2"/>
+              </a:rPr>
+              <a:t> </a:t>
+            </a:r>
+            <a:r>
+              <a:rPr lang="en-GB" dirty="0" err="1">
+                <a:sym typeface="Wingdings" panose="05000000000000000000" pitchFamily="2" charset="2"/>
+              </a:rPr>
+              <a:t>Lernendes</a:t>
+            </a:r>
+            <a:r>
+              <a:rPr lang="en-GB" dirty="0">
+                <a:sym typeface="Wingdings" panose="05000000000000000000" pitchFamily="2" charset="2"/>
+              </a:rPr>
+              <a:t> </a:t>
+            </a:r>
+            <a:r>
+              <a:rPr lang="en-GB" dirty="0" err="1">
+                <a:sym typeface="Wingdings" panose="05000000000000000000" pitchFamily="2" charset="2"/>
+              </a:rPr>
+              <a:t>Netz</a:t>
+            </a:r>
+            <a:endParaRPr lang="en-GB" dirty="0"/>
+          </a:p>
+          <a:p>
+            <a:pPr lvl="1"/>
+            <a:endParaRPr lang="en-GB" dirty="0"/>
+          </a:p>
+        </p:txBody>
+      </p:sp>
+      <p:sp>
+        <p:nvSpPr>
+          <p:cNvPr id="3" name="Datumsplatzhalter 2">
+            <a:extLst>
+              <a:ext uri="{FF2B5EF4-FFF2-40B4-BE49-F238E27FC236}">
+                <a16:creationId xmlns:a16="http://schemas.microsoft.com/office/drawing/2014/main" id="{BA3BA6FA-117A-4CC0-A512-AE1BFD75114F}"/>
+              </a:ext>
+            </a:extLst>
+          </p:cNvPr>
+          <p:cNvSpPr>
+            <a:spLocks noGrp="1"/>
+          </p:cNvSpPr>
+          <p:nvPr>
+            <p:ph type="dt" sz="half" idx="10"/>
+          </p:nvPr>
+        </p:nvSpPr>
+        <p:spPr/>
         <p:txBody>
           <a:bodyPr/>
           <a:lstStyle/>
           <a:p>
+            <a:fld id="{92945389-04B4-460D-BD35-C57D41A2ECAA}" type="datetime1">
+              <a:rPr lang="de-DE" smtClean="0"/>
+              <a:t>03.10.2019</a:t>
+            </a:fld>
             <a:endParaRPr lang="de-DE" dirty="0"/>
           </a:p>
         </p:txBody>
       </p:sp>
       <p:sp>
         <p:nvSpPr>
-          <p:cNvPr id="11" name="Textplatzhalter 10"/>
-          <p:cNvSpPr>
-            <a:spLocks noGrp="1"/>
-          </p:cNvSpPr>
-          <p:nvPr>
-            <p:ph type="body" sz="quarter" idx="17"/>
+          <p:cNvPr id="4" name="Fußzeilenplatzhalter 3">
+            <a:extLst>
+              <a:ext uri="{FF2B5EF4-FFF2-40B4-BE49-F238E27FC236}">
+                <a16:creationId xmlns:a16="http://schemas.microsoft.com/office/drawing/2014/main" id="{271784B5-B8D0-49A6-8C1B-70F68A306B65}"/>
+              </a:ext>
+            </a:extLst>
+          </p:cNvPr>
+          <p:cNvSpPr>
+            <a:spLocks noGrp="1"/>
+          </p:cNvSpPr>
+          <p:nvPr>
+            <p:ph type="ftr" sz="quarter" idx="11"/>
           </p:nvPr>
         </p:nvSpPr>
         <p:spPr/>
@@ -17063,18 +24875,28 @@
           <a:bodyPr/>
           <a:lstStyle/>
           <a:p>
-            <a:endParaRPr lang="de-DE"/>
-          </a:p>
-        </p:txBody>
-      </p:sp>
-      <p:sp>
-        <p:nvSpPr>
-          <p:cNvPr id="12" name="Textplatzhalter 11"/>
-          <p:cNvSpPr>
-            <a:spLocks noGrp="1"/>
-          </p:cNvSpPr>
-          <p:nvPr>
-            <p:ph type="body" sz="quarter" idx="18"/>
+            <a:r>
+              <a:rPr lang="de-DE"/>
+              <a:t>Universität Stuttgart</a:t>
+            </a:r>
+            <a:endParaRPr lang="de-DE" dirty="0"/>
+          </a:p>
+        </p:txBody>
+      </p:sp>
+      <p:sp>
+        <p:nvSpPr>
+          <p:cNvPr id="5" name="Foliennummernplatzhalter 4">
+            <a:extLst>
+              <a:ext uri="{FF2B5EF4-FFF2-40B4-BE49-F238E27FC236}">
+                <a16:creationId xmlns:a16="http://schemas.microsoft.com/office/drawing/2014/main" id="{0FBFB11A-0E3C-4568-ABCB-F24CB05E023B}"/>
+              </a:ext>
+            </a:extLst>
+          </p:cNvPr>
+          <p:cNvSpPr>
+            <a:spLocks noGrp="1"/>
+          </p:cNvSpPr>
+          <p:nvPr>
+            <p:ph type="sldNum" sz="quarter" idx="12"/>
           </p:nvPr>
         </p:nvSpPr>
         <p:spPr/>
@@ -17082,21 +24904,28 @@
           <a:bodyPr/>
           <a:lstStyle/>
           <a:p>
-            <a:r>
-              <a:rPr lang="de-DE" dirty="0"/>
-              <a:t>Institut für Automatisierungstechnik und Softwaresysteme</a:t>
-            </a:r>
-          </a:p>
-        </p:txBody>
-      </p:sp>
-      <p:sp>
-        <p:nvSpPr>
-          <p:cNvPr id="13" name="Textplatzhalter 12"/>
-          <p:cNvSpPr>
-            <a:spLocks noGrp="1"/>
-          </p:cNvSpPr>
-          <p:nvPr>
-            <p:ph type="body" sz="quarter" idx="19"/>
+            <a:fld id="{9E82CC3C-1DC0-4FDA-9590-6CC506AB67F8}" type="slidenum">
+              <a:rPr lang="de-DE" smtClean="0"/>
+              <a:t>9</a:t>
+            </a:fld>
+            <a:endParaRPr lang="de-DE" dirty="0"/>
+          </a:p>
+        </p:txBody>
+      </p:sp>
+      <p:sp>
+        <p:nvSpPr>
+          <p:cNvPr id="6" name="Textplatzhalter 5">
+            <a:extLst>
+              <a:ext uri="{FF2B5EF4-FFF2-40B4-BE49-F238E27FC236}">
+                <a16:creationId xmlns:a16="http://schemas.microsoft.com/office/drawing/2014/main" id="{04827E6E-E23D-4C34-AC8D-F0D70014AC67}"/>
+              </a:ext>
+            </a:extLst>
+          </p:cNvPr>
+          <p:cNvSpPr>
+            <a:spLocks noGrp="1"/>
+          </p:cNvSpPr>
+          <p:nvPr>
+            <p:ph type="body" sz="quarter" idx="13"/>
           </p:nvPr>
         </p:nvSpPr>
         <p:spPr/>
@@ -17106,98 +24935,80 @@
           <a:p>
             <a:r>
               <a:rPr lang="de-DE" dirty="0"/>
-              <a:t>simonkamm@online.de</a:t>
-            </a:r>
-          </a:p>
-        </p:txBody>
-      </p:sp>
-      <p:sp>
-        <p:nvSpPr>
-          <p:cNvPr id="2" name="Ellipse 1"/>
-          <p:cNvSpPr/>
-          <p:nvPr/>
-        </p:nvSpPr>
-        <p:spPr>
-          <a:xfrm>
-            <a:off x="7761065" y="4580497"/>
-            <a:ext cx="906842" cy="906842"/>
-          </a:xfrm>
-          <a:prstGeom prst="ellipse">
-            <a:avLst/>
-          </a:prstGeom>
-          <a:solidFill>
-            <a:schemeClr val="bg1"/>
-          </a:solidFill>
-          <a:ln>
-            <a:noFill/>
-          </a:ln>
-        </p:spPr>
-        <p:style>
-          <a:lnRef idx="2">
-            <a:schemeClr val="accent1">
-              <a:shade val="50000"/>
-            </a:schemeClr>
-          </a:lnRef>
-          <a:fillRef idx="1">
-            <a:schemeClr val="accent1"/>
-          </a:fillRef>
-          <a:effectRef idx="0">
-            <a:schemeClr val="accent1"/>
-          </a:effectRef>
-          <a:fontRef idx="minor">
-            <a:schemeClr val="lt1"/>
-          </a:fontRef>
-        </p:style>
-        <p:txBody>
-          <a:bodyPr rtlCol="0" anchor="ctr"/>
+              <a:t>Kontinuierliches Lernen</a:t>
+            </a:r>
+          </a:p>
+        </p:txBody>
+      </p:sp>
+      <p:sp>
+        <p:nvSpPr>
+          <p:cNvPr id="7" name="Titel 6">
+            <a:extLst>
+              <a:ext uri="{FF2B5EF4-FFF2-40B4-BE49-F238E27FC236}">
+                <a16:creationId xmlns:a16="http://schemas.microsoft.com/office/drawing/2014/main" id="{811D3AD1-D75C-40A7-9286-543C024E6F06}"/>
+              </a:ext>
+            </a:extLst>
+          </p:cNvPr>
+          <p:cNvSpPr>
+            <a:spLocks noGrp="1"/>
+          </p:cNvSpPr>
+          <p:nvPr>
+            <p:ph type="title"/>
+          </p:nvPr>
+        </p:nvSpPr>
+        <p:spPr/>
+        <p:txBody>
+          <a:bodyPr/>
           <a:lstStyle/>
           <a:p>
-            <a:pPr algn="ctr"/>
-            <a:endParaRPr lang="en-US" sz="1600" dirty="0"/>
+            <a:r>
+              <a:rPr lang="de-DE" dirty="0"/>
+              <a:t>Grundlagen kontinuierliches und verteiltes Lernen</a:t>
+            </a:r>
+            <a:endParaRPr lang="en-GB" dirty="0"/>
           </a:p>
         </p:txBody>
       </p:sp>
       <p:pic>
         <p:nvPicPr>
-          <p:cNvPr id="15" name="Picture 27" descr="Logo_allein_klein"/>
+          <p:cNvPr id="8" name="Grafik 7">
+            <a:extLst>
+              <a:ext uri="{FF2B5EF4-FFF2-40B4-BE49-F238E27FC236}">
+                <a16:creationId xmlns:a16="http://schemas.microsoft.com/office/drawing/2014/main" id="{999988C6-8F26-4242-9323-6DE9402BCD5C}"/>
+              </a:ext>
+            </a:extLst>
+          </p:cNvPr>
           <p:cNvPicPr>
-            <a:picLocks noChangeAspect="1" noChangeArrowheads="1"/>
+            <a:picLocks noChangeAspect="1"/>
           </p:cNvPicPr>
           <p:nvPr/>
         </p:nvPicPr>
-        <p:blipFill rotWithShape="1">
-          <a:blip r:embed="rId2" cstate="print"/>
-          <a:srcRect t="-58805" b="-57688"/>
-          <a:stretch/>
+        <p:blipFill>
+          <a:blip r:embed="rId2"/>
+          <a:stretch>
+            <a:fillRect/>
+          </a:stretch>
         </p:blipFill>
-        <p:spPr bwMode="auto">
+        <p:spPr>
           <a:xfrm>
-            <a:off x="7761065" y="4579145"/>
-            <a:ext cx="906842" cy="904874"/>
+            <a:off x="2088996" y="2649577"/>
+            <a:ext cx="3803824" cy="1521529"/>
           </a:xfrm>
-          <a:prstGeom prst="ellipse">
+          <a:prstGeom prst="rect">
             <a:avLst/>
           </a:prstGeom>
-          <a:noFill/>
         </p:spPr>
       </p:pic>
     </p:spTree>
     <p:extLst>
       <p:ext uri="{BB962C8B-B14F-4D97-AF65-F5344CB8AC3E}">
-        <p14:creationId xmlns:p14="http://schemas.microsoft.com/office/powerpoint/2010/main" val="1739194058"/>
+        <p14:creationId xmlns:p14="http://schemas.microsoft.com/office/powerpoint/2010/main" val="3544328586"/>
       </p:ext>
     </p:extLst>
   </p:cSld>
   <p:clrMapOvr>
     <a:masterClrMapping/>
   </p:clrMapOvr>
-  <p:timing>
-    <p:tnLst>
-      <p:par>
-        <p:cTn id="1" dur="indefinite" restart="never" nodeType="tmRoot"/>
-      </p:par>
-    </p:tnLst>
-  </p:timing>
 </p:sld>
 </file>
 

--- a/Praesentationen/Abschlussvortrag.pptx
+++ b/Praesentationen/Abschlussvortrag.pptx
@@ -5,10 +5,10 @@
     <p:sldMasterId id="2147483660" r:id="rId1"/>
   </p:sldMasterIdLst>
   <p:notesMasterIdLst>
-    <p:notesMasterId r:id="rId26"/>
+    <p:notesMasterId r:id="rId32"/>
   </p:notesMasterIdLst>
   <p:handoutMasterIdLst>
-    <p:handoutMasterId r:id="rId27"/>
+    <p:handoutMasterId r:id="rId33"/>
   </p:handoutMasterIdLst>
   <p:sldIdLst>
     <p:sldId id="258" r:id="rId2"/>
@@ -19,22 +19,28 @@
     <p:sldId id="299" r:id="rId7"/>
     <p:sldId id="300" r:id="rId8"/>
     <p:sldId id="301" r:id="rId9"/>
-    <p:sldId id="302" r:id="rId10"/>
-    <p:sldId id="303" r:id="rId11"/>
-    <p:sldId id="304" r:id="rId12"/>
-    <p:sldId id="305" r:id="rId13"/>
-    <p:sldId id="306" r:id="rId14"/>
-    <p:sldId id="307" r:id="rId15"/>
-    <p:sldId id="308" r:id="rId16"/>
-    <p:sldId id="309" r:id="rId17"/>
-    <p:sldId id="312" r:id="rId18"/>
-    <p:sldId id="313" r:id="rId19"/>
-    <p:sldId id="314" r:id="rId20"/>
-    <p:sldId id="315" r:id="rId21"/>
-    <p:sldId id="310" r:id="rId22"/>
-    <p:sldId id="311" r:id="rId23"/>
-    <p:sldId id="261" r:id="rId24"/>
-    <p:sldId id="293" r:id="rId25"/>
+    <p:sldId id="323" r:id="rId10"/>
+    <p:sldId id="302" r:id="rId11"/>
+    <p:sldId id="303" r:id="rId12"/>
+    <p:sldId id="304" r:id="rId13"/>
+    <p:sldId id="305" r:id="rId14"/>
+    <p:sldId id="306" r:id="rId15"/>
+    <p:sldId id="324" r:id="rId16"/>
+    <p:sldId id="308" r:id="rId17"/>
+    <p:sldId id="309" r:id="rId18"/>
+    <p:sldId id="312" r:id="rId19"/>
+    <p:sldId id="313" r:id="rId20"/>
+    <p:sldId id="314" r:id="rId21"/>
+    <p:sldId id="315" r:id="rId22"/>
+    <p:sldId id="316" r:id="rId23"/>
+    <p:sldId id="317" r:id="rId24"/>
+    <p:sldId id="310" r:id="rId25"/>
+    <p:sldId id="318" r:id="rId26"/>
+    <p:sldId id="319" r:id="rId27"/>
+    <p:sldId id="311" r:id="rId28"/>
+    <p:sldId id="321" r:id="rId29"/>
+    <p:sldId id="261" r:id="rId30"/>
+    <p:sldId id="293" r:id="rId31"/>
   </p:sldIdLst>
   <p:sldSz cx="9144000" cy="5715000" type="screen16x10"/>
   <p:notesSz cx="6858000" cy="9144000"/>
@@ -146,7 +152,7 @@
 
 <file path=ppt/commentAuthors.xml><?xml version="1.0" encoding="utf-8"?>
 <p:cmAuthorLst xmlns:a="http://schemas.openxmlformats.org/drawingml/2006/main" xmlns:r="http://schemas.openxmlformats.org/officeDocument/2006/relationships" xmlns:p="http://schemas.openxmlformats.org/presentationml/2006/main">
-  <p:cmAuthor id="2" name="Autor" initials="A" lastIdx="0" clrIdx="1"/>
+  <p:cmAuthor id="3" name="Author" initials="A" lastIdx="0" clrIdx="2"/>
 </p:cmAuthorLst>
 </file>
 
@@ -1193,6 +1199,13 @@
         </dgm:presLayoutVars>
       </dgm:prSet>
       <dgm:spPr/>
+      <dgm:t>
+        <a:bodyPr/>
+        <a:lstStyle/>
+        <a:p>
+          <a:endParaRPr lang="en-US"/>
+        </a:p>
+      </dgm:t>
     </dgm:pt>
     <dgm:pt modelId="{3DD28FF0-3F4D-481C-98EC-1026B24F9CAE}" type="pres">
       <dgm:prSet presAssocID="{9DF29312-D27D-475E-8DFA-9E5E43FADCBC}" presName="Name1" presStyleCnt="0"/>
@@ -1209,6 +1222,13 @@
     <dgm:pt modelId="{929B4C6B-8D9C-43CF-B00E-D1429ECE0EA1}" type="pres">
       <dgm:prSet presAssocID="{9DF29312-D27D-475E-8DFA-9E5E43FADCBC}" presName="conn" presStyleLbl="parChTrans1D2" presStyleIdx="0" presStyleCnt="1"/>
       <dgm:spPr/>
+      <dgm:t>
+        <a:bodyPr/>
+        <a:lstStyle/>
+        <a:p>
+          <a:endParaRPr lang="en-US"/>
+        </a:p>
+      </dgm:t>
     </dgm:pt>
     <dgm:pt modelId="{86130A34-3561-4167-A915-DB20B36A840A}" type="pres">
       <dgm:prSet presAssocID="{9DF29312-D27D-475E-8DFA-9E5E43FADCBC}" presName="extraNode" presStyleLbl="node1" presStyleIdx="0" presStyleCnt="6"/>
@@ -1225,6 +1245,13 @@
         </dgm:presLayoutVars>
       </dgm:prSet>
       <dgm:spPr/>
+      <dgm:t>
+        <a:bodyPr/>
+        <a:lstStyle/>
+        <a:p>
+          <a:endParaRPr lang="en-US"/>
+        </a:p>
+      </dgm:t>
     </dgm:pt>
     <dgm:pt modelId="{2FF4B11C-F0D8-4F09-BF7F-3AE7713CF310}" type="pres">
       <dgm:prSet presAssocID="{91D3B272-70FD-4EC3-BC92-4A3A4E1A92DF}" presName="accent_1" presStyleCnt="0"/>
@@ -1241,6 +1268,13 @@
         </dgm:presLayoutVars>
       </dgm:prSet>
       <dgm:spPr/>
+      <dgm:t>
+        <a:bodyPr/>
+        <a:lstStyle/>
+        <a:p>
+          <a:endParaRPr lang="en-US"/>
+        </a:p>
+      </dgm:t>
     </dgm:pt>
     <dgm:pt modelId="{D6A70355-6588-43DD-ADE0-765851CF7430}" type="pres">
       <dgm:prSet presAssocID="{CE7B4CFF-1D42-4D8D-BAB8-B8862FE3539C}" presName="accent_2" presStyleCnt="0"/>
@@ -1257,6 +1291,13 @@
         </dgm:presLayoutVars>
       </dgm:prSet>
       <dgm:spPr/>
+      <dgm:t>
+        <a:bodyPr/>
+        <a:lstStyle/>
+        <a:p>
+          <a:endParaRPr lang="en-US"/>
+        </a:p>
+      </dgm:t>
     </dgm:pt>
     <dgm:pt modelId="{AE034E92-4442-46AC-AA7D-65B2F729E1E3}" type="pres">
       <dgm:prSet presAssocID="{85478C1D-C049-4CFE-8DC9-B9A30F3A7ED4}" presName="accent_3" presStyleCnt="0"/>
@@ -1273,6 +1314,13 @@
         </dgm:presLayoutVars>
       </dgm:prSet>
       <dgm:spPr/>
+      <dgm:t>
+        <a:bodyPr/>
+        <a:lstStyle/>
+        <a:p>
+          <a:endParaRPr lang="en-US"/>
+        </a:p>
+      </dgm:t>
     </dgm:pt>
     <dgm:pt modelId="{A7393CED-2247-4634-ACFE-B1ADF30C903B}" type="pres">
       <dgm:prSet presAssocID="{5DB25E82-94B4-4218-BB75-9F18CF863891}" presName="accent_4" presStyleCnt="0"/>
@@ -1289,6 +1337,13 @@
         </dgm:presLayoutVars>
       </dgm:prSet>
       <dgm:spPr/>
+      <dgm:t>
+        <a:bodyPr/>
+        <a:lstStyle/>
+        <a:p>
+          <a:endParaRPr lang="en-US"/>
+        </a:p>
+      </dgm:t>
     </dgm:pt>
     <dgm:pt modelId="{437601D4-8E01-4CED-819C-883D35A46535}" type="pres">
       <dgm:prSet presAssocID="{C5B3FA43-DB75-4968-BFBB-04E2E43A74D3}" presName="accent_5" presStyleCnt="0"/>
@@ -1305,6 +1360,13 @@
         </dgm:presLayoutVars>
       </dgm:prSet>
       <dgm:spPr/>
+      <dgm:t>
+        <a:bodyPr/>
+        <a:lstStyle/>
+        <a:p>
+          <a:endParaRPr lang="en-US"/>
+        </a:p>
+      </dgm:t>
     </dgm:pt>
     <dgm:pt modelId="{DB0D30BA-3DB8-4A37-A021-4D2228F6EE47}" type="pres">
       <dgm:prSet presAssocID="{15711590-AEEB-4BD9-83A8-5092369CE7BA}" presName="accent_6" presStyleCnt="0"/>
@@ -1317,19 +1379,19 @@
   </dgm:ptLst>
   <dgm:cxnLst>
     <dgm:cxn modelId="{6485B61F-72AC-4CAB-821D-5E990BB6F07C}" srcId="{9DF29312-D27D-475E-8DFA-9E5E43FADCBC}" destId="{C5B3FA43-DB75-4968-BFBB-04E2E43A74D3}" srcOrd="4" destOrd="0" parTransId="{3D2CC500-4D81-47EB-B0F2-741BB322E6B7}" sibTransId="{AF721675-7C6A-4882-A422-5D0772184E40}"/>
+    <dgm:cxn modelId="{0023F3DF-F1A2-4201-A442-84E498B65AEC}" type="presOf" srcId="{C5B3FA43-DB75-4968-BFBB-04E2E43A74D3}" destId="{6A5F191F-24D1-4D59-BD25-7527BCC2D4CB}" srcOrd="0" destOrd="0" presId="urn:microsoft.com/office/officeart/2008/layout/VerticalCurvedList"/>
+    <dgm:cxn modelId="{32051BE3-AE1B-446A-9ED2-9D6BBDDABC6F}" srcId="{9DF29312-D27D-475E-8DFA-9E5E43FADCBC}" destId="{91D3B272-70FD-4EC3-BC92-4A3A4E1A92DF}" srcOrd="0" destOrd="0" parTransId="{500838D3-4879-4431-8527-3194627C31CC}" sibTransId="{511DE5EB-608A-484E-8C4F-3B54B730C4FF}"/>
     <dgm:cxn modelId="{E3BA583A-BEF4-4CB1-88E9-6ABA22E8A141}" type="presOf" srcId="{91D3B272-70FD-4EC3-BC92-4A3A4E1A92DF}" destId="{7F4EA0ED-FB33-4B32-A14F-FA87040F38AC}" srcOrd="0" destOrd="0" presId="urn:microsoft.com/office/officeart/2008/layout/VerticalCurvedList"/>
+    <dgm:cxn modelId="{1DC30CE1-651F-4E7A-A8E9-B54EF689F90C}" type="presOf" srcId="{85478C1D-C049-4CFE-8DC9-B9A30F3A7ED4}" destId="{6F83770D-E0BB-481F-9048-CBDF30AB9C0F}" srcOrd="0" destOrd="0" presId="urn:microsoft.com/office/officeart/2008/layout/VerticalCurvedList"/>
+    <dgm:cxn modelId="{A686EC51-3969-4012-B169-06AC0DD4CD29}" srcId="{9DF29312-D27D-475E-8DFA-9E5E43FADCBC}" destId="{CE7B4CFF-1D42-4D8D-BAB8-B8862FE3539C}" srcOrd="1" destOrd="0" parTransId="{011CE999-E8CF-4D01-91F1-1888BAB92CAA}" sibTransId="{B4C1DF4D-EE9B-4923-AEC1-BE70DA325D1B}"/>
+    <dgm:cxn modelId="{58556245-C913-4E51-9AC4-5C78403D8EBD}" srcId="{9DF29312-D27D-475E-8DFA-9E5E43FADCBC}" destId="{5DB25E82-94B4-4218-BB75-9F18CF863891}" srcOrd="3" destOrd="0" parTransId="{DE919934-B51E-4340-A612-D8210C3BE3C4}" sibTransId="{EFE52ADB-BC84-4114-9380-4C9C43AAAD09}"/>
+    <dgm:cxn modelId="{6B83F042-5E12-4863-AF82-9D374B73F274}" type="presOf" srcId="{9DF29312-D27D-475E-8DFA-9E5E43FADCBC}" destId="{703D11E7-4190-4AE8-A79D-8298483D7D69}" srcOrd="0" destOrd="0" presId="urn:microsoft.com/office/officeart/2008/layout/VerticalCurvedList"/>
+    <dgm:cxn modelId="{CD984882-C97E-4CA9-8E9E-45D5CEE6B42C}" type="presOf" srcId="{CE7B4CFF-1D42-4D8D-BAB8-B8862FE3539C}" destId="{4224B6A1-41B5-4E17-9D30-AE1C1956DDAB}" srcOrd="0" destOrd="0" presId="urn:microsoft.com/office/officeart/2008/layout/VerticalCurvedList"/>
+    <dgm:cxn modelId="{018F8F61-44FE-4C93-865C-DDD70A160A3B}" type="presOf" srcId="{5DB25E82-94B4-4218-BB75-9F18CF863891}" destId="{A29685B3-AA43-4F7F-AA2E-C21F70C4F5B6}" srcOrd="0" destOrd="0" presId="urn:microsoft.com/office/officeart/2008/layout/VerticalCurvedList"/>
     <dgm:cxn modelId="{010BDC5F-A2FC-4CF7-A316-9B351C366CE6}" srcId="{9DF29312-D27D-475E-8DFA-9E5E43FADCBC}" destId="{15711590-AEEB-4BD9-83A8-5092369CE7BA}" srcOrd="5" destOrd="0" parTransId="{B66AC2E2-72E2-48DC-9BC3-28BB9B041F71}" sibTransId="{47E27426-BFDC-47CA-9683-250FAA828F16}"/>
-    <dgm:cxn modelId="{018F8F61-44FE-4C93-865C-DDD70A160A3B}" type="presOf" srcId="{5DB25E82-94B4-4218-BB75-9F18CF863891}" destId="{A29685B3-AA43-4F7F-AA2E-C21F70C4F5B6}" srcOrd="0" destOrd="0" presId="urn:microsoft.com/office/officeart/2008/layout/VerticalCurvedList"/>
-    <dgm:cxn modelId="{6B83F042-5E12-4863-AF82-9D374B73F274}" type="presOf" srcId="{9DF29312-D27D-475E-8DFA-9E5E43FADCBC}" destId="{703D11E7-4190-4AE8-A79D-8298483D7D69}" srcOrd="0" destOrd="0" presId="urn:microsoft.com/office/officeart/2008/layout/VerticalCurvedList"/>
-    <dgm:cxn modelId="{58556245-C913-4E51-9AC4-5C78403D8EBD}" srcId="{9DF29312-D27D-475E-8DFA-9E5E43FADCBC}" destId="{5DB25E82-94B4-4218-BB75-9F18CF863891}" srcOrd="3" destOrd="0" parTransId="{DE919934-B51E-4340-A612-D8210C3BE3C4}" sibTransId="{EFE52ADB-BC84-4114-9380-4C9C43AAAD09}"/>
-    <dgm:cxn modelId="{A686EC51-3969-4012-B169-06AC0DD4CD29}" srcId="{9DF29312-D27D-475E-8DFA-9E5E43FADCBC}" destId="{CE7B4CFF-1D42-4D8D-BAB8-B8862FE3539C}" srcOrd="1" destOrd="0" parTransId="{011CE999-E8CF-4D01-91F1-1888BAB92CAA}" sibTransId="{B4C1DF4D-EE9B-4923-AEC1-BE70DA325D1B}"/>
+    <dgm:cxn modelId="{C1FCF59E-7FDA-4B97-837F-3EEF40C730AC}" srcId="{9DF29312-D27D-475E-8DFA-9E5E43FADCBC}" destId="{85478C1D-C049-4CFE-8DC9-B9A30F3A7ED4}" srcOrd="2" destOrd="0" parTransId="{F14C44C6-58BE-4348-B55C-E89FD625BB6F}" sibTransId="{E7ED69F2-F6F2-4DE0-A9F6-39D4B177F23B}"/>
+    <dgm:cxn modelId="{7780848C-E694-461C-ACA9-BE3C12A1D3B3}" type="presOf" srcId="{511DE5EB-608A-484E-8C4F-3B54B730C4FF}" destId="{929B4C6B-8D9C-43CF-B00E-D1429ECE0EA1}" srcOrd="0" destOrd="0" presId="urn:microsoft.com/office/officeart/2008/layout/VerticalCurvedList"/>
     <dgm:cxn modelId="{6A0F5055-5F8E-4F22-AC88-67051799C687}" type="presOf" srcId="{15711590-AEEB-4BD9-83A8-5092369CE7BA}" destId="{CE7D15C3-47E9-43F9-A517-86250945D4DF}" srcOrd="0" destOrd="0" presId="urn:microsoft.com/office/officeart/2008/layout/VerticalCurvedList"/>
-    <dgm:cxn modelId="{CD984882-C97E-4CA9-8E9E-45D5CEE6B42C}" type="presOf" srcId="{CE7B4CFF-1D42-4D8D-BAB8-B8862FE3539C}" destId="{4224B6A1-41B5-4E17-9D30-AE1C1956DDAB}" srcOrd="0" destOrd="0" presId="urn:microsoft.com/office/officeart/2008/layout/VerticalCurvedList"/>
-    <dgm:cxn modelId="{7780848C-E694-461C-ACA9-BE3C12A1D3B3}" type="presOf" srcId="{511DE5EB-608A-484E-8C4F-3B54B730C4FF}" destId="{929B4C6B-8D9C-43CF-B00E-D1429ECE0EA1}" srcOrd="0" destOrd="0" presId="urn:microsoft.com/office/officeart/2008/layout/VerticalCurvedList"/>
-    <dgm:cxn modelId="{C1FCF59E-7FDA-4B97-837F-3EEF40C730AC}" srcId="{9DF29312-D27D-475E-8DFA-9E5E43FADCBC}" destId="{85478C1D-C049-4CFE-8DC9-B9A30F3A7ED4}" srcOrd="2" destOrd="0" parTransId="{F14C44C6-58BE-4348-B55C-E89FD625BB6F}" sibTransId="{E7ED69F2-F6F2-4DE0-A9F6-39D4B177F23B}"/>
-    <dgm:cxn modelId="{0023F3DF-F1A2-4201-A442-84E498B65AEC}" type="presOf" srcId="{C5B3FA43-DB75-4968-BFBB-04E2E43A74D3}" destId="{6A5F191F-24D1-4D59-BD25-7527BCC2D4CB}" srcOrd="0" destOrd="0" presId="urn:microsoft.com/office/officeart/2008/layout/VerticalCurvedList"/>
-    <dgm:cxn modelId="{1DC30CE1-651F-4E7A-A8E9-B54EF689F90C}" type="presOf" srcId="{85478C1D-C049-4CFE-8DC9-B9A30F3A7ED4}" destId="{6F83770D-E0BB-481F-9048-CBDF30AB9C0F}" srcOrd="0" destOrd="0" presId="urn:microsoft.com/office/officeart/2008/layout/VerticalCurvedList"/>
-    <dgm:cxn modelId="{32051BE3-AE1B-446A-9ED2-9D6BBDDABC6F}" srcId="{9DF29312-D27D-475E-8DFA-9E5E43FADCBC}" destId="{91D3B272-70FD-4EC3-BC92-4A3A4E1A92DF}" srcOrd="0" destOrd="0" parTransId="{500838D3-4879-4431-8527-3194627C31CC}" sibTransId="{511DE5EB-608A-484E-8C4F-3B54B730C4FF}"/>
     <dgm:cxn modelId="{131E8C22-EE27-4118-B87C-84DC9109E950}" type="presParOf" srcId="{703D11E7-4190-4AE8-A79D-8298483D7D69}" destId="{3DD28FF0-3F4D-481C-98EC-1026B24F9CAE}" srcOrd="0" destOrd="0" presId="urn:microsoft.com/office/officeart/2008/layout/VerticalCurvedList"/>
     <dgm:cxn modelId="{5496A2AA-D841-48FB-A27A-E97203B94F6E}" type="presParOf" srcId="{3DD28FF0-3F4D-481C-98EC-1026B24F9CAE}" destId="{88C6A2AF-5135-46EF-BF1B-054BD598C8D9}" srcOrd="0" destOrd="0" presId="urn:microsoft.com/office/officeart/2008/layout/VerticalCurvedList"/>
     <dgm:cxn modelId="{6774CEF9-9DD5-4F0E-8B43-B3D0EC39EBD6}" type="presParOf" srcId="{88C6A2AF-5135-46EF-BF1B-054BD598C8D9}" destId="{0D0A17C7-086B-4A5F-867B-2540E918100C}" srcOrd="0" destOrd="0" presId="urn:microsoft.com/office/officeart/2008/layout/VerticalCurvedList"/>
@@ -1474,7 +1536,7 @@
         </a:bodyPr>
         <a:lstStyle/>
         <a:p>
-          <a:pPr marL="0" lvl="0" indent="0" algn="l" defTabSz="889000">
+          <a:pPr lvl="0" algn="l" defTabSz="889000">
             <a:lnSpc>
               <a:spcPct val="90000"/>
             </a:lnSpc>
@@ -1484,7 +1546,6 @@
             <a:spcAft>
               <a:spcPct val="35000"/>
             </a:spcAft>
-            <a:buNone/>
           </a:pPr>
           <a:r>
             <a:rPr lang="en-US" sz="2000" kern="1200" dirty="0"/>
@@ -1605,7 +1666,7 @@
         </a:bodyPr>
         <a:lstStyle/>
         <a:p>
-          <a:pPr marL="0" lvl="0" indent="0" algn="l" defTabSz="889000">
+          <a:pPr lvl="0" algn="l" defTabSz="889000">
             <a:lnSpc>
               <a:spcPct val="90000"/>
             </a:lnSpc>
@@ -1615,7 +1676,6 @@
             <a:spcAft>
               <a:spcPct val="35000"/>
             </a:spcAft>
-            <a:buNone/>
           </a:pPr>
           <a:r>
             <a:rPr lang="en-US" sz="2000" kern="1200" dirty="0" err="1"/>
@@ -1756,7 +1816,7 @@
         </a:bodyPr>
         <a:lstStyle/>
         <a:p>
-          <a:pPr marL="0" lvl="0" indent="0" algn="l" defTabSz="889000">
+          <a:pPr lvl="0" algn="l" defTabSz="889000">
             <a:lnSpc>
               <a:spcPct val="90000"/>
             </a:lnSpc>
@@ -1766,7 +1826,6 @@
             <a:spcAft>
               <a:spcPct val="35000"/>
             </a:spcAft>
-            <a:buNone/>
           </a:pPr>
           <a:r>
             <a:rPr lang="en-US" sz="2000" kern="1200" dirty="0" err="1"/>
@@ -1899,7 +1958,7 @@
         </a:bodyPr>
         <a:lstStyle/>
         <a:p>
-          <a:pPr marL="0" lvl="0" indent="0" algn="l" defTabSz="889000">
+          <a:pPr lvl="0" algn="l" defTabSz="889000">
             <a:lnSpc>
               <a:spcPct val="90000"/>
             </a:lnSpc>
@@ -1909,7 +1968,6 @@
             <a:spcAft>
               <a:spcPct val="35000"/>
             </a:spcAft>
-            <a:buNone/>
           </a:pPr>
           <a:r>
             <a:rPr lang="en-US" sz="2000" kern="1200" dirty="0" err="1"/>
@@ -2026,7 +2084,7 @@
         </a:bodyPr>
         <a:lstStyle/>
         <a:p>
-          <a:pPr marL="0" lvl="0" indent="0" algn="l" defTabSz="889000">
+          <a:pPr lvl="0" algn="l" defTabSz="889000">
             <a:lnSpc>
               <a:spcPct val="90000"/>
             </a:lnSpc>
@@ -2036,7 +2094,6 @@
             <a:spcAft>
               <a:spcPct val="35000"/>
             </a:spcAft>
-            <a:buNone/>
           </a:pPr>
           <a:r>
             <a:rPr lang="en-US" sz="2000" kern="1200" dirty="0"/>
@@ -2152,7 +2209,7 @@
         </a:bodyPr>
         <a:lstStyle/>
         <a:p>
-          <a:pPr marL="0" lvl="0" indent="0" algn="l" defTabSz="889000">
+          <a:pPr lvl="0" algn="l" defTabSz="889000">
             <a:lnSpc>
               <a:spcPct val="90000"/>
             </a:lnSpc>
@@ -2162,7 +2219,6 @@
             <a:spcAft>
               <a:spcPct val="35000"/>
             </a:spcAft>
-            <a:buNone/>
           </a:pPr>
           <a:r>
             <a:rPr lang="en-US" sz="2000" kern="1200" dirty="0" err="1"/>
@@ -4634,7 +4690,7 @@
             <a:pPr algn="l"/>
             <a:fld id="{05678B58-29F7-43B5-A88E-F84FB71302E5}" type="datetime1">
               <a:rPr lang="de-DE" sz="800" smtClean="0"/>
-              <a:t>03.10.2019</a:t>
+              <a:t>07.10.2019</a:t>
             </a:fld>
             <a:endParaRPr lang="en-US" sz="800"/>
           </a:p>
@@ -4705,7 +4761,7 @@
             <a:fld id="{EE9A79A6-2547-4C8F-B0ED-316280A1A122}" type="slidenum">
               <a:rPr lang="en-US" sz="800" smtClean="0"/>
               <a:pPr algn="l"/>
-              <a:t>‹Nr.›</a:t>
+              <a:t>‹#›</a:t>
             </a:fld>
             <a:endParaRPr lang="en-US" sz="800"/>
           </a:p>
@@ -4829,7 +4885,7 @@
           <a:p>
             <a:fld id="{524274F6-90C8-4C85-888C-18FA9E2C0D49}" type="datetime1">
               <a:rPr lang="de-DE" smtClean="0"/>
-              <a:t>03.10.2019</a:t>
+              <a:t>07.10.2019</a:t>
             </a:fld>
             <a:endParaRPr lang="en-US"/>
           </a:p>
@@ -4993,7 +5049,7 @@
             <a:fld id="{05DD1DF0-DD4E-4B0C-B0FD-D16D9D2A9750}" type="slidenum">
               <a:rPr lang="en-US" smtClean="0"/>
               <a:pPr/>
-              <a:t>‹Nr.›</a:t>
+              <a:t>‹#›</a:t>
             </a:fld>
             <a:endParaRPr lang="en-US"/>
           </a:p>
@@ -5171,7 +5227,7 @@
       </p:grpSpPr>
       <p:sp>
         <p:nvSpPr>
-          <p:cNvPr id="2" name="Folienbildplatzhalter 1"/>
+          <p:cNvPr id="2" name="Slide Image Placeholder 1"/>
           <p:cNvSpPr>
             <a:spLocks noGrp="1" noRot="1" noChangeAspect="1"/>
           </p:cNvSpPr>
@@ -5188,7 +5244,7 @@
       </p:sp>
       <p:sp>
         <p:nvSpPr>
-          <p:cNvPr id="3" name="Notizenplatzhalter 2"/>
+          <p:cNvPr id="3" name="Notes Placeholder 2"/>
           <p:cNvSpPr>
             <a:spLocks noGrp="1"/>
           </p:cNvSpPr>
@@ -5201,13 +5257,13 @@
           <a:bodyPr/>
           <a:lstStyle/>
           <a:p>
-            <a:endParaRPr lang="de-DE"/>
-          </a:p>
-        </p:txBody>
-      </p:sp>
-      <p:sp>
-        <p:nvSpPr>
-          <p:cNvPr id="4" name="Kopfzeilenplatzhalter 3"/>
+            <a:endParaRPr lang="de-DE" dirty="0"/>
+          </a:p>
+        </p:txBody>
+      </p:sp>
+      <p:sp>
+        <p:nvSpPr>
+          <p:cNvPr id="4" name="Header Placeholder 3"/>
           <p:cNvSpPr>
             <a:spLocks noGrp="1"/>
           </p:cNvSpPr>
@@ -5221,15 +5277,16 @@
           <a:lstStyle/>
           <a:p>
             <a:r>
-              <a:rPr lang="en-US"/>
+              <a:rPr lang="en-US" smtClean="0"/>
               <a:t>Titel der Präsentation</a:t>
             </a:r>
-          </a:p>
-        </p:txBody>
-      </p:sp>
-      <p:sp>
-        <p:nvSpPr>
-          <p:cNvPr id="5" name="Datumsplatzhalter 4"/>
+            <a:endParaRPr lang="en-US"/>
+          </a:p>
+        </p:txBody>
+      </p:sp>
+      <p:sp>
+        <p:nvSpPr>
+          <p:cNvPr id="5" name="Date Placeholder 4"/>
           <p:cNvSpPr>
             <a:spLocks noGrp="1"/>
           </p:cNvSpPr>
@@ -5242,9 +5299,9 @@
           <a:bodyPr/>
           <a:lstStyle/>
           <a:p>
-            <a:fld id="{D8AC4B44-BCE5-4AC0-8DC9-C90CC9E46EC2}" type="datetime1">
+            <a:fld id="{524274F6-90C8-4C85-888C-18FA9E2C0D49}" type="datetime1">
               <a:rPr lang="de-DE" smtClean="0"/>
-              <a:t>03.10.2019</a:t>
+              <a:t>07.10.2019</a:t>
             </a:fld>
             <a:endParaRPr lang="en-US"/>
           </a:p>
@@ -5252,7 +5309,7 @@
       </p:sp>
       <p:sp>
         <p:nvSpPr>
-          <p:cNvPr id="6" name="Fußzeilenplatzhalter 5"/>
+          <p:cNvPr id="6" name="Footer Placeholder 5"/>
           <p:cNvSpPr>
             <a:spLocks noGrp="1"/>
           </p:cNvSpPr>
@@ -5266,7 +5323,7 @@
           <a:lstStyle/>
           <a:p>
             <a:r>
-              <a:rPr lang="en-US"/>
+              <a:rPr lang="en-US" smtClean="0"/>
               <a:t>Universität Stuttgart</a:t>
             </a:r>
             <a:endParaRPr lang="en-US" dirty="0"/>
@@ -5275,7 +5332,7 @@
       </p:sp>
       <p:sp>
         <p:nvSpPr>
-          <p:cNvPr id="7" name="Foliennummernplatzhalter 6"/>
+          <p:cNvPr id="7" name="Slide Number Placeholder 6"/>
           <p:cNvSpPr>
             <a:spLocks noGrp="1"/>
           </p:cNvSpPr>
@@ -5291,7 +5348,165 @@
             <a:fld id="{05DD1DF0-DD4E-4B0C-B0FD-D16D9D2A9750}" type="slidenum">
               <a:rPr lang="en-US" smtClean="0"/>
               <a:pPr/>
-              <a:t>23</a:t>
+              <a:t>13</a:t>
+            </a:fld>
+            <a:endParaRPr lang="en-US"/>
+          </a:p>
+        </p:txBody>
+      </p:sp>
+    </p:spTree>
+    <p:extLst>
+      <p:ext uri="{BB962C8B-B14F-4D97-AF65-F5344CB8AC3E}">
+        <p14:creationId xmlns:p14="http://schemas.microsoft.com/office/powerpoint/2010/main" val="3085559733"/>
+      </p:ext>
+    </p:extLst>
+  </p:cSld>
+  <p:clrMapOvr>
+    <a:masterClrMapping/>
+  </p:clrMapOvr>
+</p:notes>
+</file>
+
+<file path=ppt/notesSlides/notesSlide2.xml><?xml version="1.0" encoding="utf-8"?>
+<p:notes xmlns:a="http://schemas.openxmlformats.org/drawingml/2006/main" xmlns:r="http://schemas.openxmlformats.org/officeDocument/2006/relationships" xmlns:p="http://schemas.openxmlformats.org/presentationml/2006/main">
+  <p:cSld>
+    <p:spTree>
+      <p:nvGrpSpPr>
+        <p:cNvPr id="1" name=""/>
+        <p:cNvGrpSpPr/>
+        <p:nvPr/>
+      </p:nvGrpSpPr>
+      <p:grpSpPr>
+        <a:xfrm>
+          <a:off x="0" y="0"/>
+          <a:ext cx="0" cy="0"/>
+          <a:chOff x="0" y="0"/>
+          <a:chExt cx="0" cy="0"/>
+        </a:xfrm>
+      </p:grpSpPr>
+      <p:sp>
+        <p:nvSpPr>
+          <p:cNvPr id="2" name="Folienbildplatzhalter 1"/>
+          <p:cNvSpPr>
+            <a:spLocks noGrp="1" noRot="1" noChangeAspect="1"/>
+          </p:cNvSpPr>
+          <p:nvPr>
+            <p:ph type="sldImg"/>
+          </p:nvPr>
+        </p:nvSpPr>
+        <p:spPr>
+          <a:xfrm>
+            <a:off x="468313" y="1009650"/>
+            <a:ext cx="4937125" cy="3086100"/>
+          </a:xfrm>
+        </p:spPr>
+      </p:sp>
+      <p:sp>
+        <p:nvSpPr>
+          <p:cNvPr id="3" name="Notizenplatzhalter 2"/>
+          <p:cNvSpPr>
+            <a:spLocks noGrp="1"/>
+          </p:cNvSpPr>
+          <p:nvPr>
+            <p:ph type="body" idx="1"/>
+          </p:nvPr>
+        </p:nvSpPr>
+        <p:spPr/>
+        <p:txBody>
+          <a:bodyPr/>
+          <a:lstStyle/>
+          <a:p>
+            <a:endParaRPr lang="de-DE"/>
+          </a:p>
+        </p:txBody>
+      </p:sp>
+      <p:sp>
+        <p:nvSpPr>
+          <p:cNvPr id="4" name="Kopfzeilenplatzhalter 3"/>
+          <p:cNvSpPr>
+            <a:spLocks noGrp="1"/>
+          </p:cNvSpPr>
+          <p:nvPr>
+            <p:ph type="hdr" sz="quarter" idx="10"/>
+          </p:nvPr>
+        </p:nvSpPr>
+        <p:spPr/>
+        <p:txBody>
+          <a:bodyPr/>
+          <a:lstStyle/>
+          <a:p>
+            <a:r>
+              <a:rPr lang="en-US"/>
+              <a:t>Titel der Präsentation</a:t>
+            </a:r>
+          </a:p>
+        </p:txBody>
+      </p:sp>
+      <p:sp>
+        <p:nvSpPr>
+          <p:cNvPr id="5" name="Datumsplatzhalter 4"/>
+          <p:cNvSpPr>
+            <a:spLocks noGrp="1"/>
+          </p:cNvSpPr>
+          <p:nvPr>
+            <p:ph type="dt" idx="11"/>
+          </p:nvPr>
+        </p:nvSpPr>
+        <p:spPr/>
+        <p:txBody>
+          <a:bodyPr/>
+          <a:lstStyle/>
+          <a:p>
+            <a:fld id="{D8AC4B44-BCE5-4AC0-8DC9-C90CC9E46EC2}" type="datetime1">
+              <a:rPr lang="de-DE" smtClean="0"/>
+              <a:t>07.10.2019</a:t>
+            </a:fld>
+            <a:endParaRPr lang="en-US"/>
+          </a:p>
+        </p:txBody>
+      </p:sp>
+      <p:sp>
+        <p:nvSpPr>
+          <p:cNvPr id="6" name="Fußzeilenplatzhalter 5"/>
+          <p:cNvSpPr>
+            <a:spLocks noGrp="1"/>
+          </p:cNvSpPr>
+          <p:nvPr>
+            <p:ph type="ftr" sz="quarter" idx="12"/>
+          </p:nvPr>
+        </p:nvSpPr>
+        <p:spPr/>
+        <p:txBody>
+          <a:bodyPr/>
+          <a:lstStyle/>
+          <a:p>
+            <a:r>
+              <a:rPr lang="en-US"/>
+              <a:t>Universität Stuttgart</a:t>
+            </a:r>
+            <a:endParaRPr lang="en-US" dirty="0"/>
+          </a:p>
+        </p:txBody>
+      </p:sp>
+      <p:sp>
+        <p:nvSpPr>
+          <p:cNvPr id="7" name="Foliennummernplatzhalter 6"/>
+          <p:cNvSpPr>
+            <a:spLocks noGrp="1"/>
+          </p:cNvSpPr>
+          <p:nvPr>
+            <p:ph type="sldNum" sz="quarter" idx="13"/>
+          </p:nvPr>
+        </p:nvSpPr>
+        <p:spPr/>
+        <p:txBody>
+          <a:bodyPr/>
+          <a:lstStyle/>
+          <a:p>
+            <a:fld id="{05DD1DF0-DD4E-4B0C-B0FD-D16D9D2A9750}" type="slidenum">
+              <a:rPr lang="en-US" smtClean="0"/>
+              <a:pPr/>
+              <a:t>29</a:t>
             </a:fld>
             <a:endParaRPr lang="en-US"/>
           </a:p>
@@ -5684,7 +5899,7 @@
           <a:p>
             <a:fld id="{EA98A628-7172-4A4C-A92C-F4FBC462B603}" type="datetime1">
               <a:rPr lang="de-DE" smtClean="0"/>
-              <a:t>03.10.2019</a:t>
+              <a:t>07.10.2019</a:t>
             </a:fld>
             <a:endParaRPr lang="de-DE" dirty="0"/>
           </a:p>
@@ -5730,7 +5945,7 @@
           <a:p>
             <a:fld id="{9E82CC3C-1DC0-4FDA-9590-6CC506AB67F8}" type="slidenum">
               <a:rPr lang="de-DE" smtClean="0"/>
-              <a:t>‹Nr.›</a:t>
+              <a:t>‹#›</a:t>
             </a:fld>
             <a:endParaRPr lang="de-DE" dirty="0"/>
           </a:p>
@@ -6122,7 +6337,7 @@
           <a:p>
             <a:fld id="{66A0115B-BFC9-482D-B28A-947538CA7DD8}" type="datetime1">
               <a:rPr lang="de-DE" smtClean="0"/>
-              <a:t>03.10.2019</a:t>
+              <a:t>07.10.2019</a:t>
             </a:fld>
             <a:endParaRPr lang="de-DE" dirty="0"/>
           </a:p>
@@ -6169,7 +6384,7 @@
             <a:fld id="{9E82CC3C-1DC0-4FDA-9590-6CC506AB67F8}" type="slidenum">
               <a:rPr lang="de-DE" smtClean="0"/>
               <a:pPr/>
-              <a:t>‹Nr.›</a:t>
+              <a:t>‹#›</a:t>
             </a:fld>
             <a:endParaRPr lang="de-DE" dirty="0"/>
           </a:p>
@@ -6685,7 +6900,7 @@
           <a:p>
             <a:fld id="{1A352950-E8A7-446F-9635-6156476737E1}" type="datetime1">
               <a:rPr lang="de-DE" smtClean="0"/>
-              <a:t>03.10.2019</a:t>
+              <a:t>07.10.2019</a:t>
             </a:fld>
             <a:endParaRPr lang="de-DE" dirty="0"/>
           </a:p>
@@ -6732,7 +6947,7 @@
             <a:fld id="{9E82CC3C-1DC0-4FDA-9590-6CC506AB67F8}" type="slidenum">
               <a:rPr lang="de-DE" smtClean="0"/>
               <a:pPr/>
-              <a:t>‹Nr.›</a:t>
+              <a:t>‹#›</a:t>
             </a:fld>
             <a:endParaRPr lang="de-DE" dirty="0"/>
           </a:p>
@@ -7048,7 +7263,7 @@
           <a:p>
             <a:fld id="{EA790DBB-EA43-4F1D-8076-AD78C4798713}" type="datetime1">
               <a:rPr lang="de-DE" smtClean="0"/>
-              <a:t>03.10.2019</a:t>
+              <a:t>07.10.2019</a:t>
             </a:fld>
             <a:endParaRPr lang="de-DE" dirty="0"/>
           </a:p>
@@ -7095,7 +7310,7 @@
             <a:fld id="{9E82CC3C-1DC0-4FDA-9590-6CC506AB67F8}" type="slidenum">
               <a:rPr lang="de-DE" smtClean="0"/>
               <a:pPr/>
-              <a:t>‹Nr.›</a:t>
+              <a:t>‹#›</a:t>
             </a:fld>
             <a:endParaRPr lang="de-DE" dirty="0"/>
           </a:p>
@@ -7643,7 +7858,7 @@
           <a:p>
             <a:fld id="{8AB42E23-2243-48C5-9F54-AE752A6DBAAF}" type="datetime1">
               <a:rPr lang="de-DE" smtClean="0"/>
-              <a:t>03.10.2019</a:t>
+              <a:t>07.10.2019</a:t>
             </a:fld>
             <a:endParaRPr lang="de-DE" dirty="0"/>
           </a:p>
@@ -7690,7 +7905,7 @@
             <a:fld id="{9E82CC3C-1DC0-4FDA-9590-6CC506AB67F8}" type="slidenum">
               <a:rPr lang="de-DE" smtClean="0"/>
               <a:pPr/>
-              <a:t>‹Nr.›</a:t>
+              <a:t>‹#›</a:t>
             </a:fld>
             <a:endParaRPr lang="de-DE" dirty="0"/>
           </a:p>
@@ -8458,7 +8673,7 @@
           <a:p>
             <a:fld id="{33793523-1E76-48CE-BCCA-9644B8CC78AE}" type="datetime1">
               <a:rPr lang="de-DE" smtClean="0"/>
-              <a:t>03.10.2019</a:t>
+              <a:t>07.10.2019</a:t>
             </a:fld>
             <a:endParaRPr lang="de-DE" dirty="0"/>
           </a:p>
@@ -8505,7 +8720,7 @@
             <a:fld id="{9E82CC3C-1DC0-4FDA-9590-6CC506AB67F8}" type="slidenum">
               <a:rPr lang="de-DE" smtClean="0"/>
               <a:pPr/>
-              <a:t>‹Nr.›</a:t>
+              <a:t>‹#›</a:t>
             </a:fld>
             <a:endParaRPr lang="de-DE" dirty="0"/>
           </a:p>
@@ -9448,7 +9663,7 @@
           <a:p>
             <a:fld id="{9493E625-385D-4E9A-9226-6C1BE89CFC6C}" type="datetime1">
               <a:rPr lang="de-DE" smtClean="0"/>
-              <a:t>03.10.2019</a:t>
+              <a:t>07.10.2019</a:t>
             </a:fld>
             <a:endParaRPr lang="de-DE" dirty="0"/>
           </a:p>
@@ -9494,7 +9709,7 @@
           <a:p>
             <a:fld id="{9E82CC3C-1DC0-4FDA-9590-6CC506AB67F8}" type="slidenum">
               <a:rPr lang="de-DE" smtClean="0"/>
-              <a:t>‹Nr.›</a:t>
+              <a:t>‹#›</a:t>
             </a:fld>
             <a:endParaRPr lang="de-DE" dirty="0"/>
           </a:p>
@@ -9603,7 +9818,7 @@
           <a:p>
             <a:fld id="{8061902C-06AC-41FE-818E-394A3F701640}" type="datetime1">
               <a:rPr lang="de-DE" smtClean="0"/>
-              <a:t>03.10.2019</a:t>
+              <a:t>07.10.2019</a:t>
             </a:fld>
             <a:endParaRPr lang="de-DE" dirty="0"/>
           </a:p>
@@ -9649,7 +9864,7 @@
           <a:p>
             <a:fld id="{9E82CC3C-1DC0-4FDA-9590-6CC506AB67F8}" type="slidenum">
               <a:rPr lang="de-DE" smtClean="0"/>
-              <a:t>‹Nr.›</a:t>
+              <a:t>‹#›</a:t>
             </a:fld>
             <a:endParaRPr lang="de-DE" dirty="0"/>
           </a:p>
@@ -12189,7 +12404,7 @@
           <a:p>
             <a:fld id="{92945389-04B4-460D-BD35-C57D41A2ECAA}" type="datetime1">
               <a:rPr lang="de-DE" smtClean="0"/>
-              <a:t>03.10.2019</a:t>
+              <a:t>07.10.2019</a:t>
             </a:fld>
             <a:endParaRPr lang="de-DE" dirty="0"/>
           </a:p>
@@ -12235,7 +12450,7 @@
           <a:p>
             <a:fld id="{9E82CC3C-1DC0-4FDA-9590-6CC506AB67F8}" type="slidenum">
               <a:rPr lang="de-DE" smtClean="0"/>
-              <a:t>‹Nr.›</a:t>
+              <a:t>‹#›</a:t>
             </a:fld>
             <a:endParaRPr lang="de-DE" dirty="0"/>
           </a:p>
@@ -12925,7 +13140,7 @@
           <a:p>
             <a:fld id="{DC531A50-22C7-48FE-9740-7229CB9EE850}" type="datetime1">
               <a:rPr lang="de-DE" smtClean="0"/>
-              <a:t>03.10.2019</a:t>
+              <a:t>07.10.2019</a:t>
             </a:fld>
             <a:endParaRPr lang="de-DE" dirty="0"/>
           </a:p>
@@ -12971,7 +13186,7 @@
           <a:p>
             <a:fld id="{9E82CC3C-1DC0-4FDA-9590-6CC506AB67F8}" type="slidenum">
               <a:rPr lang="de-DE" smtClean="0"/>
-              <a:t>‹Nr.›</a:t>
+              <a:t>‹#›</a:t>
             </a:fld>
             <a:endParaRPr lang="de-DE" dirty="0"/>
           </a:p>
@@ -13766,7 +13981,7 @@
           <a:p>
             <a:fld id="{1CA609B7-2FC3-4A12-B649-46E5D457F441}" type="datetime1">
               <a:rPr lang="de-DE" smtClean="0"/>
-              <a:t>03.10.2019</a:t>
+              <a:t>07.10.2019</a:t>
             </a:fld>
             <a:endParaRPr lang="de-DE" dirty="0"/>
           </a:p>
@@ -13812,7 +14027,7 @@
           <a:p>
             <a:fld id="{9E82CC3C-1DC0-4FDA-9590-6CC506AB67F8}" type="slidenum">
               <a:rPr lang="de-DE" smtClean="0"/>
-              <a:t>‹Nr.›</a:t>
+              <a:t>‹#›</a:t>
             </a:fld>
             <a:endParaRPr lang="de-DE" dirty="0"/>
           </a:p>
@@ -14046,7 +14261,7 @@
           <a:p>
             <a:fld id="{9304C072-D1E0-494E-8845-79EF4D433966}" type="datetime1">
               <a:rPr lang="de-DE" smtClean="0"/>
-              <a:t>03.10.2019</a:t>
+              <a:t>07.10.2019</a:t>
             </a:fld>
             <a:endParaRPr lang="de-DE" dirty="0"/>
           </a:p>
@@ -14092,7 +14307,7 @@
           <a:p>
             <a:fld id="{9E82CC3C-1DC0-4FDA-9590-6CC506AB67F8}" type="slidenum">
               <a:rPr lang="de-DE" smtClean="0"/>
-              <a:t>‹Nr.›</a:t>
+              <a:t>‹#›</a:t>
             </a:fld>
             <a:endParaRPr lang="de-DE" dirty="0"/>
           </a:p>
@@ -14383,7 +14598,7 @@
           <a:p>
             <a:fld id="{63E34EFC-B168-4600-AE6F-91896D204220}" type="datetime1">
               <a:rPr lang="de-DE" smtClean="0"/>
-              <a:t>03.10.2019</a:t>
+              <a:t>07.10.2019</a:t>
             </a:fld>
             <a:endParaRPr lang="de-DE" dirty="0"/>
           </a:p>
@@ -14429,7 +14644,7 @@
           <a:p>
             <a:fld id="{9E82CC3C-1DC0-4FDA-9590-6CC506AB67F8}" type="slidenum">
               <a:rPr lang="de-DE" smtClean="0"/>
-              <a:t>‹Nr.›</a:t>
+              <a:t>‹#›</a:t>
             </a:fld>
             <a:endParaRPr lang="de-DE" dirty="0"/>
           </a:p>
@@ -14717,7 +14932,7 @@
           <a:p>
             <a:fld id="{EC8B0251-818D-4F44-84C8-E48154B91DB0}" type="datetime1">
               <a:rPr lang="de-DE" smtClean="0"/>
-              <a:t>03.10.2019</a:t>
+              <a:t>07.10.2019</a:t>
             </a:fld>
             <a:endParaRPr lang="en-US"/>
           </a:p>
@@ -14800,7 +15015,7 @@
             <a:fld id="{9E82CC3C-1DC0-4FDA-9590-6CC506AB67F8}" type="slidenum">
               <a:rPr lang="en-US" smtClean="0"/>
               <a:pPr/>
-              <a:t>‹Nr.›</a:t>
+              <a:t>‹#›</a:t>
             </a:fld>
             <a:endParaRPr lang="en-US" dirty="0"/>
           </a:p>
@@ -15416,6 +15631,13 @@
   <p:clrMapOvr>
     <a:masterClrMapping/>
   </p:clrMapOvr>
+  <p:timing>
+    <p:tnLst>
+      <p:par>
+        <p:cTn id="1" dur="indefinite" restart="never" nodeType="tmRoot"/>
+      </p:par>
+    </p:tnLst>
+  </p:timing>
 </p:sld>
 </file>
 
@@ -15441,7 +15663,7 @@
           <p:cNvPr id="2" name="Inhaltsplatzhalter 1">
             <a:extLst>
               <a:ext uri="{FF2B5EF4-FFF2-40B4-BE49-F238E27FC236}">
-                <a16:creationId xmlns:a16="http://schemas.microsoft.com/office/drawing/2014/main" id="{2830BCA5-3ECC-4769-90EC-9E8FC064E7AC}"/>
+                <a16:creationId xmlns:a16="http://schemas.microsoft.com/office/drawing/2014/main" id="{EDACDCA8-FE32-4E62-9E36-303D2720D324}"/>
               </a:ext>
             </a:extLst>
           </p:cNvPr>
@@ -15458,8 +15680,20 @@
           <a:lstStyle/>
           <a:p>
             <a:r>
+              <a:rPr lang="en-GB" dirty="0"/>
+              <a:t>Dual-Memory </a:t>
+            </a:r>
+            <a:r>
               <a:rPr lang="en-GB" dirty="0" err="1"/>
-              <a:t>Daten</a:t>
+              <a:t>Methode</a:t>
+            </a:r>
+            <a:endParaRPr lang="en-GB" dirty="0"/>
+          </a:p>
+          <a:p>
+            <a:pPr lvl="1"/>
+            <a:r>
+              <a:rPr lang="en-GB" dirty="0" err="1"/>
+              <a:t>Grundlagen</a:t>
             </a:r>
             <a:r>
               <a:rPr lang="en-GB" dirty="0"/>
@@ -15471,11 +15705,22 @@
             </a:r>
             <a:r>
               <a:rPr lang="en-GB" dirty="0"/>
-              <a:t> </a:t>
-            </a:r>
+              <a:t> in </a:t>
+            </a:r>
+            <a:r>
+              <a:rPr lang="en-GB" i="1" dirty="0"/>
+              <a:t>Complementary Learning Systems</a:t>
+            </a:r>
+            <a:r>
+              <a:rPr lang="en-GB" dirty="0"/>
+              <a:t> (CLS):</a:t>
+            </a:r>
+          </a:p>
+          <a:p>
+            <a:pPr lvl="1"/>
             <a:r>
               <a:rPr lang="en-GB" dirty="0" err="1"/>
-              <a:t>nur</a:t>
+              <a:t>Biologisches</a:t>
             </a:r>
             <a:r>
               <a:rPr lang="en-GB" dirty="0"/>
@@ -15483,7 +15728,63 @@
             </a:r>
             <a:r>
               <a:rPr lang="en-GB" dirty="0" err="1"/>
-              <a:t>lokal</a:t>
+              <a:t>Prinzip</a:t>
+            </a:r>
+            <a:r>
+              <a:rPr lang="en-GB" dirty="0"/>
+              <a:t> des </a:t>
+            </a:r>
+            <a:r>
+              <a:rPr lang="en-GB" dirty="0" err="1"/>
+              <a:t>Gehirnes</a:t>
+            </a:r>
+            <a:r>
+              <a:rPr lang="en-GB" dirty="0"/>
+              <a:t> von </a:t>
+            </a:r>
+            <a:r>
+              <a:rPr lang="en-GB" dirty="0" err="1"/>
+              <a:t>Säugetieren</a:t>
+            </a:r>
+            <a:endParaRPr lang="en-GB" dirty="0"/>
+          </a:p>
+          <a:p>
+            <a:pPr lvl="1"/>
+            <a:endParaRPr lang="en-GB" dirty="0"/>
+          </a:p>
+          <a:p>
+            <a:pPr lvl="1"/>
+            <a:endParaRPr lang="en-GB" dirty="0"/>
+          </a:p>
+          <a:p>
+            <a:pPr lvl="1"/>
+            <a:endParaRPr lang="en-GB" dirty="0"/>
+          </a:p>
+          <a:p>
+            <a:pPr lvl="1"/>
+            <a:endParaRPr lang="en-GB" dirty="0"/>
+          </a:p>
+          <a:p>
+            <a:pPr lvl="1"/>
+            <a:endParaRPr lang="en-GB" dirty="0"/>
+          </a:p>
+          <a:p>
+            <a:pPr lvl="1"/>
+            <a:endParaRPr lang="en-GB" dirty="0" smtClean="0"/>
+          </a:p>
+          <a:p>
+            <a:pPr lvl="1"/>
+            <a:r>
+              <a:rPr lang="en-GB" dirty="0" smtClean="0"/>
+              <a:t>Hippocampus</a:t>
+            </a:r>
+            <a:r>
+              <a:rPr lang="en-GB" dirty="0"/>
+              <a:t>: </a:t>
+            </a:r>
+            <a:r>
+              <a:rPr lang="en-GB" dirty="0" err="1"/>
+              <a:t>Speicherung</a:t>
             </a:r>
             <a:r>
               <a:rPr lang="en-GB" dirty="0"/>
@@ -15491,23 +15792,7 @@
             </a:r>
             <a:r>
               <a:rPr lang="en-GB" dirty="0" err="1"/>
-              <a:t>vor</a:t>
-            </a:r>
-            <a:r>
-              <a:rPr lang="en-GB" dirty="0"/>
-              <a:t> (</a:t>
-            </a:r>
-            <a:r>
-              <a:rPr lang="en-GB" dirty="0" err="1"/>
-              <a:t>z.B</a:t>
-            </a:r>
-            <a:r>
-              <a:rPr lang="en-GB" dirty="0"/>
-              <a:t>. </a:t>
-            </a:r>
-            <a:r>
-              <a:rPr lang="en-GB" dirty="0" err="1"/>
-              <a:t>sicherheitskritische</a:t>
+              <a:t>frischer</a:t>
             </a:r>
             <a:r>
               <a:rPr lang="en-GB" dirty="0"/>
@@ -15515,11 +15800,11 @@
             </a:r>
             <a:r>
               <a:rPr lang="en-GB" dirty="0" err="1"/>
-              <a:t>Daten</a:t>
+              <a:t>Erinnerung</a:t>
             </a:r>
             <a:r>
               <a:rPr lang="en-GB" dirty="0"/>
-              <a:t>) </a:t>
+              <a:t> </a:t>
             </a:r>
             <a:r>
               <a:rPr lang="en-GB" dirty="0">
@@ -15531,7 +15816,49 @@
               <a:rPr lang="en-GB" dirty="0" err="1">
                 <a:sym typeface="Wingdings" panose="05000000000000000000" pitchFamily="2" charset="2"/>
               </a:rPr>
-              <a:t>Verteiltes</a:t>
+              <a:t>Schnelllernend</a:t>
+            </a:r>
+            <a:endParaRPr lang="en-GB" dirty="0">
+              <a:sym typeface="Wingdings" panose="05000000000000000000" pitchFamily="2" charset="2"/>
+            </a:endParaRPr>
+          </a:p>
+          <a:p>
+            <a:pPr lvl="1"/>
+            <a:r>
+              <a:rPr lang="en-GB" dirty="0">
+                <a:sym typeface="Wingdings" panose="05000000000000000000" pitchFamily="2" charset="2"/>
+              </a:rPr>
+              <a:t>Neocortex: </a:t>
+            </a:r>
+            <a:r>
+              <a:rPr lang="en-GB" dirty="0" err="1">
+                <a:sym typeface="Wingdings" panose="05000000000000000000" pitchFamily="2" charset="2"/>
+              </a:rPr>
+              <a:t>Generalisierung</a:t>
+            </a:r>
+            <a:r>
+              <a:rPr lang="en-GB" dirty="0">
+                <a:sym typeface="Wingdings" panose="05000000000000000000" pitchFamily="2" charset="2"/>
+              </a:rPr>
+              <a:t> der </a:t>
+            </a:r>
+            <a:r>
+              <a:rPr lang="en-GB" dirty="0" err="1">
+                <a:sym typeface="Wingdings" panose="05000000000000000000" pitchFamily="2" charset="2"/>
+              </a:rPr>
+              <a:t>Erinnerungen</a:t>
+            </a:r>
+            <a:r>
+              <a:rPr lang="en-GB" dirty="0">
+                <a:sym typeface="Wingdings" panose="05000000000000000000" pitchFamily="2" charset="2"/>
+              </a:rPr>
+              <a:t>  </a:t>
+            </a:r>
+            <a:r>
+              <a:rPr lang="en-GB" dirty="0" err="1">
+                <a:sym typeface="Wingdings" panose="05000000000000000000" pitchFamily="2" charset="2"/>
+              </a:rPr>
+              <a:t>Langsam</a:t>
             </a:r>
             <a:r>
               <a:rPr lang="en-GB" dirty="0">
@@ -15543,175 +15870,24 @@
               <a:rPr lang="en-GB" dirty="0" err="1">
                 <a:sym typeface="Wingdings" panose="05000000000000000000" pitchFamily="2" charset="2"/>
               </a:rPr>
-              <a:t>Lernen</a:t>
+              <a:t>Lernendes</a:t>
+            </a:r>
+            <a:r>
+              <a:rPr lang="en-GB" dirty="0">
+                <a:sym typeface="Wingdings" panose="05000000000000000000" pitchFamily="2" charset="2"/>
+              </a:rPr>
+              <a:t> </a:t>
+            </a:r>
+            <a:r>
+              <a:rPr lang="en-GB" dirty="0" err="1">
+                <a:sym typeface="Wingdings" panose="05000000000000000000" pitchFamily="2" charset="2"/>
+              </a:rPr>
+              <a:t>Netz</a:t>
             </a:r>
             <a:endParaRPr lang="en-GB" dirty="0"/>
           </a:p>
           <a:p>
-            <a:endParaRPr lang="en-GB" dirty="0"/>
-          </a:p>
-          <a:p>
-            <a:endParaRPr lang="en-GB" dirty="0"/>
-          </a:p>
-          <a:p>
-            <a:r>
-              <a:rPr lang="en-GB" dirty="0" err="1"/>
-              <a:t>Methoden</a:t>
-            </a:r>
-            <a:r>
-              <a:rPr lang="en-GB" dirty="0"/>
-              <a:t> </a:t>
-            </a:r>
-            <a:r>
-              <a:rPr lang="en-GB" dirty="0" err="1"/>
-              <a:t>für</a:t>
-            </a:r>
-            <a:r>
-              <a:rPr lang="en-GB" dirty="0"/>
-              <a:t> das </a:t>
-            </a:r>
-            <a:r>
-              <a:rPr lang="en-GB" dirty="0" err="1"/>
-              <a:t>verteilte</a:t>
-            </a:r>
-            <a:r>
-              <a:rPr lang="en-GB" dirty="0"/>
-              <a:t> </a:t>
-            </a:r>
-            <a:r>
-              <a:rPr lang="en-GB" dirty="0" err="1"/>
-              <a:t>Lernen</a:t>
-            </a:r>
-            <a:r>
-              <a:rPr lang="en-GB" dirty="0"/>
-              <a:t>:</a:t>
-            </a:r>
-          </a:p>
-          <a:p>
             <a:pPr lvl="1"/>
-            <a:r>
-              <a:rPr lang="en-GB" dirty="0"/>
-              <a:t>Modell-</a:t>
-            </a:r>
-            <a:r>
-              <a:rPr lang="en-GB" dirty="0" err="1"/>
-              <a:t>Übereinstimmung</a:t>
-            </a:r>
-            <a:endParaRPr lang="en-GB" dirty="0"/>
-          </a:p>
-          <a:p>
-            <a:pPr lvl="1"/>
-            <a:r>
-              <a:rPr lang="en-GB" dirty="0"/>
-              <a:t>Parameter-</a:t>
-            </a:r>
-            <a:r>
-              <a:rPr lang="en-GB" dirty="0" err="1"/>
-              <a:t>Verteilung</a:t>
-            </a:r>
-            <a:endParaRPr lang="en-GB" dirty="0"/>
-          </a:p>
-          <a:p>
-            <a:pPr lvl="1"/>
-            <a:r>
-              <a:rPr lang="en-GB" dirty="0" err="1"/>
-              <a:t>Föderiertes</a:t>
-            </a:r>
-            <a:r>
-              <a:rPr lang="en-GB" dirty="0"/>
-              <a:t> </a:t>
-            </a:r>
-            <a:r>
-              <a:rPr lang="en-GB" dirty="0" err="1"/>
-              <a:t>Lernen</a:t>
-            </a:r>
-            <a:r>
-              <a:rPr lang="en-GB" dirty="0"/>
-              <a:t> (</a:t>
-            </a:r>
-            <a:r>
-              <a:rPr lang="en-GB" i="1" dirty="0"/>
-              <a:t>Federated Learning</a:t>
-            </a:r>
-            <a:r>
-              <a:rPr lang="en-GB" dirty="0"/>
-              <a:t>)			</a:t>
-            </a:r>
-            <a:r>
-              <a:rPr lang="en-GB" sz="1000" dirty="0"/>
-              <a:t> 			[3]</a:t>
-            </a:r>
-          </a:p>
-          <a:p>
-            <a:pPr lvl="2"/>
-            <a:r>
-              <a:rPr lang="en-GB" dirty="0" err="1"/>
-              <a:t>Lokales</a:t>
-            </a:r>
-            <a:r>
-              <a:rPr lang="en-GB" dirty="0"/>
-              <a:t> Training auf Basis </a:t>
-            </a:r>
-            <a:r>
-              <a:rPr lang="en-GB" dirty="0" err="1"/>
-              <a:t>lokal</a:t>
-            </a:r>
-            <a:r>
-              <a:rPr lang="en-GB" dirty="0"/>
-              <a:t> </a:t>
-            </a:r>
-            <a:r>
-              <a:rPr lang="en-GB" dirty="0" err="1"/>
-              <a:t>vorhandener</a:t>
-            </a:r>
-            <a:r>
-              <a:rPr lang="en-GB" dirty="0"/>
-              <a:t>/</a:t>
-            </a:r>
-            <a:r>
-              <a:rPr lang="en-GB" dirty="0" err="1"/>
-              <a:t>auftretender</a:t>
-            </a:r>
-            <a:r>
-              <a:rPr lang="en-GB" dirty="0"/>
-              <a:t> </a:t>
-            </a:r>
-            <a:r>
-              <a:rPr lang="en-GB" dirty="0" err="1"/>
-              <a:t>Daten</a:t>
-            </a:r>
-            <a:endParaRPr lang="en-GB" dirty="0"/>
-          </a:p>
-          <a:p>
-            <a:pPr lvl="2"/>
-            <a:r>
-              <a:rPr lang="en-GB" dirty="0" err="1"/>
-              <a:t>Geänderte</a:t>
-            </a:r>
-            <a:r>
-              <a:rPr lang="en-GB" dirty="0"/>
-              <a:t> Parameter </a:t>
-            </a:r>
-            <a:r>
-              <a:rPr lang="de-DE" dirty="0"/>
-              <a:t>werden</a:t>
-            </a:r>
-            <a:r>
-              <a:rPr lang="en-GB" dirty="0"/>
-              <a:t> an </a:t>
-            </a:r>
-            <a:r>
-              <a:rPr lang="en-GB" dirty="0" err="1"/>
-              <a:t>zentralen</a:t>
-            </a:r>
-            <a:r>
-              <a:rPr lang="en-GB" dirty="0"/>
-              <a:t> Server </a:t>
-            </a:r>
-            <a:r>
-              <a:rPr lang="en-GB" dirty="0" err="1"/>
-              <a:t>geschickt</a:t>
-            </a:r>
             <a:endParaRPr lang="en-GB" dirty="0"/>
           </a:p>
         </p:txBody>
@@ -15721,7 +15897,7 @@
           <p:cNvPr id="3" name="Datumsplatzhalter 2">
             <a:extLst>
               <a:ext uri="{FF2B5EF4-FFF2-40B4-BE49-F238E27FC236}">
-                <a16:creationId xmlns:a16="http://schemas.microsoft.com/office/drawing/2014/main" id="{BC1ACDA0-B013-4C33-A448-6554874DC437}"/>
+                <a16:creationId xmlns:a16="http://schemas.microsoft.com/office/drawing/2014/main" id="{BA3BA6FA-117A-4CC0-A512-AE1BFD75114F}"/>
               </a:ext>
             </a:extLst>
           </p:cNvPr>
@@ -15739,7 +15915,7 @@
           <a:p>
             <a:fld id="{92945389-04B4-460D-BD35-C57D41A2ECAA}" type="datetime1">
               <a:rPr lang="de-DE" smtClean="0"/>
-              <a:t>03.10.2019</a:t>
+              <a:t>07.10.2019</a:t>
             </a:fld>
             <a:endParaRPr lang="de-DE" dirty="0"/>
           </a:p>
@@ -15750,7 +15926,7 @@
           <p:cNvPr id="4" name="Fußzeilenplatzhalter 3">
             <a:extLst>
               <a:ext uri="{FF2B5EF4-FFF2-40B4-BE49-F238E27FC236}">
-                <a16:creationId xmlns:a16="http://schemas.microsoft.com/office/drawing/2014/main" id="{BC9DAF66-D91E-4B9F-A1C4-1F36C18F20DC}"/>
+                <a16:creationId xmlns:a16="http://schemas.microsoft.com/office/drawing/2014/main" id="{271784B5-B8D0-49A6-8C1B-70F68A306B65}"/>
               </a:ext>
             </a:extLst>
           </p:cNvPr>
@@ -15779,7 +15955,7 @@
           <p:cNvPr id="5" name="Foliennummernplatzhalter 4">
             <a:extLst>
               <a:ext uri="{FF2B5EF4-FFF2-40B4-BE49-F238E27FC236}">
-                <a16:creationId xmlns:a16="http://schemas.microsoft.com/office/drawing/2014/main" id="{48D9C0EF-4469-40BC-AAC0-358532608853}"/>
+                <a16:creationId xmlns:a16="http://schemas.microsoft.com/office/drawing/2014/main" id="{0FBFB11A-0E3C-4568-ABCB-F24CB05E023B}"/>
               </a:ext>
             </a:extLst>
           </p:cNvPr>
@@ -15808,7 +15984,7 @@
           <p:cNvPr id="6" name="Textplatzhalter 5">
             <a:extLst>
               <a:ext uri="{FF2B5EF4-FFF2-40B4-BE49-F238E27FC236}">
-                <a16:creationId xmlns:a16="http://schemas.microsoft.com/office/drawing/2014/main" id="{343949EA-0BAE-4BE1-91B1-F3793185B601}"/>
+                <a16:creationId xmlns:a16="http://schemas.microsoft.com/office/drawing/2014/main" id="{04827E6E-E23D-4C34-AC8D-F0D70014AC67}"/>
               </a:ext>
             </a:extLst>
           </p:cNvPr>
@@ -15825,18 +16001,9 @@
           <a:lstStyle/>
           <a:p>
             <a:r>
-              <a:rPr lang="en-GB" dirty="0" err="1"/>
-              <a:t>Verteiltes</a:t>
-            </a:r>
-            <a:r>
-              <a:rPr lang="en-GB" dirty="0"/>
-              <a:t> </a:t>
-            </a:r>
-            <a:r>
-              <a:rPr lang="en-GB" dirty="0" err="1"/>
-              <a:t>Lernen</a:t>
-            </a:r>
-            <a:endParaRPr lang="en-GB" dirty="0"/>
+              <a:rPr lang="de-DE" dirty="0"/>
+              <a:t>Kontinuierliches Lernen</a:t>
+            </a:r>
           </a:p>
         </p:txBody>
       </p:sp>
@@ -15845,7 +16012,7 @@
           <p:cNvPr id="7" name="Titel 6">
             <a:extLst>
               <a:ext uri="{FF2B5EF4-FFF2-40B4-BE49-F238E27FC236}">
-                <a16:creationId xmlns:a16="http://schemas.microsoft.com/office/drawing/2014/main" id="{435149AE-E929-48C2-98B0-B43DD9CFC89F}"/>
+                <a16:creationId xmlns:a16="http://schemas.microsoft.com/office/drawing/2014/main" id="{811D3AD1-D75C-40A7-9286-543C024E6F06}"/>
               </a:ext>
             </a:extLst>
           </p:cNvPr>
@@ -15871,13 +16038,7 @@
       </p:sp>
       <p:pic>
         <p:nvPicPr>
-          <p:cNvPr id="8" name="Grafik 7">
-            <a:extLst>
-              <a:ext uri="{FF2B5EF4-FFF2-40B4-BE49-F238E27FC236}">
-                <a16:creationId xmlns:a16="http://schemas.microsoft.com/office/drawing/2014/main" id="{E1F32103-A9E4-4B33-9489-5FDA5894B66E}"/>
-              </a:ext>
-            </a:extLst>
-          </p:cNvPr>
+          <p:cNvPr id="11" name="Picture 10"/>
           <p:cNvPicPr>
             <a:picLocks noChangeAspect="1"/>
           </p:cNvPicPr>
@@ -15891,8 +16052,8 @@
         </p:blipFill>
         <p:spPr>
           <a:xfrm>
-            <a:off x="5449416" y="2119899"/>
-            <a:ext cx="3089784" cy="1742832"/>
+            <a:off x="2595684" y="2501783"/>
+            <a:ext cx="3952632" cy="2083034"/>
           </a:xfrm>
           <a:prstGeom prst="rect">
             <a:avLst/>
@@ -15902,13 +16063,20 @@
     </p:spTree>
     <p:extLst>
       <p:ext uri="{BB962C8B-B14F-4D97-AF65-F5344CB8AC3E}">
-        <p14:creationId xmlns:p14="http://schemas.microsoft.com/office/powerpoint/2010/main" val="3044886116"/>
+        <p14:creationId xmlns:p14="http://schemas.microsoft.com/office/powerpoint/2010/main" val="3544328586"/>
       </p:ext>
     </p:extLst>
   </p:cSld>
   <p:clrMapOvr>
     <a:masterClrMapping/>
   </p:clrMapOvr>
+  <p:timing>
+    <p:tnLst>
+      <p:par>
+        <p:cTn id="1" dur="indefinite" restart="never" nodeType="tmRoot"/>
+      </p:par>
+    </p:tnLst>
+  </p:timing>
 </p:sld>
 </file>
 
@@ -15931,10 +16099,10 @@
       </p:grpSpPr>
       <p:sp>
         <p:nvSpPr>
-          <p:cNvPr id="2" name="Titel 1">
+          <p:cNvPr id="2" name="Inhaltsplatzhalter 1">
             <a:extLst>
               <a:ext uri="{FF2B5EF4-FFF2-40B4-BE49-F238E27FC236}">
-                <a16:creationId xmlns:a16="http://schemas.microsoft.com/office/drawing/2014/main" id="{9E8C78BD-6B41-4A95-808F-6A5D0C6DB893}"/>
+                <a16:creationId xmlns:a16="http://schemas.microsoft.com/office/drawing/2014/main" id="{2830BCA5-3ECC-4769-90EC-9E8FC064E7AC}"/>
               </a:ext>
             </a:extLst>
           </p:cNvPr>
@@ -15942,7 +16110,7 @@
             <a:spLocks noGrp="1"/>
           </p:cNvSpPr>
           <p:nvPr>
-            <p:ph type="title"/>
+            <p:ph idx="1"/>
           </p:nvPr>
         </p:nvSpPr>
         <p:spPr/>
@@ -15951,35 +16119,264 @@
           <a:lstStyle/>
           <a:p>
             <a:r>
-              <a:rPr lang="en-US" dirty="0" err="1"/>
-              <a:t>Konzeption</a:t>
-            </a:r>
-            <a:r>
-              <a:rPr lang="en-US" dirty="0"/>
-              <a:t> L DNN und </a:t>
-            </a:r>
-            <a:r>
-              <a:rPr lang="en-US" dirty="0" err="1"/>
-              <a:t>prototypische</a:t>
-            </a:r>
-            <a:r>
-              <a:rPr lang="en-US" dirty="0"/>
+              <a:rPr lang="en-GB" dirty="0" err="1"/>
+              <a:t>Daten</a:t>
+            </a:r>
+            <a:r>
+              <a:rPr lang="en-GB" dirty="0"/>
               <a:t> </a:t>
             </a:r>
             <a:r>
-              <a:rPr lang="en-US" dirty="0" err="1"/>
-              <a:t>Umsetzung</a:t>
+              <a:rPr lang="en-GB" dirty="0" err="1"/>
+              <a:t>liegen</a:t>
+            </a:r>
+            <a:r>
+              <a:rPr lang="en-GB" dirty="0"/>
+              <a:t> </a:t>
+            </a:r>
+            <a:r>
+              <a:rPr lang="en-GB" dirty="0" err="1"/>
+              <a:t>nur</a:t>
+            </a:r>
+            <a:r>
+              <a:rPr lang="en-GB" dirty="0"/>
+              <a:t> </a:t>
+            </a:r>
+            <a:r>
+              <a:rPr lang="en-GB" dirty="0" err="1"/>
+              <a:t>lokal</a:t>
+            </a:r>
+            <a:r>
+              <a:rPr lang="en-GB" dirty="0"/>
+              <a:t> </a:t>
+            </a:r>
+            <a:r>
+              <a:rPr lang="en-GB" dirty="0" err="1"/>
+              <a:t>vor</a:t>
+            </a:r>
+            <a:r>
+              <a:rPr lang="en-GB" dirty="0"/>
+              <a:t> (</a:t>
+            </a:r>
+            <a:r>
+              <a:rPr lang="en-GB" dirty="0" err="1"/>
+              <a:t>z.B</a:t>
+            </a:r>
+            <a:r>
+              <a:rPr lang="en-GB" dirty="0"/>
+              <a:t>. </a:t>
+            </a:r>
+            <a:r>
+              <a:rPr lang="en-GB" dirty="0" err="1"/>
+              <a:t>sicherheitskritische</a:t>
+            </a:r>
+            <a:r>
+              <a:rPr lang="en-GB" dirty="0"/>
+              <a:t> </a:t>
+            </a:r>
+            <a:r>
+              <a:rPr lang="en-GB" dirty="0" err="1"/>
+              <a:t>Daten</a:t>
+            </a:r>
+            <a:r>
+              <a:rPr lang="en-GB" dirty="0"/>
+              <a:t>) </a:t>
+            </a:r>
+            <a:r>
+              <a:rPr lang="en-GB" dirty="0">
+                <a:sym typeface="Wingdings" panose="05000000000000000000" pitchFamily="2" charset="2"/>
+              </a:rPr>
+              <a:t> </a:t>
+            </a:r>
+            <a:r>
+              <a:rPr lang="en-GB" dirty="0" err="1">
+                <a:sym typeface="Wingdings" panose="05000000000000000000" pitchFamily="2" charset="2"/>
+              </a:rPr>
+              <a:t>Verteiltes</a:t>
+            </a:r>
+            <a:r>
+              <a:rPr lang="en-GB" dirty="0">
+                <a:sym typeface="Wingdings" panose="05000000000000000000" pitchFamily="2" charset="2"/>
+              </a:rPr>
+              <a:t> </a:t>
+            </a:r>
+            <a:r>
+              <a:rPr lang="en-GB" dirty="0" err="1">
+                <a:sym typeface="Wingdings" panose="05000000000000000000" pitchFamily="2" charset="2"/>
+              </a:rPr>
+              <a:t>Lernen</a:t>
             </a:r>
             <a:endParaRPr lang="en-GB" dirty="0"/>
           </a:p>
-        </p:txBody>
-      </p:sp>
-      <p:sp>
-        <p:nvSpPr>
-          <p:cNvPr id="3" name="Textplatzhalter 2">
+          <a:p>
+            <a:endParaRPr lang="en-GB" dirty="0" smtClean="0"/>
+          </a:p>
+          <a:p>
+            <a:r>
+              <a:rPr lang="en-GB" dirty="0" err="1" smtClean="0"/>
+              <a:t>Methoden</a:t>
+            </a:r>
+            <a:r>
+              <a:rPr lang="en-GB" dirty="0" smtClean="0"/>
+              <a:t> </a:t>
+            </a:r>
+            <a:r>
+              <a:rPr lang="en-GB" dirty="0" err="1"/>
+              <a:t>für</a:t>
+            </a:r>
+            <a:r>
+              <a:rPr lang="en-GB" dirty="0"/>
+              <a:t> das </a:t>
+            </a:r>
+            <a:r>
+              <a:rPr lang="en-GB" dirty="0" err="1"/>
+              <a:t>verteilte</a:t>
+            </a:r>
+            <a:r>
+              <a:rPr lang="en-GB" dirty="0"/>
+              <a:t> </a:t>
+            </a:r>
+            <a:r>
+              <a:rPr lang="en-GB" dirty="0" err="1"/>
+              <a:t>Lernen</a:t>
+            </a:r>
+            <a:r>
+              <a:rPr lang="en-GB" dirty="0"/>
+              <a:t>:</a:t>
+            </a:r>
+          </a:p>
+          <a:p>
+            <a:pPr lvl="1"/>
+            <a:r>
+              <a:rPr lang="en-GB" dirty="0"/>
+              <a:t>Modell-</a:t>
+            </a:r>
+            <a:r>
+              <a:rPr lang="en-GB" dirty="0" err="1"/>
+              <a:t>Übereinstimmung</a:t>
+            </a:r>
+            <a:endParaRPr lang="en-GB" dirty="0"/>
+          </a:p>
+          <a:p>
+            <a:pPr lvl="1"/>
+            <a:r>
+              <a:rPr lang="en-GB" dirty="0"/>
+              <a:t>Parameter-</a:t>
+            </a:r>
+            <a:r>
+              <a:rPr lang="en-GB" dirty="0" err="1"/>
+              <a:t>Verteilung</a:t>
+            </a:r>
+            <a:endParaRPr lang="en-GB" dirty="0"/>
+          </a:p>
+          <a:p>
+            <a:pPr lvl="1"/>
+            <a:r>
+              <a:rPr lang="en-GB" dirty="0" err="1"/>
+              <a:t>Föderiertes</a:t>
+            </a:r>
+            <a:r>
+              <a:rPr lang="en-GB" dirty="0"/>
+              <a:t> </a:t>
+            </a:r>
+            <a:r>
+              <a:rPr lang="en-GB" dirty="0" err="1"/>
+              <a:t>Lernen</a:t>
+            </a:r>
+            <a:r>
+              <a:rPr lang="en-GB" dirty="0"/>
+              <a:t> (</a:t>
+            </a:r>
+            <a:r>
+              <a:rPr lang="en-GB" i="1" dirty="0"/>
+              <a:t>Federated Learning</a:t>
+            </a:r>
+            <a:r>
+              <a:rPr lang="en-GB" dirty="0" smtClean="0"/>
+              <a:t>)</a:t>
+            </a:r>
+            <a:endParaRPr lang="en-GB" sz="1000" dirty="0"/>
+          </a:p>
+          <a:p>
+            <a:pPr lvl="2"/>
+            <a:r>
+              <a:rPr lang="en-GB" dirty="0" err="1"/>
+              <a:t>Lokales</a:t>
+            </a:r>
+            <a:r>
+              <a:rPr lang="en-GB" dirty="0"/>
+              <a:t> Training auf Basis </a:t>
+            </a:r>
+            <a:r>
+              <a:rPr lang="en-GB" dirty="0" err="1"/>
+              <a:t>lokal</a:t>
+            </a:r>
+            <a:r>
+              <a:rPr lang="en-GB" dirty="0"/>
+              <a:t> </a:t>
+            </a:r>
+            <a:r>
+              <a:rPr lang="en-GB" dirty="0" err="1"/>
+              <a:t>vorhandener</a:t>
+            </a:r>
+            <a:r>
+              <a:rPr lang="en-GB" dirty="0"/>
+              <a:t>/</a:t>
+            </a:r>
+            <a:r>
+              <a:rPr lang="en-GB" dirty="0" err="1"/>
+              <a:t>auftretender</a:t>
+            </a:r>
+            <a:r>
+              <a:rPr lang="en-GB" dirty="0"/>
+              <a:t> </a:t>
+            </a:r>
+            <a:r>
+              <a:rPr lang="en-GB" dirty="0" err="1"/>
+              <a:t>Daten</a:t>
+            </a:r>
+            <a:endParaRPr lang="en-GB" dirty="0"/>
+          </a:p>
+          <a:p>
+            <a:pPr lvl="2"/>
+            <a:r>
+              <a:rPr lang="en-GB" dirty="0" err="1"/>
+              <a:t>Geänderte</a:t>
+            </a:r>
+            <a:r>
+              <a:rPr lang="en-GB" dirty="0"/>
+              <a:t> Parameter </a:t>
+            </a:r>
+            <a:r>
+              <a:rPr lang="de-DE" dirty="0"/>
+              <a:t>werden</a:t>
+            </a:r>
+            <a:r>
+              <a:rPr lang="en-GB" dirty="0"/>
+              <a:t> an </a:t>
+            </a:r>
+            <a:r>
+              <a:rPr lang="en-GB" dirty="0" err="1"/>
+              <a:t>zentralen</a:t>
+            </a:r>
+            <a:r>
+              <a:rPr lang="en-GB" dirty="0"/>
+              <a:t> Server </a:t>
+            </a:r>
+            <a:r>
+              <a:rPr lang="en-GB" dirty="0" err="1"/>
+              <a:t>geschickt</a:t>
+            </a:r>
+            <a:endParaRPr lang="en-GB" dirty="0"/>
+          </a:p>
+        </p:txBody>
+      </p:sp>
+      <p:sp>
+        <p:nvSpPr>
+          <p:cNvPr id="3" name="Datumsplatzhalter 2">
             <a:extLst>
               <a:ext uri="{FF2B5EF4-FFF2-40B4-BE49-F238E27FC236}">
-                <a16:creationId xmlns:a16="http://schemas.microsoft.com/office/drawing/2014/main" id="{BC842E3C-5088-418B-AEC1-086B1C94B521}"/>
+                <a16:creationId xmlns:a16="http://schemas.microsoft.com/office/drawing/2014/main" id="{BC1ACDA0-B013-4C33-A448-6554874DC437}"/>
               </a:ext>
             </a:extLst>
           </p:cNvPr>
@@ -15987,7 +16384,7 @@
             <a:spLocks noGrp="1"/>
           </p:cNvSpPr>
           <p:nvPr>
-            <p:ph type="body" idx="1"/>
+            <p:ph type="dt" sz="half" idx="10"/>
           </p:nvPr>
         </p:nvSpPr>
         <p:spPr/>
@@ -15995,20 +16392,235 @@
           <a:bodyPr/>
           <a:lstStyle/>
           <a:p>
-            <a:endParaRPr lang="en-GB"/>
-          </a:p>
-        </p:txBody>
-      </p:sp>
+            <a:fld id="{92945389-04B4-460D-BD35-C57D41A2ECAA}" type="datetime1">
+              <a:rPr lang="de-DE" smtClean="0"/>
+              <a:t>07.10.2019</a:t>
+            </a:fld>
+            <a:endParaRPr lang="de-DE" dirty="0"/>
+          </a:p>
+        </p:txBody>
+      </p:sp>
+      <p:sp>
+        <p:nvSpPr>
+          <p:cNvPr id="4" name="Fußzeilenplatzhalter 3">
+            <a:extLst>
+              <a:ext uri="{FF2B5EF4-FFF2-40B4-BE49-F238E27FC236}">
+                <a16:creationId xmlns:a16="http://schemas.microsoft.com/office/drawing/2014/main" id="{BC9DAF66-D91E-4B9F-A1C4-1F36C18F20DC}"/>
+              </a:ext>
+            </a:extLst>
+          </p:cNvPr>
+          <p:cNvSpPr>
+            <a:spLocks noGrp="1"/>
+          </p:cNvSpPr>
+          <p:nvPr>
+            <p:ph type="ftr" sz="quarter" idx="11"/>
+          </p:nvPr>
+        </p:nvSpPr>
+        <p:spPr/>
+        <p:txBody>
+          <a:bodyPr/>
+          <a:lstStyle/>
+          <a:p>
+            <a:r>
+              <a:rPr lang="de-DE"/>
+              <a:t>Universität Stuttgart</a:t>
+            </a:r>
+            <a:endParaRPr lang="de-DE" dirty="0"/>
+          </a:p>
+        </p:txBody>
+      </p:sp>
+      <p:sp>
+        <p:nvSpPr>
+          <p:cNvPr id="5" name="Foliennummernplatzhalter 4">
+            <a:extLst>
+              <a:ext uri="{FF2B5EF4-FFF2-40B4-BE49-F238E27FC236}">
+                <a16:creationId xmlns:a16="http://schemas.microsoft.com/office/drawing/2014/main" id="{48D9C0EF-4469-40BC-AAC0-358532608853}"/>
+              </a:ext>
+            </a:extLst>
+          </p:cNvPr>
+          <p:cNvSpPr>
+            <a:spLocks noGrp="1"/>
+          </p:cNvSpPr>
+          <p:nvPr>
+            <p:ph type="sldNum" sz="quarter" idx="12"/>
+          </p:nvPr>
+        </p:nvSpPr>
+        <p:spPr/>
+        <p:txBody>
+          <a:bodyPr/>
+          <a:lstStyle/>
+          <a:p>
+            <a:fld id="{9E82CC3C-1DC0-4FDA-9590-6CC506AB67F8}" type="slidenum">
+              <a:rPr lang="de-DE" smtClean="0"/>
+              <a:t>11</a:t>
+            </a:fld>
+            <a:endParaRPr lang="de-DE" dirty="0"/>
+          </a:p>
+        </p:txBody>
+      </p:sp>
+      <p:sp>
+        <p:nvSpPr>
+          <p:cNvPr id="6" name="Textplatzhalter 5">
+            <a:extLst>
+              <a:ext uri="{FF2B5EF4-FFF2-40B4-BE49-F238E27FC236}">
+                <a16:creationId xmlns:a16="http://schemas.microsoft.com/office/drawing/2014/main" id="{343949EA-0BAE-4BE1-91B1-F3793185B601}"/>
+              </a:ext>
+            </a:extLst>
+          </p:cNvPr>
+          <p:cNvSpPr>
+            <a:spLocks noGrp="1"/>
+          </p:cNvSpPr>
+          <p:nvPr>
+            <p:ph type="body" sz="quarter" idx="13"/>
+          </p:nvPr>
+        </p:nvSpPr>
+        <p:spPr/>
+        <p:txBody>
+          <a:bodyPr/>
+          <a:lstStyle/>
+          <a:p>
+            <a:r>
+              <a:rPr lang="en-GB" dirty="0" err="1"/>
+              <a:t>Verteiltes</a:t>
+            </a:r>
+            <a:r>
+              <a:rPr lang="en-GB" dirty="0"/>
+              <a:t> </a:t>
+            </a:r>
+            <a:r>
+              <a:rPr lang="en-GB" dirty="0" err="1"/>
+              <a:t>Lernen</a:t>
+            </a:r>
+            <a:endParaRPr lang="en-GB" dirty="0"/>
+          </a:p>
+        </p:txBody>
+      </p:sp>
+      <p:sp>
+        <p:nvSpPr>
+          <p:cNvPr id="7" name="Titel 6">
+            <a:extLst>
+              <a:ext uri="{FF2B5EF4-FFF2-40B4-BE49-F238E27FC236}">
+                <a16:creationId xmlns:a16="http://schemas.microsoft.com/office/drawing/2014/main" id="{435149AE-E929-48C2-98B0-B43DD9CFC89F}"/>
+              </a:ext>
+            </a:extLst>
+          </p:cNvPr>
+          <p:cNvSpPr>
+            <a:spLocks noGrp="1"/>
+          </p:cNvSpPr>
+          <p:nvPr>
+            <p:ph type="title"/>
+          </p:nvPr>
+        </p:nvSpPr>
+        <p:spPr/>
+        <p:txBody>
+          <a:bodyPr/>
+          <a:lstStyle/>
+          <a:p>
+            <a:r>
+              <a:rPr lang="de-DE" dirty="0"/>
+              <a:t>Grundlagen kontinuierliches und verteiltes Lernen</a:t>
+            </a:r>
+            <a:endParaRPr lang="en-GB" dirty="0"/>
+          </a:p>
+        </p:txBody>
+      </p:sp>
+      <p:grpSp>
+        <p:nvGrpSpPr>
+          <p:cNvPr id="10" name="Group 9"/>
+          <p:cNvGrpSpPr/>
+          <p:nvPr/>
+        </p:nvGrpSpPr>
+        <p:grpSpPr>
+          <a:xfrm>
+            <a:off x="5606361" y="1934396"/>
+            <a:ext cx="3156039" cy="1944431"/>
+            <a:chOff x="5449416" y="2119899"/>
+            <a:chExt cx="3089784" cy="1907069"/>
+          </a:xfrm>
+        </p:grpSpPr>
+        <p:pic>
+          <p:nvPicPr>
+            <p:cNvPr id="8" name="Grafik 7">
+              <a:extLst>
+                <a:ext uri="{FF2B5EF4-FFF2-40B4-BE49-F238E27FC236}">
+                  <a16:creationId xmlns:a16="http://schemas.microsoft.com/office/drawing/2014/main" id="{E1F32103-A9E4-4B33-9489-5FDA5894B66E}"/>
+                </a:ext>
+              </a:extLst>
+            </p:cNvPr>
+            <p:cNvPicPr>
+              <a:picLocks noChangeAspect="1"/>
+            </p:cNvPicPr>
+            <p:nvPr/>
+          </p:nvPicPr>
+          <p:blipFill>
+            <a:blip r:embed="rId2"/>
+            <a:stretch>
+              <a:fillRect/>
+            </a:stretch>
+          </p:blipFill>
+          <p:spPr>
+            <a:xfrm>
+              <a:off x="5449416" y="2119899"/>
+              <a:ext cx="3089784" cy="1742832"/>
+            </a:xfrm>
+            <a:prstGeom prst="rect">
+              <a:avLst/>
+            </a:prstGeom>
+          </p:spPr>
+        </p:pic>
+        <p:sp>
+          <p:nvSpPr>
+            <p:cNvPr id="9" name="TextBox 8"/>
+            <p:cNvSpPr txBox="1"/>
+            <p:nvPr/>
+          </p:nvSpPr>
+          <p:spPr>
+            <a:xfrm>
+              <a:off x="8406464" y="3864736"/>
+              <a:ext cx="132736" cy="162232"/>
+            </a:xfrm>
+            <a:prstGeom prst="rect">
+              <a:avLst/>
+            </a:prstGeom>
+            <a:noFill/>
+          </p:spPr>
+          <p:txBody>
+            <a:bodyPr wrap="square" lIns="0" tIns="0" rIns="0" bIns="0" rtlCol="0">
+              <a:noAutofit/>
+            </a:bodyPr>
+            <a:lstStyle/>
+            <a:p>
+              <a:pPr>
+                <a:buClr>
+                  <a:schemeClr val="accent1"/>
+                </a:buClr>
+              </a:pPr>
+              <a:r>
+                <a:rPr lang="de-DE" sz="800" dirty="0" smtClean="0"/>
+                <a:t>[3]</a:t>
+              </a:r>
+              <a:endParaRPr lang="de-DE" sz="800" dirty="0" smtClean="0"/>
+            </a:p>
+          </p:txBody>
+        </p:sp>
+      </p:grpSp>
     </p:spTree>
     <p:extLst>
       <p:ext uri="{BB962C8B-B14F-4D97-AF65-F5344CB8AC3E}">
-        <p14:creationId xmlns:p14="http://schemas.microsoft.com/office/powerpoint/2010/main" val="3916976859"/>
+        <p14:creationId xmlns:p14="http://schemas.microsoft.com/office/powerpoint/2010/main" val="3044886116"/>
       </p:ext>
     </p:extLst>
   </p:cSld>
   <p:clrMapOvr>
     <a:masterClrMapping/>
   </p:clrMapOvr>
+  <p:timing>
+    <p:tnLst>
+      <p:par>
+        <p:cTn id="1" dur="indefinite" restart="never" nodeType="tmRoot"/>
+      </p:par>
+    </p:tnLst>
+  </p:timing>
 </p:sld>
 </file>
 
@@ -16031,6 +16643,113 @@
       </p:grpSpPr>
       <p:sp>
         <p:nvSpPr>
+          <p:cNvPr id="2" name="Titel 1">
+            <a:extLst>
+              <a:ext uri="{FF2B5EF4-FFF2-40B4-BE49-F238E27FC236}">
+                <a16:creationId xmlns:a16="http://schemas.microsoft.com/office/drawing/2014/main" id="{9E8C78BD-6B41-4A95-808F-6A5D0C6DB893}"/>
+              </a:ext>
+            </a:extLst>
+          </p:cNvPr>
+          <p:cNvSpPr>
+            <a:spLocks noGrp="1"/>
+          </p:cNvSpPr>
+          <p:nvPr>
+            <p:ph type="title"/>
+          </p:nvPr>
+        </p:nvSpPr>
+        <p:spPr/>
+        <p:txBody>
+          <a:bodyPr/>
+          <a:lstStyle/>
+          <a:p>
+            <a:r>
+              <a:rPr lang="en-US" dirty="0" err="1"/>
+              <a:t>Konzeption</a:t>
+            </a:r>
+            <a:r>
+              <a:rPr lang="en-US" dirty="0"/>
+              <a:t> L DNN und </a:t>
+            </a:r>
+            <a:r>
+              <a:rPr lang="en-US" dirty="0" err="1"/>
+              <a:t>prototypische</a:t>
+            </a:r>
+            <a:r>
+              <a:rPr lang="en-US" dirty="0"/>
+              <a:t> </a:t>
+            </a:r>
+            <a:r>
+              <a:rPr lang="en-US" dirty="0" err="1"/>
+              <a:t>Umsetzung</a:t>
+            </a:r>
+            <a:endParaRPr lang="en-GB" dirty="0"/>
+          </a:p>
+        </p:txBody>
+      </p:sp>
+      <p:sp>
+        <p:nvSpPr>
+          <p:cNvPr id="3" name="Textplatzhalter 2">
+            <a:extLst>
+              <a:ext uri="{FF2B5EF4-FFF2-40B4-BE49-F238E27FC236}">
+                <a16:creationId xmlns:a16="http://schemas.microsoft.com/office/drawing/2014/main" id="{BC842E3C-5088-418B-AEC1-086B1C94B521}"/>
+              </a:ext>
+            </a:extLst>
+          </p:cNvPr>
+          <p:cNvSpPr>
+            <a:spLocks noGrp="1"/>
+          </p:cNvSpPr>
+          <p:nvPr>
+            <p:ph type="body" idx="1"/>
+          </p:nvPr>
+        </p:nvSpPr>
+        <p:spPr/>
+        <p:txBody>
+          <a:bodyPr/>
+          <a:lstStyle/>
+          <a:p>
+            <a:endParaRPr lang="en-GB"/>
+          </a:p>
+        </p:txBody>
+      </p:sp>
+    </p:spTree>
+    <p:extLst>
+      <p:ext uri="{BB962C8B-B14F-4D97-AF65-F5344CB8AC3E}">
+        <p14:creationId xmlns:p14="http://schemas.microsoft.com/office/powerpoint/2010/main" val="3916976859"/>
+      </p:ext>
+    </p:extLst>
+  </p:cSld>
+  <p:clrMapOvr>
+    <a:masterClrMapping/>
+  </p:clrMapOvr>
+  <p:timing>
+    <p:tnLst>
+      <p:par>
+        <p:cTn id="1" dur="indefinite" restart="never" nodeType="tmRoot"/>
+      </p:par>
+    </p:tnLst>
+  </p:timing>
+</p:sld>
+</file>
+
+<file path=ppt/slides/slide13.xml><?xml version="1.0" encoding="utf-8"?>
+<p:sld xmlns:a="http://schemas.openxmlformats.org/drawingml/2006/main" xmlns:r="http://schemas.openxmlformats.org/officeDocument/2006/relationships" xmlns:p="http://schemas.openxmlformats.org/presentationml/2006/main">
+  <p:cSld>
+    <p:spTree>
+      <p:nvGrpSpPr>
+        <p:cNvPr id="1" name=""/>
+        <p:cNvGrpSpPr/>
+        <p:nvPr/>
+      </p:nvGrpSpPr>
+      <p:grpSpPr>
+        <a:xfrm>
+          <a:off x="0" y="0"/>
+          <a:ext cx="0" cy="0"/>
+          <a:chOff x="0" y="0"/>
+          <a:chExt cx="0" cy="0"/>
+        </a:xfrm>
+      </p:grpSpPr>
+      <p:sp>
+        <p:nvSpPr>
           <p:cNvPr id="2" name="Inhaltsplatzhalter 1">
             <a:extLst>
               <a:ext uri="{FF2B5EF4-FFF2-40B4-BE49-F238E27FC236}">
@@ -16205,7 +16924,7 @@
           <a:p>
             <a:fld id="{92945389-04B4-460D-BD35-C57D41A2ECAA}" type="datetime1">
               <a:rPr lang="de-DE" smtClean="0"/>
-              <a:t>03.10.2019</a:t>
+              <a:t>07.10.2019</a:t>
             </a:fld>
             <a:endParaRPr lang="de-DE" dirty="0"/>
           </a:p>
@@ -16263,7 +16982,7 @@
           <a:p>
             <a:fld id="{9E82CC3C-1DC0-4FDA-9590-6CC506AB67F8}" type="slidenum">
               <a:rPr lang="de-DE" smtClean="0"/>
-              <a:t>12</a:t>
+              <a:t>13</a:t>
             </a:fld>
             <a:endParaRPr lang="de-DE" dirty="0"/>
           </a:p>
@@ -16348,74 +17067,50 @@
       </p:sp>
       <p:pic>
         <p:nvPicPr>
-          <p:cNvPr id="8" name="Grafik 7">
-            <a:extLst>
-              <a:ext uri="{FF2B5EF4-FFF2-40B4-BE49-F238E27FC236}">
-                <a16:creationId xmlns:a16="http://schemas.microsoft.com/office/drawing/2014/main" id="{6F0957C9-1C3B-4873-9EC5-B524D9518657}"/>
-              </a:ext>
-            </a:extLst>
-          </p:cNvPr>
-          <p:cNvPicPr/>
+          <p:cNvPr id="10" name="Picture 9"/>
+          <p:cNvPicPr>
+            <a:picLocks noChangeAspect="1"/>
+          </p:cNvPicPr>
           <p:nvPr/>
         </p:nvPicPr>
         <p:blipFill>
-          <a:blip r:embed="rId2">
-            <a:extLst>
-              <a:ext uri="{28A0092B-C50C-407E-A947-70E740481C1C}">
-                <a14:useLocalDpi xmlns:a14="http://schemas.microsoft.com/office/drawing/2010/main" val="0"/>
-              </a:ext>
-            </a:extLst>
-          </a:blip>
-          <a:srcRect/>
+          <a:blip r:embed="rId3"/>
           <a:stretch>
             <a:fillRect/>
           </a:stretch>
         </p:blipFill>
-        <p:spPr bwMode="auto">
+        <p:spPr>
           <a:xfrm>
-            <a:off x="3445727" y="3487846"/>
-            <a:ext cx="2252546" cy="1577285"/>
+            <a:off x="1678299" y="3343275"/>
+            <a:ext cx="5787402" cy="2151007"/>
           </a:xfrm>
           <a:prstGeom prst="rect">
             <a:avLst/>
           </a:prstGeom>
-          <a:noFill/>
         </p:spPr>
       </p:pic>
       <p:pic>
         <p:nvPicPr>
-          <p:cNvPr id="9" name="Grafik 8">
-            <a:extLst>
-              <a:ext uri="{FF2B5EF4-FFF2-40B4-BE49-F238E27FC236}">
-                <a16:creationId xmlns:a16="http://schemas.microsoft.com/office/drawing/2014/main" id="{50F1E6B2-9110-4EDA-9EC5-0EBC5BE590C9}"/>
-              </a:ext>
-            </a:extLst>
-          </p:cNvPr>
-          <p:cNvPicPr/>
+          <p:cNvPr id="12" name="Picture 11"/>
+          <p:cNvPicPr>
+            <a:picLocks noChangeAspect="1"/>
+          </p:cNvPicPr>
           <p:nvPr/>
         </p:nvPicPr>
         <p:blipFill>
-          <a:blip r:embed="rId3" cstate="print">
-            <a:extLst>
-              <a:ext uri="{28A0092B-C50C-407E-A947-70E740481C1C}">
-                <a14:useLocalDpi xmlns:a14="http://schemas.microsoft.com/office/drawing/2010/main" val="0"/>
-              </a:ext>
-            </a:extLst>
-          </a:blip>
-          <a:srcRect/>
+          <a:blip r:embed="rId4"/>
           <a:stretch>
             <a:fillRect/>
           </a:stretch>
         </p:blipFill>
-        <p:spPr bwMode="auto">
+        <p:spPr>
           <a:xfrm>
-            <a:off x="2170376" y="3378953"/>
-            <a:ext cx="4552377" cy="1955497"/>
+            <a:off x="3069537" y="3343275"/>
+            <a:ext cx="2857444" cy="2073067"/>
           </a:xfrm>
           <a:prstGeom prst="rect">
             <a:avLst/>
           </a:prstGeom>
-          <a:noFill/>
         </p:spPr>
       </p:pic>
     </p:spTree>
@@ -16462,7 +17157,7 @@
                                           </p:stCondLst>
                                         </p:cTn>
                                         <p:tgtEl>
-                                          <p:spTgt spid="8"/>
+                                          <p:spTgt spid="12"/>
                                         </p:tgtEl>
                                         <p:attrNameLst>
                                           <p:attrName>style.visibility</p:attrName>
@@ -16520,7 +17215,7 @@
                                           </p:stCondLst>
                                         </p:cTn>
                                         <p:tgtEl>
-                                          <p:spTgt spid="9"/>
+                                          <p:spTgt spid="10"/>
                                         </p:tgtEl>
                                         <p:attrNameLst>
                                           <p:attrName>style.visibility</p:attrName>
@@ -16567,7 +17262,7 @@
 </p:sld>
 </file>
 
-<file path=ppt/slides/slide13.xml><?xml version="1.0" encoding="utf-8"?>
+<file path=ppt/slides/slide14.xml><?xml version="1.0" encoding="utf-8"?>
 <p:sld xmlns:a="http://schemas.openxmlformats.org/drawingml/2006/main" xmlns:r="http://schemas.openxmlformats.org/officeDocument/2006/relationships" xmlns:p="http://schemas.openxmlformats.org/presentationml/2006/main">
   <p:cSld>
     <p:spTree>
@@ -16774,7 +17469,7 @@
           <a:p>
             <a:fld id="{92945389-04B4-460D-BD35-C57D41A2ECAA}" type="datetime1">
               <a:rPr lang="de-DE" smtClean="0"/>
-              <a:t>03.10.2019</a:t>
+              <a:t>07.10.2019</a:t>
             </a:fld>
             <a:endParaRPr lang="de-DE" dirty="0"/>
           </a:p>
@@ -16832,7 +17527,7 @@
           <a:p>
             <a:fld id="{9E82CC3C-1DC0-4FDA-9590-6CC506AB67F8}" type="slidenum">
               <a:rPr lang="de-DE" smtClean="0"/>
-              <a:t>13</a:t>
+              <a:t>14</a:t>
             </a:fld>
             <a:endParaRPr lang="de-DE" dirty="0"/>
           </a:p>
@@ -18420,478 +19115,13 @@
   <p:clrMapOvr>
     <a:masterClrMapping/>
   </p:clrMapOvr>
-</p:sld>
-</file>
-
-<file path=ppt/slides/slide14.xml><?xml version="1.0" encoding="utf-8"?>
-<p:sld xmlns:a="http://schemas.openxmlformats.org/drawingml/2006/main" xmlns:r="http://schemas.openxmlformats.org/officeDocument/2006/relationships" xmlns:p="http://schemas.openxmlformats.org/presentationml/2006/main">
-  <p:cSld>
-    <p:spTree>
-      <p:nvGrpSpPr>
-        <p:cNvPr id="1" name=""/>
-        <p:cNvGrpSpPr/>
-        <p:nvPr/>
-      </p:nvGrpSpPr>
-      <p:grpSpPr>
-        <a:xfrm>
-          <a:off x="0" y="0"/>
-          <a:ext cx="0" cy="0"/>
-          <a:chOff x="0" y="0"/>
-          <a:chExt cx="0" cy="0"/>
-        </a:xfrm>
-      </p:grpSpPr>
-      <p:sp>
-        <p:nvSpPr>
-          <p:cNvPr id="2" name="Inhaltsplatzhalter 1">
-            <a:extLst>
-              <a:ext uri="{FF2B5EF4-FFF2-40B4-BE49-F238E27FC236}">
-                <a16:creationId xmlns:a16="http://schemas.microsoft.com/office/drawing/2014/main" id="{AB1B9361-88BA-4C9D-A2F1-622E23777E1B}"/>
-              </a:ext>
-            </a:extLst>
-          </p:cNvPr>
-          <p:cNvSpPr>
-            <a:spLocks noGrp="1"/>
-          </p:cNvSpPr>
-          <p:nvPr>
-            <p:ph idx="1"/>
-          </p:nvPr>
-        </p:nvSpPr>
-        <p:spPr/>
-        <p:txBody>
-          <a:bodyPr/>
-          <a:lstStyle/>
-          <a:p>
-            <a:r>
-              <a:rPr lang="en-GB" dirty="0" err="1"/>
-              <a:t>Anforderungen</a:t>
-            </a:r>
-            <a:r>
-              <a:rPr lang="en-GB" dirty="0"/>
-              <a:t> Modul B:</a:t>
-            </a:r>
-          </a:p>
-          <a:p>
-            <a:pPr lvl="1"/>
-            <a:r>
-              <a:rPr lang="en-GB" dirty="0" err="1"/>
-              <a:t>Trainierbar</a:t>
-            </a:r>
-            <a:r>
-              <a:rPr lang="en-GB" dirty="0"/>
-              <a:t> auf </a:t>
-            </a:r>
-            <a:r>
-              <a:rPr lang="en-GB" dirty="0" err="1"/>
-              <a:t>zufälliger</a:t>
-            </a:r>
-            <a:r>
-              <a:rPr lang="en-GB" dirty="0"/>
-              <a:t> </a:t>
-            </a:r>
-            <a:r>
-              <a:rPr lang="en-GB" dirty="0" err="1"/>
-              <a:t>Reihenfolge</a:t>
-            </a:r>
-            <a:r>
-              <a:rPr lang="en-GB" dirty="0"/>
-              <a:t> an </a:t>
-            </a:r>
-            <a:r>
-              <a:rPr lang="en-GB" dirty="0" err="1"/>
-              <a:t>Datensamples</a:t>
-            </a:r>
-            <a:endParaRPr lang="en-GB" dirty="0"/>
-          </a:p>
-          <a:p>
-            <a:pPr lvl="1"/>
-            <a:r>
-              <a:rPr lang="en-GB" dirty="0" err="1"/>
-              <a:t>Funktionsfähiger</a:t>
-            </a:r>
-            <a:r>
-              <a:rPr lang="en-GB" dirty="0"/>
-              <a:t> </a:t>
-            </a:r>
-            <a:r>
-              <a:rPr lang="en-GB" dirty="0" err="1"/>
-              <a:t>Klassifikator</a:t>
-            </a:r>
-            <a:r>
-              <a:rPr lang="en-GB" dirty="0"/>
-              <a:t> </a:t>
-            </a:r>
-            <a:r>
-              <a:rPr lang="en-GB" dirty="0" err="1"/>
-              <a:t>zu</a:t>
-            </a:r>
-            <a:r>
-              <a:rPr lang="en-GB" dirty="0"/>
-              <a:t> </a:t>
-            </a:r>
-            <a:r>
-              <a:rPr lang="en-GB" dirty="0" err="1"/>
-              <a:t>jedem</a:t>
-            </a:r>
-            <a:r>
-              <a:rPr lang="en-GB" dirty="0"/>
-              <a:t> </a:t>
-            </a:r>
-            <a:r>
-              <a:rPr lang="en-GB" dirty="0" err="1"/>
-              <a:t>Zeitpunkt</a:t>
-            </a:r>
-            <a:r>
-              <a:rPr lang="en-GB" dirty="0"/>
-              <a:t> </a:t>
-            </a:r>
-            <a:r>
-              <a:rPr lang="en-GB" dirty="0" err="1"/>
-              <a:t>für</a:t>
-            </a:r>
-            <a:r>
-              <a:rPr lang="en-GB" dirty="0"/>
-              <a:t> </a:t>
-            </a:r>
-            <a:r>
-              <a:rPr lang="en-GB" dirty="0" err="1"/>
-              <a:t>bereits</a:t>
-            </a:r>
-            <a:r>
-              <a:rPr lang="en-GB" dirty="0"/>
-              <a:t> </a:t>
-            </a:r>
-            <a:r>
-              <a:rPr lang="en-GB" dirty="0" err="1"/>
-              <a:t>bekannte</a:t>
-            </a:r>
-            <a:r>
-              <a:rPr lang="en-GB" dirty="0"/>
-              <a:t> Klassen</a:t>
-            </a:r>
-          </a:p>
-          <a:p>
-            <a:pPr lvl="1"/>
-            <a:r>
-              <a:rPr lang="en-GB" dirty="0"/>
-              <a:t>Speicher- und </a:t>
-            </a:r>
-            <a:r>
-              <a:rPr lang="en-GB" dirty="0" err="1"/>
-              <a:t>Rechenbedarf</a:t>
-            </a:r>
-            <a:r>
-              <a:rPr lang="en-GB" dirty="0"/>
-              <a:t> </a:t>
-            </a:r>
-            <a:r>
-              <a:rPr lang="en-GB" dirty="0" err="1"/>
-              <a:t>soll</a:t>
-            </a:r>
-            <a:r>
-              <a:rPr lang="en-GB" dirty="0"/>
-              <a:t> </a:t>
-            </a:r>
-            <a:r>
-              <a:rPr lang="en-GB" dirty="0" err="1"/>
-              <a:t>beschränkt</a:t>
-            </a:r>
-            <a:r>
-              <a:rPr lang="en-GB" dirty="0"/>
-              <a:t> sein und </a:t>
-            </a:r>
-            <a:r>
-              <a:rPr lang="en-GB" dirty="0" err="1"/>
-              <a:t>nur</a:t>
-            </a:r>
-            <a:r>
-              <a:rPr lang="en-GB" dirty="0"/>
-              <a:t> </a:t>
-            </a:r>
-            <a:r>
-              <a:rPr lang="en-GB" dirty="0" err="1"/>
-              <a:t>langsam</a:t>
-            </a:r>
-            <a:r>
-              <a:rPr lang="en-GB" dirty="0"/>
-              <a:t> </a:t>
-            </a:r>
-            <a:r>
-              <a:rPr lang="en-GB" dirty="0" err="1"/>
-              <a:t>ansteigen</a:t>
-            </a:r>
-            <a:r>
-              <a:rPr lang="en-GB" dirty="0"/>
-              <a:t> </a:t>
-            </a:r>
-            <a:r>
-              <a:rPr lang="en-GB" dirty="0" err="1"/>
-              <a:t>mit</a:t>
-            </a:r>
-            <a:r>
-              <a:rPr lang="en-GB" dirty="0"/>
-              <a:t> </a:t>
-            </a:r>
-            <a:r>
-              <a:rPr lang="en-GB" dirty="0" err="1"/>
-              <a:t>Bezug</a:t>
-            </a:r>
-            <a:r>
-              <a:rPr lang="en-GB" dirty="0"/>
-              <a:t> auf die </a:t>
-            </a:r>
-            <a:r>
-              <a:rPr lang="en-GB" dirty="0" err="1"/>
-              <a:t>Anzahl</a:t>
-            </a:r>
-            <a:r>
-              <a:rPr lang="en-GB" dirty="0"/>
-              <a:t> an </a:t>
-            </a:r>
-            <a:r>
-              <a:rPr lang="en-GB" dirty="0" err="1"/>
-              <a:t>bekannten</a:t>
-            </a:r>
-            <a:r>
-              <a:rPr lang="en-GB" dirty="0"/>
-              <a:t> Klassen</a:t>
-            </a:r>
-          </a:p>
-          <a:p>
-            <a:pPr marL="176213" lvl="1" indent="0">
-              <a:buNone/>
-            </a:pPr>
-            <a:r>
-              <a:rPr lang="en-GB" dirty="0">
-                <a:sym typeface="Wingdings" panose="05000000000000000000" pitchFamily="2" charset="2"/>
-              </a:rPr>
-              <a:t> </a:t>
-            </a:r>
-            <a:r>
-              <a:rPr lang="en-GB" dirty="0" err="1">
-                <a:sym typeface="Wingdings" panose="05000000000000000000" pitchFamily="2" charset="2"/>
-              </a:rPr>
-              <a:t>Einsatz</a:t>
-            </a:r>
-            <a:r>
-              <a:rPr lang="en-GB" dirty="0">
-                <a:sym typeface="Wingdings" panose="05000000000000000000" pitchFamily="2" charset="2"/>
-              </a:rPr>
-              <a:t> der Adaptive Resonance Theory (ART): Simplified Fuzzy ARTMAP-</a:t>
-            </a:r>
-            <a:r>
-              <a:rPr lang="en-GB" dirty="0" err="1">
-                <a:sym typeface="Wingdings" panose="05000000000000000000" pitchFamily="2" charset="2"/>
-              </a:rPr>
-              <a:t>Netzwerk</a:t>
-            </a:r>
-            <a:endParaRPr lang="en-GB" dirty="0"/>
-          </a:p>
-        </p:txBody>
-      </p:sp>
-      <p:sp>
-        <p:nvSpPr>
-          <p:cNvPr id="3" name="Datumsplatzhalter 2">
-            <a:extLst>
-              <a:ext uri="{FF2B5EF4-FFF2-40B4-BE49-F238E27FC236}">
-                <a16:creationId xmlns:a16="http://schemas.microsoft.com/office/drawing/2014/main" id="{43D14B3E-FCC3-4BD7-A5CB-9FCFE61EB940}"/>
-              </a:ext>
-            </a:extLst>
-          </p:cNvPr>
-          <p:cNvSpPr>
-            <a:spLocks noGrp="1"/>
-          </p:cNvSpPr>
-          <p:nvPr>
-            <p:ph type="dt" sz="half" idx="10"/>
-          </p:nvPr>
-        </p:nvSpPr>
-        <p:spPr/>
-        <p:txBody>
-          <a:bodyPr/>
-          <a:lstStyle/>
-          <a:p>
-            <a:fld id="{92945389-04B4-460D-BD35-C57D41A2ECAA}" type="datetime1">
-              <a:rPr lang="de-DE" smtClean="0"/>
-              <a:t>03.10.2019</a:t>
-            </a:fld>
-            <a:endParaRPr lang="de-DE" dirty="0"/>
-          </a:p>
-        </p:txBody>
-      </p:sp>
-      <p:sp>
-        <p:nvSpPr>
-          <p:cNvPr id="4" name="Fußzeilenplatzhalter 3">
-            <a:extLst>
-              <a:ext uri="{FF2B5EF4-FFF2-40B4-BE49-F238E27FC236}">
-                <a16:creationId xmlns:a16="http://schemas.microsoft.com/office/drawing/2014/main" id="{415EA107-DEA2-460F-82F8-A92AFE7EE874}"/>
-              </a:ext>
-            </a:extLst>
-          </p:cNvPr>
-          <p:cNvSpPr>
-            <a:spLocks noGrp="1"/>
-          </p:cNvSpPr>
-          <p:nvPr>
-            <p:ph type="ftr" sz="quarter" idx="11"/>
-          </p:nvPr>
-        </p:nvSpPr>
-        <p:spPr/>
-        <p:txBody>
-          <a:bodyPr/>
-          <a:lstStyle/>
-          <a:p>
-            <a:r>
-              <a:rPr lang="de-DE"/>
-              <a:t>Universität Stuttgart</a:t>
-            </a:r>
-            <a:endParaRPr lang="de-DE" dirty="0"/>
-          </a:p>
-        </p:txBody>
-      </p:sp>
-      <p:sp>
-        <p:nvSpPr>
-          <p:cNvPr id="5" name="Foliennummernplatzhalter 4">
-            <a:extLst>
-              <a:ext uri="{FF2B5EF4-FFF2-40B4-BE49-F238E27FC236}">
-                <a16:creationId xmlns:a16="http://schemas.microsoft.com/office/drawing/2014/main" id="{4DC95112-5C3F-45E3-99AF-5A055030BBB5}"/>
-              </a:ext>
-            </a:extLst>
-          </p:cNvPr>
-          <p:cNvSpPr>
-            <a:spLocks noGrp="1"/>
-          </p:cNvSpPr>
-          <p:nvPr>
-            <p:ph type="sldNum" sz="quarter" idx="12"/>
-          </p:nvPr>
-        </p:nvSpPr>
-        <p:spPr/>
-        <p:txBody>
-          <a:bodyPr/>
-          <a:lstStyle/>
-          <a:p>
-            <a:fld id="{9E82CC3C-1DC0-4FDA-9590-6CC506AB67F8}" type="slidenum">
-              <a:rPr lang="de-DE" smtClean="0"/>
-              <a:t>14</a:t>
-            </a:fld>
-            <a:endParaRPr lang="de-DE" dirty="0"/>
-          </a:p>
-        </p:txBody>
-      </p:sp>
-      <p:sp>
-        <p:nvSpPr>
-          <p:cNvPr id="6" name="Textplatzhalter 5">
-            <a:extLst>
-              <a:ext uri="{FF2B5EF4-FFF2-40B4-BE49-F238E27FC236}">
-                <a16:creationId xmlns:a16="http://schemas.microsoft.com/office/drawing/2014/main" id="{27A3B1DD-6F0B-4028-B97A-C9B52B2184A5}"/>
-              </a:ext>
-            </a:extLst>
-          </p:cNvPr>
-          <p:cNvSpPr>
-            <a:spLocks noGrp="1"/>
-          </p:cNvSpPr>
-          <p:nvPr>
-            <p:ph type="body" sz="quarter" idx="13"/>
-          </p:nvPr>
-        </p:nvSpPr>
-        <p:spPr/>
-        <p:txBody>
-          <a:bodyPr/>
-          <a:lstStyle/>
-          <a:p>
-            <a:r>
-              <a:rPr lang="en-GB" dirty="0" err="1"/>
-              <a:t>Konzeption</a:t>
-            </a:r>
-            <a:r>
-              <a:rPr lang="en-GB" dirty="0"/>
-              <a:t> L DNN</a:t>
-            </a:r>
-          </a:p>
-        </p:txBody>
-      </p:sp>
-      <p:sp>
-        <p:nvSpPr>
-          <p:cNvPr id="7" name="Titel 6">
-            <a:extLst>
-              <a:ext uri="{FF2B5EF4-FFF2-40B4-BE49-F238E27FC236}">
-                <a16:creationId xmlns:a16="http://schemas.microsoft.com/office/drawing/2014/main" id="{C0CCC6AA-9387-4F80-82E0-C0A2B0456D26}"/>
-              </a:ext>
-            </a:extLst>
-          </p:cNvPr>
-          <p:cNvSpPr>
-            <a:spLocks noGrp="1"/>
-          </p:cNvSpPr>
-          <p:nvPr>
-            <p:ph type="title"/>
-          </p:nvPr>
-        </p:nvSpPr>
-        <p:spPr/>
-        <p:txBody>
-          <a:bodyPr/>
-          <a:lstStyle/>
-          <a:p>
-            <a:r>
-              <a:rPr lang="en-US" dirty="0" err="1"/>
-              <a:t>Konzeption</a:t>
-            </a:r>
-            <a:r>
-              <a:rPr lang="en-US" dirty="0"/>
-              <a:t> L DNN und </a:t>
-            </a:r>
-            <a:r>
-              <a:rPr lang="en-US" dirty="0" err="1"/>
-              <a:t>prototypische</a:t>
-            </a:r>
-            <a:r>
-              <a:rPr lang="en-US" dirty="0"/>
-              <a:t> </a:t>
-            </a:r>
-            <a:r>
-              <a:rPr lang="en-US" dirty="0" err="1"/>
-              <a:t>Umsetzung</a:t>
-            </a:r>
-            <a:endParaRPr lang="en-GB" dirty="0"/>
-          </a:p>
-        </p:txBody>
-      </p:sp>
-      <p:pic>
-        <p:nvPicPr>
-          <p:cNvPr id="8" name="Grafik 7">
-            <a:extLst>
-              <a:ext uri="{FF2B5EF4-FFF2-40B4-BE49-F238E27FC236}">
-                <a16:creationId xmlns:a16="http://schemas.microsoft.com/office/drawing/2014/main" id="{4FC3C49D-1CCA-42F3-A84F-39D4561C7E88}"/>
-              </a:ext>
-            </a:extLst>
-          </p:cNvPr>
-          <p:cNvPicPr>
-            <a:picLocks noChangeAspect="1"/>
-          </p:cNvPicPr>
-          <p:nvPr/>
-        </p:nvPicPr>
-        <p:blipFill>
-          <a:blip r:embed="rId2"/>
-          <a:stretch>
-            <a:fillRect/>
-          </a:stretch>
-        </p:blipFill>
-        <p:spPr>
-          <a:xfrm>
-            <a:off x="3046570" y="3598650"/>
-            <a:ext cx="3050860" cy="2095275"/>
-          </a:xfrm>
-          <a:prstGeom prst="rect">
-            <a:avLst/>
-          </a:prstGeom>
-        </p:spPr>
-      </p:pic>
-    </p:spTree>
-    <p:extLst>
-      <p:ext uri="{BB962C8B-B14F-4D97-AF65-F5344CB8AC3E}">
-        <p14:creationId xmlns:p14="http://schemas.microsoft.com/office/powerpoint/2010/main" val="3530391332"/>
-      </p:ext>
-    </p:extLst>
-  </p:cSld>
-  <p:clrMapOvr>
-    <a:masterClrMapping/>
-  </p:clrMapOvr>
+  <p:timing>
+    <p:tnLst>
+      <p:par>
+        <p:cTn id="1" dur="indefinite" restart="never" nodeType="tmRoot"/>
+      </p:par>
+    </p:tnLst>
+  </p:timing>
 </p:sld>
 </file>
 
@@ -18914,6 +19144,566 @@
       </p:grpSpPr>
       <p:sp>
         <p:nvSpPr>
+          <p:cNvPr id="2" name="Content Placeholder 1"/>
+          <p:cNvSpPr>
+            <a:spLocks noGrp="1"/>
+          </p:cNvSpPr>
+          <p:nvPr>
+            <p:ph sz="half" idx="1"/>
+          </p:nvPr>
+        </p:nvSpPr>
+        <p:spPr/>
+        <p:txBody>
+          <a:bodyPr/>
+          <a:lstStyle/>
+          <a:p>
+            <a:r>
+              <a:rPr lang="en-GB" dirty="0" err="1"/>
+              <a:t>Anforderungen</a:t>
+            </a:r>
+            <a:r>
+              <a:rPr lang="en-GB" dirty="0"/>
+              <a:t> </a:t>
+            </a:r>
+            <a:r>
+              <a:rPr lang="en-GB" dirty="0" err="1"/>
+              <a:t>Modul</a:t>
+            </a:r>
+            <a:r>
+              <a:rPr lang="en-GB" dirty="0"/>
+              <a:t> B:</a:t>
+            </a:r>
+          </a:p>
+          <a:p>
+            <a:pPr lvl="1"/>
+            <a:r>
+              <a:rPr lang="en-GB" dirty="0" err="1"/>
+              <a:t>Trainierbar</a:t>
+            </a:r>
+            <a:r>
+              <a:rPr lang="en-GB" dirty="0"/>
+              <a:t> auf </a:t>
+            </a:r>
+            <a:r>
+              <a:rPr lang="en-GB" dirty="0" err="1"/>
+              <a:t>zufälliger</a:t>
+            </a:r>
+            <a:r>
+              <a:rPr lang="en-GB" dirty="0"/>
+              <a:t> </a:t>
+            </a:r>
+            <a:r>
+              <a:rPr lang="en-GB" dirty="0" err="1"/>
+              <a:t>Reihenfolge</a:t>
+            </a:r>
+            <a:r>
+              <a:rPr lang="en-GB" dirty="0"/>
+              <a:t> an </a:t>
+            </a:r>
+            <a:r>
+              <a:rPr lang="en-GB" dirty="0" err="1"/>
+              <a:t>Datensamples</a:t>
+            </a:r>
+            <a:endParaRPr lang="en-GB" dirty="0"/>
+          </a:p>
+          <a:p>
+            <a:pPr lvl="1"/>
+            <a:r>
+              <a:rPr lang="en-GB" dirty="0" err="1"/>
+              <a:t>Funktionsfähiger</a:t>
+            </a:r>
+            <a:r>
+              <a:rPr lang="en-GB" dirty="0"/>
+              <a:t> Klassifikator </a:t>
+            </a:r>
+            <a:r>
+              <a:rPr lang="en-GB" dirty="0" err="1"/>
+              <a:t>zu</a:t>
+            </a:r>
+            <a:r>
+              <a:rPr lang="en-GB" dirty="0"/>
+              <a:t> </a:t>
+            </a:r>
+            <a:r>
+              <a:rPr lang="en-GB" dirty="0" err="1"/>
+              <a:t>jedem</a:t>
+            </a:r>
+            <a:r>
+              <a:rPr lang="en-GB" dirty="0"/>
+              <a:t> </a:t>
+            </a:r>
+            <a:r>
+              <a:rPr lang="en-GB" dirty="0" err="1"/>
+              <a:t>Zeitpunkt</a:t>
+            </a:r>
+            <a:r>
+              <a:rPr lang="en-GB" dirty="0"/>
+              <a:t> </a:t>
+            </a:r>
+            <a:r>
+              <a:rPr lang="en-GB" dirty="0" err="1"/>
+              <a:t>für</a:t>
+            </a:r>
+            <a:r>
+              <a:rPr lang="en-GB" dirty="0"/>
+              <a:t> </a:t>
+            </a:r>
+            <a:r>
+              <a:rPr lang="en-GB" dirty="0" err="1"/>
+              <a:t>bereits</a:t>
+            </a:r>
+            <a:r>
+              <a:rPr lang="en-GB" dirty="0"/>
+              <a:t> </a:t>
+            </a:r>
+            <a:r>
+              <a:rPr lang="en-GB" dirty="0" err="1"/>
+              <a:t>bekannte</a:t>
+            </a:r>
+            <a:r>
+              <a:rPr lang="en-GB" dirty="0"/>
+              <a:t> </a:t>
+            </a:r>
+            <a:r>
+              <a:rPr lang="en-GB" dirty="0" err="1"/>
+              <a:t>Klassen</a:t>
+            </a:r>
+            <a:endParaRPr lang="en-GB" dirty="0"/>
+          </a:p>
+          <a:p>
+            <a:pPr lvl="1"/>
+            <a:r>
+              <a:rPr lang="en-GB" dirty="0"/>
+              <a:t>Speicher- und </a:t>
+            </a:r>
+            <a:r>
+              <a:rPr lang="en-GB" dirty="0" err="1"/>
+              <a:t>Rechenbedarf</a:t>
+            </a:r>
+            <a:r>
+              <a:rPr lang="en-GB" dirty="0"/>
+              <a:t> </a:t>
+            </a:r>
+            <a:r>
+              <a:rPr lang="en-GB" dirty="0" err="1"/>
+              <a:t>soll</a:t>
+            </a:r>
+            <a:r>
+              <a:rPr lang="en-GB" dirty="0"/>
+              <a:t> </a:t>
+            </a:r>
+            <a:r>
+              <a:rPr lang="en-GB" dirty="0" err="1"/>
+              <a:t>beschränkt</a:t>
+            </a:r>
+            <a:r>
+              <a:rPr lang="en-GB" dirty="0"/>
+              <a:t> sein und </a:t>
+            </a:r>
+            <a:r>
+              <a:rPr lang="en-GB" dirty="0" err="1"/>
+              <a:t>nur</a:t>
+            </a:r>
+            <a:r>
+              <a:rPr lang="en-GB" dirty="0"/>
+              <a:t> </a:t>
+            </a:r>
+            <a:r>
+              <a:rPr lang="en-GB" dirty="0" err="1"/>
+              <a:t>langsam</a:t>
+            </a:r>
+            <a:r>
+              <a:rPr lang="en-GB" dirty="0"/>
+              <a:t> </a:t>
+            </a:r>
+            <a:r>
+              <a:rPr lang="en-GB" dirty="0" err="1"/>
+              <a:t>ansteigen</a:t>
+            </a:r>
+            <a:r>
+              <a:rPr lang="en-GB" dirty="0"/>
+              <a:t> </a:t>
+            </a:r>
+            <a:r>
+              <a:rPr lang="en-GB" dirty="0" err="1"/>
+              <a:t>mit</a:t>
+            </a:r>
+            <a:r>
+              <a:rPr lang="en-GB" dirty="0"/>
+              <a:t> </a:t>
+            </a:r>
+            <a:r>
+              <a:rPr lang="en-GB" dirty="0" err="1"/>
+              <a:t>Bezug</a:t>
+            </a:r>
+            <a:r>
+              <a:rPr lang="en-GB" dirty="0"/>
+              <a:t> auf die </a:t>
+            </a:r>
+            <a:r>
+              <a:rPr lang="en-GB" dirty="0" err="1"/>
+              <a:t>Anzahl</a:t>
+            </a:r>
+            <a:r>
+              <a:rPr lang="en-GB" dirty="0"/>
+              <a:t> an </a:t>
+            </a:r>
+            <a:r>
+              <a:rPr lang="en-GB" dirty="0" err="1"/>
+              <a:t>bekannten</a:t>
+            </a:r>
+            <a:r>
+              <a:rPr lang="en-GB" dirty="0"/>
+              <a:t> </a:t>
+            </a:r>
+            <a:r>
+              <a:rPr lang="en-GB" dirty="0" err="1"/>
+              <a:t>Klassen</a:t>
+            </a:r>
+            <a:endParaRPr lang="en-GB" dirty="0"/>
+          </a:p>
+          <a:p>
+            <a:pPr marL="176213" lvl="1" indent="0">
+              <a:buNone/>
+            </a:pPr>
+            <a:r>
+              <a:rPr lang="en-GB" dirty="0">
+                <a:sym typeface="Wingdings" panose="05000000000000000000" pitchFamily="2" charset="2"/>
+              </a:rPr>
+              <a:t> </a:t>
+            </a:r>
+            <a:r>
+              <a:rPr lang="en-GB" dirty="0" err="1">
+                <a:sym typeface="Wingdings" panose="05000000000000000000" pitchFamily="2" charset="2"/>
+              </a:rPr>
+              <a:t>Einsatz</a:t>
+            </a:r>
+            <a:r>
+              <a:rPr lang="en-GB" dirty="0">
+                <a:sym typeface="Wingdings" panose="05000000000000000000" pitchFamily="2" charset="2"/>
+              </a:rPr>
+              <a:t> der Adaptive Resonance Theory (ART): Fuzzy ARTMAP-</a:t>
+            </a:r>
+            <a:r>
+              <a:rPr lang="en-GB" dirty="0" err="1">
+                <a:sym typeface="Wingdings" panose="05000000000000000000" pitchFamily="2" charset="2"/>
+              </a:rPr>
+              <a:t>Netzwerk</a:t>
+            </a:r>
+            <a:endParaRPr lang="en-GB" dirty="0"/>
+          </a:p>
+          <a:p>
+            <a:pPr marL="0" indent="0">
+              <a:buNone/>
+            </a:pPr>
+            <a:endParaRPr lang="de-DE" dirty="0"/>
+          </a:p>
+        </p:txBody>
+      </p:sp>
+      <p:sp>
+        <p:nvSpPr>
+          <p:cNvPr id="3" name="Date Placeholder 2"/>
+          <p:cNvSpPr>
+            <a:spLocks noGrp="1"/>
+          </p:cNvSpPr>
+          <p:nvPr>
+            <p:ph type="dt" sz="half" idx="10"/>
+          </p:nvPr>
+        </p:nvSpPr>
+        <p:spPr/>
+        <p:txBody>
+          <a:bodyPr/>
+          <a:lstStyle/>
+          <a:p>
+            <a:fld id="{EA98A628-7172-4A4C-A92C-F4FBC462B603}" type="datetime1">
+              <a:rPr lang="de-DE" smtClean="0"/>
+              <a:t>07.10.2019</a:t>
+            </a:fld>
+            <a:endParaRPr lang="de-DE" dirty="0"/>
+          </a:p>
+        </p:txBody>
+      </p:sp>
+      <p:sp>
+        <p:nvSpPr>
+          <p:cNvPr id="4" name="Footer Placeholder 3"/>
+          <p:cNvSpPr>
+            <a:spLocks noGrp="1"/>
+          </p:cNvSpPr>
+          <p:nvPr>
+            <p:ph type="ftr" sz="quarter" idx="11"/>
+          </p:nvPr>
+        </p:nvSpPr>
+        <p:spPr/>
+        <p:txBody>
+          <a:bodyPr/>
+          <a:lstStyle/>
+          <a:p>
+            <a:r>
+              <a:rPr lang="de-DE" smtClean="0"/>
+              <a:t>Universität Stuttgart</a:t>
+            </a:r>
+            <a:endParaRPr lang="de-DE" dirty="0"/>
+          </a:p>
+        </p:txBody>
+      </p:sp>
+      <p:sp>
+        <p:nvSpPr>
+          <p:cNvPr id="5" name="Slide Number Placeholder 4"/>
+          <p:cNvSpPr>
+            <a:spLocks noGrp="1"/>
+          </p:cNvSpPr>
+          <p:nvPr>
+            <p:ph type="sldNum" sz="quarter" idx="12"/>
+          </p:nvPr>
+        </p:nvSpPr>
+        <p:spPr/>
+        <p:txBody>
+          <a:bodyPr/>
+          <a:lstStyle/>
+          <a:p>
+            <a:fld id="{9E82CC3C-1DC0-4FDA-9590-6CC506AB67F8}" type="slidenum">
+              <a:rPr lang="de-DE" smtClean="0"/>
+              <a:t>15</a:t>
+            </a:fld>
+            <a:endParaRPr lang="de-DE" dirty="0"/>
+          </a:p>
+        </p:txBody>
+      </p:sp>
+      <p:sp>
+        <p:nvSpPr>
+          <p:cNvPr id="6" name="Text Placeholder 5"/>
+          <p:cNvSpPr>
+            <a:spLocks noGrp="1"/>
+          </p:cNvSpPr>
+          <p:nvPr>
+            <p:ph type="body" sz="quarter" idx="13"/>
+          </p:nvPr>
+        </p:nvSpPr>
+        <p:spPr/>
+        <p:txBody>
+          <a:bodyPr/>
+          <a:lstStyle/>
+          <a:p>
+            <a:r>
+              <a:rPr lang="en-GB" dirty="0" err="1"/>
+              <a:t>Konzeption</a:t>
+            </a:r>
+            <a:r>
+              <a:rPr lang="en-GB" dirty="0"/>
+              <a:t> L </a:t>
+            </a:r>
+            <a:r>
+              <a:rPr lang="en-GB" dirty="0" smtClean="0"/>
+              <a:t>DNN</a:t>
+            </a:r>
+            <a:endParaRPr lang="en-GB" dirty="0"/>
+          </a:p>
+        </p:txBody>
+      </p:sp>
+      <p:sp>
+        <p:nvSpPr>
+          <p:cNvPr id="8" name="Title 7"/>
+          <p:cNvSpPr>
+            <a:spLocks noGrp="1"/>
+          </p:cNvSpPr>
+          <p:nvPr>
+            <p:ph type="title"/>
+          </p:nvPr>
+        </p:nvSpPr>
+        <p:spPr/>
+        <p:txBody>
+          <a:bodyPr/>
+          <a:lstStyle/>
+          <a:p>
+            <a:r>
+              <a:rPr lang="en-US" dirty="0" err="1"/>
+              <a:t>Konzeption</a:t>
+            </a:r>
+            <a:r>
+              <a:rPr lang="en-US" dirty="0"/>
+              <a:t> L DNN und </a:t>
+            </a:r>
+            <a:r>
+              <a:rPr lang="en-US" dirty="0" err="1"/>
+              <a:t>prototypische</a:t>
+            </a:r>
+            <a:r>
+              <a:rPr lang="en-US" dirty="0"/>
+              <a:t> </a:t>
+            </a:r>
+            <a:r>
+              <a:rPr lang="en-US" dirty="0" err="1"/>
+              <a:t>Umsetzung</a:t>
+            </a:r>
+            <a:endParaRPr lang="de-DE" dirty="0"/>
+          </a:p>
+        </p:txBody>
+      </p:sp>
+      <p:pic>
+        <p:nvPicPr>
+          <p:cNvPr id="10" name="Picture 9"/>
+          <p:cNvPicPr>
+            <a:picLocks noChangeAspect="1"/>
+          </p:cNvPicPr>
+          <p:nvPr/>
+        </p:nvPicPr>
+        <p:blipFill>
+          <a:blip r:embed="rId2"/>
+          <a:stretch>
+            <a:fillRect/>
+          </a:stretch>
+        </p:blipFill>
+        <p:spPr>
+          <a:xfrm>
+            <a:off x="4741550" y="2109171"/>
+            <a:ext cx="4462899" cy="2468208"/>
+          </a:xfrm>
+          <a:prstGeom prst="rect">
+            <a:avLst/>
+          </a:prstGeom>
+        </p:spPr>
+      </p:pic>
+    </p:spTree>
+    <p:extLst>
+      <p:ext uri="{BB962C8B-B14F-4D97-AF65-F5344CB8AC3E}">
+        <p14:creationId xmlns:p14="http://schemas.microsoft.com/office/powerpoint/2010/main" val="1311927481"/>
+      </p:ext>
+    </p:extLst>
+  </p:cSld>
+  <p:clrMapOvr>
+    <a:masterClrMapping/>
+  </p:clrMapOvr>
+  <p:timing>
+    <p:tnLst>
+      <p:par>
+        <p:cTn id="1" dur="indefinite" restart="never" nodeType="tmRoot">
+          <p:childTnLst>
+            <p:seq concurrent="1" nextAc="seek">
+              <p:cTn id="2" dur="indefinite" nodeType="mainSeq">
+                <p:childTnLst>
+                  <p:par>
+                    <p:cTn id="3" fill="hold">
+                      <p:stCondLst>
+                        <p:cond delay="indefinite"/>
+                      </p:stCondLst>
+                      <p:childTnLst>
+                        <p:par>
+                          <p:cTn id="4" fill="hold">
+                            <p:stCondLst>
+                              <p:cond delay="0"/>
+                            </p:stCondLst>
+                            <p:childTnLst>
+                              <p:par>
+                                <p:cTn id="5" presetID="1" presetClass="entr" presetSubtype="0" fill="hold" nodeType="clickEffect">
+                                  <p:stCondLst>
+                                    <p:cond delay="0"/>
+                                  </p:stCondLst>
+                                  <p:childTnLst>
+                                    <p:set>
+                                      <p:cBhvr>
+                                        <p:cTn id="6" dur="1" fill="hold">
+                                          <p:stCondLst>
+                                            <p:cond delay="0"/>
+                                          </p:stCondLst>
+                                        </p:cTn>
+                                        <p:tgtEl>
+                                          <p:spTgt spid="10"/>
+                                        </p:tgtEl>
+                                        <p:attrNameLst>
+                                          <p:attrName>style.visibility</p:attrName>
+                                        </p:attrNameLst>
+                                      </p:cBhvr>
+                                      <p:to>
+                                        <p:strVal val="visible"/>
+                                      </p:to>
+                                    </p:set>
+                                  </p:childTnLst>
+                                </p:cTn>
+                              </p:par>
+                              <p:par>
+                                <p:cTn id="7" presetID="1" presetClass="entr" presetSubtype="0" fill="hold" grpId="0" nodeType="withEffect">
+                                  <p:stCondLst>
+                                    <p:cond delay="0"/>
+                                  </p:stCondLst>
+                                  <p:childTnLst>
+                                    <p:set>
+                                      <p:cBhvr>
+                                        <p:cTn id="8" dur="1" fill="hold">
+                                          <p:stCondLst>
+                                            <p:cond delay="0"/>
+                                          </p:stCondLst>
+                                        </p:cTn>
+                                        <p:tgtEl>
+                                          <p:spTgt spid="2">
+                                            <p:txEl>
+                                              <p:pRg st="4" end="4"/>
+                                            </p:txEl>
+                                          </p:spTgt>
+                                        </p:tgtEl>
+                                        <p:attrNameLst>
+                                          <p:attrName>style.visibility</p:attrName>
+                                        </p:attrNameLst>
+                                      </p:cBhvr>
+                                      <p:to>
+                                        <p:strVal val="visible"/>
+                                      </p:to>
+                                    </p:set>
+                                  </p:childTnLst>
+                                </p:cTn>
+                              </p:par>
+                            </p:childTnLst>
+                          </p:cTn>
+                        </p:par>
+                      </p:childTnLst>
+                    </p:cTn>
+                  </p:par>
+                </p:childTnLst>
+              </p:cTn>
+              <p:prevCondLst>
+                <p:cond evt="onPrev" delay="0">
+                  <p:tgtEl>
+                    <p:sldTgt/>
+                  </p:tgtEl>
+                </p:cond>
+              </p:prevCondLst>
+              <p:nextCondLst>
+                <p:cond evt="onNext" delay="0">
+                  <p:tgtEl>
+                    <p:sldTgt/>
+                  </p:tgtEl>
+                </p:cond>
+              </p:nextCondLst>
+            </p:seq>
+          </p:childTnLst>
+        </p:cTn>
+      </p:par>
+    </p:tnLst>
+    <p:bldLst>
+      <p:bldP spid="2" grpId="0" uiExpand="1" build="p"/>
+    </p:bldLst>
+  </p:timing>
+</p:sld>
+</file>
+
+<file path=ppt/slides/slide16.xml><?xml version="1.0" encoding="utf-8"?>
+<p:sld xmlns:a="http://schemas.openxmlformats.org/drawingml/2006/main" xmlns:r="http://schemas.openxmlformats.org/officeDocument/2006/relationships" xmlns:p="http://schemas.openxmlformats.org/presentationml/2006/main">
+  <p:cSld>
+    <p:spTree>
+      <p:nvGrpSpPr>
+        <p:cNvPr id="1" name=""/>
+        <p:cNvGrpSpPr/>
+        <p:nvPr/>
+      </p:nvGrpSpPr>
+      <p:grpSpPr>
+        <a:xfrm>
+          <a:off x="0" y="0"/>
+          <a:ext cx="0" cy="0"/>
+          <a:chOff x="0" y="0"/>
+          <a:chExt cx="0" cy="0"/>
+        </a:xfrm>
+      </p:grpSpPr>
+      <p:sp>
+        <p:nvSpPr>
           <p:cNvPr id="2" name="Inhaltsplatzhalter 1">
             <a:extLst>
               <a:ext uri="{FF2B5EF4-FFF2-40B4-BE49-F238E27FC236}">
@@ -19005,7 +19795,7 @@
           <a:p>
             <a:fld id="{92945389-04B4-460D-BD35-C57D41A2ECAA}" type="datetime1">
               <a:rPr lang="de-DE" smtClean="0"/>
-              <a:t>03.10.2019</a:t>
+              <a:t>07.10.2019</a:t>
             </a:fld>
             <a:endParaRPr lang="de-DE" dirty="0"/>
           </a:p>
@@ -19063,7 +19853,7 @@
           <a:p>
             <a:fld id="{9E82CC3C-1DC0-4FDA-9590-6CC506AB67F8}" type="slidenum">
               <a:rPr lang="de-DE" smtClean="0"/>
-              <a:t>15</a:t>
+              <a:t>16</a:t>
             </a:fld>
             <a:endParaRPr lang="de-DE" dirty="0"/>
           </a:p>
@@ -19191,93 +19981,13 @@
   <p:clrMapOvr>
     <a:masterClrMapping/>
   </p:clrMapOvr>
-</p:sld>
-</file>
-
-<file path=ppt/slides/slide16.xml><?xml version="1.0" encoding="utf-8"?>
-<p:sld xmlns:a="http://schemas.openxmlformats.org/drawingml/2006/main" xmlns:r="http://schemas.openxmlformats.org/officeDocument/2006/relationships" xmlns:p="http://schemas.openxmlformats.org/presentationml/2006/main">
-  <p:cSld>
-    <p:spTree>
-      <p:nvGrpSpPr>
-        <p:cNvPr id="1" name=""/>
-        <p:cNvGrpSpPr/>
-        <p:nvPr/>
-      </p:nvGrpSpPr>
-      <p:grpSpPr>
-        <a:xfrm>
-          <a:off x="0" y="0"/>
-          <a:ext cx="0" cy="0"/>
-          <a:chOff x="0" y="0"/>
-          <a:chExt cx="0" cy="0"/>
-        </a:xfrm>
-      </p:grpSpPr>
-      <p:sp>
-        <p:nvSpPr>
-          <p:cNvPr id="2" name="Titel 1">
-            <a:extLst>
-              <a:ext uri="{FF2B5EF4-FFF2-40B4-BE49-F238E27FC236}">
-                <a16:creationId xmlns:a16="http://schemas.microsoft.com/office/drawing/2014/main" id="{1B2DF668-324A-4604-AAA2-88FD6F657FA5}"/>
-              </a:ext>
-            </a:extLst>
-          </p:cNvPr>
-          <p:cNvSpPr>
-            <a:spLocks noGrp="1"/>
-          </p:cNvSpPr>
-          <p:nvPr>
-            <p:ph type="title"/>
-          </p:nvPr>
-        </p:nvSpPr>
-        <p:spPr/>
-        <p:txBody>
-          <a:bodyPr/>
-          <a:lstStyle/>
-          <a:p>
-            <a:r>
-              <a:rPr lang="en-US" dirty="0" err="1"/>
-              <a:t>Evaluierung</a:t>
-            </a:r>
-            <a:br>
-              <a:rPr lang="en-GB" dirty="0"/>
-            </a:br>
-            <a:endParaRPr lang="en-GB" dirty="0"/>
-          </a:p>
-        </p:txBody>
-      </p:sp>
-      <p:sp>
-        <p:nvSpPr>
-          <p:cNvPr id="3" name="Textplatzhalter 2">
-            <a:extLst>
-              <a:ext uri="{FF2B5EF4-FFF2-40B4-BE49-F238E27FC236}">
-                <a16:creationId xmlns:a16="http://schemas.microsoft.com/office/drawing/2014/main" id="{7CA67D98-7886-47DC-9C6B-AA102AA5277E}"/>
-              </a:ext>
-            </a:extLst>
-          </p:cNvPr>
-          <p:cNvSpPr>
-            <a:spLocks noGrp="1"/>
-          </p:cNvSpPr>
-          <p:nvPr>
-            <p:ph type="body" idx="1"/>
-          </p:nvPr>
-        </p:nvSpPr>
-        <p:spPr/>
-        <p:txBody>
-          <a:bodyPr/>
-          <a:lstStyle/>
-          <a:p>
-            <a:endParaRPr lang="en-GB"/>
-          </a:p>
-        </p:txBody>
-      </p:sp>
-    </p:spTree>
-    <p:extLst>
-      <p:ext uri="{BB962C8B-B14F-4D97-AF65-F5344CB8AC3E}">
-        <p14:creationId xmlns:p14="http://schemas.microsoft.com/office/powerpoint/2010/main" val="1965851768"/>
-      </p:ext>
-    </p:extLst>
-  </p:cSld>
-  <p:clrMapOvr>
-    <a:masterClrMapping/>
-  </p:clrMapOvr>
+  <p:timing>
+    <p:tnLst>
+      <p:par>
+        <p:cTn id="1" dur="indefinite" restart="never" nodeType="tmRoot"/>
+      </p:par>
+    </p:tnLst>
+  </p:timing>
 </p:sld>
 </file>
 
@@ -19300,6 +20010,104 @@
       </p:grpSpPr>
       <p:sp>
         <p:nvSpPr>
+          <p:cNvPr id="2" name="Titel 1">
+            <a:extLst>
+              <a:ext uri="{FF2B5EF4-FFF2-40B4-BE49-F238E27FC236}">
+                <a16:creationId xmlns:a16="http://schemas.microsoft.com/office/drawing/2014/main" id="{1B2DF668-324A-4604-AAA2-88FD6F657FA5}"/>
+              </a:ext>
+            </a:extLst>
+          </p:cNvPr>
+          <p:cNvSpPr>
+            <a:spLocks noGrp="1"/>
+          </p:cNvSpPr>
+          <p:nvPr>
+            <p:ph type="title"/>
+          </p:nvPr>
+        </p:nvSpPr>
+        <p:spPr/>
+        <p:txBody>
+          <a:bodyPr/>
+          <a:lstStyle/>
+          <a:p>
+            <a:r>
+              <a:rPr lang="en-US" dirty="0" err="1"/>
+              <a:t>Evaluierung</a:t>
+            </a:r>
+            <a:r>
+              <a:rPr lang="en-GB" dirty="0"/>
+              <a:t/>
+            </a:r>
+            <a:br>
+              <a:rPr lang="en-GB" dirty="0"/>
+            </a:br>
+            <a:endParaRPr lang="en-GB" dirty="0"/>
+          </a:p>
+        </p:txBody>
+      </p:sp>
+      <p:sp>
+        <p:nvSpPr>
+          <p:cNvPr id="3" name="Textplatzhalter 2">
+            <a:extLst>
+              <a:ext uri="{FF2B5EF4-FFF2-40B4-BE49-F238E27FC236}">
+                <a16:creationId xmlns:a16="http://schemas.microsoft.com/office/drawing/2014/main" id="{7CA67D98-7886-47DC-9C6B-AA102AA5277E}"/>
+              </a:ext>
+            </a:extLst>
+          </p:cNvPr>
+          <p:cNvSpPr>
+            <a:spLocks noGrp="1"/>
+          </p:cNvSpPr>
+          <p:nvPr>
+            <p:ph type="body" idx="1"/>
+          </p:nvPr>
+        </p:nvSpPr>
+        <p:spPr/>
+        <p:txBody>
+          <a:bodyPr/>
+          <a:lstStyle/>
+          <a:p>
+            <a:endParaRPr lang="en-GB"/>
+          </a:p>
+        </p:txBody>
+      </p:sp>
+    </p:spTree>
+    <p:extLst>
+      <p:ext uri="{BB962C8B-B14F-4D97-AF65-F5344CB8AC3E}">
+        <p14:creationId xmlns:p14="http://schemas.microsoft.com/office/powerpoint/2010/main" val="1965851768"/>
+      </p:ext>
+    </p:extLst>
+  </p:cSld>
+  <p:clrMapOvr>
+    <a:masterClrMapping/>
+  </p:clrMapOvr>
+  <p:timing>
+    <p:tnLst>
+      <p:par>
+        <p:cTn id="1" dur="indefinite" restart="never" nodeType="tmRoot"/>
+      </p:par>
+    </p:tnLst>
+  </p:timing>
+</p:sld>
+</file>
+
+<file path=ppt/slides/slide18.xml><?xml version="1.0" encoding="utf-8"?>
+<p:sld xmlns:a="http://schemas.openxmlformats.org/drawingml/2006/main" xmlns:r="http://schemas.openxmlformats.org/officeDocument/2006/relationships" xmlns:p="http://schemas.openxmlformats.org/presentationml/2006/main">
+  <p:cSld>
+    <p:spTree>
+      <p:nvGrpSpPr>
+        <p:cNvPr id="1" name=""/>
+        <p:cNvGrpSpPr/>
+        <p:nvPr/>
+      </p:nvGrpSpPr>
+      <p:grpSpPr>
+        <a:xfrm>
+          <a:off x="0" y="0"/>
+          <a:ext cx="0" cy="0"/>
+          <a:chOff x="0" y="0"/>
+          <a:chExt cx="0" cy="0"/>
+        </a:xfrm>
+      </p:grpSpPr>
+      <p:sp>
+        <p:nvSpPr>
           <p:cNvPr id="2" name="Inhaltsplatzhalter 1">
             <a:extLst>
               <a:ext uri="{FF2B5EF4-FFF2-40B4-BE49-F238E27FC236}">
@@ -19553,7 +20361,7 @@
           <a:p>
             <a:fld id="{92945389-04B4-460D-BD35-C57D41A2ECAA}" type="datetime1">
               <a:rPr lang="de-DE" smtClean="0"/>
-              <a:t>03.10.2019</a:t>
+              <a:t>07.10.2019</a:t>
             </a:fld>
             <a:endParaRPr lang="de-DE" dirty="0"/>
           </a:p>
@@ -19611,7 +20419,7 @@
           <a:p>
             <a:fld id="{9E82CC3C-1DC0-4FDA-9590-6CC506AB67F8}" type="slidenum">
               <a:rPr lang="de-DE" smtClean="0"/>
-              <a:t>17</a:t>
+              <a:t>18</a:t>
             </a:fld>
             <a:endParaRPr lang="de-DE" dirty="0"/>
           </a:p>
@@ -19718,7 +20526,7 @@
 </p:sld>
 </file>
 
-<file path=ppt/slides/slide18.xml><?xml version="1.0" encoding="utf-8"?>
+<file path=ppt/slides/slide19.xml><?xml version="1.0" encoding="utf-8"?>
 <p:sld xmlns:a="http://schemas.openxmlformats.org/drawingml/2006/main" xmlns:r="http://schemas.openxmlformats.org/officeDocument/2006/relationships" xmlns:p="http://schemas.openxmlformats.org/presentationml/2006/main">
   <p:cSld>
     <p:spTree>
@@ -19735,8 +20543,8 @@
           <a:chExt cx="0" cy="0"/>
         </a:xfrm>
       </p:grpSpPr>
-      <mc:AlternateContent xmlns:mc="http://schemas.openxmlformats.org/markup-compatibility/2006">
-        <mc:Choice xmlns:a14="http://schemas.microsoft.com/office/drawing/2010/main" Requires="a14">
+      <mc:AlternateContent xmlns:mc="http://schemas.openxmlformats.org/markup-compatibility/2006" xmlns:a14="http://schemas.microsoft.com/office/drawing/2010/main">
+        <mc:Choice Requires="a14">
           <p:sp>
             <p:nvSpPr>
               <p:cNvPr id="2" name="Inhaltsplatzhalter 1">
@@ -19834,7 +20642,7 @@
             </p:txBody>
           </p:sp>
         </mc:Choice>
-        <mc:Fallback>
+        <mc:Fallback xmlns="">
           <p:sp>
             <p:nvSpPr>
               <p:cNvPr id="2" name="Inhaltsplatzhalter 1">
@@ -19897,7 +20705,7 @@
           <a:p>
             <a:fld id="{92945389-04B4-460D-BD35-C57D41A2ECAA}" type="datetime1">
               <a:rPr lang="de-DE" smtClean="0"/>
-              <a:t>03.10.2019</a:t>
+              <a:t>07.10.2019</a:t>
             </a:fld>
             <a:endParaRPr lang="de-DE" dirty="0"/>
           </a:p>
@@ -19955,7 +20763,7 @@
           <a:p>
             <a:fld id="{9E82CC3C-1DC0-4FDA-9590-6CC506AB67F8}" type="slidenum">
               <a:rPr lang="de-DE" smtClean="0"/>
-              <a:t>18</a:t>
+              <a:t>19</a:t>
             </a:fld>
             <a:endParaRPr lang="de-DE" dirty="0"/>
           </a:p>
@@ -20043,7 +20851,7 @@
                 <a14:useLocalDpi xmlns:a14="http://schemas.microsoft.com/office/drawing/2010/main" val="0"/>
               </a:ext>
               <a:ext uri="{96DAC541-7B7A-43D3-8B79-37D633B846F1}">
-                <asvg:svgBlip xmlns:asvg="http://schemas.microsoft.com/office/drawing/2016/SVG/main" r:embed="rId4"/>
+                <asvg:svgBlip xmlns:asvg="http://schemas.microsoft.com/office/drawing/2016/SVG/main" xmlns="" r:embed="rId4"/>
               </a:ext>
             </a:extLst>
           </a:blip>
@@ -20082,7 +20890,7 @@
                 <a14:useLocalDpi xmlns:a14="http://schemas.microsoft.com/office/drawing/2010/main" val="0"/>
               </a:ext>
               <a:ext uri="{96DAC541-7B7A-43D3-8B79-37D633B846F1}">
-                <asvg:svgBlip xmlns:asvg="http://schemas.microsoft.com/office/drawing/2016/SVG/main" r:embed="rId6"/>
+                <asvg:svgBlip xmlns:asvg="http://schemas.microsoft.com/office/drawing/2016/SVG/main" xmlns="" r:embed="rId6"/>
               </a:ext>
             </a:extLst>
           </a:blip>
@@ -20113,7 +20921,7 @@
 </p:sld>
 </file>
 
-<file path=ppt/slides/slide19.xml><?xml version="1.0" encoding="utf-8"?>
+<file path=ppt/slides/slide2.xml><?xml version="1.0" encoding="utf-8"?>
 <p:sld xmlns:a="http://schemas.openxmlformats.org/drawingml/2006/main" xmlns:r="http://schemas.openxmlformats.org/officeDocument/2006/relationships" xmlns:p="http://schemas.openxmlformats.org/presentationml/2006/main">
   <p:cSld>
     <p:spTree>
@@ -20130,6 +20938,178 @@
           <a:chExt cx="0" cy="0"/>
         </a:xfrm>
       </p:grpSpPr>
+      <p:graphicFrame>
+        <p:nvGraphicFramePr>
+          <p:cNvPr id="8" name="Content Placeholder 7"/>
+          <p:cNvGraphicFramePr>
+            <a:graphicFrameLocks noGrp="1"/>
+          </p:cNvGraphicFramePr>
+          <p:nvPr>
+            <p:ph idx="1"/>
+            <p:extLst>
+              <p:ext uri="{D42A27DB-BD31-4B8C-83A1-F6EECF244321}">
+                <p14:modId xmlns:p14="http://schemas.microsoft.com/office/powerpoint/2010/main" val="448322763"/>
+              </p:ext>
+            </p:extLst>
+          </p:nvPr>
+        </p:nvGraphicFramePr>
+        <p:xfrm>
+          <a:off x="468313" y="1597025"/>
+          <a:ext cx="8207375" cy="3492500"/>
+        </p:xfrm>
+        <a:graphic>
+          <a:graphicData uri="http://schemas.openxmlformats.org/drawingml/2006/diagram">
+            <dgm:relIds xmlns:dgm="http://schemas.openxmlformats.org/drawingml/2006/diagram" xmlns:r="http://schemas.openxmlformats.org/officeDocument/2006/relationships" r:dm="rId2" r:lo="rId3" r:qs="rId4" r:cs="rId5"/>
+          </a:graphicData>
+        </a:graphic>
+      </p:graphicFrame>
+      <p:sp>
+        <p:nvSpPr>
+          <p:cNvPr id="3" name="Date Placeholder 2"/>
+          <p:cNvSpPr>
+            <a:spLocks noGrp="1"/>
+          </p:cNvSpPr>
+          <p:nvPr>
+            <p:ph type="dt" sz="half" idx="10"/>
+          </p:nvPr>
+        </p:nvSpPr>
+        <p:spPr/>
+        <p:txBody>
+          <a:bodyPr/>
+          <a:lstStyle/>
+          <a:p>
+            <a:fld id="{92945389-04B4-460D-BD35-C57D41A2ECAA}" type="datetime1">
+              <a:rPr lang="de-DE" smtClean="0"/>
+              <a:t>07.10.2019</a:t>
+            </a:fld>
+            <a:endParaRPr lang="de-DE" dirty="0"/>
+          </a:p>
+        </p:txBody>
+      </p:sp>
+      <p:sp>
+        <p:nvSpPr>
+          <p:cNvPr id="4" name="Footer Placeholder 3"/>
+          <p:cNvSpPr>
+            <a:spLocks noGrp="1"/>
+          </p:cNvSpPr>
+          <p:nvPr>
+            <p:ph type="ftr" sz="quarter" idx="11"/>
+          </p:nvPr>
+        </p:nvSpPr>
+        <p:spPr/>
+        <p:txBody>
+          <a:bodyPr/>
+          <a:lstStyle/>
+          <a:p>
+            <a:r>
+              <a:rPr lang="de-DE"/>
+              <a:t>Universität Stuttgart</a:t>
+            </a:r>
+            <a:endParaRPr lang="de-DE" dirty="0"/>
+          </a:p>
+        </p:txBody>
+      </p:sp>
+      <p:sp>
+        <p:nvSpPr>
+          <p:cNvPr id="5" name="Slide Number Placeholder 4"/>
+          <p:cNvSpPr>
+            <a:spLocks noGrp="1"/>
+          </p:cNvSpPr>
+          <p:nvPr>
+            <p:ph type="sldNum" sz="quarter" idx="12"/>
+          </p:nvPr>
+        </p:nvSpPr>
+        <p:spPr/>
+        <p:txBody>
+          <a:bodyPr/>
+          <a:lstStyle/>
+          <a:p>
+            <a:fld id="{9E82CC3C-1DC0-4FDA-9590-6CC506AB67F8}" type="slidenum">
+              <a:rPr lang="de-DE" smtClean="0"/>
+              <a:t>2</a:t>
+            </a:fld>
+            <a:endParaRPr lang="de-DE" dirty="0"/>
+          </a:p>
+        </p:txBody>
+      </p:sp>
+      <p:sp>
+        <p:nvSpPr>
+          <p:cNvPr id="6" name="Text Placeholder 5"/>
+          <p:cNvSpPr>
+            <a:spLocks noGrp="1"/>
+          </p:cNvSpPr>
+          <p:nvPr>
+            <p:ph type="body" sz="quarter" idx="13"/>
+          </p:nvPr>
+        </p:nvSpPr>
+        <p:spPr/>
+        <p:txBody>
+          <a:bodyPr/>
+          <a:lstStyle/>
+          <a:p>
+            <a:endParaRPr lang="de-DE"/>
+          </a:p>
+        </p:txBody>
+      </p:sp>
+      <p:sp>
+        <p:nvSpPr>
+          <p:cNvPr id="7" name="Title 6"/>
+          <p:cNvSpPr>
+            <a:spLocks noGrp="1"/>
+          </p:cNvSpPr>
+          <p:nvPr>
+            <p:ph type="title"/>
+          </p:nvPr>
+        </p:nvSpPr>
+        <p:spPr/>
+        <p:txBody>
+          <a:bodyPr/>
+          <a:lstStyle/>
+          <a:p>
+            <a:r>
+              <a:rPr lang="de-DE" dirty="0"/>
+              <a:t>Gliederung</a:t>
+            </a:r>
+          </a:p>
+        </p:txBody>
+      </p:sp>
+    </p:spTree>
+    <p:extLst>
+      <p:ext uri="{BB962C8B-B14F-4D97-AF65-F5344CB8AC3E}">
+        <p14:creationId xmlns:p14="http://schemas.microsoft.com/office/powerpoint/2010/main" val="664565368"/>
+      </p:ext>
+    </p:extLst>
+  </p:cSld>
+  <p:clrMapOvr>
+    <a:masterClrMapping/>
+  </p:clrMapOvr>
+  <p:timing>
+    <p:tnLst>
+      <p:par>
+        <p:cTn id="1" dur="indefinite" restart="never" nodeType="tmRoot"/>
+      </p:par>
+    </p:tnLst>
+  </p:timing>
+</p:sld>
+</file>
+
+<file path=ppt/slides/slide20.xml><?xml version="1.0" encoding="utf-8"?>
+<p:sld xmlns:a="http://schemas.openxmlformats.org/drawingml/2006/main" xmlns:r="http://schemas.openxmlformats.org/officeDocument/2006/relationships" xmlns:p="http://schemas.openxmlformats.org/presentationml/2006/main">
+  <p:cSld>
+    <p:spTree>
+      <p:nvGrpSpPr>
+        <p:cNvPr id="1" name=""/>
+        <p:cNvGrpSpPr/>
+        <p:nvPr/>
+      </p:nvGrpSpPr>
+      <p:grpSpPr>
+        <a:xfrm>
+          <a:off x="0" y="0"/>
+          <a:ext cx="0" cy="0"/>
+          <a:chOff x="0" y="0"/>
+          <a:chExt cx="0" cy="0"/>
+        </a:xfrm>
+      </p:grpSpPr>
       <p:sp>
         <p:nvSpPr>
           <p:cNvPr id="2" name="Inhaltsplatzhalter 1">
@@ -20222,7 +21202,7 @@
           <a:p>
             <a:fld id="{92945389-04B4-460D-BD35-C57D41A2ECAA}" type="datetime1">
               <a:rPr lang="de-DE" smtClean="0"/>
-              <a:t>03.10.2019</a:t>
+              <a:t>07.10.2019</a:t>
             </a:fld>
             <a:endParaRPr lang="de-DE" dirty="0"/>
           </a:p>
@@ -20280,7 +21260,7 @@
           <a:p>
             <a:fld id="{9E82CC3C-1DC0-4FDA-9590-6CC506AB67F8}" type="slidenum">
               <a:rPr lang="de-DE" smtClean="0"/>
-              <a:t>19</a:t>
+              <a:t>20</a:t>
             </a:fld>
             <a:endParaRPr lang="de-DE" dirty="0"/>
           </a:p>
@@ -20373,7 +21353,7 @@
                 <a14:useLocalDpi xmlns:a14="http://schemas.microsoft.com/office/drawing/2010/main" val="0"/>
               </a:ext>
               <a:ext uri="{96DAC541-7B7A-43D3-8B79-37D633B846F1}">
-                <asvg:svgBlip xmlns:asvg="http://schemas.microsoft.com/office/drawing/2016/SVG/main" r:embed="rId3"/>
+                <asvg:svgBlip xmlns:asvg="http://schemas.microsoft.com/office/drawing/2016/SVG/main" xmlns="" r:embed="rId3"/>
               </a:ext>
             </a:extLst>
           </a:blip>
@@ -20412,7 +21392,7 @@
                 <a14:useLocalDpi xmlns:a14="http://schemas.microsoft.com/office/drawing/2010/main" val="0"/>
               </a:ext>
               <a:ext uri="{96DAC541-7B7A-43D3-8B79-37D633B846F1}">
-                <asvg:svgBlip xmlns:asvg="http://schemas.microsoft.com/office/drawing/2016/SVG/main" r:embed="rId5"/>
+                <asvg:svgBlip xmlns:asvg="http://schemas.microsoft.com/office/drawing/2016/SVG/main" xmlns="" r:embed="rId5"/>
               </a:ext>
             </a:extLst>
           </a:blip>
@@ -20443,7 +21423,7 @@
 </p:sld>
 </file>
 
-<file path=ppt/slides/slide2.xml><?xml version="1.0" encoding="utf-8"?>
+<file path=ppt/slides/slide21.xml><?xml version="1.0" encoding="utf-8"?>
 <p:sld xmlns:a="http://schemas.openxmlformats.org/drawingml/2006/main" xmlns:r="http://schemas.openxmlformats.org/officeDocument/2006/relationships" xmlns:p="http://schemas.openxmlformats.org/presentationml/2006/main">
   <p:cSld>
     <p:spTree>
@@ -20460,171 +21440,6 @@
           <a:chExt cx="0" cy="0"/>
         </a:xfrm>
       </p:grpSpPr>
-      <p:graphicFrame>
-        <p:nvGraphicFramePr>
-          <p:cNvPr id="8" name="Content Placeholder 7"/>
-          <p:cNvGraphicFramePr>
-            <a:graphicFrameLocks noGrp="1"/>
-          </p:cNvGraphicFramePr>
-          <p:nvPr>
-            <p:ph idx="1"/>
-            <p:extLst>
-              <p:ext uri="{D42A27DB-BD31-4B8C-83A1-F6EECF244321}">
-                <p14:modId xmlns:p14="http://schemas.microsoft.com/office/powerpoint/2010/main" val="448322763"/>
-              </p:ext>
-            </p:extLst>
-          </p:nvPr>
-        </p:nvGraphicFramePr>
-        <p:xfrm>
-          <a:off x="468313" y="1597025"/>
-          <a:ext cx="8207375" cy="3492500"/>
-        </p:xfrm>
-        <a:graphic>
-          <a:graphicData uri="http://schemas.openxmlformats.org/drawingml/2006/diagram">
-            <dgm:relIds xmlns:dgm="http://schemas.openxmlformats.org/drawingml/2006/diagram" xmlns:r="http://schemas.openxmlformats.org/officeDocument/2006/relationships" r:dm="rId2" r:lo="rId3" r:qs="rId4" r:cs="rId5"/>
-          </a:graphicData>
-        </a:graphic>
-      </p:graphicFrame>
-      <p:sp>
-        <p:nvSpPr>
-          <p:cNvPr id="3" name="Date Placeholder 2"/>
-          <p:cNvSpPr>
-            <a:spLocks noGrp="1"/>
-          </p:cNvSpPr>
-          <p:nvPr>
-            <p:ph type="dt" sz="half" idx="10"/>
-          </p:nvPr>
-        </p:nvSpPr>
-        <p:spPr/>
-        <p:txBody>
-          <a:bodyPr/>
-          <a:lstStyle/>
-          <a:p>
-            <a:fld id="{92945389-04B4-460D-BD35-C57D41A2ECAA}" type="datetime1">
-              <a:rPr lang="de-DE" smtClean="0"/>
-              <a:t>03.10.2019</a:t>
-            </a:fld>
-            <a:endParaRPr lang="de-DE" dirty="0"/>
-          </a:p>
-        </p:txBody>
-      </p:sp>
-      <p:sp>
-        <p:nvSpPr>
-          <p:cNvPr id="4" name="Footer Placeholder 3"/>
-          <p:cNvSpPr>
-            <a:spLocks noGrp="1"/>
-          </p:cNvSpPr>
-          <p:nvPr>
-            <p:ph type="ftr" sz="quarter" idx="11"/>
-          </p:nvPr>
-        </p:nvSpPr>
-        <p:spPr/>
-        <p:txBody>
-          <a:bodyPr/>
-          <a:lstStyle/>
-          <a:p>
-            <a:r>
-              <a:rPr lang="de-DE"/>
-              <a:t>Universität Stuttgart</a:t>
-            </a:r>
-            <a:endParaRPr lang="de-DE" dirty="0"/>
-          </a:p>
-        </p:txBody>
-      </p:sp>
-      <p:sp>
-        <p:nvSpPr>
-          <p:cNvPr id="5" name="Slide Number Placeholder 4"/>
-          <p:cNvSpPr>
-            <a:spLocks noGrp="1"/>
-          </p:cNvSpPr>
-          <p:nvPr>
-            <p:ph type="sldNum" sz="quarter" idx="12"/>
-          </p:nvPr>
-        </p:nvSpPr>
-        <p:spPr/>
-        <p:txBody>
-          <a:bodyPr/>
-          <a:lstStyle/>
-          <a:p>
-            <a:fld id="{9E82CC3C-1DC0-4FDA-9590-6CC506AB67F8}" type="slidenum">
-              <a:rPr lang="de-DE" smtClean="0"/>
-              <a:t>2</a:t>
-            </a:fld>
-            <a:endParaRPr lang="de-DE" dirty="0"/>
-          </a:p>
-        </p:txBody>
-      </p:sp>
-      <p:sp>
-        <p:nvSpPr>
-          <p:cNvPr id="6" name="Text Placeholder 5"/>
-          <p:cNvSpPr>
-            <a:spLocks noGrp="1"/>
-          </p:cNvSpPr>
-          <p:nvPr>
-            <p:ph type="body" sz="quarter" idx="13"/>
-          </p:nvPr>
-        </p:nvSpPr>
-        <p:spPr/>
-        <p:txBody>
-          <a:bodyPr/>
-          <a:lstStyle/>
-          <a:p>
-            <a:endParaRPr lang="de-DE"/>
-          </a:p>
-        </p:txBody>
-      </p:sp>
-      <p:sp>
-        <p:nvSpPr>
-          <p:cNvPr id="7" name="Title 6"/>
-          <p:cNvSpPr>
-            <a:spLocks noGrp="1"/>
-          </p:cNvSpPr>
-          <p:nvPr>
-            <p:ph type="title"/>
-          </p:nvPr>
-        </p:nvSpPr>
-        <p:spPr/>
-        <p:txBody>
-          <a:bodyPr/>
-          <a:lstStyle/>
-          <a:p>
-            <a:r>
-              <a:rPr lang="de-DE" dirty="0"/>
-              <a:t>Gliederung</a:t>
-            </a:r>
-          </a:p>
-        </p:txBody>
-      </p:sp>
-    </p:spTree>
-    <p:extLst>
-      <p:ext uri="{BB962C8B-B14F-4D97-AF65-F5344CB8AC3E}">
-        <p14:creationId xmlns:p14="http://schemas.microsoft.com/office/powerpoint/2010/main" val="664565368"/>
-      </p:ext>
-    </p:extLst>
-  </p:cSld>
-  <p:clrMapOvr>
-    <a:masterClrMapping/>
-  </p:clrMapOvr>
-</p:sld>
-</file>
-
-<file path=ppt/slides/slide20.xml><?xml version="1.0" encoding="utf-8"?>
-<p:sld xmlns:a="http://schemas.openxmlformats.org/drawingml/2006/main" xmlns:r="http://schemas.openxmlformats.org/officeDocument/2006/relationships" xmlns:p="http://schemas.openxmlformats.org/presentationml/2006/main">
-  <p:cSld>
-    <p:spTree>
-      <p:nvGrpSpPr>
-        <p:cNvPr id="1" name=""/>
-        <p:cNvGrpSpPr/>
-        <p:nvPr/>
-      </p:nvGrpSpPr>
-      <p:grpSpPr>
-        <a:xfrm>
-          <a:off x="0" y="0"/>
-          <a:ext cx="0" cy="0"/>
-          <a:chOff x="0" y="0"/>
-          <a:chExt cx="0" cy="0"/>
-        </a:xfrm>
-      </p:grpSpPr>
       <p:sp>
         <p:nvSpPr>
           <p:cNvPr id="2" name="Inhaltsplatzhalter 1">
@@ -20724,7 +21539,7 @@
           <a:p>
             <a:fld id="{92945389-04B4-460D-BD35-C57D41A2ECAA}" type="datetime1">
               <a:rPr lang="de-DE" smtClean="0"/>
-              <a:t>03.10.2019</a:t>
+              <a:t>07.10.2019</a:t>
             </a:fld>
             <a:endParaRPr lang="de-DE" dirty="0"/>
           </a:p>
@@ -20782,7 +21597,7 @@
           <a:p>
             <a:fld id="{9E82CC3C-1DC0-4FDA-9590-6CC506AB67F8}" type="slidenum">
               <a:rPr lang="de-DE" smtClean="0"/>
-              <a:t>20</a:t>
+              <a:t>21</a:t>
             </a:fld>
             <a:endParaRPr lang="de-DE" dirty="0"/>
           </a:p>
@@ -20992,12 +21807,12 @@
                         </a:spcAft>
                       </a:pPr>
                       <a:r>
-                        <a:rPr lang="de-DE" sz="1200">
+                        <a:rPr lang="de-DE" sz="1200" dirty="0">
                           <a:effectLst/>
                         </a:rPr>
                         <a:t>90,66 +/- 0,32</a:t>
                       </a:r>
-                      <a:endParaRPr lang="de-DE" sz="1200">
+                      <a:endParaRPr lang="de-DE" sz="1200" dirty="0">
                         <a:effectLst/>
                         <a:latin typeface="Arial" panose="020B0604020202020204" pitchFamily="34" charset="0"/>
                         <a:ea typeface="Times New Roman" panose="02020603050405020304" pitchFamily="18" charset="0"/>
@@ -21051,12 +21866,12 @@
                         </a:spcAft>
                       </a:pPr>
                       <a:r>
-                        <a:rPr lang="de-DE" sz="1200">
+                        <a:rPr lang="de-DE" sz="1200" dirty="0">
                           <a:effectLst/>
                         </a:rPr>
                         <a:t>86,94 +/- 1,29</a:t>
                       </a:r>
-                      <a:endParaRPr lang="de-DE" sz="1200">
+                      <a:endParaRPr lang="de-DE" sz="1200" dirty="0">
                         <a:effectLst/>
                         <a:latin typeface="Arial" panose="020B0604020202020204" pitchFamily="34" charset="0"/>
                         <a:ea typeface="Times New Roman" panose="02020603050405020304" pitchFamily="18" charset="0"/>
@@ -21838,93 +22653,13 @@
   <p:clrMapOvr>
     <a:masterClrMapping/>
   </p:clrMapOvr>
-</p:sld>
-</file>
-
-<file path=ppt/slides/slide21.xml><?xml version="1.0" encoding="utf-8"?>
-<p:sld xmlns:a="http://schemas.openxmlformats.org/drawingml/2006/main" xmlns:r="http://schemas.openxmlformats.org/officeDocument/2006/relationships" xmlns:p="http://schemas.openxmlformats.org/presentationml/2006/main">
-  <p:cSld>
-    <p:spTree>
-      <p:nvGrpSpPr>
-        <p:cNvPr id="1" name=""/>
-        <p:cNvGrpSpPr/>
-        <p:nvPr/>
-      </p:nvGrpSpPr>
-      <p:grpSpPr>
-        <a:xfrm>
-          <a:off x="0" y="0"/>
-          <a:ext cx="0" cy="0"/>
-          <a:chOff x="0" y="0"/>
-          <a:chExt cx="0" cy="0"/>
-        </a:xfrm>
-      </p:grpSpPr>
-      <p:sp>
-        <p:nvSpPr>
-          <p:cNvPr id="2" name="Titel 1">
-            <a:extLst>
-              <a:ext uri="{FF2B5EF4-FFF2-40B4-BE49-F238E27FC236}">
-                <a16:creationId xmlns:a16="http://schemas.microsoft.com/office/drawing/2014/main" id="{4ED504E0-A20B-4D20-A325-79D1EDC686F1}"/>
-              </a:ext>
-            </a:extLst>
-          </p:cNvPr>
-          <p:cNvSpPr>
-            <a:spLocks noGrp="1"/>
-          </p:cNvSpPr>
-          <p:nvPr>
-            <p:ph type="title"/>
-          </p:nvPr>
-        </p:nvSpPr>
-        <p:spPr/>
-        <p:txBody>
-          <a:bodyPr/>
-          <a:lstStyle/>
-          <a:p>
-            <a:r>
-              <a:rPr lang="en-US" dirty="0"/>
-              <a:t>Demonstrator</a:t>
-            </a:r>
-            <a:br>
-              <a:rPr lang="en-GB" dirty="0"/>
-            </a:br>
-            <a:endParaRPr lang="en-GB" dirty="0"/>
-          </a:p>
-        </p:txBody>
-      </p:sp>
-      <p:sp>
-        <p:nvSpPr>
-          <p:cNvPr id="3" name="Textplatzhalter 2">
-            <a:extLst>
-              <a:ext uri="{FF2B5EF4-FFF2-40B4-BE49-F238E27FC236}">
-                <a16:creationId xmlns:a16="http://schemas.microsoft.com/office/drawing/2014/main" id="{4BAAAC7C-B6B4-41F6-A904-36A109143E2A}"/>
-              </a:ext>
-            </a:extLst>
-          </p:cNvPr>
-          <p:cNvSpPr>
-            <a:spLocks noGrp="1"/>
-          </p:cNvSpPr>
-          <p:nvPr>
-            <p:ph type="body" idx="1"/>
-          </p:nvPr>
-        </p:nvSpPr>
-        <p:spPr/>
-        <p:txBody>
-          <a:bodyPr/>
-          <a:lstStyle/>
-          <a:p>
-            <a:endParaRPr lang="en-GB"/>
-          </a:p>
-        </p:txBody>
-      </p:sp>
-    </p:spTree>
-    <p:extLst>
-      <p:ext uri="{BB962C8B-B14F-4D97-AF65-F5344CB8AC3E}">
-        <p14:creationId xmlns:p14="http://schemas.microsoft.com/office/powerpoint/2010/main" val="316061258"/>
-      </p:ext>
-    </p:extLst>
-  </p:cSld>
-  <p:clrMapOvr>
-    <a:masterClrMapping/>
-  </p:clrMapOvr>
+  <p:timing>
+    <p:tnLst>
+      <p:par>
+        <p:cTn id="1" dur="indefinite" restart="never" nodeType="tmRoot"/>
+      </p:par>
+    </p:tnLst>
+  </p:timing>
 </p:sld>
 </file>
 
@@ -21947,18 +22682,12 @@
       </p:grpSpPr>
       <p:sp>
         <p:nvSpPr>
-          <p:cNvPr id="2" name="Titel 1">
-            <a:extLst>
-              <a:ext uri="{FF2B5EF4-FFF2-40B4-BE49-F238E27FC236}">
-                <a16:creationId xmlns:a16="http://schemas.microsoft.com/office/drawing/2014/main" id="{C93D6065-CAC6-4FFF-ADB0-E3D3DCFF9ED5}"/>
-              </a:ext>
-            </a:extLst>
-          </p:cNvPr>
-          <p:cNvSpPr>
-            <a:spLocks noGrp="1"/>
-          </p:cNvSpPr>
-          <p:nvPr>
-            <p:ph type="title"/>
+          <p:cNvPr id="2" name="Content Placeholder 1"/>
+          <p:cNvSpPr>
+            <a:spLocks noGrp="1"/>
+          </p:cNvSpPr>
+          <p:nvPr>
+            <p:ph idx="1"/>
           </p:nvPr>
         </p:nvSpPr>
         <p:spPr/>
@@ -21967,38 +22696,58 @@
           <a:lstStyle/>
           <a:p>
             <a:r>
-              <a:rPr lang="en-US" dirty="0" err="1"/>
-              <a:t>Zusammenfassung</a:t>
-            </a:r>
-            <a:r>
-              <a:rPr lang="en-US" dirty="0"/>
-              <a:t> und </a:t>
-            </a:r>
-            <a:r>
-              <a:rPr lang="en-US" dirty="0" err="1"/>
-              <a:t>Ausblick</a:t>
-            </a:r>
-            <a:br>
-              <a:rPr lang="en-US" dirty="0"/>
-            </a:br>
-            <a:endParaRPr lang="en-GB" dirty="0"/>
-          </a:p>
-        </p:txBody>
-      </p:sp>
-      <p:sp>
-        <p:nvSpPr>
-          <p:cNvPr id="3" name="Textplatzhalter 2">
-            <a:extLst>
-              <a:ext uri="{FF2B5EF4-FFF2-40B4-BE49-F238E27FC236}">
-                <a16:creationId xmlns:a16="http://schemas.microsoft.com/office/drawing/2014/main" id="{ABEAE629-8168-44E8-8EA3-C4D082B0C50A}"/>
-              </a:ext>
-            </a:extLst>
-          </p:cNvPr>
-          <p:cNvSpPr>
-            <a:spLocks noGrp="1"/>
-          </p:cNvSpPr>
-          <p:nvPr>
-            <p:ph type="body" idx="1"/>
+              <a:rPr lang="de-DE" dirty="0" smtClean="0"/>
+              <a:t>Konsolidierung der Repräsentationen des </a:t>
+            </a:r>
+            <a:r>
+              <a:rPr lang="de-DE" dirty="0" err="1" smtClean="0"/>
+              <a:t>FuzzyARTMAP</a:t>
+            </a:r>
+            <a:r>
+              <a:rPr lang="de-DE" dirty="0" smtClean="0"/>
+              <a:t>-Netzwerkes zu einer einzelnen Repräsentation</a:t>
+            </a:r>
+          </a:p>
+          <a:p>
+            <a:r>
+              <a:rPr lang="de-DE" dirty="0" smtClean="0"/>
+              <a:t>Einfluss der Konsolidierung während des Trainingsprozesses</a:t>
+            </a:r>
+          </a:p>
+          <a:p>
+            <a:pPr lvl="1"/>
+            <a:r>
+              <a:rPr lang="de-DE" dirty="0" smtClean="0"/>
+              <a:t>Keine Konsolidierung</a:t>
+            </a:r>
+          </a:p>
+          <a:p>
+            <a:pPr lvl="1"/>
+            <a:r>
+              <a:rPr lang="de-DE" dirty="0" smtClean="0"/>
+              <a:t>Konsolidierung nach jedem Trainingsschritt</a:t>
+            </a:r>
+          </a:p>
+          <a:p>
+            <a:pPr lvl="1"/>
+            <a:r>
+              <a:rPr lang="de-DE" dirty="0" smtClean="0"/>
+              <a:t>Konsolidierung nach finalem Trainingsschritt</a:t>
+            </a:r>
+          </a:p>
+          <a:p>
+            <a:endParaRPr lang="de-DE" dirty="0"/>
+          </a:p>
+        </p:txBody>
+      </p:sp>
+      <p:sp>
+        <p:nvSpPr>
+          <p:cNvPr id="3" name="Date Placeholder 2"/>
+          <p:cNvSpPr>
+            <a:spLocks noGrp="1"/>
+          </p:cNvSpPr>
+          <p:nvPr>
+            <p:ph type="dt" sz="half" idx="10"/>
           </p:nvPr>
         </p:nvSpPr>
         <p:spPr/>
@@ -22006,20 +22755,729 @@
           <a:bodyPr/>
           <a:lstStyle/>
           <a:p>
-            <a:endParaRPr lang="en-GB"/>
-          </a:p>
-        </p:txBody>
-      </p:sp>
+            <a:fld id="{92945389-04B4-460D-BD35-C57D41A2ECAA}" type="datetime1">
+              <a:rPr lang="de-DE" smtClean="0"/>
+              <a:t>07.10.2019</a:t>
+            </a:fld>
+            <a:endParaRPr lang="de-DE" dirty="0"/>
+          </a:p>
+        </p:txBody>
+      </p:sp>
+      <p:sp>
+        <p:nvSpPr>
+          <p:cNvPr id="4" name="Footer Placeholder 3"/>
+          <p:cNvSpPr>
+            <a:spLocks noGrp="1"/>
+          </p:cNvSpPr>
+          <p:nvPr>
+            <p:ph type="ftr" sz="quarter" idx="11"/>
+          </p:nvPr>
+        </p:nvSpPr>
+        <p:spPr/>
+        <p:txBody>
+          <a:bodyPr/>
+          <a:lstStyle/>
+          <a:p>
+            <a:r>
+              <a:rPr lang="de-DE" smtClean="0"/>
+              <a:t>Universität Stuttgart</a:t>
+            </a:r>
+            <a:endParaRPr lang="de-DE" dirty="0"/>
+          </a:p>
+        </p:txBody>
+      </p:sp>
+      <p:sp>
+        <p:nvSpPr>
+          <p:cNvPr id="5" name="Slide Number Placeholder 4"/>
+          <p:cNvSpPr>
+            <a:spLocks noGrp="1"/>
+          </p:cNvSpPr>
+          <p:nvPr>
+            <p:ph type="sldNum" sz="quarter" idx="12"/>
+          </p:nvPr>
+        </p:nvSpPr>
+        <p:spPr/>
+        <p:txBody>
+          <a:bodyPr/>
+          <a:lstStyle/>
+          <a:p>
+            <a:fld id="{9E82CC3C-1DC0-4FDA-9590-6CC506AB67F8}" type="slidenum">
+              <a:rPr lang="de-DE" smtClean="0"/>
+              <a:t>22</a:t>
+            </a:fld>
+            <a:endParaRPr lang="de-DE" dirty="0"/>
+          </a:p>
+        </p:txBody>
+      </p:sp>
+      <p:sp>
+        <p:nvSpPr>
+          <p:cNvPr id="6" name="Text Placeholder 5"/>
+          <p:cNvSpPr>
+            <a:spLocks noGrp="1"/>
+          </p:cNvSpPr>
+          <p:nvPr>
+            <p:ph type="body" sz="quarter" idx="13"/>
+          </p:nvPr>
+        </p:nvSpPr>
+        <p:spPr/>
+        <p:txBody>
+          <a:bodyPr/>
+          <a:lstStyle/>
+          <a:p>
+            <a:r>
+              <a:rPr lang="de-DE" dirty="0" smtClean="0"/>
+              <a:t>Konsolidierung</a:t>
+            </a:r>
+            <a:endParaRPr lang="de-DE" dirty="0"/>
+          </a:p>
+        </p:txBody>
+      </p:sp>
+      <p:sp>
+        <p:nvSpPr>
+          <p:cNvPr id="7" name="Title 6"/>
+          <p:cNvSpPr>
+            <a:spLocks noGrp="1"/>
+          </p:cNvSpPr>
+          <p:nvPr>
+            <p:ph type="title"/>
+          </p:nvPr>
+        </p:nvSpPr>
+        <p:spPr/>
+        <p:txBody>
+          <a:bodyPr/>
+          <a:lstStyle/>
+          <a:p>
+            <a:r>
+              <a:rPr lang="de-DE" dirty="0" smtClean="0"/>
+              <a:t>Evaluierung</a:t>
+            </a:r>
+            <a:endParaRPr lang="de-DE" dirty="0"/>
+          </a:p>
+        </p:txBody>
+      </p:sp>
+      <p:pic>
+        <p:nvPicPr>
+          <p:cNvPr id="8" name="Picture 7"/>
+          <p:cNvPicPr>
+            <a:picLocks noChangeAspect="1"/>
+          </p:cNvPicPr>
+          <p:nvPr/>
+        </p:nvPicPr>
+        <p:blipFill>
+          <a:blip r:embed="rId2"/>
+          <a:stretch>
+            <a:fillRect/>
+          </a:stretch>
+        </p:blipFill>
+        <p:spPr>
+          <a:xfrm>
+            <a:off x="5832109" y="2672767"/>
+            <a:ext cx="3077735" cy="2610465"/>
+          </a:xfrm>
+          <a:prstGeom prst="rect">
+            <a:avLst/>
+          </a:prstGeom>
+        </p:spPr>
+      </p:pic>
+      <p:pic>
+        <p:nvPicPr>
+          <p:cNvPr id="9" name="Picture 8"/>
+          <p:cNvPicPr>
+            <a:picLocks noChangeAspect="1"/>
+          </p:cNvPicPr>
+          <p:nvPr/>
+        </p:nvPicPr>
+        <p:blipFill>
+          <a:blip r:embed="rId3"/>
+          <a:stretch>
+            <a:fillRect/>
+          </a:stretch>
+        </p:blipFill>
+        <p:spPr>
+          <a:xfrm>
+            <a:off x="5304001" y="2538000"/>
+            <a:ext cx="3839999" cy="2880000"/>
+          </a:xfrm>
+          <a:prstGeom prst="rect">
+            <a:avLst/>
+          </a:prstGeom>
+        </p:spPr>
+      </p:pic>
+      <p:graphicFrame>
+        <p:nvGraphicFramePr>
+          <p:cNvPr id="10" name="Table 9"/>
+          <p:cNvGraphicFramePr>
+            <a:graphicFrameLocks noGrp="1"/>
+          </p:cNvGraphicFramePr>
+          <p:nvPr>
+            <p:extLst>
+              <p:ext uri="{D42A27DB-BD31-4B8C-83A1-F6EECF244321}">
+                <p14:modId xmlns:p14="http://schemas.microsoft.com/office/powerpoint/2010/main" val="797628023"/>
+              </p:ext>
+            </p:extLst>
+          </p:nvPr>
+        </p:nvGraphicFramePr>
+        <p:xfrm>
+          <a:off x="2062797" y="3809365"/>
+          <a:ext cx="5018405" cy="1280160"/>
+        </p:xfrm>
+        <a:graphic>
+          <a:graphicData uri="http://schemas.openxmlformats.org/drawingml/2006/table">
+            <a:tbl>
+              <a:tblPr firstRow="1" firstCol="1" bandRow="1">
+                <a:tableStyleId>{5C22544A-7EE6-4342-B048-85BDC9FD1C3A}</a:tableStyleId>
+              </a:tblPr>
+              <a:tblGrid>
+                <a:gridCol w="1347470">
+                  <a:extLst>
+                    <a:ext uri="{9D8B030D-6E8A-4147-A177-3AD203B41FA5}">
+                      <a16:colId xmlns:a16="http://schemas.microsoft.com/office/drawing/2014/main" val="2057739895"/>
+                    </a:ext>
+                  </a:extLst>
+                </a:gridCol>
+                <a:gridCol w="1889760">
+                  <a:extLst>
+                    <a:ext uri="{9D8B030D-6E8A-4147-A177-3AD203B41FA5}">
+                      <a16:colId xmlns:a16="http://schemas.microsoft.com/office/drawing/2014/main" val="3223940877"/>
+                    </a:ext>
+                  </a:extLst>
+                </a:gridCol>
+                <a:gridCol w="1781175">
+                  <a:extLst>
+                    <a:ext uri="{9D8B030D-6E8A-4147-A177-3AD203B41FA5}">
+                      <a16:colId xmlns:a16="http://schemas.microsoft.com/office/drawing/2014/main" val="1374864194"/>
+                    </a:ext>
+                  </a:extLst>
+                </a:gridCol>
+              </a:tblGrid>
+              <a:tr h="113030">
+                <a:tc>
+                  <a:txBody>
+                    <a:bodyPr/>
+                    <a:lstStyle/>
+                    <a:p>
+                      <a:pPr algn="ctr">
+                        <a:spcAft>
+                          <a:spcPts val="0"/>
+                        </a:spcAft>
+                      </a:pPr>
+                      <a:r>
+                        <a:rPr lang="de-DE" sz="1200" dirty="0">
+                          <a:effectLst/>
+                        </a:rPr>
+                        <a:t>Konsolidierungs-methode</a:t>
+                      </a:r>
+                      <a:endParaRPr lang="de-DE" sz="1200" dirty="0">
+                        <a:effectLst/>
+                        <a:latin typeface="Arial" panose="020B0604020202020204" pitchFamily="34" charset="0"/>
+                        <a:ea typeface="Times New Roman" panose="02020603050405020304" pitchFamily="18" charset="0"/>
+                        <a:cs typeface="Times New Roman" panose="02020603050405020304" pitchFamily="18" charset="0"/>
+                      </a:endParaRPr>
+                    </a:p>
+                  </a:txBody>
+                  <a:tcPr marL="68580" marR="68580" marT="0" marB="0"/>
+                </a:tc>
+                <a:tc>
+                  <a:txBody>
+                    <a:bodyPr/>
+                    <a:lstStyle/>
+                    <a:p>
+                      <a:pPr algn="ctr">
+                        <a:spcAft>
+                          <a:spcPts val="0"/>
+                        </a:spcAft>
+                      </a:pPr>
+                      <a:r>
+                        <a:rPr lang="de-DE" sz="1200">
+                          <a:effectLst/>
+                        </a:rPr>
+                        <a:t>Finale Klassifikations-genauigkeit Split-MNIST in %</a:t>
+                      </a:r>
+                      <a:endParaRPr lang="de-DE" sz="1200">
+                        <a:effectLst/>
+                        <a:latin typeface="Arial" panose="020B0604020202020204" pitchFamily="34" charset="0"/>
+                        <a:ea typeface="Times New Roman" panose="02020603050405020304" pitchFamily="18" charset="0"/>
+                        <a:cs typeface="Times New Roman" panose="02020603050405020304" pitchFamily="18" charset="0"/>
+                      </a:endParaRPr>
+                    </a:p>
+                  </a:txBody>
+                  <a:tcPr marL="68580" marR="68580" marT="0" marB="0"/>
+                </a:tc>
+                <a:tc>
+                  <a:txBody>
+                    <a:bodyPr/>
+                    <a:lstStyle/>
+                    <a:p>
+                      <a:pPr algn="ctr">
+                        <a:spcAft>
+                          <a:spcPts val="0"/>
+                        </a:spcAft>
+                      </a:pPr>
+                      <a:r>
+                        <a:rPr lang="de-DE" sz="1200">
+                          <a:effectLst/>
+                        </a:rPr>
+                        <a:t>Finaler Speicherbedarf Split-MNIST in MB</a:t>
+                      </a:r>
+                      <a:endParaRPr lang="de-DE" sz="1200">
+                        <a:effectLst/>
+                        <a:latin typeface="Arial" panose="020B0604020202020204" pitchFamily="34" charset="0"/>
+                        <a:ea typeface="Times New Roman" panose="02020603050405020304" pitchFamily="18" charset="0"/>
+                        <a:cs typeface="Times New Roman" panose="02020603050405020304" pitchFamily="18" charset="0"/>
+                      </a:endParaRPr>
+                    </a:p>
+                  </a:txBody>
+                  <a:tcPr marL="68580" marR="68580" marT="0" marB="0"/>
+                </a:tc>
+                <a:extLst>
+                  <a:ext uri="{0D108BD9-81ED-4DB2-BD59-A6C34878D82A}">
+                    <a16:rowId xmlns:a16="http://schemas.microsoft.com/office/drawing/2014/main" val="2875714169"/>
+                  </a:ext>
+                </a:extLst>
+              </a:tr>
+              <a:tr h="358140">
+                <a:tc>
+                  <a:txBody>
+                    <a:bodyPr/>
+                    <a:lstStyle/>
+                    <a:p>
+                      <a:pPr algn="just">
+                        <a:spcAft>
+                          <a:spcPts val="0"/>
+                        </a:spcAft>
+                      </a:pPr>
+                      <a:r>
+                        <a:rPr lang="de-DE" sz="1200">
+                          <a:effectLst/>
+                        </a:rPr>
+                        <a:t>Keine Konsolidierung</a:t>
+                      </a:r>
+                      <a:endParaRPr lang="de-DE" sz="1200">
+                        <a:effectLst/>
+                        <a:latin typeface="Arial" panose="020B0604020202020204" pitchFamily="34" charset="0"/>
+                        <a:ea typeface="Times New Roman" panose="02020603050405020304" pitchFamily="18" charset="0"/>
+                        <a:cs typeface="Times New Roman" panose="02020603050405020304" pitchFamily="18" charset="0"/>
+                      </a:endParaRPr>
+                    </a:p>
+                  </a:txBody>
+                  <a:tcPr marL="68580" marR="68580" marT="0" marB="0"/>
+                </a:tc>
+                <a:tc>
+                  <a:txBody>
+                    <a:bodyPr/>
+                    <a:lstStyle/>
+                    <a:p>
+                      <a:pPr algn="ctr">
+                        <a:spcAft>
+                          <a:spcPts val="0"/>
+                        </a:spcAft>
+                      </a:pPr>
+                      <a:r>
+                        <a:rPr lang="de-DE" sz="1200">
+                          <a:effectLst/>
+                        </a:rPr>
+                        <a:t>86,94 +/-1,29</a:t>
+                      </a:r>
+                      <a:endParaRPr lang="de-DE" sz="1200">
+                        <a:effectLst/>
+                        <a:latin typeface="Arial" panose="020B0604020202020204" pitchFamily="34" charset="0"/>
+                        <a:ea typeface="Times New Roman" panose="02020603050405020304" pitchFamily="18" charset="0"/>
+                        <a:cs typeface="Times New Roman" panose="02020603050405020304" pitchFamily="18" charset="0"/>
+                      </a:endParaRPr>
+                    </a:p>
+                  </a:txBody>
+                  <a:tcPr marL="68580" marR="68580" marT="0" marB="0"/>
+                </a:tc>
+                <a:tc>
+                  <a:txBody>
+                    <a:bodyPr/>
+                    <a:lstStyle/>
+                    <a:p>
+                      <a:pPr algn="ctr">
+                        <a:spcAft>
+                          <a:spcPts val="0"/>
+                        </a:spcAft>
+                      </a:pPr>
+                      <a:r>
+                        <a:rPr lang="de-DE" sz="1200">
+                          <a:effectLst/>
+                        </a:rPr>
+                        <a:t>1,83</a:t>
+                      </a:r>
+                      <a:endParaRPr lang="de-DE" sz="1200">
+                        <a:effectLst/>
+                        <a:latin typeface="Arial" panose="020B0604020202020204" pitchFamily="34" charset="0"/>
+                        <a:ea typeface="Times New Roman" panose="02020603050405020304" pitchFamily="18" charset="0"/>
+                        <a:cs typeface="Times New Roman" panose="02020603050405020304" pitchFamily="18" charset="0"/>
+                      </a:endParaRPr>
+                    </a:p>
+                  </a:txBody>
+                  <a:tcPr marL="68580" marR="68580" marT="0" marB="0"/>
+                </a:tc>
+                <a:extLst>
+                  <a:ext uri="{0D108BD9-81ED-4DB2-BD59-A6C34878D82A}">
+                    <a16:rowId xmlns:a16="http://schemas.microsoft.com/office/drawing/2014/main" val="3892549929"/>
+                  </a:ext>
+                </a:extLst>
+              </a:tr>
+              <a:tr h="179070">
+                <a:tc>
+                  <a:txBody>
+                    <a:bodyPr/>
+                    <a:lstStyle/>
+                    <a:p>
+                      <a:pPr algn="just">
+                        <a:spcAft>
+                          <a:spcPts val="0"/>
+                        </a:spcAft>
+                      </a:pPr>
+                      <a:r>
+                        <a:rPr lang="de-DE" sz="1200">
+                          <a:effectLst/>
+                        </a:rPr>
+                        <a:t>Jeder Schritt</a:t>
+                      </a:r>
+                      <a:endParaRPr lang="de-DE" sz="1200">
+                        <a:effectLst/>
+                        <a:latin typeface="Arial" panose="020B0604020202020204" pitchFamily="34" charset="0"/>
+                        <a:ea typeface="Times New Roman" panose="02020603050405020304" pitchFamily="18" charset="0"/>
+                        <a:cs typeface="Times New Roman" panose="02020603050405020304" pitchFamily="18" charset="0"/>
+                      </a:endParaRPr>
+                    </a:p>
+                  </a:txBody>
+                  <a:tcPr marL="68580" marR="68580" marT="0" marB="0"/>
+                </a:tc>
+                <a:tc>
+                  <a:txBody>
+                    <a:bodyPr/>
+                    <a:lstStyle/>
+                    <a:p>
+                      <a:pPr algn="ctr">
+                        <a:spcAft>
+                          <a:spcPts val="0"/>
+                        </a:spcAft>
+                      </a:pPr>
+                      <a:r>
+                        <a:rPr lang="de-DE" sz="1200">
+                          <a:effectLst/>
+                        </a:rPr>
+                        <a:t>83,41 +/- 1,64</a:t>
+                      </a:r>
+                      <a:endParaRPr lang="de-DE" sz="1200">
+                        <a:effectLst/>
+                        <a:latin typeface="Arial" panose="020B0604020202020204" pitchFamily="34" charset="0"/>
+                        <a:ea typeface="Times New Roman" panose="02020603050405020304" pitchFamily="18" charset="0"/>
+                        <a:cs typeface="Times New Roman" panose="02020603050405020304" pitchFamily="18" charset="0"/>
+                      </a:endParaRPr>
+                    </a:p>
+                  </a:txBody>
+                  <a:tcPr marL="68580" marR="68580" marT="0" marB="0"/>
+                </a:tc>
+                <a:tc>
+                  <a:txBody>
+                    <a:bodyPr/>
+                    <a:lstStyle/>
+                    <a:p>
+                      <a:pPr algn="ctr">
+                        <a:spcAft>
+                          <a:spcPts val="0"/>
+                        </a:spcAft>
+                      </a:pPr>
+                      <a:r>
+                        <a:rPr lang="de-DE" sz="1200">
+                          <a:effectLst/>
+                        </a:rPr>
+                        <a:t>0,1</a:t>
+                      </a:r>
+                      <a:endParaRPr lang="de-DE" sz="1200">
+                        <a:effectLst/>
+                        <a:latin typeface="Arial" panose="020B0604020202020204" pitchFamily="34" charset="0"/>
+                        <a:ea typeface="Times New Roman" panose="02020603050405020304" pitchFamily="18" charset="0"/>
+                        <a:cs typeface="Times New Roman" panose="02020603050405020304" pitchFamily="18" charset="0"/>
+                      </a:endParaRPr>
+                    </a:p>
+                  </a:txBody>
+                  <a:tcPr marL="68580" marR="68580" marT="0" marB="0"/>
+                </a:tc>
+                <a:extLst>
+                  <a:ext uri="{0D108BD9-81ED-4DB2-BD59-A6C34878D82A}">
+                    <a16:rowId xmlns:a16="http://schemas.microsoft.com/office/drawing/2014/main" val="3607389786"/>
+                  </a:ext>
+                </a:extLst>
+              </a:tr>
+              <a:tr h="179070">
+                <a:tc>
+                  <a:txBody>
+                    <a:bodyPr/>
+                    <a:lstStyle/>
+                    <a:p>
+                      <a:pPr algn="just">
+                        <a:spcAft>
+                          <a:spcPts val="0"/>
+                        </a:spcAft>
+                      </a:pPr>
+                      <a:r>
+                        <a:rPr lang="de-DE" sz="1200">
+                          <a:effectLst/>
+                        </a:rPr>
+                        <a:t>Finaler Schritt</a:t>
+                      </a:r>
+                      <a:endParaRPr lang="de-DE" sz="1200">
+                        <a:effectLst/>
+                        <a:latin typeface="Arial" panose="020B0604020202020204" pitchFamily="34" charset="0"/>
+                        <a:ea typeface="Times New Roman" panose="02020603050405020304" pitchFamily="18" charset="0"/>
+                        <a:cs typeface="Times New Roman" panose="02020603050405020304" pitchFamily="18" charset="0"/>
+                      </a:endParaRPr>
+                    </a:p>
+                  </a:txBody>
+                  <a:tcPr marL="68580" marR="68580" marT="0" marB="0"/>
+                </a:tc>
+                <a:tc>
+                  <a:txBody>
+                    <a:bodyPr/>
+                    <a:lstStyle/>
+                    <a:p>
+                      <a:pPr algn="ctr">
+                        <a:spcAft>
+                          <a:spcPts val="0"/>
+                        </a:spcAft>
+                      </a:pPr>
+                      <a:r>
+                        <a:rPr lang="de-DE" sz="1200">
+                          <a:effectLst/>
+                        </a:rPr>
+                        <a:t>83,47 +/- 1,8</a:t>
+                      </a:r>
+                      <a:endParaRPr lang="de-DE" sz="1200">
+                        <a:effectLst/>
+                        <a:latin typeface="Arial" panose="020B0604020202020204" pitchFamily="34" charset="0"/>
+                        <a:ea typeface="Times New Roman" panose="02020603050405020304" pitchFamily="18" charset="0"/>
+                        <a:cs typeface="Times New Roman" panose="02020603050405020304" pitchFamily="18" charset="0"/>
+                      </a:endParaRPr>
+                    </a:p>
+                  </a:txBody>
+                  <a:tcPr marL="68580" marR="68580" marT="0" marB="0"/>
+                </a:tc>
+                <a:tc>
+                  <a:txBody>
+                    <a:bodyPr/>
+                    <a:lstStyle/>
+                    <a:p>
+                      <a:pPr algn="ctr">
+                        <a:spcAft>
+                          <a:spcPts val="0"/>
+                        </a:spcAft>
+                      </a:pPr>
+                      <a:r>
+                        <a:rPr lang="de-DE" sz="1200" dirty="0">
+                          <a:effectLst/>
+                        </a:rPr>
+                        <a:t>0,1</a:t>
+                      </a:r>
+                      <a:endParaRPr lang="de-DE" sz="1200" dirty="0">
+                        <a:effectLst/>
+                        <a:latin typeface="Arial" panose="020B0604020202020204" pitchFamily="34" charset="0"/>
+                        <a:ea typeface="Times New Roman" panose="02020603050405020304" pitchFamily="18" charset="0"/>
+                        <a:cs typeface="Times New Roman" panose="02020603050405020304" pitchFamily="18" charset="0"/>
+                      </a:endParaRPr>
+                    </a:p>
+                  </a:txBody>
+                  <a:tcPr marL="68580" marR="68580" marT="0" marB="0"/>
+                </a:tc>
+                <a:extLst>
+                  <a:ext uri="{0D108BD9-81ED-4DB2-BD59-A6C34878D82A}">
+                    <a16:rowId xmlns:a16="http://schemas.microsoft.com/office/drawing/2014/main" val="3146496707"/>
+                  </a:ext>
+                </a:extLst>
+              </a:tr>
+            </a:tbl>
+          </a:graphicData>
+        </a:graphic>
+      </p:graphicFrame>
     </p:spTree>
     <p:extLst>
       <p:ext uri="{BB962C8B-B14F-4D97-AF65-F5344CB8AC3E}">
-        <p14:creationId xmlns:p14="http://schemas.microsoft.com/office/powerpoint/2010/main" val="2749896429"/>
+        <p14:creationId xmlns:p14="http://schemas.microsoft.com/office/powerpoint/2010/main" val="4055954510"/>
       </p:ext>
     </p:extLst>
   </p:cSld>
   <p:clrMapOvr>
     <a:masterClrMapping/>
   </p:clrMapOvr>
+  <p:timing>
+    <p:tnLst>
+      <p:par>
+        <p:cTn id="1" dur="indefinite" restart="never" nodeType="tmRoot">
+          <p:childTnLst>
+            <p:seq concurrent="1" nextAc="seek">
+              <p:cTn id="2" dur="indefinite" nodeType="mainSeq">
+                <p:childTnLst>
+                  <p:par>
+                    <p:cTn id="3" fill="hold">
+                      <p:stCondLst>
+                        <p:cond delay="indefinite"/>
+                      </p:stCondLst>
+                      <p:childTnLst>
+                        <p:par>
+                          <p:cTn id="4" fill="hold">
+                            <p:stCondLst>
+                              <p:cond delay="0"/>
+                            </p:stCondLst>
+                            <p:childTnLst>
+                              <p:par>
+                                <p:cTn id="5" presetID="1" presetClass="entr" presetSubtype="0" fill="hold" nodeType="clickEffect">
+                                  <p:stCondLst>
+                                    <p:cond delay="0"/>
+                                  </p:stCondLst>
+                                  <p:childTnLst>
+                                    <p:set>
+                                      <p:cBhvr>
+                                        <p:cTn id="6" dur="1" fill="hold">
+                                          <p:stCondLst>
+                                            <p:cond delay="0"/>
+                                          </p:stCondLst>
+                                        </p:cTn>
+                                        <p:tgtEl>
+                                          <p:spTgt spid="9"/>
+                                        </p:tgtEl>
+                                        <p:attrNameLst>
+                                          <p:attrName>style.visibility</p:attrName>
+                                        </p:attrNameLst>
+                                      </p:cBhvr>
+                                      <p:to>
+                                        <p:strVal val="visible"/>
+                                      </p:to>
+                                    </p:set>
+                                  </p:childTnLst>
+                                </p:cTn>
+                              </p:par>
+                              <p:par>
+                                <p:cTn id="7" presetID="1" presetClass="exit" presetSubtype="0" fill="hold" nodeType="withEffect">
+                                  <p:stCondLst>
+                                    <p:cond delay="0"/>
+                                  </p:stCondLst>
+                                  <p:childTnLst>
+                                    <p:set>
+                                      <p:cBhvr>
+                                        <p:cTn id="8" dur="1" fill="hold">
+                                          <p:stCondLst>
+                                            <p:cond delay="0"/>
+                                          </p:stCondLst>
+                                        </p:cTn>
+                                        <p:tgtEl>
+                                          <p:spTgt spid="8"/>
+                                        </p:tgtEl>
+                                        <p:attrNameLst>
+                                          <p:attrName>style.visibility</p:attrName>
+                                        </p:attrNameLst>
+                                      </p:cBhvr>
+                                      <p:to>
+                                        <p:strVal val="hidden"/>
+                                      </p:to>
+                                    </p:set>
+                                  </p:childTnLst>
+                                </p:cTn>
+                              </p:par>
+                            </p:childTnLst>
+                          </p:cTn>
+                        </p:par>
+                      </p:childTnLst>
+                    </p:cTn>
+                  </p:par>
+                  <p:par>
+                    <p:cTn id="9" fill="hold">
+                      <p:stCondLst>
+                        <p:cond delay="indefinite"/>
+                      </p:stCondLst>
+                      <p:childTnLst>
+                        <p:par>
+                          <p:cTn id="10" fill="hold">
+                            <p:stCondLst>
+                              <p:cond delay="0"/>
+                            </p:stCondLst>
+                            <p:childTnLst>
+                              <p:par>
+                                <p:cTn id="11" presetID="1" presetClass="exit" presetSubtype="0" fill="hold" nodeType="clickEffect">
+                                  <p:stCondLst>
+                                    <p:cond delay="0"/>
+                                  </p:stCondLst>
+                                  <p:childTnLst>
+                                    <p:set>
+                                      <p:cBhvr>
+                                        <p:cTn id="12" dur="1" fill="hold">
+                                          <p:stCondLst>
+                                            <p:cond delay="0"/>
+                                          </p:stCondLst>
+                                        </p:cTn>
+                                        <p:tgtEl>
+                                          <p:spTgt spid="9"/>
+                                        </p:tgtEl>
+                                        <p:attrNameLst>
+                                          <p:attrName>style.visibility</p:attrName>
+                                        </p:attrNameLst>
+                                      </p:cBhvr>
+                                      <p:to>
+                                        <p:strVal val="hidden"/>
+                                      </p:to>
+                                    </p:set>
+                                  </p:childTnLst>
+                                </p:cTn>
+                              </p:par>
+                              <p:par>
+                                <p:cTn id="13" presetID="1" presetClass="entr" presetSubtype="0" fill="hold" nodeType="withEffect">
+                                  <p:stCondLst>
+                                    <p:cond delay="0"/>
+                                  </p:stCondLst>
+                                  <p:childTnLst>
+                                    <p:set>
+                                      <p:cBhvr>
+                                        <p:cTn id="14" dur="1" fill="hold">
+                                          <p:stCondLst>
+                                            <p:cond delay="0"/>
+                                          </p:stCondLst>
+                                        </p:cTn>
+                                        <p:tgtEl>
+                                          <p:spTgt spid="10"/>
+                                        </p:tgtEl>
+                                        <p:attrNameLst>
+                                          <p:attrName>style.visibility</p:attrName>
+                                        </p:attrNameLst>
+                                      </p:cBhvr>
+                                      <p:to>
+                                        <p:strVal val="visible"/>
+                                      </p:to>
+                                    </p:set>
+                                  </p:childTnLst>
+                                </p:cTn>
+                              </p:par>
+                            </p:childTnLst>
+                          </p:cTn>
+                        </p:par>
+                      </p:childTnLst>
+                    </p:cTn>
+                  </p:par>
+                </p:childTnLst>
+              </p:cTn>
+              <p:prevCondLst>
+                <p:cond evt="onPrev" delay="0">
+                  <p:tgtEl>
+                    <p:sldTgt/>
+                  </p:tgtEl>
+                </p:cond>
+              </p:prevCondLst>
+              <p:nextCondLst>
+                <p:cond evt="onNext" delay="0">
+                  <p:tgtEl>
+                    <p:sldTgt/>
+                  </p:tgtEl>
+                </p:cond>
+              </p:nextCondLst>
+            </p:seq>
+          </p:childTnLst>
+        </p:cTn>
+      </p:par>
+    </p:tnLst>
+  </p:timing>
 </p:sld>
 </file>
 
@@ -22042,6 +23500,2252 @@
       </p:grpSpPr>
       <p:sp>
         <p:nvSpPr>
+          <p:cNvPr id="2" name="Content Placeholder 1"/>
+          <p:cNvSpPr>
+            <a:spLocks noGrp="1"/>
+          </p:cNvSpPr>
+          <p:nvPr>
+            <p:ph idx="1"/>
+          </p:nvPr>
+        </p:nvSpPr>
+        <p:spPr/>
+        <p:txBody>
+          <a:bodyPr/>
+          <a:lstStyle/>
+          <a:p>
+            <a:r>
+              <a:rPr lang="de-DE" dirty="0" smtClean="0"/>
+              <a:t>Untersuchung auf </a:t>
+            </a:r>
+            <a:r>
+              <a:rPr lang="de-DE" dirty="0" err="1" smtClean="0"/>
+              <a:t>ImageNet</a:t>
+            </a:r>
+            <a:r>
+              <a:rPr lang="de-DE" dirty="0" smtClean="0"/>
+              <a:t> (1000 Klassen) und finale Bewertung</a:t>
+            </a:r>
+            <a:endParaRPr lang="de-DE" dirty="0"/>
+          </a:p>
+        </p:txBody>
+      </p:sp>
+      <p:sp>
+        <p:nvSpPr>
+          <p:cNvPr id="3" name="Date Placeholder 2"/>
+          <p:cNvSpPr>
+            <a:spLocks noGrp="1"/>
+          </p:cNvSpPr>
+          <p:nvPr>
+            <p:ph type="dt" sz="half" idx="10"/>
+          </p:nvPr>
+        </p:nvSpPr>
+        <p:spPr/>
+        <p:txBody>
+          <a:bodyPr/>
+          <a:lstStyle/>
+          <a:p>
+            <a:fld id="{92945389-04B4-460D-BD35-C57D41A2ECAA}" type="datetime1">
+              <a:rPr lang="de-DE" smtClean="0"/>
+              <a:t>07.10.2019</a:t>
+            </a:fld>
+            <a:endParaRPr lang="de-DE" dirty="0"/>
+          </a:p>
+        </p:txBody>
+      </p:sp>
+      <p:sp>
+        <p:nvSpPr>
+          <p:cNvPr id="4" name="Footer Placeholder 3"/>
+          <p:cNvSpPr>
+            <a:spLocks noGrp="1"/>
+          </p:cNvSpPr>
+          <p:nvPr>
+            <p:ph type="ftr" sz="quarter" idx="11"/>
+          </p:nvPr>
+        </p:nvSpPr>
+        <p:spPr/>
+        <p:txBody>
+          <a:bodyPr/>
+          <a:lstStyle/>
+          <a:p>
+            <a:r>
+              <a:rPr lang="de-DE" smtClean="0"/>
+              <a:t>Universität Stuttgart</a:t>
+            </a:r>
+            <a:endParaRPr lang="de-DE" dirty="0"/>
+          </a:p>
+        </p:txBody>
+      </p:sp>
+      <p:sp>
+        <p:nvSpPr>
+          <p:cNvPr id="5" name="Slide Number Placeholder 4"/>
+          <p:cNvSpPr>
+            <a:spLocks noGrp="1"/>
+          </p:cNvSpPr>
+          <p:nvPr>
+            <p:ph type="sldNum" sz="quarter" idx="12"/>
+          </p:nvPr>
+        </p:nvSpPr>
+        <p:spPr/>
+        <p:txBody>
+          <a:bodyPr/>
+          <a:lstStyle/>
+          <a:p>
+            <a:fld id="{9E82CC3C-1DC0-4FDA-9590-6CC506AB67F8}" type="slidenum">
+              <a:rPr lang="de-DE" smtClean="0"/>
+              <a:t>23</a:t>
+            </a:fld>
+            <a:endParaRPr lang="de-DE" dirty="0"/>
+          </a:p>
+        </p:txBody>
+      </p:sp>
+      <p:sp>
+        <p:nvSpPr>
+          <p:cNvPr id="6" name="Text Placeholder 5"/>
+          <p:cNvSpPr>
+            <a:spLocks noGrp="1"/>
+          </p:cNvSpPr>
+          <p:nvPr>
+            <p:ph type="body" sz="quarter" idx="13"/>
+          </p:nvPr>
+        </p:nvSpPr>
+        <p:spPr/>
+        <p:txBody>
+          <a:bodyPr/>
+          <a:lstStyle/>
+          <a:p>
+            <a:r>
+              <a:rPr lang="de-DE" dirty="0" err="1" smtClean="0"/>
+              <a:t>ImageNet</a:t>
+            </a:r>
+            <a:endParaRPr lang="de-DE" dirty="0"/>
+          </a:p>
+        </p:txBody>
+      </p:sp>
+      <p:sp>
+        <p:nvSpPr>
+          <p:cNvPr id="7" name="Title 6"/>
+          <p:cNvSpPr>
+            <a:spLocks noGrp="1"/>
+          </p:cNvSpPr>
+          <p:nvPr>
+            <p:ph type="title"/>
+          </p:nvPr>
+        </p:nvSpPr>
+        <p:spPr/>
+        <p:txBody>
+          <a:bodyPr/>
+          <a:lstStyle/>
+          <a:p>
+            <a:r>
+              <a:rPr lang="de-DE" dirty="0" smtClean="0"/>
+              <a:t>Evaluierung</a:t>
+            </a:r>
+            <a:endParaRPr lang="de-DE" dirty="0"/>
+          </a:p>
+        </p:txBody>
+      </p:sp>
+      <p:pic>
+        <p:nvPicPr>
+          <p:cNvPr id="8" name="Picture 7"/>
+          <p:cNvPicPr>
+            <a:picLocks noChangeAspect="1"/>
+          </p:cNvPicPr>
+          <p:nvPr/>
+        </p:nvPicPr>
+        <p:blipFill>
+          <a:blip r:embed="rId2"/>
+          <a:stretch>
+            <a:fillRect/>
+          </a:stretch>
+        </p:blipFill>
+        <p:spPr>
+          <a:xfrm>
+            <a:off x="5222314" y="2538000"/>
+            <a:ext cx="3839999" cy="2880000"/>
+          </a:xfrm>
+          <a:prstGeom prst="rect">
+            <a:avLst/>
+          </a:prstGeom>
+        </p:spPr>
+      </p:pic>
+      <p:graphicFrame>
+        <p:nvGraphicFramePr>
+          <p:cNvPr id="9" name="Table 8"/>
+          <p:cNvGraphicFramePr>
+            <a:graphicFrameLocks noGrp="1"/>
+          </p:cNvGraphicFramePr>
+          <p:nvPr>
+            <p:extLst>
+              <p:ext uri="{D42A27DB-BD31-4B8C-83A1-F6EECF244321}">
+                <p14:modId xmlns:p14="http://schemas.microsoft.com/office/powerpoint/2010/main" val="1325477820"/>
+              </p:ext>
+            </p:extLst>
+          </p:nvPr>
+        </p:nvGraphicFramePr>
+        <p:xfrm>
+          <a:off x="81688" y="2538000"/>
+          <a:ext cx="4874978" cy="2743200"/>
+        </p:xfrm>
+        <a:graphic>
+          <a:graphicData uri="http://schemas.openxmlformats.org/drawingml/2006/table">
+            <a:tbl>
+              <a:tblPr firstRow="1" firstCol="1" bandRow="1">
+                <a:tableStyleId>{5C22544A-7EE6-4342-B048-85BDC9FD1C3A}</a:tableStyleId>
+              </a:tblPr>
+              <a:tblGrid>
+                <a:gridCol w="1836719">
+                  <a:extLst>
+                    <a:ext uri="{9D8B030D-6E8A-4147-A177-3AD203B41FA5}">
+                      <a16:colId xmlns:a16="http://schemas.microsoft.com/office/drawing/2014/main" val="3253999433"/>
+                    </a:ext>
+                  </a:extLst>
+                </a:gridCol>
+                <a:gridCol w="1599232">
+                  <a:extLst>
+                    <a:ext uri="{9D8B030D-6E8A-4147-A177-3AD203B41FA5}">
+                      <a16:colId xmlns:a16="http://schemas.microsoft.com/office/drawing/2014/main" val="1695682957"/>
+                    </a:ext>
+                  </a:extLst>
+                </a:gridCol>
+                <a:gridCol w="1439027">
+                  <a:extLst>
+                    <a:ext uri="{9D8B030D-6E8A-4147-A177-3AD203B41FA5}">
+                      <a16:colId xmlns:a16="http://schemas.microsoft.com/office/drawing/2014/main" val="1553859355"/>
+                    </a:ext>
+                  </a:extLst>
+                </a:gridCol>
+              </a:tblGrid>
+              <a:tr h="530844">
+                <a:tc>
+                  <a:txBody>
+                    <a:bodyPr/>
+                    <a:lstStyle/>
+                    <a:p>
+                      <a:pPr algn="ctr">
+                        <a:spcAft>
+                          <a:spcPts val="0"/>
+                        </a:spcAft>
+                      </a:pPr>
+                      <a:r>
+                        <a:rPr lang="de-DE" sz="1200">
+                          <a:effectLst/>
+                        </a:rPr>
+                        <a:t>Algorithmus</a:t>
+                      </a:r>
+                      <a:endParaRPr lang="de-DE" sz="1200">
+                        <a:effectLst/>
+                        <a:latin typeface="Arial" panose="020B0604020202020204" pitchFamily="34" charset="0"/>
+                        <a:ea typeface="Times New Roman" panose="02020603050405020304" pitchFamily="18" charset="0"/>
+                        <a:cs typeface="Times New Roman" panose="02020603050405020304" pitchFamily="18" charset="0"/>
+                      </a:endParaRPr>
+                    </a:p>
+                  </a:txBody>
+                  <a:tcPr marL="68580" marR="68580" marT="0" marB="0"/>
+                </a:tc>
+                <a:tc>
+                  <a:txBody>
+                    <a:bodyPr/>
+                    <a:lstStyle/>
+                    <a:p>
+                      <a:pPr algn="ctr">
+                        <a:spcAft>
+                          <a:spcPts val="0"/>
+                        </a:spcAft>
+                      </a:pPr>
+                      <a:r>
+                        <a:rPr lang="de-DE" sz="1200" dirty="0">
+                          <a:effectLst/>
+                        </a:rPr>
+                        <a:t>Finale Klassifikations-genauigkeit </a:t>
+                      </a:r>
+                      <a:r>
+                        <a:rPr lang="de-DE" sz="1200" dirty="0" err="1">
+                          <a:effectLst/>
+                        </a:rPr>
+                        <a:t>ImageNet</a:t>
+                      </a:r>
+                      <a:r>
+                        <a:rPr lang="de-DE" sz="1200" dirty="0">
+                          <a:effectLst/>
+                        </a:rPr>
+                        <a:t> in %</a:t>
+                      </a:r>
+                      <a:endParaRPr lang="de-DE" sz="1200" dirty="0">
+                        <a:effectLst/>
+                        <a:latin typeface="Arial" panose="020B0604020202020204" pitchFamily="34" charset="0"/>
+                        <a:ea typeface="Times New Roman" panose="02020603050405020304" pitchFamily="18" charset="0"/>
+                        <a:cs typeface="Times New Roman" panose="02020603050405020304" pitchFamily="18" charset="0"/>
+                      </a:endParaRPr>
+                    </a:p>
+                  </a:txBody>
+                  <a:tcPr marL="68580" marR="68580" marT="0" marB="0"/>
+                </a:tc>
+                <a:tc>
+                  <a:txBody>
+                    <a:bodyPr/>
+                    <a:lstStyle/>
+                    <a:p>
+                      <a:pPr algn="ctr">
+                        <a:spcAft>
+                          <a:spcPts val="0"/>
+                        </a:spcAft>
+                      </a:pPr>
+                      <a:r>
+                        <a:rPr lang="de-DE" sz="1200">
+                          <a:effectLst/>
+                        </a:rPr>
+                        <a:t>Finaler Speicherbedarf ImageNet-10 in MB</a:t>
+                      </a:r>
+                      <a:endParaRPr lang="de-DE" sz="1200">
+                        <a:effectLst/>
+                        <a:latin typeface="Arial" panose="020B0604020202020204" pitchFamily="34" charset="0"/>
+                        <a:ea typeface="Times New Roman" panose="02020603050405020304" pitchFamily="18" charset="0"/>
+                        <a:cs typeface="Times New Roman" panose="02020603050405020304" pitchFamily="18" charset="0"/>
+                      </a:endParaRPr>
+                    </a:p>
+                  </a:txBody>
+                  <a:tcPr marL="68580" marR="68580" marT="0" marB="0"/>
+                </a:tc>
+                <a:extLst>
+                  <a:ext uri="{0D108BD9-81ED-4DB2-BD59-A6C34878D82A}">
+                    <a16:rowId xmlns:a16="http://schemas.microsoft.com/office/drawing/2014/main" val="3113902157"/>
+                  </a:ext>
+                </a:extLst>
+              </a:tr>
+              <a:tr h="353896">
+                <a:tc>
+                  <a:txBody>
+                    <a:bodyPr/>
+                    <a:lstStyle/>
+                    <a:p>
+                      <a:pPr algn="just">
+                        <a:spcAft>
+                          <a:spcPts val="0"/>
+                        </a:spcAft>
+                      </a:pPr>
+                      <a:r>
+                        <a:rPr lang="de-DE" sz="1200">
+                          <a:effectLst/>
+                        </a:rPr>
+                        <a:t>L DNN </a:t>
+                      </a:r>
+                    </a:p>
+                    <a:p>
+                      <a:pPr algn="just">
+                        <a:spcAft>
+                          <a:spcPts val="0"/>
+                        </a:spcAft>
+                      </a:pPr>
+                      <a:r>
+                        <a:rPr lang="de-DE" sz="1200">
+                          <a:effectLst/>
+                        </a:rPr>
+                        <a:t>(ein inkrementeller Schritt)</a:t>
+                      </a:r>
+                      <a:endParaRPr lang="de-DE" sz="1200">
+                        <a:effectLst/>
+                        <a:latin typeface="Arial" panose="020B0604020202020204" pitchFamily="34" charset="0"/>
+                        <a:ea typeface="Times New Roman" panose="02020603050405020304" pitchFamily="18" charset="0"/>
+                        <a:cs typeface="Times New Roman" panose="02020603050405020304" pitchFamily="18" charset="0"/>
+                      </a:endParaRPr>
+                    </a:p>
+                  </a:txBody>
+                  <a:tcPr marL="68580" marR="68580" marT="0" marB="0"/>
+                </a:tc>
+                <a:tc>
+                  <a:txBody>
+                    <a:bodyPr/>
+                    <a:lstStyle/>
+                    <a:p>
+                      <a:pPr algn="ctr">
+                        <a:spcAft>
+                          <a:spcPts val="0"/>
+                        </a:spcAft>
+                      </a:pPr>
+                      <a:r>
+                        <a:rPr lang="de-DE" sz="1200">
+                          <a:effectLst/>
+                        </a:rPr>
+                        <a:t>39,1</a:t>
+                      </a:r>
+                      <a:endParaRPr lang="de-DE" sz="1200">
+                        <a:effectLst/>
+                        <a:latin typeface="Arial" panose="020B0604020202020204" pitchFamily="34" charset="0"/>
+                        <a:ea typeface="Times New Roman" panose="02020603050405020304" pitchFamily="18" charset="0"/>
+                        <a:cs typeface="Times New Roman" panose="02020603050405020304" pitchFamily="18" charset="0"/>
+                      </a:endParaRPr>
+                    </a:p>
+                  </a:txBody>
+                  <a:tcPr marL="68580" marR="68580" marT="0" marB="0"/>
+                </a:tc>
+                <a:tc>
+                  <a:txBody>
+                    <a:bodyPr/>
+                    <a:lstStyle/>
+                    <a:p>
+                      <a:pPr algn="ctr">
+                        <a:spcAft>
+                          <a:spcPts val="0"/>
+                        </a:spcAft>
+                      </a:pPr>
+                      <a:r>
+                        <a:rPr lang="de-DE" sz="1200">
+                          <a:effectLst/>
+                        </a:rPr>
+                        <a:t>527,2</a:t>
+                      </a:r>
+                      <a:endParaRPr lang="de-DE" sz="1200">
+                        <a:effectLst/>
+                        <a:latin typeface="Arial" panose="020B0604020202020204" pitchFamily="34" charset="0"/>
+                        <a:ea typeface="Times New Roman" panose="02020603050405020304" pitchFamily="18" charset="0"/>
+                        <a:cs typeface="Times New Roman" panose="02020603050405020304" pitchFamily="18" charset="0"/>
+                      </a:endParaRPr>
+                    </a:p>
+                  </a:txBody>
+                  <a:tcPr marL="68580" marR="68580" marT="0" marB="0"/>
+                </a:tc>
+                <a:extLst>
+                  <a:ext uri="{0D108BD9-81ED-4DB2-BD59-A6C34878D82A}">
+                    <a16:rowId xmlns:a16="http://schemas.microsoft.com/office/drawing/2014/main" val="3698368680"/>
+                  </a:ext>
+                </a:extLst>
+              </a:tr>
+              <a:tr h="353896">
+                <a:tc>
+                  <a:txBody>
+                    <a:bodyPr/>
+                    <a:lstStyle/>
+                    <a:p>
+                      <a:pPr algn="just">
+                        <a:spcAft>
+                          <a:spcPts val="0"/>
+                        </a:spcAft>
+                      </a:pPr>
+                      <a:r>
+                        <a:rPr lang="de-DE" sz="1200">
+                          <a:effectLst/>
+                        </a:rPr>
+                        <a:t>L DNN </a:t>
+                      </a:r>
+                    </a:p>
+                    <a:p>
+                      <a:pPr algn="just">
+                        <a:spcAft>
+                          <a:spcPts val="0"/>
+                        </a:spcAft>
+                      </a:pPr>
+                      <a:r>
+                        <a:rPr lang="de-DE" sz="1200">
+                          <a:effectLst/>
+                        </a:rPr>
+                        <a:t>(10 inkrementelle Schritte)</a:t>
+                      </a:r>
+                      <a:endParaRPr lang="de-DE" sz="1200">
+                        <a:effectLst/>
+                        <a:latin typeface="Arial" panose="020B0604020202020204" pitchFamily="34" charset="0"/>
+                        <a:ea typeface="Times New Roman" panose="02020603050405020304" pitchFamily="18" charset="0"/>
+                        <a:cs typeface="Times New Roman" panose="02020603050405020304" pitchFamily="18" charset="0"/>
+                      </a:endParaRPr>
+                    </a:p>
+                  </a:txBody>
+                  <a:tcPr marL="68580" marR="68580" marT="0" marB="0"/>
+                </a:tc>
+                <a:tc>
+                  <a:txBody>
+                    <a:bodyPr/>
+                    <a:lstStyle/>
+                    <a:p>
+                      <a:pPr algn="ctr">
+                        <a:spcAft>
+                          <a:spcPts val="0"/>
+                        </a:spcAft>
+                      </a:pPr>
+                      <a:r>
+                        <a:rPr lang="de-DE" sz="1200">
+                          <a:effectLst/>
+                        </a:rPr>
+                        <a:t>39,3</a:t>
+                      </a:r>
+                      <a:endParaRPr lang="de-DE" sz="1200">
+                        <a:effectLst/>
+                        <a:latin typeface="Arial" panose="020B0604020202020204" pitchFamily="34" charset="0"/>
+                        <a:ea typeface="Times New Roman" panose="02020603050405020304" pitchFamily="18" charset="0"/>
+                        <a:cs typeface="Times New Roman" panose="02020603050405020304" pitchFamily="18" charset="0"/>
+                      </a:endParaRPr>
+                    </a:p>
+                  </a:txBody>
+                  <a:tcPr marL="68580" marR="68580" marT="0" marB="0"/>
+                </a:tc>
+                <a:tc>
+                  <a:txBody>
+                    <a:bodyPr/>
+                    <a:lstStyle/>
+                    <a:p>
+                      <a:pPr algn="ctr">
+                        <a:spcAft>
+                          <a:spcPts val="0"/>
+                        </a:spcAft>
+                      </a:pPr>
+                      <a:r>
+                        <a:rPr lang="de-DE" sz="1200">
+                          <a:effectLst/>
+                        </a:rPr>
+                        <a:t>530,5</a:t>
+                      </a:r>
+                      <a:endParaRPr lang="de-DE" sz="1200">
+                        <a:effectLst/>
+                        <a:latin typeface="Arial" panose="020B0604020202020204" pitchFamily="34" charset="0"/>
+                        <a:ea typeface="Times New Roman" panose="02020603050405020304" pitchFamily="18" charset="0"/>
+                        <a:cs typeface="Times New Roman" panose="02020603050405020304" pitchFamily="18" charset="0"/>
+                      </a:endParaRPr>
+                    </a:p>
+                  </a:txBody>
+                  <a:tcPr marL="68580" marR="68580" marT="0" marB="0"/>
+                </a:tc>
+                <a:extLst>
+                  <a:ext uri="{0D108BD9-81ED-4DB2-BD59-A6C34878D82A}">
+                    <a16:rowId xmlns:a16="http://schemas.microsoft.com/office/drawing/2014/main" val="4004981380"/>
+                  </a:ext>
+                </a:extLst>
+              </a:tr>
+              <a:tr h="353896">
+                <a:tc>
+                  <a:txBody>
+                    <a:bodyPr/>
+                    <a:lstStyle/>
+                    <a:p>
+                      <a:pPr algn="just">
+                        <a:spcAft>
+                          <a:spcPts val="0"/>
+                        </a:spcAft>
+                      </a:pPr>
+                      <a:r>
+                        <a:rPr lang="de-DE" sz="1200" dirty="0">
+                          <a:effectLst/>
+                        </a:rPr>
+                        <a:t>L DNN </a:t>
+                      </a:r>
+                    </a:p>
+                    <a:p>
+                      <a:pPr algn="just">
+                        <a:spcAft>
+                          <a:spcPts val="0"/>
+                        </a:spcAft>
+                      </a:pPr>
+                      <a:r>
+                        <a:rPr lang="de-DE" sz="1200" dirty="0">
+                          <a:effectLst/>
+                        </a:rPr>
+                        <a:t>(50 inkrementelle Schritte)</a:t>
+                      </a:r>
+                      <a:endParaRPr lang="de-DE" sz="1200" dirty="0">
+                        <a:effectLst/>
+                        <a:latin typeface="Arial" panose="020B0604020202020204" pitchFamily="34" charset="0"/>
+                        <a:ea typeface="Times New Roman" panose="02020603050405020304" pitchFamily="18" charset="0"/>
+                        <a:cs typeface="Times New Roman" panose="02020603050405020304" pitchFamily="18" charset="0"/>
+                      </a:endParaRPr>
+                    </a:p>
+                  </a:txBody>
+                  <a:tcPr marL="68580" marR="68580" marT="0" marB="0"/>
+                </a:tc>
+                <a:tc>
+                  <a:txBody>
+                    <a:bodyPr/>
+                    <a:lstStyle/>
+                    <a:p>
+                      <a:pPr algn="ctr">
+                        <a:spcAft>
+                          <a:spcPts val="0"/>
+                        </a:spcAft>
+                      </a:pPr>
+                      <a:r>
+                        <a:rPr lang="de-DE" sz="1200">
+                          <a:effectLst/>
+                        </a:rPr>
+                        <a:t>39,4</a:t>
+                      </a:r>
+                      <a:endParaRPr lang="de-DE" sz="1200">
+                        <a:effectLst/>
+                        <a:latin typeface="Arial" panose="020B0604020202020204" pitchFamily="34" charset="0"/>
+                        <a:ea typeface="Times New Roman" panose="02020603050405020304" pitchFamily="18" charset="0"/>
+                        <a:cs typeface="Times New Roman" panose="02020603050405020304" pitchFamily="18" charset="0"/>
+                      </a:endParaRPr>
+                    </a:p>
+                  </a:txBody>
+                  <a:tcPr marL="68580" marR="68580" marT="0" marB="0"/>
+                </a:tc>
+                <a:tc>
+                  <a:txBody>
+                    <a:bodyPr/>
+                    <a:lstStyle/>
+                    <a:p>
+                      <a:pPr algn="ctr">
+                        <a:spcAft>
+                          <a:spcPts val="0"/>
+                        </a:spcAft>
+                      </a:pPr>
+                      <a:r>
+                        <a:rPr lang="de-DE" sz="1200">
+                          <a:effectLst/>
+                        </a:rPr>
+                        <a:t>528,8</a:t>
+                      </a:r>
+                      <a:endParaRPr lang="de-DE" sz="1200">
+                        <a:effectLst/>
+                        <a:latin typeface="Arial" panose="020B0604020202020204" pitchFamily="34" charset="0"/>
+                        <a:ea typeface="Times New Roman" panose="02020603050405020304" pitchFamily="18" charset="0"/>
+                        <a:cs typeface="Times New Roman" panose="02020603050405020304" pitchFamily="18" charset="0"/>
+                      </a:endParaRPr>
+                    </a:p>
+                  </a:txBody>
+                  <a:tcPr marL="68580" marR="68580" marT="0" marB="0"/>
+                </a:tc>
+                <a:extLst>
+                  <a:ext uri="{0D108BD9-81ED-4DB2-BD59-A6C34878D82A}">
+                    <a16:rowId xmlns:a16="http://schemas.microsoft.com/office/drawing/2014/main" val="1472630268"/>
+                  </a:ext>
+                </a:extLst>
+              </a:tr>
+              <a:tr h="176948">
+                <a:tc>
+                  <a:txBody>
+                    <a:bodyPr/>
+                    <a:lstStyle/>
+                    <a:p>
+                      <a:pPr algn="just">
+                        <a:spcAft>
+                          <a:spcPts val="0"/>
+                        </a:spcAft>
+                      </a:pPr>
+                      <a:r>
+                        <a:rPr lang="de-DE" sz="1200">
+                          <a:effectLst/>
+                        </a:rPr>
+                        <a:t>iCaRL</a:t>
+                      </a:r>
+                      <a:endParaRPr lang="de-DE" sz="1200">
+                        <a:effectLst/>
+                        <a:latin typeface="Arial" panose="020B0604020202020204" pitchFamily="34" charset="0"/>
+                        <a:ea typeface="Times New Roman" panose="02020603050405020304" pitchFamily="18" charset="0"/>
+                        <a:cs typeface="Times New Roman" panose="02020603050405020304" pitchFamily="18" charset="0"/>
+                      </a:endParaRPr>
+                    </a:p>
+                  </a:txBody>
+                  <a:tcPr marL="68580" marR="68580" marT="0" marB="0"/>
+                </a:tc>
+                <a:tc>
+                  <a:txBody>
+                    <a:bodyPr/>
+                    <a:lstStyle/>
+                    <a:p>
+                      <a:pPr algn="ctr">
+                        <a:spcAft>
+                          <a:spcPts val="0"/>
+                        </a:spcAft>
+                      </a:pPr>
+                      <a:r>
+                        <a:rPr lang="de-DE" sz="1200">
+                          <a:effectLst/>
+                        </a:rPr>
+                        <a:t>44</a:t>
+                      </a:r>
+                      <a:endParaRPr lang="de-DE" sz="1200">
+                        <a:effectLst/>
+                        <a:latin typeface="Arial" panose="020B0604020202020204" pitchFamily="34" charset="0"/>
+                        <a:ea typeface="Times New Roman" panose="02020603050405020304" pitchFamily="18" charset="0"/>
+                        <a:cs typeface="Times New Roman" panose="02020603050405020304" pitchFamily="18" charset="0"/>
+                      </a:endParaRPr>
+                    </a:p>
+                  </a:txBody>
+                  <a:tcPr marL="68580" marR="68580" marT="0" marB="0"/>
+                </a:tc>
+                <a:tc>
+                  <a:txBody>
+                    <a:bodyPr/>
+                    <a:lstStyle/>
+                    <a:p>
+                      <a:pPr algn="ctr">
+                        <a:spcAft>
+                          <a:spcPts val="0"/>
+                        </a:spcAft>
+                      </a:pPr>
+                      <a:r>
+                        <a:rPr lang="de-DE" sz="1200">
+                          <a:effectLst/>
+                        </a:rPr>
+                        <a:t>2123</a:t>
+                      </a:r>
+                      <a:endParaRPr lang="de-DE" sz="1200">
+                        <a:effectLst/>
+                        <a:latin typeface="Arial" panose="020B0604020202020204" pitchFamily="34" charset="0"/>
+                        <a:ea typeface="Times New Roman" panose="02020603050405020304" pitchFamily="18" charset="0"/>
+                        <a:cs typeface="Times New Roman" panose="02020603050405020304" pitchFamily="18" charset="0"/>
+                      </a:endParaRPr>
+                    </a:p>
+                  </a:txBody>
+                  <a:tcPr marL="68580" marR="68580" marT="0" marB="0"/>
+                </a:tc>
+                <a:extLst>
+                  <a:ext uri="{0D108BD9-81ED-4DB2-BD59-A6C34878D82A}">
+                    <a16:rowId xmlns:a16="http://schemas.microsoft.com/office/drawing/2014/main" val="1731631728"/>
+                  </a:ext>
+                </a:extLst>
+              </a:tr>
+              <a:tr h="176948">
+                <a:tc>
+                  <a:txBody>
+                    <a:bodyPr/>
+                    <a:lstStyle/>
+                    <a:p>
+                      <a:pPr algn="just">
+                        <a:spcAft>
+                          <a:spcPts val="0"/>
+                        </a:spcAft>
+                      </a:pPr>
+                      <a:r>
+                        <a:rPr lang="de-DE" sz="1200">
+                          <a:effectLst/>
+                        </a:rPr>
+                        <a:t>LwF</a:t>
+                      </a:r>
+                      <a:endParaRPr lang="de-DE" sz="1200">
+                        <a:effectLst/>
+                        <a:latin typeface="Arial" panose="020B0604020202020204" pitchFamily="34" charset="0"/>
+                        <a:ea typeface="Times New Roman" panose="02020603050405020304" pitchFamily="18" charset="0"/>
+                        <a:cs typeface="Times New Roman" panose="02020603050405020304" pitchFamily="18" charset="0"/>
+                      </a:endParaRPr>
+                    </a:p>
+                  </a:txBody>
+                  <a:tcPr marL="68580" marR="68580" marT="0" marB="0"/>
+                </a:tc>
+                <a:tc>
+                  <a:txBody>
+                    <a:bodyPr/>
+                    <a:lstStyle/>
+                    <a:p>
+                      <a:pPr algn="ctr">
+                        <a:spcAft>
+                          <a:spcPts val="0"/>
+                        </a:spcAft>
+                      </a:pPr>
+                      <a:r>
+                        <a:rPr lang="de-DE" sz="1200">
+                          <a:effectLst/>
+                        </a:rPr>
+                        <a:t>39</a:t>
+                      </a:r>
+                      <a:endParaRPr lang="de-DE" sz="1200">
+                        <a:effectLst/>
+                        <a:latin typeface="Arial" panose="020B0604020202020204" pitchFamily="34" charset="0"/>
+                        <a:ea typeface="Times New Roman" panose="02020603050405020304" pitchFamily="18" charset="0"/>
+                        <a:cs typeface="Times New Roman" panose="02020603050405020304" pitchFamily="18" charset="0"/>
+                      </a:endParaRPr>
+                    </a:p>
+                  </a:txBody>
+                  <a:tcPr marL="68580" marR="68580" marT="0" marB="0"/>
+                </a:tc>
+                <a:tc>
+                  <a:txBody>
+                    <a:bodyPr/>
+                    <a:lstStyle/>
+                    <a:p>
+                      <a:pPr algn="ctr">
+                        <a:spcAft>
+                          <a:spcPts val="0"/>
+                        </a:spcAft>
+                      </a:pPr>
+                      <a:r>
+                        <a:rPr lang="de-DE" sz="1200" dirty="0">
+                          <a:effectLst/>
+                        </a:rPr>
+                        <a:t>-</a:t>
+                      </a:r>
+                      <a:endParaRPr lang="de-DE" sz="1200" dirty="0">
+                        <a:effectLst/>
+                        <a:latin typeface="Arial" panose="020B0604020202020204" pitchFamily="34" charset="0"/>
+                        <a:ea typeface="Times New Roman" panose="02020603050405020304" pitchFamily="18" charset="0"/>
+                        <a:cs typeface="Times New Roman" panose="02020603050405020304" pitchFamily="18" charset="0"/>
+                      </a:endParaRPr>
+                    </a:p>
+                  </a:txBody>
+                  <a:tcPr marL="68580" marR="68580" marT="0" marB="0"/>
+                </a:tc>
+                <a:extLst>
+                  <a:ext uri="{0D108BD9-81ED-4DB2-BD59-A6C34878D82A}">
+                    <a16:rowId xmlns:a16="http://schemas.microsoft.com/office/drawing/2014/main" val="1409974387"/>
+                  </a:ext>
+                </a:extLst>
+              </a:tr>
+            </a:tbl>
+          </a:graphicData>
+        </a:graphic>
+      </p:graphicFrame>
+      <p:pic>
+        <p:nvPicPr>
+          <p:cNvPr id="10" name="Grafik 19"/>
+          <p:cNvPicPr>
+            <a:picLocks noChangeAspect="1"/>
+          </p:cNvPicPr>
+          <p:nvPr/>
+        </p:nvPicPr>
+        <p:blipFill>
+          <a:blip r:embed="rId3">
+            <a:extLst>
+              <a:ext uri="{28A0092B-C50C-407E-A947-70E740481C1C}">
+                <a14:useLocalDpi xmlns:a14="http://schemas.microsoft.com/office/drawing/2010/main" val="0"/>
+              </a:ext>
+              <a:ext uri="{96DAC541-7B7A-43D3-8B79-37D633B846F1}">
+                <asvg:svgBlip xmlns="" xmlns:wpc="http://schemas.microsoft.com/office/word/2010/wordprocessingCanvas" xmlns:cx="http://schemas.microsoft.com/office/drawing/2014/chartex" xmlns:cx1="http://schemas.microsoft.com/office/drawing/2015/9/8/chartex" xmlns:cx2="http://schemas.microsoft.com/office/drawing/2015/10/21/chartex" xmlns:cx3="http://schemas.microsoft.com/office/drawing/2016/5/9/chartex" xmlns:cx4="http://schemas.microsoft.com/office/drawing/2016/5/10/chartex" xmlns:cx5="http://schemas.microsoft.com/office/drawing/2016/5/11/chartex" xmlns:cx6="http://schemas.microsoft.com/office/drawing/2016/5/12/chartex" xmlns:cx7="http://schemas.microsoft.com/office/drawing/2016/5/13/chartex" xmlns:cx8="http://schemas.microsoft.com/office/drawing/2016/5/14/chartex" xmlns:mc="http://schemas.openxmlformats.org/markup-compatibility/2006" xmlns:aink="http://schemas.microsoft.com/office/drawing/2016/ink" xmlns:am3d="http://schemas.microsoft.com/office/drawing/2017/model3d" xmlns:o="urn:schemas-microsoft-com:office:office" xmlns:m="http://schemas.openxmlformats.org/officeDocument/2006/math" xmlns:v="urn:schemas-microsoft-com:vml" xmlns:wp14="http://schemas.microsoft.com/office/word/2010/wordprocessingDrawing" xmlns:wp="http://schemas.openxmlformats.org/drawingml/2006/wordprocessingDrawing" xmlns:w10="urn:schemas-microsoft-com:office:word" xmlns:w="http://schemas.openxmlformats.org/wordprocessingml/2006/main" xmlns:w14="http://schemas.microsoft.com/office/word/2010/wordml" xmlns:w15="http://schemas.microsoft.com/office/word/2012/wordml" xmlns:w16cid="http://schemas.microsoft.com/office/word/2016/wordml/cid" xmlns:w16se="http://schemas.microsoft.com/office/word/2015/wordml/symex" xmlns:wpg="http://schemas.microsoft.com/office/word/2010/wordprocessingGroup" xmlns:wpi="http://schemas.microsoft.com/office/word/2010/wordprocessingInk" xmlns:wne="http://schemas.microsoft.com/office/word/2006/wordml" xmlns:wps="http://schemas.microsoft.com/office/word/2010/wordprocessingShape" xmlns:pic="http://schemas.openxmlformats.org/drawingml/2006/picture" xmlns:asvg="http://schemas.microsoft.com/office/drawing/2016/SVG/main" xmlns:lc="http://schemas.openxmlformats.org/drawingml/2006/lockedCanvas" r:embed="rId37"/>
+              </a:ext>
+            </a:extLst>
+          </a:blip>
+          <a:stretch>
+            <a:fillRect/>
+          </a:stretch>
+        </p:blipFill>
+        <p:spPr>
+          <a:xfrm>
+            <a:off x="5226641" y="2538000"/>
+            <a:ext cx="3835672" cy="2880000"/>
+          </a:xfrm>
+          <a:prstGeom prst="rect">
+            <a:avLst/>
+          </a:prstGeom>
+        </p:spPr>
+      </p:pic>
+      <p:graphicFrame>
+        <p:nvGraphicFramePr>
+          <p:cNvPr id="11" name="Table 10"/>
+          <p:cNvGraphicFramePr>
+            <a:graphicFrameLocks noGrp="1"/>
+          </p:cNvGraphicFramePr>
+          <p:nvPr>
+            <p:extLst>
+              <p:ext uri="{D42A27DB-BD31-4B8C-83A1-F6EECF244321}">
+                <p14:modId xmlns:p14="http://schemas.microsoft.com/office/powerpoint/2010/main" val="1111047780"/>
+              </p:ext>
+            </p:extLst>
+          </p:nvPr>
+        </p:nvGraphicFramePr>
+        <p:xfrm>
+          <a:off x="822181" y="3333523"/>
+          <a:ext cx="4134485" cy="1280160"/>
+        </p:xfrm>
+        <a:graphic>
+          <a:graphicData uri="http://schemas.openxmlformats.org/drawingml/2006/table">
+            <a:tbl>
+              <a:tblPr firstRow="1" firstCol="1" bandRow="1">
+                <a:tableStyleId>{5C22544A-7EE6-4342-B048-85BDC9FD1C3A}</a:tableStyleId>
+              </a:tblPr>
+              <a:tblGrid>
+                <a:gridCol w="2067560">
+                  <a:extLst>
+                    <a:ext uri="{9D8B030D-6E8A-4147-A177-3AD203B41FA5}">
+                      <a16:colId xmlns:a16="http://schemas.microsoft.com/office/drawing/2014/main" val="3303635401"/>
+                    </a:ext>
+                  </a:extLst>
+                </a:gridCol>
+                <a:gridCol w="2066925">
+                  <a:extLst>
+                    <a:ext uri="{9D8B030D-6E8A-4147-A177-3AD203B41FA5}">
+                      <a16:colId xmlns:a16="http://schemas.microsoft.com/office/drawing/2014/main" val="1287455805"/>
+                    </a:ext>
+                  </a:extLst>
+                </a:gridCol>
+              </a:tblGrid>
+              <a:tr h="113030">
+                <a:tc>
+                  <a:txBody>
+                    <a:bodyPr/>
+                    <a:lstStyle/>
+                    <a:p>
+                      <a:pPr algn="ctr">
+                        <a:spcAft>
+                          <a:spcPts val="0"/>
+                        </a:spcAft>
+                      </a:pPr>
+                      <a:r>
+                        <a:rPr lang="de-DE" sz="1200" dirty="0">
+                          <a:effectLst/>
+                        </a:rPr>
+                        <a:t>Algorithmus</a:t>
+                      </a:r>
+                      <a:endParaRPr lang="de-DE" sz="1200" dirty="0">
+                        <a:effectLst/>
+                        <a:latin typeface="Arial" panose="020B0604020202020204" pitchFamily="34" charset="0"/>
+                        <a:ea typeface="Times New Roman" panose="02020603050405020304" pitchFamily="18" charset="0"/>
+                        <a:cs typeface="Times New Roman" panose="02020603050405020304" pitchFamily="18" charset="0"/>
+                      </a:endParaRPr>
+                    </a:p>
+                  </a:txBody>
+                  <a:tcPr marL="68580" marR="68580" marT="0" marB="0"/>
+                </a:tc>
+                <a:tc>
+                  <a:txBody>
+                    <a:bodyPr/>
+                    <a:lstStyle/>
+                    <a:p>
+                      <a:pPr algn="ctr">
+                        <a:spcAft>
+                          <a:spcPts val="0"/>
+                        </a:spcAft>
+                      </a:pPr>
+                      <a:r>
+                        <a:rPr lang="de-DE" sz="1200">
+                          <a:effectLst/>
+                        </a:rPr>
+                        <a:t>Relativer Erhalt Klassifikationsgenauigkeit in %</a:t>
+                      </a:r>
+                      <a:endParaRPr lang="de-DE" sz="1200">
+                        <a:effectLst/>
+                        <a:latin typeface="Arial" panose="020B0604020202020204" pitchFamily="34" charset="0"/>
+                        <a:ea typeface="Times New Roman" panose="02020603050405020304" pitchFamily="18" charset="0"/>
+                        <a:cs typeface="Times New Roman" panose="02020603050405020304" pitchFamily="18" charset="0"/>
+                      </a:endParaRPr>
+                    </a:p>
+                  </a:txBody>
+                  <a:tcPr marL="68580" marR="68580" marT="0" marB="0"/>
+                </a:tc>
+                <a:extLst>
+                  <a:ext uri="{0D108BD9-81ED-4DB2-BD59-A6C34878D82A}">
+                    <a16:rowId xmlns:a16="http://schemas.microsoft.com/office/drawing/2014/main" val="1445955116"/>
+                  </a:ext>
+                </a:extLst>
+              </a:tr>
+              <a:tr h="358140">
+                <a:tc>
+                  <a:txBody>
+                    <a:bodyPr/>
+                    <a:lstStyle/>
+                    <a:p>
+                      <a:pPr algn="just">
+                        <a:spcAft>
+                          <a:spcPts val="0"/>
+                        </a:spcAft>
+                      </a:pPr>
+                      <a:r>
+                        <a:rPr lang="de-DE" sz="1200">
+                          <a:effectLst/>
+                        </a:rPr>
+                        <a:t>L DNN </a:t>
+                      </a:r>
+                    </a:p>
+                    <a:p>
+                      <a:pPr algn="just">
+                        <a:spcAft>
+                          <a:spcPts val="0"/>
+                        </a:spcAft>
+                      </a:pPr>
+                      <a:r>
+                        <a:rPr lang="de-DE" sz="1200">
+                          <a:effectLst/>
+                        </a:rPr>
+                        <a:t>(10 inkrementelle Schritte)</a:t>
+                      </a:r>
+                      <a:endParaRPr lang="de-DE" sz="1200">
+                        <a:effectLst/>
+                        <a:latin typeface="Arial" panose="020B0604020202020204" pitchFamily="34" charset="0"/>
+                        <a:ea typeface="Times New Roman" panose="02020603050405020304" pitchFamily="18" charset="0"/>
+                        <a:cs typeface="Times New Roman" panose="02020603050405020304" pitchFamily="18" charset="0"/>
+                      </a:endParaRPr>
+                    </a:p>
+                  </a:txBody>
+                  <a:tcPr marL="68580" marR="68580" marT="0" marB="0"/>
+                </a:tc>
+                <a:tc>
+                  <a:txBody>
+                    <a:bodyPr/>
+                    <a:lstStyle/>
+                    <a:p>
+                      <a:pPr algn="ctr">
+                        <a:spcAft>
+                          <a:spcPts val="0"/>
+                        </a:spcAft>
+                      </a:pPr>
+                      <a:r>
+                        <a:rPr lang="de-DE" sz="1200">
+                          <a:effectLst/>
+                        </a:rPr>
+                        <a:t>57,9</a:t>
+                      </a:r>
+                      <a:endParaRPr lang="de-DE" sz="1200">
+                        <a:effectLst/>
+                        <a:latin typeface="Arial" panose="020B0604020202020204" pitchFamily="34" charset="0"/>
+                        <a:ea typeface="Times New Roman" panose="02020603050405020304" pitchFamily="18" charset="0"/>
+                        <a:cs typeface="Times New Roman" panose="02020603050405020304" pitchFamily="18" charset="0"/>
+                      </a:endParaRPr>
+                    </a:p>
+                  </a:txBody>
+                  <a:tcPr marL="68580" marR="68580" marT="0" marB="0"/>
+                </a:tc>
+                <a:extLst>
+                  <a:ext uri="{0D108BD9-81ED-4DB2-BD59-A6C34878D82A}">
+                    <a16:rowId xmlns:a16="http://schemas.microsoft.com/office/drawing/2014/main" val="151881268"/>
+                  </a:ext>
+                </a:extLst>
+              </a:tr>
+              <a:tr h="179070">
+                <a:tc>
+                  <a:txBody>
+                    <a:bodyPr/>
+                    <a:lstStyle/>
+                    <a:p>
+                      <a:pPr algn="just">
+                        <a:spcAft>
+                          <a:spcPts val="0"/>
+                        </a:spcAft>
+                      </a:pPr>
+                      <a:r>
+                        <a:rPr lang="de-DE" sz="1200">
+                          <a:effectLst/>
+                        </a:rPr>
+                        <a:t>iCaRL</a:t>
+                      </a:r>
+                      <a:endParaRPr lang="de-DE" sz="1200">
+                        <a:effectLst/>
+                        <a:latin typeface="Arial" panose="020B0604020202020204" pitchFamily="34" charset="0"/>
+                        <a:ea typeface="Times New Roman" panose="02020603050405020304" pitchFamily="18" charset="0"/>
+                        <a:cs typeface="Times New Roman" panose="02020603050405020304" pitchFamily="18" charset="0"/>
+                      </a:endParaRPr>
+                    </a:p>
+                  </a:txBody>
+                  <a:tcPr marL="68580" marR="68580" marT="0" marB="0"/>
+                </a:tc>
+                <a:tc>
+                  <a:txBody>
+                    <a:bodyPr/>
+                    <a:lstStyle/>
+                    <a:p>
+                      <a:pPr algn="ctr">
+                        <a:spcAft>
+                          <a:spcPts val="0"/>
+                        </a:spcAft>
+                      </a:pPr>
+                      <a:r>
+                        <a:rPr lang="de-DE" sz="1200">
+                          <a:effectLst/>
+                        </a:rPr>
+                        <a:t>48,9</a:t>
+                      </a:r>
+                      <a:endParaRPr lang="de-DE" sz="1200">
+                        <a:effectLst/>
+                        <a:latin typeface="Arial" panose="020B0604020202020204" pitchFamily="34" charset="0"/>
+                        <a:ea typeface="Times New Roman" panose="02020603050405020304" pitchFamily="18" charset="0"/>
+                        <a:cs typeface="Times New Roman" panose="02020603050405020304" pitchFamily="18" charset="0"/>
+                      </a:endParaRPr>
+                    </a:p>
+                  </a:txBody>
+                  <a:tcPr marL="68580" marR="68580" marT="0" marB="0"/>
+                </a:tc>
+                <a:extLst>
+                  <a:ext uri="{0D108BD9-81ED-4DB2-BD59-A6C34878D82A}">
+                    <a16:rowId xmlns:a16="http://schemas.microsoft.com/office/drawing/2014/main" val="2790167732"/>
+                  </a:ext>
+                </a:extLst>
+              </a:tr>
+              <a:tr h="179070">
+                <a:tc>
+                  <a:txBody>
+                    <a:bodyPr/>
+                    <a:lstStyle/>
+                    <a:p>
+                      <a:pPr algn="just">
+                        <a:spcAft>
+                          <a:spcPts val="0"/>
+                        </a:spcAft>
+                      </a:pPr>
+                      <a:r>
+                        <a:rPr lang="de-DE" sz="1200">
+                          <a:effectLst/>
+                        </a:rPr>
+                        <a:t>LwF</a:t>
+                      </a:r>
+                      <a:endParaRPr lang="de-DE" sz="1200">
+                        <a:effectLst/>
+                        <a:latin typeface="Arial" panose="020B0604020202020204" pitchFamily="34" charset="0"/>
+                        <a:ea typeface="Times New Roman" panose="02020603050405020304" pitchFamily="18" charset="0"/>
+                        <a:cs typeface="Times New Roman" panose="02020603050405020304" pitchFamily="18" charset="0"/>
+                      </a:endParaRPr>
+                    </a:p>
+                  </a:txBody>
+                  <a:tcPr marL="68580" marR="68580" marT="0" marB="0"/>
+                </a:tc>
+                <a:tc>
+                  <a:txBody>
+                    <a:bodyPr/>
+                    <a:lstStyle/>
+                    <a:p>
+                      <a:pPr algn="ctr">
+                        <a:spcAft>
+                          <a:spcPts val="0"/>
+                        </a:spcAft>
+                      </a:pPr>
+                      <a:r>
+                        <a:rPr lang="de-DE" sz="1200" dirty="0">
+                          <a:effectLst/>
+                        </a:rPr>
+                        <a:t>43,3</a:t>
+                      </a:r>
+                      <a:endParaRPr lang="de-DE" sz="1200" dirty="0">
+                        <a:effectLst/>
+                        <a:latin typeface="Arial" panose="020B0604020202020204" pitchFamily="34" charset="0"/>
+                        <a:ea typeface="Times New Roman" panose="02020603050405020304" pitchFamily="18" charset="0"/>
+                        <a:cs typeface="Times New Roman" panose="02020603050405020304" pitchFamily="18" charset="0"/>
+                      </a:endParaRPr>
+                    </a:p>
+                  </a:txBody>
+                  <a:tcPr marL="68580" marR="68580" marT="0" marB="0"/>
+                </a:tc>
+                <a:extLst>
+                  <a:ext uri="{0D108BD9-81ED-4DB2-BD59-A6C34878D82A}">
+                    <a16:rowId xmlns:a16="http://schemas.microsoft.com/office/drawing/2014/main" val="1193131313"/>
+                  </a:ext>
+                </a:extLst>
+              </a:tr>
+            </a:tbl>
+          </a:graphicData>
+        </a:graphic>
+      </p:graphicFrame>
+    </p:spTree>
+    <p:extLst>
+      <p:ext uri="{BB962C8B-B14F-4D97-AF65-F5344CB8AC3E}">
+        <p14:creationId xmlns:p14="http://schemas.microsoft.com/office/powerpoint/2010/main" val="191913601"/>
+      </p:ext>
+    </p:extLst>
+  </p:cSld>
+  <p:clrMapOvr>
+    <a:masterClrMapping/>
+  </p:clrMapOvr>
+  <p:timing>
+    <p:tnLst>
+      <p:par>
+        <p:cTn id="1" dur="indefinite" restart="never" nodeType="tmRoot">
+          <p:childTnLst>
+            <p:seq concurrent="1" nextAc="seek">
+              <p:cTn id="2" dur="indefinite" nodeType="mainSeq">
+                <p:childTnLst>
+                  <p:par>
+                    <p:cTn id="3" fill="hold">
+                      <p:stCondLst>
+                        <p:cond delay="indefinite"/>
+                      </p:stCondLst>
+                      <p:childTnLst>
+                        <p:par>
+                          <p:cTn id="4" fill="hold">
+                            <p:stCondLst>
+                              <p:cond delay="0"/>
+                            </p:stCondLst>
+                            <p:childTnLst>
+                              <p:par>
+                                <p:cTn id="5" presetID="1" presetClass="entr" presetSubtype="0" fill="hold" nodeType="clickEffect">
+                                  <p:stCondLst>
+                                    <p:cond delay="0"/>
+                                  </p:stCondLst>
+                                  <p:childTnLst>
+                                    <p:set>
+                                      <p:cBhvr>
+                                        <p:cTn id="6" dur="1" fill="hold">
+                                          <p:stCondLst>
+                                            <p:cond delay="0"/>
+                                          </p:stCondLst>
+                                        </p:cTn>
+                                        <p:tgtEl>
+                                          <p:spTgt spid="11"/>
+                                        </p:tgtEl>
+                                        <p:attrNameLst>
+                                          <p:attrName>style.visibility</p:attrName>
+                                        </p:attrNameLst>
+                                      </p:cBhvr>
+                                      <p:to>
+                                        <p:strVal val="visible"/>
+                                      </p:to>
+                                    </p:set>
+                                  </p:childTnLst>
+                                </p:cTn>
+                              </p:par>
+                            </p:childTnLst>
+                          </p:cTn>
+                        </p:par>
+                      </p:childTnLst>
+                    </p:cTn>
+                  </p:par>
+                  <p:par>
+                    <p:cTn id="7" fill="hold">
+                      <p:stCondLst>
+                        <p:cond delay="indefinite"/>
+                      </p:stCondLst>
+                      <p:childTnLst>
+                        <p:par>
+                          <p:cTn id="8" fill="hold">
+                            <p:stCondLst>
+                              <p:cond delay="0"/>
+                            </p:stCondLst>
+                            <p:childTnLst>
+                              <p:par>
+                                <p:cTn id="9" presetID="1" presetClass="exit" presetSubtype="0" fill="hold" nodeType="clickEffect">
+                                  <p:stCondLst>
+                                    <p:cond delay="0"/>
+                                  </p:stCondLst>
+                                  <p:childTnLst>
+                                    <p:set>
+                                      <p:cBhvr>
+                                        <p:cTn id="10" dur="1" fill="hold">
+                                          <p:stCondLst>
+                                            <p:cond delay="0"/>
+                                          </p:stCondLst>
+                                        </p:cTn>
+                                        <p:tgtEl>
+                                          <p:spTgt spid="8"/>
+                                        </p:tgtEl>
+                                        <p:attrNameLst>
+                                          <p:attrName>style.visibility</p:attrName>
+                                        </p:attrNameLst>
+                                      </p:cBhvr>
+                                      <p:to>
+                                        <p:strVal val="hidden"/>
+                                      </p:to>
+                                    </p:set>
+                                  </p:childTnLst>
+                                </p:cTn>
+                              </p:par>
+                              <p:par>
+                                <p:cTn id="11" presetID="1" presetClass="entr" presetSubtype="0" fill="hold" nodeType="withEffect">
+                                  <p:stCondLst>
+                                    <p:cond delay="0"/>
+                                  </p:stCondLst>
+                                  <p:childTnLst>
+                                    <p:set>
+                                      <p:cBhvr>
+                                        <p:cTn id="12" dur="1" fill="hold">
+                                          <p:stCondLst>
+                                            <p:cond delay="0"/>
+                                          </p:stCondLst>
+                                        </p:cTn>
+                                        <p:tgtEl>
+                                          <p:spTgt spid="10"/>
+                                        </p:tgtEl>
+                                        <p:attrNameLst>
+                                          <p:attrName>style.visibility</p:attrName>
+                                        </p:attrNameLst>
+                                      </p:cBhvr>
+                                      <p:to>
+                                        <p:strVal val="visible"/>
+                                      </p:to>
+                                    </p:set>
+                                  </p:childTnLst>
+                                </p:cTn>
+                              </p:par>
+                              <p:par>
+                                <p:cTn id="13" presetID="1" presetClass="exit" presetSubtype="0" fill="hold" nodeType="withEffect">
+                                  <p:stCondLst>
+                                    <p:cond delay="0"/>
+                                  </p:stCondLst>
+                                  <p:childTnLst>
+                                    <p:set>
+                                      <p:cBhvr>
+                                        <p:cTn id="14" dur="1" fill="hold">
+                                          <p:stCondLst>
+                                            <p:cond delay="0"/>
+                                          </p:stCondLst>
+                                        </p:cTn>
+                                        <p:tgtEl>
+                                          <p:spTgt spid="11"/>
+                                        </p:tgtEl>
+                                        <p:attrNameLst>
+                                          <p:attrName>style.visibility</p:attrName>
+                                        </p:attrNameLst>
+                                      </p:cBhvr>
+                                      <p:to>
+                                        <p:strVal val="hidden"/>
+                                      </p:to>
+                                    </p:set>
+                                  </p:childTnLst>
+                                </p:cTn>
+                              </p:par>
+                            </p:childTnLst>
+                          </p:cTn>
+                        </p:par>
+                      </p:childTnLst>
+                    </p:cTn>
+                  </p:par>
+                  <p:par>
+                    <p:cTn id="15" fill="hold">
+                      <p:stCondLst>
+                        <p:cond delay="indefinite"/>
+                      </p:stCondLst>
+                      <p:childTnLst>
+                        <p:par>
+                          <p:cTn id="16" fill="hold">
+                            <p:stCondLst>
+                              <p:cond delay="0"/>
+                            </p:stCondLst>
+                            <p:childTnLst>
+                              <p:par>
+                                <p:cTn id="17" presetID="1" presetClass="entr" presetSubtype="0" fill="hold" nodeType="clickEffect">
+                                  <p:stCondLst>
+                                    <p:cond delay="0"/>
+                                  </p:stCondLst>
+                                  <p:childTnLst>
+                                    <p:set>
+                                      <p:cBhvr>
+                                        <p:cTn id="18" dur="1" fill="hold">
+                                          <p:stCondLst>
+                                            <p:cond delay="0"/>
+                                          </p:stCondLst>
+                                        </p:cTn>
+                                        <p:tgtEl>
+                                          <p:spTgt spid="9"/>
+                                        </p:tgtEl>
+                                        <p:attrNameLst>
+                                          <p:attrName>style.visibility</p:attrName>
+                                        </p:attrNameLst>
+                                      </p:cBhvr>
+                                      <p:to>
+                                        <p:strVal val="visible"/>
+                                      </p:to>
+                                    </p:set>
+                                  </p:childTnLst>
+                                </p:cTn>
+                              </p:par>
+                            </p:childTnLst>
+                          </p:cTn>
+                        </p:par>
+                      </p:childTnLst>
+                    </p:cTn>
+                  </p:par>
+                </p:childTnLst>
+              </p:cTn>
+              <p:prevCondLst>
+                <p:cond evt="onPrev" delay="0">
+                  <p:tgtEl>
+                    <p:sldTgt/>
+                  </p:tgtEl>
+                </p:cond>
+              </p:prevCondLst>
+              <p:nextCondLst>
+                <p:cond evt="onNext" delay="0">
+                  <p:tgtEl>
+                    <p:sldTgt/>
+                  </p:tgtEl>
+                </p:cond>
+              </p:nextCondLst>
+            </p:seq>
+          </p:childTnLst>
+        </p:cTn>
+      </p:par>
+    </p:tnLst>
+  </p:timing>
+</p:sld>
+</file>
+
+<file path=ppt/slides/slide24.xml><?xml version="1.0" encoding="utf-8"?>
+<p:sld xmlns:a="http://schemas.openxmlformats.org/drawingml/2006/main" xmlns:r="http://schemas.openxmlformats.org/officeDocument/2006/relationships" xmlns:p="http://schemas.openxmlformats.org/presentationml/2006/main">
+  <p:cSld>
+    <p:spTree>
+      <p:nvGrpSpPr>
+        <p:cNvPr id="1" name=""/>
+        <p:cNvGrpSpPr/>
+        <p:nvPr/>
+      </p:nvGrpSpPr>
+      <p:grpSpPr>
+        <a:xfrm>
+          <a:off x="0" y="0"/>
+          <a:ext cx="0" cy="0"/>
+          <a:chOff x="0" y="0"/>
+          <a:chExt cx="0" cy="0"/>
+        </a:xfrm>
+      </p:grpSpPr>
+      <p:sp>
+        <p:nvSpPr>
+          <p:cNvPr id="2" name="Titel 1">
+            <a:extLst>
+              <a:ext uri="{FF2B5EF4-FFF2-40B4-BE49-F238E27FC236}">
+                <a16:creationId xmlns:a16="http://schemas.microsoft.com/office/drawing/2014/main" id="{4ED504E0-A20B-4D20-A325-79D1EDC686F1}"/>
+              </a:ext>
+            </a:extLst>
+          </p:cNvPr>
+          <p:cNvSpPr>
+            <a:spLocks noGrp="1"/>
+          </p:cNvSpPr>
+          <p:nvPr>
+            <p:ph type="title"/>
+          </p:nvPr>
+        </p:nvSpPr>
+        <p:spPr/>
+        <p:txBody>
+          <a:bodyPr/>
+          <a:lstStyle/>
+          <a:p>
+            <a:r>
+              <a:rPr lang="en-US" dirty="0"/>
+              <a:t>Demonstrator</a:t>
+            </a:r>
+            <a:r>
+              <a:rPr lang="en-GB" dirty="0"/>
+              <a:t/>
+            </a:r>
+            <a:br>
+              <a:rPr lang="en-GB" dirty="0"/>
+            </a:br>
+            <a:endParaRPr lang="en-GB" dirty="0"/>
+          </a:p>
+        </p:txBody>
+      </p:sp>
+      <p:sp>
+        <p:nvSpPr>
+          <p:cNvPr id="3" name="Textplatzhalter 2">
+            <a:extLst>
+              <a:ext uri="{FF2B5EF4-FFF2-40B4-BE49-F238E27FC236}">
+                <a16:creationId xmlns:a16="http://schemas.microsoft.com/office/drawing/2014/main" id="{4BAAAC7C-B6B4-41F6-A904-36A109143E2A}"/>
+              </a:ext>
+            </a:extLst>
+          </p:cNvPr>
+          <p:cNvSpPr>
+            <a:spLocks noGrp="1"/>
+          </p:cNvSpPr>
+          <p:nvPr>
+            <p:ph type="body" idx="1"/>
+          </p:nvPr>
+        </p:nvSpPr>
+        <p:spPr/>
+        <p:txBody>
+          <a:bodyPr/>
+          <a:lstStyle/>
+          <a:p>
+            <a:endParaRPr lang="en-GB"/>
+          </a:p>
+        </p:txBody>
+      </p:sp>
+    </p:spTree>
+    <p:extLst>
+      <p:ext uri="{BB962C8B-B14F-4D97-AF65-F5344CB8AC3E}">
+        <p14:creationId xmlns:p14="http://schemas.microsoft.com/office/powerpoint/2010/main" val="316061258"/>
+      </p:ext>
+    </p:extLst>
+  </p:cSld>
+  <p:clrMapOvr>
+    <a:masterClrMapping/>
+  </p:clrMapOvr>
+  <p:timing>
+    <p:tnLst>
+      <p:par>
+        <p:cTn id="1" dur="indefinite" restart="never" nodeType="tmRoot"/>
+      </p:par>
+    </p:tnLst>
+  </p:timing>
+</p:sld>
+</file>
+
+<file path=ppt/slides/slide25.xml><?xml version="1.0" encoding="utf-8"?>
+<p:sld xmlns:a="http://schemas.openxmlformats.org/drawingml/2006/main" xmlns:r="http://schemas.openxmlformats.org/officeDocument/2006/relationships" xmlns:p="http://schemas.openxmlformats.org/presentationml/2006/main">
+  <p:cSld>
+    <p:spTree>
+      <p:nvGrpSpPr>
+        <p:cNvPr id="1" name=""/>
+        <p:cNvGrpSpPr/>
+        <p:nvPr/>
+      </p:nvGrpSpPr>
+      <p:grpSpPr>
+        <a:xfrm>
+          <a:off x="0" y="0"/>
+          <a:ext cx="0" cy="0"/>
+          <a:chOff x="0" y="0"/>
+          <a:chExt cx="0" cy="0"/>
+        </a:xfrm>
+      </p:grpSpPr>
+      <p:sp>
+        <p:nvSpPr>
+          <p:cNvPr id="2" name="Content Placeholder 1"/>
+          <p:cNvSpPr>
+            <a:spLocks noGrp="1"/>
+          </p:cNvSpPr>
+          <p:nvPr>
+            <p:ph idx="1"/>
+          </p:nvPr>
+        </p:nvSpPr>
+        <p:spPr/>
+        <p:txBody>
+          <a:bodyPr/>
+          <a:lstStyle/>
+          <a:p>
+            <a:r>
+              <a:rPr lang="de-DE" dirty="0" smtClean="0"/>
+              <a:t>Demonstrator bestehend aus:</a:t>
+            </a:r>
+          </a:p>
+          <a:p>
+            <a:pPr lvl="1"/>
+            <a:r>
+              <a:rPr lang="de-DE" dirty="0" err="1" smtClean="0"/>
+              <a:t>Raspberry</a:t>
+            </a:r>
+            <a:r>
+              <a:rPr lang="de-DE" dirty="0" smtClean="0"/>
+              <a:t> Pi 3+</a:t>
+            </a:r>
+          </a:p>
+          <a:p>
+            <a:pPr lvl="1"/>
+            <a:r>
+              <a:rPr lang="de-DE" dirty="0" err="1" smtClean="0"/>
+              <a:t>PiCamera</a:t>
+            </a:r>
+            <a:endParaRPr lang="de-DE" dirty="0" smtClean="0"/>
+          </a:p>
+          <a:p>
+            <a:pPr lvl="1"/>
+            <a:r>
+              <a:rPr lang="de-DE" dirty="0" smtClean="0"/>
+              <a:t>Kamerahalterung</a:t>
+            </a:r>
+          </a:p>
+          <a:p>
+            <a:endParaRPr lang="de-DE" dirty="0"/>
+          </a:p>
+          <a:p>
+            <a:r>
+              <a:rPr lang="de-DE" dirty="0" smtClean="0"/>
+              <a:t>Demonstrator für inkrementelles Klassen (Objekt)</a:t>
+            </a:r>
+            <a:r>
+              <a:rPr lang="de-DE" dirty="0"/>
+              <a:t> </a:t>
+            </a:r>
+            <a:r>
+              <a:rPr lang="de-DE" dirty="0" smtClean="0"/>
+              <a:t>Lernen in Echtzeit auf einem speicher- und rechenbegrenztem Edge Device</a:t>
+            </a:r>
+          </a:p>
+          <a:p>
+            <a:pPr marL="0" indent="0">
+              <a:buNone/>
+            </a:pPr>
+            <a:endParaRPr lang="de-DE" dirty="0"/>
+          </a:p>
+        </p:txBody>
+      </p:sp>
+      <p:sp>
+        <p:nvSpPr>
+          <p:cNvPr id="3" name="Date Placeholder 2"/>
+          <p:cNvSpPr>
+            <a:spLocks noGrp="1"/>
+          </p:cNvSpPr>
+          <p:nvPr>
+            <p:ph type="dt" sz="half" idx="10"/>
+          </p:nvPr>
+        </p:nvSpPr>
+        <p:spPr/>
+        <p:txBody>
+          <a:bodyPr/>
+          <a:lstStyle/>
+          <a:p>
+            <a:fld id="{92945389-04B4-460D-BD35-C57D41A2ECAA}" type="datetime1">
+              <a:rPr lang="de-DE" smtClean="0"/>
+              <a:t>07.10.2019</a:t>
+            </a:fld>
+            <a:endParaRPr lang="de-DE" dirty="0"/>
+          </a:p>
+        </p:txBody>
+      </p:sp>
+      <p:sp>
+        <p:nvSpPr>
+          <p:cNvPr id="4" name="Footer Placeholder 3"/>
+          <p:cNvSpPr>
+            <a:spLocks noGrp="1"/>
+          </p:cNvSpPr>
+          <p:nvPr>
+            <p:ph type="ftr" sz="quarter" idx="11"/>
+          </p:nvPr>
+        </p:nvSpPr>
+        <p:spPr/>
+        <p:txBody>
+          <a:bodyPr/>
+          <a:lstStyle/>
+          <a:p>
+            <a:r>
+              <a:rPr lang="de-DE" smtClean="0"/>
+              <a:t>Universität Stuttgart</a:t>
+            </a:r>
+            <a:endParaRPr lang="de-DE" dirty="0"/>
+          </a:p>
+        </p:txBody>
+      </p:sp>
+      <p:sp>
+        <p:nvSpPr>
+          <p:cNvPr id="5" name="Slide Number Placeholder 4"/>
+          <p:cNvSpPr>
+            <a:spLocks noGrp="1"/>
+          </p:cNvSpPr>
+          <p:nvPr>
+            <p:ph type="sldNum" sz="quarter" idx="12"/>
+          </p:nvPr>
+        </p:nvSpPr>
+        <p:spPr/>
+        <p:txBody>
+          <a:bodyPr/>
+          <a:lstStyle/>
+          <a:p>
+            <a:fld id="{9E82CC3C-1DC0-4FDA-9590-6CC506AB67F8}" type="slidenum">
+              <a:rPr lang="de-DE" smtClean="0"/>
+              <a:t>25</a:t>
+            </a:fld>
+            <a:endParaRPr lang="de-DE" dirty="0"/>
+          </a:p>
+        </p:txBody>
+      </p:sp>
+      <p:sp>
+        <p:nvSpPr>
+          <p:cNvPr id="6" name="Text Placeholder 5"/>
+          <p:cNvSpPr>
+            <a:spLocks noGrp="1"/>
+          </p:cNvSpPr>
+          <p:nvPr>
+            <p:ph type="body" sz="quarter" idx="13"/>
+          </p:nvPr>
+        </p:nvSpPr>
+        <p:spPr/>
+        <p:txBody>
+          <a:bodyPr/>
+          <a:lstStyle/>
+          <a:p>
+            <a:r>
+              <a:rPr lang="de-DE" dirty="0" smtClean="0"/>
+              <a:t>HW-Aufbau</a:t>
+            </a:r>
+            <a:endParaRPr lang="de-DE" dirty="0"/>
+          </a:p>
+        </p:txBody>
+      </p:sp>
+      <p:sp>
+        <p:nvSpPr>
+          <p:cNvPr id="7" name="Title 6"/>
+          <p:cNvSpPr>
+            <a:spLocks noGrp="1"/>
+          </p:cNvSpPr>
+          <p:nvPr>
+            <p:ph type="title"/>
+          </p:nvPr>
+        </p:nvSpPr>
+        <p:spPr/>
+        <p:txBody>
+          <a:bodyPr/>
+          <a:lstStyle/>
+          <a:p>
+            <a:r>
+              <a:rPr lang="de-DE" dirty="0" smtClean="0"/>
+              <a:t>Demonstrator</a:t>
+            </a:r>
+            <a:endParaRPr lang="de-DE" dirty="0"/>
+          </a:p>
+        </p:txBody>
+      </p:sp>
+    </p:spTree>
+    <p:extLst>
+      <p:ext uri="{BB962C8B-B14F-4D97-AF65-F5344CB8AC3E}">
+        <p14:creationId xmlns:p14="http://schemas.microsoft.com/office/powerpoint/2010/main" val="3720078565"/>
+      </p:ext>
+    </p:extLst>
+  </p:cSld>
+  <p:clrMapOvr>
+    <a:masterClrMapping/>
+  </p:clrMapOvr>
+  <p:timing>
+    <p:tnLst>
+      <p:par>
+        <p:cTn id="1" dur="indefinite" restart="never" nodeType="tmRoot"/>
+      </p:par>
+    </p:tnLst>
+  </p:timing>
+</p:sld>
+</file>
+
+<file path=ppt/slides/slide26.xml><?xml version="1.0" encoding="utf-8"?>
+<p:sld xmlns:a="http://schemas.openxmlformats.org/drawingml/2006/main" xmlns:r="http://schemas.openxmlformats.org/officeDocument/2006/relationships" xmlns:p="http://schemas.openxmlformats.org/presentationml/2006/main">
+  <p:cSld>
+    <p:spTree>
+      <p:nvGrpSpPr>
+        <p:cNvPr id="1" name=""/>
+        <p:cNvGrpSpPr/>
+        <p:nvPr/>
+      </p:nvGrpSpPr>
+      <p:grpSpPr>
+        <a:xfrm>
+          <a:off x="0" y="0"/>
+          <a:ext cx="0" cy="0"/>
+          <a:chOff x="0" y="0"/>
+          <a:chExt cx="0" cy="0"/>
+        </a:xfrm>
+      </p:grpSpPr>
+      <p:sp>
+        <p:nvSpPr>
+          <p:cNvPr id="2" name="Content Placeholder 1"/>
+          <p:cNvSpPr>
+            <a:spLocks noGrp="1"/>
+          </p:cNvSpPr>
+          <p:nvPr>
+            <p:ph idx="1"/>
+          </p:nvPr>
+        </p:nvSpPr>
+        <p:spPr/>
+        <p:txBody>
+          <a:bodyPr/>
+          <a:lstStyle/>
+          <a:p>
+            <a:endParaRPr lang="de-DE" dirty="0"/>
+          </a:p>
+        </p:txBody>
+      </p:sp>
+      <p:sp>
+        <p:nvSpPr>
+          <p:cNvPr id="3" name="Date Placeholder 2"/>
+          <p:cNvSpPr>
+            <a:spLocks noGrp="1"/>
+          </p:cNvSpPr>
+          <p:nvPr>
+            <p:ph type="dt" sz="half" idx="10"/>
+          </p:nvPr>
+        </p:nvSpPr>
+        <p:spPr/>
+        <p:txBody>
+          <a:bodyPr/>
+          <a:lstStyle/>
+          <a:p>
+            <a:fld id="{92945389-04B4-460D-BD35-C57D41A2ECAA}" type="datetime1">
+              <a:rPr lang="de-DE" smtClean="0"/>
+              <a:t>07.10.2019</a:t>
+            </a:fld>
+            <a:endParaRPr lang="de-DE" dirty="0"/>
+          </a:p>
+        </p:txBody>
+      </p:sp>
+      <p:sp>
+        <p:nvSpPr>
+          <p:cNvPr id="4" name="Footer Placeholder 3"/>
+          <p:cNvSpPr>
+            <a:spLocks noGrp="1"/>
+          </p:cNvSpPr>
+          <p:nvPr>
+            <p:ph type="ftr" sz="quarter" idx="11"/>
+          </p:nvPr>
+        </p:nvSpPr>
+        <p:spPr/>
+        <p:txBody>
+          <a:bodyPr/>
+          <a:lstStyle/>
+          <a:p>
+            <a:r>
+              <a:rPr lang="de-DE" smtClean="0"/>
+              <a:t>Universität Stuttgart</a:t>
+            </a:r>
+            <a:endParaRPr lang="de-DE" dirty="0"/>
+          </a:p>
+        </p:txBody>
+      </p:sp>
+      <p:sp>
+        <p:nvSpPr>
+          <p:cNvPr id="5" name="Slide Number Placeholder 4"/>
+          <p:cNvSpPr>
+            <a:spLocks noGrp="1"/>
+          </p:cNvSpPr>
+          <p:nvPr>
+            <p:ph type="sldNum" sz="quarter" idx="12"/>
+          </p:nvPr>
+        </p:nvSpPr>
+        <p:spPr/>
+        <p:txBody>
+          <a:bodyPr/>
+          <a:lstStyle/>
+          <a:p>
+            <a:fld id="{9E82CC3C-1DC0-4FDA-9590-6CC506AB67F8}" type="slidenum">
+              <a:rPr lang="de-DE" smtClean="0"/>
+              <a:t>26</a:t>
+            </a:fld>
+            <a:endParaRPr lang="de-DE" dirty="0"/>
+          </a:p>
+        </p:txBody>
+      </p:sp>
+      <p:sp>
+        <p:nvSpPr>
+          <p:cNvPr id="6" name="Text Placeholder 5"/>
+          <p:cNvSpPr>
+            <a:spLocks noGrp="1"/>
+          </p:cNvSpPr>
+          <p:nvPr>
+            <p:ph type="body" sz="quarter" idx="13"/>
+          </p:nvPr>
+        </p:nvSpPr>
+        <p:spPr/>
+        <p:txBody>
+          <a:bodyPr/>
+          <a:lstStyle/>
+          <a:p>
+            <a:r>
+              <a:rPr lang="de-DE" dirty="0" smtClean="0"/>
+              <a:t>Demo-Video</a:t>
+            </a:r>
+            <a:endParaRPr lang="de-DE" dirty="0"/>
+          </a:p>
+        </p:txBody>
+      </p:sp>
+      <p:sp>
+        <p:nvSpPr>
+          <p:cNvPr id="7" name="Title 6"/>
+          <p:cNvSpPr>
+            <a:spLocks noGrp="1"/>
+          </p:cNvSpPr>
+          <p:nvPr>
+            <p:ph type="title"/>
+          </p:nvPr>
+        </p:nvSpPr>
+        <p:spPr/>
+        <p:txBody>
+          <a:bodyPr/>
+          <a:lstStyle/>
+          <a:p>
+            <a:r>
+              <a:rPr lang="de-DE" dirty="0" smtClean="0"/>
+              <a:t>Demonstrator</a:t>
+            </a:r>
+            <a:endParaRPr lang="de-DE" dirty="0"/>
+          </a:p>
+        </p:txBody>
+      </p:sp>
+    </p:spTree>
+    <p:extLst>
+      <p:ext uri="{BB962C8B-B14F-4D97-AF65-F5344CB8AC3E}">
+        <p14:creationId xmlns:p14="http://schemas.microsoft.com/office/powerpoint/2010/main" val="3179061322"/>
+      </p:ext>
+    </p:extLst>
+  </p:cSld>
+  <p:clrMapOvr>
+    <a:masterClrMapping/>
+  </p:clrMapOvr>
+  <p:timing>
+    <p:tnLst>
+      <p:par>
+        <p:cTn id="1" dur="indefinite" restart="never" nodeType="tmRoot"/>
+      </p:par>
+    </p:tnLst>
+  </p:timing>
+</p:sld>
+</file>
+
+<file path=ppt/slides/slide27.xml><?xml version="1.0" encoding="utf-8"?>
+<p:sld xmlns:a="http://schemas.openxmlformats.org/drawingml/2006/main" xmlns:r="http://schemas.openxmlformats.org/officeDocument/2006/relationships" xmlns:p="http://schemas.openxmlformats.org/presentationml/2006/main">
+  <p:cSld>
+    <p:spTree>
+      <p:nvGrpSpPr>
+        <p:cNvPr id="1" name=""/>
+        <p:cNvGrpSpPr/>
+        <p:nvPr/>
+      </p:nvGrpSpPr>
+      <p:grpSpPr>
+        <a:xfrm>
+          <a:off x="0" y="0"/>
+          <a:ext cx="0" cy="0"/>
+          <a:chOff x="0" y="0"/>
+          <a:chExt cx="0" cy="0"/>
+        </a:xfrm>
+      </p:grpSpPr>
+      <p:sp>
+        <p:nvSpPr>
+          <p:cNvPr id="2" name="Titel 1">
+            <a:extLst>
+              <a:ext uri="{FF2B5EF4-FFF2-40B4-BE49-F238E27FC236}">
+                <a16:creationId xmlns:a16="http://schemas.microsoft.com/office/drawing/2014/main" id="{C93D6065-CAC6-4FFF-ADB0-E3D3DCFF9ED5}"/>
+              </a:ext>
+            </a:extLst>
+          </p:cNvPr>
+          <p:cNvSpPr>
+            <a:spLocks noGrp="1"/>
+          </p:cNvSpPr>
+          <p:nvPr>
+            <p:ph type="title"/>
+          </p:nvPr>
+        </p:nvSpPr>
+        <p:spPr/>
+        <p:txBody>
+          <a:bodyPr/>
+          <a:lstStyle/>
+          <a:p>
+            <a:r>
+              <a:rPr lang="en-US" dirty="0" err="1"/>
+              <a:t>Zusammenfassung</a:t>
+            </a:r>
+            <a:r>
+              <a:rPr lang="en-US" dirty="0"/>
+              <a:t> und </a:t>
+            </a:r>
+            <a:r>
+              <a:rPr lang="en-US" dirty="0" err="1"/>
+              <a:t>Ausblick</a:t>
+            </a:r>
+            <a:r>
+              <a:rPr lang="en-US" dirty="0"/>
+              <a:t/>
+            </a:r>
+            <a:br>
+              <a:rPr lang="en-US" dirty="0"/>
+            </a:br>
+            <a:endParaRPr lang="en-GB" dirty="0"/>
+          </a:p>
+        </p:txBody>
+      </p:sp>
+      <p:sp>
+        <p:nvSpPr>
+          <p:cNvPr id="3" name="Textplatzhalter 2">
+            <a:extLst>
+              <a:ext uri="{FF2B5EF4-FFF2-40B4-BE49-F238E27FC236}">
+                <a16:creationId xmlns:a16="http://schemas.microsoft.com/office/drawing/2014/main" id="{ABEAE629-8168-44E8-8EA3-C4D082B0C50A}"/>
+              </a:ext>
+            </a:extLst>
+          </p:cNvPr>
+          <p:cNvSpPr>
+            <a:spLocks noGrp="1"/>
+          </p:cNvSpPr>
+          <p:nvPr>
+            <p:ph type="body" idx="1"/>
+          </p:nvPr>
+        </p:nvSpPr>
+        <p:spPr/>
+        <p:txBody>
+          <a:bodyPr/>
+          <a:lstStyle/>
+          <a:p>
+            <a:endParaRPr lang="en-GB"/>
+          </a:p>
+        </p:txBody>
+      </p:sp>
+    </p:spTree>
+    <p:extLst>
+      <p:ext uri="{BB962C8B-B14F-4D97-AF65-F5344CB8AC3E}">
+        <p14:creationId xmlns:p14="http://schemas.microsoft.com/office/powerpoint/2010/main" val="2749896429"/>
+      </p:ext>
+    </p:extLst>
+  </p:cSld>
+  <p:clrMapOvr>
+    <a:masterClrMapping/>
+  </p:clrMapOvr>
+  <p:timing>
+    <p:tnLst>
+      <p:par>
+        <p:cTn id="1" dur="indefinite" restart="never" nodeType="tmRoot"/>
+      </p:par>
+    </p:tnLst>
+  </p:timing>
+</p:sld>
+</file>
+
+<file path=ppt/slides/slide28.xml><?xml version="1.0" encoding="utf-8"?>
+<p:sld xmlns:a="http://schemas.openxmlformats.org/drawingml/2006/main" xmlns:r="http://schemas.openxmlformats.org/officeDocument/2006/relationships" xmlns:p="http://schemas.openxmlformats.org/presentationml/2006/main">
+  <p:cSld>
+    <p:spTree>
+      <p:nvGrpSpPr>
+        <p:cNvPr id="1" name=""/>
+        <p:cNvGrpSpPr/>
+        <p:nvPr/>
+      </p:nvGrpSpPr>
+      <p:grpSpPr>
+        <a:xfrm>
+          <a:off x="0" y="0"/>
+          <a:ext cx="0" cy="0"/>
+          <a:chOff x="0" y="0"/>
+          <a:chExt cx="0" cy="0"/>
+        </a:xfrm>
+      </p:grpSpPr>
+      <p:sp>
+        <p:nvSpPr>
+          <p:cNvPr id="2" name="Content Placeholder 1"/>
+          <p:cNvSpPr>
+            <a:spLocks noGrp="1"/>
+          </p:cNvSpPr>
+          <p:nvPr>
+            <p:ph sz="half" idx="1"/>
+          </p:nvPr>
+        </p:nvSpPr>
+        <p:spPr/>
+        <p:txBody>
+          <a:bodyPr/>
+          <a:lstStyle/>
+          <a:p>
+            <a:r>
+              <a:rPr lang="de-DE" sz="1400" dirty="0" smtClean="0"/>
+              <a:t>Zusammenfassung</a:t>
+            </a:r>
+          </a:p>
+          <a:p>
+            <a:pPr lvl="1"/>
+            <a:r>
+              <a:rPr lang="de-DE" sz="1400" dirty="0" smtClean="0"/>
+              <a:t>Recherche </a:t>
+            </a:r>
+            <a:r>
+              <a:rPr lang="de-DE" sz="1400" dirty="0"/>
+              <a:t>und Analyse vorhandener Methoden für das kontinuierliche und verteilte </a:t>
+            </a:r>
+            <a:r>
+              <a:rPr lang="de-DE" sz="1400" dirty="0" smtClean="0"/>
+              <a:t>Lernen sowie des L DNN Algorithmus</a:t>
+            </a:r>
+            <a:endParaRPr lang="de-DE" sz="1400" dirty="0"/>
+          </a:p>
+          <a:p>
+            <a:pPr lvl="1"/>
+            <a:r>
+              <a:rPr lang="de-DE" sz="1400" dirty="0"/>
+              <a:t>Auswahl geeigneter Modelle zur Umsetzung des L DNN Algorithmus</a:t>
+            </a:r>
+          </a:p>
+          <a:p>
+            <a:pPr lvl="1"/>
+            <a:r>
+              <a:rPr lang="de-DE" sz="1400" dirty="0"/>
+              <a:t>Prototypische Implementierung des L DNN Algorithmus mit ausgewählten Modulen</a:t>
+            </a:r>
+          </a:p>
+          <a:p>
+            <a:pPr lvl="1"/>
+            <a:r>
+              <a:rPr lang="de-DE" sz="1400" dirty="0"/>
+              <a:t>Evaluierung des Algorithmus und dessen Potenzial auf Basis verfügbarer Bild-Datensätze (MNIST &amp; </a:t>
+            </a:r>
+            <a:r>
+              <a:rPr lang="de-DE" sz="1400" dirty="0" err="1"/>
+              <a:t>ImageNet</a:t>
+            </a:r>
+            <a:r>
+              <a:rPr lang="de-DE" sz="1400" dirty="0"/>
+              <a:t>)</a:t>
+            </a:r>
+          </a:p>
+          <a:p>
+            <a:pPr lvl="1"/>
+            <a:r>
+              <a:rPr lang="de-DE" sz="1400" dirty="0"/>
+              <a:t>Aufbau eines Demonstrators zur anschaulichen </a:t>
+            </a:r>
+            <a:r>
+              <a:rPr lang="de-DE" sz="1400" dirty="0" smtClean="0"/>
+              <a:t>Darstellung</a:t>
+            </a:r>
+            <a:endParaRPr lang="de-DE" sz="1400" dirty="0"/>
+          </a:p>
+        </p:txBody>
+      </p:sp>
+      <p:sp>
+        <p:nvSpPr>
+          <p:cNvPr id="3" name="Content Placeholder 2"/>
+          <p:cNvSpPr>
+            <a:spLocks noGrp="1"/>
+          </p:cNvSpPr>
+          <p:nvPr>
+            <p:ph sz="half" idx="2"/>
+          </p:nvPr>
+        </p:nvSpPr>
+        <p:spPr/>
+        <p:txBody>
+          <a:bodyPr/>
+          <a:lstStyle/>
+          <a:p>
+            <a:r>
+              <a:rPr lang="de-DE" sz="1400" dirty="0" smtClean="0"/>
+              <a:t>Ausblick</a:t>
+            </a:r>
+          </a:p>
+          <a:p>
+            <a:pPr lvl="1"/>
+            <a:r>
+              <a:rPr lang="de-DE" sz="1400" dirty="0" smtClean="0"/>
+              <a:t>Untersuchung des Potenzials mithilfe besserer Feature-</a:t>
+            </a:r>
+            <a:r>
+              <a:rPr lang="de-DE" sz="1400" dirty="0" err="1" smtClean="0"/>
+              <a:t>Extrahierer</a:t>
+            </a:r>
+            <a:endParaRPr lang="de-DE" sz="1400" dirty="0" smtClean="0"/>
+          </a:p>
+          <a:p>
+            <a:pPr lvl="1"/>
+            <a:r>
+              <a:rPr lang="de-DE" sz="1400" dirty="0" smtClean="0"/>
+              <a:t>Weitere Testfälle (Verteiltes Lernen mit mehreren Geräten (&gt;2))</a:t>
+            </a:r>
+          </a:p>
+          <a:p>
+            <a:pPr lvl="1"/>
+            <a:r>
+              <a:rPr lang="de-DE" sz="1400" dirty="0" smtClean="0"/>
+              <a:t>Weitere Verfeinerung des Algorithmus (Logik für Konsolidierung, Wissen-</a:t>
+            </a:r>
+            <a:r>
+              <a:rPr lang="de-DE" sz="1400" dirty="0" err="1" smtClean="0"/>
+              <a:t>Distillierung</a:t>
+            </a:r>
+            <a:r>
+              <a:rPr lang="de-DE" sz="1400" dirty="0" smtClean="0"/>
+              <a:t> für verteilte Geräte,…)</a:t>
+            </a:r>
+          </a:p>
+          <a:p>
+            <a:pPr lvl="1"/>
+            <a:r>
+              <a:rPr lang="de-DE" sz="1400" dirty="0" smtClean="0"/>
+              <a:t>Anwendung des Algorithmus auf andere Anwendungsgebiete</a:t>
+            </a:r>
+            <a:endParaRPr lang="de-DE" sz="1400" dirty="0"/>
+          </a:p>
+        </p:txBody>
+      </p:sp>
+      <p:sp>
+        <p:nvSpPr>
+          <p:cNvPr id="4" name="Date Placeholder 3"/>
+          <p:cNvSpPr>
+            <a:spLocks noGrp="1"/>
+          </p:cNvSpPr>
+          <p:nvPr>
+            <p:ph type="dt" sz="half" idx="10"/>
+          </p:nvPr>
+        </p:nvSpPr>
+        <p:spPr/>
+        <p:txBody>
+          <a:bodyPr/>
+          <a:lstStyle/>
+          <a:p>
+            <a:fld id="{1CA609B7-2FC3-4A12-B649-46E5D457F441}" type="datetime1">
+              <a:rPr lang="de-DE" smtClean="0"/>
+              <a:t>07.10.2019</a:t>
+            </a:fld>
+            <a:endParaRPr lang="de-DE" dirty="0"/>
+          </a:p>
+        </p:txBody>
+      </p:sp>
+      <p:sp>
+        <p:nvSpPr>
+          <p:cNvPr id="5" name="Footer Placeholder 4"/>
+          <p:cNvSpPr>
+            <a:spLocks noGrp="1"/>
+          </p:cNvSpPr>
+          <p:nvPr>
+            <p:ph type="ftr" sz="quarter" idx="11"/>
+          </p:nvPr>
+        </p:nvSpPr>
+        <p:spPr/>
+        <p:txBody>
+          <a:bodyPr/>
+          <a:lstStyle/>
+          <a:p>
+            <a:r>
+              <a:rPr lang="de-DE" dirty="0" smtClean="0"/>
+              <a:t>Universität Stuttgart</a:t>
+            </a:r>
+            <a:endParaRPr lang="de-DE" dirty="0"/>
+          </a:p>
+        </p:txBody>
+      </p:sp>
+      <p:sp>
+        <p:nvSpPr>
+          <p:cNvPr id="6" name="Slide Number Placeholder 5"/>
+          <p:cNvSpPr>
+            <a:spLocks noGrp="1"/>
+          </p:cNvSpPr>
+          <p:nvPr>
+            <p:ph type="sldNum" sz="quarter" idx="12"/>
+          </p:nvPr>
+        </p:nvSpPr>
+        <p:spPr/>
+        <p:txBody>
+          <a:bodyPr/>
+          <a:lstStyle/>
+          <a:p>
+            <a:fld id="{9E82CC3C-1DC0-4FDA-9590-6CC506AB67F8}" type="slidenum">
+              <a:rPr lang="de-DE" smtClean="0"/>
+              <a:t>28</a:t>
+            </a:fld>
+            <a:endParaRPr lang="de-DE" dirty="0"/>
+          </a:p>
+        </p:txBody>
+      </p:sp>
+      <p:sp>
+        <p:nvSpPr>
+          <p:cNvPr id="7" name="Text Placeholder 6"/>
+          <p:cNvSpPr>
+            <a:spLocks noGrp="1"/>
+          </p:cNvSpPr>
+          <p:nvPr>
+            <p:ph type="body" sz="quarter" idx="13"/>
+          </p:nvPr>
+        </p:nvSpPr>
+        <p:spPr/>
+        <p:txBody>
+          <a:bodyPr/>
+          <a:lstStyle/>
+          <a:p>
+            <a:endParaRPr lang="de-DE" dirty="0"/>
+          </a:p>
+        </p:txBody>
+      </p:sp>
+      <p:sp>
+        <p:nvSpPr>
+          <p:cNvPr id="8" name="Title 7"/>
+          <p:cNvSpPr>
+            <a:spLocks noGrp="1"/>
+          </p:cNvSpPr>
+          <p:nvPr>
+            <p:ph type="title"/>
+          </p:nvPr>
+        </p:nvSpPr>
+        <p:spPr/>
+        <p:txBody>
+          <a:bodyPr/>
+          <a:lstStyle/>
+          <a:p>
+            <a:r>
+              <a:rPr lang="de-DE" dirty="0" smtClean="0"/>
+              <a:t>Zusammenfassung und Ausblick</a:t>
+            </a:r>
+            <a:endParaRPr lang="de-DE" dirty="0"/>
+          </a:p>
+        </p:txBody>
+      </p:sp>
+    </p:spTree>
+    <p:extLst>
+      <p:ext uri="{BB962C8B-B14F-4D97-AF65-F5344CB8AC3E}">
+        <p14:creationId xmlns:p14="http://schemas.microsoft.com/office/powerpoint/2010/main" val="2522255867"/>
+      </p:ext>
+    </p:extLst>
+  </p:cSld>
+  <p:clrMapOvr>
+    <a:masterClrMapping/>
+  </p:clrMapOvr>
+  <p:timing>
+    <p:tnLst>
+      <p:par>
+        <p:cTn id="1" dur="indefinite" restart="never" nodeType="tmRoot"/>
+      </p:par>
+    </p:tnLst>
+  </p:timing>
+</p:sld>
+</file>
+
+<file path=ppt/slides/slide29.xml><?xml version="1.0" encoding="utf-8"?>
+<p:sld xmlns:a="http://schemas.openxmlformats.org/drawingml/2006/main" xmlns:r="http://schemas.openxmlformats.org/officeDocument/2006/relationships" xmlns:p="http://schemas.openxmlformats.org/presentationml/2006/main">
+  <p:cSld>
+    <p:spTree>
+      <p:nvGrpSpPr>
+        <p:cNvPr id="1" name=""/>
+        <p:cNvGrpSpPr/>
+        <p:nvPr/>
+      </p:nvGrpSpPr>
+      <p:grpSpPr>
+        <a:xfrm>
+          <a:off x="0" y="0"/>
+          <a:ext cx="0" cy="0"/>
+          <a:chOff x="0" y="0"/>
+          <a:chExt cx="0" cy="0"/>
+        </a:xfrm>
+      </p:grpSpPr>
+      <p:sp>
+        <p:nvSpPr>
           <p:cNvPr id="3" name="Inhaltsplatzhalter 2"/>
           <p:cNvSpPr>
             <a:spLocks noGrp="1"/>
@@ -22255,7 +25959,7 @@
           <a:p>
             <a:fld id="{B72B937B-37AA-4C33-B039-0191C6DD66B7}" type="datetime1">
               <a:rPr lang="de-DE" smtClean="0"/>
-              <a:t>03.10.2019</a:t>
+              <a:t>07.10.2019</a:t>
             </a:fld>
             <a:endParaRPr lang="de-DE" dirty="0"/>
           </a:p>
@@ -22302,7 +26006,7 @@
             <a:fld id="{9E82CC3C-1DC0-4FDA-9590-6CC506AB67F8}" type="slidenum">
               <a:rPr lang="de-DE" smtClean="0"/>
               <a:pPr/>
-              <a:t>23</a:t>
+              <a:t>29</a:t>
             </a:fld>
             <a:endParaRPr lang="de-DE" dirty="0"/>
           </a:p>
@@ -22359,10 +26063,88 @@
   <p:clrMapOvr>
     <a:masterClrMapping/>
   </p:clrMapOvr>
+  <p:timing>
+    <p:tnLst>
+      <p:par>
+        <p:cTn id="1" dur="indefinite" restart="never" nodeType="tmRoot"/>
+      </p:par>
+    </p:tnLst>
+  </p:timing>
 </p:sld>
 </file>
 
-<file path=ppt/slides/slide24.xml><?xml version="1.0" encoding="utf-8"?>
+<file path=ppt/slides/slide3.xml><?xml version="1.0" encoding="utf-8"?>
+<p:sld xmlns:a="http://schemas.openxmlformats.org/drawingml/2006/main" xmlns:r="http://schemas.openxmlformats.org/officeDocument/2006/relationships" xmlns:p="http://schemas.openxmlformats.org/presentationml/2006/main">
+  <p:cSld>
+    <p:spTree>
+      <p:nvGrpSpPr>
+        <p:cNvPr id="1" name=""/>
+        <p:cNvGrpSpPr/>
+        <p:nvPr/>
+      </p:nvGrpSpPr>
+      <p:grpSpPr>
+        <a:xfrm>
+          <a:off x="0" y="0"/>
+          <a:ext cx="0" cy="0"/>
+          <a:chOff x="0" y="0"/>
+          <a:chExt cx="0" cy="0"/>
+        </a:xfrm>
+      </p:grpSpPr>
+      <p:sp>
+        <p:nvSpPr>
+          <p:cNvPr id="2" name="Title 1"/>
+          <p:cNvSpPr>
+            <a:spLocks noGrp="1"/>
+          </p:cNvSpPr>
+          <p:nvPr>
+            <p:ph type="title"/>
+          </p:nvPr>
+        </p:nvSpPr>
+        <p:spPr/>
+        <p:txBody>
+          <a:bodyPr/>
+          <a:lstStyle/>
+          <a:p>
+            <a:r>
+              <a:rPr lang="de-DE" dirty="0"/>
+              <a:t>Motivation und Aufgabenstellung</a:t>
+            </a:r>
+          </a:p>
+        </p:txBody>
+      </p:sp>
+      <p:sp>
+        <p:nvSpPr>
+          <p:cNvPr id="3" name="Text Placeholder 2"/>
+          <p:cNvSpPr>
+            <a:spLocks noGrp="1"/>
+          </p:cNvSpPr>
+          <p:nvPr>
+            <p:ph type="body" idx="1"/>
+          </p:nvPr>
+        </p:nvSpPr>
+        <p:spPr/>
+        <p:txBody>
+          <a:bodyPr/>
+          <a:lstStyle/>
+          <a:p>
+            <a:endParaRPr lang="de-DE" dirty="0"/>
+          </a:p>
+        </p:txBody>
+      </p:sp>
+    </p:spTree>
+    <p:extLst>
+      <p:ext uri="{BB962C8B-B14F-4D97-AF65-F5344CB8AC3E}">
+        <p14:creationId xmlns:p14="http://schemas.microsoft.com/office/powerpoint/2010/main" val="3098007089"/>
+      </p:ext>
+    </p:extLst>
+  </p:cSld>
+  <p:clrMapOvr>
+    <a:masterClrMapping/>
+  </p:clrMapOvr>
+</p:sld>
+</file>
+
+<file path=ppt/slides/slide30.xml><?xml version="1.0" encoding="utf-8"?>
 <p:sld xmlns:a="http://schemas.openxmlformats.org/drawingml/2006/main" xmlns:r="http://schemas.openxmlformats.org/officeDocument/2006/relationships" xmlns:p="http://schemas.openxmlformats.org/presentationml/2006/main">
   <p:cSld>
     <p:spTree>
@@ -22580,77 +26362,13 @@
   <p:clrMapOvr>
     <a:masterClrMapping/>
   </p:clrMapOvr>
-</p:sld>
-</file>
-
-<file path=ppt/slides/slide3.xml><?xml version="1.0" encoding="utf-8"?>
-<p:sld xmlns:a="http://schemas.openxmlformats.org/drawingml/2006/main" xmlns:r="http://schemas.openxmlformats.org/officeDocument/2006/relationships" xmlns:p="http://schemas.openxmlformats.org/presentationml/2006/main">
-  <p:cSld>
-    <p:spTree>
-      <p:nvGrpSpPr>
-        <p:cNvPr id="1" name=""/>
-        <p:cNvGrpSpPr/>
-        <p:nvPr/>
-      </p:nvGrpSpPr>
-      <p:grpSpPr>
-        <a:xfrm>
-          <a:off x="0" y="0"/>
-          <a:ext cx="0" cy="0"/>
-          <a:chOff x="0" y="0"/>
-          <a:chExt cx="0" cy="0"/>
-        </a:xfrm>
-      </p:grpSpPr>
-      <p:sp>
-        <p:nvSpPr>
-          <p:cNvPr id="2" name="Title 1"/>
-          <p:cNvSpPr>
-            <a:spLocks noGrp="1"/>
-          </p:cNvSpPr>
-          <p:nvPr>
-            <p:ph type="title"/>
-          </p:nvPr>
-        </p:nvSpPr>
-        <p:spPr/>
-        <p:txBody>
-          <a:bodyPr/>
-          <a:lstStyle/>
-          <a:p>
-            <a:r>
-              <a:rPr lang="de-DE" dirty="0"/>
-              <a:t>Motivation und Aufgabenstellung</a:t>
-            </a:r>
-          </a:p>
-        </p:txBody>
-      </p:sp>
-      <p:sp>
-        <p:nvSpPr>
-          <p:cNvPr id="3" name="Text Placeholder 2"/>
-          <p:cNvSpPr>
-            <a:spLocks noGrp="1"/>
-          </p:cNvSpPr>
-          <p:nvPr>
-            <p:ph type="body" idx="1"/>
-          </p:nvPr>
-        </p:nvSpPr>
-        <p:spPr/>
-        <p:txBody>
-          <a:bodyPr/>
-          <a:lstStyle/>
-          <a:p>
-            <a:endParaRPr lang="de-DE" dirty="0"/>
-          </a:p>
-        </p:txBody>
-      </p:sp>
-    </p:spTree>
-    <p:extLst>
-      <p:ext uri="{BB962C8B-B14F-4D97-AF65-F5344CB8AC3E}">
-        <p14:creationId xmlns:p14="http://schemas.microsoft.com/office/powerpoint/2010/main" val="3098007089"/>
-      </p:ext>
-    </p:extLst>
-  </p:cSld>
-  <p:clrMapOvr>
-    <a:masterClrMapping/>
-  </p:clrMapOvr>
+  <p:timing>
+    <p:tnLst>
+      <p:par>
+        <p:cTn id="1" dur="indefinite" restart="never" nodeType="tmRoot"/>
+      </p:par>
+    </p:tnLst>
+  </p:timing>
 </p:sld>
 </file>
 
@@ -22732,7 +26450,7 @@
           <a:p>
             <a:fld id="{92945389-04B4-460D-BD35-C57D41A2ECAA}" type="datetime1">
               <a:rPr lang="de-DE" smtClean="0"/>
-              <a:t>03.10.2019</a:t>
+              <a:t>07.10.2019</a:t>
             </a:fld>
             <a:endParaRPr lang="de-DE" dirty="0"/>
           </a:p>
@@ -23229,7 +26947,7 @@
           <a:p>
             <a:fld id="{92945389-04B4-460D-BD35-C57D41A2ECAA}" type="datetime1">
               <a:rPr lang="de-DE" smtClean="0"/>
-              <a:t>03.10.2019</a:t>
+              <a:t>07.10.2019</a:t>
             </a:fld>
             <a:endParaRPr lang="de-DE" dirty="0"/>
           </a:p>
@@ -23539,6 +27257,13 @@
   <p:clrMapOvr>
     <a:masterClrMapping/>
   </p:clrMapOvr>
+  <p:timing>
+    <p:tnLst>
+      <p:par>
+        <p:cTn id="1" dur="indefinite" restart="never" nodeType="tmRoot"/>
+      </p:par>
+    </p:tnLst>
+  </p:timing>
 </p:sld>
 </file>
 
@@ -23652,7 +27377,7 @@
           <a:p>
             <a:fld id="{92945389-04B4-460D-BD35-C57D41A2ECAA}" type="datetime1">
               <a:rPr lang="de-DE" smtClean="0"/>
-              <a:t>03.10.2019</a:t>
+              <a:t>07.10.2019</a:t>
             </a:fld>
             <a:endParaRPr lang="de-DE" dirty="0"/>
           </a:p>
@@ -23782,6 +27507,13 @@
   <p:clrMapOvr>
     <a:masterClrMapping/>
   </p:clrMapOvr>
+  <p:timing>
+    <p:tnLst>
+      <p:par>
+        <p:cTn id="1" dur="indefinite" restart="never" nodeType="tmRoot"/>
+      </p:par>
+    </p:tnLst>
+  </p:timing>
 </p:sld>
 </file>
 
@@ -23851,17 +27583,10 @@
               <a:t> </a:t>
             </a:r>
             <a:r>
-              <a:rPr lang="en-GB" dirty="0" err="1"/>
+              <a:rPr lang="en-GB" dirty="0" err="1" smtClean="0"/>
               <a:t>Parameterupdates</a:t>
             </a:r>
-            <a:r>
-              <a:rPr lang="en-GB" dirty="0"/>
-              <a:t>		</a:t>
-            </a:r>
-            <a:r>
-              <a:rPr lang="en-GB" sz="1000" dirty="0"/>
-              <a:t>[2]</a:t>
-            </a:r>
+            <a:endParaRPr lang="en-GB" sz="1000" dirty="0"/>
           </a:p>
           <a:p>
             <a:pPr lvl="1">
@@ -23918,223 +27643,12 @@
             </a:endParaRPr>
           </a:p>
           <a:p>
-            <a:r>
-              <a:rPr lang="en-GB" dirty="0">
-                <a:sym typeface="Wingdings" panose="05000000000000000000" pitchFamily="2" charset="2"/>
-              </a:rPr>
-              <a:t>Rehearsal </a:t>
-            </a:r>
-            <a:r>
-              <a:rPr lang="en-GB" dirty="0" err="1">
-                <a:sym typeface="Wingdings" panose="05000000000000000000" pitchFamily="2" charset="2"/>
-              </a:rPr>
-              <a:t>Methoden</a:t>
-            </a:r>
-            <a:r>
-              <a:rPr lang="en-GB" dirty="0">
-                <a:sym typeface="Wingdings" panose="05000000000000000000" pitchFamily="2" charset="2"/>
-              </a:rPr>
-              <a:t>:</a:t>
-            </a:r>
-          </a:p>
-          <a:p>
-            <a:pPr lvl="1"/>
-            <a:r>
-              <a:rPr lang="en-GB" dirty="0" err="1">
-                <a:sym typeface="Wingdings" panose="05000000000000000000" pitchFamily="2" charset="2"/>
-              </a:rPr>
-              <a:t>Speicherung</a:t>
-            </a:r>
-            <a:r>
-              <a:rPr lang="en-GB" dirty="0">
-                <a:sym typeface="Wingdings" panose="05000000000000000000" pitchFamily="2" charset="2"/>
-              </a:rPr>
-              <a:t> von </a:t>
-            </a:r>
-            <a:r>
-              <a:rPr lang="en-GB" dirty="0" err="1">
-                <a:sym typeface="Wingdings" panose="05000000000000000000" pitchFamily="2" charset="2"/>
-              </a:rPr>
-              <a:t>Daten</a:t>
-            </a:r>
-            <a:r>
-              <a:rPr lang="en-GB" dirty="0">
-                <a:sym typeface="Wingdings" panose="05000000000000000000" pitchFamily="2" charset="2"/>
-              </a:rPr>
-              <a:t> alter </a:t>
-            </a:r>
-            <a:r>
-              <a:rPr lang="en-GB" dirty="0" err="1">
-                <a:sym typeface="Wingdings" panose="05000000000000000000" pitchFamily="2" charset="2"/>
-              </a:rPr>
-              <a:t>Aufgaben</a:t>
-            </a:r>
-            <a:r>
-              <a:rPr lang="en-GB" dirty="0">
-                <a:sym typeface="Wingdings" panose="05000000000000000000" pitchFamily="2" charset="2"/>
-              </a:rPr>
-              <a:t> und </a:t>
-            </a:r>
-            <a:r>
-              <a:rPr lang="en-GB" dirty="0" err="1">
-                <a:sym typeface="Wingdings" panose="05000000000000000000" pitchFamily="2" charset="2"/>
-              </a:rPr>
-              <a:t>Hinzufügen</a:t>
-            </a:r>
-            <a:r>
-              <a:rPr lang="en-GB" dirty="0">
-                <a:sym typeface="Wingdings" panose="05000000000000000000" pitchFamily="2" charset="2"/>
-              </a:rPr>
-              <a:t> </a:t>
-            </a:r>
-            <a:r>
-              <a:rPr lang="en-GB" dirty="0" err="1">
-                <a:sym typeface="Wingdings" panose="05000000000000000000" pitchFamily="2" charset="2"/>
-              </a:rPr>
-              <a:t>zum</a:t>
-            </a:r>
-            <a:r>
-              <a:rPr lang="en-GB" dirty="0">
-                <a:sym typeface="Wingdings" panose="05000000000000000000" pitchFamily="2" charset="2"/>
-              </a:rPr>
-              <a:t> </a:t>
-            </a:r>
-            <a:r>
-              <a:rPr lang="en-GB" dirty="0" err="1">
-                <a:sym typeface="Wingdings" panose="05000000000000000000" pitchFamily="2" charset="2"/>
-              </a:rPr>
-              <a:t>Trainingsprozess</a:t>
-            </a:r>
-            <a:r>
-              <a:rPr lang="en-GB" dirty="0">
-                <a:sym typeface="Wingdings" panose="05000000000000000000" pitchFamily="2" charset="2"/>
-              </a:rPr>
-              <a:t> der </a:t>
-            </a:r>
-            <a:r>
-              <a:rPr lang="en-GB" dirty="0" err="1">
-                <a:sym typeface="Wingdings" panose="05000000000000000000" pitchFamily="2" charset="2"/>
-              </a:rPr>
-              <a:t>neuen</a:t>
-            </a:r>
-            <a:r>
-              <a:rPr lang="en-GB" dirty="0">
-                <a:sym typeface="Wingdings" panose="05000000000000000000" pitchFamily="2" charset="2"/>
-              </a:rPr>
-              <a:t> Aufgabe</a:t>
-            </a:r>
-          </a:p>
-          <a:p>
-            <a:pPr lvl="1">
-              <a:buFont typeface="Wingdings" panose="05000000000000000000" pitchFamily="2" charset="2"/>
-              <a:buChar char="à"/>
+            <a:pPr marL="0" indent="0">
+              <a:buNone/>
             </a:pPr>
-            <a:r>
-              <a:rPr lang="en-GB" dirty="0">
-                <a:sym typeface="Wingdings" panose="05000000000000000000" pitchFamily="2" charset="2"/>
-              </a:rPr>
-              <a:t>“</a:t>
-            </a:r>
-            <a:r>
-              <a:rPr lang="en-GB" dirty="0" err="1">
-                <a:sym typeface="Wingdings" panose="05000000000000000000" pitchFamily="2" charset="2"/>
-              </a:rPr>
-              <a:t>Austricksen</a:t>
-            </a:r>
-            <a:r>
-              <a:rPr lang="en-GB" dirty="0">
-                <a:sym typeface="Wingdings" panose="05000000000000000000" pitchFamily="2" charset="2"/>
-              </a:rPr>
-              <a:t>” des </a:t>
-            </a:r>
-            <a:r>
-              <a:rPr lang="en-GB" dirty="0" err="1">
-                <a:sym typeface="Wingdings" panose="05000000000000000000" pitchFamily="2" charset="2"/>
-              </a:rPr>
-              <a:t>katastrophalen</a:t>
-            </a:r>
-            <a:r>
-              <a:rPr lang="en-GB" dirty="0">
-                <a:sym typeface="Wingdings" panose="05000000000000000000" pitchFamily="2" charset="2"/>
-              </a:rPr>
-              <a:t> </a:t>
-            </a:r>
-            <a:r>
-              <a:rPr lang="en-GB" dirty="0" err="1">
-                <a:sym typeface="Wingdings" panose="05000000000000000000" pitchFamily="2" charset="2"/>
-              </a:rPr>
-              <a:t>Vergessen</a:t>
-            </a:r>
-            <a:r>
-              <a:rPr lang="en-GB" dirty="0">
-                <a:sym typeface="Wingdings" panose="05000000000000000000" pitchFamily="2" charset="2"/>
-              </a:rPr>
-              <a:t> </a:t>
-            </a:r>
-            <a:r>
-              <a:rPr lang="en-GB" dirty="0" err="1">
-                <a:sym typeface="Wingdings" panose="05000000000000000000" pitchFamily="2" charset="2"/>
-              </a:rPr>
-              <a:t>durch</a:t>
-            </a:r>
-            <a:r>
-              <a:rPr lang="en-GB" dirty="0">
-                <a:sym typeface="Wingdings" panose="05000000000000000000" pitchFamily="2" charset="2"/>
-              </a:rPr>
-              <a:t> </a:t>
-            </a:r>
-            <a:r>
-              <a:rPr lang="en-GB" dirty="0" err="1">
-                <a:sym typeface="Wingdings" panose="05000000000000000000" pitchFamily="2" charset="2"/>
-              </a:rPr>
-              <a:t>Trainingsdaten</a:t>
-            </a:r>
-            <a:r>
-              <a:rPr lang="en-GB" dirty="0">
-                <a:sym typeface="Wingdings" panose="05000000000000000000" pitchFamily="2" charset="2"/>
-              </a:rPr>
-              <a:t> alter </a:t>
-            </a:r>
-            <a:r>
-              <a:rPr lang="en-GB" dirty="0" err="1">
-                <a:sym typeface="Wingdings" panose="05000000000000000000" pitchFamily="2" charset="2"/>
-              </a:rPr>
-              <a:t>Aufgaben</a:t>
-            </a:r>
-            <a:endParaRPr lang="en-GB" dirty="0">
+            <a:endParaRPr lang="en-GB" dirty="0" smtClean="0">
               <a:sym typeface="Wingdings" panose="05000000000000000000" pitchFamily="2" charset="2"/>
             </a:endParaRPr>
-          </a:p>
-          <a:p>
-            <a:pPr lvl="1">
-              <a:buFont typeface="Wingdings" panose="05000000000000000000" pitchFamily="2" charset="2"/>
-              <a:buChar char="à"/>
-            </a:pPr>
-            <a:r>
-              <a:rPr lang="en-GB" dirty="0">
-                <a:sym typeface="Wingdings" panose="05000000000000000000" pitchFamily="2" charset="2"/>
-              </a:rPr>
-              <a:t> </a:t>
-            </a:r>
-            <a:r>
-              <a:rPr lang="en-GB" dirty="0" err="1">
-                <a:sym typeface="Wingdings" panose="05000000000000000000" pitchFamily="2" charset="2"/>
-              </a:rPr>
-              <a:t>Hoher</a:t>
-            </a:r>
-            <a:r>
-              <a:rPr lang="en-GB" dirty="0">
-                <a:sym typeface="Wingdings" panose="05000000000000000000" pitchFamily="2" charset="2"/>
-              </a:rPr>
-              <a:t> </a:t>
-            </a:r>
-            <a:r>
-              <a:rPr lang="en-GB" dirty="0" err="1">
-                <a:sym typeface="Wingdings" panose="05000000000000000000" pitchFamily="2" charset="2"/>
-              </a:rPr>
-              <a:t>Speicheraufwand</a:t>
-            </a:r>
-            <a:endParaRPr lang="en-GB" dirty="0"/>
           </a:p>
         </p:txBody>
       </p:sp>
@@ -24161,7 +27675,7 @@
           <a:p>
             <a:fld id="{92945389-04B4-460D-BD35-C57D41A2ECAA}" type="datetime1">
               <a:rPr lang="de-DE" smtClean="0"/>
-              <a:t>03.10.2019</a:t>
+              <a:t>07.10.2019</a:t>
             </a:fld>
             <a:endParaRPr lang="de-DE" dirty="0"/>
           </a:p>
@@ -24282,64 +27796,84 @@
           </a:p>
         </p:txBody>
       </p:sp>
-      <p:pic>
-        <p:nvPicPr>
-          <p:cNvPr id="8" name="Grafik 7">
-            <a:extLst>
-              <a:ext uri="{FF2B5EF4-FFF2-40B4-BE49-F238E27FC236}">
-                <a16:creationId xmlns:a16="http://schemas.microsoft.com/office/drawing/2014/main" id="{846CC165-9E4A-4257-8852-30F52D100DB3}"/>
-              </a:ext>
-            </a:extLst>
-          </p:cNvPr>
-          <p:cNvPicPr/>
+      <p:grpSp>
+        <p:nvGrpSpPr>
+          <p:cNvPr id="11" name="Group 10"/>
+          <p:cNvGrpSpPr/>
           <p:nvPr/>
-        </p:nvPicPr>
-        <p:blipFill>
-          <a:blip r:embed="rId2"/>
-          <a:stretch>
-            <a:fillRect/>
-          </a:stretch>
-        </p:blipFill>
-        <p:spPr>
+        </p:nvGrpSpPr>
+        <p:grpSpPr>
           <a:xfrm>
-            <a:off x="5461990" y="1668993"/>
-            <a:ext cx="3077210" cy="1694815"/>
+            <a:off x="2600704" y="3012005"/>
+            <a:ext cx="3942592" cy="2241757"/>
+            <a:chOff x="5461990" y="1668993"/>
+            <a:chExt cx="3077210" cy="1855873"/>
           </a:xfrm>
-          <a:prstGeom prst="rect">
-            <a:avLst/>
-          </a:prstGeom>
-        </p:spPr>
-      </p:pic>
-      <p:pic>
-        <p:nvPicPr>
-          <p:cNvPr id="10" name="Grafik 9">
-            <a:extLst>
-              <a:ext uri="{FF2B5EF4-FFF2-40B4-BE49-F238E27FC236}">
-                <a16:creationId xmlns:a16="http://schemas.microsoft.com/office/drawing/2014/main" id="{A8C92605-E5A5-4E25-8DF6-D28AFD53976D}"/>
-              </a:ext>
-            </a:extLst>
-          </p:cNvPr>
-          <p:cNvPicPr>
-            <a:picLocks noChangeAspect="1"/>
-          </p:cNvPicPr>
-          <p:nvPr/>
-        </p:nvPicPr>
-        <p:blipFill>
-          <a:blip r:embed="rId3"/>
-          <a:stretch>
-            <a:fillRect/>
-          </a:stretch>
-        </p:blipFill>
-        <p:spPr>
-          <a:xfrm>
-            <a:off x="5048374" y="2178205"/>
-            <a:ext cx="3714026" cy="1082094"/>
-          </a:xfrm>
-          <a:prstGeom prst="rect">
-            <a:avLst/>
-          </a:prstGeom>
-        </p:spPr>
-      </p:pic>
+        </p:grpSpPr>
+        <p:pic>
+          <p:nvPicPr>
+            <p:cNvPr id="8" name="Grafik 7">
+              <a:extLst>
+                <a:ext uri="{FF2B5EF4-FFF2-40B4-BE49-F238E27FC236}">
+                  <a16:creationId xmlns:a16="http://schemas.microsoft.com/office/drawing/2014/main" id="{846CC165-9E4A-4257-8852-30F52D100DB3}"/>
+                </a:ext>
+              </a:extLst>
+            </p:cNvPr>
+            <p:cNvPicPr/>
+            <p:nvPr/>
+          </p:nvPicPr>
+          <p:blipFill>
+            <a:blip r:embed="rId2"/>
+            <a:stretch>
+              <a:fillRect/>
+            </a:stretch>
+          </p:blipFill>
+          <p:spPr>
+            <a:xfrm>
+              <a:off x="5461990" y="1668993"/>
+              <a:ext cx="3077210" cy="1694815"/>
+            </a:xfrm>
+            <a:prstGeom prst="rect">
+              <a:avLst/>
+            </a:prstGeom>
+          </p:spPr>
+        </p:pic>
+        <p:sp>
+          <p:nvSpPr>
+            <p:cNvPr id="9" name="TextBox 8"/>
+            <p:cNvSpPr txBox="1"/>
+            <p:nvPr/>
+          </p:nvSpPr>
+          <p:spPr>
+            <a:xfrm>
+              <a:off x="8287200" y="3370008"/>
+              <a:ext cx="148877" cy="154858"/>
+            </a:xfrm>
+            <a:prstGeom prst="rect">
+              <a:avLst/>
+            </a:prstGeom>
+            <a:noFill/>
+          </p:spPr>
+          <p:txBody>
+            <a:bodyPr wrap="square" lIns="0" tIns="0" rIns="0" bIns="0" rtlCol="0">
+              <a:noAutofit/>
+            </a:bodyPr>
+            <a:lstStyle/>
+            <a:p>
+              <a:pPr>
+                <a:buClr>
+                  <a:schemeClr val="accent1"/>
+                </a:buClr>
+              </a:pPr>
+              <a:r>
+                <a:rPr lang="de-DE" sz="800" dirty="0" smtClean="0"/>
+                <a:t>[2]</a:t>
+              </a:r>
+              <a:endParaRPr lang="de-DE" sz="800" dirty="0" smtClean="0"/>
+            </a:p>
+          </p:txBody>
+        </p:sp>
+      </p:grpSp>
     </p:spTree>
     <p:extLst>
       <p:ext uri="{BB962C8B-B14F-4D97-AF65-F5344CB8AC3E}">
@@ -24353,231 +27887,9 @@
   <p:timing>
     <p:tnLst>
       <p:par>
-        <p:cTn id="1" dur="indefinite" restart="never" nodeType="tmRoot">
-          <p:childTnLst>
-            <p:seq concurrent="1" nextAc="seek">
-              <p:cTn id="2" dur="indefinite" nodeType="mainSeq">
-                <p:childTnLst>
-                  <p:par>
-                    <p:cTn id="3" fill="hold">
-                      <p:stCondLst>
-                        <p:cond delay="indefinite"/>
-                      </p:stCondLst>
-                      <p:childTnLst>
-                        <p:par>
-                          <p:cTn id="4" fill="hold">
-                            <p:stCondLst>
-                              <p:cond delay="0"/>
-                            </p:stCondLst>
-                            <p:childTnLst>
-                              <p:par>
-                                <p:cTn id="5" presetID="1" presetClass="exit" presetSubtype="0" fill="hold" nodeType="clickEffect">
-                                  <p:stCondLst>
-                                    <p:cond delay="0"/>
-                                  </p:stCondLst>
-                                  <p:childTnLst>
-                                    <p:set>
-                                      <p:cBhvr>
-                                        <p:cTn id="6" dur="1" fill="hold">
-                                          <p:stCondLst>
-                                            <p:cond delay="0"/>
-                                          </p:stCondLst>
-                                        </p:cTn>
-                                        <p:tgtEl>
-                                          <p:spTgt spid="8"/>
-                                        </p:tgtEl>
-                                        <p:attrNameLst>
-                                          <p:attrName>style.visibility</p:attrName>
-                                        </p:attrNameLst>
-                                      </p:cBhvr>
-                                      <p:to>
-                                        <p:strVal val="hidden"/>
-                                      </p:to>
-                                    </p:set>
-                                  </p:childTnLst>
-                                </p:cTn>
-                              </p:par>
-                              <p:par>
-                                <p:cTn id="7" presetID="1" presetClass="entr" presetSubtype="0" fill="hold" nodeType="withEffect">
-                                  <p:stCondLst>
-                                    <p:cond delay="0"/>
-                                  </p:stCondLst>
-                                  <p:childTnLst>
-                                    <p:set>
-                                      <p:cBhvr>
-                                        <p:cTn id="8" dur="1" fill="hold">
-                                          <p:stCondLst>
-                                            <p:cond delay="0"/>
-                                          </p:stCondLst>
-                                        </p:cTn>
-                                        <p:tgtEl>
-                                          <p:spTgt spid="10"/>
-                                        </p:tgtEl>
-                                        <p:attrNameLst>
-                                          <p:attrName>style.visibility</p:attrName>
-                                        </p:attrNameLst>
-                                      </p:cBhvr>
-                                      <p:to>
-                                        <p:strVal val="visible"/>
-                                      </p:to>
-                                    </p:set>
-                                  </p:childTnLst>
-                                </p:cTn>
-                              </p:par>
-                              <p:par>
-                                <p:cTn id="9" presetID="1" presetClass="entr" presetSubtype="0" fill="hold" grpId="0" nodeType="withEffect">
-                                  <p:stCondLst>
-                                    <p:cond delay="0"/>
-                                  </p:stCondLst>
-                                  <p:childTnLst>
-                                    <p:set>
-                                      <p:cBhvr>
-                                        <p:cTn id="10" dur="1" fill="hold">
-                                          <p:stCondLst>
-                                            <p:cond delay="0"/>
-                                          </p:stCondLst>
-                                        </p:cTn>
-                                        <p:tgtEl>
-                                          <p:spTgt spid="2">
-                                            <p:txEl>
-                                              <p:pRg st="4" end="4"/>
-                                            </p:txEl>
-                                          </p:spTgt>
-                                        </p:tgtEl>
-                                        <p:attrNameLst>
-                                          <p:attrName>style.visibility</p:attrName>
-                                        </p:attrNameLst>
-                                      </p:cBhvr>
-                                      <p:to>
-                                        <p:strVal val="visible"/>
-                                      </p:to>
-                                    </p:set>
-                                  </p:childTnLst>
-                                </p:cTn>
-                              </p:par>
-                              <p:par>
-                                <p:cTn id="11" presetID="1" presetClass="entr" presetSubtype="0" fill="hold" grpId="0" nodeType="withEffect">
-                                  <p:stCondLst>
-                                    <p:cond delay="0"/>
-                                  </p:stCondLst>
-                                  <p:childTnLst>
-                                    <p:set>
-                                      <p:cBhvr>
-                                        <p:cTn id="12" dur="1" fill="hold">
-                                          <p:stCondLst>
-                                            <p:cond delay="0"/>
-                                          </p:stCondLst>
-                                        </p:cTn>
-                                        <p:tgtEl>
-                                          <p:spTgt spid="2">
-                                            <p:txEl>
-                                              <p:pRg st="5" end="5"/>
-                                            </p:txEl>
-                                          </p:spTgt>
-                                        </p:tgtEl>
-                                        <p:attrNameLst>
-                                          <p:attrName>style.visibility</p:attrName>
-                                        </p:attrNameLst>
-                                      </p:cBhvr>
-                                      <p:to>
-                                        <p:strVal val="visible"/>
-                                      </p:to>
-                                    </p:set>
-                                  </p:childTnLst>
-                                </p:cTn>
-                              </p:par>
-                              <p:par>
-                                <p:cTn id="13" presetID="1" presetClass="entr" presetSubtype="0" fill="hold" grpId="0" nodeType="withEffect">
-                                  <p:stCondLst>
-                                    <p:cond delay="0"/>
-                                  </p:stCondLst>
-                                  <p:childTnLst>
-                                    <p:set>
-                                      <p:cBhvr>
-                                        <p:cTn id="14" dur="1" fill="hold">
-                                          <p:stCondLst>
-                                            <p:cond delay="0"/>
-                                          </p:stCondLst>
-                                        </p:cTn>
-                                        <p:tgtEl>
-                                          <p:spTgt spid="2">
-                                            <p:txEl>
-                                              <p:pRg st="6" end="6"/>
-                                            </p:txEl>
-                                          </p:spTgt>
-                                        </p:tgtEl>
-                                        <p:attrNameLst>
-                                          <p:attrName>style.visibility</p:attrName>
-                                        </p:attrNameLst>
-                                      </p:cBhvr>
-                                      <p:to>
-                                        <p:strVal val="visible"/>
-                                      </p:to>
-                                    </p:set>
-                                  </p:childTnLst>
-                                </p:cTn>
-                              </p:par>
-                              <p:par>
-                                <p:cTn id="15" presetID="1" presetClass="entr" presetSubtype="0" fill="hold" grpId="0" nodeType="withEffect">
-                                  <p:stCondLst>
-                                    <p:cond delay="0"/>
-                                  </p:stCondLst>
-                                  <p:childTnLst>
-                                    <p:set>
-                                      <p:cBhvr>
-                                        <p:cTn id="16" dur="1" fill="hold">
-                                          <p:stCondLst>
-                                            <p:cond delay="0"/>
-                                          </p:stCondLst>
-                                        </p:cTn>
-                                        <p:tgtEl>
-                                          <p:spTgt spid="2">
-                                            <p:txEl>
-                                              <p:pRg st="7" end="7"/>
-                                            </p:txEl>
-                                          </p:spTgt>
-                                        </p:tgtEl>
-                                        <p:attrNameLst>
-                                          <p:attrName>style.visibility</p:attrName>
-                                        </p:attrNameLst>
-                                      </p:cBhvr>
-                                      <p:to>
-                                        <p:strVal val="visible"/>
-                                      </p:to>
-                                    </p:set>
-                                  </p:childTnLst>
-                                </p:cTn>
-                              </p:par>
-                            </p:childTnLst>
-                          </p:cTn>
-                        </p:par>
-                      </p:childTnLst>
-                    </p:cTn>
-                  </p:par>
-                </p:childTnLst>
-              </p:cTn>
-              <p:prevCondLst>
-                <p:cond evt="onPrev" delay="0">
-                  <p:tgtEl>
-                    <p:sldTgt/>
-                  </p:tgtEl>
-                </p:cond>
-              </p:prevCondLst>
-              <p:nextCondLst>
-                <p:cond evt="onNext" delay="0">
-                  <p:tgtEl>
-                    <p:sldTgt/>
-                  </p:tgtEl>
-                </p:cond>
-              </p:nextCondLst>
-            </p:seq>
-          </p:childTnLst>
-        </p:cTn>
+        <p:cTn id="1" dur="indefinite" restart="never" nodeType="tmRoot"/>
       </p:par>
     </p:tnLst>
-    <p:bldLst>
-      <p:bldP spid="2" grpId="0" uiExpand="1" build="p"/>
-    </p:bldLst>
   </p:timing>
 </p:sld>
 </file>
@@ -24604,7 +27916,7 @@
           <p:cNvPr id="2" name="Inhaltsplatzhalter 1">
             <a:extLst>
               <a:ext uri="{FF2B5EF4-FFF2-40B4-BE49-F238E27FC236}">
-                <a16:creationId xmlns:a16="http://schemas.microsoft.com/office/drawing/2014/main" id="{EDACDCA8-FE32-4E62-9E36-303D2720D324}"/>
+                <a16:creationId xmlns:a16="http://schemas.microsoft.com/office/drawing/2014/main" id="{5561282F-AFC6-472C-9DE8-E4BDE71761CC}"/>
               </a:ext>
             </a:extLst>
           </p:cNvPr>
@@ -24621,153 +27933,97 @@
           <a:lstStyle/>
           <a:p>
             <a:r>
-              <a:rPr lang="en-GB" dirty="0"/>
-              <a:t>Dual-Memory </a:t>
-            </a:r>
-            <a:r>
-              <a:rPr lang="en-GB" dirty="0" err="1"/>
-              <a:t>Methode</a:t>
-            </a:r>
-            <a:endParaRPr lang="en-GB" dirty="0"/>
-          </a:p>
-          <a:p>
-            <a:pPr lvl="1"/>
-            <a:r>
-              <a:rPr lang="en-GB" dirty="0" err="1"/>
-              <a:t>Grundlagen</a:t>
-            </a:r>
-            <a:r>
-              <a:rPr lang="en-GB" dirty="0"/>
-              <a:t> </a:t>
-            </a:r>
-            <a:r>
-              <a:rPr lang="en-GB" dirty="0" err="1"/>
-              <a:t>liegen</a:t>
-            </a:r>
-            <a:r>
-              <a:rPr lang="en-GB" dirty="0"/>
-              <a:t> in </a:t>
-            </a:r>
-            <a:r>
-              <a:rPr lang="en-GB" i="1" dirty="0"/>
-              <a:t>Complementary Learning Systems</a:t>
-            </a:r>
-            <a:r>
-              <a:rPr lang="en-GB" dirty="0"/>
-              <a:t> (CLS):</a:t>
-            </a:r>
-          </a:p>
-          <a:p>
-            <a:pPr lvl="1"/>
-            <a:r>
-              <a:rPr lang="en-GB" dirty="0" err="1"/>
-              <a:t>Biologisches</a:t>
-            </a:r>
-            <a:r>
-              <a:rPr lang="en-GB" dirty="0"/>
-              <a:t> </a:t>
-            </a:r>
-            <a:r>
-              <a:rPr lang="en-GB" dirty="0" err="1"/>
-              <a:t>Prinzip</a:t>
-            </a:r>
-            <a:r>
-              <a:rPr lang="en-GB" dirty="0"/>
-              <a:t> des </a:t>
-            </a:r>
-            <a:r>
-              <a:rPr lang="en-GB" dirty="0" err="1"/>
-              <a:t>Gehirnes</a:t>
-            </a:r>
-            <a:r>
-              <a:rPr lang="en-GB" dirty="0"/>
-              <a:t> von </a:t>
-            </a:r>
-            <a:r>
-              <a:rPr lang="en-GB" dirty="0" err="1"/>
-              <a:t>Säugetieren</a:t>
-            </a:r>
-            <a:endParaRPr lang="en-GB" dirty="0"/>
-          </a:p>
-          <a:p>
-            <a:pPr lvl="1"/>
-            <a:endParaRPr lang="en-GB" dirty="0"/>
-          </a:p>
-          <a:p>
-            <a:pPr lvl="1"/>
-            <a:endParaRPr lang="en-GB" dirty="0"/>
-          </a:p>
-          <a:p>
-            <a:pPr lvl="1"/>
-            <a:endParaRPr lang="en-GB" dirty="0"/>
-          </a:p>
-          <a:p>
-            <a:pPr lvl="1"/>
-            <a:endParaRPr lang="en-GB" dirty="0"/>
-          </a:p>
-          <a:p>
-            <a:pPr lvl="1"/>
-            <a:endParaRPr lang="en-GB" dirty="0"/>
-          </a:p>
-          <a:p>
-            <a:pPr lvl="1"/>
-            <a:r>
-              <a:rPr lang="en-GB" dirty="0"/>
-              <a:t>Hippocampus: </a:t>
-            </a:r>
-            <a:r>
-              <a:rPr lang="en-GB" dirty="0" err="1"/>
-              <a:t>Speicherung</a:t>
-            </a:r>
-            <a:r>
-              <a:rPr lang="en-GB" dirty="0"/>
-              <a:t> </a:t>
-            </a:r>
-            <a:r>
-              <a:rPr lang="en-GB" dirty="0" err="1"/>
-              <a:t>frischer</a:t>
-            </a:r>
-            <a:r>
-              <a:rPr lang="en-GB" dirty="0"/>
-              <a:t> </a:t>
-            </a:r>
-            <a:r>
-              <a:rPr lang="en-GB" dirty="0" err="1"/>
-              <a:t>Erinnerung</a:t>
-            </a:r>
-            <a:r>
-              <a:rPr lang="en-GB" dirty="0"/>
-              <a:t> </a:t>
+              <a:rPr lang="en-GB" dirty="0" smtClean="0">
+                <a:sym typeface="Wingdings" panose="05000000000000000000" pitchFamily="2" charset="2"/>
+              </a:rPr>
+              <a:t>Rehearsal </a:t>
+            </a:r>
+            <a:r>
+              <a:rPr lang="en-GB" dirty="0" err="1">
+                <a:sym typeface="Wingdings" panose="05000000000000000000" pitchFamily="2" charset="2"/>
+              </a:rPr>
+              <a:t>Methoden</a:t>
             </a:r>
             <a:r>
               <a:rPr lang="en-GB" dirty="0">
                 <a:sym typeface="Wingdings" panose="05000000000000000000" pitchFamily="2" charset="2"/>
               </a:rPr>
-              <a:t> </a:t>
-            </a:r>
+              <a:t>:</a:t>
+            </a:r>
+          </a:p>
+          <a:p>
+            <a:pPr lvl="1"/>
             <a:r>
               <a:rPr lang="en-GB" dirty="0" err="1">
                 <a:sym typeface="Wingdings" panose="05000000000000000000" pitchFamily="2" charset="2"/>
               </a:rPr>
-              <a:t>Schnelllernend</a:t>
-            </a:r>
-            <a:endParaRPr lang="en-GB" dirty="0">
-              <a:sym typeface="Wingdings" panose="05000000000000000000" pitchFamily="2" charset="2"/>
-            </a:endParaRPr>
-          </a:p>
-          <a:p>
-            <a:pPr lvl="1"/>
+              <a:t>Speicherung</a:t>
+            </a:r>
             <a:r>
               <a:rPr lang="en-GB" dirty="0">
                 <a:sym typeface="Wingdings" panose="05000000000000000000" pitchFamily="2" charset="2"/>
               </a:rPr>
-              <a:t>Neocortex: </a:t>
+              <a:t> von </a:t>
             </a:r>
             <a:r>
               <a:rPr lang="en-GB" dirty="0" err="1">
                 <a:sym typeface="Wingdings" panose="05000000000000000000" pitchFamily="2" charset="2"/>
               </a:rPr>
-              <a:t>Generalisierung</a:t>
+              <a:t>Daten</a:t>
+            </a:r>
+            <a:r>
+              <a:rPr lang="en-GB" dirty="0">
+                <a:sym typeface="Wingdings" panose="05000000000000000000" pitchFamily="2" charset="2"/>
+              </a:rPr>
+              <a:t> alter </a:t>
+            </a:r>
+            <a:r>
+              <a:rPr lang="en-GB" dirty="0" err="1" smtClean="0">
+                <a:sym typeface="Wingdings" panose="05000000000000000000" pitchFamily="2" charset="2"/>
+              </a:rPr>
+              <a:t>Aufgaben</a:t>
+            </a:r>
+            <a:r>
+              <a:rPr lang="en-GB" dirty="0" smtClean="0">
+                <a:sym typeface="Wingdings" panose="05000000000000000000" pitchFamily="2" charset="2"/>
+              </a:rPr>
+              <a:t> </a:t>
+            </a:r>
+            <a:r>
+              <a:rPr lang="en-GB" dirty="0">
+                <a:sym typeface="Wingdings" panose="05000000000000000000" pitchFamily="2" charset="2"/>
+              </a:rPr>
+              <a:t>und </a:t>
+            </a:r>
+            <a:r>
+              <a:rPr lang="en-GB" dirty="0" err="1">
+                <a:sym typeface="Wingdings" panose="05000000000000000000" pitchFamily="2" charset="2"/>
+              </a:rPr>
+              <a:t>Hinzufügen</a:t>
+            </a:r>
+            <a:r>
+              <a:rPr lang="en-GB" dirty="0">
+                <a:sym typeface="Wingdings" panose="05000000000000000000" pitchFamily="2" charset="2"/>
+              </a:rPr>
+              <a:t> </a:t>
+            </a:r>
+            <a:r>
+              <a:rPr lang="en-GB" dirty="0" err="1">
+                <a:sym typeface="Wingdings" panose="05000000000000000000" pitchFamily="2" charset="2"/>
+              </a:rPr>
+              <a:t>zum</a:t>
+            </a:r>
+            <a:r>
+              <a:rPr lang="en-GB" dirty="0">
+                <a:sym typeface="Wingdings" panose="05000000000000000000" pitchFamily="2" charset="2"/>
+              </a:rPr>
+              <a:t> </a:t>
+            </a:r>
+            <a:r>
+              <a:rPr lang="en-GB" dirty="0" err="1">
+                <a:sym typeface="Wingdings" panose="05000000000000000000" pitchFamily="2" charset="2"/>
+              </a:rPr>
+              <a:t>Trainingsprozess</a:t>
             </a:r>
             <a:r>
               <a:rPr lang="en-GB" dirty="0">
@@ -24779,19 +28035,43 @@
               <a:rPr lang="en-GB" dirty="0" err="1">
                 <a:sym typeface="Wingdings" panose="05000000000000000000" pitchFamily="2" charset="2"/>
               </a:rPr>
-              <a:t>Erinnerungen</a:t>
+              <a:t>neuen</a:t>
             </a:r>
             <a:r>
               <a:rPr lang="en-GB" dirty="0">
                 <a:sym typeface="Wingdings" panose="05000000000000000000" pitchFamily="2" charset="2"/>
               </a:rPr>
-              <a:t>  </a:t>
+              <a:t> Aufgabe</a:t>
+            </a:r>
+          </a:p>
+          <a:p>
+            <a:pPr lvl="1">
+              <a:buFont typeface="Wingdings" panose="05000000000000000000" pitchFamily="2" charset="2"/>
+              <a:buChar char="à"/>
+            </a:pPr>
+            <a:r>
+              <a:rPr lang="en-GB" dirty="0">
+                <a:sym typeface="Wingdings" panose="05000000000000000000" pitchFamily="2" charset="2"/>
+              </a:rPr>
+              <a:t>“</a:t>
             </a:r>
             <a:r>
               <a:rPr lang="en-GB" dirty="0" err="1">
                 <a:sym typeface="Wingdings" panose="05000000000000000000" pitchFamily="2" charset="2"/>
               </a:rPr>
-              <a:t>Langsam</a:t>
+              <a:t>Austricksen</a:t>
+            </a:r>
+            <a:r>
+              <a:rPr lang="en-GB" dirty="0">
+                <a:sym typeface="Wingdings" panose="05000000000000000000" pitchFamily="2" charset="2"/>
+              </a:rPr>
+              <a:t>” des </a:t>
+            </a:r>
+            <a:r>
+              <a:rPr lang="en-GB" dirty="0" err="1">
+                <a:sym typeface="Wingdings" panose="05000000000000000000" pitchFamily="2" charset="2"/>
+              </a:rPr>
+              <a:t>katastrophalen</a:t>
             </a:r>
             <a:r>
               <a:rPr lang="en-GB" dirty="0">
@@ -24803,7 +28083,7 @@
               <a:rPr lang="en-GB" dirty="0" err="1">
                 <a:sym typeface="Wingdings" panose="05000000000000000000" pitchFamily="2" charset="2"/>
               </a:rPr>
-              <a:t>Lernendes</a:t>
+              <a:t>Vergessen</a:t>
             </a:r>
             <a:r>
               <a:rPr lang="en-GB" dirty="0">
@@ -24815,12 +28095,65 @@
               <a:rPr lang="en-GB" dirty="0" err="1">
                 <a:sym typeface="Wingdings" panose="05000000000000000000" pitchFamily="2" charset="2"/>
               </a:rPr>
-              <a:t>Netz</a:t>
-            </a:r>
-            <a:endParaRPr lang="en-GB" dirty="0"/>
-          </a:p>
-          <a:p>
-            <a:pPr lvl="1"/>
+              <a:t>durch</a:t>
+            </a:r>
+            <a:r>
+              <a:rPr lang="en-GB" dirty="0">
+                <a:sym typeface="Wingdings" panose="05000000000000000000" pitchFamily="2" charset="2"/>
+              </a:rPr>
+              <a:t> </a:t>
+            </a:r>
+            <a:r>
+              <a:rPr lang="en-GB" dirty="0" err="1">
+                <a:sym typeface="Wingdings" panose="05000000000000000000" pitchFamily="2" charset="2"/>
+              </a:rPr>
+              <a:t>Trainingsdaten</a:t>
+            </a:r>
+            <a:r>
+              <a:rPr lang="en-GB" dirty="0">
+                <a:sym typeface="Wingdings" panose="05000000000000000000" pitchFamily="2" charset="2"/>
+              </a:rPr>
+              <a:t> alter </a:t>
+            </a:r>
+            <a:r>
+              <a:rPr lang="en-GB" dirty="0" err="1">
+                <a:sym typeface="Wingdings" panose="05000000000000000000" pitchFamily="2" charset="2"/>
+              </a:rPr>
+              <a:t>Aufgaben</a:t>
+            </a:r>
+            <a:endParaRPr lang="en-GB" dirty="0">
+              <a:sym typeface="Wingdings" panose="05000000000000000000" pitchFamily="2" charset="2"/>
+            </a:endParaRPr>
+          </a:p>
+          <a:p>
+            <a:pPr lvl="1">
+              <a:buFont typeface="Wingdings" panose="05000000000000000000" pitchFamily="2" charset="2"/>
+              <a:buChar char="à"/>
+            </a:pPr>
+            <a:r>
+              <a:rPr lang="en-GB" dirty="0">
+                <a:sym typeface="Wingdings" panose="05000000000000000000" pitchFamily="2" charset="2"/>
+              </a:rPr>
+              <a:t> </a:t>
+            </a:r>
+            <a:r>
+              <a:rPr lang="en-GB" dirty="0" err="1">
+                <a:sym typeface="Wingdings" panose="05000000000000000000" pitchFamily="2" charset="2"/>
+              </a:rPr>
+              <a:t>Hoher</a:t>
+            </a:r>
+            <a:r>
+              <a:rPr lang="en-GB" dirty="0">
+                <a:sym typeface="Wingdings" panose="05000000000000000000" pitchFamily="2" charset="2"/>
+              </a:rPr>
+              <a:t> </a:t>
+            </a:r>
+            <a:r>
+              <a:rPr lang="en-GB" dirty="0" err="1">
+                <a:sym typeface="Wingdings" panose="05000000000000000000" pitchFamily="2" charset="2"/>
+              </a:rPr>
+              <a:t>Speicheraufwand</a:t>
+            </a:r>
             <a:endParaRPr lang="en-GB" dirty="0"/>
           </a:p>
         </p:txBody>
@@ -24830,7 +28163,7 @@
           <p:cNvPr id="3" name="Datumsplatzhalter 2">
             <a:extLst>
               <a:ext uri="{FF2B5EF4-FFF2-40B4-BE49-F238E27FC236}">
-                <a16:creationId xmlns:a16="http://schemas.microsoft.com/office/drawing/2014/main" id="{BA3BA6FA-117A-4CC0-A512-AE1BFD75114F}"/>
+                <a16:creationId xmlns:a16="http://schemas.microsoft.com/office/drawing/2014/main" id="{6CD161CD-4F6B-4596-BB0B-50F583AB9380}"/>
               </a:ext>
             </a:extLst>
           </p:cNvPr>
@@ -24848,7 +28181,7 @@
           <a:p>
             <a:fld id="{92945389-04B4-460D-BD35-C57D41A2ECAA}" type="datetime1">
               <a:rPr lang="de-DE" smtClean="0"/>
-              <a:t>03.10.2019</a:t>
+              <a:t>07.10.2019</a:t>
             </a:fld>
             <a:endParaRPr lang="de-DE" dirty="0"/>
           </a:p>
@@ -24859,7 +28192,7 @@
           <p:cNvPr id="4" name="Fußzeilenplatzhalter 3">
             <a:extLst>
               <a:ext uri="{FF2B5EF4-FFF2-40B4-BE49-F238E27FC236}">
-                <a16:creationId xmlns:a16="http://schemas.microsoft.com/office/drawing/2014/main" id="{271784B5-B8D0-49A6-8C1B-70F68A306B65}"/>
+                <a16:creationId xmlns:a16="http://schemas.microsoft.com/office/drawing/2014/main" id="{017B494C-0921-412C-AD17-13F06582035F}"/>
               </a:ext>
             </a:extLst>
           </p:cNvPr>
@@ -24888,7 +28221,7 @@
           <p:cNvPr id="5" name="Foliennummernplatzhalter 4">
             <a:extLst>
               <a:ext uri="{FF2B5EF4-FFF2-40B4-BE49-F238E27FC236}">
-                <a16:creationId xmlns:a16="http://schemas.microsoft.com/office/drawing/2014/main" id="{0FBFB11A-0E3C-4568-ABCB-F24CB05E023B}"/>
+                <a16:creationId xmlns:a16="http://schemas.microsoft.com/office/drawing/2014/main" id="{38DB89FD-B161-4867-9B73-725F22BB431D}"/>
               </a:ext>
             </a:extLst>
           </p:cNvPr>
@@ -24917,7 +28250,7 @@
           <p:cNvPr id="6" name="Textplatzhalter 5">
             <a:extLst>
               <a:ext uri="{FF2B5EF4-FFF2-40B4-BE49-F238E27FC236}">
-                <a16:creationId xmlns:a16="http://schemas.microsoft.com/office/drawing/2014/main" id="{04827E6E-E23D-4C34-AC8D-F0D70014AC67}"/>
+                <a16:creationId xmlns:a16="http://schemas.microsoft.com/office/drawing/2014/main" id="{F7166FAE-93B5-4C0C-B9C1-701222889FB6}"/>
               </a:ext>
             </a:extLst>
           </p:cNvPr>
@@ -24945,7 +28278,7 @@
           <p:cNvPr id="7" name="Titel 6">
             <a:extLst>
               <a:ext uri="{FF2B5EF4-FFF2-40B4-BE49-F238E27FC236}">
-                <a16:creationId xmlns:a16="http://schemas.microsoft.com/office/drawing/2014/main" id="{811D3AD1-D75C-40A7-9286-543C024E6F06}"/>
+                <a16:creationId xmlns:a16="http://schemas.microsoft.com/office/drawing/2014/main" id="{A5F125E2-6D1C-440E-9FC6-5DDA25D2014C}"/>
               </a:ext>
             </a:extLst>
           </p:cNvPr>
@@ -24971,13 +28304,7 @@
       </p:sp>
       <p:pic>
         <p:nvPicPr>
-          <p:cNvPr id="8" name="Grafik 7">
-            <a:extLst>
-              <a:ext uri="{FF2B5EF4-FFF2-40B4-BE49-F238E27FC236}">
-                <a16:creationId xmlns:a16="http://schemas.microsoft.com/office/drawing/2014/main" id="{999988C6-8F26-4242-9323-6DE9402BCD5C}"/>
-              </a:ext>
-            </a:extLst>
-          </p:cNvPr>
+          <p:cNvPr id="14" name="Picture 13"/>
           <p:cNvPicPr>
             <a:picLocks noChangeAspect="1"/>
           </p:cNvPicPr>
@@ -24991,8 +28318,8 @@
         </p:blipFill>
         <p:spPr>
           <a:xfrm>
-            <a:off x="2088996" y="2649577"/>
-            <a:ext cx="3803824" cy="1521529"/>
+            <a:off x="1558795" y="3252410"/>
+            <a:ext cx="6026410" cy="2165590"/>
           </a:xfrm>
           <a:prstGeom prst="rect">
             <a:avLst/>
@@ -25002,13 +28329,20 @@
     </p:spTree>
     <p:extLst>
       <p:ext uri="{BB962C8B-B14F-4D97-AF65-F5344CB8AC3E}">
-        <p14:creationId xmlns:p14="http://schemas.microsoft.com/office/powerpoint/2010/main" val="3544328586"/>
+        <p14:creationId xmlns:p14="http://schemas.microsoft.com/office/powerpoint/2010/main" val="1261193832"/>
       </p:ext>
     </p:extLst>
   </p:cSld>
   <p:clrMapOvr>
     <a:masterClrMapping/>
   </p:clrMapOvr>
+  <p:timing>
+    <p:tnLst>
+      <p:par>
+        <p:cTn id="1" dur="indefinite" restart="never" nodeType="tmRoot"/>
+      </p:par>
+    </p:tnLst>
+  </p:timing>
 </p:sld>
 </file>
 
